--- a/presentation.pptx
+++ b/presentation.pptx
@@ -7,10 +7,13 @@
   <p:sldIdLst>
     <p:sldId id="256" r:id="rId2"/>
     <p:sldId id="257" r:id="rId3"/>
-    <p:sldId id="258" r:id="rId4"/>
-    <p:sldId id="259" r:id="rId5"/>
-    <p:sldId id="260" r:id="rId6"/>
-    <p:sldId id="261" r:id="rId7"/>
+    <p:sldId id="263" r:id="rId4"/>
+    <p:sldId id="261" r:id="rId5"/>
+    <p:sldId id="262" r:id="rId6"/>
+    <p:sldId id="264" r:id="rId7"/>
+    <p:sldId id="260" r:id="rId8"/>
+    <p:sldId id="258" r:id="rId9"/>
+    <p:sldId id="259" r:id="rId10"/>
   </p:sldIdLst>
   <p:sldSz cx="12192000" cy="6858000"/>
   <p:notesSz cx="6858000" cy="9144000"/>
@@ -3469,8 +3472,8 @@
           </a:p>
         </p:txBody>
       </p:sp>
-      <mc:AlternateContent xmlns:mc="http://schemas.openxmlformats.org/markup-compatibility/2006" xmlns:a14="http://schemas.microsoft.com/office/drawing/2010/main">
-        <mc:Choice Requires="a14">
+      <mc:AlternateContent xmlns:mc="http://schemas.openxmlformats.org/markup-compatibility/2006">
+        <mc:Choice xmlns:a14="http://schemas.microsoft.com/office/drawing/2010/main" Requires="a14">
           <p:sp>
             <p:nvSpPr>
               <p:cNvPr id="3" name="Content Placeholder 2">
@@ -3501,31 +3504,12 @@
                 </a:r>
                 <a14:m>
                   <m:oMath xmlns:m="http://schemas.openxmlformats.org/officeDocument/2006/math">
-                    <m:sSub>
-                      <m:sSubPr>
-                        <m:ctrlPr>
-                          <a:rPr lang="en-US" b="0" i="1" smtClean="0">
-                            <a:latin typeface="Cambria Math" panose="02040503050406030204" pitchFamily="18" charset="0"/>
-                          </a:rPr>
-                        </m:ctrlPr>
-                      </m:sSubPr>
-                      <m:e>
-                        <m:r>
-                          <a:rPr lang="en-US" b="0" i="1" smtClean="0">
-                            <a:latin typeface="Cambria Math" panose="02040503050406030204" pitchFamily="18" charset="0"/>
-                          </a:rPr>
-                          <m:t>𝑥</m:t>
-                        </m:r>
-                      </m:e>
-                      <m:sub>
-                        <m:r>
-                          <a:rPr lang="en-US" b="0" i="1" smtClean="0">
-                            <a:latin typeface="Cambria Math" panose="02040503050406030204" pitchFamily="18" charset="0"/>
-                          </a:rPr>
-                          <m:t>𝑡</m:t>
-                        </m:r>
-                      </m:sub>
-                    </m:sSub>
+                    <m:r>
+                      <a:rPr lang="en-US" b="0" i="1" smtClean="0">
+                        <a:latin typeface="Cambria Math" panose="02040503050406030204" pitchFamily="18" charset="0"/>
+                      </a:rPr>
+                      <m:t>𝑥</m:t>
+                    </m:r>
                     <m:r>
                       <a:rPr lang="en-US" b="0" i="1" smtClean="0">
                         <a:latin typeface="Cambria Math" panose="02040503050406030204" pitchFamily="18" charset="0"/>
@@ -3574,31 +3558,12 @@
                 </a:r>
                 <a14:m>
                   <m:oMath xmlns:m="http://schemas.openxmlformats.org/officeDocument/2006/math">
-                    <m:sSub>
-                      <m:sSubPr>
-                        <m:ctrlPr>
-                          <a:rPr lang="en-US" b="0" i="1" smtClean="0">
-                            <a:latin typeface="Cambria Math" panose="02040503050406030204" pitchFamily="18" charset="0"/>
-                          </a:rPr>
-                        </m:ctrlPr>
-                      </m:sSubPr>
-                      <m:e>
-                        <m:r>
-                          <a:rPr lang="en-US" b="0" i="1" smtClean="0">
-                            <a:latin typeface="Cambria Math" panose="02040503050406030204" pitchFamily="18" charset="0"/>
-                          </a:rPr>
-                          <m:t>𝑦</m:t>
-                        </m:r>
-                      </m:e>
-                      <m:sub>
-                        <m:r>
-                          <a:rPr lang="en-US" b="0" i="1" smtClean="0">
-                            <a:latin typeface="Cambria Math" panose="02040503050406030204" pitchFamily="18" charset="0"/>
-                          </a:rPr>
-                          <m:t>𝑡</m:t>
-                        </m:r>
-                      </m:sub>
-                    </m:sSub>
+                    <m:r>
+                      <a:rPr lang="en-US" b="0" i="1" smtClean="0">
+                        <a:latin typeface="Cambria Math" panose="02040503050406030204" pitchFamily="18" charset="0"/>
+                      </a:rPr>
+                      <m:t>𝑦</m:t>
+                    </m:r>
                     <m:r>
                       <a:rPr lang="en-US" b="0" i="1" smtClean="0">
                         <a:latin typeface="Cambria Math" panose="02040503050406030204" pitchFamily="18" charset="0"/>
@@ -3653,167 +3618,34 @@
                 </a:r>
                 <a14:m>
                   <m:oMath xmlns:m="http://schemas.openxmlformats.org/officeDocument/2006/math">
-                    <m:sSub>
-                      <m:sSubPr>
-                        <m:ctrlPr>
-                          <a:rPr lang="en-US" b="0" i="1" smtClean="0">
-                            <a:latin typeface="Cambria Math" panose="02040503050406030204" pitchFamily="18" charset="0"/>
-                          </a:rPr>
-                        </m:ctrlPr>
-                      </m:sSubPr>
-                      <m:e>
-                        <m:r>
-                          <a:rPr lang="en-US" b="0" i="1" smtClean="0">
-                            <a:latin typeface="Cambria Math" panose="02040503050406030204" pitchFamily="18" charset="0"/>
-                          </a:rPr>
-                          <m:t>𝑥</m:t>
-                        </m:r>
-                      </m:e>
-                      <m:sub>
-                        <m:r>
-                          <a:rPr lang="en-US" b="0" i="1" smtClean="0">
-                            <a:latin typeface="Cambria Math" panose="02040503050406030204" pitchFamily="18" charset="0"/>
-                          </a:rPr>
-                          <m:t>𝑡</m:t>
-                        </m:r>
-                      </m:sub>
-                    </m:sSub>
+                    <m:r>
+                      <a:rPr lang="en-US" b="0" i="1" smtClean="0">
+                        <a:latin typeface="Cambria Math" panose="02040503050406030204" pitchFamily="18" charset="0"/>
+                      </a:rPr>
+                      <m:t>𝑥</m:t>
+                    </m:r>
                   </m:oMath>
                 </a14:m>
                 <a:r>
                   <a:rPr lang="en-US" dirty="0"/>
-                  <a:t> based on the output history </a:t>
+                  <a:t> based on</a:t>
                 </a:r>
                 <a14:m>
                   <m:oMath xmlns:m="http://schemas.openxmlformats.org/officeDocument/2006/math">
-                    <m:sSub>
-                      <m:sSubPr>
-                        <m:ctrlPr>
-                          <a:rPr lang="en-US" b="0" i="1" smtClean="0">
-                            <a:latin typeface="Cambria Math" panose="02040503050406030204" pitchFamily="18" charset="0"/>
-                          </a:rPr>
-                        </m:ctrlPr>
-                      </m:sSubPr>
-                      <m:e>
-                        <m:r>
-                          <a:rPr lang="en-US" b="0" i="1" smtClean="0">
-                            <a:latin typeface="Cambria Math" panose="02040503050406030204" pitchFamily="18" charset="0"/>
-                          </a:rPr>
-                          <m:t>𝑌</m:t>
-                        </m:r>
-                      </m:e>
-                      <m:sub>
-                        <m:r>
-                          <a:rPr lang="en-US" b="0" i="1" smtClean="0">
-                            <a:latin typeface="Cambria Math" panose="02040503050406030204" pitchFamily="18" charset="0"/>
-                          </a:rPr>
-                          <m:t>𝑇</m:t>
-                        </m:r>
-                      </m:sub>
-                    </m:sSub>
-                    <m:limUpp>
-                      <m:limUppPr>
-                        <m:ctrlPr>
-                          <a:rPr lang="en-US" b="0" i="1" smtClean="0">
-                            <a:latin typeface="Cambria Math" panose="02040503050406030204" pitchFamily="18" charset="0"/>
-                          </a:rPr>
-                        </m:ctrlPr>
-                      </m:limUppPr>
-                      <m:e>
-                        <m:r>
-                          <a:rPr lang="en-US" b="0" i="1" smtClean="0">
-                            <a:latin typeface="Cambria Math" panose="02040503050406030204" pitchFamily="18" charset="0"/>
-                          </a:rPr>
-                          <m:t>=</m:t>
-                        </m:r>
-                      </m:e>
-                      <m:lim>
-                        <m:r>
-                          <m:rPr>
-                            <m:sty m:val="p"/>
-                          </m:rPr>
-                          <a:rPr lang="en-US" b="0" i="0" smtClean="0">
-                            <a:latin typeface="Cambria Math" panose="02040503050406030204" pitchFamily="18" charset="0"/>
-                          </a:rPr>
-                          <m:t>Δ</m:t>
-                        </m:r>
-                      </m:lim>
-                    </m:limUpp>
-                    <m:d>
-                      <m:dPr>
-                        <m:ctrlPr>
-                          <a:rPr lang="en-US" b="0" i="1" smtClean="0">
-                            <a:latin typeface="Cambria Math" panose="02040503050406030204" pitchFamily="18" charset="0"/>
-                          </a:rPr>
-                        </m:ctrlPr>
-                      </m:dPr>
-                      <m:e>
-                        <m:sSub>
-                          <m:sSubPr>
-                            <m:ctrlPr>
-                              <a:rPr lang="en-US" b="0" i="1" smtClean="0">
-                                <a:latin typeface="Cambria Math" panose="02040503050406030204" pitchFamily="18" charset="0"/>
-                              </a:rPr>
-                            </m:ctrlPr>
-                          </m:sSubPr>
-                          <m:e>
-                            <m:r>
-                              <a:rPr lang="en-US" b="0" i="1" smtClean="0">
-                                <a:latin typeface="Cambria Math" panose="02040503050406030204" pitchFamily="18" charset="0"/>
-                              </a:rPr>
-                              <m:t>𝑦</m:t>
-                            </m:r>
-                          </m:e>
-                          <m:sub>
-                            <m:r>
-                              <a:rPr lang="en-US" b="0" i="1" smtClean="0">
-                                <a:latin typeface="Cambria Math" panose="02040503050406030204" pitchFamily="18" charset="0"/>
-                              </a:rPr>
-                              <m:t>1</m:t>
-                            </m:r>
-                          </m:sub>
-                        </m:sSub>
-                        <m:r>
-                          <a:rPr lang="en-US" b="0" i="1" smtClean="0">
-                            <a:latin typeface="Cambria Math" panose="02040503050406030204" pitchFamily="18" charset="0"/>
-                          </a:rPr>
-                          <m:t>, …, </m:t>
-                        </m:r>
-                        <m:sSub>
-                          <m:sSubPr>
-                            <m:ctrlPr>
-                              <a:rPr lang="en-US" b="0" i="1" smtClean="0">
-                                <a:latin typeface="Cambria Math" panose="02040503050406030204" pitchFamily="18" charset="0"/>
-                              </a:rPr>
-                            </m:ctrlPr>
-                          </m:sSubPr>
-                          <m:e>
-                            <m:r>
-                              <a:rPr lang="en-US" b="0" i="1" smtClean="0">
-                                <a:latin typeface="Cambria Math" panose="02040503050406030204" pitchFamily="18" charset="0"/>
-                              </a:rPr>
-                              <m:t>𝑦</m:t>
-                            </m:r>
-                          </m:e>
-                          <m:sub>
-                            <m:r>
-                              <a:rPr lang="en-US" b="0" i="1" smtClean="0">
-                                <a:latin typeface="Cambria Math" panose="02040503050406030204" pitchFamily="18" charset="0"/>
-                              </a:rPr>
-                              <m:t>𝑡</m:t>
-                            </m:r>
-                          </m:sub>
-                        </m:sSub>
-                      </m:e>
-                    </m:d>
+                    <m:r>
+                      <a:rPr lang="en-US" b="0" i="0" smtClean="0">
+                        <a:latin typeface="Cambria Math" panose="02040503050406030204" pitchFamily="18" charset="0"/>
+                      </a:rPr>
+                      <m:t> </m:t>
+                    </m:r>
+                    <m:r>
+                      <a:rPr lang="en-US" b="0" i="1" smtClean="0">
+                        <a:latin typeface="Cambria Math" panose="02040503050406030204" pitchFamily="18" charset="0"/>
+                      </a:rPr>
+                      <m:t>𝑦</m:t>
+                    </m:r>
                   </m:oMath>
                 </a14:m>
-                <a:endParaRPr lang="en-US" dirty="0"/>
-              </a:p>
-              <a:p>
-                <a:pPr marL="0" indent="0">
-                  <a:buNone/>
-                </a:pPr>
                 <a:endParaRPr lang="en-US" dirty="0"/>
               </a:p>
               <a:p>
@@ -3825,7 +3657,7 @@
             </p:txBody>
           </p:sp>
         </mc:Choice>
-        <mc:Fallback xmlns="">
+        <mc:Fallback>
           <p:sp>
             <p:nvSpPr>
               <p:cNvPr id="3" name="Content Placeholder 2">
@@ -3900,7 +3732,7 @@
           <p:cNvPr id="2" name="Title 1">
             <a:extLst>
               <a:ext uri="{FF2B5EF4-FFF2-40B4-BE49-F238E27FC236}">
-                <a16:creationId xmlns:a16="http://schemas.microsoft.com/office/drawing/2014/main" id="{A8CBD66E-FAFC-E774-6428-65026D8128A3}"/>
+                <a16:creationId xmlns:a16="http://schemas.microsoft.com/office/drawing/2014/main" id="{8E58496D-F36C-3315-056A-E045E66ED8E4}"/>
               </a:ext>
             </a:extLst>
           </p:cNvPr>
@@ -3918,20 +3750,20 @@
           <a:p>
             <a:r>
               <a:rPr lang="en-US" dirty="0"/>
-              <a:t>Background</a:t>
+              <a:t>Goal</a:t>
             </a:r>
             <a:endParaRPr lang="en-IL" dirty="0"/>
           </a:p>
         </p:txBody>
       </p:sp>
-      <mc:AlternateContent xmlns:mc="http://schemas.openxmlformats.org/markup-compatibility/2006" xmlns:a14="http://schemas.microsoft.com/office/drawing/2010/main">
-        <mc:Choice Requires="a14">
+      <mc:AlternateContent xmlns:mc="http://schemas.openxmlformats.org/markup-compatibility/2006">
+        <mc:Choice xmlns:a14="http://schemas.microsoft.com/office/drawing/2010/main" Requires="a14">
           <p:sp>
             <p:nvSpPr>
               <p:cNvPr id="3" name="Content Placeholder 2">
                 <a:extLst>
                   <a:ext uri="{FF2B5EF4-FFF2-40B4-BE49-F238E27FC236}">
-                    <a16:creationId xmlns:a16="http://schemas.microsoft.com/office/drawing/2014/main" id="{986DAB35-67BB-17CE-A7B4-1F38AED6C979}"/>
+                    <a16:creationId xmlns:a16="http://schemas.microsoft.com/office/drawing/2014/main" id="{CCB024AB-BE68-A83A-4419-612EF96959DE}"/>
                   </a:ext>
                 </a:extLst>
               </p:cNvPr>
@@ -3952,40 +3784,7 @@
                 </a:pPr>
                 <a:r>
                   <a:rPr lang="en-US" dirty="0"/>
-                  <a:t>Denote </a:t>
-                </a:r>
-                <a14:m>
-                  <m:oMath xmlns:m="http://schemas.openxmlformats.org/officeDocument/2006/math">
-                    <m:sSub>
-                      <m:sSubPr>
-                        <m:ctrlPr>
-                          <a:rPr lang="en-US" b="0" i="1" smtClean="0">
-                            <a:latin typeface="Cambria Math" panose="02040503050406030204" pitchFamily="18" charset="0"/>
-                          </a:rPr>
-                        </m:ctrlPr>
-                      </m:sSubPr>
-                      <m:e>
-                        <m:r>
-                          <a:rPr lang="en-US" b="0" i="1" smtClean="0">
-                            <a:latin typeface="Cambria Math" panose="02040503050406030204" pitchFamily="18" charset="0"/>
-                          </a:rPr>
-                          <m:t>𝑧</m:t>
-                        </m:r>
-                      </m:e>
-                      <m:sub>
-                        <m:r>
-                          <a:rPr lang="en-US" b="0" i="1" smtClean="0">
-                            <a:latin typeface="Cambria Math" panose="02040503050406030204" pitchFamily="18" charset="0"/>
-                          </a:rPr>
-                          <m:t>𝑡</m:t>
-                        </m:r>
-                      </m:sub>
-                    </m:sSub>
-                  </m:oMath>
-                </a14:m>
-                <a:r>
-                  <a:rPr lang="en-US" dirty="0"/>
-                  <a:t> as </a:t>
+                  <a:t>We want to choose an estimator – given </a:t>
                 </a:r>
                 <a14:m>
                   <m:oMath xmlns:m="http://schemas.openxmlformats.org/officeDocument/2006/math">
@@ -3993,88 +3792,84 @@
                       <a:rPr lang="en-US" b="0" i="1" smtClean="0">
                         <a:latin typeface="Cambria Math" panose="02040503050406030204" pitchFamily="18" charset="0"/>
                       </a:rPr>
-                      <m:t>𝑧</m:t>
+                      <m:t>𝑦</m:t>
                     </m:r>
                     <m:r>
                       <a:rPr lang="en-US" b="0" i="1" smtClean="0">
                         <a:latin typeface="Cambria Math" panose="02040503050406030204" pitchFamily="18" charset="0"/>
                       </a:rPr>
-                      <m:t>=</m:t>
+                      <m:t>∈</m:t>
                     </m:r>
-                    <m:d>
-                      <m:dPr>
+                    <m:sSup>
+                      <m:sSupPr>
                         <m:ctrlPr>
                           <a:rPr lang="en-US" b="0" i="1" smtClean="0">
                             <a:latin typeface="Cambria Math" panose="02040503050406030204" pitchFamily="18" charset="0"/>
                           </a:rPr>
                         </m:ctrlPr>
-                      </m:dPr>
+                      </m:sSupPr>
                       <m:e>
-                        <m:eqArr>
-                          <m:eqArrPr>
-                            <m:ctrlPr>
-                              <a:rPr lang="en-US" b="0" i="1" smtClean="0">
-                                <a:latin typeface="Cambria Math" panose="02040503050406030204" pitchFamily="18" charset="0"/>
-                              </a:rPr>
-                            </m:ctrlPr>
-                          </m:eqArrPr>
-                          <m:e>
-                            <m:sSub>
-                              <m:sSubPr>
-                                <m:ctrlPr>
-                                  <a:rPr lang="en-US" b="0" i="1" smtClean="0">
-                                    <a:latin typeface="Cambria Math" panose="02040503050406030204" pitchFamily="18" charset="0"/>
-                                  </a:rPr>
-                                </m:ctrlPr>
-                              </m:sSubPr>
-                              <m:e>
-                                <m:r>
-                                  <a:rPr lang="en-US" b="0" i="1" smtClean="0">
-                                    <a:latin typeface="Cambria Math" panose="02040503050406030204" pitchFamily="18" charset="0"/>
-                                  </a:rPr>
-                                  <m:t>𝑥</m:t>
-                                </m:r>
-                              </m:e>
-                              <m:sub>
-                                <m:r>
-                                  <a:rPr lang="en-US" b="0" i="1" smtClean="0">
-                                    <a:latin typeface="Cambria Math" panose="02040503050406030204" pitchFamily="18" charset="0"/>
-                                  </a:rPr>
-                                  <m:t>𝑡</m:t>
-                                </m:r>
-                              </m:sub>
-                            </m:sSub>
-                          </m:e>
-                          <m:e>
-                            <m:sSub>
-                              <m:sSubPr>
-                                <m:ctrlPr>
-                                  <a:rPr lang="en-US" b="0" i="1" smtClean="0">
-                                    <a:latin typeface="Cambria Math" panose="02040503050406030204" pitchFamily="18" charset="0"/>
-                                  </a:rPr>
-                                </m:ctrlPr>
-                              </m:sSubPr>
-                              <m:e>
-                                <m:r>
-                                  <a:rPr lang="en-US" b="0" i="1" smtClean="0">
-                                    <a:latin typeface="Cambria Math" panose="02040503050406030204" pitchFamily="18" charset="0"/>
-                                  </a:rPr>
-                                  <m:t>𝑦</m:t>
-                                </m:r>
-                              </m:e>
-                              <m:sub>
-                                <m:r>
-                                  <a:rPr lang="en-US" b="0" i="1" smtClean="0">
-                                    <a:latin typeface="Cambria Math" panose="02040503050406030204" pitchFamily="18" charset="0"/>
-                                  </a:rPr>
-                                  <m:t>𝑡</m:t>
-                                </m:r>
-                              </m:sub>
-                            </m:sSub>
-                          </m:e>
-                        </m:eqArr>
+                        <m:r>
+                          <a:rPr lang="en-US" b="0" i="1" smtClean="0">
+                            <a:latin typeface="Cambria Math" panose="02040503050406030204" pitchFamily="18" charset="0"/>
+                          </a:rPr>
+                          <m:t>𝑅</m:t>
+                        </m:r>
                       </m:e>
-                    </m:d>
+                      <m:sup>
+                        <m:r>
+                          <a:rPr lang="en-US" b="0" i="1" smtClean="0">
+                            <a:latin typeface="Cambria Math" panose="02040503050406030204" pitchFamily="18" charset="0"/>
+                          </a:rPr>
+                          <m:t>𝑚</m:t>
+                        </m:r>
+                      </m:sup>
+                    </m:sSup>
+                  </m:oMath>
+                </a14:m>
+                <a:r>
+                  <a:rPr lang="en-US" dirty="0"/>
+                  <a:t>, predict </a:t>
+                </a:r>
+                <a14:m>
+                  <m:oMath xmlns:m="http://schemas.openxmlformats.org/officeDocument/2006/math">
+                    <m:r>
+                      <a:rPr lang="en-US" b="0" i="1" smtClean="0">
+                        <a:latin typeface="Cambria Math" panose="02040503050406030204" pitchFamily="18" charset="0"/>
+                      </a:rPr>
+                      <m:t>𝑥</m:t>
+                    </m:r>
+                    <m:r>
+                      <a:rPr lang="en-US" b="0" i="1" smtClean="0">
+                        <a:latin typeface="Cambria Math" panose="02040503050406030204" pitchFamily="18" charset="0"/>
+                      </a:rPr>
+                      <m:t>∈</m:t>
+                    </m:r>
+                    <m:sSup>
+                      <m:sSupPr>
+                        <m:ctrlPr>
+                          <a:rPr lang="en-US" b="0" i="1" smtClean="0">
+                            <a:latin typeface="Cambria Math" panose="02040503050406030204" pitchFamily="18" charset="0"/>
+                          </a:rPr>
+                        </m:ctrlPr>
+                      </m:sSupPr>
+                      <m:e>
+                        <m:r>
+                          <a:rPr lang="en-US" b="0" i="1" smtClean="0">
+                            <a:latin typeface="Cambria Math" panose="02040503050406030204" pitchFamily="18" charset="0"/>
+                          </a:rPr>
+                          <m:t>𝑅</m:t>
+                        </m:r>
+                      </m:e>
+                      <m:sup>
+                        <m:r>
+                          <a:rPr lang="en-US" b="0" i="1" smtClean="0">
+                            <a:latin typeface="Cambria Math" panose="02040503050406030204" pitchFamily="18" charset="0"/>
+                          </a:rPr>
+                          <m:t>𝑛</m:t>
+                        </m:r>
+                      </m:sup>
+                    </m:sSup>
                   </m:oMath>
                 </a14:m>
                 <a:r>
@@ -4088,104 +3883,7 @@
                 </a:pPr>
                 <a:r>
                   <a:rPr lang="en-US" dirty="0"/>
-                  <a:t>The nominal distribution </a:t>
-                </a:r>
-                <a14:m>
-                  <m:oMath xmlns:m="http://schemas.openxmlformats.org/officeDocument/2006/math">
-                    <m:sSubSup>
-                      <m:sSubSupPr>
-                        <m:ctrlPr>
-                          <a:rPr lang="en-US" b="0" i="1" smtClean="0">
-                            <a:latin typeface="Cambria Math" panose="02040503050406030204" pitchFamily="18" charset="0"/>
-                          </a:rPr>
-                        </m:ctrlPr>
-                      </m:sSubSupPr>
-                      <m:e>
-                        <m:r>
-                          <a:rPr lang="en-US" b="0" i="1" smtClean="0">
-                            <a:latin typeface="Cambria Math" panose="02040503050406030204" pitchFamily="18" charset="0"/>
-                          </a:rPr>
-                          <m:t>ℙ</m:t>
-                        </m:r>
-                      </m:e>
-                      <m:sub>
-                        <m:sSub>
-                          <m:sSubPr>
-                            <m:ctrlPr>
-                              <a:rPr lang="en-US" b="0" i="1" smtClean="0">
-                                <a:latin typeface="Cambria Math" panose="02040503050406030204" pitchFamily="18" charset="0"/>
-                              </a:rPr>
-                            </m:ctrlPr>
-                          </m:sSubPr>
-                          <m:e>
-                            <m:r>
-                              <a:rPr lang="en-US" b="0" i="1" smtClean="0">
-                                <a:latin typeface="Cambria Math" panose="02040503050406030204" pitchFamily="18" charset="0"/>
-                              </a:rPr>
-                              <m:t>𝑧</m:t>
-                            </m:r>
-                          </m:e>
-                          <m:sub>
-                            <m:r>
-                              <a:rPr lang="en-US" b="0" i="1" smtClean="0">
-                                <a:latin typeface="Cambria Math" panose="02040503050406030204" pitchFamily="18" charset="0"/>
-                              </a:rPr>
-                              <m:t>𝑡</m:t>
-                            </m:r>
-                          </m:sub>
-                        </m:sSub>
-                        <m:r>
-                          <a:rPr lang="en-US" b="0" i="1" smtClean="0">
-                            <a:latin typeface="Cambria Math" panose="02040503050406030204" pitchFamily="18" charset="0"/>
-                          </a:rPr>
-                          <m:t>|</m:t>
-                        </m:r>
-                        <m:sSub>
-                          <m:sSubPr>
-                            <m:ctrlPr>
-                              <a:rPr lang="en-US" b="0" i="1" smtClean="0">
-                                <a:latin typeface="Cambria Math" panose="02040503050406030204" pitchFamily="18" charset="0"/>
-                              </a:rPr>
-                            </m:ctrlPr>
-                          </m:sSubPr>
-                          <m:e>
-                            <m:r>
-                              <a:rPr lang="en-US" b="0" i="1" smtClean="0">
-                                <a:latin typeface="Cambria Math" panose="02040503050406030204" pitchFamily="18" charset="0"/>
-                              </a:rPr>
-                              <m:t>𝑥</m:t>
-                            </m:r>
-                          </m:e>
-                          <m:sub>
-                            <m:r>
-                              <a:rPr lang="en-US" b="0" i="1" smtClean="0">
-                                <a:latin typeface="Cambria Math" panose="02040503050406030204" pitchFamily="18" charset="0"/>
-                              </a:rPr>
-                              <m:t>𝑡</m:t>
-                            </m:r>
-                            <m:r>
-                              <a:rPr lang="en-US" b="0" i="1" smtClean="0">
-                                <a:latin typeface="Cambria Math" panose="02040503050406030204" pitchFamily="18" charset="0"/>
-                              </a:rPr>
-                              <m:t>−1</m:t>
-                            </m:r>
-                          </m:sub>
-                        </m:sSub>
-                      </m:sub>
-                      <m:sup>
-                        <m:r>
-                          <a:rPr lang="en-US" b="0" i="1" smtClean="0">
-                            <a:latin typeface="Cambria Math" panose="02040503050406030204" pitchFamily="18" charset="0"/>
-                          </a:rPr>
-                          <m:t>∗</m:t>
-                        </m:r>
-                      </m:sup>
-                    </m:sSubSup>
-                  </m:oMath>
-                </a14:m>
-                <a:r>
-                  <a:rPr lang="en-US" dirty="0"/>
-                  <a:t> is known and is:</a:t>
+                  <a:t>In a simpler way:</a:t>
                 </a:r>
               </a:p>
               <a:p>
@@ -4198,1132 +3896,133 @@
                       <m:jc m:val="centerGroup"/>
                     </m:oMathParaPr>
                     <m:oMath xmlns:m="http://schemas.openxmlformats.org/officeDocument/2006/math">
-                      <m:sSub>
-                        <m:sSubPr>
+                      <m:func>
+                        <m:funcPr>
                           <m:ctrlPr>
                             <a:rPr lang="en-US" b="0" i="1" smtClean="0">
                               <a:latin typeface="Cambria Math" panose="02040503050406030204" pitchFamily="18" charset="0"/>
                             </a:rPr>
                           </m:ctrlPr>
-                        </m:sSubPr>
-                        <m:e>
-                          <m:r>
-                            <a:rPr lang="en-US" b="0" i="1" smtClean="0">
-                              <a:latin typeface="Cambria Math" panose="02040503050406030204" pitchFamily="18" charset="0"/>
-                            </a:rPr>
-                            <m:t>𝑥</m:t>
-                          </m:r>
-                        </m:e>
-                        <m:sub>
-                          <m:r>
-                            <a:rPr lang="en-US" b="0" i="1" smtClean="0">
-                              <a:latin typeface="Cambria Math" panose="02040503050406030204" pitchFamily="18" charset="0"/>
-                            </a:rPr>
-                            <m:t>𝑡</m:t>
-                          </m:r>
-                        </m:sub>
-                      </m:sSub>
-                      <m:r>
-                        <a:rPr lang="en-US" b="0" i="1" smtClean="0">
-                          <a:latin typeface="Cambria Math" panose="02040503050406030204" pitchFamily="18" charset="0"/>
-                        </a:rPr>
-                        <m:t>=</m:t>
-                      </m:r>
-                      <m:sSub>
-                        <m:sSubPr>
-                          <m:ctrlPr>
-                            <a:rPr lang="en-US" b="0" i="1" smtClean="0">
-                              <a:latin typeface="Cambria Math" panose="02040503050406030204" pitchFamily="18" charset="0"/>
-                            </a:rPr>
-                          </m:ctrlPr>
-                        </m:sSubPr>
-                        <m:e>
-                          <m:r>
-                            <a:rPr lang="en-US" b="0" i="1" smtClean="0">
-                              <a:latin typeface="Cambria Math" panose="02040503050406030204" pitchFamily="18" charset="0"/>
-                            </a:rPr>
-                            <m:t>𝐴</m:t>
-                          </m:r>
-                        </m:e>
-                        <m:sub>
-                          <m:r>
-                            <a:rPr lang="en-US" b="0" i="1" smtClean="0">
-                              <a:latin typeface="Cambria Math" panose="02040503050406030204" pitchFamily="18" charset="0"/>
-                            </a:rPr>
-                            <m:t>𝑡</m:t>
-                          </m:r>
-                        </m:sub>
-                      </m:sSub>
-                      <m:sSub>
-                        <m:sSubPr>
-                          <m:ctrlPr>
-                            <a:rPr lang="en-US" b="0" i="1" smtClean="0">
-                              <a:latin typeface="Cambria Math" panose="02040503050406030204" pitchFamily="18" charset="0"/>
-                            </a:rPr>
-                          </m:ctrlPr>
-                        </m:sSubPr>
-                        <m:e>
-                          <m:r>
-                            <a:rPr lang="en-US" b="0" i="1" smtClean="0">
-                              <a:latin typeface="Cambria Math" panose="02040503050406030204" pitchFamily="18" charset="0"/>
-                            </a:rPr>
-                            <m:t>𝑥</m:t>
-                          </m:r>
-                        </m:e>
-                        <m:sub>
-                          <m:r>
-                            <a:rPr lang="en-US" b="0" i="1" smtClean="0">
-                              <a:latin typeface="Cambria Math" panose="02040503050406030204" pitchFamily="18" charset="0"/>
-                            </a:rPr>
-                            <m:t>𝑡</m:t>
-                          </m:r>
-                          <m:r>
-                            <a:rPr lang="en-US" b="0" i="1" smtClean="0">
-                              <a:latin typeface="Cambria Math" panose="02040503050406030204" pitchFamily="18" charset="0"/>
-                            </a:rPr>
-                            <m:t>−1</m:t>
-                          </m:r>
-                        </m:sub>
-                      </m:sSub>
-                      <m:r>
-                        <a:rPr lang="en-US" b="0" i="1" smtClean="0">
-                          <a:latin typeface="Cambria Math" panose="02040503050406030204" pitchFamily="18" charset="0"/>
-                        </a:rPr>
-                        <m:t>+</m:t>
-                      </m:r>
-                      <m:sSub>
-                        <m:sSubPr>
-                          <m:ctrlPr>
-                            <a:rPr lang="en-US" b="0" i="1" smtClean="0">
-                              <a:latin typeface="Cambria Math" panose="02040503050406030204" pitchFamily="18" charset="0"/>
-                            </a:rPr>
-                          </m:ctrlPr>
-                        </m:sSubPr>
-                        <m:e>
-                          <m:r>
-                            <a:rPr lang="en-US" b="0" i="1" smtClean="0">
-                              <a:latin typeface="Cambria Math" panose="02040503050406030204" pitchFamily="18" charset="0"/>
-                            </a:rPr>
-                            <m:t>𝐵</m:t>
-                          </m:r>
-                        </m:e>
-                        <m:sub>
-                          <m:r>
-                            <a:rPr lang="en-US" b="0" i="1" smtClean="0">
-                              <a:latin typeface="Cambria Math" panose="02040503050406030204" pitchFamily="18" charset="0"/>
-                            </a:rPr>
-                            <m:t>𝑡</m:t>
-                          </m:r>
-                        </m:sub>
-                      </m:sSub>
-                      <m:sSub>
-                        <m:sSubPr>
-                          <m:ctrlPr>
-                            <a:rPr lang="en-US" b="0" i="1" smtClean="0">
-                              <a:latin typeface="Cambria Math" panose="02040503050406030204" pitchFamily="18" charset="0"/>
-                            </a:rPr>
-                          </m:ctrlPr>
-                        </m:sSubPr>
-                        <m:e>
-                          <m:r>
-                            <a:rPr lang="en-US" b="0" i="1" smtClean="0">
-                              <a:latin typeface="Cambria Math" panose="02040503050406030204" pitchFamily="18" charset="0"/>
-                            </a:rPr>
-                            <m:t>𝑣</m:t>
-                          </m:r>
-                        </m:e>
-                        <m:sub>
-                          <m:r>
-                            <a:rPr lang="en-US" b="0" i="1" smtClean="0">
-                              <a:latin typeface="Cambria Math" panose="02040503050406030204" pitchFamily="18" charset="0"/>
-                            </a:rPr>
-                            <m:t>𝑡</m:t>
-                          </m:r>
-                        </m:sub>
-                      </m:sSub>
-                    </m:oMath>
-                    <m:oMath xmlns:m="http://schemas.openxmlformats.org/officeDocument/2006/math">
-                      <m:sSub>
-                        <m:sSubPr>
-                          <m:ctrlPr>
-                            <a:rPr lang="en-US" b="0" i="1" smtClean="0">
-                              <a:latin typeface="Cambria Math" panose="02040503050406030204" pitchFamily="18" charset="0"/>
-                            </a:rPr>
-                          </m:ctrlPr>
-                        </m:sSubPr>
-                        <m:e>
-                          <m:r>
-                            <a:rPr lang="en-US" b="0" i="1" smtClean="0">
-                              <a:latin typeface="Cambria Math" panose="02040503050406030204" pitchFamily="18" charset="0"/>
-                            </a:rPr>
-                            <m:t>𝑦</m:t>
-                          </m:r>
-                        </m:e>
-                        <m:sub>
-                          <m:r>
-                            <a:rPr lang="en-US" b="0" i="1" smtClean="0">
-                              <a:latin typeface="Cambria Math" panose="02040503050406030204" pitchFamily="18" charset="0"/>
-                            </a:rPr>
-                            <m:t>𝑡</m:t>
-                          </m:r>
-                        </m:sub>
-                      </m:sSub>
-                      <m:r>
-                        <a:rPr lang="en-US" b="0" i="1" smtClean="0">
-                          <a:latin typeface="Cambria Math" panose="02040503050406030204" pitchFamily="18" charset="0"/>
-                        </a:rPr>
-                        <m:t>=</m:t>
-                      </m:r>
-                      <m:sSub>
-                        <m:sSubPr>
-                          <m:ctrlPr>
-                            <a:rPr lang="en-US" b="0" i="1" smtClean="0">
-                              <a:latin typeface="Cambria Math" panose="02040503050406030204" pitchFamily="18" charset="0"/>
-                            </a:rPr>
-                          </m:ctrlPr>
-                        </m:sSubPr>
-                        <m:e>
-                          <m:r>
-                            <a:rPr lang="en-US" b="0" i="1" smtClean="0">
-                              <a:latin typeface="Cambria Math" panose="02040503050406030204" pitchFamily="18" charset="0"/>
-                            </a:rPr>
-                            <m:t>𝐶</m:t>
-                          </m:r>
-                        </m:e>
-                        <m:sub>
-                          <m:r>
-                            <a:rPr lang="en-US" b="0" i="1" smtClean="0">
-                              <a:latin typeface="Cambria Math" panose="02040503050406030204" pitchFamily="18" charset="0"/>
-                            </a:rPr>
-                            <m:t>𝑡</m:t>
-                          </m:r>
-                        </m:sub>
-                      </m:sSub>
-                      <m:sSub>
-                        <m:sSubPr>
-                          <m:ctrlPr>
-                            <a:rPr lang="en-US" b="0" i="1" smtClean="0">
-                              <a:latin typeface="Cambria Math" panose="02040503050406030204" pitchFamily="18" charset="0"/>
-                            </a:rPr>
-                          </m:ctrlPr>
-                        </m:sSubPr>
-                        <m:e>
-                          <m:r>
-                            <a:rPr lang="en-US" b="0" i="1" smtClean="0">
-                              <a:latin typeface="Cambria Math" panose="02040503050406030204" pitchFamily="18" charset="0"/>
-                            </a:rPr>
-                            <m:t>𝑥</m:t>
-                          </m:r>
-                        </m:e>
-                        <m:sub>
-                          <m:r>
-                            <a:rPr lang="en-US" b="0" i="1" smtClean="0">
-                              <a:latin typeface="Cambria Math" panose="02040503050406030204" pitchFamily="18" charset="0"/>
-                            </a:rPr>
-                            <m:t>𝑡</m:t>
-                          </m:r>
-                        </m:sub>
-                      </m:sSub>
-                      <m:r>
-                        <a:rPr lang="en-US" b="0" i="1" smtClean="0">
-                          <a:latin typeface="Cambria Math" panose="02040503050406030204" pitchFamily="18" charset="0"/>
-                        </a:rPr>
-                        <m:t>+</m:t>
-                      </m:r>
-                      <m:sSub>
-                        <m:sSubPr>
-                          <m:ctrlPr>
-                            <a:rPr lang="en-US" b="0" i="1" smtClean="0">
-                              <a:latin typeface="Cambria Math" panose="02040503050406030204" pitchFamily="18" charset="0"/>
-                            </a:rPr>
-                          </m:ctrlPr>
-                        </m:sSubPr>
-                        <m:e>
-                          <m:r>
-                            <a:rPr lang="en-US" b="0" i="1" smtClean="0">
-                              <a:latin typeface="Cambria Math" panose="02040503050406030204" pitchFamily="18" charset="0"/>
-                            </a:rPr>
-                            <m:t>𝐷</m:t>
-                          </m:r>
-                        </m:e>
-                        <m:sub>
-                          <m:r>
-                            <a:rPr lang="en-US" b="0" i="1" smtClean="0">
-                              <a:latin typeface="Cambria Math" panose="02040503050406030204" pitchFamily="18" charset="0"/>
-                            </a:rPr>
-                            <m:t>𝑡</m:t>
-                          </m:r>
-                        </m:sub>
-                      </m:sSub>
-                      <m:sSub>
-                        <m:sSubPr>
-                          <m:ctrlPr>
-                            <a:rPr lang="en-US" b="0" i="1" smtClean="0">
-                              <a:latin typeface="Cambria Math" panose="02040503050406030204" pitchFamily="18" charset="0"/>
-                            </a:rPr>
-                          </m:ctrlPr>
-                        </m:sSubPr>
-                        <m:e>
-                          <m:r>
-                            <a:rPr lang="en-US" b="0" i="1" smtClean="0">
-                              <a:latin typeface="Cambria Math" panose="02040503050406030204" pitchFamily="18" charset="0"/>
-                            </a:rPr>
-                            <m:t>𝑣</m:t>
-                          </m:r>
-                        </m:e>
-                        <m:sub>
-                          <m:r>
-                            <a:rPr lang="en-US" b="0" i="1" smtClean="0">
-                              <a:latin typeface="Cambria Math" panose="02040503050406030204" pitchFamily="18" charset="0"/>
-                            </a:rPr>
-                            <m:t>𝑡</m:t>
-                          </m:r>
-                        </m:sub>
-                      </m:sSub>
-                    </m:oMath>
-                  </m:oMathPara>
-                </a14:m>
-                <a:endParaRPr lang="en-US" dirty="0"/>
-              </a:p>
-              <a:p>
-                <a:pPr marL="0" indent="0">
-                  <a:buNone/>
-                </a:pPr>
-                <a:r>
-                  <a:rPr lang="en-US" dirty="0"/>
-                  <a:t>for known </a:t>
-                </a:r>
-                <a14:m>
-                  <m:oMath xmlns:m="http://schemas.openxmlformats.org/officeDocument/2006/math">
-                    <m:sSub>
-                      <m:sSubPr>
-                        <m:ctrlPr>
-                          <a:rPr lang="en-US" b="0" i="1" smtClean="0">
-                            <a:latin typeface="Cambria Math" panose="02040503050406030204" pitchFamily="18" charset="0"/>
-                          </a:rPr>
-                        </m:ctrlPr>
-                      </m:sSubPr>
-                      <m:e>
-                        <m:r>
-                          <a:rPr lang="en-US" b="0" i="1" smtClean="0">
-                            <a:latin typeface="Cambria Math" panose="02040503050406030204" pitchFamily="18" charset="0"/>
-                          </a:rPr>
-                          <m:t>𝐴</m:t>
-                        </m:r>
-                      </m:e>
-                      <m:sub>
-                        <m:r>
-                          <a:rPr lang="en-US" b="0" i="1" smtClean="0">
-                            <a:latin typeface="Cambria Math" panose="02040503050406030204" pitchFamily="18" charset="0"/>
-                          </a:rPr>
-                          <m:t>𝑡</m:t>
-                        </m:r>
-                      </m:sub>
-                    </m:sSub>
-                    <m:r>
-                      <a:rPr lang="en-US" b="0" i="1" smtClean="0">
-                        <a:latin typeface="Cambria Math" panose="02040503050406030204" pitchFamily="18" charset="0"/>
-                      </a:rPr>
-                      <m:t>, </m:t>
-                    </m:r>
-                    <m:sSub>
-                      <m:sSubPr>
-                        <m:ctrlPr>
-                          <a:rPr lang="en-US" b="0" i="1" smtClean="0">
-                            <a:latin typeface="Cambria Math" panose="02040503050406030204" pitchFamily="18" charset="0"/>
-                          </a:rPr>
-                        </m:ctrlPr>
-                      </m:sSubPr>
-                      <m:e>
-                        <m:r>
-                          <a:rPr lang="en-US" b="0" i="1" smtClean="0">
-                            <a:latin typeface="Cambria Math" panose="02040503050406030204" pitchFamily="18" charset="0"/>
-                          </a:rPr>
-                          <m:t>𝐵</m:t>
-                        </m:r>
-                      </m:e>
-                      <m:sub>
-                        <m:r>
-                          <a:rPr lang="en-US" b="0" i="1" smtClean="0">
-                            <a:latin typeface="Cambria Math" panose="02040503050406030204" pitchFamily="18" charset="0"/>
-                          </a:rPr>
-                          <m:t>𝑡</m:t>
-                        </m:r>
-                      </m:sub>
-                    </m:sSub>
-                    <m:r>
-                      <a:rPr lang="en-US" b="0" i="1" smtClean="0">
-                        <a:latin typeface="Cambria Math" panose="02040503050406030204" pitchFamily="18" charset="0"/>
-                      </a:rPr>
-                      <m:t>, </m:t>
-                    </m:r>
-                    <m:sSub>
-                      <m:sSubPr>
-                        <m:ctrlPr>
-                          <a:rPr lang="en-US" b="0" i="1" smtClean="0">
-                            <a:latin typeface="Cambria Math" panose="02040503050406030204" pitchFamily="18" charset="0"/>
-                          </a:rPr>
-                        </m:ctrlPr>
-                      </m:sSubPr>
-                      <m:e>
-                        <m:r>
-                          <a:rPr lang="en-US" b="0" i="1" smtClean="0">
-                            <a:latin typeface="Cambria Math" panose="02040503050406030204" pitchFamily="18" charset="0"/>
-                          </a:rPr>
-                          <m:t>𝐶</m:t>
-                        </m:r>
-                      </m:e>
-                      <m:sub>
-                        <m:r>
-                          <a:rPr lang="en-US" b="0" i="1" smtClean="0">
-                            <a:latin typeface="Cambria Math" panose="02040503050406030204" pitchFamily="18" charset="0"/>
-                          </a:rPr>
-                          <m:t>𝑡</m:t>
-                        </m:r>
-                      </m:sub>
-                    </m:sSub>
-                    <m:r>
-                      <a:rPr lang="en-US" b="0" i="1" smtClean="0">
-                        <a:latin typeface="Cambria Math" panose="02040503050406030204" pitchFamily="18" charset="0"/>
-                      </a:rPr>
-                      <m:t>, </m:t>
-                    </m:r>
-                    <m:sSub>
-                      <m:sSubPr>
-                        <m:ctrlPr>
-                          <a:rPr lang="en-US" b="0" i="1" smtClean="0">
-                            <a:latin typeface="Cambria Math" panose="02040503050406030204" pitchFamily="18" charset="0"/>
-                          </a:rPr>
-                        </m:ctrlPr>
-                      </m:sSubPr>
-                      <m:e>
-                        <m:r>
-                          <a:rPr lang="en-US" b="0" i="1" smtClean="0">
-                            <a:latin typeface="Cambria Math" panose="02040503050406030204" pitchFamily="18" charset="0"/>
-                          </a:rPr>
-                          <m:t>𝐷</m:t>
-                        </m:r>
-                      </m:e>
-                      <m:sub>
-                        <m:r>
-                          <a:rPr lang="en-US" b="0" i="1" smtClean="0">
-                            <a:latin typeface="Cambria Math" panose="02040503050406030204" pitchFamily="18" charset="0"/>
-                          </a:rPr>
-                          <m:t>𝑡</m:t>
-                        </m:r>
-                      </m:sub>
-                    </m:sSub>
-                  </m:oMath>
-                </a14:m>
-                <a:r>
-                  <a:rPr lang="en-US" dirty="0"/>
-                  <a:t>.</a:t>
-                </a:r>
-              </a:p>
-              <a:p>
-                <a:pPr marL="0" indent="0">
-                  <a:buNone/>
-                </a:pPr>
-                <a14:m>
-                  <m:oMath xmlns:m="http://schemas.openxmlformats.org/officeDocument/2006/math">
-                    <m:sSub>
-                      <m:sSubPr>
-                        <m:ctrlPr>
-                          <a:rPr lang="en-US" b="0" i="1" smtClean="0">
-                            <a:latin typeface="Cambria Math" panose="02040503050406030204" pitchFamily="18" charset="0"/>
-                          </a:rPr>
-                        </m:ctrlPr>
-                      </m:sSubPr>
-                      <m:e>
-                        <m:r>
-                          <a:rPr lang="en-US" b="0" i="1" smtClean="0">
-                            <a:latin typeface="Cambria Math" panose="02040503050406030204" pitchFamily="18" charset="0"/>
-                          </a:rPr>
-                          <m:t>𝑣</m:t>
-                        </m:r>
-                      </m:e>
-                      <m:sub>
-                        <m:r>
-                          <a:rPr lang="en-US" b="0" i="1" smtClean="0">
-                            <a:latin typeface="Cambria Math" panose="02040503050406030204" pitchFamily="18" charset="0"/>
-                          </a:rPr>
-                          <m:t>𝑡</m:t>
-                        </m:r>
-                      </m:sub>
-                    </m:sSub>
-                    <m:r>
-                      <a:rPr lang="en-US" b="0" i="1" smtClean="0">
-                        <a:latin typeface="Cambria Math" panose="02040503050406030204" pitchFamily="18" charset="0"/>
-                      </a:rPr>
-                      <m:t>∼</m:t>
-                    </m:r>
-                    <m:sSub>
-                      <m:sSubPr>
-                        <m:ctrlPr>
-                          <a:rPr lang="en-US" b="0" i="1" smtClean="0">
-                            <a:latin typeface="Cambria Math" panose="02040503050406030204" pitchFamily="18" charset="0"/>
-                          </a:rPr>
-                        </m:ctrlPr>
-                      </m:sSubPr>
-                      <m:e>
-                        <m:r>
-                          <a:rPr lang="en-US" b="0" i="1" smtClean="0">
-                            <a:latin typeface="Cambria Math" panose="02040503050406030204" pitchFamily="18" charset="0"/>
-                          </a:rPr>
-                          <m:t>𝒩</m:t>
-                        </m:r>
-                      </m:e>
-                      <m:sub>
-                        <m:r>
-                          <a:rPr lang="en-US" b="0" i="1" smtClean="0">
-                            <a:latin typeface="Cambria Math" panose="02040503050406030204" pitchFamily="18" charset="0"/>
-                          </a:rPr>
-                          <m:t>𝑑</m:t>
-                        </m:r>
-                      </m:sub>
-                    </m:sSub>
-                    <m:d>
-                      <m:dPr>
-                        <m:ctrlPr>
-                          <a:rPr lang="en-US" b="0" i="1" smtClean="0">
-                            <a:latin typeface="Cambria Math" panose="02040503050406030204" pitchFamily="18" charset="0"/>
-                          </a:rPr>
-                        </m:ctrlPr>
-                      </m:dPr>
-                      <m:e>
-                        <m:r>
-                          <a:rPr lang="en-US" b="0" i="1" smtClean="0">
-                            <a:latin typeface="Cambria Math" panose="02040503050406030204" pitchFamily="18" charset="0"/>
-                          </a:rPr>
-                          <m:t>0, </m:t>
-                        </m:r>
-                        <m:sSub>
-                          <m:sSubPr>
-                            <m:ctrlPr>
-                              <a:rPr lang="en-US" b="0" i="1" smtClean="0">
-                                <a:latin typeface="Cambria Math" panose="02040503050406030204" pitchFamily="18" charset="0"/>
-                              </a:rPr>
-                            </m:ctrlPr>
-                          </m:sSubPr>
-                          <m:e>
-                            <m:r>
-                              <a:rPr lang="en-US" b="0" i="1" smtClean="0">
-                                <a:latin typeface="Cambria Math" panose="02040503050406030204" pitchFamily="18" charset="0"/>
-                              </a:rPr>
-                              <m:t>𝐼</m:t>
-                            </m:r>
-                          </m:e>
-                          <m:sub>
-                            <m:r>
-                              <a:rPr lang="en-US" b="0" i="1" smtClean="0">
-                                <a:latin typeface="Cambria Math" panose="02040503050406030204" pitchFamily="18" charset="0"/>
-                              </a:rPr>
-                              <m:t>𝑑</m:t>
-                            </m:r>
-                          </m:sub>
-                        </m:sSub>
-                      </m:e>
-                    </m:d>
-                  </m:oMath>
-                </a14:m>
-                <a:r>
-                  <a:rPr lang="en-US" dirty="0"/>
-                  <a:t> is the noise and is independent of </a:t>
-                </a:r>
-                <a14:m>
-                  <m:oMath xmlns:m="http://schemas.openxmlformats.org/officeDocument/2006/math">
-                    <m:sSub>
-                      <m:sSubPr>
-                        <m:ctrlPr>
-                          <a:rPr lang="en-US" b="0" i="1" smtClean="0">
-                            <a:latin typeface="Cambria Math" panose="02040503050406030204" pitchFamily="18" charset="0"/>
-                          </a:rPr>
-                        </m:ctrlPr>
-                      </m:sSubPr>
-                      <m:e>
-                        <m:r>
-                          <a:rPr lang="en-US" b="0" i="1" smtClean="0">
-                            <a:latin typeface="Cambria Math" panose="02040503050406030204" pitchFamily="18" charset="0"/>
-                          </a:rPr>
-                          <m:t>𝑥</m:t>
-                        </m:r>
-                      </m:e>
-                      <m:sub>
-                        <m:r>
-                          <a:rPr lang="en-US" b="0" i="1" smtClean="0">
-                            <a:latin typeface="Cambria Math" panose="02040503050406030204" pitchFamily="18" charset="0"/>
-                          </a:rPr>
-                          <m:t>𝑡</m:t>
-                        </m:r>
-                      </m:sub>
-                    </m:sSub>
-                    <m:r>
-                      <a:rPr lang="en-US" b="0" i="0" smtClean="0">
-                        <a:latin typeface="Cambria Math" panose="02040503050406030204" pitchFamily="18" charset="0"/>
-                      </a:rPr>
-                      <m:t>.</m:t>
-                    </m:r>
-                  </m:oMath>
-                </a14:m>
-                <a:endParaRPr lang="en-US" dirty="0"/>
-              </a:p>
-              <a:p>
-                <a:pPr marL="0" indent="0">
-                  <a:buNone/>
-                </a:pPr>
-                <a:endParaRPr lang="en-IL" dirty="0"/>
-              </a:p>
-            </p:txBody>
-          </p:sp>
-        </mc:Choice>
-        <mc:Fallback xmlns="">
-          <p:sp>
-            <p:nvSpPr>
-              <p:cNvPr id="3" name="Content Placeholder 2">
-                <a:extLst>
-                  <a:ext uri="{FF2B5EF4-FFF2-40B4-BE49-F238E27FC236}">
-                    <a16:creationId xmlns:a16="http://schemas.microsoft.com/office/drawing/2014/main" id="{986DAB35-67BB-17CE-A7B4-1F38AED6C979}"/>
-                  </a:ext>
-                </a:extLst>
-              </p:cNvPr>
-              <p:cNvSpPr>
-                <a:spLocks noGrp="1" noRot="1" noChangeAspect="1" noMove="1" noResize="1" noEditPoints="1" noAdjustHandles="1" noChangeArrowheads="1" noChangeShapeType="1" noTextEdit="1"/>
-              </p:cNvSpPr>
-              <p:nvPr>
-                <p:ph idx="1"/>
-              </p:nvPr>
-            </p:nvSpPr>
-            <p:spPr>
-              <a:blipFill>
-                <a:blip r:embed="rId2"/>
-                <a:stretch>
-                  <a:fillRect l="-1217"/>
-                </a:stretch>
-              </a:blipFill>
-            </p:spPr>
-            <p:txBody>
-              <a:bodyPr/>
-              <a:lstStyle/>
-              <a:p>
-                <a:r>
-                  <a:rPr lang="en-IL">
-                    <a:noFill/>
-                  </a:rPr>
-                  <a:t> </a:t>
-                </a:r>
-              </a:p>
-            </p:txBody>
-          </p:sp>
-        </mc:Fallback>
-      </mc:AlternateContent>
-    </p:spTree>
-    <p:extLst>
-      <p:ext uri="{BB962C8B-B14F-4D97-AF65-F5344CB8AC3E}">
-        <p14:creationId xmlns:p14="http://schemas.microsoft.com/office/powerpoint/2010/main" val="705108186"/>
-      </p:ext>
-    </p:extLst>
-  </p:cSld>
-  <p:clrMapOvr>
-    <a:masterClrMapping/>
-  </p:clrMapOvr>
-</p:sld>
-</file>
-
-<file path=ppt/slides/slide4.xml><?xml version="1.0" encoding="utf-8"?>
-<p:sld xmlns:a="http://schemas.openxmlformats.org/drawingml/2006/main" xmlns:r="http://schemas.openxmlformats.org/officeDocument/2006/relationships" xmlns:p="http://schemas.openxmlformats.org/presentationml/2006/main">
-  <p:cSld>
-    <p:spTree>
-      <p:nvGrpSpPr>
-        <p:cNvPr id="1" name=""/>
-        <p:cNvGrpSpPr/>
-        <p:nvPr/>
-      </p:nvGrpSpPr>
-      <p:grpSpPr>
-        <a:xfrm>
-          <a:off x="0" y="0"/>
-          <a:ext cx="0" cy="0"/>
-          <a:chOff x="0" y="0"/>
-          <a:chExt cx="0" cy="0"/>
-        </a:xfrm>
-      </p:grpSpPr>
-      <p:sp>
-        <p:nvSpPr>
-          <p:cNvPr id="2" name="Title 1">
-            <a:extLst>
-              <a:ext uri="{FF2B5EF4-FFF2-40B4-BE49-F238E27FC236}">
-                <a16:creationId xmlns:a16="http://schemas.microsoft.com/office/drawing/2014/main" id="{B21F22C3-AB89-8CFE-B71F-55F86E1E4BBD}"/>
-              </a:ext>
-            </a:extLst>
-          </p:cNvPr>
-          <p:cNvSpPr>
-            <a:spLocks noGrp="1"/>
-          </p:cNvSpPr>
-          <p:nvPr>
-            <p:ph type="title"/>
-          </p:nvPr>
-        </p:nvSpPr>
-        <p:spPr/>
-        <p:txBody>
-          <a:bodyPr/>
-          <a:lstStyle/>
-          <a:p>
-            <a:r>
-              <a:rPr lang="en-US" dirty="0"/>
-              <a:t>Background</a:t>
-            </a:r>
-            <a:endParaRPr lang="en-IL" dirty="0"/>
-          </a:p>
-        </p:txBody>
-      </p:sp>
-      <mc:AlternateContent xmlns:mc="http://schemas.openxmlformats.org/markup-compatibility/2006" xmlns:a14="http://schemas.microsoft.com/office/drawing/2010/main">
-        <mc:Choice Requires="a14">
-          <p:sp>
-            <p:nvSpPr>
-              <p:cNvPr id="3" name="Content Placeholder 2">
-                <a:extLst>
-                  <a:ext uri="{FF2B5EF4-FFF2-40B4-BE49-F238E27FC236}">
-                    <a16:creationId xmlns:a16="http://schemas.microsoft.com/office/drawing/2014/main" id="{E2A6D292-3A18-95CC-624E-DBEF53FFDE38}"/>
-                  </a:ext>
-                </a:extLst>
-              </p:cNvPr>
-              <p:cNvSpPr>
-                <a:spLocks noGrp="1"/>
-              </p:cNvSpPr>
-              <p:nvPr>
-                <p:ph idx="1"/>
-              </p:nvPr>
-            </p:nvSpPr>
-            <p:spPr/>
-            <p:txBody>
-              <a:bodyPr/>
-              <a:lstStyle/>
-              <a:p>
-                <a:pPr marL="0" indent="0">
-                  <a:buNone/>
-                </a:pPr>
-                <a:r>
-                  <a:rPr lang="en-US" dirty="0"/>
-                  <a:t>So,</a:t>
-                </a:r>
-              </a:p>
-              <a:p>
-                <a:pPr marL="0" indent="0">
-                  <a:buNone/>
-                </a:pPr>
-                <a14:m>
-                  <m:oMathPara xmlns:m="http://schemas.openxmlformats.org/officeDocument/2006/math">
-                    <m:oMathParaPr>
-                      <m:jc m:val="centerGroup"/>
-                    </m:oMathParaPr>
-                    <m:oMath xmlns:m="http://schemas.openxmlformats.org/officeDocument/2006/math">
-                      <m:sSubSup>
-                        <m:sSubSupPr>
-                          <m:ctrlPr>
-                            <a:rPr lang="en-US" b="0" i="1" smtClean="0">
-                              <a:latin typeface="Cambria Math" panose="02040503050406030204" pitchFamily="18" charset="0"/>
-                            </a:rPr>
-                          </m:ctrlPr>
-                        </m:sSubSupPr>
-                        <m:e>
-                          <m:r>
-                            <a:rPr lang="en-US" b="0" i="1" smtClean="0">
-                              <a:latin typeface="Cambria Math" panose="02040503050406030204" pitchFamily="18" charset="0"/>
-                            </a:rPr>
-                            <m:t>𝑃</m:t>
-                          </m:r>
-                        </m:e>
-                        <m:sub>
-                          <m:sSub>
-                            <m:sSubPr>
+                        </m:funcPr>
+                        <m:fName>
+                          <m:limLow>
+                            <m:limLowPr>
                               <m:ctrlPr>
                                 <a:rPr lang="en-US" b="0" i="1" smtClean="0">
                                   <a:latin typeface="Cambria Math" panose="02040503050406030204" pitchFamily="18" charset="0"/>
                                 </a:rPr>
                               </m:ctrlPr>
-                            </m:sSubPr>
+                            </m:limLowPr>
                             <m:e>
+                              <m:r>
+                                <m:rPr>
+                                  <m:sty m:val="p"/>
+                                </m:rPr>
+                                <a:rPr lang="en-US" b="0" i="0" smtClean="0">
+                                  <a:latin typeface="Cambria Math" panose="02040503050406030204" pitchFamily="18" charset="0"/>
+                                </a:rPr>
+                                <m:t>inf</m:t>
+                              </m:r>
+                            </m:e>
+                            <m:lim>
                               <m:r>
                                 <a:rPr lang="en-US" b="0" i="1" smtClean="0">
                                   <a:latin typeface="Cambria Math" panose="02040503050406030204" pitchFamily="18" charset="0"/>
                                 </a:rPr>
-                                <m:t>𝑧</m:t>
+                                <m:t>𝜓</m:t>
                               </m:r>
-                            </m:e>
-                            <m:sub>
                               <m:r>
                                 <a:rPr lang="en-US" b="0" i="1" smtClean="0">
                                   <a:latin typeface="Cambria Math" panose="02040503050406030204" pitchFamily="18" charset="0"/>
                                 </a:rPr>
-                                <m:t>𝑡</m:t>
+                                <m:t>∈</m:t>
                               </m:r>
-                            </m:sub>
-                          </m:sSub>
-                          <m:r>
-                            <a:rPr lang="en-US" b="0" i="1" smtClean="0">
-                              <a:latin typeface="Cambria Math" panose="02040503050406030204" pitchFamily="18" charset="0"/>
-                            </a:rPr>
-                            <m:t>|</m:t>
-                          </m:r>
-                          <m:sSub>
-                            <m:sSubPr>
+                              <m:r>
+                                <a:rPr lang="en-US" b="0" i="1" smtClean="0">
+                                  <a:latin typeface="Cambria Math" panose="02040503050406030204" pitchFamily="18" charset="0"/>
+                                </a:rPr>
+                                <m:t>ℒ</m:t>
+                              </m:r>
+                            </m:lim>
+                          </m:limLow>
+                        </m:fName>
+                        <m:e>
+                          <m:func>
+                            <m:funcPr>
                               <m:ctrlPr>
                                 <a:rPr lang="en-US" b="0" i="1" smtClean="0">
                                   <a:latin typeface="Cambria Math" panose="02040503050406030204" pitchFamily="18" charset="0"/>
                                 </a:rPr>
                               </m:ctrlPr>
-                            </m:sSubPr>
-                            <m:e>
-                              <m:r>
-                                <a:rPr lang="en-US" b="0" i="1" smtClean="0">
-                                  <a:latin typeface="Cambria Math" panose="02040503050406030204" pitchFamily="18" charset="0"/>
-                                </a:rPr>
-                                <m:t>𝑥</m:t>
-                              </m:r>
-                            </m:e>
-                            <m:sub>
-                              <m:r>
-                                <a:rPr lang="en-US" b="0" i="1" smtClean="0">
-                                  <a:latin typeface="Cambria Math" panose="02040503050406030204" pitchFamily="18" charset="0"/>
-                                </a:rPr>
-                                <m:t>𝑡</m:t>
-                              </m:r>
-                              <m:r>
-                                <a:rPr lang="en-US" b="0" i="1" smtClean="0">
-                                  <a:latin typeface="Cambria Math" panose="02040503050406030204" pitchFamily="18" charset="0"/>
-                                </a:rPr>
-                                <m:t>−1</m:t>
-                              </m:r>
-                            </m:sub>
-                          </m:sSub>
-                        </m:sub>
-                        <m:sup>
-                          <m:r>
-                            <a:rPr lang="en-US" b="0" i="1" smtClean="0">
-                              <a:latin typeface="Cambria Math" panose="02040503050406030204" pitchFamily="18" charset="0"/>
-                            </a:rPr>
-                            <m:t>∗</m:t>
-                          </m:r>
-                        </m:sup>
-                      </m:sSubSup>
-                      <m:r>
-                        <a:rPr lang="en-US" b="0" i="1" smtClean="0">
-                          <a:latin typeface="Cambria Math" panose="02040503050406030204" pitchFamily="18" charset="0"/>
-                        </a:rPr>
-                        <m:t>=</m:t>
-                      </m:r>
-                      <m:sSub>
-                        <m:sSubPr>
-                          <m:ctrlPr>
-                            <a:rPr lang="en-US" b="0" i="1" smtClean="0">
-                              <a:latin typeface="Cambria Math" panose="02040503050406030204" pitchFamily="18" charset="0"/>
-                            </a:rPr>
-                          </m:ctrlPr>
-                        </m:sSubPr>
-                        <m:e>
-                          <m:r>
-                            <a:rPr lang="en-US" b="0" i="1" smtClean="0">
-                              <a:latin typeface="Cambria Math" panose="02040503050406030204" pitchFamily="18" charset="0"/>
-                            </a:rPr>
-                            <m:t>𝒩</m:t>
-                          </m:r>
-                        </m:e>
-                        <m:sub>
-                          <m:r>
-                            <a:rPr lang="en-US" b="0" i="1" smtClean="0">
-                              <a:latin typeface="Cambria Math" panose="02040503050406030204" pitchFamily="18" charset="0"/>
-                            </a:rPr>
-                            <m:t>𝑑</m:t>
-                          </m:r>
-                        </m:sub>
-                      </m:sSub>
-                      <m:d>
-                        <m:dPr>
-                          <m:ctrlPr>
-                            <a:rPr lang="en-US" b="0" i="1" smtClean="0">
-                              <a:latin typeface="Cambria Math" panose="02040503050406030204" pitchFamily="18" charset="0"/>
-                            </a:rPr>
-                          </m:ctrlPr>
-                        </m:dPr>
-                        <m:e>
-                          <m:d>
-                            <m:dPr>
-                              <m:begChr m:val="["/>
-                              <m:endChr m:val="]"/>
-                              <m:ctrlPr>
-                                <a:rPr lang="en-US" b="0" i="1" smtClean="0">
-                                  <a:latin typeface="Cambria Math" panose="02040503050406030204" pitchFamily="18" charset="0"/>
-                                </a:rPr>
-                              </m:ctrlPr>
-                            </m:dPr>
-                            <m:e>
-                              <m:eqArr>
-                                <m:eqArrPr>
+                            </m:funcPr>
+                            <m:fName>
+                              <m:limLow>
+                                <m:limLowPr>
                                   <m:ctrlPr>
                                     <a:rPr lang="en-US" b="0" i="1" smtClean="0">
                                       <a:latin typeface="Cambria Math" panose="02040503050406030204" pitchFamily="18" charset="0"/>
                                     </a:rPr>
                                   </m:ctrlPr>
-                                </m:eqArrPr>
+                                </m:limLowPr>
                                 <m:e>
-                                  <m:sSub>
-                                    <m:sSubPr>
-                                      <m:ctrlPr>
-                                        <a:rPr lang="en-US" b="0" i="1" smtClean="0">
-                                          <a:latin typeface="Cambria Math" panose="02040503050406030204" pitchFamily="18" charset="0"/>
-                                        </a:rPr>
-                                      </m:ctrlPr>
-                                    </m:sSubPr>
-                                    <m:e>
-                                      <m:r>
-                                        <a:rPr lang="en-US" b="0" i="1" smtClean="0">
-                                          <a:latin typeface="Cambria Math" panose="02040503050406030204" pitchFamily="18" charset="0"/>
-                                        </a:rPr>
-                                        <m:t>𝐴</m:t>
-                                      </m:r>
-                                    </m:e>
-                                    <m:sub>
-                                      <m:r>
-                                        <a:rPr lang="en-US" b="0" i="1" smtClean="0">
-                                          <a:latin typeface="Cambria Math" panose="02040503050406030204" pitchFamily="18" charset="0"/>
-                                        </a:rPr>
-                                        <m:t>𝑡</m:t>
-                                      </m:r>
-                                    </m:sub>
-                                  </m:sSub>
+                                  <m:r>
+                                    <m:rPr>
+                                      <m:sty m:val="p"/>
+                                    </m:rPr>
+                                    <a:rPr lang="en-US" b="0" i="0" smtClean="0">
+                                      <a:latin typeface="Cambria Math" panose="02040503050406030204" pitchFamily="18" charset="0"/>
+                                    </a:rPr>
+                                    <m:t>sup</m:t>
+                                  </m:r>
                                 </m:e>
-                                <m:e>
-                                  <m:sSub>
-                                    <m:sSubPr>
-                                      <m:ctrlPr>
-                                        <a:rPr lang="en-US" b="0" i="1" smtClean="0">
-                                          <a:latin typeface="Cambria Math" panose="02040503050406030204" pitchFamily="18" charset="0"/>
-                                        </a:rPr>
-                                      </m:ctrlPr>
-                                    </m:sSubPr>
-                                    <m:e>
-                                      <m:r>
-                                        <a:rPr lang="en-US" b="0" i="1" smtClean="0">
-                                          <a:latin typeface="Cambria Math" panose="02040503050406030204" pitchFamily="18" charset="0"/>
-                                        </a:rPr>
-                                        <m:t>𝐶</m:t>
-                                      </m:r>
-                                    </m:e>
-                                    <m:sub>
-                                      <m:r>
-                                        <a:rPr lang="en-US" b="0" i="1" smtClean="0">
-                                          <a:latin typeface="Cambria Math" panose="02040503050406030204" pitchFamily="18" charset="0"/>
-                                        </a:rPr>
-                                        <m:t>𝑡</m:t>
-                                      </m:r>
-                                    </m:sub>
-                                  </m:sSub>
-                                  <m:sSub>
-                                    <m:sSubPr>
-                                      <m:ctrlPr>
-                                        <a:rPr lang="en-US" b="0" i="1" smtClean="0">
-                                          <a:latin typeface="Cambria Math" panose="02040503050406030204" pitchFamily="18" charset="0"/>
-                                        </a:rPr>
-                                      </m:ctrlPr>
-                                    </m:sSubPr>
-                                    <m:e>
-                                      <m:r>
-                                        <a:rPr lang="en-US" b="0" i="1" smtClean="0">
-                                          <a:latin typeface="Cambria Math" panose="02040503050406030204" pitchFamily="18" charset="0"/>
-                                        </a:rPr>
-                                        <m:t>𝐴</m:t>
-                                      </m:r>
-                                    </m:e>
-                                    <m:sub>
-                                      <m:r>
-                                        <a:rPr lang="en-US" b="0" i="1" smtClean="0">
-                                          <a:latin typeface="Cambria Math" panose="02040503050406030204" pitchFamily="18" charset="0"/>
-                                        </a:rPr>
-                                        <m:t>𝑡</m:t>
-                                      </m:r>
-                                    </m:sub>
-                                  </m:sSub>
-                                </m:e>
-                              </m:eqArr>
-                            </m:e>
-                          </m:d>
-                          <m:sSub>
-                            <m:sSubPr>
-                              <m:ctrlPr>
-                                <a:rPr lang="en-US" b="0" i="1" smtClean="0">
-                                  <a:latin typeface="Cambria Math" panose="02040503050406030204" pitchFamily="18" charset="0"/>
-                                </a:rPr>
-                              </m:ctrlPr>
-                            </m:sSubPr>
+                                <m:lim>
+                                  <m:r>
+                                    <a:rPr lang="en-US" b="0" i="1" smtClean="0">
+                                      <a:latin typeface="Cambria Math" panose="02040503050406030204" pitchFamily="18" charset="0"/>
+                                    </a:rPr>
+                                    <m:t>ℚ</m:t>
+                                  </m:r>
+                                  <m:r>
+                                    <a:rPr lang="en-US" b="0" i="1" smtClean="0">
+                                      <a:latin typeface="Cambria Math" panose="02040503050406030204" pitchFamily="18" charset="0"/>
+                                    </a:rPr>
+                                    <m:t>∈</m:t>
+                                  </m:r>
+                                  <m:r>
+                                    <a:rPr lang="en-US" b="0" i="1" smtClean="0">
+                                      <a:latin typeface="Cambria Math" panose="02040503050406030204" pitchFamily="18" charset="0"/>
+                                    </a:rPr>
+                                    <m:t>𝒫</m:t>
+                                  </m:r>
+                                </m:lim>
+                              </m:limLow>
+                            </m:fName>
                             <m:e>
-                              <m:r>
-                                <a:rPr lang="en-US" b="0" i="1" smtClean="0">
-                                  <a:latin typeface="Cambria Math" panose="02040503050406030204" pitchFamily="18" charset="0"/>
-                                </a:rPr>
-                                <m:t>𝑥</m:t>
-                              </m:r>
-                            </m:e>
-                            <m:sub>
-                              <m:r>
-                                <a:rPr lang="en-US" b="0" i="1" smtClean="0">
-                                  <a:latin typeface="Cambria Math" panose="02040503050406030204" pitchFamily="18" charset="0"/>
-                                </a:rPr>
-                                <m:t>𝑡</m:t>
-                              </m:r>
-                              <m:r>
-                                <a:rPr lang="en-US" b="0" i="1" smtClean="0">
-                                  <a:latin typeface="Cambria Math" panose="02040503050406030204" pitchFamily="18" charset="0"/>
-                                </a:rPr>
-                                <m:t>−1</m:t>
-                              </m:r>
-                            </m:sub>
-                          </m:sSub>
-                          <m:r>
-                            <a:rPr lang="en-US" b="0" i="1" smtClean="0">
-                              <a:latin typeface="Cambria Math" panose="02040503050406030204" pitchFamily="18" charset="0"/>
-                            </a:rPr>
-                            <m:t>, </m:t>
-                          </m:r>
-                          <m:d>
-                            <m:dPr>
-                              <m:begChr m:val="["/>
-                              <m:endChr m:val="]"/>
-                              <m:ctrlPr>
-                                <a:rPr lang="en-US" b="0" i="1" smtClean="0">
-                                  <a:latin typeface="Cambria Math" panose="02040503050406030204" pitchFamily="18" charset="0"/>
-                                </a:rPr>
-                              </m:ctrlPr>
-                            </m:dPr>
-                            <m:e>
-                              <m:eqArr>
-                                <m:eqArrPr>
+                              <m:sSup>
+                                <m:sSupPr>
                                   <m:ctrlPr>
                                     <a:rPr lang="en-US" b="0" i="1" smtClean="0">
                                       <a:latin typeface="Cambria Math" panose="02040503050406030204" pitchFamily="18" charset="0"/>
                                     </a:rPr>
                                   </m:ctrlPr>
-                                </m:eqArrPr>
+                                </m:sSupPr>
                                 <m:e>
-                                  <m:sSub>
-                                    <m:sSubPr>
-                                      <m:ctrlPr>
-                                        <a:rPr lang="en-US" b="0" i="1" smtClean="0">
-                                          <a:latin typeface="Cambria Math" panose="02040503050406030204" pitchFamily="18" charset="0"/>
-                                        </a:rPr>
-                                      </m:ctrlPr>
-                                    </m:sSubPr>
-                                    <m:e>
-                                      <m:r>
-                                        <a:rPr lang="en-US" b="0" i="1" smtClean="0">
-                                          <a:latin typeface="Cambria Math" panose="02040503050406030204" pitchFamily="18" charset="0"/>
-                                        </a:rPr>
-                                        <m:t>𝐵</m:t>
-                                      </m:r>
-                                    </m:e>
-                                    <m:sub>
-                                      <m:r>
-                                        <a:rPr lang="en-US" b="0" i="1" smtClean="0">
-                                          <a:latin typeface="Cambria Math" panose="02040503050406030204" pitchFamily="18" charset="0"/>
-                                        </a:rPr>
-                                        <m:t>𝑡</m:t>
-                                      </m:r>
-                                    </m:sub>
-                                  </m:sSub>
-                                </m:e>
-                                <m:e>
-                                  <m:sSub>
-                                    <m:sSubPr>
-                                      <m:ctrlPr>
-                                        <a:rPr lang="en-US" b="0" i="1" smtClean="0">
-                                          <a:latin typeface="Cambria Math" panose="02040503050406030204" pitchFamily="18" charset="0"/>
-                                        </a:rPr>
-                                      </m:ctrlPr>
-                                    </m:sSubPr>
-                                    <m:e>
-                                      <m:r>
-                                        <a:rPr lang="en-US" b="0" i="1" smtClean="0">
-                                          <a:latin typeface="Cambria Math" panose="02040503050406030204" pitchFamily="18" charset="0"/>
-                                        </a:rPr>
-                                        <m:t>𝐶</m:t>
-                                      </m:r>
-                                    </m:e>
-                                    <m:sub>
-                                      <m:r>
-                                        <a:rPr lang="en-US" b="0" i="1" smtClean="0">
-                                          <a:latin typeface="Cambria Math" panose="02040503050406030204" pitchFamily="18" charset="0"/>
-                                        </a:rPr>
-                                        <m:t>𝑡</m:t>
-                                      </m:r>
-                                    </m:sub>
-                                  </m:sSub>
-                                  <m:sSub>
-                                    <m:sSubPr>
-                                      <m:ctrlPr>
-                                        <a:rPr lang="en-US" b="0" i="1" smtClean="0">
-                                          <a:latin typeface="Cambria Math" panose="02040503050406030204" pitchFamily="18" charset="0"/>
-                                        </a:rPr>
-                                      </m:ctrlPr>
-                                    </m:sSubPr>
-                                    <m:e>
-                                      <m:r>
-                                        <a:rPr lang="en-US" b="0" i="1" smtClean="0">
-                                          <a:latin typeface="Cambria Math" panose="02040503050406030204" pitchFamily="18" charset="0"/>
-                                        </a:rPr>
-                                        <m:t>𝐵</m:t>
-                                      </m:r>
-                                    </m:e>
-                                    <m:sub>
-                                      <m:r>
-                                        <a:rPr lang="en-US" b="0" i="1" smtClean="0">
-                                          <a:latin typeface="Cambria Math" panose="02040503050406030204" pitchFamily="18" charset="0"/>
-                                        </a:rPr>
-                                        <m:t>𝑡</m:t>
-                                      </m:r>
-                                    </m:sub>
-                                  </m:sSub>
                                   <m:r>
                                     <a:rPr lang="en-US" b="0" i="1" smtClean="0">
                                       <a:latin typeface="Cambria Math" panose="02040503050406030204" pitchFamily="18" charset="0"/>
                                     </a:rPr>
-                                    <m:t>+</m:t>
+                                    <m:t>𝔼</m:t>
                                   </m:r>
-                                  <m:sSub>
-                                    <m:sSubPr>
-                                      <m:ctrlPr>
-                                        <a:rPr lang="en-US" b="0" i="1" smtClean="0">
-                                          <a:latin typeface="Cambria Math" panose="02040503050406030204" pitchFamily="18" charset="0"/>
-                                        </a:rPr>
-                                      </m:ctrlPr>
-                                    </m:sSubPr>
-                                    <m:e>
-                                      <m:r>
-                                        <a:rPr lang="en-US" b="0" i="1" smtClean="0">
-                                          <a:latin typeface="Cambria Math" panose="02040503050406030204" pitchFamily="18" charset="0"/>
-                                        </a:rPr>
-                                        <m:t>𝐷</m:t>
-                                      </m:r>
-                                    </m:e>
-                                    <m:sub>
-                                      <m:r>
-                                        <a:rPr lang="en-US" b="0" i="1" smtClean="0">
-                                          <a:latin typeface="Cambria Math" panose="02040503050406030204" pitchFamily="18" charset="0"/>
-                                        </a:rPr>
-                                        <m:t>𝑡</m:t>
-                                      </m:r>
-                                    </m:sub>
-                                  </m:sSub>
                                 </m:e>
-                              </m:eqArr>
-                            </m:e>
-                          </m:d>
-                          <m:sSup>
-                            <m:sSupPr>
-                              <m:ctrlPr>
-                                <a:rPr lang="en-US" b="0" i="1" smtClean="0">
-                                  <a:latin typeface="Cambria Math" panose="02040503050406030204" pitchFamily="18" charset="0"/>
-                                </a:rPr>
-                              </m:ctrlPr>
-                            </m:sSupPr>
-                            <m:e>
+                                <m:sup>
+                                  <m:r>
+                                    <a:rPr lang="en-US" b="0" i="1" smtClean="0">
+                                      <a:latin typeface="Cambria Math" panose="02040503050406030204" pitchFamily="18" charset="0"/>
+                                    </a:rPr>
+                                    <m:t>ℚ</m:t>
+                                  </m:r>
+                                </m:sup>
+                              </m:sSup>
                               <m:d>
                                 <m:dPr>
                                   <m:begChr m:val="["/>
@@ -5335,139 +4034,91 @@
                                   </m:ctrlPr>
                                 </m:dPr>
                                 <m:e>
-                                  <m:eqArr>
-                                    <m:eqArrPr>
+                                  <m:sSup>
+                                    <m:sSupPr>
                                       <m:ctrlPr>
                                         <a:rPr lang="en-US" b="0" i="1" smtClean="0">
                                           <a:latin typeface="Cambria Math" panose="02040503050406030204" pitchFamily="18" charset="0"/>
                                         </a:rPr>
                                       </m:ctrlPr>
-                                    </m:eqArrPr>
+                                    </m:sSupPr>
                                     <m:e>
-                                      <m:sSub>
-                                        <m:sSubPr>
+                                      <m:d>
+                                        <m:dPr>
+                                          <m:begChr m:val="‖"/>
+                                          <m:endChr m:val="‖"/>
                                           <m:ctrlPr>
                                             <a:rPr lang="en-US" b="0" i="1" smtClean="0">
                                               <a:latin typeface="Cambria Math" panose="02040503050406030204" pitchFamily="18" charset="0"/>
                                             </a:rPr>
                                           </m:ctrlPr>
-                                        </m:sSubPr>
+                                        </m:dPr>
                                         <m:e>
                                           <m:r>
                                             <a:rPr lang="en-US" b="0" i="1" smtClean="0">
                                               <a:latin typeface="Cambria Math" panose="02040503050406030204" pitchFamily="18" charset="0"/>
                                             </a:rPr>
-                                            <m:t>𝐵</m:t>
+                                            <m:t>𝑥</m:t>
                                           </m:r>
-                                        </m:e>
-                                        <m:sub>
                                           <m:r>
                                             <a:rPr lang="en-US" b="0" i="1" smtClean="0">
                                               <a:latin typeface="Cambria Math" panose="02040503050406030204" pitchFamily="18" charset="0"/>
                                             </a:rPr>
-                                            <m:t>𝑡</m:t>
+                                            <m:t>−</m:t>
                                           </m:r>
-                                        </m:sub>
-                                      </m:sSub>
-                                    </m:e>
-                                    <m:e>
-                                      <m:sSub>
-                                        <m:sSubPr>
-                                          <m:ctrlPr>
-                                            <a:rPr lang="en-US" b="0" i="1" smtClean="0">
-                                              <a:latin typeface="Cambria Math" panose="02040503050406030204" pitchFamily="18" charset="0"/>
-                                            </a:rPr>
-                                          </m:ctrlPr>
-                                        </m:sSubPr>
-                                        <m:e>
                                           <m:r>
                                             <a:rPr lang="en-US" b="0" i="1" smtClean="0">
                                               <a:latin typeface="Cambria Math" panose="02040503050406030204" pitchFamily="18" charset="0"/>
                                             </a:rPr>
-                                            <m:t>𝐶</m:t>
+                                            <m:t>𝜓</m:t>
                                           </m:r>
+                                          <m:d>
+                                            <m:dPr>
+                                              <m:ctrlPr>
+                                                <a:rPr lang="en-US" b="0" i="1" smtClean="0">
+                                                  <a:latin typeface="Cambria Math" panose="02040503050406030204" pitchFamily="18" charset="0"/>
+                                                </a:rPr>
+                                              </m:ctrlPr>
+                                            </m:dPr>
+                                            <m:e>
+                                              <m:r>
+                                                <a:rPr lang="en-US" b="0" i="1" smtClean="0">
+                                                  <a:latin typeface="Cambria Math" panose="02040503050406030204" pitchFamily="18" charset="0"/>
+                                                </a:rPr>
+                                                <m:t>𝑦</m:t>
+                                              </m:r>
+                                            </m:e>
+                                          </m:d>
                                         </m:e>
-                                        <m:sub>
-                                          <m:r>
-                                            <a:rPr lang="en-US" b="0" i="1" smtClean="0">
-                                              <a:latin typeface="Cambria Math" panose="02040503050406030204" pitchFamily="18" charset="0"/>
-                                            </a:rPr>
-                                            <m:t>𝑡</m:t>
-                                          </m:r>
-                                        </m:sub>
-                                      </m:sSub>
-                                      <m:sSub>
-                                        <m:sSubPr>
-                                          <m:ctrlPr>
-                                            <a:rPr lang="en-US" b="0" i="1" smtClean="0">
-                                              <a:latin typeface="Cambria Math" panose="02040503050406030204" pitchFamily="18" charset="0"/>
-                                            </a:rPr>
-                                          </m:ctrlPr>
-                                        </m:sSubPr>
-                                        <m:e>
-                                          <m:r>
-                                            <a:rPr lang="en-US" b="0" i="1" smtClean="0">
-                                              <a:latin typeface="Cambria Math" panose="02040503050406030204" pitchFamily="18" charset="0"/>
-                                            </a:rPr>
-                                            <m:t>𝐵</m:t>
-                                          </m:r>
-                                        </m:e>
-                                        <m:sub>
-                                          <m:r>
-                                            <a:rPr lang="en-US" b="0" i="1" smtClean="0">
-                                              <a:latin typeface="Cambria Math" panose="02040503050406030204" pitchFamily="18" charset="0"/>
-                                            </a:rPr>
-                                            <m:t>𝑡</m:t>
-                                          </m:r>
-                                        </m:sub>
-                                      </m:sSub>
+                                      </m:d>
+                                    </m:e>
+                                    <m:sup>
                                       <m:r>
                                         <a:rPr lang="en-US" b="0" i="1" smtClean="0">
                                           <a:latin typeface="Cambria Math" panose="02040503050406030204" pitchFamily="18" charset="0"/>
                                         </a:rPr>
-                                        <m:t>+</m:t>
+                                        <m:t>2</m:t>
                                       </m:r>
-                                      <m:sSub>
-                                        <m:sSubPr>
-                                          <m:ctrlPr>
-                                            <a:rPr lang="en-US" b="0" i="1" smtClean="0">
-                                              <a:latin typeface="Cambria Math" panose="02040503050406030204" pitchFamily="18" charset="0"/>
-                                            </a:rPr>
-                                          </m:ctrlPr>
-                                        </m:sSubPr>
-                                        <m:e>
-                                          <m:r>
-                                            <a:rPr lang="en-US" b="0" i="1" smtClean="0">
-                                              <a:latin typeface="Cambria Math" panose="02040503050406030204" pitchFamily="18" charset="0"/>
-                                            </a:rPr>
-                                            <m:t>𝐷</m:t>
-                                          </m:r>
-                                        </m:e>
-                                        <m:sub>
-                                          <m:r>
-                                            <a:rPr lang="en-US" b="0" i="1" smtClean="0">
-                                              <a:latin typeface="Cambria Math" panose="02040503050406030204" pitchFamily="18" charset="0"/>
-                                            </a:rPr>
-                                            <m:t>𝑡</m:t>
-                                          </m:r>
-                                        </m:sub>
-                                      </m:sSub>
-                                    </m:e>
-                                  </m:eqArr>
+                                    </m:sup>
+                                  </m:sSup>
                                 </m:e>
                               </m:d>
-                            </m:e>
-                            <m:sup>
                               <m:r>
                                 <a:rPr lang="en-US" b="0" i="1" smtClean="0">
                                   <a:latin typeface="Cambria Math" panose="02040503050406030204" pitchFamily="18" charset="0"/>
                                 </a:rPr>
-                                <m:t>𝑇</m:t>
+                                <m:t> </m:t>
                               </m:r>
-                            </m:sup>
-                          </m:sSup>
+                            </m:e>
+                          </m:func>
+                          <m:r>
+                            <a:rPr lang="en-US" b="0" i="1" smtClean="0">
+                              <a:latin typeface="Cambria Math" panose="02040503050406030204" pitchFamily="18" charset="0"/>
+                            </a:rPr>
+                            <m:t> </m:t>
+                          </m:r>
                         </m:e>
-                      </m:d>
+                      </m:func>
                       <m:r>
                         <a:rPr lang="en-US" b="0" i="1" smtClean="0">
                           <a:latin typeface="Cambria Math" panose="02040503050406030204" pitchFamily="18" charset="0"/>
@@ -5477,57 +4128,122 @@
                     </m:oMath>
                   </m:oMathPara>
                 </a14:m>
-                <a:endParaRPr lang="en-US" dirty="0"/>
+                <a:endParaRPr lang="en-US" b="0" dirty="0"/>
               </a:p>
               <a:p>
                 <a:pPr marL="0" indent="0">
                   <a:buNone/>
                 </a:pPr>
+                <a:r>
+                  <a:rPr lang="en-US" dirty="0"/>
+                  <a:t>Where </a:t>
+                </a:r>
                 <a14:m>
-                  <m:oMathPara xmlns:m="http://schemas.openxmlformats.org/officeDocument/2006/math">
-                    <m:oMathParaPr>
-                      <m:jc m:val="centerGroup"/>
-                    </m:oMathParaPr>
-                    <m:oMath xmlns:m="http://schemas.openxmlformats.org/officeDocument/2006/math">
-                      <m:r>
-                        <a:rPr lang="en-US" b="0" i="1" smtClean="0">
-                          <a:latin typeface="Cambria Math" panose="02040503050406030204" pitchFamily="18" charset="0"/>
-                        </a:rPr>
-                        <m:t>∀</m:t>
-                      </m:r>
-                      <m:r>
-                        <a:rPr lang="en-US" b="0" i="1" smtClean="0">
-                          <a:latin typeface="Cambria Math" panose="02040503050406030204" pitchFamily="18" charset="0"/>
-                        </a:rPr>
-                        <m:t>𝑡</m:t>
-                      </m:r>
-                      <m:r>
-                        <a:rPr lang="en-US" b="0" i="1" smtClean="0">
-                          <a:latin typeface="Cambria Math" panose="02040503050406030204" pitchFamily="18" charset="0"/>
-                        </a:rPr>
-                        <m:t>∈</m:t>
-                      </m:r>
-                      <m:r>
-                        <a:rPr lang="en-US" b="0" i="1" smtClean="0">
-                          <a:latin typeface="Cambria Math" panose="02040503050406030204" pitchFamily="18" charset="0"/>
-                        </a:rPr>
-                        <m:t>ℕ</m:t>
-                      </m:r>
-                    </m:oMath>
-                  </m:oMathPara>
+                  <m:oMath xmlns:m="http://schemas.openxmlformats.org/officeDocument/2006/math">
+                    <m:r>
+                      <a:rPr lang="en-US" b="0" i="1" smtClean="0">
+                        <a:latin typeface="Cambria Math" panose="02040503050406030204" pitchFamily="18" charset="0"/>
+                      </a:rPr>
+                      <m:t>ℒ</m:t>
+                    </m:r>
+                  </m:oMath>
                 </a14:m>
-                <a:endParaRPr lang="en-IL" dirty="0"/>
+                <a:r>
+                  <a:rPr lang="en-US" b="0" dirty="0"/>
+                  <a:t> denotes the family of all measurable functions from </a:t>
+                </a:r>
+                <a14:m>
+                  <m:oMath xmlns:m="http://schemas.openxmlformats.org/officeDocument/2006/math">
+                    <m:sSup>
+                      <m:sSupPr>
+                        <m:ctrlPr>
+                          <a:rPr lang="en-US" b="0" i="1" smtClean="0">
+                            <a:latin typeface="Cambria Math" panose="02040503050406030204" pitchFamily="18" charset="0"/>
+                          </a:rPr>
+                        </m:ctrlPr>
+                      </m:sSupPr>
+                      <m:e>
+                        <m:r>
+                          <a:rPr lang="en-US" b="0" i="1" smtClean="0">
+                            <a:latin typeface="Cambria Math" panose="02040503050406030204" pitchFamily="18" charset="0"/>
+                          </a:rPr>
+                          <m:t>ℝ</m:t>
+                        </m:r>
+                      </m:e>
+                      <m:sup>
+                        <m:r>
+                          <a:rPr lang="en-US" b="0" i="1" smtClean="0">
+                            <a:latin typeface="Cambria Math" panose="02040503050406030204" pitchFamily="18" charset="0"/>
+                          </a:rPr>
+                          <m:t>𝑚</m:t>
+                        </m:r>
+                      </m:sup>
+                    </m:sSup>
+                  </m:oMath>
+                </a14:m>
+                <a:r>
+                  <a:rPr lang="en-US" b="0" dirty="0"/>
+                  <a:t> to </a:t>
+                </a:r>
+                <a14:m>
+                  <m:oMath xmlns:m="http://schemas.openxmlformats.org/officeDocument/2006/math">
+                    <m:sSup>
+                      <m:sSupPr>
+                        <m:ctrlPr>
+                          <a:rPr lang="en-US" b="0" i="1" smtClean="0">
+                            <a:latin typeface="Cambria Math" panose="02040503050406030204" pitchFamily="18" charset="0"/>
+                          </a:rPr>
+                        </m:ctrlPr>
+                      </m:sSupPr>
+                      <m:e>
+                        <m:r>
+                          <a:rPr lang="en-US" b="0" i="1" smtClean="0">
+                            <a:latin typeface="Cambria Math" panose="02040503050406030204" pitchFamily="18" charset="0"/>
+                          </a:rPr>
+                          <m:t>ℝ</m:t>
+                        </m:r>
+                      </m:e>
+                      <m:sup>
+                        <m:r>
+                          <a:rPr lang="en-US" b="0" i="1" smtClean="0">
+                            <a:latin typeface="Cambria Math" panose="02040503050406030204" pitchFamily="18" charset="0"/>
+                          </a:rPr>
+                          <m:t>𝑛</m:t>
+                        </m:r>
+                      </m:sup>
+                    </m:sSup>
+                  </m:oMath>
+                </a14:m>
+                <a:r>
+                  <a:rPr lang="en-US" b="0" dirty="0"/>
+                  <a:t>.</a:t>
+                </a:r>
+              </a:p>
+              <a:p>
+                <a:pPr marL="0" indent="0">
+                  <a:buNone/>
+                </a:pPr>
+                <a:r>
+                  <a:rPr lang="en-US" dirty="0"/>
+                  <a:t> </a:t>
+                </a:r>
+              </a:p>
+              <a:p>
+                <a:pPr marL="0" indent="0">
+                  <a:buNone/>
+                </a:pPr>
+                <a:endParaRPr lang="en-US" dirty="0"/>
               </a:p>
             </p:txBody>
           </p:sp>
         </mc:Choice>
-        <mc:Fallback xmlns="">
+        <mc:Fallback>
           <p:sp>
             <p:nvSpPr>
               <p:cNvPr id="3" name="Content Placeholder 2">
                 <a:extLst>
                   <a:ext uri="{FF2B5EF4-FFF2-40B4-BE49-F238E27FC236}">
-                    <a16:creationId xmlns:a16="http://schemas.microsoft.com/office/drawing/2014/main" id="{E2A6D292-3A18-95CC-624E-DBEF53FFDE38}"/>
+                    <a16:creationId xmlns:a16="http://schemas.microsoft.com/office/drawing/2014/main" id="{CCB024AB-BE68-A83A-4419-612EF96959DE}"/>
                   </a:ext>
                 </a:extLst>
               </p:cNvPr>
@@ -5564,7 +4280,7 @@
     </p:spTree>
     <p:extLst>
       <p:ext uri="{BB962C8B-B14F-4D97-AF65-F5344CB8AC3E}">
-        <p14:creationId xmlns:p14="http://schemas.microsoft.com/office/powerpoint/2010/main" val="4109625822"/>
+        <p14:creationId xmlns:p14="http://schemas.microsoft.com/office/powerpoint/2010/main" val="1191010430"/>
       </p:ext>
     </p:extLst>
   </p:cSld>
@@ -5574,340 +4290,7 @@
 </p:sld>
 </file>
 
-<file path=ppt/slides/slide5.xml><?xml version="1.0" encoding="utf-8"?>
-<p:sld xmlns:a="http://schemas.openxmlformats.org/drawingml/2006/main" xmlns:r="http://schemas.openxmlformats.org/officeDocument/2006/relationships" xmlns:p="http://schemas.openxmlformats.org/presentationml/2006/main">
-  <p:cSld>
-    <p:spTree>
-      <p:nvGrpSpPr>
-        <p:cNvPr id="1" name=""/>
-        <p:cNvGrpSpPr/>
-        <p:nvPr/>
-      </p:nvGrpSpPr>
-      <p:grpSpPr>
-        <a:xfrm>
-          <a:off x="0" y="0"/>
-          <a:ext cx="0" cy="0"/>
-          <a:chOff x="0" y="0"/>
-          <a:chExt cx="0" cy="0"/>
-        </a:xfrm>
-      </p:grpSpPr>
-      <p:sp>
-        <p:nvSpPr>
-          <p:cNvPr id="2" name="Title 1">
-            <a:extLst>
-              <a:ext uri="{FF2B5EF4-FFF2-40B4-BE49-F238E27FC236}">
-                <a16:creationId xmlns:a16="http://schemas.microsoft.com/office/drawing/2014/main" id="{577F7869-F4F2-5533-FAA8-5BBA7149694B}"/>
-              </a:ext>
-            </a:extLst>
-          </p:cNvPr>
-          <p:cNvSpPr>
-            <a:spLocks noGrp="1"/>
-          </p:cNvSpPr>
-          <p:nvPr>
-            <p:ph type="title"/>
-          </p:nvPr>
-        </p:nvSpPr>
-        <p:spPr/>
-        <p:txBody>
-          <a:bodyPr/>
-          <a:lstStyle/>
-          <a:p>
-            <a:r>
-              <a:rPr lang="en-US" dirty="0"/>
-              <a:t>Example</a:t>
-            </a:r>
-            <a:endParaRPr lang="en-IL" dirty="0"/>
-          </a:p>
-        </p:txBody>
-      </p:sp>
-      <mc:AlternateContent xmlns:mc="http://schemas.openxmlformats.org/markup-compatibility/2006" xmlns:a14="http://schemas.microsoft.com/office/drawing/2010/main">
-        <mc:Choice Requires="a14">
-          <p:sp>
-            <p:nvSpPr>
-              <p:cNvPr id="3" name="Content Placeholder 2">
-                <a:extLst>
-                  <a:ext uri="{FF2B5EF4-FFF2-40B4-BE49-F238E27FC236}">
-                    <a16:creationId xmlns:a16="http://schemas.microsoft.com/office/drawing/2014/main" id="{DC8909B9-DA38-36B2-66BF-20665CDE56D9}"/>
-                  </a:ext>
-                </a:extLst>
-              </p:cNvPr>
-              <p:cNvSpPr>
-                <a:spLocks noGrp="1"/>
-              </p:cNvSpPr>
-              <p:nvPr>
-                <p:ph idx="1"/>
-              </p:nvPr>
-            </p:nvSpPr>
-            <p:spPr/>
-            <p:txBody>
-              <a:bodyPr/>
-              <a:lstStyle/>
-              <a:p>
-                <a:pPr marL="0" indent="0">
-                  <a:buNone/>
-                </a:pPr>
-                <a:r>
-                  <a:rPr lang="en-US" dirty="0"/>
-                  <a:t>We are driving a car from Netanya to Haifa.</a:t>
-                </a:r>
-              </a:p>
-              <a:p>
-                <a:pPr marL="0" indent="0">
-                  <a:buNone/>
-                </a:pPr>
-                <a:r>
-                  <a:rPr lang="en-US" dirty="0"/>
-                  <a:t>We want to know what our location </a:t>
-                </a:r>
-                <a14:m>
-                  <m:oMath xmlns:m="http://schemas.openxmlformats.org/officeDocument/2006/math">
-                    <m:d>
-                      <m:dPr>
-                        <m:ctrlPr>
-                          <a:rPr lang="en-US" b="0" i="1" smtClean="0">
-                            <a:latin typeface="Cambria Math" panose="02040503050406030204" pitchFamily="18" charset="0"/>
-                          </a:rPr>
-                        </m:ctrlPr>
-                      </m:dPr>
-                      <m:e>
-                        <m:r>
-                          <a:rPr lang="en-US" b="0" i="1" smtClean="0">
-                            <a:latin typeface="Cambria Math" panose="02040503050406030204" pitchFamily="18" charset="0"/>
-                          </a:rPr>
-                          <m:t>𝑥</m:t>
-                        </m:r>
-                      </m:e>
-                    </m:d>
-                  </m:oMath>
-                </a14:m>
-                <a:r>
-                  <a:rPr lang="en-US" dirty="0"/>
-                  <a:t> in every minute </a:t>
-                </a:r>
-                <a14:m>
-                  <m:oMath xmlns:m="http://schemas.openxmlformats.org/officeDocument/2006/math">
-                    <m:d>
-                      <m:dPr>
-                        <m:ctrlPr>
-                          <a:rPr lang="en-US" b="0" i="1" smtClean="0">
-                            <a:latin typeface="Cambria Math" panose="02040503050406030204" pitchFamily="18" charset="0"/>
-                          </a:rPr>
-                        </m:ctrlPr>
-                      </m:dPr>
-                      <m:e>
-                        <m:r>
-                          <a:rPr lang="en-US" b="0" i="1" smtClean="0">
-                            <a:latin typeface="Cambria Math" panose="02040503050406030204" pitchFamily="18" charset="0"/>
-                          </a:rPr>
-                          <m:t>𝑡</m:t>
-                        </m:r>
-                        <m:r>
-                          <a:rPr lang="en-US" b="0" i="1" smtClean="0">
-                            <a:latin typeface="Cambria Math" panose="02040503050406030204" pitchFamily="18" charset="0"/>
-                          </a:rPr>
-                          <m:t>∈</m:t>
-                        </m:r>
-                        <m:r>
-                          <a:rPr lang="en-US" b="0" i="1" smtClean="0">
-                            <a:latin typeface="Cambria Math" panose="02040503050406030204" pitchFamily="18" charset="0"/>
-                          </a:rPr>
-                          <m:t>ℕ</m:t>
-                        </m:r>
-                      </m:e>
-                    </m:d>
-                  </m:oMath>
-                </a14:m>
-                <a:r>
-                  <a:rPr lang="en-US" dirty="0"/>
-                  <a:t> - </a:t>
-                </a:r>
-                <a:br>
-                  <a:rPr lang="en-US" dirty="0"/>
-                </a:br>
-                <a14:m>
-                  <m:oMathPara xmlns:m="http://schemas.openxmlformats.org/officeDocument/2006/math">
-                    <m:oMathParaPr>
-                      <m:jc m:val="centerGroup"/>
-                    </m:oMathParaPr>
-                    <m:oMath xmlns:m="http://schemas.openxmlformats.org/officeDocument/2006/math">
-                      <m:sSub>
-                        <m:sSubPr>
-                          <m:ctrlPr>
-                            <a:rPr lang="en-US" b="0" i="1" smtClean="0">
-                              <a:latin typeface="Cambria Math" panose="02040503050406030204" pitchFamily="18" charset="0"/>
-                            </a:rPr>
-                          </m:ctrlPr>
-                        </m:sSubPr>
-                        <m:e>
-                          <m:r>
-                            <a:rPr lang="en-US" b="0" i="1" smtClean="0">
-                              <a:latin typeface="Cambria Math" panose="02040503050406030204" pitchFamily="18" charset="0"/>
-                            </a:rPr>
-                            <m:t>𝑥</m:t>
-                          </m:r>
-                        </m:e>
-                        <m:sub>
-                          <m:r>
-                            <a:rPr lang="en-US" b="0" i="1" smtClean="0">
-                              <a:latin typeface="Cambria Math" panose="02040503050406030204" pitchFamily="18" charset="0"/>
-                            </a:rPr>
-                            <m:t>𝑡</m:t>
-                          </m:r>
-                        </m:sub>
-                      </m:sSub>
-                      <m:r>
-                        <a:rPr lang="en-US" b="0" i="1" smtClean="0">
-                          <a:latin typeface="Cambria Math" panose="02040503050406030204" pitchFamily="18" charset="0"/>
-                        </a:rPr>
-                        <m:t>∈</m:t>
-                      </m:r>
-                      <m:r>
-                        <a:rPr lang="en-US" b="0" i="1" smtClean="0">
-                          <a:latin typeface="Cambria Math" panose="02040503050406030204" pitchFamily="18" charset="0"/>
-                        </a:rPr>
-                        <m:t>𝑅</m:t>
-                      </m:r>
-                    </m:oMath>
-                  </m:oMathPara>
-                </a14:m>
-                <a:endParaRPr lang="en-US" dirty="0"/>
-              </a:p>
-              <a:p>
-                <a:pPr marL="0" indent="0">
-                  <a:buNone/>
-                </a:pPr>
-                <a:r>
-                  <a:rPr lang="en-US" dirty="0"/>
-                  <a:t>We only know the speed at which we are going in every minute – </a:t>
-                </a:r>
-              </a:p>
-              <a:p>
-                <a:pPr marL="0" indent="0">
-                  <a:buNone/>
-                </a:pPr>
-                <a14:m>
-                  <m:oMathPara xmlns:m="http://schemas.openxmlformats.org/officeDocument/2006/math">
-                    <m:oMathParaPr>
-                      <m:jc m:val="centerGroup"/>
-                    </m:oMathParaPr>
-                    <m:oMath xmlns:m="http://schemas.openxmlformats.org/officeDocument/2006/math">
-                      <m:sSub>
-                        <m:sSubPr>
-                          <m:ctrlPr>
-                            <a:rPr lang="en-US" b="0" i="1" smtClean="0">
-                              <a:latin typeface="Cambria Math" panose="02040503050406030204" pitchFamily="18" charset="0"/>
-                            </a:rPr>
-                          </m:ctrlPr>
-                        </m:sSubPr>
-                        <m:e>
-                          <m:r>
-                            <a:rPr lang="en-US" b="0" i="1" smtClean="0">
-                              <a:latin typeface="Cambria Math" panose="02040503050406030204" pitchFamily="18" charset="0"/>
-                            </a:rPr>
-                            <m:t>𝑦</m:t>
-                          </m:r>
-                        </m:e>
-                        <m:sub>
-                          <m:r>
-                            <a:rPr lang="en-US" b="0" i="1" smtClean="0">
-                              <a:latin typeface="Cambria Math" panose="02040503050406030204" pitchFamily="18" charset="0"/>
-                            </a:rPr>
-                            <m:t>𝑡</m:t>
-                          </m:r>
-                        </m:sub>
-                      </m:sSub>
-                      <m:r>
-                        <a:rPr lang="en-US" b="0" i="1" smtClean="0">
-                          <a:latin typeface="Cambria Math" panose="02040503050406030204" pitchFamily="18" charset="0"/>
-                        </a:rPr>
-                        <m:t>∈</m:t>
-                      </m:r>
-                      <m:r>
-                        <a:rPr lang="en-US" b="0" i="1" smtClean="0">
-                          <a:latin typeface="Cambria Math" panose="02040503050406030204" pitchFamily="18" charset="0"/>
-                        </a:rPr>
-                        <m:t>𝑅</m:t>
-                      </m:r>
-                    </m:oMath>
-                  </m:oMathPara>
-                </a14:m>
-                <a:endParaRPr lang="en-US" dirty="0"/>
-              </a:p>
-              <a:p>
-                <a:pPr marL="0" indent="0">
-                  <a:buNone/>
-                </a:pPr>
-                <a:r>
-                  <a:rPr lang="en-US" dirty="0"/>
-                  <a:t>Accept we don’t know the true speed; we know a noisy signal.</a:t>
-                </a:r>
-              </a:p>
-              <a:p>
-                <a:pPr marL="0" indent="0">
-                  <a:buNone/>
-                </a:pPr>
-                <a:r>
-                  <a:rPr lang="en-US" dirty="0"/>
-                  <a:t>We want to know our location from our speed. </a:t>
-                </a:r>
-              </a:p>
-            </p:txBody>
-          </p:sp>
-        </mc:Choice>
-        <mc:Fallback xmlns="">
-          <p:sp>
-            <p:nvSpPr>
-              <p:cNvPr id="3" name="Content Placeholder 2">
-                <a:extLst>
-                  <a:ext uri="{FF2B5EF4-FFF2-40B4-BE49-F238E27FC236}">
-                    <a16:creationId xmlns:a16="http://schemas.microsoft.com/office/drawing/2014/main" id="{DC8909B9-DA38-36B2-66BF-20665CDE56D9}"/>
-                  </a:ext>
-                </a:extLst>
-              </p:cNvPr>
-              <p:cNvSpPr>
-                <a:spLocks noGrp="1" noRot="1" noChangeAspect="1" noMove="1" noResize="1" noEditPoints="1" noAdjustHandles="1" noChangeArrowheads="1" noChangeShapeType="1" noTextEdit="1"/>
-              </p:cNvSpPr>
-              <p:nvPr>
-                <p:ph idx="1"/>
-              </p:nvPr>
-            </p:nvSpPr>
-            <p:spPr>
-              <a:blipFill>
-                <a:blip r:embed="rId2"/>
-                <a:stretch>
-                  <a:fillRect l="-1217" t="-2241"/>
-                </a:stretch>
-              </a:blipFill>
-            </p:spPr>
-            <p:txBody>
-              <a:bodyPr/>
-              <a:lstStyle/>
-              <a:p>
-                <a:r>
-                  <a:rPr lang="en-IL">
-                    <a:noFill/>
-                  </a:rPr>
-                  <a:t> </a:t>
-                </a:r>
-              </a:p>
-            </p:txBody>
-          </p:sp>
-        </mc:Fallback>
-      </mc:AlternateContent>
-    </p:spTree>
-    <p:extLst>
-      <p:ext uri="{BB962C8B-B14F-4D97-AF65-F5344CB8AC3E}">
-        <p14:creationId xmlns:p14="http://schemas.microsoft.com/office/powerpoint/2010/main" val="1645578039"/>
-      </p:ext>
-    </p:extLst>
-  </p:cSld>
-  <p:clrMapOvr>
-    <a:masterClrMapping/>
-  </p:clrMapOvr>
-</p:sld>
-</file>
-
-<file path=ppt/slides/slide6.xml><?xml version="1.0" encoding="utf-8"?>
+<file path=ppt/slides/slide4.xml><?xml version="1.0" encoding="utf-8"?>
 <p:sld xmlns:a="http://schemas.openxmlformats.org/drawingml/2006/main" xmlns:r="http://schemas.openxmlformats.org/officeDocument/2006/relationships" xmlns:p="http://schemas.openxmlformats.org/presentationml/2006/main">
   <p:cSld>
     <p:spTree>
@@ -5953,8 +4336,8 @@
           </a:p>
         </p:txBody>
       </p:sp>
-      <mc:AlternateContent xmlns:mc="http://schemas.openxmlformats.org/markup-compatibility/2006">
-        <mc:Choice xmlns:a14="http://schemas.microsoft.com/office/drawing/2010/main" Requires="a14">
+      <mc:AlternateContent xmlns:mc="http://schemas.openxmlformats.org/markup-compatibility/2006" xmlns:a14="http://schemas.microsoft.com/office/drawing/2010/main">
+        <mc:Choice Requires="a14">
           <p:sp>
             <p:nvSpPr>
               <p:cNvPr id="3" name="Content Placeholder 2">
@@ -7595,7 +5978,7 @@
             </p:txBody>
           </p:sp>
         </mc:Choice>
-        <mc:Fallback>
+        <mc:Fallback xmlns="">
           <p:sp>
             <p:nvSpPr>
               <p:cNvPr id="3" name="Content Placeholder 2">
@@ -7755,6 +6138,4076 @@
       </p:par>
     </p:tnLst>
   </p:timing>
+</p:sld>
+</file>
+
+<file path=ppt/slides/slide5.xml><?xml version="1.0" encoding="utf-8"?>
+<p:sld xmlns:a="http://schemas.openxmlformats.org/drawingml/2006/main" xmlns:r="http://schemas.openxmlformats.org/officeDocument/2006/relationships" xmlns:p="http://schemas.openxmlformats.org/presentationml/2006/main">
+  <p:cSld>
+    <p:spTree>
+      <p:nvGrpSpPr>
+        <p:cNvPr id="1" name=""/>
+        <p:cNvGrpSpPr/>
+        <p:nvPr/>
+      </p:nvGrpSpPr>
+      <p:grpSpPr>
+        <a:xfrm>
+          <a:off x="0" y="0"/>
+          <a:ext cx="0" cy="0"/>
+          <a:chOff x="0" y="0"/>
+          <a:chExt cx="0" cy="0"/>
+        </a:xfrm>
+      </p:grpSpPr>
+      <p:sp>
+        <p:nvSpPr>
+          <p:cNvPr id="2" name="Title 1">
+            <a:extLst>
+              <a:ext uri="{FF2B5EF4-FFF2-40B4-BE49-F238E27FC236}">
+                <a16:creationId xmlns:a16="http://schemas.microsoft.com/office/drawing/2014/main" id="{56B748BA-C7BF-2C7B-CEC5-F60295D4C7E1}"/>
+              </a:ext>
+            </a:extLst>
+          </p:cNvPr>
+          <p:cNvSpPr>
+            <a:spLocks noGrp="1"/>
+          </p:cNvSpPr>
+          <p:nvPr>
+            <p:ph type="title"/>
+          </p:nvPr>
+        </p:nvSpPr>
+        <p:spPr/>
+        <p:txBody>
+          <a:bodyPr/>
+          <a:lstStyle/>
+          <a:p>
+            <a:r>
+              <a:rPr lang="en-US" dirty="0"/>
+              <a:t>Reminders</a:t>
+            </a:r>
+            <a:endParaRPr lang="en-IL" dirty="0"/>
+          </a:p>
+        </p:txBody>
+      </p:sp>
+      <mc:AlternateContent xmlns:mc="http://schemas.openxmlformats.org/markup-compatibility/2006">
+        <mc:Choice xmlns:a14="http://schemas.microsoft.com/office/drawing/2010/main" Requires="a14">
+          <p:sp>
+            <p:nvSpPr>
+              <p:cNvPr id="3" name="Content Placeholder 2">
+                <a:extLst>
+                  <a:ext uri="{FF2B5EF4-FFF2-40B4-BE49-F238E27FC236}">
+                    <a16:creationId xmlns:a16="http://schemas.microsoft.com/office/drawing/2014/main" id="{8ED17941-0519-C4FE-8E3C-5B4237298479}"/>
+                  </a:ext>
+                </a:extLst>
+              </p:cNvPr>
+              <p:cNvSpPr>
+                <a:spLocks noGrp="1"/>
+              </p:cNvSpPr>
+              <p:nvPr>
+                <p:ph idx="1"/>
+              </p:nvPr>
+            </p:nvSpPr>
+            <p:spPr/>
+            <p:txBody>
+              <a:bodyPr/>
+              <a:lstStyle/>
+              <a:p>
+                <a:pPr marL="0" indent="0">
+                  <a:buNone/>
+                </a:pPr>
+                <a:r>
+                  <a:rPr lang="en-US" b="0" dirty="0">
+                    <a:latin typeface="Cambria Math" panose="02040503050406030204" pitchFamily="18" charset="0"/>
+                  </a:rPr>
+                  <a:t>Wasserstein ambiguity set:</a:t>
+                </a:r>
+              </a:p>
+              <a:p>
+                <a:pPr marL="0" indent="0">
+                  <a:buNone/>
+                </a:pPr>
+                <a:endParaRPr lang="en-US" b="0" dirty="0">
+                  <a:latin typeface="Cambria Math" panose="02040503050406030204" pitchFamily="18" charset="0"/>
+                </a:endParaRPr>
+              </a:p>
+              <a:p>
+                <a:pPr marL="0" indent="0">
+                  <a:buNone/>
+                </a:pPr>
+                <a14:m>
+                  <m:oMathPara xmlns:m="http://schemas.openxmlformats.org/officeDocument/2006/math">
+                    <m:oMathParaPr>
+                      <m:jc m:val="centerGroup"/>
+                    </m:oMathParaPr>
+                    <m:oMath xmlns:m="http://schemas.openxmlformats.org/officeDocument/2006/math">
+                      <m:r>
+                        <a:rPr lang="en-US" b="0" i="1" smtClean="0">
+                          <a:latin typeface="Cambria Math" panose="02040503050406030204" pitchFamily="18" charset="0"/>
+                        </a:rPr>
+                        <m:t>𝒫</m:t>
+                      </m:r>
+                      <m:r>
+                        <a:rPr lang="en-US" b="0" i="1" smtClean="0">
+                          <a:latin typeface="Cambria Math" panose="02040503050406030204" pitchFamily="18" charset="0"/>
+                        </a:rPr>
+                        <m:t>=</m:t>
+                      </m:r>
+                      <m:d>
+                        <m:dPr>
+                          <m:begChr m:val="{"/>
+                          <m:endChr m:val="}"/>
+                          <m:ctrlPr>
+                            <a:rPr lang="en-US" b="0" i="1" smtClean="0">
+                              <a:latin typeface="Cambria Math" panose="02040503050406030204" pitchFamily="18" charset="0"/>
+                            </a:rPr>
+                          </m:ctrlPr>
+                        </m:dPr>
+                        <m:e>
+                          <m:r>
+                            <a:rPr lang="en-US" b="0" i="1" smtClean="0">
+                              <a:latin typeface="Cambria Math" panose="02040503050406030204" pitchFamily="18" charset="0"/>
+                            </a:rPr>
+                            <m:t>ℚ</m:t>
+                          </m:r>
+                          <m:r>
+                            <a:rPr lang="en-US" b="0" i="1" smtClean="0">
+                              <a:latin typeface="Cambria Math" panose="02040503050406030204" pitchFamily="18" charset="0"/>
+                            </a:rPr>
+                            <m:t>∈</m:t>
+                          </m:r>
+                          <m:sSub>
+                            <m:sSubPr>
+                              <m:ctrlPr>
+                                <a:rPr lang="en-US" b="0" i="1" smtClean="0">
+                                  <a:latin typeface="Cambria Math" panose="02040503050406030204" pitchFamily="18" charset="0"/>
+                                </a:rPr>
+                              </m:ctrlPr>
+                            </m:sSubPr>
+                            <m:e>
+                              <m:r>
+                                <a:rPr lang="en-US" b="0" i="1" smtClean="0">
+                                  <a:latin typeface="Cambria Math" panose="02040503050406030204" pitchFamily="18" charset="0"/>
+                                </a:rPr>
+                                <m:t>𝒩</m:t>
+                              </m:r>
+                            </m:e>
+                            <m:sub>
+                              <m:r>
+                                <a:rPr lang="en-US" b="0" i="1" smtClean="0">
+                                  <a:latin typeface="Cambria Math" panose="02040503050406030204" pitchFamily="18" charset="0"/>
+                                </a:rPr>
+                                <m:t>𝑑</m:t>
+                              </m:r>
+                            </m:sub>
+                          </m:sSub>
+                          <m:r>
+                            <a:rPr lang="en-US" b="0" i="1" smtClean="0">
+                              <a:latin typeface="Cambria Math" panose="02040503050406030204" pitchFamily="18" charset="0"/>
+                            </a:rPr>
+                            <m:t> :</m:t>
+                          </m:r>
+                          <m:sSub>
+                            <m:sSubPr>
+                              <m:ctrlPr>
+                                <a:rPr lang="en-US" b="0" i="1" smtClean="0">
+                                  <a:latin typeface="Cambria Math" panose="02040503050406030204" pitchFamily="18" charset="0"/>
+                                </a:rPr>
+                              </m:ctrlPr>
+                            </m:sSubPr>
+                            <m:e>
+                              <m:r>
+                                <a:rPr lang="en-US" b="0" i="1" smtClean="0">
+                                  <a:latin typeface="Cambria Math" panose="02040503050406030204" pitchFamily="18" charset="0"/>
+                                </a:rPr>
+                                <m:t>𝑊</m:t>
+                              </m:r>
+                            </m:e>
+                            <m:sub>
+                              <m:r>
+                                <a:rPr lang="en-US" b="0" i="1" smtClean="0">
+                                  <a:latin typeface="Cambria Math" panose="02040503050406030204" pitchFamily="18" charset="0"/>
+                                </a:rPr>
+                                <m:t>2</m:t>
+                              </m:r>
+                            </m:sub>
+                          </m:sSub>
+                          <m:d>
+                            <m:dPr>
+                              <m:ctrlPr>
+                                <a:rPr lang="en-US" b="0" i="1" smtClean="0">
+                                  <a:latin typeface="Cambria Math" panose="02040503050406030204" pitchFamily="18" charset="0"/>
+                                </a:rPr>
+                              </m:ctrlPr>
+                            </m:dPr>
+                            <m:e>
+                              <m:r>
+                                <a:rPr lang="en-US" b="0" i="1" smtClean="0">
+                                  <a:latin typeface="Cambria Math" panose="02040503050406030204" pitchFamily="18" charset="0"/>
+                                </a:rPr>
+                                <m:t>ℚ</m:t>
+                              </m:r>
+                              <m:r>
+                                <a:rPr lang="en-US" b="0" i="1" smtClean="0">
+                                  <a:latin typeface="Cambria Math" panose="02040503050406030204" pitchFamily="18" charset="0"/>
+                                </a:rPr>
+                                <m:t>, </m:t>
+                              </m:r>
+                              <m:r>
+                                <a:rPr lang="en-US" b="0" i="1" smtClean="0">
+                                  <a:latin typeface="Cambria Math" panose="02040503050406030204" pitchFamily="18" charset="0"/>
+                                </a:rPr>
+                                <m:t>ℙ</m:t>
+                              </m:r>
+                            </m:e>
+                          </m:d>
+                          <m:r>
+                            <a:rPr lang="en-US" b="0" i="1" smtClean="0">
+                              <a:latin typeface="Cambria Math" panose="02040503050406030204" pitchFamily="18" charset="0"/>
+                            </a:rPr>
+                            <m:t>≤</m:t>
+                          </m:r>
+                          <m:r>
+                            <a:rPr lang="en-US" b="0" i="1" smtClean="0">
+                              <a:latin typeface="Cambria Math" panose="02040503050406030204" pitchFamily="18" charset="0"/>
+                            </a:rPr>
+                            <m:t>𝜌</m:t>
+                          </m:r>
+                        </m:e>
+                      </m:d>
+                    </m:oMath>
+                  </m:oMathPara>
+                </a14:m>
+                <a:endParaRPr lang="en-US" dirty="0"/>
+              </a:p>
+              <a:p>
+                <a:pPr marL="0" indent="0">
+                  <a:buNone/>
+                </a:pPr>
+                <a:r>
+                  <a:rPr lang="en-US" dirty="0"/>
+                  <a:t>Theorem:</a:t>
+                </a:r>
+              </a:p>
+              <a:p>
+                <a:pPr marL="0" indent="0">
+                  <a:buNone/>
+                </a:pPr>
+                <a14:m>
+                  <m:oMathPara xmlns:m="http://schemas.openxmlformats.org/officeDocument/2006/math">
+                    <m:oMathParaPr>
+                      <m:jc m:val="centerGroup"/>
+                    </m:oMathParaPr>
+                    <m:oMath xmlns:m="http://schemas.openxmlformats.org/officeDocument/2006/math">
+                      <m:func>
+                        <m:funcPr>
+                          <m:ctrlPr>
+                            <a:rPr lang="en-US" b="0" i="1" smtClean="0">
+                              <a:latin typeface="Cambria Math" panose="02040503050406030204" pitchFamily="18" charset="0"/>
+                            </a:rPr>
+                          </m:ctrlPr>
+                        </m:funcPr>
+                        <m:fName>
+                          <m:limLow>
+                            <m:limLowPr>
+                              <m:ctrlPr>
+                                <a:rPr lang="en-US" b="0" i="1" smtClean="0">
+                                  <a:latin typeface="Cambria Math" panose="02040503050406030204" pitchFamily="18" charset="0"/>
+                                </a:rPr>
+                              </m:ctrlPr>
+                            </m:limLowPr>
+                            <m:e>
+                              <m:r>
+                                <m:rPr>
+                                  <m:sty m:val="p"/>
+                                </m:rPr>
+                                <a:rPr lang="en-US" b="0" i="0" smtClean="0">
+                                  <a:latin typeface="Cambria Math" panose="02040503050406030204" pitchFamily="18" charset="0"/>
+                                </a:rPr>
+                                <m:t>inf</m:t>
+                              </m:r>
+                            </m:e>
+                            <m:lim>
+                              <m:r>
+                                <a:rPr lang="en-US" b="0" i="1" smtClean="0">
+                                  <a:latin typeface="Cambria Math" panose="02040503050406030204" pitchFamily="18" charset="0"/>
+                                </a:rPr>
+                                <m:t>𝜓</m:t>
+                              </m:r>
+                              <m:r>
+                                <a:rPr lang="en-US" b="0" i="1" smtClean="0">
+                                  <a:latin typeface="Cambria Math" panose="02040503050406030204" pitchFamily="18" charset="0"/>
+                                </a:rPr>
+                                <m:t>∈</m:t>
+                              </m:r>
+                              <m:r>
+                                <a:rPr lang="en-US" b="0" i="1" smtClean="0">
+                                  <a:latin typeface="Cambria Math" panose="02040503050406030204" pitchFamily="18" charset="0"/>
+                                </a:rPr>
+                                <m:t>ℒ</m:t>
+                              </m:r>
+                            </m:lim>
+                          </m:limLow>
+                        </m:fName>
+                        <m:e>
+                          <m:func>
+                            <m:funcPr>
+                              <m:ctrlPr>
+                                <a:rPr lang="en-US" b="0" i="1" smtClean="0">
+                                  <a:latin typeface="Cambria Math" panose="02040503050406030204" pitchFamily="18" charset="0"/>
+                                </a:rPr>
+                              </m:ctrlPr>
+                            </m:funcPr>
+                            <m:fName>
+                              <m:limLow>
+                                <m:limLowPr>
+                                  <m:ctrlPr>
+                                    <a:rPr lang="en-US" b="0" i="1" smtClean="0">
+                                      <a:latin typeface="Cambria Math" panose="02040503050406030204" pitchFamily="18" charset="0"/>
+                                    </a:rPr>
+                                  </m:ctrlPr>
+                                </m:limLowPr>
+                                <m:e>
+                                  <m:r>
+                                    <m:rPr>
+                                      <m:sty m:val="p"/>
+                                    </m:rPr>
+                                    <a:rPr lang="en-US" b="0" i="0" smtClean="0">
+                                      <a:latin typeface="Cambria Math" panose="02040503050406030204" pitchFamily="18" charset="0"/>
+                                    </a:rPr>
+                                    <m:t>sup</m:t>
+                                  </m:r>
+                                </m:e>
+                                <m:lim>
+                                  <m:r>
+                                    <a:rPr lang="en-US" b="0" i="1" smtClean="0">
+                                      <a:latin typeface="Cambria Math" panose="02040503050406030204" pitchFamily="18" charset="0"/>
+                                    </a:rPr>
+                                    <m:t>ℚ</m:t>
+                                  </m:r>
+                                  <m:r>
+                                    <a:rPr lang="en-US" b="0" i="1" smtClean="0">
+                                      <a:latin typeface="Cambria Math" panose="02040503050406030204" pitchFamily="18" charset="0"/>
+                                    </a:rPr>
+                                    <m:t>∈</m:t>
+                                  </m:r>
+                                  <m:r>
+                                    <a:rPr lang="en-US" b="0" i="1" smtClean="0">
+                                      <a:latin typeface="Cambria Math" panose="02040503050406030204" pitchFamily="18" charset="0"/>
+                                    </a:rPr>
+                                    <m:t>𝒫</m:t>
+                                  </m:r>
+                                </m:lim>
+                              </m:limLow>
+                            </m:fName>
+                            <m:e>
+                              <m:sSup>
+                                <m:sSupPr>
+                                  <m:ctrlPr>
+                                    <a:rPr lang="en-US" b="0" i="1" smtClean="0">
+                                      <a:latin typeface="Cambria Math" panose="02040503050406030204" pitchFamily="18" charset="0"/>
+                                    </a:rPr>
+                                  </m:ctrlPr>
+                                </m:sSupPr>
+                                <m:e>
+                                  <m:r>
+                                    <a:rPr lang="en-US" b="0" i="1" smtClean="0">
+                                      <a:latin typeface="Cambria Math" panose="02040503050406030204" pitchFamily="18" charset="0"/>
+                                    </a:rPr>
+                                    <m:t>𝔼</m:t>
+                                  </m:r>
+                                </m:e>
+                                <m:sup>
+                                  <m:r>
+                                    <a:rPr lang="en-US" b="0" i="1" smtClean="0">
+                                      <a:latin typeface="Cambria Math" panose="02040503050406030204" pitchFamily="18" charset="0"/>
+                                    </a:rPr>
+                                    <m:t>ℚ</m:t>
+                                  </m:r>
+                                </m:sup>
+                              </m:sSup>
+                              <m:d>
+                                <m:dPr>
+                                  <m:begChr m:val="["/>
+                                  <m:endChr m:val="]"/>
+                                  <m:ctrlPr>
+                                    <a:rPr lang="en-US" b="0" i="1" smtClean="0">
+                                      <a:latin typeface="Cambria Math" panose="02040503050406030204" pitchFamily="18" charset="0"/>
+                                    </a:rPr>
+                                  </m:ctrlPr>
+                                </m:dPr>
+                                <m:e>
+                                  <m:sSup>
+                                    <m:sSupPr>
+                                      <m:ctrlPr>
+                                        <a:rPr lang="en-US" b="0" i="1" smtClean="0">
+                                          <a:latin typeface="Cambria Math" panose="02040503050406030204" pitchFamily="18" charset="0"/>
+                                        </a:rPr>
+                                      </m:ctrlPr>
+                                    </m:sSupPr>
+                                    <m:e>
+                                      <m:d>
+                                        <m:dPr>
+                                          <m:begChr m:val="‖"/>
+                                          <m:endChr m:val="‖"/>
+                                          <m:ctrlPr>
+                                            <a:rPr lang="en-US" b="0" i="1" smtClean="0">
+                                              <a:latin typeface="Cambria Math" panose="02040503050406030204" pitchFamily="18" charset="0"/>
+                                            </a:rPr>
+                                          </m:ctrlPr>
+                                        </m:dPr>
+                                        <m:e>
+                                          <m:r>
+                                            <a:rPr lang="en-US" b="0" i="1" smtClean="0">
+                                              <a:latin typeface="Cambria Math" panose="02040503050406030204" pitchFamily="18" charset="0"/>
+                                            </a:rPr>
+                                            <m:t>𝑥</m:t>
+                                          </m:r>
+                                          <m:r>
+                                            <a:rPr lang="en-US" b="0" i="1" smtClean="0">
+                                              <a:latin typeface="Cambria Math" panose="02040503050406030204" pitchFamily="18" charset="0"/>
+                                            </a:rPr>
+                                            <m:t>−</m:t>
+                                          </m:r>
+                                          <m:r>
+                                            <a:rPr lang="en-US" b="0" i="1" smtClean="0">
+                                              <a:latin typeface="Cambria Math" panose="02040503050406030204" pitchFamily="18" charset="0"/>
+                                            </a:rPr>
+                                            <m:t>𝜓</m:t>
+                                          </m:r>
+                                          <m:d>
+                                            <m:dPr>
+                                              <m:ctrlPr>
+                                                <a:rPr lang="en-US" b="0" i="1" smtClean="0">
+                                                  <a:latin typeface="Cambria Math" panose="02040503050406030204" pitchFamily="18" charset="0"/>
+                                                </a:rPr>
+                                              </m:ctrlPr>
+                                            </m:dPr>
+                                            <m:e>
+                                              <m:r>
+                                                <a:rPr lang="en-US" b="0" i="1" smtClean="0">
+                                                  <a:latin typeface="Cambria Math" panose="02040503050406030204" pitchFamily="18" charset="0"/>
+                                                </a:rPr>
+                                                <m:t>𝑥</m:t>
+                                              </m:r>
+                                            </m:e>
+                                          </m:d>
+                                        </m:e>
+                                      </m:d>
+                                    </m:e>
+                                    <m:sup>
+                                      <m:r>
+                                        <a:rPr lang="en-US" b="0" i="1" smtClean="0">
+                                          <a:latin typeface="Cambria Math" panose="02040503050406030204" pitchFamily="18" charset="0"/>
+                                        </a:rPr>
+                                        <m:t>2</m:t>
+                                      </m:r>
+                                    </m:sup>
+                                  </m:sSup>
+                                </m:e>
+                              </m:d>
+                              <m:r>
+                                <a:rPr lang="en-US" b="0" i="1" smtClean="0">
+                                  <a:latin typeface="Cambria Math" panose="02040503050406030204" pitchFamily="18" charset="0"/>
+                                </a:rPr>
+                                <m:t> </m:t>
+                              </m:r>
+                            </m:e>
+                          </m:func>
+                        </m:e>
+                      </m:func>
+                      <m:r>
+                        <a:rPr lang="en-US" b="0" i="1" smtClean="0">
+                          <a:latin typeface="Cambria Math" panose="02040503050406030204" pitchFamily="18" charset="0"/>
+                        </a:rPr>
+                        <m:t>=</m:t>
+                      </m:r>
+                      <m:func>
+                        <m:funcPr>
+                          <m:ctrlPr>
+                            <a:rPr lang="en-US" b="0" i="1" smtClean="0">
+                              <a:latin typeface="Cambria Math" panose="02040503050406030204" pitchFamily="18" charset="0"/>
+                            </a:rPr>
+                          </m:ctrlPr>
+                        </m:funcPr>
+                        <m:fName>
+                          <m:limLow>
+                            <m:limLowPr>
+                              <m:ctrlPr>
+                                <a:rPr lang="en-US" b="0" i="1" smtClean="0">
+                                  <a:latin typeface="Cambria Math" panose="02040503050406030204" pitchFamily="18" charset="0"/>
+                                </a:rPr>
+                              </m:ctrlPr>
+                            </m:limLowPr>
+                            <m:e>
+                              <m:r>
+                                <m:rPr>
+                                  <m:sty m:val="p"/>
+                                </m:rPr>
+                                <a:rPr lang="en-US" b="0" i="0" smtClean="0">
+                                  <a:latin typeface="Cambria Math" panose="02040503050406030204" pitchFamily="18" charset="0"/>
+                                </a:rPr>
+                                <m:t>sup</m:t>
+                              </m:r>
+                            </m:e>
+                            <m:lim>
+                              <m:r>
+                                <a:rPr lang="en-US" b="0" i="1" smtClean="0">
+                                  <a:latin typeface="Cambria Math" panose="02040503050406030204" pitchFamily="18" charset="0"/>
+                                </a:rPr>
+                                <m:t>ℚ</m:t>
+                              </m:r>
+                              <m:r>
+                                <a:rPr lang="en-US" b="0" i="1" smtClean="0">
+                                  <a:latin typeface="Cambria Math" panose="02040503050406030204" pitchFamily="18" charset="0"/>
+                                </a:rPr>
+                                <m:t>∈</m:t>
+                              </m:r>
+                              <m:r>
+                                <a:rPr lang="en-US" b="0" i="1" smtClean="0">
+                                  <a:latin typeface="Cambria Math" panose="02040503050406030204" pitchFamily="18" charset="0"/>
+                                </a:rPr>
+                                <m:t>𝒫</m:t>
+                              </m:r>
+                            </m:lim>
+                          </m:limLow>
+                        </m:fName>
+                        <m:e>
+                          <m:func>
+                            <m:funcPr>
+                              <m:ctrlPr>
+                                <a:rPr lang="en-US" b="0" i="1" smtClean="0">
+                                  <a:latin typeface="Cambria Math" panose="02040503050406030204" pitchFamily="18" charset="0"/>
+                                </a:rPr>
+                              </m:ctrlPr>
+                            </m:funcPr>
+                            <m:fName>
+                              <m:limLow>
+                                <m:limLowPr>
+                                  <m:ctrlPr>
+                                    <a:rPr lang="en-US" b="0" i="1" smtClean="0">
+                                      <a:latin typeface="Cambria Math" panose="02040503050406030204" pitchFamily="18" charset="0"/>
+                                    </a:rPr>
+                                  </m:ctrlPr>
+                                </m:limLowPr>
+                                <m:e>
+                                  <m:r>
+                                    <m:rPr>
+                                      <m:sty m:val="p"/>
+                                    </m:rPr>
+                                    <a:rPr lang="en-US" b="0" i="0" smtClean="0">
+                                      <a:latin typeface="Cambria Math" panose="02040503050406030204" pitchFamily="18" charset="0"/>
+                                    </a:rPr>
+                                    <m:t>inf</m:t>
+                                  </m:r>
+                                </m:e>
+                                <m:lim>
+                                  <m:r>
+                                    <a:rPr lang="en-US" b="0" i="1" smtClean="0">
+                                      <a:latin typeface="Cambria Math" panose="02040503050406030204" pitchFamily="18" charset="0"/>
+                                    </a:rPr>
+                                    <m:t>𝜓</m:t>
+                                  </m:r>
+                                  <m:r>
+                                    <a:rPr lang="en-US" b="0" i="1" smtClean="0">
+                                      <a:latin typeface="Cambria Math" panose="02040503050406030204" pitchFamily="18" charset="0"/>
+                                    </a:rPr>
+                                    <m:t>∈</m:t>
+                                  </m:r>
+                                  <m:r>
+                                    <a:rPr lang="en-US" b="0" i="1" smtClean="0">
+                                      <a:latin typeface="Cambria Math" panose="02040503050406030204" pitchFamily="18" charset="0"/>
+                                    </a:rPr>
+                                    <m:t>ℒ</m:t>
+                                  </m:r>
+                                </m:lim>
+                              </m:limLow>
+                            </m:fName>
+                            <m:e>
+                              <m:sSup>
+                                <m:sSupPr>
+                                  <m:ctrlPr>
+                                    <a:rPr lang="en-US" i="1">
+                                      <a:latin typeface="Cambria Math" panose="02040503050406030204" pitchFamily="18" charset="0"/>
+                                    </a:rPr>
+                                  </m:ctrlPr>
+                                </m:sSupPr>
+                                <m:e>
+                                  <m:r>
+                                    <a:rPr lang="en-US" i="1">
+                                      <a:latin typeface="Cambria Math" panose="02040503050406030204" pitchFamily="18" charset="0"/>
+                                    </a:rPr>
+                                    <m:t>𝔼</m:t>
+                                  </m:r>
+                                </m:e>
+                                <m:sup>
+                                  <m:r>
+                                    <a:rPr lang="en-US" i="1">
+                                      <a:latin typeface="Cambria Math" panose="02040503050406030204" pitchFamily="18" charset="0"/>
+                                    </a:rPr>
+                                    <m:t>ℚ</m:t>
+                                  </m:r>
+                                </m:sup>
+                              </m:sSup>
+                              <m:d>
+                                <m:dPr>
+                                  <m:begChr m:val="["/>
+                                  <m:endChr m:val="]"/>
+                                  <m:ctrlPr>
+                                    <a:rPr lang="en-US" i="1">
+                                      <a:latin typeface="Cambria Math" panose="02040503050406030204" pitchFamily="18" charset="0"/>
+                                    </a:rPr>
+                                  </m:ctrlPr>
+                                </m:dPr>
+                                <m:e>
+                                  <m:sSup>
+                                    <m:sSupPr>
+                                      <m:ctrlPr>
+                                        <a:rPr lang="en-US" i="1">
+                                          <a:latin typeface="Cambria Math" panose="02040503050406030204" pitchFamily="18" charset="0"/>
+                                        </a:rPr>
+                                      </m:ctrlPr>
+                                    </m:sSupPr>
+                                    <m:e>
+                                      <m:d>
+                                        <m:dPr>
+                                          <m:begChr m:val="‖"/>
+                                          <m:endChr m:val="‖"/>
+                                          <m:ctrlPr>
+                                            <a:rPr lang="en-US" i="1">
+                                              <a:latin typeface="Cambria Math" panose="02040503050406030204" pitchFamily="18" charset="0"/>
+                                            </a:rPr>
+                                          </m:ctrlPr>
+                                        </m:dPr>
+                                        <m:e>
+                                          <m:r>
+                                            <a:rPr lang="en-US" i="1">
+                                              <a:latin typeface="Cambria Math" panose="02040503050406030204" pitchFamily="18" charset="0"/>
+                                            </a:rPr>
+                                            <m:t>𝑥</m:t>
+                                          </m:r>
+                                          <m:r>
+                                            <a:rPr lang="en-US" i="1">
+                                              <a:latin typeface="Cambria Math" panose="02040503050406030204" pitchFamily="18" charset="0"/>
+                                            </a:rPr>
+                                            <m:t>−</m:t>
+                                          </m:r>
+                                          <m:r>
+                                            <a:rPr lang="en-US" i="1">
+                                              <a:latin typeface="Cambria Math" panose="02040503050406030204" pitchFamily="18" charset="0"/>
+                                            </a:rPr>
+                                            <m:t>𝜓</m:t>
+                                          </m:r>
+                                          <m:d>
+                                            <m:dPr>
+                                              <m:ctrlPr>
+                                                <a:rPr lang="en-US" i="1">
+                                                  <a:latin typeface="Cambria Math" panose="02040503050406030204" pitchFamily="18" charset="0"/>
+                                                </a:rPr>
+                                              </m:ctrlPr>
+                                            </m:dPr>
+                                            <m:e>
+                                              <m:r>
+                                                <a:rPr lang="en-US" i="1">
+                                                  <a:latin typeface="Cambria Math" panose="02040503050406030204" pitchFamily="18" charset="0"/>
+                                                </a:rPr>
+                                                <m:t>𝑥</m:t>
+                                              </m:r>
+                                            </m:e>
+                                          </m:d>
+                                        </m:e>
+                                      </m:d>
+                                    </m:e>
+                                    <m:sup>
+                                      <m:r>
+                                        <a:rPr lang="en-US" i="1">
+                                          <a:latin typeface="Cambria Math" panose="02040503050406030204" pitchFamily="18" charset="0"/>
+                                        </a:rPr>
+                                        <m:t>2</m:t>
+                                      </m:r>
+                                    </m:sup>
+                                  </m:sSup>
+                                </m:e>
+                              </m:d>
+                            </m:e>
+                          </m:func>
+                        </m:e>
+                      </m:func>
+                    </m:oMath>
+                  </m:oMathPara>
+                </a14:m>
+                <a:endParaRPr lang="en-US" dirty="0"/>
+              </a:p>
+              <a:p>
+                <a:pPr marL="0" indent="0">
+                  <a:buNone/>
+                </a:pPr>
+                <a:endParaRPr lang="en-US" dirty="0"/>
+              </a:p>
+            </p:txBody>
+          </p:sp>
+        </mc:Choice>
+        <mc:Fallback>
+          <p:sp>
+            <p:nvSpPr>
+              <p:cNvPr id="3" name="Content Placeholder 2">
+                <a:extLst>
+                  <a:ext uri="{FF2B5EF4-FFF2-40B4-BE49-F238E27FC236}">
+                    <a16:creationId xmlns:a16="http://schemas.microsoft.com/office/drawing/2014/main" id="{8ED17941-0519-C4FE-8E3C-5B4237298479}"/>
+                  </a:ext>
+                </a:extLst>
+              </p:cNvPr>
+              <p:cNvSpPr>
+                <a:spLocks noGrp="1" noRot="1" noChangeAspect="1" noMove="1" noResize="1" noEditPoints="1" noAdjustHandles="1" noChangeArrowheads="1" noChangeShapeType="1" noTextEdit="1"/>
+              </p:cNvSpPr>
+              <p:nvPr>
+                <p:ph idx="1"/>
+              </p:nvPr>
+            </p:nvSpPr>
+            <p:spPr>
+              <a:blipFill>
+                <a:blip r:embed="rId2"/>
+                <a:stretch>
+                  <a:fillRect l="-1217" t="-2381"/>
+                </a:stretch>
+              </a:blipFill>
+            </p:spPr>
+            <p:txBody>
+              <a:bodyPr/>
+              <a:lstStyle/>
+              <a:p>
+                <a:r>
+                  <a:rPr lang="en-IL">
+                    <a:noFill/>
+                  </a:rPr>
+                  <a:t> </a:t>
+                </a:r>
+              </a:p>
+            </p:txBody>
+          </p:sp>
+        </mc:Fallback>
+      </mc:AlternateContent>
+    </p:spTree>
+    <p:extLst>
+      <p:ext uri="{BB962C8B-B14F-4D97-AF65-F5344CB8AC3E}">
+        <p14:creationId xmlns:p14="http://schemas.microsoft.com/office/powerpoint/2010/main" val="3675854256"/>
+      </p:ext>
+    </p:extLst>
+  </p:cSld>
+  <p:clrMapOvr>
+    <a:masterClrMapping/>
+  </p:clrMapOvr>
+  <p:timing>
+    <p:tnLst>
+      <p:par>
+        <p:cTn id="1" dur="indefinite" restart="never" nodeType="tmRoot">
+          <p:childTnLst>
+            <p:seq concurrent="1" nextAc="seek">
+              <p:cTn id="2" dur="indefinite" nodeType="mainSeq">
+                <p:childTnLst>
+                  <p:par>
+                    <p:cTn id="3" fill="hold">
+                      <p:stCondLst>
+                        <p:cond delay="indefinite"/>
+                      </p:stCondLst>
+                      <p:childTnLst>
+                        <p:par>
+                          <p:cTn id="4" fill="hold">
+                            <p:stCondLst>
+                              <p:cond delay="0"/>
+                            </p:stCondLst>
+                            <p:childTnLst>
+                              <p:par>
+                                <p:cTn id="5" presetID="1" presetClass="entr" presetSubtype="0" fill="hold" nodeType="clickEffect">
+                                  <p:stCondLst>
+                                    <p:cond delay="0"/>
+                                  </p:stCondLst>
+                                  <p:childTnLst>
+                                    <p:set>
+                                      <p:cBhvr>
+                                        <p:cTn id="6" dur="1" fill="hold">
+                                          <p:stCondLst>
+                                            <p:cond delay="0"/>
+                                          </p:stCondLst>
+                                        </p:cTn>
+                                        <p:tgtEl>
+                                          <p:spTgt spid="3">
+                                            <p:txEl>
+                                              <p:pRg st="3" end="3"/>
+                                            </p:txEl>
+                                          </p:spTgt>
+                                        </p:tgtEl>
+                                        <p:attrNameLst>
+                                          <p:attrName>style.visibility</p:attrName>
+                                        </p:attrNameLst>
+                                      </p:cBhvr>
+                                      <p:to>
+                                        <p:strVal val="visible"/>
+                                      </p:to>
+                                    </p:set>
+                                  </p:childTnLst>
+                                </p:cTn>
+                              </p:par>
+                              <p:par>
+                                <p:cTn id="7" presetID="1" presetClass="entr" presetSubtype="0" fill="hold" nodeType="withEffect">
+                                  <p:stCondLst>
+                                    <p:cond delay="0"/>
+                                  </p:stCondLst>
+                                  <p:childTnLst>
+                                    <p:set>
+                                      <p:cBhvr>
+                                        <p:cTn id="8" dur="1" fill="hold">
+                                          <p:stCondLst>
+                                            <p:cond delay="0"/>
+                                          </p:stCondLst>
+                                        </p:cTn>
+                                        <p:tgtEl>
+                                          <p:spTgt spid="3">
+                                            <p:txEl>
+                                              <p:pRg st="4" end="4"/>
+                                            </p:txEl>
+                                          </p:spTgt>
+                                        </p:tgtEl>
+                                        <p:attrNameLst>
+                                          <p:attrName>style.visibility</p:attrName>
+                                        </p:attrNameLst>
+                                      </p:cBhvr>
+                                      <p:to>
+                                        <p:strVal val="visible"/>
+                                      </p:to>
+                                    </p:set>
+                                  </p:childTnLst>
+                                </p:cTn>
+                              </p:par>
+                            </p:childTnLst>
+                          </p:cTn>
+                        </p:par>
+                      </p:childTnLst>
+                    </p:cTn>
+                  </p:par>
+                </p:childTnLst>
+              </p:cTn>
+              <p:prevCondLst>
+                <p:cond evt="onPrev" delay="0">
+                  <p:tgtEl>
+                    <p:sldTgt/>
+                  </p:tgtEl>
+                </p:cond>
+              </p:prevCondLst>
+              <p:nextCondLst>
+                <p:cond evt="onNext" delay="0">
+                  <p:tgtEl>
+                    <p:sldTgt/>
+                  </p:tgtEl>
+                </p:cond>
+              </p:nextCondLst>
+            </p:seq>
+          </p:childTnLst>
+        </p:cTn>
+      </p:par>
+    </p:tnLst>
+  </p:timing>
+</p:sld>
+</file>
+
+<file path=ppt/slides/slide6.xml><?xml version="1.0" encoding="utf-8"?>
+<p:sld xmlns:a="http://schemas.openxmlformats.org/drawingml/2006/main" xmlns:r="http://schemas.openxmlformats.org/officeDocument/2006/relationships" xmlns:p="http://schemas.openxmlformats.org/presentationml/2006/main">
+  <p:cSld>
+    <p:spTree>
+      <p:nvGrpSpPr>
+        <p:cNvPr id="1" name=""/>
+        <p:cNvGrpSpPr/>
+        <p:nvPr/>
+      </p:nvGrpSpPr>
+      <p:grpSpPr>
+        <a:xfrm>
+          <a:off x="0" y="0"/>
+          <a:ext cx="0" cy="0"/>
+          <a:chOff x="0" y="0"/>
+          <a:chExt cx="0" cy="0"/>
+        </a:xfrm>
+      </p:grpSpPr>
+      <p:sp>
+        <p:nvSpPr>
+          <p:cNvPr id="2" name="Title 1">
+            <a:extLst>
+              <a:ext uri="{FF2B5EF4-FFF2-40B4-BE49-F238E27FC236}">
+                <a16:creationId xmlns:a16="http://schemas.microsoft.com/office/drawing/2014/main" id="{10E26E61-EF9F-0EE1-43F9-671A3AFF2D24}"/>
+              </a:ext>
+            </a:extLst>
+          </p:cNvPr>
+          <p:cNvSpPr>
+            <a:spLocks noGrp="1"/>
+          </p:cNvSpPr>
+          <p:nvPr>
+            <p:ph type="title"/>
+          </p:nvPr>
+        </p:nvSpPr>
+        <p:spPr/>
+        <p:txBody>
+          <a:bodyPr/>
+          <a:lstStyle/>
+          <a:p>
+            <a:r>
+              <a:rPr lang="en-US" dirty="0"/>
+              <a:t>Reformulation</a:t>
+            </a:r>
+            <a:endParaRPr lang="en-IL" dirty="0"/>
+          </a:p>
+        </p:txBody>
+      </p:sp>
+      <mc:AlternateContent xmlns:mc="http://schemas.openxmlformats.org/markup-compatibility/2006">
+        <mc:Choice xmlns:a14="http://schemas.microsoft.com/office/drawing/2010/main" Requires="a14">
+          <p:sp>
+            <p:nvSpPr>
+              <p:cNvPr id="3" name="Content Placeholder 2">
+                <a:extLst>
+                  <a:ext uri="{FF2B5EF4-FFF2-40B4-BE49-F238E27FC236}">
+                    <a16:creationId xmlns:a16="http://schemas.microsoft.com/office/drawing/2014/main" id="{BC174A1B-ACC1-07C3-3834-4406ACB0D608}"/>
+                  </a:ext>
+                </a:extLst>
+              </p:cNvPr>
+              <p:cNvSpPr>
+                <a:spLocks noGrp="1"/>
+              </p:cNvSpPr>
+              <p:nvPr>
+                <p:ph idx="1"/>
+              </p:nvPr>
+            </p:nvSpPr>
+            <p:spPr/>
+            <p:txBody>
+              <a:bodyPr/>
+              <a:lstStyle/>
+              <a:p>
+                <a:pPr marL="0" indent="0">
+                  <a:buNone/>
+                </a:pPr>
+                <a:r>
+                  <a:rPr lang="en-US" dirty="0"/>
+                  <a:t>The minmax problem with the Wasserstein ambiguity set centered at </a:t>
+                </a:r>
+                <a14:m>
+                  <m:oMath xmlns:m="http://schemas.openxmlformats.org/officeDocument/2006/math">
+                    <m:r>
+                      <a:rPr lang="en-US" b="0" i="1" smtClean="0">
+                        <a:latin typeface="Cambria Math" panose="02040503050406030204" pitchFamily="18" charset="0"/>
+                      </a:rPr>
+                      <m:t>ℙ</m:t>
+                    </m:r>
+                    <m:r>
+                      <a:rPr lang="en-US" b="0" i="1" smtClean="0">
+                        <a:latin typeface="Cambria Math" panose="02040503050406030204" pitchFamily="18" charset="0"/>
+                      </a:rPr>
+                      <m:t>=</m:t>
+                    </m:r>
+                    <m:sSub>
+                      <m:sSubPr>
+                        <m:ctrlPr>
+                          <a:rPr lang="en-US" b="0" i="1" smtClean="0">
+                            <a:latin typeface="Cambria Math" panose="02040503050406030204" pitchFamily="18" charset="0"/>
+                          </a:rPr>
+                        </m:ctrlPr>
+                      </m:sSubPr>
+                      <m:e>
+                        <m:r>
+                          <a:rPr lang="en-US" b="0" i="1" smtClean="0">
+                            <a:latin typeface="Cambria Math" panose="02040503050406030204" pitchFamily="18" charset="0"/>
+                          </a:rPr>
+                          <m:t>𝒩</m:t>
+                        </m:r>
+                      </m:e>
+                      <m:sub>
+                        <m:r>
+                          <a:rPr lang="en-US" b="0" i="1" smtClean="0">
+                            <a:latin typeface="Cambria Math" panose="02040503050406030204" pitchFamily="18" charset="0"/>
+                          </a:rPr>
+                          <m:t>𝑑</m:t>
+                        </m:r>
+                      </m:sub>
+                    </m:sSub>
+                    <m:d>
+                      <m:dPr>
+                        <m:ctrlPr>
+                          <a:rPr lang="en-US" b="0" i="1" smtClean="0">
+                            <a:latin typeface="Cambria Math" panose="02040503050406030204" pitchFamily="18" charset="0"/>
+                          </a:rPr>
+                        </m:ctrlPr>
+                      </m:dPr>
+                      <m:e>
+                        <m:r>
+                          <a:rPr lang="en-US" b="0" i="1" smtClean="0">
+                            <a:latin typeface="Cambria Math" panose="02040503050406030204" pitchFamily="18" charset="0"/>
+                          </a:rPr>
+                          <m:t>𝜇</m:t>
+                        </m:r>
+                        <m:r>
+                          <a:rPr lang="en-US" b="0" i="1" smtClean="0">
+                            <a:latin typeface="Cambria Math" panose="02040503050406030204" pitchFamily="18" charset="0"/>
+                          </a:rPr>
+                          <m:t>, </m:t>
+                        </m:r>
+                        <m:r>
+                          <m:rPr>
+                            <m:sty m:val="p"/>
+                          </m:rPr>
+                          <a:rPr lang="en-US" b="0" i="0" smtClean="0">
+                            <a:latin typeface="Cambria Math" panose="02040503050406030204" pitchFamily="18" charset="0"/>
+                          </a:rPr>
+                          <m:t>Σ</m:t>
+                        </m:r>
+                      </m:e>
+                    </m:d>
+                    <m:r>
+                      <a:rPr lang="en-US" b="0" i="1" smtClean="0">
+                        <a:latin typeface="Cambria Math" panose="02040503050406030204" pitchFamily="18" charset="0"/>
+                      </a:rPr>
+                      <m:t>,  </m:t>
+                    </m:r>
+                    <m:bar>
+                      <m:barPr>
+                        <m:ctrlPr>
+                          <a:rPr lang="en-US" b="0" i="1" smtClean="0">
+                            <a:latin typeface="Cambria Math" panose="02040503050406030204" pitchFamily="18" charset="0"/>
+                          </a:rPr>
+                        </m:ctrlPr>
+                      </m:barPr>
+                      <m:e>
+                        <m:r>
+                          <a:rPr lang="en-US" b="0" i="1" smtClean="0">
+                            <a:latin typeface="Cambria Math" panose="02040503050406030204" pitchFamily="18" charset="0"/>
+                          </a:rPr>
+                          <m:t>𝜎</m:t>
+                        </m:r>
+                      </m:e>
+                    </m:bar>
+                    <m:limUpp>
+                      <m:limUppPr>
+                        <m:ctrlPr>
+                          <a:rPr lang="en-US" b="0" i="1" smtClean="0">
+                            <a:latin typeface="Cambria Math" panose="02040503050406030204" pitchFamily="18" charset="0"/>
+                          </a:rPr>
+                        </m:ctrlPr>
+                      </m:limUppPr>
+                      <m:e>
+                        <m:r>
+                          <a:rPr lang="en-US" b="0" i="1" smtClean="0">
+                            <a:latin typeface="Cambria Math" panose="02040503050406030204" pitchFamily="18" charset="0"/>
+                          </a:rPr>
+                          <m:t>=</m:t>
+                        </m:r>
+                      </m:e>
+                      <m:lim>
+                        <m:r>
+                          <m:rPr>
+                            <m:sty m:val="p"/>
+                          </m:rPr>
+                          <a:rPr lang="en-US" b="0" i="0" smtClean="0">
+                            <a:latin typeface="Cambria Math" panose="02040503050406030204" pitchFamily="18" charset="0"/>
+                          </a:rPr>
+                          <m:t>Δ</m:t>
+                        </m:r>
+                      </m:lim>
+                    </m:limUpp>
+                    <m:r>
+                      <a:rPr lang="en-US" b="0" i="1" smtClean="0">
+                        <a:latin typeface="Cambria Math" panose="02040503050406030204" pitchFamily="18" charset="0"/>
+                      </a:rPr>
+                      <m:t> </m:t>
+                    </m:r>
+                    <m:sSub>
+                      <m:sSubPr>
+                        <m:ctrlPr>
+                          <a:rPr lang="en-US" b="0" i="1" smtClean="0">
+                            <a:latin typeface="Cambria Math" panose="02040503050406030204" pitchFamily="18" charset="0"/>
+                          </a:rPr>
+                        </m:ctrlPr>
+                      </m:sSubPr>
+                      <m:e>
+                        <m:r>
+                          <a:rPr lang="en-US" b="0" i="1" smtClean="0">
+                            <a:latin typeface="Cambria Math" panose="02040503050406030204" pitchFamily="18" charset="0"/>
+                          </a:rPr>
+                          <m:t>𝜆</m:t>
+                        </m:r>
+                      </m:e>
+                      <m:sub>
+                        <m:r>
+                          <m:rPr>
+                            <m:nor/>
+                          </m:rPr>
+                          <a:rPr lang="en-US" b="0" i="0" smtClean="0">
+                            <a:latin typeface="Cambria Math" panose="02040503050406030204" pitchFamily="18" charset="0"/>
+                          </a:rPr>
+                          <m:t>min</m:t>
+                        </m:r>
+                      </m:sub>
+                    </m:sSub>
+                    <m:d>
+                      <m:dPr>
+                        <m:ctrlPr>
+                          <a:rPr lang="en-US" b="0" i="1" smtClean="0">
+                            <a:latin typeface="Cambria Math" panose="02040503050406030204" pitchFamily="18" charset="0"/>
+                          </a:rPr>
+                        </m:ctrlPr>
+                      </m:dPr>
+                      <m:e>
+                        <m:r>
+                          <m:rPr>
+                            <m:sty m:val="p"/>
+                          </m:rPr>
+                          <a:rPr lang="en-US" b="0" i="0" smtClean="0">
+                            <a:latin typeface="Cambria Math" panose="02040503050406030204" pitchFamily="18" charset="0"/>
+                          </a:rPr>
+                          <m:t>Σ</m:t>
+                        </m:r>
+                      </m:e>
+                    </m:d>
+                    <m:r>
+                      <a:rPr lang="en-US" b="0" i="1" smtClean="0">
+                        <a:latin typeface="Cambria Math" panose="02040503050406030204" pitchFamily="18" charset="0"/>
+                      </a:rPr>
+                      <m:t>&gt;0</m:t>
+                    </m:r>
+                  </m:oMath>
+                </a14:m>
+                <a:r>
+                  <a:rPr lang="en-US" dirty="0"/>
+                  <a:t>.</a:t>
+                </a:r>
+              </a:p>
+              <a:p>
+                <a:pPr marL="0" indent="0">
+                  <a:buNone/>
+                </a:pPr>
+                <a:endParaRPr lang="en-US" dirty="0"/>
+              </a:p>
+              <a:p>
+                <a:pPr marL="0" indent="0">
+                  <a:buNone/>
+                </a:pPr>
+                <a14:m>
+                  <m:oMathPara xmlns:m="http://schemas.openxmlformats.org/officeDocument/2006/math">
+                    <m:oMathParaPr>
+                      <m:jc m:val="centerGroup"/>
+                    </m:oMathParaPr>
+                    <m:oMath xmlns:m="http://schemas.openxmlformats.org/officeDocument/2006/math">
+                      <m:func>
+                        <m:funcPr>
+                          <m:ctrlPr>
+                            <a:rPr lang="en-US" b="0" i="1" smtClean="0">
+                              <a:latin typeface="Cambria Math" panose="02040503050406030204" pitchFamily="18" charset="0"/>
+                            </a:rPr>
+                          </m:ctrlPr>
+                        </m:funcPr>
+                        <m:fName>
+                          <m:r>
+                            <m:rPr>
+                              <m:sty m:val="p"/>
+                            </m:rPr>
+                            <a:rPr lang="en-US" b="0" i="0" smtClean="0">
+                              <a:latin typeface="Cambria Math" panose="02040503050406030204" pitchFamily="18" charset="0"/>
+                            </a:rPr>
+                            <m:t>sup</m:t>
+                          </m:r>
+                          <m:r>
+                            <a:rPr lang="en-US" b="0" i="1" smtClean="0">
+                              <a:latin typeface="Cambria Math" panose="02040503050406030204" pitchFamily="18" charset="0"/>
+                            </a:rPr>
+                            <m:t> </m:t>
+                          </m:r>
+                        </m:fName>
+                        <m:e>
+                          <m:r>
+                            <m:rPr>
+                              <m:sty m:val="p"/>
+                            </m:rPr>
+                            <a:rPr lang="en-US" b="0" i="1" smtClean="0">
+                              <a:latin typeface="Cambria Math" panose="02040503050406030204" pitchFamily="18" charset="0"/>
+                            </a:rPr>
+                            <m:t>Tr</m:t>
+                          </m:r>
+                          <m:d>
+                            <m:dPr>
+                              <m:begChr m:val="["/>
+                              <m:endChr m:val="]"/>
+                              <m:ctrlPr>
+                                <a:rPr lang="en-US" b="0" i="1" smtClean="0">
+                                  <a:latin typeface="Cambria Math" panose="02040503050406030204" pitchFamily="18" charset="0"/>
+                                </a:rPr>
+                              </m:ctrlPr>
+                            </m:dPr>
+                            <m:e>
+                              <m:sSub>
+                                <m:sSubPr>
+                                  <m:ctrlPr>
+                                    <a:rPr lang="en-US" i="1">
+                                      <a:latin typeface="Cambria Math" panose="02040503050406030204" pitchFamily="18" charset="0"/>
+                                    </a:rPr>
+                                  </m:ctrlPr>
+                                </m:sSubPr>
+                                <m:e>
+                                  <m:r>
+                                    <a:rPr lang="en-US" i="1">
+                                      <a:latin typeface="Cambria Math" panose="02040503050406030204" pitchFamily="18" charset="0"/>
+                                    </a:rPr>
+                                    <m:t>𝑆</m:t>
+                                  </m:r>
+                                </m:e>
+                                <m:sub>
+                                  <m:r>
+                                    <a:rPr lang="en-US" i="1">
+                                      <a:latin typeface="Cambria Math" panose="02040503050406030204" pitchFamily="18" charset="0"/>
+                                    </a:rPr>
+                                    <m:t>𝑥𝑥</m:t>
+                                  </m:r>
+                                </m:sub>
+                              </m:sSub>
+                              <m:r>
+                                <a:rPr lang="en-US" i="1">
+                                  <a:latin typeface="Cambria Math" panose="02040503050406030204" pitchFamily="18" charset="0"/>
+                                </a:rPr>
+                                <m:t>−</m:t>
+                              </m:r>
+                              <m:sSub>
+                                <m:sSubPr>
+                                  <m:ctrlPr>
+                                    <a:rPr lang="en-US" i="1">
+                                      <a:latin typeface="Cambria Math" panose="02040503050406030204" pitchFamily="18" charset="0"/>
+                                    </a:rPr>
+                                  </m:ctrlPr>
+                                </m:sSubPr>
+                                <m:e>
+                                  <m:r>
+                                    <a:rPr lang="en-US" i="1">
+                                      <a:latin typeface="Cambria Math" panose="02040503050406030204" pitchFamily="18" charset="0"/>
+                                    </a:rPr>
+                                    <m:t>𝑆</m:t>
+                                  </m:r>
+                                </m:e>
+                                <m:sub>
+                                  <m:r>
+                                    <a:rPr lang="en-US" i="1">
+                                      <a:latin typeface="Cambria Math" panose="02040503050406030204" pitchFamily="18" charset="0"/>
+                                    </a:rPr>
+                                    <m:t>𝑥𝑦</m:t>
+                                  </m:r>
+                                </m:sub>
+                              </m:sSub>
+                              <m:sSubSup>
+                                <m:sSubSupPr>
+                                  <m:ctrlPr>
+                                    <a:rPr lang="en-US" i="1">
+                                      <a:latin typeface="Cambria Math" panose="02040503050406030204" pitchFamily="18" charset="0"/>
+                                    </a:rPr>
+                                  </m:ctrlPr>
+                                </m:sSubSupPr>
+                                <m:e>
+                                  <m:r>
+                                    <a:rPr lang="en-US" i="1">
+                                      <a:latin typeface="Cambria Math" panose="02040503050406030204" pitchFamily="18" charset="0"/>
+                                    </a:rPr>
+                                    <m:t>𝑆</m:t>
+                                  </m:r>
+                                </m:e>
+                                <m:sub>
+                                  <m:r>
+                                    <a:rPr lang="en-US" i="1">
+                                      <a:latin typeface="Cambria Math" panose="02040503050406030204" pitchFamily="18" charset="0"/>
+                                    </a:rPr>
+                                    <m:t>𝑦𝑦</m:t>
+                                  </m:r>
+                                </m:sub>
+                                <m:sup>
+                                  <m:r>
+                                    <a:rPr lang="en-US" i="1">
+                                      <a:latin typeface="Cambria Math" panose="02040503050406030204" pitchFamily="18" charset="0"/>
+                                    </a:rPr>
+                                    <m:t>−1</m:t>
+                                  </m:r>
+                                </m:sup>
+                              </m:sSubSup>
+                              <m:sSub>
+                                <m:sSubPr>
+                                  <m:ctrlPr>
+                                    <a:rPr lang="en-US" i="1">
+                                      <a:latin typeface="Cambria Math" panose="02040503050406030204" pitchFamily="18" charset="0"/>
+                                    </a:rPr>
+                                  </m:ctrlPr>
+                                </m:sSubPr>
+                                <m:e>
+                                  <m:r>
+                                    <a:rPr lang="en-US" i="1">
+                                      <a:latin typeface="Cambria Math" panose="02040503050406030204" pitchFamily="18" charset="0"/>
+                                    </a:rPr>
+                                    <m:t>𝑆</m:t>
+                                  </m:r>
+                                </m:e>
+                                <m:sub>
+                                  <m:r>
+                                    <a:rPr lang="en-US" i="1">
+                                      <a:latin typeface="Cambria Math" panose="02040503050406030204" pitchFamily="18" charset="0"/>
+                                    </a:rPr>
+                                    <m:t>𝑦𝑥</m:t>
+                                  </m:r>
+                                </m:sub>
+                              </m:sSub>
+                            </m:e>
+                          </m:d>
+                        </m:e>
+                      </m:func>
+                    </m:oMath>
+                    <m:oMath xmlns:m="http://schemas.openxmlformats.org/officeDocument/2006/math">
+                      <m:r>
+                        <a:rPr lang="en-US" b="0" i="1" smtClean="0">
+                          <a:latin typeface="Cambria Math" panose="02040503050406030204" pitchFamily="18" charset="0"/>
+                        </a:rPr>
+                        <m:t>𝑠</m:t>
+                      </m:r>
+                      <m:r>
+                        <a:rPr lang="en-US" b="0" i="1" smtClean="0">
+                          <a:latin typeface="Cambria Math" panose="02040503050406030204" pitchFamily="18" charset="0"/>
+                        </a:rPr>
+                        <m:t>.</m:t>
+                      </m:r>
+                      <m:r>
+                        <a:rPr lang="en-US" b="0" i="1" smtClean="0">
+                          <a:latin typeface="Cambria Math" panose="02040503050406030204" pitchFamily="18" charset="0"/>
+                        </a:rPr>
+                        <m:t>𝑡</m:t>
+                      </m:r>
+                      <m:r>
+                        <a:rPr lang="en-US" b="0" i="1" smtClean="0">
+                          <a:latin typeface="Cambria Math" panose="02040503050406030204" pitchFamily="18" charset="0"/>
+                        </a:rPr>
+                        <m:t> </m:t>
+                      </m:r>
+                    </m:oMath>
+                    <m:oMath xmlns:m="http://schemas.openxmlformats.org/officeDocument/2006/math">
+                      <m:r>
+                        <a:rPr lang="en-US" b="0" i="1" smtClean="0">
+                          <a:latin typeface="Cambria Math" panose="02040503050406030204" pitchFamily="18" charset="0"/>
+                        </a:rPr>
+                        <m:t>𝑆</m:t>
+                      </m:r>
+                      <m:r>
+                        <a:rPr lang="en-US" b="0" i="1" smtClean="0">
+                          <a:latin typeface="Cambria Math" panose="02040503050406030204" pitchFamily="18" charset="0"/>
+                        </a:rPr>
+                        <m:t>=</m:t>
+                      </m:r>
+                      <m:d>
+                        <m:dPr>
+                          <m:begChr m:val="["/>
+                          <m:endChr m:val="]"/>
+                          <m:ctrlPr>
+                            <a:rPr lang="en-US" b="0" i="1" smtClean="0">
+                              <a:latin typeface="Cambria Math" panose="02040503050406030204" pitchFamily="18" charset="0"/>
+                            </a:rPr>
+                          </m:ctrlPr>
+                        </m:dPr>
+                        <m:e>
+                          <m:m>
+                            <m:mPr>
+                              <m:mcs>
+                                <m:mc>
+                                  <m:mcPr>
+                                    <m:count m:val="2"/>
+                                    <m:mcJc m:val="center"/>
+                                  </m:mcPr>
+                                </m:mc>
+                              </m:mcs>
+                              <m:ctrlPr>
+                                <a:rPr lang="en-US" b="0" i="1" smtClean="0">
+                                  <a:latin typeface="Cambria Math" panose="02040503050406030204" pitchFamily="18" charset="0"/>
+                                </a:rPr>
+                              </m:ctrlPr>
+                            </m:mPr>
+                            <m:mr>
+                              <m:e>
+                                <m:sSub>
+                                  <m:sSubPr>
+                                    <m:ctrlPr>
+                                      <a:rPr lang="en-US" b="0" i="1" smtClean="0">
+                                        <a:latin typeface="Cambria Math" panose="02040503050406030204" pitchFamily="18" charset="0"/>
+                                      </a:rPr>
+                                    </m:ctrlPr>
+                                  </m:sSubPr>
+                                  <m:e>
+                                    <m:r>
+                                      <m:rPr>
+                                        <m:brk m:alnAt="7"/>
+                                      </m:rPr>
+                                      <a:rPr lang="en-US" b="0" i="1" smtClean="0">
+                                        <a:latin typeface="Cambria Math" panose="02040503050406030204" pitchFamily="18" charset="0"/>
+                                      </a:rPr>
+                                      <m:t>𝑆</m:t>
+                                    </m:r>
+                                  </m:e>
+                                  <m:sub>
+                                    <m:r>
+                                      <m:rPr>
+                                        <m:brk m:alnAt="7"/>
+                                      </m:rPr>
+                                      <a:rPr lang="en-US" b="0" i="1" smtClean="0">
+                                        <a:latin typeface="Cambria Math" panose="02040503050406030204" pitchFamily="18" charset="0"/>
+                                      </a:rPr>
+                                      <m:t>𝑥𝑥</m:t>
+                                    </m:r>
+                                  </m:sub>
+                                </m:sSub>
+                              </m:e>
+                              <m:e>
+                                <m:sSub>
+                                  <m:sSubPr>
+                                    <m:ctrlPr>
+                                      <a:rPr lang="en-US" b="0" i="1" smtClean="0">
+                                        <a:latin typeface="Cambria Math" panose="02040503050406030204" pitchFamily="18" charset="0"/>
+                                      </a:rPr>
+                                    </m:ctrlPr>
+                                  </m:sSubPr>
+                                  <m:e>
+                                    <m:r>
+                                      <a:rPr lang="en-US" b="0" i="1" smtClean="0">
+                                        <a:latin typeface="Cambria Math" panose="02040503050406030204" pitchFamily="18" charset="0"/>
+                                      </a:rPr>
+                                      <m:t>𝑆</m:t>
+                                    </m:r>
+                                  </m:e>
+                                  <m:sub>
+                                    <m:r>
+                                      <a:rPr lang="en-US" b="0" i="1" smtClean="0">
+                                        <a:latin typeface="Cambria Math" panose="02040503050406030204" pitchFamily="18" charset="0"/>
+                                      </a:rPr>
+                                      <m:t>𝑥𝑦</m:t>
+                                    </m:r>
+                                  </m:sub>
+                                </m:sSub>
+                              </m:e>
+                            </m:mr>
+                            <m:mr>
+                              <m:e>
+                                <m:sSub>
+                                  <m:sSubPr>
+                                    <m:ctrlPr>
+                                      <a:rPr lang="en-US" b="0" i="1" smtClean="0">
+                                        <a:latin typeface="Cambria Math" panose="02040503050406030204" pitchFamily="18" charset="0"/>
+                                      </a:rPr>
+                                    </m:ctrlPr>
+                                  </m:sSubPr>
+                                  <m:e>
+                                    <m:r>
+                                      <a:rPr lang="en-US" b="0" i="1" smtClean="0">
+                                        <a:latin typeface="Cambria Math" panose="02040503050406030204" pitchFamily="18" charset="0"/>
+                                      </a:rPr>
+                                      <m:t>𝑆</m:t>
+                                    </m:r>
+                                  </m:e>
+                                  <m:sub>
+                                    <m:r>
+                                      <a:rPr lang="en-US" b="0" i="1" smtClean="0">
+                                        <a:latin typeface="Cambria Math" panose="02040503050406030204" pitchFamily="18" charset="0"/>
+                                      </a:rPr>
+                                      <m:t>𝑦𝑥</m:t>
+                                    </m:r>
+                                  </m:sub>
+                                </m:sSub>
+                              </m:e>
+                              <m:e>
+                                <m:sSub>
+                                  <m:sSubPr>
+                                    <m:ctrlPr>
+                                      <a:rPr lang="en-US" b="0" i="1" smtClean="0">
+                                        <a:latin typeface="Cambria Math" panose="02040503050406030204" pitchFamily="18" charset="0"/>
+                                      </a:rPr>
+                                    </m:ctrlPr>
+                                  </m:sSubPr>
+                                  <m:e>
+                                    <m:r>
+                                      <a:rPr lang="en-US" b="0" i="1" smtClean="0">
+                                        <a:latin typeface="Cambria Math" panose="02040503050406030204" pitchFamily="18" charset="0"/>
+                                      </a:rPr>
+                                      <m:t>𝑆</m:t>
+                                    </m:r>
+                                  </m:e>
+                                  <m:sub>
+                                    <m:r>
+                                      <a:rPr lang="en-US" b="0" i="1" smtClean="0">
+                                        <a:latin typeface="Cambria Math" panose="02040503050406030204" pitchFamily="18" charset="0"/>
+                                      </a:rPr>
+                                      <m:t>𝑦𝑦</m:t>
+                                    </m:r>
+                                  </m:sub>
+                                </m:sSub>
+                              </m:e>
+                            </m:mr>
+                          </m:m>
+                        </m:e>
+                      </m:d>
+                      <m:r>
+                        <a:rPr lang="en-US" b="0" i="1" smtClean="0">
+                          <a:latin typeface="Cambria Math" panose="02040503050406030204" pitchFamily="18" charset="0"/>
+                        </a:rPr>
+                        <m:t>∈</m:t>
+                      </m:r>
+                      <m:sSubSup>
+                        <m:sSubSupPr>
+                          <m:ctrlPr>
+                            <a:rPr lang="en-US" b="0" i="1" smtClean="0">
+                              <a:latin typeface="Cambria Math" panose="02040503050406030204" pitchFamily="18" charset="0"/>
+                            </a:rPr>
+                          </m:ctrlPr>
+                        </m:sSubSupPr>
+                        <m:e>
+                          <m:r>
+                            <a:rPr lang="en-US" b="0" i="1" smtClean="0">
+                              <a:latin typeface="Cambria Math" panose="02040503050406030204" pitchFamily="18" charset="0"/>
+                            </a:rPr>
+                            <m:t>𝕊</m:t>
+                          </m:r>
+                        </m:e>
+                        <m:sub>
+                          <m:r>
+                            <a:rPr lang="en-US" b="0" i="1" smtClean="0">
+                              <a:latin typeface="Cambria Math" panose="02040503050406030204" pitchFamily="18" charset="0"/>
+                            </a:rPr>
+                            <m:t>+</m:t>
+                          </m:r>
+                        </m:sub>
+                        <m:sup>
+                          <m:r>
+                            <a:rPr lang="en-US" b="0" i="1" smtClean="0">
+                              <a:latin typeface="Cambria Math" panose="02040503050406030204" pitchFamily="18" charset="0"/>
+                            </a:rPr>
+                            <m:t>𝑑</m:t>
+                          </m:r>
+                        </m:sup>
+                      </m:sSubSup>
+                      <m:r>
+                        <a:rPr lang="en-US" b="0" i="1" smtClean="0">
+                          <a:latin typeface="Cambria Math" panose="02040503050406030204" pitchFamily="18" charset="0"/>
+                        </a:rPr>
+                        <m:t> , </m:t>
+                      </m:r>
+                      <m:sSub>
+                        <m:sSubPr>
+                          <m:ctrlPr>
+                            <a:rPr lang="en-US" b="0" i="1" smtClean="0">
+                              <a:latin typeface="Cambria Math" panose="02040503050406030204" pitchFamily="18" charset="0"/>
+                            </a:rPr>
+                          </m:ctrlPr>
+                        </m:sSubPr>
+                        <m:e>
+                          <m:r>
+                            <a:rPr lang="en-US" b="0" i="1" smtClean="0">
+                              <a:latin typeface="Cambria Math" panose="02040503050406030204" pitchFamily="18" charset="0"/>
+                            </a:rPr>
+                            <m:t>𝑆</m:t>
+                          </m:r>
+                        </m:e>
+                        <m:sub>
+                          <m:r>
+                            <a:rPr lang="en-US" b="0" i="1" smtClean="0">
+                              <a:latin typeface="Cambria Math" panose="02040503050406030204" pitchFamily="18" charset="0"/>
+                            </a:rPr>
+                            <m:t>𝑥𝑥</m:t>
+                          </m:r>
+                        </m:sub>
+                      </m:sSub>
+                      <m:r>
+                        <a:rPr lang="en-US" b="0" i="1" smtClean="0">
+                          <a:latin typeface="Cambria Math" panose="02040503050406030204" pitchFamily="18" charset="0"/>
+                        </a:rPr>
+                        <m:t>∈</m:t>
+                      </m:r>
+                      <m:sSubSup>
+                        <m:sSubSupPr>
+                          <m:ctrlPr>
+                            <a:rPr lang="en-US" b="0" i="1" smtClean="0">
+                              <a:latin typeface="Cambria Math" panose="02040503050406030204" pitchFamily="18" charset="0"/>
+                            </a:rPr>
+                          </m:ctrlPr>
+                        </m:sSubSupPr>
+                        <m:e>
+                          <m:r>
+                            <a:rPr lang="en-US" b="0" i="1" smtClean="0">
+                              <a:latin typeface="Cambria Math" panose="02040503050406030204" pitchFamily="18" charset="0"/>
+                            </a:rPr>
+                            <m:t>𝕊</m:t>
+                          </m:r>
+                        </m:e>
+                        <m:sub>
+                          <m:r>
+                            <a:rPr lang="en-US" b="0" i="1" smtClean="0">
+                              <a:latin typeface="Cambria Math" panose="02040503050406030204" pitchFamily="18" charset="0"/>
+                            </a:rPr>
+                            <m:t>+</m:t>
+                          </m:r>
+                        </m:sub>
+                        <m:sup>
+                          <m:r>
+                            <a:rPr lang="en-US" b="0" i="1" smtClean="0">
+                              <a:latin typeface="Cambria Math" panose="02040503050406030204" pitchFamily="18" charset="0"/>
+                            </a:rPr>
+                            <m:t>𝑛</m:t>
+                          </m:r>
+                        </m:sup>
+                      </m:sSubSup>
+                      <m:r>
+                        <a:rPr lang="en-US" b="0" i="1" smtClean="0">
+                          <a:latin typeface="Cambria Math" panose="02040503050406030204" pitchFamily="18" charset="0"/>
+                        </a:rPr>
+                        <m:t>, </m:t>
+                      </m:r>
+                      <m:sSub>
+                        <m:sSubPr>
+                          <m:ctrlPr>
+                            <a:rPr lang="en-US" b="0" i="1" smtClean="0">
+                              <a:latin typeface="Cambria Math" panose="02040503050406030204" pitchFamily="18" charset="0"/>
+                            </a:rPr>
+                          </m:ctrlPr>
+                        </m:sSubPr>
+                        <m:e>
+                          <m:r>
+                            <a:rPr lang="en-US" b="0" i="1" smtClean="0">
+                              <a:latin typeface="Cambria Math" panose="02040503050406030204" pitchFamily="18" charset="0"/>
+                            </a:rPr>
+                            <m:t>𝑆</m:t>
+                          </m:r>
+                        </m:e>
+                        <m:sub>
+                          <m:r>
+                            <a:rPr lang="en-US" b="0" i="1" smtClean="0">
+                              <a:latin typeface="Cambria Math" panose="02040503050406030204" pitchFamily="18" charset="0"/>
+                            </a:rPr>
+                            <m:t>𝑥𝑦</m:t>
+                          </m:r>
+                        </m:sub>
+                      </m:sSub>
+                      <m:r>
+                        <a:rPr lang="en-US" b="0" i="1" smtClean="0">
+                          <a:latin typeface="Cambria Math" panose="02040503050406030204" pitchFamily="18" charset="0"/>
+                        </a:rPr>
+                        <m:t>=</m:t>
+                      </m:r>
+                      <m:sSubSup>
+                        <m:sSubSupPr>
+                          <m:ctrlPr>
+                            <a:rPr lang="en-US" b="0" i="1" smtClean="0">
+                              <a:latin typeface="Cambria Math" panose="02040503050406030204" pitchFamily="18" charset="0"/>
+                            </a:rPr>
+                          </m:ctrlPr>
+                        </m:sSubSupPr>
+                        <m:e>
+                          <m:r>
+                            <a:rPr lang="en-US" b="0" i="1" smtClean="0">
+                              <a:latin typeface="Cambria Math" panose="02040503050406030204" pitchFamily="18" charset="0"/>
+                            </a:rPr>
+                            <m:t>𝑆</m:t>
+                          </m:r>
+                        </m:e>
+                        <m:sub>
+                          <m:r>
+                            <a:rPr lang="en-US" b="0" i="1" smtClean="0">
+                              <a:latin typeface="Cambria Math" panose="02040503050406030204" pitchFamily="18" charset="0"/>
+                            </a:rPr>
+                            <m:t>𝑦𝑥</m:t>
+                          </m:r>
+                        </m:sub>
+                        <m:sup>
+                          <m:r>
+                            <a:rPr lang="en-US" b="0" i="1" smtClean="0">
+                              <a:latin typeface="Cambria Math" panose="02040503050406030204" pitchFamily="18" charset="0"/>
+                            </a:rPr>
+                            <m:t>𝑇</m:t>
+                          </m:r>
+                        </m:sup>
+                      </m:sSubSup>
+                      <m:r>
+                        <a:rPr lang="en-US" b="0" i="1" smtClean="0">
+                          <a:latin typeface="Cambria Math" panose="02040503050406030204" pitchFamily="18" charset="0"/>
+                        </a:rPr>
+                        <m:t>∈</m:t>
+                      </m:r>
+                      <m:sSup>
+                        <m:sSupPr>
+                          <m:ctrlPr>
+                            <a:rPr lang="en-US" b="0" i="1" smtClean="0">
+                              <a:latin typeface="Cambria Math" panose="02040503050406030204" pitchFamily="18" charset="0"/>
+                            </a:rPr>
+                          </m:ctrlPr>
+                        </m:sSupPr>
+                        <m:e>
+                          <m:r>
+                            <a:rPr lang="en-US" b="0" i="1" smtClean="0">
+                              <a:latin typeface="Cambria Math" panose="02040503050406030204" pitchFamily="18" charset="0"/>
+                            </a:rPr>
+                            <m:t>ℝ</m:t>
+                          </m:r>
+                        </m:e>
+                        <m:sup>
+                          <m:r>
+                            <a:rPr lang="en-US" b="0" i="1" smtClean="0">
+                              <a:latin typeface="Cambria Math" panose="02040503050406030204" pitchFamily="18" charset="0"/>
+                            </a:rPr>
+                            <m:t>𝑛</m:t>
+                          </m:r>
+                          <m:r>
+                            <a:rPr lang="en-US" b="0" i="1" smtClean="0">
+                              <a:latin typeface="Cambria Math" panose="02040503050406030204" pitchFamily="18" charset="0"/>
+                            </a:rPr>
+                            <m:t>×</m:t>
+                          </m:r>
+                          <m:r>
+                            <a:rPr lang="en-US" b="0" i="1" smtClean="0">
+                              <a:latin typeface="Cambria Math" panose="02040503050406030204" pitchFamily="18" charset="0"/>
+                            </a:rPr>
+                            <m:t>𝑚</m:t>
+                          </m:r>
+                        </m:sup>
+                      </m:sSup>
+                    </m:oMath>
+                    <m:oMath xmlns:m="http://schemas.openxmlformats.org/officeDocument/2006/math">
+                      <m:r>
+                        <m:rPr>
+                          <m:sty m:val="p"/>
+                        </m:rPr>
+                        <a:rPr lang="en-US" b="0" i="1" smtClean="0">
+                          <a:latin typeface="Cambria Math" panose="02040503050406030204" pitchFamily="18" charset="0"/>
+                        </a:rPr>
+                        <m:t>Tr</m:t>
+                      </m:r>
+                      <m:d>
+                        <m:dPr>
+                          <m:begChr m:val="["/>
+                          <m:endChr m:val="]"/>
+                          <m:ctrlPr>
+                            <a:rPr lang="en-US" i="1">
+                              <a:latin typeface="Cambria Math" panose="02040503050406030204" pitchFamily="18" charset="0"/>
+                            </a:rPr>
+                          </m:ctrlPr>
+                        </m:dPr>
+                        <m:e>
+                          <m:r>
+                            <a:rPr lang="en-US" i="1">
+                              <a:latin typeface="Cambria Math" panose="02040503050406030204" pitchFamily="18" charset="0"/>
+                            </a:rPr>
+                            <m:t>𝑆</m:t>
+                          </m:r>
+                          <m:r>
+                            <a:rPr lang="en-US" i="1">
+                              <a:latin typeface="Cambria Math" panose="02040503050406030204" pitchFamily="18" charset="0"/>
+                            </a:rPr>
+                            <m:t>+</m:t>
+                          </m:r>
+                          <m:r>
+                            <m:rPr>
+                              <m:sty m:val="p"/>
+                            </m:rPr>
+                            <a:rPr lang="en-US">
+                              <a:latin typeface="Cambria Math" panose="02040503050406030204" pitchFamily="18" charset="0"/>
+                            </a:rPr>
+                            <m:t>Σ</m:t>
+                          </m:r>
+                          <m:r>
+                            <a:rPr lang="en-US" i="1">
+                              <a:latin typeface="Cambria Math" panose="02040503050406030204" pitchFamily="18" charset="0"/>
+                            </a:rPr>
+                            <m:t>−2</m:t>
+                          </m:r>
+                          <m:sSup>
+                            <m:sSupPr>
+                              <m:ctrlPr>
+                                <a:rPr lang="en-US" i="1">
+                                  <a:latin typeface="Cambria Math" panose="02040503050406030204" pitchFamily="18" charset="0"/>
+                                </a:rPr>
+                              </m:ctrlPr>
+                            </m:sSupPr>
+                            <m:e>
+                              <m:d>
+                                <m:dPr>
+                                  <m:ctrlPr>
+                                    <a:rPr lang="en-US" i="1">
+                                      <a:latin typeface="Cambria Math" panose="02040503050406030204" pitchFamily="18" charset="0"/>
+                                    </a:rPr>
+                                  </m:ctrlPr>
+                                </m:dPr>
+                                <m:e>
+                                  <m:sSup>
+                                    <m:sSupPr>
+                                      <m:ctrlPr>
+                                        <a:rPr lang="en-US" i="1">
+                                          <a:latin typeface="Cambria Math" panose="02040503050406030204" pitchFamily="18" charset="0"/>
+                                        </a:rPr>
+                                      </m:ctrlPr>
+                                    </m:sSupPr>
+                                    <m:e>
+                                      <m:r>
+                                        <m:rPr>
+                                          <m:sty m:val="p"/>
+                                        </m:rPr>
+                                        <a:rPr lang="en-US">
+                                          <a:latin typeface="Cambria Math" panose="02040503050406030204" pitchFamily="18" charset="0"/>
+                                        </a:rPr>
+                                        <m:t>Σ</m:t>
+                                      </m:r>
+                                    </m:e>
+                                    <m:sup>
+                                      <m:r>
+                                        <a:rPr lang="en-US" i="1">
+                                          <a:latin typeface="Cambria Math" panose="02040503050406030204" pitchFamily="18" charset="0"/>
+                                        </a:rPr>
+                                        <m:t>0.5</m:t>
+                                      </m:r>
+                                    </m:sup>
+                                  </m:sSup>
+                                  <m:r>
+                                    <a:rPr lang="en-US" i="1">
+                                      <a:latin typeface="Cambria Math" panose="02040503050406030204" pitchFamily="18" charset="0"/>
+                                    </a:rPr>
+                                    <m:t>𝑆</m:t>
+                                  </m:r>
+                                  <m:sSup>
+                                    <m:sSupPr>
+                                      <m:ctrlPr>
+                                        <a:rPr lang="en-US" i="1">
+                                          <a:latin typeface="Cambria Math" panose="02040503050406030204" pitchFamily="18" charset="0"/>
+                                        </a:rPr>
+                                      </m:ctrlPr>
+                                    </m:sSupPr>
+                                    <m:e>
+                                      <m:r>
+                                        <m:rPr>
+                                          <m:sty m:val="p"/>
+                                        </m:rPr>
+                                        <a:rPr lang="en-US">
+                                          <a:latin typeface="Cambria Math" panose="02040503050406030204" pitchFamily="18" charset="0"/>
+                                        </a:rPr>
+                                        <m:t>Σ</m:t>
+                                      </m:r>
+                                    </m:e>
+                                    <m:sup>
+                                      <m:r>
+                                        <a:rPr lang="en-US" i="1">
+                                          <a:latin typeface="Cambria Math" panose="02040503050406030204" pitchFamily="18" charset="0"/>
+                                        </a:rPr>
+                                        <m:t>0.5</m:t>
+                                      </m:r>
+                                    </m:sup>
+                                  </m:sSup>
+                                </m:e>
+                              </m:d>
+                            </m:e>
+                            <m:sup>
+                              <m:r>
+                                <a:rPr lang="en-US" i="1">
+                                  <a:latin typeface="Cambria Math" panose="02040503050406030204" pitchFamily="18" charset="0"/>
+                                </a:rPr>
+                                <m:t>0.5</m:t>
+                              </m:r>
+                            </m:sup>
+                          </m:sSup>
+                        </m:e>
+                      </m:d>
+                      <m:r>
+                        <a:rPr lang="en-US" b="0" i="1" smtClean="0">
+                          <a:latin typeface="Cambria Math" panose="02040503050406030204" pitchFamily="18" charset="0"/>
+                        </a:rPr>
+                        <m:t> </m:t>
+                      </m:r>
+                      <m:r>
+                        <a:rPr lang="en-US" b="0" i="1" smtClean="0">
+                          <a:latin typeface="Cambria Math" panose="02040503050406030204" pitchFamily="18" charset="0"/>
+                        </a:rPr>
+                        <m:t>≤</m:t>
+                      </m:r>
+                      <m:sSup>
+                        <m:sSupPr>
+                          <m:ctrlPr>
+                            <a:rPr lang="en-US" b="0" i="1" smtClean="0">
+                              <a:latin typeface="Cambria Math" panose="02040503050406030204" pitchFamily="18" charset="0"/>
+                            </a:rPr>
+                          </m:ctrlPr>
+                        </m:sSupPr>
+                        <m:e>
+                          <m:r>
+                            <a:rPr lang="en-US" b="0" i="1" smtClean="0">
+                              <a:latin typeface="Cambria Math" panose="02040503050406030204" pitchFamily="18" charset="0"/>
+                            </a:rPr>
+                            <m:t>𝜌</m:t>
+                          </m:r>
+                        </m:e>
+                        <m:sup>
+                          <m:r>
+                            <a:rPr lang="en-US" b="0" i="1" smtClean="0">
+                              <a:latin typeface="Cambria Math" panose="02040503050406030204" pitchFamily="18" charset="0"/>
+                            </a:rPr>
+                            <m:t>2</m:t>
+                          </m:r>
+                        </m:sup>
+                      </m:sSup>
+                      <m:r>
+                        <a:rPr lang="en-US" b="0" i="1" smtClean="0">
+                          <a:latin typeface="Cambria Math" panose="02040503050406030204" pitchFamily="18" charset="0"/>
+                        </a:rPr>
+                        <m:t>   , </m:t>
+                      </m:r>
+                      <m:r>
+                        <a:rPr lang="en-US" b="0" i="1" smtClean="0">
+                          <a:latin typeface="Cambria Math" panose="02040503050406030204" pitchFamily="18" charset="0"/>
+                        </a:rPr>
+                        <m:t>𝑆</m:t>
+                      </m:r>
+                      <m:r>
+                        <a:rPr lang="en-US" b="0" i="1" smtClean="0">
+                          <a:latin typeface="Cambria Math" panose="02040503050406030204" pitchFamily="18" charset="0"/>
+                        </a:rPr>
+                        <m:t>≽</m:t>
+                      </m:r>
+                      <m:bar>
+                        <m:barPr>
+                          <m:ctrlPr>
+                            <a:rPr lang="en-US" b="0" i="1" smtClean="0">
+                              <a:latin typeface="Cambria Math" panose="02040503050406030204" pitchFamily="18" charset="0"/>
+                            </a:rPr>
+                          </m:ctrlPr>
+                        </m:barPr>
+                        <m:e>
+                          <m:r>
+                            <a:rPr lang="en-US" b="0" i="1" smtClean="0">
+                              <a:latin typeface="Cambria Math" panose="02040503050406030204" pitchFamily="18" charset="0"/>
+                            </a:rPr>
+                            <m:t>𝜎</m:t>
+                          </m:r>
+                        </m:e>
+                      </m:bar>
+                      <m:sSub>
+                        <m:sSubPr>
+                          <m:ctrlPr>
+                            <a:rPr lang="en-US" b="0" i="1" smtClean="0">
+                              <a:latin typeface="Cambria Math" panose="02040503050406030204" pitchFamily="18" charset="0"/>
+                            </a:rPr>
+                          </m:ctrlPr>
+                        </m:sSubPr>
+                        <m:e>
+                          <m:r>
+                            <a:rPr lang="en-US" b="0" i="1" smtClean="0">
+                              <a:latin typeface="Cambria Math" panose="02040503050406030204" pitchFamily="18" charset="0"/>
+                            </a:rPr>
+                            <m:t>𝐼</m:t>
+                          </m:r>
+                        </m:e>
+                        <m:sub>
+                          <m:r>
+                            <a:rPr lang="en-US" b="0" i="1" smtClean="0">
+                              <a:latin typeface="Cambria Math" panose="02040503050406030204" pitchFamily="18" charset="0"/>
+                            </a:rPr>
+                            <m:t>𝑑</m:t>
+                          </m:r>
+                        </m:sub>
+                      </m:sSub>
+                    </m:oMath>
+                  </m:oMathPara>
+                </a14:m>
+                <a:endParaRPr lang="en-IL" dirty="0"/>
+              </a:p>
+            </p:txBody>
+          </p:sp>
+        </mc:Choice>
+        <mc:Fallback>
+          <p:sp>
+            <p:nvSpPr>
+              <p:cNvPr id="3" name="Content Placeholder 2">
+                <a:extLst>
+                  <a:ext uri="{FF2B5EF4-FFF2-40B4-BE49-F238E27FC236}">
+                    <a16:creationId xmlns:a16="http://schemas.microsoft.com/office/drawing/2014/main" id="{BC174A1B-ACC1-07C3-3834-4406ACB0D608}"/>
+                  </a:ext>
+                </a:extLst>
+              </p:cNvPr>
+              <p:cNvSpPr>
+                <a:spLocks noGrp="1" noRot="1" noChangeAspect="1" noMove="1" noResize="1" noEditPoints="1" noAdjustHandles="1" noChangeArrowheads="1" noChangeShapeType="1" noTextEdit="1"/>
+              </p:cNvSpPr>
+              <p:nvPr>
+                <p:ph idx="1"/>
+              </p:nvPr>
+            </p:nvSpPr>
+            <p:spPr>
+              <a:blipFill>
+                <a:blip r:embed="rId2"/>
+                <a:stretch>
+                  <a:fillRect l="-1217" t="-2241"/>
+                </a:stretch>
+              </a:blipFill>
+            </p:spPr>
+            <p:txBody>
+              <a:bodyPr/>
+              <a:lstStyle/>
+              <a:p>
+                <a:r>
+                  <a:rPr lang="en-IL">
+                    <a:noFill/>
+                  </a:rPr>
+                  <a:t> </a:t>
+                </a:r>
+              </a:p>
+            </p:txBody>
+          </p:sp>
+        </mc:Fallback>
+      </mc:AlternateContent>
+    </p:spTree>
+    <p:extLst>
+      <p:ext uri="{BB962C8B-B14F-4D97-AF65-F5344CB8AC3E}">
+        <p14:creationId xmlns:p14="http://schemas.microsoft.com/office/powerpoint/2010/main" val="409391772"/>
+      </p:ext>
+    </p:extLst>
+  </p:cSld>
+  <p:clrMapOvr>
+    <a:masterClrMapping/>
+  </p:clrMapOvr>
+</p:sld>
+</file>
+
+<file path=ppt/slides/slide7.xml><?xml version="1.0" encoding="utf-8"?>
+<p:sld xmlns:a="http://schemas.openxmlformats.org/drawingml/2006/main" xmlns:r="http://schemas.openxmlformats.org/officeDocument/2006/relationships" xmlns:p="http://schemas.openxmlformats.org/presentationml/2006/main">
+  <p:cSld>
+    <p:spTree>
+      <p:nvGrpSpPr>
+        <p:cNvPr id="1" name=""/>
+        <p:cNvGrpSpPr/>
+        <p:nvPr/>
+      </p:nvGrpSpPr>
+      <p:grpSpPr>
+        <a:xfrm>
+          <a:off x="0" y="0"/>
+          <a:ext cx="0" cy="0"/>
+          <a:chOff x="0" y="0"/>
+          <a:chExt cx="0" cy="0"/>
+        </a:xfrm>
+      </p:grpSpPr>
+      <p:sp>
+        <p:nvSpPr>
+          <p:cNvPr id="2" name="Title 1">
+            <a:extLst>
+              <a:ext uri="{FF2B5EF4-FFF2-40B4-BE49-F238E27FC236}">
+                <a16:creationId xmlns:a16="http://schemas.microsoft.com/office/drawing/2014/main" id="{577F7869-F4F2-5533-FAA8-5BBA7149694B}"/>
+              </a:ext>
+            </a:extLst>
+          </p:cNvPr>
+          <p:cNvSpPr>
+            <a:spLocks noGrp="1"/>
+          </p:cNvSpPr>
+          <p:nvPr>
+            <p:ph type="title"/>
+          </p:nvPr>
+        </p:nvSpPr>
+        <p:spPr/>
+        <p:txBody>
+          <a:bodyPr/>
+          <a:lstStyle/>
+          <a:p>
+            <a:r>
+              <a:rPr lang="en-US" dirty="0"/>
+              <a:t>Example</a:t>
+            </a:r>
+            <a:endParaRPr lang="en-IL" dirty="0"/>
+          </a:p>
+        </p:txBody>
+      </p:sp>
+      <mc:AlternateContent xmlns:mc="http://schemas.openxmlformats.org/markup-compatibility/2006" xmlns:a14="http://schemas.microsoft.com/office/drawing/2010/main">
+        <mc:Choice Requires="a14">
+          <p:sp>
+            <p:nvSpPr>
+              <p:cNvPr id="3" name="Content Placeholder 2">
+                <a:extLst>
+                  <a:ext uri="{FF2B5EF4-FFF2-40B4-BE49-F238E27FC236}">
+                    <a16:creationId xmlns:a16="http://schemas.microsoft.com/office/drawing/2014/main" id="{DC8909B9-DA38-36B2-66BF-20665CDE56D9}"/>
+                  </a:ext>
+                </a:extLst>
+              </p:cNvPr>
+              <p:cNvSpPr>
+                <a:spLocks noGrp="1"/>
+              </p:cNvSpPr>
+              <p:nvPr>
+                <p:ph idx="1"/>
+              </p:nvPr>
+            </p:nvSpPr>
+            <p:spPr/>
+            <p:txBody>
+              <a:bodyPr/>
+              <a:lstStyle/>
+              <a:p>
+                <a:pPr marL="0" indent="0">
+                  <a:buNone/>
+                </a:pPr>
+                <a:r>
+                  <a:rPr lang="en-US" dirty="0"/>
+                  <a:t>We are driving a car from Netanya to Haifa.</a:t>
+                </a:r>
+              </a:p>
+              <a:p>
+                <a:pPr marL="0" indent="0">
+                  <a:buNone/>
+                </a:pPr>
+                <a:r>
+                  <a:rPr lang="en-US" dirty="0"/>
+                  <a:t>We want to know what our location </a:t>
+                </a:r>
+                <a14:m>
+                  <m:oMath xmlns:m="http://schemas.openxmlformats.org/officeDocument/2006/math">
+                    <m:d>
+                      <m:dPr>
+                        <m:ctrlPr>
+                          <a:rPr lang="en-US" b="0" i="1" smtClean="0">
+                            <a:latin typeface="Cambria Math" panose="02040503050406030204" pitchFamily="18" charset="0"/>
+                          </a:rPr>
+                        </m:ctrlPr>
+                      </m:dPr>
+                      <m:e>
+                        <m:r>
+                          <a:rPr lang="en-US" b="0" i="1" smtClean="0">
+                            <a:latin typeface="Cambria Math" panose="02040503050406030204" pitchFamily="18" charset="0"/>
+                          </a:rPr>
+                          <m:t>𝑥</m:t>
+                        </m:r>
+                      </m:e>
+                    </m:d>
+                  </m:oMath>
+                </a14:m>
+                <a:r>
+                  <a:rPr lang="en-US" dirty="0"/>
+                  <a:t> in every minute </a:t>
+                </a:r>
+                <a14:m>
+                  <m:oMath xmlns:m="http://schemas.openxmlformats.org/officeDocument/2006/math">
+                    <m:d>
+                      <m:dPr>
+                        <m:ctrlPr>
+                          <a:rPr lang="en-US" b="0" i="1" smtClean="0">
+                            <a:latin typeface="Cambria Math" panose="02040503050406030204" pitchFamily="18" charset="0"/>
+                          </a:rPr>
+                        </m:ctrlPr>
+                      </m:dPr>
+                      <m:e>
+                        <m:r>
+                          <a:rPr lang="en-US" b="0" i="1" smtClean="0">
+                            <a:latin typeface="Cambria Math" panose="02040503050406030204" pitchFamily="18" charset="0"/>
+                          </a:rPr>
+                          <m:t>𝑡</m:t>
+                        </m:r>
+                        <m:r>
+                          <a:rPr lang="en-US" b="0" i="1" smtClean="0">
+                            <a:latin typeface="Cambria Math" panose="02040503050406030204" pitchFamily="18" charset="0"/>
+                          </a:rPr>
+                          <m:t>∈</m:t>
+                        </m:r>
+                        <m:r>
+                          <a:rPr lang="en-US" b="0" i="1" smtClean="0">
+                            <a:latin typeface="Cambria Math" panose="02040503050406030204" pitchFamily="18" charset="0"/>
+                          </a:rPr>
+                          <m:t>ℕ</m:t>
+                        </m:r>
+                      </m:e>
+                    </m:d>
+                  </m:oMath>
+                </a14:m>
+                <a:r>
+                  <a:rPr lang="en-US" dirty="0"/>
+                  <a:t> - </a:t>
+                </a:r>
+                <a:br>
+                  <a:rPr lang="en-US" dirty="0"/>
+                </a:br>
+                <a14:m>
+                  <m:oMathPara xmlns:m="http://schemas.openxmlformats.org/officeDocument/2006/math">
+                    <m:oMathParaPr>
+                      <m:jc m:val="centerGroup"/>
+                    </m:oMathParaPr>
+                    <m:oMath xmlns:m="http://schemas.openxmlformats.org/officeDocument/2006/math">
+                      <m:sSub>
+                        <m:sSubPr>
+                          <m:ctrlPr>
+                            <a:rPr lang="en-US" b="0" i="1" smtClean="0">
+                              <a:latin typeface="Cambria Math" panose="02040503050406030204" pitchFamily="18" charset="0"/>
+                            </a:rPr>
+                          </m:ctrlPr>
+                        </m:sSubPr>
+                        <m:e>
+                          <m:r>
+                            <a:rPr lang="en-US" b="0" i="1" smtClean="0">
+                              <a:latin typeface="Cambria Math" panose="02040503050406030204" pitchFamily="18" charset="0"/>
+                            </a:rPr>
+                            <m:t>𝑥</m:t>
+                          </m:r>
+                        </m:e>
+                        <m:sub>
+                          <m:r>
+                            <a:rPr lang="en-US" b="0" i="1" smtClean="0">
+                              <a:latin typeface="Cambria Math" panose="02040503050406030204" pitchFamily="18" charset="0"/>
+                            </a:rPr>
+                            <m:t>𝑡</m:t>
+                          </m:r>
+                        </m:sub>
+                      </m:sSub>
+                      <m:r>
+                        <a:rPr lang="en-US" b="0" i="1" smtClean="0">
+                          <a:latin typeface="Cambria Math" panose="02040503050406030204" pitchFamily="18" charset="0"/>
+                        </a:rPr>
+                        <m:t>∈</m:t>
+                      </m:r>
+                      <m:r>
+                        <a:rPr lang="en-US" b="0" i="1" smtClean="0">
+                          <a:latin typeface="Cambria Math" panose="02040503050406030204" pitchFamily="18" charset="0"/>
+                        </a:rPr>
+                        <m:t>𝑅</m:t>
+                      </m:r>
+                    </m:oMath>
+                  </m:oMathPara>
+                </a14:m>
+                <a:endParaRPr lang="en-US" dirty="0"/>
+              </a:p>
+              <a:p>
+                <a:pPr marL="0" indent="0">
+                  <a:buNone/>
+                </a:pPr>
+                <a:r>
+                  <a:rPr lang="en-US" dirty="0"/>
+                  <a:t>We only know the speed at which we are going in every minute – </a:t>
+                </a:r>
+              </a:p>
+              <a:p>
+                <a:pPr marL="0" indent="0">
+                  <a:buNone/>
+                </a:pPr>
+                <a14:m>
+                  <m:oMathPara xmlns:m="http://schemas.openxmlformats.org/officeDocument/2006/math">
+                    <m:oMathParaPr>
+                      <m:jc m:val="centerGroup"/>
+                    </m:oMathParaPr>
+                    <m:oMath xmlns:m="http://schemas.openxmlformats.org/officeDocument/2006/math">
+                      <m:sSub>
+                        <m:sSubPr>
+                          <m:ctrlPr>
+                            <a:rPr lang="en-US" b="0" i="1" smtClean="0">
+                              <a:latin typeface="Cambria Math" panose="02040503050406030204" pitchFamily="18" charset="0"/>
+                            </a:rPr>
+                          </m:ctrlPr>
+                        </m:sSubPr>
+                        <m:e>
+                          <m:r>
+                            <a:rPr lang="en-US" b="0" i="1" smtClean="0">
+                              <a:latin typeface="Cambria Math" panose="02040503050406030204" pitchFamily="18" charset="0"/>
+                            </a:rPr>
+                            <m:t>𝑦</m:t>
+                          </m:r>
+                        </m:e>
+                        <m:sub>
+                          <m:r>
+                            <a:rPr lang="en-US" b="0" i="1" smtClean="0">
+                              <a:latin typeface="Cambria Math" panose="02040503050406030204" pitchFamily="18" charset="0"/>
+                            </a:rPr>
+                            <m:t>𝑡</m:t>
+                          </m:r>
+                        </m:sub>
+                      </m:sSub>
+                      <m:r>
+                        <a:rPr lang="en-US" b="0" i="1" smtClean="0">
+                          <a:latin typeface="Cambria Math" panose="02040503050406030204" pitchFamily="18" charset="0"/>
+                        </a:rPr>
+                        <m:t>∈</m:t>
+                      </m:r>
+                      <m:r>
+                        <a:rPr lang="en-US" b="0" i="1" smtClean="0">
+                          <a:latin typeface="Cambria Math" panose="02040503050406030204" pitchFamily="18" charset="0"/>
+                        </a:rPr>
+                        <m:t>𝑅</m:t>
+                      </m:r>
+                    </m:oMath>
+                  </m:oMathPara>
+                </a14:m>
+                <a:endParaRPr lang="en-US" dirty="0"/>
+              </a:p>
+              <a:p>
+                <a:pPr marL="0" indent="0">
+                  <a:buNone/>
+                </a:pPr>
+                <a:r>
+                  <a:rPr lang="en-US" dirty="0"/>
+                  <a:t>Accept we don’t know the true speed; we know a noisy signal.</a:t>
+                </a:r>
+              </a:p>
+              <a:p>
+                <a:pPr marL="0" indent="0">
+                  <a:buNone/>
+                </a:pPr>
+                <a:r>
+                  <a:rPr lang="en-US" dirty="0"/>
+                  <a:t>We want to know our location from our speed. </a:t>
+                </a:r>
+              </a:p>
+            </p:txBody>
+          </p:sp>
+        </mc:Choice>
+        <mc:Fallback xmlns="">
+          <p:sp>
+            <p:nvSpPr>
+              <p:cNvPr id="3" name="Content Placeholder 2">
+                <a:extLst>
+                  <a:ext uri="{FF2B5EF4-FFF2-40B4-BE49-F238E27FC236}">
+                    <a16:creationId xmlns:a16="http://schemas.microsoft.com/office/drawing/2014/main" id="{DC8909B9-DA38-36B2-66BF-20665CDE56D9}"/>
+                  </a:ext>
+                </a:extLst>
+              </p:cNvPr>
+              <p:cNvSpPr>
+                <a:spLocks noGrp="1" noRot="1" noChangeAspect="1" noMove="1" noResize="1" noEditPoints="1" noAdjustHandles="1" noChangeArrowheads="1" noChangeShapeType="1" noTextEdit="1"/>
+              </p:cNvSpPr>
+              <p:nvPr>
+                <p:ph idx="1"/>
+              </p:nvPr>
+            </p:nvSpPr>
+            <p:spPr>
+              <a:blipFill>
+                <a:blip r:embed="rId2"/>
+                <a:stretch>
+                  <a:fillRect l="-1217" t="-2241"/>
+                </a:stretch>
+              </a:blipFill>
+            </p:spPr>
+            <p:txBody>
+              <a:bodyPr/>
+              <a:lstStyle/>
+              <a:p>
+                <a:r>
+                  <a:rPr lang="en-IL">
+                    <a:noFill/>
+                  </a:rPr>
+                  <a:t> </a:t>
+                </a:r>
+              </a:p>
+            </p:txBody>
+          </p:sp>
+        </mc:Fallback>
+      </mc:AlternateContent>
+    </p:spTree>
+    <p:extLst>
+      <p:ext uri="{BB962C8B-B14F-4D97-AF65-F5344CB8AC3E}">
+        <p14:creationId xmlns:p14="http://schemas.microsoft.com/office/powerpoint/2010/main" val="1645578039"/>
+      </p:ext>
+    </p:extLst>
+  </p:cSld>
+  <p:clrMapOvr>
+    <a:masterClrMapping/>
+  </p:clrMapOvr>
+</p:sld>
+</file>
+
+<file path=ppt/slides/slide8.xml><?xml version="1.0" encoding="utf-8"?>
+<p:sld xmlns:a="http://schemas.openxmlformats.org/drawingml/2006/main" xmlns:r="http://schemas.openxmlformats.org/officeDocument/2006/relationships" xmlns:p="http://schemas.openxmlformats.org/presentationml/2006/main">
+  <p:cSld>
+    <p:spTree>
+      <p:nvGrpSpPr>
+        <p:cNvPr id="1" name=""/>
+        <p:cNvGrpSpPr/>
+        <p:nvPr/>
+      </p:nvGrpSpPr>
+      <p:grpSpPr>
+        <a:xfrm>
+          <a:off x="0" y="0"/>
+          <a:ext cx="0" cy="0"/>
+          <a:chOff x="0" y="0"/>
+          <a:chExt cx="0" cy="0"/>
+        </a:xfrm>
+      </p:grpSpPr>
+      <p:sp>
+        <p:nvSpPr>
+          <p:cNvPr id="2" name="Title 1">
+            <a:extLst>
+              <a:ext uri="{FF2B5EF4-FFF2-40B4-BE49-F238E27FC236}">
+                <a16:creationId xmlns:a16="http://schemas.microsoft.com/office/drawing/2014/main" id="{A8CBD66E-FAFC-E774-6428-65026D8128A3}"/>
+              </a:ext>
+            </a:extLst>
+          </p:cNvPr>
+          <p:cNvSpPr>
+            <a:spLocks noGrp="1"/>
+          </p:cNvSpPr>
+          <p:nvPr>
+            <p:ph type="title"/>
+          </p:nvPr>
+        </p:nvSpPr>
+        <p:spPr/>
+        <p:txBody>
+          <a:bodyPr/>
+          <a:lstStyle/>
+          <a:p>
+            <a:r>
+              <a:rPr lang="en-US" dirty="0"/>
+              <a:t>Background</a:t>
+            </a:r>
+            <a:endParaRPr lang="en-IL" dirty="0"/>
+          </a:p>
+        </p:txBody>
+      </p:sp>
+      <mc:AlternateContent xmlns:mc="http://schemas.openxmlformats.org/markup-compatibility/2006">
+        <mc:Choice xmlns:a14="http://schemas.microsoft.com/office/drawing/2010/main" Requires="a14">
+          <p:sp>
+            <p:nvSpPr>
+              <p:cNvPr id="3" name="Content Placeholder 2">
+                <a:extLst>
+                  <a:ext uri="{FF2B5EF4-FFF2-40B4-BE49-F238E27FC236}">
+                    <a16:creationId xmlns:a16="http://schemas.microsoft.com/office/drawing/2014/main" id="{986DAB35-67BB-17CE-A7B4-1F38AED6C979}"/>
+                  </a:ext>
+                </a:extLst>
+              </p:cNvPr>
+              <p:cNvSpPr>
+                <a:spLocks noGrp="1"/>
+              </p:cNvSpPr>
+              <p:nvPr>
+                <p:ph idx="1"/>
+              </p:nvPr>
+            </p:nvSpPr>
+            <p:spPr/>
+            <p:txBody>
+              <a:bodyPr/>
+              <a:lstStyle/>
+              <a:p>
+                <a:pPr marL="0" indent="0">
+                  <a:buNone/>
+                </a:pPr>
+                <a:r>
+                  <a:rPr lang="en-US" dirty="0"/>
+                  <a:t>Denote </a:t>
+                </a:r>
+                <a14:m>
+                  <m:oMath xmlns:m="http://schemas.openxmlformats.org/officeDocument/2006/math">
+                    <m:sSub>
+                      <m:sSubPr>
+                        <m:ctrlPr>
+                          <a:rPr lang="en-US" b="0" i="1" smtClean="0">
+                            <a:latin typeface="Cambria Math" panose="02040503050406030204" pitchFamily="18" charset="0"/>
+                          </a:rPr>
+                        </m:ctrlPr>
+                      </m:sSubPr>
+                      <m:e>
+                        <m:r>
+                          <a:rPr lang="en-US" b="0" i="1" smtClean="0">
+                            <a:latin typeface="Cambria Math" panose="02040503050406030204" pitchFamily="18" charset="0"/>
+                          </a:rPr>
+                          <m:t>𝑧</m:t>
+                        </m:r>
+                      </m:e>
+                      <m:sub>
+                        <m:r>
+                          <a:rPr lang="en-US" b="0" i="1" smtClean="0">
+                            <a:latin typeface="Cambria Math" panose="02040503050406030204" pitchFamily="18" charset="0"/>
+                          </a:rPr>
+                          <m:t>𝑡</m:t>
+                        </m:r>
+                      </m:sub>
+                    </m:sSub>
+                  </m:oMath>
+                </a14:m>
+                <a:r>
+                  <a:rPr lang="en-US" dirty="0"/>
+                  <a:t> as </a:t>
+                </a:r>
+                <a14:m>
+                  <m:oMath xmlns:m="http://schemas.openxmlformats.org/officeDocument/2006/math">
+                    <m:sSub>
+                      <m:sSubPr>
+                        <m:ctrlPr>
+                          <a:rPr lang="en-US" b="0" i="1" smtClean="0">
+                            <a:latin typeface="Cambria Math" panose="02040503050406030204" pitchFamily="18" charset="0"/>
+                          </a:rPr>
+                        </m:ctrlPr>
+                      </m:sSubPr>
+                      <m:e>
+                        <m:r>
+                          <a:rPr lang="en-US" b="0" i="1" smtClean="0">
+                            <a:latin typeface="Cambria Math" panose="02040503050406030204" pitchFamily="18" charset="0"/>
+                          </a:rPr>
+                          <m:t>𝑧</m:t>
+                        </m:r>
+                      </m:e>
+                      <m:sub>
+                        <m:r>
+                          <a:rPr lang="en-US" b="0" i="1" smtClean="0">
+                            <a:latin typeface="Cambria Math" panose="02040503050406030204" pitchFamily="18" charset="0"/>
+                          </a:rPr>
+                          <m:t>𝑡</m:t>
+                        </m:r>
+                      </m:sub>
+                    </m:sSub>
+                    <m:r>
+                      <a:rPr lang="en-US" b="0" i="1" smtClean="0">
+                        <a:latin typeface="Cambria Math" panose="02040503050406030204" pitchFamily="18" charset="0"/>
+                      </a:rPr>
+                      <m:t>=</m:t>
+                    </m:r>
+                    <m:d>
+                      <m:dPr>
+                        <m:ctrlPr>
+                          <a:rPr lang="en-US" b="0" i="1" smtClean="0">
+                            <a:latin typeface="Cambria Math" panose="02040503050406030204" pitchFamily="18" charset="0"/>
+                          </a:rPr>
+                        </m:ctrlPr>
+                      </m:dPr>
+                      <m:e>
+                        <m:eqArr>
+                          <m:eqArrPr>
+                            <m:ctrlPr>
+                              <a:rPr lang="en-US" b="0" i="1" smtClean="0">
+                                <a:latin typeface="Cambria Math" panose="02040503050406030204" pitchFamily="18" charset="0"/>
+                              </a:rPr>
+                            </m:ctrlPr>
+                          </m:eqArrPr>
+                          <m:e>
+                            <m:sSub>
+                              <m:sSubPr>
+                                <m:ctrlPr>
+                                  <a:rPr lang="en-US" b="0" i="1" smtClean="0">
+                                    <a:latin typeface="Cambria Math" panose="02040503050406030204" pitchFamily="18" charset="0"/>
+                                  </a:rPr>
+                                </m:ctrlPr>
+                              </m:sSubPr>
+                              <m:e>
+                                <m:r>
+                                  <a:rPr lang="en-US" b="0" i="1" smtClean="0">
+                                    <a:latin typeface="Cambria Math" panose="02040503050406030204" pitchFamily="18" charset="0"/>
+                                  </a:rPr>
+                                  <m:t>𝑥</m:t>
+                                </m:r>
+                              </m:e>
+                              <m:sub>
+                                <m:r>
+                                  <a:rPr lang="en-US" b="0" i="1" smtClean="0">
+                                    <a:latin typeface="Cambria Math" panose="02040503050406030204" pitchFamily="18" charset="0"/>
+                                  </a:rPr>
+                                  <m:t>𝑡</m:t>
+                                </m:r>
+                              </m:sub>
+                            </m:sSub>
+                          </m:e>
+                          <m:e>
+                            <m:sSub>
+                              <m:sSubPr>
+                                <m:ctrlPr>
+                                  <a:rPr lang="en-US" b="0" i="1" smtClean="0">
+                                    <a:latin typeface="Cambria Math" panose="02040503050406030204" pitchFamily="18" charset="0"/>
+                                  </a:rPr>
+                                </m:ctrlPr>
+                              </m:sSubPr>
+                              <m:e>
+                                <m:r>
+                                  <a:rPr lang="en-US" b="0" i="1" smtClean="0">
+                                    <a:latin typeface="Cambria Math" panose="02040503050406030204" pitchFamily="18" charset="0"/>
+                                  </a:rPr>
+                                  <m:t>𝑦</m:t>
+                                </m:r>
+                              </m:e>
+                              <m:sub>
+                                <m:r>
+                                  <a:rPr lang="en-US" b="0" i="1" smtClean="0">
+                                    <a:latin typeface="Cambria Math" panose="02040503050406030204" pitchFamily="18" charset="0"/>
+                                  </a:rPr>
+                                  <m:t>𝑡</m:t>
+                                </m:r>
+                              </m:sub>
+                            </m:sSub>
+                          </m:e>
+                        </m:eqArr>
+                      </m:e>
+                    </m:d>
+                  </m:oMath>
+                </a14:m>
+                <a:r>
+                  <a:rPr lang="en-US" dirty="0"/>
+                  <a:t>.</a:t>
+                </a:r>
+              </a:p>
+              <a:p>
+                <a:pPr marL="0" indent="0">
+                  <a:buNone/>
+                </a:pPr>
+                <a:r>
+                  <a:rPr lang="en-US" dirty="0"/>
+                  <a:t>The nominal distribution </a:t>
+                </a:r>
+                <a14:m>
+                  <m:oMath xmlns:m="http://schemas.openxmlformats.org/officeDocument/2006/math">
+                    <m:sSubSup>
+                      <m:sSubSupPr>
+                        <m:ctrlPr>
+                          <a:rPr lang="en-US" b="0" i="1" smtClean="0">
+                            <a:latin typeface="Cambria Math" panose="02040503050406030204" pitchFamily="18" charset="0"/>
+                          </a:rPr>
+                        </m:ctrlPr>
+                      </m:sSubSupPr>
+                      <m:e>
+                        <m:r>
+                          <a:rPr lang="en-US" b="0" i="1" smtClean="0">
+                            <a:latin typeface="Cambria Math" panose="02040503050406030204" pitchFamily="18" charset="0"/>
+                          </a:rPr>
+                          <m:t>ℙ</m:t>
+                        </m:r>
+                      </m:e>
+                      <m:sub>
+                        <m:sSub>
+                          <m:sSubPr>
+                            <m:ctrlPr>
+                              <a:rPr lang="en-US" b="0" i="1" smtClean="0">
+                                <a:latin typeface="Cambria Math" panose="02040503050406030204" pitchFamily="18" charset="0"/>
+                              </a:rPr>
+                            </m:ctrlPr>
+                          </m:sSubPr>
+                          <m:e>
+                            <m:r>
+                              <a:rPr lang="en-US" b="0" i="1" smtClean="0">
+                                <a:latin typeface="Cambria Math" panose="02040503050406030204" pitchFamily="18" charset="0"/>
+                              </a:rPr>
+                              <m:t>𝑧</m:t>
+                            </m:r>
+                          </m:e>
+                          <m:sub>
+                            <m:r>
+                              <a:rPr lang="en-US" b="0" i="1" smtClean="0">
+                                <a:latin typeface="Cambria Math" panose="02040503050406030204" pitchFamily="18" charset="0"/>
+                              </a:rPr>
+                              <m:t>𝑡</m:t>
+                            </m:r>
+                          </m:sub>
+                        </m:sSub>
+                        <m:r>
+                          <a:rPr lang="en-US" b="0" i="1" smtClean="0">
+                            <a:latin typeface="Cambria Math" panose="02040503050406030204" pitchFamily="18" charset="0"/>
+                          </a:rPr>
+                          <m:t>|</m:t>
+                        </m:r>
+                        <m:sSub>
+                          <m:sSubPr>
+                            <m:ctrlPr>
+                              <a:rPr lang="en-US" b="0" i="1" smtClean="0">
+                                <a:latin typeface="Cambria Math" panose="02040503050406030204" pitchFamily="18" charset="0"/>
+                              </a:rPr>
+                            </m:ctrlPr>
+                          </m:sSubPr>
+                          <m:e>
+                            <m:r>
+                              <a:rPr lang="en-US" b="0" i="1" smtClean="0">
+                                <a:latin typeface="Cambria Math" panose="02040503050406030204" pitchFamily="18" charset="0"/>
+                              </a:rPr>
+                              <m:t>𝑥</m:t>
+                            </m:r>
+                          </m:e>
+                          <m:sub>
+                            <m:r>
+                              <a:rPr lang="en-US" b="0" i="1" smtClean="0">
+                                <a:latin typeface="Cambria Math" panose="02040503050406030204" pitchFamily="18" charset="0"/>
+                              </a:rPr>
+                              <m:t>𝑡</m:t>
+                            </m:r>
+                            <m:r>
+                              <a:rPr lang="en-US" b="0" i="1" smtClean="0">
+                                <a:latin typeface="Cambria Math" panose="02040503050406030204" pitchFamily="18" charset="0"/>
+                              </a:rPr>
+                              <m:t>−1</m:t>
+                            </m:r>
+                          </m:sub>
+                        </m:sSub>
+                      </m:sub>
+                      <m:sup>
+                        <m:r>
+                          <a:rPr lang="en-US" b="0" i="1" smtClean="0">
+                            <a:latin typeface="Cambria Math" panose="02040503050406030204" pitchFamily="18" charset="0"/>
+                          </a:rPr>
+                          <m:t>∗</m:t>
+                        </m:r>
+                      </m:sup>
+                    </m:sSubSup>
+                  </m:oMath>
+                </a14:m>
+                <a:r>
+                  <a:rPr lang="en-US" dirty="0"/>
+                  <a:t> is known and is:</a:t>
+                </a:r>
+              </a:p>
+              <a:p>
+                <a:pPr marL="0" indent="0">
+                  <a:buNone/>
+                </a:pPr>
+                <a14:m>
+                  <m:oMathPara xmlns:m="http://schemas.openxmlformats.org/officeDocument/2006/math">
+                    <m:oMathParaPr>
+                      <m:jc m:val="centerGroup"/>
+                    </m:oMathParaPr>
+                    <m:oMath xmlns:m="http://schemas.openxmlformats.org/officeDocument/2006/math">
+                      <m:sSub>
+                        <m:sSubPr>
+                          <m:ctrlPr>
+                            <a:rPr lang="en-US" b="0" i="1" smtClean="0">
+                              <a:latin typeface="Cambria Math" panose="02040503050406030204" pitchFamily="18" charset="0"/>
+                            </a:rPr>
+                          </m:ctrlPr>
+                        </m:sSubPr>
+                        <m:e>
+                          <m:r>
+                            <a:rPr lang="en-US" b="0" i="1" smtClean="0">
+                              <a:latin typeface="Cambria Math" panose="02040503050406030204" pitchFamily="18" charset="0"/>
+                            </a:rPr>
+                            <m:t>𝑥</m:t>
+                          </m:r>
+                        </m:e>
+                        <m:sub>
+                          <m:r>
+                            <a:rPr lang="en-US" b="0" i="1" smtClean="0">
+                              <a:latin typeface="Cambria Math" panose="02040503050406030204" pitchFamily="18" charset="0"/>
+                            </a:rPr>
+                            <m:t>𝑡</m:t>
+                          </m:r>
+                        </m:sub>
+                      </m:sSub>
+                      <m:r>
+                        <a:rPr lang="en-US" b="0" i="1" smtClean="0">
+                          <a:latin typeface="Cambria Math" panose="02040503050406030204" pitchFamily="18" charset="0"/>
+                        </a:rPr>
+                        <m:t>=</m:t>
+                      </m:r>
+                      <m:sSub>
+                        <m:sSubPr>
+                          <m:ctrlPr>
+                            <a:rPr lang="en-US" b="0" i="1" smtClean="0">
+                              <a:latin typeface="Cambria Math" panose="02040503050406030204" pitchFamily="18" charset="0"/>
+                            </a:rPr>
+                          </m:ctrlPr>
+                        </m:sSubPr>
+                        <m:e>
+                          <m:r>
+                            <a:rPr lang="en-US" b="0" i="1" smtClean="0">
+                              <a:latin typeface="Cambria Math" panose="02040503050406030204" pitchFamily="18" charset="0"/>
+                            </a:rPr>
+                            <m:t>𝐴</m:t>
+                          </m:r>
+                        </m:e>
+                        <m:sub>
+                          <m:r>
+                            <a:rPr lang="en-US" b="0" i="1" smtClean="0">
+                              <a:latin typeface="Cambria Math" panose="02040503050406030204" pitchFamily="18" charset="0"/>
+                            </a:rPr>
+                            <m:t>𝑡</m:t>
+                          </m:r>
+                        </m:sub>
+                      </m:sSub>
+                      <m:sSub>
+                        <m:sSubPr>
+                          <m:ctrlPr>
+                            <a:rPr lang="en-US" b="0" i="1" smtClean="0">
+                              <a:latin typeface="Cambria Math" panose="02040503050406030204" pitchFamily="18" charset="0"/>
+                            </a:rPr>
+                          </m:ctrlPr>
+                        </m:sSubPr>
+                        <m:e>
+                          <m:r>
+                            <a:rPr lang="en-US" b="0" i="1" smtClean="0">
+                              <a:latin typeface="Cambria Math" panose="02040503050406030204" pitchFamily="18" charset="0"/>
+                            </a:rPr>
+                            <m:t>𝑥</m:t>
+                          </m:r>
+                        </m:e>
+                        <m:sub>
+                          <m:r>
+                            <a:rPr lang="en-US" b="0" i="1" smtClean="0">
+                              <a:latin typeface="Cambria Math" panose="02040503050406030204" pitchFamily="18" charset="0"/>
+                            </a:rPr>
+                            <m:t>𝑡</m:t>
+                          </m:r>
+                          <m:r>
+                            <a:rPr lang="en-US" b="0" i="1" smtClean="0">
+                              <a:latin typeface="Cambria Math" panose="02040503050406030204" pitchFamily="18" charset="0"/>
+                            </a:rPr>
+                            <m:t>−1</m:t>
+                          </m:r>
+                        </m:sub>
+                      </m:sSub>
+                      <m:r>
+                        <a:rPr lang="en-US" b="0" i="1" smtClean="0">
+                          <a:latin typeface="Cambria Math" panose="02040503050406030204" pitchFamily="18" charset="0"/>
+                        </a:rPr>
+                        <m:t>+</m:t>
+                      </m:r>
+                      <m:sSub>
+                        <m:sSubPr>
+                          <m:ctrlPr>
+                            <a:rPr lang="en-US" b="0" i="1" smtClean="0">
+                              <a:latin typeface="Cambria Math" panose="02040503050406030204" pitchFamily="18" charset="0"/>
+                            </a:rPr>
+                          </m:ctrlPr>
+                        </m:sSubPr>
+                        <m:e>
+                          <m:r>
+                            <a:rPr lang="en-US" b="0" i="1" smtClean="0">
+                              <a:latin typeface="Cambria Math" panose="02040503050406030204" pitchFamily="18" charset="0"/>
+                            </a:rPr>
+                            <m:t>𝐵</m:t>
+                          </m:r>
+                        </m:e>
+                        <m:sub>
+                          <m:r>
+                            <a:rPr lang="en-US" b="0" i="1" smtClean="0">
+                              <a:latin typeface="Cambria Math" panose="02040503050406030204" pitchFamily="18" charset="0"/>
+                            </a:rPr>
+                            <m:t>𝑡</m:t>
+                          </m:r>
+                        </m:sub>
+                      </m:sSub>
+                      <m:sSub>
+                        <m:sSubPr>
+                          <m:ctrlPr>
+                            <a:rPr lang="en-US" b="0" i="1" smtClean="0">
+                              <a:latin typeface="Cambria Math" panose="02040503050406030204" pitchFamily="18" charset="0"/>
+                            </a:rPr>
+                          </m:ctrlPr>
+                        </m:sSubPr>
+                        <m:e>
+                          <m:r>
+                            <a:rPr lang="en-US" b="0" i="1" smtClean="0">
+                              <a:latin typeface="Cambria Math" panose="02040503050406030204" pitchFamily="18" charset="0"/>
+                            </a:rPr>
+                            <m:t>𝑣</m:t>
+                          </m:r>
+                        </m:e>
+                        <m:sub>
+                          <m:r>
+                            <a:rPr lang="en-US" b="0" i="1" smtClean="0">
+                              <a:latin typeface="Cambria Math" panose="02040503050406030204" pitchFamily="18" charset="0"/>
+                            </a:rPr>
+                            <m:t>𝑡</m:t>
+                          </m:r>
+                        </m:sub>
+                      </m:sSub>
+                    </m:oMath>
+                    <m:oMath xmlns:m="http://schemas.openxmlformats.org/officeDocument/2006/math">
+                      <m:sSub>
+                        <m:sSubPr>
+                          <m:ctrlPr>
+                            <a:rPr lang="en-US" b="0" i="1" smtClean="0">
+                              <a:latin typeface="Cambria Math" panose="02040503050406030204" pitchFamily="18" charset="0"/>
+                            </a:rPr>
+                          </m:ctrlPr>
+                        </m:sSubPr>
+                        <m:e>
+                          <m:r>
+                            <a:rPr lang="en-US" b="0" i="1" smtClean="0">
+                              <a:latin typeface="Cambria Math" panose="02040503050406030204" pitchFamily="18" charset="0"/>
+                            </a:rPr>
+                            <m:t>𝑦</m:t>
+                          </m:r>
+                        </m:e>
+                        <m:sub>
+                          <m:r>
+                            <a:rPr lang="en-US" b="0" i="1" smtClean="0">
+                              <a:latin typeface="Cambria Math" panose="02040503050406030204" pitchFamily="18" charset="0"/>
+                            </a:rPr>
+                            <m:t>𝑡</m:t>
+                          </m:r>
+                        </m:sub>
+                      </m:sSub>
+                      <m:r>
+                        <a:rPr lang="en-US" b="0" i="1" smtClean="0">
+                          <a:latin typeface="Cambria Math" panose="02040503050406030204" pitchFamily="18" charset="0"/>
+                        </a:rPr>
+                        <m:t>=</m:t>
+                      </m:r>
+                      <m:sSub>
+                        <m:sSubPr>
+                          <m:ctrlPr>
+                            <a:rPr lang="en-US" b="0" i="1" smtClean="0">
+                              <a:latin typeface="Cambria Math" panose="02040503050406030204" pitchFamily="18" charset="0"/>
+                            </a:rPr>
+                          </m:ctrlPr>
+                        </m:sSubPr>
+                        <m:e>
+                          <m:r>
+                            <a:rPr lang="en-US" b="0" i="1" smtClean="0">
+                              <a:latin typeface="Cambria Math" panose="02040503050406030204" pitchFamily="18" charset="0"/>
+                            </a:rPr>
+                            <m:t>𝐶</m:t>
+                          </m:r>
+                        </m:e>
+                        <m:sub>
+                          <m:r>
+                            <a:rPr lang="en-US" b="0" i="1" smtClean="0">
+                              <a:latin typeface="Cambria Math" panose="02040503050406030204" pitchFamily="18" charset="0"/>
+                            </a:rPr>
+                            <m:t>𝑡</m:t>
+                          </m:r>
+                        </m:sub>
+                      </m:sSub>
+                      <m:sSub>
+                        <m:sSubPr>
+                          <m:ctrlPr>
+                            <a:rPr lang="en-US" b="0" i="1" smtClean="0">
+                              <a:latin typeface="Cambria Math" panose="02040503050406030204" pitchFamily="18" charset="0"/>
+                            </a:rPr>
+                          </m:ctrlPr>
+                        </m:sSubPr>
+                        <m:e>
+                          <m:r>
+                            <a:rPr lang="en-US" b="0" i="1" smtClean="0">
+                              <a:latin typeface="Cambria Math" panose="02040503050406030204" pitchFamily="18" charset="0"/>
+                            </a:rPr>
+                            <m:t>𝑥</m:t>
+                          </m:r>
+                        </m:e>
+                        <m:sub>
+                          <m:r>
+                            <a:rPr lang="en-US" b="0" i="1" smtClean="0">
+                              <a:latin typeface="Cambria Math" panose="02040503050406030204" pitchFamily="18" charset="0"/>
+                            </a:rPr>
+                            <m:t>𝑡</m:t>
+                          </m:r>
+                        </m:sub>
+                      </m:sSub>
+                      <m:r>
+                        <a:rPr lang="en-US" b="0" i="1" smtClean="0">
+                          <a:latin typeface="Cambria Math" panose="02040503050406030204" pitchFamily="18" charset="0"/>
+                        </a:rPr>
+                        <m:t>+</m:t>
+                      </m:r>
+                      <m:sSub>
+                        <m:sSubPr>
+                          <m:ctrlPr>
+                            <a:rPr lang="en-US" b="0" i="1" smtClean="0">
+                              <a:latin typeface="Cambria Math" panose="02040503050406030204" pitchFamily="18" charset="0"/>
+                            </a:rPr>
+                          </m:ctrlPr>
+                        </m:sSubPr>
+                        <m:e>
+                          <m:r>
+                            <a:rPr lang="en-US" b="0" i="1" smtClean="0">
+                              <a:latin typeface="Cambria Math" panose="02040503050406030204" pitchFamily="18" charset="0"/>
+                            </a:rPr>
+                            <m:t>𝐷</m:t>
+                          </m:r>
+                        </m:e>
+                        <m:sub>
+                          <m:r>
+                            <a:rPr lang="en-US" b="0" i="1" smtClean="0">
+                              <a:latin typeface="Cambria Math" panose="02040503050406030204" pitchFamily="18" charset="0"/>
+                            </a:rPr>
+                            <m:t>𝑡</m:t>
+                          </m:r>
+                        </m:sub>
+                      </m:sSub>
+                      <m:sSub>
+                        <m:sSubPr>
+                          <m:ctrlPr>
+                            <a:rPr lang="en-US" b="0" i="1" smtClean="0">
+                              <a:latin typeface="Cambria Math" panose="02040503050406030204" pitchFamily="18" charset="0"/>
+                            </a:rPr>
+                          </m:ctrlPr>
+                        </m:sSubPr>
+                        <m:e>
+                          <m:r>
+                            <a:rPr lang="en-US" b="0" i="1" smtClean="0">
+                              <a:latin typeface="Cambria Math" panose="02040503050406030204" pitchFamily="18" charset="0"/>
+                            </a:rPr>
+                            <m:t>𝑣</m:t>
+                          </m:r>
+                        </m:e>
+                        <m:sub>
+                          <m:r>
+                            <a:rPr lang="en-US" b="0" i="1" smtClean="0">
+                              <a:latin typeface="Cambria Math" panose="02040503050406030204" pitchFamily="18" charset="0"/>
+                            </a:rPr>
+                            <m:t>𝑡</m:t>
+                          </m:r>
+                        </m:sub>
+                      </m:sSub>
+                    </m:oMath>
+                  </m:oMathPara>
+                </a14:m>
+                <a:endParaRPr lang="en-US" dirty="0"/>
+              </a:p>
+              <a:p>
+                <a:pPr marL="0" indent="0">
+                  <a:buNone/>
+                </a:pPr>
+                <a:r>
+                  <a:rPr lang="en-US" dirty="0"/>
+                  <a:t>for known </a:t>
+                </a:r>
+                <a14:m>
+                  <m:oMath xmlns:m="http://schemas.openxmlformats.org/officeDocument/2006/math">
+                    <m:sSub>
+                      <m:sSubPr>
+                        <m:ctrlPr>
+                          <a:rPr lang="en-US" b="0" i="1" smtClean="0">
+                            <a:latin typeface="Cambria Math" panose="02040503050406030204" pitchFamily="18" charset="0"/>
+                          </a:rPr>
+                        </m:ctrlPr>
+                      </m:sSubPr>
+                      <m:e>
+                        <m:r>
+                          <a:rPr lang="en-US" b="0" i="1" smtClean="0">
+                            <a:latin typeface="Cambria Math" panose="02040503050406030204" pitchFamily="18" charset="0"/>
+                          </a:rPr>
+                          <m:t>𝐴</m:t>
+                        </m:r>
+                      </m:e>
+                      <m:sub>
+                        <m:r>
+                          <a:rPr lang="en-US" b="0" i="1" smtClean="0">
+                            <a:latin typeface="Cambria Math" panose="02040503050406030204" pitchFamily="18" charset="0"/>
+                          </a:rPr>
+                          <m:t>𝑡</m:t>
+                        </m:r>
+                      </m:sub>
+                    </m:sSub>
+                    <m:r>
+                      <a:rPr lang="en-US" b="0" i="1" smtClean="0">
+                        <a:latin typeface="Cambria Math" panose="02040503050406030204" pitchFamily="18" charset="0"/>
+                      </a:rPr>
+                      <m:t>, </m:t>
+                    </m:r>
+                    <m:sSub>
+                      <m:sSubPr>
+                        <m:ctrlPr>
+                          <a:rPr lang="en-US" b="0" i="1" smtClean="0">
+                            <a:latin typeface="Cambria Math" panose="02040503050406030204" pitchFamily="18" charset="0"/>
+                          </a:rPr>
+                        </m:ctrlPr>
+                      </m:sSubPr>
+                      <m:e>
+                        <m:r>
+                          <a:rPr lang="en-US" b="0" i="1" smtClean="0">
+                            <a:latin typeface="Cambria Math" panose="02040503050406030204" pitchFamily="18" charset="0"/>
+                          </a:rPr>
+                          <m:t>𝐵</m:t>
+                        </m:r>
+                      </m:e>
+                      <m:sub>
+                        <m:r>
+                          <a:rPr lang="en-US" b="0" i="1" smtClean="0">
+                            <a:latin typeface="Cambria Math" panose="02040503050406030204" pitchFamily="18" charset="0"/>
+                          </a:rPr>
+                          <m:t>𝑡</m:t>
+                        </m:r>
+                      </m:sub>
+                    </m:sSub>
+                    <m:r>
+                      <a:rPr lang="en-US" b="0" i="1" smtClean="0">
+                        <a:latin typeface="Cambria Math" panose="02040503050406030204" pitchFamily="18" charset="0"/>
+                      </a:rPr>
+                      <m:t>, </m:t>
+                    </m:r>
+                    <m:sSub>
+                      <m:sSubPr>
+                        <m:ctrlPr>
+                          <a:rPr lang="en-US" b="0" i="1" smtClean="0">
+                            <a:latin typeface="Cambria Math" panose="02040503050406030204" pitchFamily="18" charset="0"/>
+                          </a:rPr>
+                        </m:ctrlPr>
+                      </m:sSubPr>
+                      <m:e>
+                        <m:r>
+                          <a:rPr lang="en-US" b="0" i="1" smtClean="0">
+                            <a:latin typeface="Cambria Math" panose="02040503050406030204" pitchFamily="18" charset="0"/>
+                          </a:rPr>
+                          <m:t>𝐶</m:t>
+                        </m:r>
+                      </m:e>
+                      <m:sub>
+                        <m:r>
+                          <a:rPr lang="en-US" b="0" i="1" smtClean="0">
+                            <a:latin typeface="Cambria Math" panose="02040503050406030204" pitchFamily="18" charset="0"/>
+                          </a:rPr>
+                          <m:t>𝑡</m:t>
+                        </m:r>
+                      </m:sub>
+                    </m:sSub>
+                    <m:r>
+                      <a:rPr lang="en-US" b="0" i="1" smtClean="0">
+                        <a:latin typeface="Cambria Math" panose="02040503050406030204" pitchFamily="18" charset="0"/>
+                      </a:rPr>
+                      <m:t>, </m:t>
+                    </m:r>
+                    <m:sSub>
+                      <m:sSubPr>
+                        <m:ctrlPr>
+                          <a:rPr lang="en-US" b="0" i="1" smtClean="0">
+                            <a:latin typeface="Cambria Math" panose="02040503050406030204" pitchFamily="18" charset="0"/>
+                          </a:rPr>
+                        </m:ctrlPr>
+                      </m:sSubPr>
+                      <m:e>
+                        <m:r>
+                          <a:rPr lang="en-US" b="0" i="1" smtClean="0">
+                            <a:latin typeface="Cambria Math" panose="02040503050406030204" pitchFamily="18" charset="0"/>
+                          </a:rPr>
+                          <m:t>𝐷</m:t>
+                        </m:r>
+                      </m:e>
+                      <m:sub>
+                        <m:r>
+                          <a:rPr lang="en-US" b="0" i="1" smtClean="0">
+                            <a:latin typeface="Cambria Math" panose="02040503050406030204" pitchFamily="18" charset="0"/>
+                          </a:rPr>
+                          <m:t>𝑡</m:t>
+                        </m:r>
+                      </m:sub>
+                    </m:sSub>
+                  </m:oMath>
+                </a14:m>
+                <a:r>
+                  <a:rPr lang="en-US" dirty="0"/>
+                  <a:t>.</a:t>
+                </a:r>
+              </a:p>
+              <a:p>
+                <a:pPr marL="0" indent="0">
+                  <a:buNone/>
+                </a:pPr>
+                <a14:m>
+                  <m:oMath xmlns:m="http://schemas.openxmlformats.org/officeDocument/2006/math">
+                    <m:sSub>
+                      <m:sSubPr>
+                        <m:ctrlPr>
+                          <a:rPr lang="en-US" b="0" i="1" smtClean="0">
+                            <a:latin typeface="Cambria Math" panose="02040503050406030204" pitchFamily="18" charset="0"/>
+                          </a:rPr>
+                        </m:ctrlPr>
+                      </m:sSubPr>
+                      <m:e>
+                        <m:r>
+                          <a:rPr lang="en-US" b="0" i="1" smtClean="0">
+                            <a:latin typeface="Cambria Math" panose="02040503050406030204" pitchFamily="18" charset="0"/>
+                          </a:rPr>
+                          <m:t>𝑣</m:t>
+                        </m:r>
+                      </m:e>
+                      <m:sub>
+                        <m:r>
+                          <a:rPr lang="en-US" b="0" i="1" smtClean="0">
+                            <a:latin typeface="Cambria Math" panose="02040503050406030204" pitchFamily="18" charset="0"/>
+                          </a:rPr>
+                          <m:t>𝑡</m:t>
+                        </m:r>
+                      </m:sub>
+                    </m:sSub>
+                    <m:r>
+                      <a:rPr lang="en-US" b="0" i="1" smtClean="0">
+                        <a:latin typeface="Cambria Math" panose="02040503050406030204" pitchFamily="18" charset="0"/>
+                      </a:rPr>
+                      <m:t>∼</m:t>
+                    </m:r>
+                    <m:sSub>
+                      <m:sSubPr>
+                        <m:ctrlPr>
+                          <a:rPr lang="en-US" b="0" i="1" smtClean="0">
+                            <a:latin typeface="Cambria Math" panose="02040503050406030204" pitchFamily="18" charset="0"/>
+                          </a:rPr>
+                        </m:ctrlPr>
+                      </m:sSubPr>
+                      <m:e>
+                        <m:r>
+                          <a:rPr lang="en-US" b="0" i="1" smtClean="0">
+                            <a:latin typeface="Cambria Math" panose="02040503050406030204" pitchFamily="18" charset="0"/>
+                          </a:rPr>
+                          <m:t>𝒩</m:t>
+                        </m:r>
+                      </m:e>
+                      <m:sub>
+                        <m:r>
+                          <a:rPr lang="en-US" b="0" i="1" smtClean="0">
+                            <a:latin typeface="Cambria Math" panose="02040503050406030204" pitchFamily="18" charset="0"/>
+                          </a:rPr>
+                          <m:t>𝑑</m:t>
+                        </m:r>
+                      </m:sub>
+                    </m:sSub>
+                    <m:d>
+                      <m:dPr>
+                        <m:ctrlPr>
+                          <a:rPr lang="en-US" b="0" i="1" smtClean="0">
+                            <a:latin typeface="Cambria Math" panose="02040503050406030204" pitchFamily="18" charset="0"/>
+                          </a:rPr>
+                        </m:ctrlPr>
+                      </m:dPr>
+                      <m:e>
+                        <m:r>
+                          <a:rPr lang="en-US" b="0" i="1" smtClean="0">
+                            <a:latin typeface="Cambria Math" panose="02040503050406030204" pitchFamily="18" charset="0"/>
+                          </a:rPr>
+                          <m:t>0, </m:t>
+                        </m:r>
+                        <m:sSub>
+                          <m:sSubPr>
+                            <m:ctrlPr>
+                              <a:rPr lang="en-US" b="0" i="1" smtClean="0">
+                                <a:latin typeface="Cambria Math" panose="02040503050406030204" pitchFamily="18" charset="0"/>
+                              </a:rPr>
+                            </m:ctrlPr>
+                          </m:sSubPr>
+                          <m:e>
+                            <m:r>
+                              <a:rPr lang="en-US" b="0" i="1" smtClean="0">
+                                <a:latin typeface="Cambria Math" panose="02040503050406030204" pitchFamily="18" charset="0"/>
+                              </a:rPr>
+                              <m:t>𝐼</m:t>
+                            </m:r>
+                          </m:e>
+                          <m:sub>
+                            <m:r>
+                              <a:rPr lang="en-US" b="0" i="1" smtClean="0">
+                                <a:latin typeface="Cambria Math" panose="02040503050406030204" pitchFamily="18" charset="0"/>
+                              </a:rPr>
+                              <m:t>𝑑</m:t>
+                            </m:r>
+                          </m:sub>
+                        </m:sSub>
+                      </m:e>
+                    </m:d>
+                  </m:oMath>
+                </a14:m>
+                <a:r>
+                  <a:rPr lang="en-US" dirty="0"/>
+                  <a:t> is the noise and is independent of </a:t>
+                </a:r>
+                <a14:m>
+                  <m:oMath xmlns:m="http://schemas.openxmlformats.org/officeDocument/2006/math">
+                    <m:sSub>
+                      <m:sSubPr>
+                        <m:ctrlPr>
+                          <a:rPr lang="en-US" b="0" i="1" smtClean="0">
+                            <a:latin typeface="Cambria Math" panose="02040503050406030204" pitchFamily="18" charset="0"/>
+                          </a:rPr>
+                        </m:ctrlPr>
+                      </m:sSubPr>
+                      <m:e>
+                        <m:r>
+                          <a:rPr lang="en-US" b="0" i="1" smtClean="0">
+                            <a:latin typeface="Cambria Math" panose="02040503050406030204" pitchFamily="18" charset="0"/>
+                          </a:rPr>
+                          <m:t>𝑥</m:t>
+                        </m:r>
+                      </m:e>
+                      <m:sub>
+                        <m:r>
+                          <a:rPr lang="en-US" b="0" i="1" smtClean="0">
+                            <a:latin typeface="Cambria Math" panose="02040503050406030204" pitchFamily="18" charset="0"/>
+                          </a:rPr>
+                          <m:t>𝑡</m:t>
+                        </m:r>
+                      </m:sub>
+                    </m:sSub>
+                    <m:r>
+                      <a:rPr lang="en-US" b="0" i="0" smtClean="0">
+                        <a:latin typeface="Cambria Math" panose="02040503050406030204" pitchFamily="18" charset="0"/>
+                      </a:rPr>
+                      <m:t>.</m:t>
+                    </m:r>
+                  </m:oMath>
+                </a14:m>
+                <a:endParaRPr lang="en-US" dirty="0"/>
+              </a:p>
+              <a:p>
+                <a:pPr marL="0" indent="0">
+                  <a:buNone/>
+                </a:pPr>
+                <a:endParaRPr lang="en-IL" dirty="0"/>
+              </a:p>
+            </p:txBody>
+          </p:sp>
+        </mc:Choice>
+        <mc:Fallback>
+          <p:sp>
+            <p:nvSpPr>
+              <p:cNvPr id="3" name="Content Placeholder 2">
+                <a:extLst>
+                  <a:ext uri="{FF2B5EF4-FFF2-40B4-BE49-F238E27FC236}">
+                    <a16:creationId xmlns:a16="http://schemas.microsoft.com/office/drawing/2014/main" id="{986DAB35-67BB-17CE-A7B4-1F38AED6C979}"/>
+                  </a:ext>
+                </a:extLst>
+              </p:cNvPr>
+              <p:cNvSpPr>
+                <a:spLocks noGrp="1" noRot="1" noChangeAspect="1" noMove="1" noResize="1" noEditPoints="1" noAdjustHandles="1" noChangeArrowheads="1" noChangeShapeType="1" noTextEdit="1"/>
+              </p:cNvSpPr>
+              <p:nvPr>
+                <p:ph idx="1"/>
+              </p:nvPr>
+            </p:nvSpPr>
+            <p:spPr>
+              <a:blipFill>
+                <a:blip r:embed="rId2"/>
+                <a:stretch>
+                  <a:fillRect l="-1217"/>
+                </a:stretch>
+              </a:blipFill>
+            </p:spPr>
+            <p:txBody>
+              <a:bodyPr/>
+              <a:lstStyle/>
+              <a:p>
+                <a:r>
+                  <a:rPr lang="en-IL">
+                    <a:noFill/>
+                  </a:rPr>
+                  <a:t> </a:t>
+                </a:r>
+              </a:p>
+            </p:txBody>
+          </p:sp>
+        </mc:Fallback>
+      </mc:AlternateContent>
+    </p:spTree>
+    <p:extLst>
+      <p:ext uri="{BB962C8B-B14F-4D97-AF65-F5344CB8AC3E}">
+        <p14:creationId xmlns:p14="http://schemas.microsoft.com/office/powerpoint/2010/main" val="705108186"/>
+      </p:ext>
+    </p:extLst>
+  </p:cSld>
+  <p:clrMapOvr>
+    <a:masterClrMapping/>
+  </p:clrMapOvr>
+</p:sld>
+</file>
+
+<file path=ppt/slides/slide9.xml><?xml version="1.0" encoding="utf-8"?>
+<p:sld xmlns:a="http://schemas.openxmlformats.org/drawingml/2006/main" xmlns:r="http://schemas.openxmlformats.org/officeDocument/2006/relationships" xmlns:p="http://schemas.openxmlformats.org/presentationml/2006/main">
+  <p:cSld>
+    <p:spTree>
+      <p:nvGrpSpPr>
+        <p:cNvPr id="1" name=""/>
+        <p:cNvGrpSpPr/>
+        <p:nvPr/>
+      </p:nvGrpSpPr>
+      <p:grpSpPr>
+        <a:xfrm>
+          <a:off x="0" y="0"/>
+          <a:ext cx="0" cy="0"/>
+          <a:chOff x="0" y="0"/>
+          <a:chExt cx="0" cy="0"/>
+        </a:xfrm>
+      </p:grpSpPr>
+      <p:sp>
+        <p:nvSpPr>
+          <p:cNvPr id="2" name="Title 1">
+            <a:extLst>
+              <a:ext uri="{FF2B5EF4-FFF2-40B4-BE49-F238E27FC236}">
+                <a16:creationId xmlns:a16="http://schemas.microsoft.com/office/drawing/2014/main" id="{B21F22C3-AB89-8CFE-B71F-55F86E1E4BBD}"/>
+              </a:ext>
+            </a:extLst>
+          </p:cNvPr>
+          <p:cNvSpPr>
+            <a:spLocks noGrp="1"/>
+          </p:cNvSpPr>
+          <p:nvPr>
+            <p:ph type="title"/>
+          </p:nvPr>
+        </p:nvSpPr>
+        <p:spPr/>
+        <p:txBody>
+          <a:bodyPr/>
+          <a:lstStyle/>
+          <a:p>
+            <a:r>
+              <a:rPr lang="en-US" dirty="0"/>
+              <a:t>Background</a:t>
+            </a:r>
+            <a:endParaRPr lang="en-IL" dirty="0"/>
+          </a:p>
+        </p:txBody>
+      </p:sp>
+      <mc:AlternateContent xmlns:mc="http://schemas.openxmlformats.org/markup-compatibility/2006" xmlns:a14="http://schemas.microsoft.com/office/drawing/2010/main">
+        <mc:Choice Requires="a14">
+          <p:sp>
+            <p:nvSpPr>
+              <p:cNvPr id="3" name="Content Placeholder 2">
+                <a:extLst>
+                  <a:ext uri="{FF2B5EF4-FFF2-40B4-BE49-F238E27FC236}">
+                    <a16:creationId xmlns:a16="http://schemas.microsoft.com/office/drawing/2014/main" id="{E2A6D292-3A18-95CC-624E-DBEF53FFDE38}"/>
+                  </a:ext>
+                </a:extLst>
+              </p:cNvPr>
+              <p:cNvSpPr>
+                <a:spLocks noGrp="1"/>
+              </p:cNvSpPr>
+              <p:nvPr>
+                <p:ph idx="1"/>
+              </p:nvPr>
+            </p:nvSpPr>
+            <p:spPr/>
+            <p:txBody>
+              <a:bodyPr/>
+              <a:lstStyle/>
+              <a:p>
+                <a:pPr marL="0" indent="0">
+                  <a:buNone/>
+                </a:pPr>
+                <a:r>
+                  <a:rPr lang="en-US" dirty="0"/>
+                  <a:t>So,</a:t>
+                </a:r>
+              </a:p>
+              <a:p>
+                <a:pPr marL="0" indent="0">
+                  <a:buNone/>
+                </a:pPr>
+                <a14:m>
+                  <m:oMathPara xmlns:m="http://schemas.openxmlformats.org/officeDocument/2006/math">
+                    <m:oMathParaPr>
+                      <m:jc m:val="centerGroup"/>
+                    </m:oMathParaPr>
+                    <m:oMath xmlns:m="http://schemas.openxmlformats.org/officeDocument/2006/math">
+                      <m:sSubSup>
+                        <m:sSubSupPr>
+                          <m:ctrlPr>
+                            <a:rPr lang="en-US" b="0" i="1" smtClean="0">
+                              <a:latin typeface="Cambria Math" panose="02040503050406030204" pitchFamily="18" charset="0"/>
+                            </a:rPr>
+                          </m:ctrlPr>
+                        </m:sSubSupPr>
+                        <m:e>
+                          <m:r>
+                            <a:rPr lang="en-US" b="0" i="1" smtClean="0">
+                              <a:latin typeface="Cambria Math" panose="02040503050406030204" pitchFamily="18" charset="0"/>
+                            </a:rPr>
+                            <m:t>𝑃</m:t>
+                          </m:r>
+                        </m:e>
+                        <m:sub>
+                          <m:sSub>
+                            <m:sSubPr>
+                              <m:ctrlPr>
+                                <a:rPr lang="en-US" b="0" i="1" smtClean="0">
+                                  <a:latin typeface="Cambria Math" panose="02040503050406030204" pitchFamily="18" charset="0"/>
+                                </a:rPr>
+                              </m:ctrlPr>
+                            </m:sSubPr>
+                            <m:e>
+                              <m:r>
+                                <a:rPr lang="en-US" b="0" i="1" smtClean="0">
+                                  <a:latin typeface="Cambria Math" panose="02040503050406030204" pitchFamily="18" charset="0"/>
+                                </a:rPr>
+                                <m:t>𝑧</m:t>
+                              </m:r>
+                            </m:e>
+                            <m:sub>
+                              <m:r>
+                                <a:rPr lang="en-US" b="0" i="1" smtClean="0">
+                                  <a:latin typeface="Cambria Math" panose="02040503050406030204" pitchFamily="18" charset="0"/>
+                                </a:rPr>
+                                <m:t>𝑡</m:t>
+                              </m:r>
+                            </m:sub>
+                          </m:sSub>
+                          <m:r>
+                            <a:rPr lang="en-US" b="0" i="1" smtClean="0">
+                              <a:latin typeface="Cambria Math" panose="02040503050406030204" pitchFamily="18" charset="0"/>
+                            </a:rPr>
+                            <m:t>|</m:t>
+                          </m:r>
+                          <m:sSub>
+                            <m:sSubPr>
+                              <m:ctrlPr>
+                                <a:rPr lang="en-US" b="0" i="1" smtClean="0">
+                                  <a:latin typeface="Cambria Math" panose="02040503050406030204" pitchFamily="18" charset="0"/>
+                                </a:rPr>
+                              </m:ctrlPr>
+                            </m:sSubPr>
+                            <m:e>
+                              <m:r>
+                                <a:rPr lang="en-US" b="0" i="1" smtClean="0">
+                                  <a:latin typeface="Cambria Math" panose="02040503050406030204" pitchFamily="18" charset="0"/>
+                                </a:rPr>
+                                <m:t>𝑥</m:t>
+                              </m:r>
+                            </m:e>
+                            <m:sub>
+                              <m:r>
+                                <a:rPr lang="en-US" b="0" i="1" smtClean="0">
+                                  <a:latin typeface="Cambria Math" panose="02040503050406030204" pitchFamily="18" charset="0"/>
+                                </a:rPr>
+                                <m:t>𝑡</m:t>
+                              </m:r>
+                              <m:r>
+                                <a:rPr lang="en-US" b="0" i="1" smtClean="0">
+                                  <a:latin typeface="Cambria Math" panose="02040503050406030204" pitchFamily="18" charset="0"/>
+                                </a:rPr>
+                                <m:t>−1</m:t>
+                              </m:r>
+                            </m:sub>
+                          </m:sSub>
+                        </m:sub>
+                        <m:sup>
+                          <m:r>
+                            <a:rPr lang="en-US" b="0" i="1" smtClean="0">
+                              <a:latin typeface="Cambria Math" panose="02040503050406030204" pitchFamily="18" charset="0"/>
+                            </a:rPr>
+                            <m:t>∗</m:t>
+                          </m:r>
+                        </m:sup>
+                      </m:sSubSup>
+                      <m:r>
+                        <a:rPr lang="en-US" b="0" i="1" smtClean="0">
+                          <a:latin typeface="Cambria Math" panose="02040503050406030204" pitchFamily="18" charset="0"/>
+                        </a:rPr>
+                        <m:t>=</m:t>
+                      </m:r>
+                      <m:sSub>
+                        <m:sSubPr>
+                          <m:ctrlPr>
+                            <a:rPr lang="en-US" b="0" i="1" smtClean="0">
+                              <a:latin typeface="Cambria Math" panose="02040503050406030204" pitchFamily="18" charset="0"/>
+                            </a:rPr>
+                          </m:ctrlPr>
+                        </m:sSubPr>
+                        <m:e>
+                          <m:r>
+                            <a:rPr lang="en-US" b="0" i="1" smtClean="0">
+                              <a:latin typeface="Cambria Math" panose="02040503050406030204" pitchFamily="18" charset="0"/>
+                            </a:rPr>
+                            <m:t>𝒩</m:t>
+                          </m:r>
+                        </m:e>
+                        <m:sub>
+                          <m:r>
+                            <a:rPr lang="en-US" b="0" i="1" smtClean="0">
+                              <a:latin typeface="Cambria Math" panose="02040503050406030204" pitchFamily="18" charset="0"/>
+                            </a:rPr>
+                            <m:t>𝑑</m:t>
+                          </m:r>
+                        </m:sub>
+                      </m:sSub>
+                      <m:d>
+                        <m:dPr>
+                          <m:ctrlPr>
+                            <a:rPr lang="en-US" b="0" i="1" smtClean="0">
+                              <a:latin typeface="Cambria Math" panose="02040503050406030204" pitchFamily="18" charset="0"/>
+                            </a:rPr>
+                          </m:ctrlPr>
+                        </m:dPr>
+                        <m:e>
+                          <m:d>
+                            <m:dPr>
+                              <m:begChr m:val="["/>
+                              <m:endChr m:val="]"/>
+                              <m:ctrlPr>
+                                <a:rPr lang="en-US" b="0" i="1" smtClean="0">
+                                  <a:latin typeface="Cambria Math" panose="02040503050406030204" pitchFamily="18" charset="0"/>
+                                </a:rPr>
+                              </m:ctrlPr>
+                            </m:dPr>
+                            <m:e>
+                              <m:eqArr>
+                                <m:eqArrPr>
+                                  <m:ctrlPr>
+                                    <a:rPr lang="en-US" b="0" i="1" smtClean="0">
+                                      <a:latin typeface="Cambria Math" panose="02040503050406030204" pitchFamily="18" charset="0"/>
+                                    </a:rPr>
+                                  </m:ctrlPr>
+                                </m:eqArrPr>
+                                <m:e>
+                                  <m:sSub>
+                                    <m:sSubPr>
+                                      <m:ctrlPr>
+                                        <a:rPr lang="en-US" b="0" i="1" smtClean="0">
+                                          <a:latin typeface="Cambria Math" panose="02040503050406030204" pitchFamily="18" charset="0"/>
+                                        </a:rPr>
+                                      </m:ctrlPr>
+                                    </m:sSubPr>
+                                    <m:e>
+                                      <m:r>
+                                        <a:rPr lang="en-US" b="0" i="1" smtClean="0">
+                                          <a:latin typeface="Cambria Math" panose="02040503050406030204" pitchFamily="18" charset="0"/>
+                                        </a:rPr>
+                                        <m:t>𝐴</m:t>
+                                      </m:r>
+                                    </m:e>
+                                    <m:sub>
+                                      <m:r>
+                                        <a:rPr lang="en-US" b="0" i="1" smtClean="0">
+                                          <a:latin typeface="Cambria Math" panose="02040503050406030204" pitchFamily="18" charset="0"/>
+                                        </a:rPr>
+                                        <m:t>𝑡</m:t>
+                                      </m:r>
+                                    </m:sub>
+                                  </m:sSub>
+                                </m:e>
+                                <m:e>
+                                  <m:sSub>
+                                    <m:sSubPr>
+                                      <m:ctrlPr>
+                                        <a:rPr lang="en-US" b="0" i="1" smtClean="0">
+                                          <a:latin typeface="Cambria Math" panose="02040503050406030204" pitchFamily="18" charset="0"/>
+                                        </a:rPr>
+                                      </m:ctrlPr>
+                                    </m:sSubPr>
+                                    <m:e>
+                                      <m:r>
+                                        <a:rPr lang="en-US" b="0" i="1" smtClean="0">
+                                          <a:latin typeface="Cambria Math" panose="02040503050406030204" pitchFamily="18" charset="0"/>
+                                        </a:rPr>
+                                        <m:t>𝐶</m:t>
+                                      </m:r>
+                                    </m:e>
+                                    <m:sub>
+                                      <m:r>
+                                        <a:rPr lang="en-US" b="0" i="1" smtClean="0">
+                                          <a:latin typeface="Cambria Math" panose="02040503050406030204" pitchFamily="18" charset="0"/>
+                                        </a:rPr>
+                                        <m:t>𝑡</m:t>
+                                      </m:r>
+                                    </m:sub>
+                                  </m:sSub>
+                                  <m:sSub>
+                                    <m:sSubPr>
+                                      <m:ctrlPr>
+                                        <a:rPr lang="en-US" b="0" i="1" smtClean="0">
+                                          <a:latin typeface="Cambria Math" panose="02040503050406030204" pitchFamily="18" charset="0"/>
+                                        </a:rPr>
+                                      </m:ctrlPr>
+                                    </m:sSubPr>
+                                    <m:e>
+                                      <m:r>
+                                        <a:rPr lang="en-US" b="0" i="1" smtClean="0">
+                                          <a:latin typeface="Cambria Math" panose="02040503050406030204" pitchFamily="18" charset="0"/>
+                                        </a:rPr>
+                                        <m:t>𝐴</m:t>
+                                      </m:r>
+                                    </m:e>
+                                    <m:sub>
+                                      <m:r>
+                                        <a:rPr lang="en-US" b="0" i="1" smtClean="0">
+                                          <a:latin typeface="Cambria Math" panose="02040503050406030204" pitchFamily="18" charset="0"/>
+                                        </a:rPr>
+                                        <m:t>𝑡</m:t>
+                                      </m:r>
+                                    </m:sub>
+                                  </m:sSub>
+                                </m:e>
+                              </m:eqArr>
+                            </m:e>
+                          </m:d>
+                          <m:sSub>
+                            <m:sSubPr>
+                              <m:ctrlPr>
+                                <a:rPr lang="en-US" b="0" i="1" smtClean="0">
+                                  <a:latin typeface="Cambria Math" panose="02040503050406030204" pitchFamily="18" charset="0"/>
+                                </a:rPr>
+                              </m:ctrlPr>
+                            </m:sSubPr>
+                            <m:e>
+                              <m:r>
+                                <a:rPr lang="en-US" b="0" i="1" smtClean="0">
+                                  <a:latin typeface="Cambria Math" panose="02040503050406030204" pitchFamily="18" charset="0"/>
+                                </a:rPr>
+                                <m:t>𝑥</m:t>
+                              </m:r>
+                            </m:e>
+                            <m:sub>
+                              <m:r>
+                                <a:rPr lang="en-US" b="0" i="1" smtClean="0">
+                                  <a:latin typeface="Cambria Math" panose="02040503050406030204" pitchFamily="18" charset="0"/>
+                                </a:rPr>
+                                <m:t>𝑡</m:t>
+                              </m:r>
+                              <m:r>
+                                <a:rPr lang="en-US" b="0" i="1" smtClean="0">
+                                  <a:latin typeface="Cambria Math" panose="02040503050406030204" pitchFamily="18" charset="0"/>
+                                </a:rPr>
+                                <m:t>−1</m:t>
+                              </m:r>
+                            </m:sub>
+                          </m:sSub>
+                          <m:r>
+                            <a:rPr lang="en-US" b="0" i="1" smtClean="0">
+                              <a:latin typeface="Cambria Math" panose="02040503050406030204" pitchFamily="18" charset="0"/>
+                            </a:rPr>
+                            <m:t>, </m:t>
+                          </m:r>
+                          <m:d>
+                            <m:dPr>
+                              <m:begChr m:val="["/>
+                              <m:endChr m:val="]"/>
+                              <m:ctrlPr>
+                                <a:rPr lang="en-US" b="0" i="1" smtClean="0">
+                                  <a:latin typeface="Cambria Math" panose="02040503050406030204" pitchFamily="18" charset="0"/>
+                                </a:rPr>
+                              </m:ctrlPr>
+                            </m:dPr>
+                            <m:e>
+                              <m:eqArr>
+                                <m:eqArrPr>
+                                  <m:ctrlPr>
+                                    <a:rPr lang="en-US" b="0" i="1" smtClean="0">
+                                      <a:latin typeface="Cambria Math" panose="02040503050406030204" pitchFamily="18" charset="0"/>
+                                    </a:rPr>
+                                  </m:ctrlPr>
+                                </m:eqArrPr>
+                                <m:e>
+                                  <m:sSub>
+                                    <m:sSubPr>
+                                      <m:ctrlPr>
+                                        <a:rPr lang="en-US" b="0" i="1" smtClean="0">
+                                          <a:latin typeface="Cambria Math" panose="02040503050406030204" pitchFamily="18" charset="0"/>
+                                        </a:rPr>
+                                      </m:ctrlPr>
+                                    </m:sSubPr>
+                                    <m:e>
+                                      <m:r>
+                                        <a:rPr lang="en-US" b="0" i="1" smtClean="0">
+                                          <a:latin typeface="Cambria Math" panose="02040503050406030204" pitchFamily="18" charset="0"/>
+                                        </a:rPr>
+                                        <m:t>𝐵</m:t>
+                                      </m:r>
+                                    </m:e>
+                                    <m:sub>
+                                      <m:r>
+                                        <a:rPr lang="en-US" b="0" i="1" smtClean="0">
+                                          <a:latin typeface="Cambria Math" panose="02040503050406030204" pitchFamily="18" charset="0"/>
+                                        </a:rPr>
+                                        <m:t>𝑡</m:t>
+                                      </m:r>
+                                    </m:sub>
+                                  </m:sSub>
+                                </m:e>
+                                <m:e>
+                                  <m:sSub>
+                                    <m:sSubPr>
+                                      <m:ctrlPr>
+                                        <a:rPr lang="en-US" b="0" i="1" smtClean="0">
+                                          <a:latin typeface="Cambria Math" panose="02040503050406030204" pitchFamily="18" charset="0"/>
+                                        </a:rPr>
+                                      </m:ctrlPr>
+                                    </m:sSubPr>
+                                    <m:e>
+                                      <m:r>
+                                        <a:rPr lang="en-US" b="0" i="1" smtClean="0">
+                                          <a:latin typeface="Cambria Math" panose="02040503050406030204" pitchFamily="18" charset="0"/>
+                                        </a:rPr>
+                                        <m:t>𝐶</m:t>
+                                      </m:r>
+                                    </m:e>
+                                    <m:sub>
+                                      <m:r>
+                                        <a:rPr lang="en-US" b="0" i="1" smtClean="0">
+                                          <a:latin typeface="Cambria Math" panose="02040503050406030204" pitchFamily="18" charset="0"/>
+                                        </a:rPr>
+                                        <m:t>𝑡</m:t>
+                                      </m:r>
+                                    </m:sub>
+                                  </m:sSub>
+                                  <m:sSub>
+                                    <m:sSubPr>
+                                      <m:ctrlPr>
+                                        <a:rPr lang="en-US" b="0" i="1" smtClean="0">
+                                          <a:latin typeface="Cambria Math" panose="02040503050406030204" pitchFamily="18" charset="0"/>
+                                        </a:rPr>
+                                      </m:ctrlPr>
+                                    </m:sSubPr>
+                                    <m:e>
+                                      <m:r>
+                                        <a:rPr lang="en-US" b="0" i="1" smtClean="0">
+                                          <a:latin typeface="Cambria Math" panose="02040503050406030204" pitchFamily="18" charset="0"/>
+                                        </a:rPr>
+                                        <m:t>𝐵</m:t>
+                                      </m:r>
+                                    </m:e>
+                                    <m:sub>
+                                      <m:r>
+                                        <a:rPr lang="en-US" b="0" i="1" smtClean="0">
+                                          <a:latin typeface="Cambria Math" panose="02040503050406030204" pitchFamily="18" charset="0"/>
+                                        </a:rPr>
+                                        <m:t>𝑡</m:t>
+                                      </m:r>
+                                    </m:sub>
+                                  </m:sSub>
+                                  <m:r>
+                                    <a:rPr lang="en-US" b="0" i="1" smtClean="0">
+                                      <a:latin typeface="Cambria Math" panose="02040503050406030204" pitchFamily="18" charset="0"/>
+                                    </a:rPr>
+                                    <m:t>+</m:t>
+                                  </m:r>
+                                  <m:sSub>
+                                    <m:sSubPr>
+                                      <m:ctrlPr>
+                                        <a:rPr lang="en-US" b="0" i="1" smtClean="0">
+                                          <a:latin typeface="Cambria Math" panose="02040503050406030204" pitchFamily="18" charset="0"/>
+                                        </a:rPr>
+                                      </m:ctrlPr>
+                                    </m:sSubPr>
+                                    <m:e>
+                                      <m:r>
+                                        <a:rPr lang="en-US" b="0" i="1" smtClean="0">
+                                          <a:latin typeface="Cambria Math" panose="02040503050406030204" pitchFamily="18" charset="0"/>
+                                        </a:rPr>
+                                        <m:t>𝐷</m:t>
+                                      </m:r>
+                                    </m:e>
+                                    <m:sub>
+                                      <m:r>
+                                        <a:rPr lang="en-US" b="0" i="1" smtClean="0">
+                                          <a:latin typeface="Cambria Math" panose="02040503050406030204" pitchFamily="18" charset="0"/>
+                                        </a:rPr>
+                                        <m:t>𝑡</m:t>
+                                      </m:r>
+                                    </m:sub>
+                                  </m:sSub>
+                                </m:e>
+                              </m:eqArr>
+                            </m:e>
+                          </m:d>
+                          <m:sSup>
+                            <m:sSupPr>
+                              <m:ctrlPr>
+                                <a:rPr lang="en-US" b="0" i="1" smtClean="0">
+                                  <a:latin typeface="Cambria Math" panose="02040503050406030204" pitchFamily="18" charset="0"/>
+                                </a:rPr>
+                              </m:ctrlPr>
+                            </m:sSupPr>
+                            <m:e>
+                              <m:d>
+                                <m:dPr>
+                                  <m:begChr m:val="["/>
+                                  <m:endChr m:val="]"/>
+                                  <m:ctrlPr>
+                                    <a:rPr lang="en-US" b="0" i="1" smtClean="0">
+                                      <a:latin typeface="Cambria Math" panose="02040503050406030204" pitchFamily="18" charset="0"/>
+                                    </a:rPr>
+                                  </m:ctrlPr>
+                                </m:dPr>
+                                <m:e>
+                                  <m:eqArr>
+                                    <m:eqArrPr>
+                                      <m:ctrlPr>
+                                        <a:rPr lang="en-US" b="0" i="1" smtClean="0">
+                                          <a:latin typeface="Cambria Math" panose="02040503050406030204" pitchFamily="18" charset="0"/>
+                                        </a:rPr>
+                                      </m:ctrlPr>
+                                    </m:eqArrPr>
+                                    <m:e>
+                                      <m:sSub>
+                                        <m:sSubPr>
+                                          <m:ctrlPr>
+                                            <a:rPr lang="en-US" b="0" i="1" smtClean="0">
+                                              <a:latin typeface="Cambria Math" panose="02040503050406030204" pitchFamily="18" charset="0"/>
+                                            </a:rPr>
+                                          </m:ctrlPr>
+                                        </m:sSubPr>
+                                        <m:e>
+                                          <m:r>
+                                            <a:rPr lang="en-US" b="0" i="1" smtClean="0">
+                                              <a:latin typeface="Cambria Math" panose="02040503050406030204" pitchFamily="18" charset="0"/>
+                                            </a:rPr>
+                                            <m:t>𝐵</m:t>
+                                          </m:r>
+                                        </m:e>
+                                        <m:sub>
+                                          <m:r>
+                                            <a:rPr lang="en-US" b="0" i="1" smtClean="0">
+                                              <a:latin typeface="Cambria Math" panose="02040503050406030204" pitchFamily="18" charset="0"/>
+                                            </a:rPr>
+                                            <m:t>𝑡</m:t>
+                                          </m:r>
+                                        </m:sub>
+                                      </m:sSub>
+                                    </m:e>
+                                    <m:e>
+                                      <m:sSub>
+                                        <m:sSubPr>
+                                          <m:ctrlPr>
+                                            <a:rPr lang="en-US" b="0" i="1" smtClean="0">
+                                              <a:latin typeface="Cambria Math" panose="02040503050406030204" pitchFamily="18" charset="0"/>
+                                            </a:rPr>
+                                          </m:ctrlPr>
+                                        </m:sSubPr>
+                                        <m:e>
+                                          <m:r>
+                                            <a:rPr lang="en-US" b="0" i="1" smtClean="0">
+                                              <a:latin typeface="Cambria Math" panose="02040503050406030204" pitchFamily="18" charset="0"/>
+                                            </a:rPr>
+                                            <m:t>𝐶</m:t>
+                                          </m:r>
+                                        </m:e>
+                                        <m:sub>
+                                          <m:r>
+                                            <a:rPr lang="en-US" b="0" i="1" smtClean="0">
+                                              <a:latin typeface="Cambria Math" panose="02040503050406030204" pitchFamily="18" charset="0"/>
+                                            </a:rPr>
+                                            <m:t>𝑡</m:t>
+                                          </m:r>
+                                        </m:sub>
+                                      </m:sSub>
+                                      <m:sSub>
+                                        <m:sSubPr>
+                                          <m:ctrlPr>
+                                            <a:rPr lang="en-US" b="0" i="1" smtClean="0">
+                                              <a:latin typeface="Cambria Math" panose="02040503050406030204" pitchFamily="18" charset="0"/>
+                                            </a:rPr>
+                                          </m:ctrlPr>
+                                        </m:sSubPr>
+                                        <m:e>
+                                          <m:r>
+                                            <a:rPr lang="en-US" b="0" i="1" smtClean="0">
+                                              <a:latin typeface="Cambria Math" panose="02040503050406030204" pitchFamily="18" charset="0"/>
+                                            </a:rPr>
+                                            <m:t>𝐵</m:t>
+                                          </m:r>
+                                        </m:e>
+                                        <m:sub>
+                                          <m:r>
+                                            <a:rPr lang="en-US" b="0" i="1" smtClean="0">
+                                              <a:latin typeface="Cambria Math" panose="02040503050406030204" pitchFamily="18" charset="0"/>
+                                            </a:rPr>
+                                            <m:t>𝑡</m:t>
+                                          </m:r>
+                                        </m:sub>
+                                      </m:sSub>
+                                      <m:r>
+                                        <a:rPr lang="en-US" b="0" i="1" smtClean="0">
+                                          <a:latin typeface="Cambria Math" panose="02040503050406030204" pitchFamily="18" charset="0"/>
+                                        </a:rPr>
+                                        <m:t>+</m:t>
+                                      </m:r>
+                                      <m:sSub>
+                                        <m:sSubPr>
+                                          <m:ctrlPr>
+                                            <a:rPr lang="en-US" b="0" i="1" smtClean="0">
+                                              <a:latin typeface="Cambria Math" panose="02040503050406030204" pitchFamily="18" charset="0"/>
+                                            </a:rPr>
+                                          </m:ctrlPr>
+                                        </m:sSubPr>
+                                        <m:e>
+                                          <m:r>
+                                            <a:rPr lang="en-US" b="0" i="1" smtClean="0">
+                                              <a:latin typeface="Cambria Math" panose="02040503050406030204" pitchFamily="18" charset="0"/>
+                                            </a:rPr>
+                                            <m:t>𝐷</m:t>
+                                          </m:r>
+                                        </m:e>
+                                        <m:sub>
+                                          <m:r>
+                                            <a:rPr lang="en-US" b="0" i="1" smtClean="0">
+                                              <a:latin typeface="Cambria Math" panose="02040503050406030204" pitchFamily="18" charset="0"/>
+                                            </a:rPr>
+                                            <m:t>𝑡</m:t>
+                                          </m:r>
+                                        </m:sub>
+                                      </m:sSub>
+                                    </m:e>
+                                  </m:eqArr>
+                                </m:e>
+                              </m:d>
+                            </m:e>
+                            <m:sup>
+                              <m:r>
+                                <a:rPr lang="en-US" b="0" i="1" smtClean="0">
+                                  <a:latin typeface="Cambria Math" panose="02040503050406030204" pitchFamily="18" charset="0"/>
+                                </a:rPr>
+                                <m:t>𝑇</m:t>
+                              </m:r>
+                            </m:sup>
+                          </m:sSup>
+                        </m:e>
+                      </m:d>
+                      <m:r>
+                        <a:rPr lang="en-US" b="0" i="1" smtClean="0">
+                          <a:latin typeface="Cambria Math" panose="02040503050406030204" pitchFamily="18" charset="0"/>
+                        </a:rPr>
+                        <m:t> </m:t>
+                      </m:r>
+                    </m:oMath>
+                  </m:oMathPara>
+                </a14:m>
+                <a:endParaRPr lang="en-US" dirty="0"/>
+              </a:p>
+              <a:p>
+                <a:pPr marL="0" indent="0">
+                  <a:buNone/>
+                </a:pPr>
+                <a14:m>
+                  <m:oMathPara xmlns:m="http://schemas.openxmlformats.org/officeDocument/2006/math">
+                    <m:oMathParaPr>
+                      <m:jc m:val="centerGroup"/>
+                    </m:oMathParaPr>
+                    <m:oMath xmlns:m="http://schemas.openxmlformats.org/officeDocument/2006/math">
+                      <m:r>
+                        <a:rPr lang="en-US" b="0" i="1" smtClean="0">
+                          <a:latin typeface="Cambria Math" panose="02040503050406030204" pitchFamily="18" charset="0"/>
+                        </a:rPr>
+                        <m:t>∀</m:t>
+                      </m:r>
+                      <m:r>
+                        <a:rPr lang="en-US" b="0" i="1" smtClean="0">
+                          <a:latin typeface="Cambria Math" panose="02040503050406030204" pitchFamily="18" charset="0"/>
+                        </a:rPr>
+                        <m:t>𝑡</m:t>
+                      </m:r>
+                      <m:r>
+                        <a:rPr lang="en-US" b="0" i="1" smtClean="0">
+                          <a:latin typeface="Cambria Math" panose="02040503050406030204" pitchFamily="18" charset="0"/>
+                        </a:rPr>
+                        <m:t>∈</m:t>
+                      </m:r>
+                      <m:r>
+                        <a:rPr lang="en-US" b="0" i="1" smtClean="0">
+                          <a:latin typeface="Cambria Math" panose="02040503050406030204" pitchFamily="18" charset="0"/>
+                        </a:rPr>
+                        <m:t>ℕ</m:t>
+                      </m:r>
+                    </m:oMath>
+                  </m:oMathPara>
+                </a14:m>
+                <a:endParaRPr lang="en-IL" dirty="0"/>
+              </a:p>
+            </p:txBody>
+          </p:sp>
+        </mc:Choice>
+        <mc:Fallback xmlns="">
+          <p:sp>
+            <p:nvSpPr>
+              <p:cNvPr id="3" name="Content Placeholder 2">
+                <a:extLst>
+                  <a:ext uri="{FF2B5EF4-FFF2-40B4-BE49-F238E27FC236}">
+                    <a16:creationId xmlns:a16="http://schemas.microsoft.com/office/drawing/2014/main" id="{E2A6D292-3A18-95CC-624E-DBEF53FFDE38}"/>
+                  </a:ext>
+                </a:extLst>
+              </p:cNvPr>
+              <p:cNvSpPr>
+                <a:spLocks noGrp="1" noRot="1" noChangeAspect="1" noMove="1" noResize="1" noEditPoints="1" noAdjustHandles="1" noChangeArrowheads="1" noChangeShapeType="1" noTextEdit="1"/>
+              </p:cNvSpPr>
+              <p:nvPr>
+                <p:ph idx="1"/>
+              </p:nvPr>
+            </p:nvSpPr>
+            <p:spPr>
+              <a:blipFill>
+                <a:blip r:embed="rId2"/>
+                <a:stretch>
+                  <a:fillRect l="-1217" t="-2241"/>
+                </a:stretch>
+              </a:blipFill>
+            </p:spPr>
+            <p:txBody>
+              <a:bodyPr/>
+              <a:lstStyle/>
+              <a:p>
+                <a:r>
+                  <a:rPr lang="en-IL">
+                    <a:noFill/>
+                  </a:rPr>
+                  <a:t> </a:t>
+                </a:r>
+              </a:p>
+            </p:txBody>
+          </p:sp>
+        </mc:Fallback>
+      </mc:AlternateContent>
+    </p:spTree>
+    <p:extLst>
+      <p:ext uri="{BB962C8B-B14F-4D97-AF65-F5344CB8AC3E}">
+        <p14:creationId xmlns:p14="http://schemas.microsoft.com/office/powerpoint/2010/main" val="4109625822"/>
+      </p:ext>
+    </p:extLst>
+  </p:cSld>
+  <p:clrMapOvr>
+    <a:masterClrMapping/>
+  </p:clrMapOvr>
 </p:sld>
 </file>
 

--- a/presentation.pptx
+++ b/presentation.pptx
@@ -8,12 +8,24 @@
     <p:sldId id="256" r:id="rId2"/>
     <p:sldId id="257" r:id="rId3"/>
     <p:sldId id="263" r:id="rId4"/>
-    <p:sldId id="261" r:id="rId5"/>
-    <p:sldId id="262" r:id="rId6"/>
-    <p:sldId id="264" r:id="rId7"/>
-    <p:sldId id="260" r:id="rId8"/>
-    <p:sldId id="258" r:id="rId9"/>
-    <p:sldId id="259" r:id="rId10"/>
+    <p:sldId id="275" r:id="rId5"/>
+    <p:sldId id="261" r:id="rId6"/>
+    <p:sldId id="262" r:id="rId7"/>
+    <p:sldId id="264" r:id="rId8"/>
+    <p:sldId id="266" r:id="rId9"/>
+    <p:sldId id="265" r:id="rId10"/>
+    <p:sldId id="267" r:id="rId11"/>
+    <p:sldId id="268" r:id="rId12"/>
+    <p:sldId id="269" r:id="rId13"/>
+    <p:sldId id="270" r:id="rId14"/>
+    <p:sldId id="271" r:id="rId15"/>
+    <p:sldId id="272" r:id="rId16"/>
+    <p:sldId id="273" r:id="rId17"/>
+    <p:sldId id="274" r:id="rId18"/>
+    <p:sldId id="276" r:id="rId19"/>
+    <p:sldId id="260" r:id="rId20"/>
+    <p:sldId id="258" r:id="rId21"/>
+    <p:sldId id="259" r:id="rId22"/>
   </p:sldIdLst>
   <p:sldSz cx="12192000" cy="6858000"/>
   <p:notesSz cx="6858000" cy="9144000"/>
@@ -269,7 +281,7 @@
           <a:p>
             <a:fld id="{0864CE99-312F-448F-A766-287C79E9A4F1}" type="datetimeFigureOut">
               <a:rPr lang="en-IL" smtClean="0"/>
-              <a:t>21/06/2023</a:t>
+              <a:t>22/06/2023</a:t>
             </a:fld>
             <a:endParaRPr lang="en-IL"/>
           </a:p>
@@ -469,7 +481,7 @@
           <a:p>
             <a:fld id="{0864CE99-312F-448F-A766-287C79E9A4F1}" type="datetimeFigureOut">
               <a:rPr lang="en-IL" smtClean="0"/>
-              <a:t>21/06/2023</a:t>
+              <a:t>22/06/2023</a:t>
             </a:fld>
             <a:endParaRPr lang="en-IL"/>
           </a:p>
@@ -679,7 +691,7 @@
           <a:p>
             <a:fld id="{0864CE99-312F-448F-A766-287C79E9A4F1}" type="datetimeFigureOut">
               <a:rPr lang="en-IL" smtClean="0"/>
-              <a:t>21/06/2023</a:t>
+              <a:t>22/06/2023</a:t>
             </a:fld>
             <a:endParaRPr lang="en-IL"/>
           </a:p>
@@ -879,7 +891,7 @@
           <a:p>
             <a:fld id="{0864CE99-312F-448F-A766-287C79E9A4F1}" type="datetimeFigureOut">
               <a:rPr lang="en-IL" smtClean="0"/>
-              <a:t>21/06/2023</a:t>
+              <a:t>22/06/2023</a:t>
             </a:fld>
             <a:endParaRPr lang="en-IL"/>
           </a:p>
@@ -1155,7 +1167,7 @@
           <a:p>
             <a:fld id="{0864CE99-312F-448F-A766-287C79E9A4F1}" type="datetimeFigureOut">
               <a:rPr lang="en-IL" smtClean="0"/>
-              <a:t>21/06/2023</a:t>
+              <a:t>22/06/2023</a:t>
             </a:fld>
             <a:endParaRPr lang="en-IL"/>
           </a:p>
@@ -1423,7 +1435,7 @@
           <a:p>
             <a:fld id="{0864CE99-312F-448F-A766-287C79E9A4F1}" type="datetimeFigureOut">
               <a:rPr lang="en-IL" smtClean="0"/>
-              <a:t>21/06/2023</a:t>
+              <a:t>22/06/2023</a:t>
             </a:fld>
             <a:endParaRPr lang="en-IL"/>
           </a:p>
@@ -1838,7 +1850,7 @@
           <a:p>
             <a:fld id="{0864CE99-312F-448F-A766-287C79E9A4F1}" type="datetimeFigureOut">
               <a:rPr lang="en-IL" smtClean="0"/>
-              <a:t>21/06/2023</a:t>
+              <a:t>22/06/2023</a:t>
             </a:fld>
             <a:endParaRPr lang="en-IL"/>
           </a:p>
@@ -1980,7 +1992,7 @@
           <a:p>
             <a:fld id="{0864CE99-312F-448F-A766-287C79E9A4F1}" type="datetimeFigureOut">
               <a:rPr lang="en-IL" smtClean="0"/>
-              <a:t>21/06/2023</a:t>
+              <a:t>22/06/2023</a:t>
             </a:fld>
             <a:endParaRPr lang="en-IL"/>
           </a:p>
@@ -2093,7 +2105,7 @@
           <a:p>
             <a:fld id="{0864CE99-312F-448F-A766-287C79E9A4F1}" type="datetimeFigureOut">
               <a:rPr lang="en-IL" smtClean="0"/>
-              <a:t>21/06/2023</a:t>
+              <a:t>22/06/2023</a:t>
             </a:fld>
             <a:endParaRPr lang="en-IL"/>
           </a:p>
@@ -2406,7 +2418,7 @@
           <a:p>
             <a:fld id="{0864CE99-312F-448F-A766-287C79E9A4F1}" type="datetimeFigureOut">
               <a:rPr lang="en-IL" smtClean="0"/>
-              <a:t>21/06/2023</a:t>
+              <a:t>22/06/2023</a:t>
             </a:fld>
             <a:endParaRPr lang="en-IL"/>
           </a:p>
@@ -2695,7 +2707,7 @@
           <a:p>
             <a:fld id="{0864CE99-312F-448F-A766-287C79E9A4F1}" type="datetimeFigureOut">
               <a:rPr lang="en-IL" smtClean="0"/>
-              <a:t>21/06/2023</a:t>
+              <a:t>22/06/2023</a:t>
             </a:fld>
             <a:endParaRPr lang="en-IL"/>
           </a:p>
@@ -2938,7 +2950,7 @@
           <a:p>
             <a:fld id="{0864CE99-312F-448F-A766-287C79E9A4F1}" type="datetimeFigureOut">
               <a:rPr lang="en-IL" smtClean="0"/>
-              <a:t>21/06/2023</a:t>
+              <a:t>22/06/2023</a:t>
             </a:fld>
             <a:endParaRPr lang="en-IL"/>
           </a:p>
@@ -3426,6 +3438,2945 @@
 </p:sld>
 </file>
 
+<file path=ppt/slides/slide10.xml><?xml version="1.0" encoding="utf-8"?>
+<p:sld xmlns:a="http://schemas.openxmlformats.org/drawingml/2006/main" xmlns:r="http://schemas.openxmlformats.org/officeDocument/2006/relationships" xmlns:p="http://schemas.openxmlformats.org/presentationml/2006/main">
+  <p:cSld>
+    <p:spTree>
+      <p:nvGrpSpPr>
+        <p:cNvPr id="1" name=""/>
+        <p:cNvGrpSpPr/>
+        <p:nvPr/>
+      </p:nvGrpSpPr>
+      <p:grpSpPr>
+        <a:xfrm>
+          <a:off x="0" y="0"/>
+          <a:ext cx="0" cy="0"/>
+          <a:chOff x="0" y="0"/>
+          <a:chExt cx="0" cy="0"/>
+        </a:xfrm>
+      </p:grpSpPr>
+      <p:sp>
+        <p:nvSpPr>
+          <p:cNvPr id="2" name="Title 1">
+            <a:extLst>
+              <a:ext uri="{FF2B5EF4-FFF2-40B4-BE49-F238E27FC236}">
+                <a16:creationId xmlns:a16="http://schemas.microsoft.com/office/drawing/2014/main" id="{317D394E-698C-19AF-7706-BF15D71EF20E}"/>
+              </a:ext>
+            </a:extLst>
+          </p:cNvPr>
+          <p:cNvSpPr>
+            <a:spLocks noGrp="1"/>
+          </p:cNvSpPr>
+          <p:nvPr>
+            <p:ph type="title"/>
+          </p:nvPr>
+        </p:nvSpPr>
+        <p:spPr/>
+        <p:txBody>
+          <a:bodyPr/>
+          <a:lstStyle/>
+          <a:p>
+            <a:r>
+              <a:rPr lang="en-US" dirty="0"/>
+              <a:t>So now we know what to do</a:t>
+            </a:r>
+            <a:endParaRPr lang="en-IL" dirty="0"/>
+          </a:p>
+        </p:txBody>
+      </p:sp>
+      <p:pic>
+        <p:nvPicPr>
+          <p:cNvPr id="2050" name="Picture 2" descr="Man Thumbs Up Images - Free Download on Freepik">
+            <a:extLst>
+              <a:ext uri="{FF2B5EF4-FFF2-40B4-BE49-F238E27FC236}">
+                <a16:creationId xmlns:a16="http://schemas.microsoft.com/office/drawing/2014/main" id="{D0040FD8-7DE0-735F-E370-531747ABCF29}"/>
+              </a:ext>
+            </a:extLst>
+          </p:cNvPr>
+          <p:cNvPicPr>
+            <a:picLocks noGrp="1" noChangeAspect="1" noChangeArrowheads="1"/>
+          </p:cNvPicPr>
+          <p:nvPr>
+            <p:ph idx="1"/>
+          </p:nvPr>
+        </p:nvPicPr>
+        <p:blipFill>
+          <a:blip r:embed="rId2">
+            <a:extLst>
+              <a:ext uri="{28A0092B-C50C-407E-A947-70E740481C1C}">
+                <a14:useLocalDpi xmlns:a14="http://schemas.microsoft.com/office/drawing/2010/main" val="0"/>
+              </a:ext>
+            </a:extLst>
+          </a:blip>
+          <a:srcRect/>
+          <a:stretch>
+            <a:fillRect/>
+          </a:stretch>
+        </p:blipFill>
+        <p:spPr bwMode="auto">
+          <a:xfrm>
+            <a:off x="3920331" y="1690688"/>
+            <a:ext cx="4351338" cy="4351338"/>
+          </a:xfrm>
+          <a:prstGeom prst="rect">
+            <a:avLst/>
+          </a:prstGeom>
+          <a:noFill/>
+          <a:extLst>
+            <a:ext uri="{909E8E84-426E-40DD-AFC4-6F175D3DCCD1}">
+              <a14:hiddenFill xmlns:a14="http://schemas.microsoft.com/office/drawing/2010/main">
+                <a:solidFill>
+                  <a:srgbClr val="FFFFFF"/>
+                </a:solidFill>
+              </a14:hiddenFill>
+            </a:ext>
+          </a:extLst>
+        </p:spPr>
+      </p:pic>
+    </p:spTree>
+    <p:extLst>
+      <p:ext uri="{BB962C8B-B14F-4D97-AF65-F5344CB8AC3E}">
+        <p14:creationId xmlns:p14="http://schemas.microsoft.com/office/powerpoint/2010/main" val="702872749"/>
+      </p:ext>
+    </p:extLst>
+  </p:cSld>
+  <p:clrMapOvr>
+    <a:masterClrMapping/>
+  </p:clrMapOvr>
+</p:sld>
+</file>
+
+<file path=ppt/slides/slide11.xml><?xml version="1.0" encoding="utf-8"?>
+<p:sld xmlns:a="http://schemas.openxmlformats.org/drawingml/2006/main" xmlns:r="http://schemas.openxmlformats.org/officeDocument/2006/relationships" xmlns:p="http://schemas.openxmlformats.org/presentationml/2006/main">
+  <p:cSld>
+    <p:spTree>
+      <p:nvGrpSpPr>
+        <p:cNvPr id="1" name=""/>
+        <p:cNvGrpSpPr/>
+        <p:nvPr/>
+      </p:nvGrpSpPr>
+      <p:grpSpPr>
+        <a:xfrm>
+          <a:off x="0" y="0"/>
+          <a:ext cx="0" cy="0"/>
+          <a:chOff x="0" y="0"/>
+          <a:chExt cx="0" cy="0"/>
+        </a:xfrm>
+      </p:grpSpPr>
+      <p:sp>
+        <p:nvSpPr>
+          <p:cNvPr id="2" name="Title 1">
+            <a:extLst>
+              <a:ext uri="{FF2B5EF4-FFF2-40B4-BE49-F238E27FC236}">
+                <a16:creationId xmlns:a16="http://schemas.microsoft.com/office/drawing/2014/main" id="{D769C330-9B67-1779-EF72-085414484BE7}"/>
+              </a:ext>
+            </a:extLst>
+          </p:cNvPr>
+          <p:cNvSpPr>
+            <a:spLocks noGrp="1"/>
+          </p:cNvSpPr>
+          <p:nvPr>
+            <p:ph type="title"/>
+          </p:nvPr>
+        </p:nvSpPr>
+        <p:spPr/>
+        <p:txBody>
+          <a:bodyPr/>
+          <a:lstStyle/>
+          <a:p>
+            <a:r>
+              <a:rPr lang="en-US" dirty="0"/>
+              <a:t>But there is a long way</a:t>
+            </a:r>
+            <a:endParaRPr lang="en-IL" dirty="0"/>
+          </a:p>
+        </p:txBody>
+      </p:sp>
+      <p:pic>
+        <p:nvPicPr>
+          <p:cNvPr id="3074" name="Picture 2" descr="Aerial View Of Beautiful Steep Curved Road On The High Mountain In Nan  Province Thailand Stock Photo - Download Image Now - iStock">
+            <a:extLst>
+              <a:ext uri="{FF2B5EF4-FFF2-40B4-BE49-F238E27FC236}">
+                <a16:creationId xmlns:a16="http://schemas.microsoft.com/office/drawing/2014/main" id="{D5E28B37-3E15-CD1B-5B7C-43118C4F5D19}"/>
+              </a:ext>
+            </a:extLst>
+          </p:cNvPr>
+          <p:cNvPicPr>
+            <a:picLocks noGrp="1" noChangeAspect="1" noChangeArrowheads="1"/>
+          </p:cNvPicPr>
+          <p:nvPr>
+            <p:ph idx="1"/>
+          </p:nvPr>
+        </p:nvPicPr>
+        <p:blipFill>
+          <a:blip r:embed="rId2">
+            <a:extLst>
+              <a:ext uri="{28A0092B-C50C-407E-A947-70E740481C1C}">
+                <a14:useLocalDpi xmlns:a14="http://schemas.microsoft.com/office/drawing/2010/main" val="0"/>
+              </a:ext>
+            </a:extLst>
+          </a:blip>
+          <a:srcRect/>
+          <a:stretch>
+            <a:fillRect/>
+          </a:stretch>
+        </p:blipFill>
+        <p:spPr bwMode="auto">
+          <a:xfrm>
+            <a:off x="3591184" y="1690688"/>
+            <a:ext cx="5953869" cy="4572416"/>
+          </a:xfrm>
+          <a:prstGeom prst="rect">
+            <a:avLst/>
+          </a:prstGeom>
+          <a:noFill/>
+          <a:extLst>
+            <a:ext uri="{909E8E84-426E-40DD-AFC4-6F175D3DCCD1}">
+              <a14:hiddenFill xmlns:a14="http://schemas.microsoft.com/office/drawing/2010/main">
+                <a:solidFill>
+                  <a:srgbClr val="FFFFFF"/>
+                </a:solidFill>
+              </a14:hiddenFill>
+            </a:ext>
+          </a:extLst>
+        </p:spPr>
+      </p:pic>
+    </p:spTree>
+    <p:extLst>
+      <p:ext uri="{BB962C8B-B14F-4D97-AF65-F5344CB8AC3E}">
+        <p14:creationId xmlns:p14="http://schemas.microsoft.com/office/powerpoint/2010/main" val="1297395385"/>
+      </p:ext>
+    </p:extLst>
+  </p:cSld>
+  <p:clrMapOvr>
+    <a:masterClrMapping/>
+  </p:clrMapOvr>
+</p:sld>
+</file>
+
+<file path=ppt/slides/slide12.xml><?xml version="1.0" encoding="utf-8"?>
+<p:sld xmlns:a="http://schemas.openxmlformats.org/drawingml/2006/main" xmlns:r="http://schemas.openxmlformats.org/officeDocument/2006/relationships" xmlns:p="http://schemas.openxmlformats.org/presentationml/2006/main">
+  <p:cSld>
+    <p:spTree>
+      <p:nvGrpSpPr>
+        <p:cNvPr id="1" name=""/>
+        <p:cNvGrpSpPr/>
+        <p:nvPr/>
+      </p:nvGrpSpPr>
+      <p:grpSpPr>
+        <a:xfrm>
+          <a:off x="0" y="0"/>
+          <a:ext cx="0" cy="0"/>
+          <a:chOff x="0" y="0"/>
+          <a:chExt cx="0" cy="0"/>
+        </a:xfrm>
+      </p:grpSpPr>
+      <p:sp>
+        <p:nvSpPr>
+          <p:cNvPr id="2" name="Title 1">
+            <a:extLst>
+              <a:ext uri="{FF2B5EF4-FFF2-40B4-BE49-F238E27FC236}">
+                <a16:creationId xmlns:a16="http://schemas.microsoft.com/office/drawing/2014/main" id="{032B1148-5A74-0C24-38B1-9CA1E49B1E9E}"/>
+              </a:ext>
+            </a:extLst>
+          </p:cNvPr>
+          <p:cNvSpPr>
+            <a:spLocks noGrp="1"/>
+          </p:cNvSpPr>
+          <p:nvPr>
+            <p:ph type="title"/>
+          </p:nvPr>
+        </p:nvSpPr>
+        <p:spPr/>
+        <p:txBody>
+          <a:bodyPr/>
+          <a:lstStyle/>
+          <a:p>
+            <a:r>
+              <a:rPr lang="en-US" dirty="0"/>
+              <a:t>Definitions</a:t>
+            </a:r>
+            <a:endParaRPr lang="en-IL" dirty="0"/>
+          </a:p>
+        </p:txBody>
+      </p:sp>
+      <mc:AlternateContent xmlns:mc="http://schemas.openxmlformats.org/markup-compatibility/2006">
+        <mc:Choice xmlns:a14="http://schemas.microsoft.com/office/drawing/2010/main" Requires="a14">
+          <p:sp>
+            <p:nvSpPr>
+              <p:cNvPr id="3" name="Content Placeholder 2">
+                <a:extLst>
+                  <a:ext uri="{FF2B5EF4-FFF2-40B4-BE49-F238E27FC236}">
+                    <a16:creationId xmlns:a16="http://schemas.microsoft.com/office/drawing/2014/main" id="{B3218347-8FD8-47CA-193E-6EEA0890523C}"/>
+                  </a:ext>
+                </a:extLst>
+              </p:cNvPr>
+              <p:cNvSpPr>
+                <a:spLocks noGrp="1"/>
+              </p:cNvSpPr>
+              <p:nvPr>
+                <p:ph idx="1"/>
+              </p:nvPr>
+            </p:nvSpPr>
+            <p:spPr/>
+            <p:txBody>
+              <a:bodyPr/>
+              <a:lstStyle/>
+              <a:p>
+                <a:pPr marL="0" indent="0">
+                  <a:buNone/>
+                </a:pPr>
+                <a:r>
+                  <a:rPr lang="en-US" dirty="0"/>
+                  <a:t>Denote </a:t>
+                </a:r>
+              </a:p>
+              <a:p>
+                <a:pPr marL="0" indent="0">
+                  <a:buNone/>
+                </a:pPr>
+                <a:endParaRPr lang="en-US" dirty="0"/>
+              </a:p>
+              <a:p>
+                <a:pPr marL="0" indent="0">
+                  <a:buNone/>
+                </a:pPr>
+                <a14:m>
+                  <m:oMathPara xmlns:m="http://schemas.openxmlformats.org/officeDocument/2006/math">
+                    <m:oMathParaPr>
+                      <m:jc m:val="centerGroup"/>
+                    </m:oMathParaPr>
+                    <m:oMath xmlns:m="http://schemas.openxmlformats.org/officeDocument/2006/math">
+                      <m:r>
+                        <a:rPr lang="en-US" b="0" i="1" smtClean="0">
+                          <a:latin typeface="Cambria Math" panose="02040503050406030204" pitchFamily="18" charset="0"/>
+                        </a:rPr>
+                        <m:t>𝑓</m:t>
+                      </m:r>
+                      <m:d>
+                        <m:dPr>
+                          <m:ctrlPr>
+                            <a:rPr lang="en-US" b="0" i="1" smtClean="0">
+                              <a:latin typeface="Cambria Math" panose="02040503050406030204" pitchFamily="18" charset="0"/>
+                            </a:rPr>
+                          </m:ctrlPr>
+                        </m:dPr>
+                        <m:e>
+                          <m:r>
+                            <a:rPr lang="en-US" b="0" i="1" smtClean="0">
+                              <a:latin typeface="Cambria Math" panose="02040503050406030204" pitchFamily="18" charset="0"/>
+                            </a:rPr>
+                            <m:t>𝑆</m:t>
+                          </m:r>
+                        </m:e>
+                      </m:d>
+                      <m:limUpp>
+                        <m:limUppPr>
+                          <m:ctrlPr>
+                            <a:rPr lang="en-US" b="0" i="1" smtClean="0">
+                              <a:latin typeface="Cambria Math" panose="02040503050406030204" pitchFamily="18" charset="0"/>
+                            </a:rPr>
+                          </m:ctrlPr>
+                        </m:limUppPr>
+                        <m:e>
+                          <m:r>
+                            <a:rPr lang="en-US" b="0" i="1" smtClean="0">
+                              <a:latin typeface="Cambria Math" panose="02040503050406030204" pitchFamily="18" charset="0"/>
+                            </a:rPr>
+                            <m:t>=</m:t>
+                          </m:r>
+                        </m:e>
+                        <m:lim>
+                          <m:r>
+                            <m:rPr>
+                              <m:sty m:val="p"/>
+                            </m:rPr>
+                            <a:rPr lang="en-US" b="0" i="0" smtClean="0">
+                              <a:latin typeface="Cambria Math" panose="02040503050406030204" pitchFamily="18" charset="0"/>
+                            </a:rPr>
+                            <m:t>Δ</m:t>
+                          </m:r>
+                        </m:lim>
+                      </m:limUpp>
+                      <m:r>
+                        <m:rPr>
+                          <m:sty m:val="p"/>
+                        </m:rPr>
+                        <a:rPr lang="en-US" b="0" i="1" smtClean="0">
+                          <a:latin typeface="Cambria Math" panose="02040503050406030204" pitchFamily="18" charset="0"/>
+                        </a:rPr>
+                        <m:t>Tr</m:t>
+                      </m:r>
+                      <m:d>
+                        <m:dPr>
+                          <m:begChr m:val="["/>
+                          <m:endChr m:val="]"/>
+                          <m:ctrlPr>
+                            <a:rPr lang="en-US" b="0" i="1" smtClean="0">
+                              <a:latin typeface="Cambria Math" panose="02040503050406030204" pitchFamily="18" charset="0"/>
+                            </a:rPr>
+                          </m:ctrlPr>
+                        </m:dPr>
+                        <m:e>
+                          <m:sSub>
+                            <m:sSubPr>
+                              <m:ctrlPr>
+                                <a:rPr lang="en-US" b="0" i="1" smtClean="0">
+                                  <a:latin typeface="Cambria Math" panose="02040503050406030204" pitchFamily="18" charset="0"/>
+                                </a:rPr>
+                              </m:ctrlPr>
+                            </m:sSubPr>
+                            <m:e>
+                              <m:r>
+                                <a:rPr lang="en-US" b="0" i="1" smtClean="0">
+                                  <a:latin typeface="Cambria Math" panose="02040503050406030204" pitchFamily="18" charset="0"/>
+                                </a:rPr>
+                                <m:t>𝑆</m:t>
+                              </m:r>
+                            </m:e>
+                            <m:sub>
+                              <m:r>
+                                <a:rPr lang="en-US" b="0" i="1" smtClean="0">
+                                  <a:latin typeface="Cambria Math" panose="02040503050406030204" pitchFamily="18" charset="0"/>
+                                </a:rPr>
+                                <m:t>𝑥𝑥</m:t>
+                              </m:r>
+                            </m:sub>
+                          </m:sSub>
+                          <m:r>
+                            <a:rPr lang="en-US" b="0" i="1" smtClean="0">
+                              <a:latin typeface="Cambria Math" panose="02040503050406030204" pitchFamily="18" charset="0"/>
+                            </a:rPr>
+                            <m:t>−</m:t>
+                          </m:r>
+                          <m:sSub>
+                            <m:sSubPr>
+                              <m:ctrlPr>
+                                <a:rPr lang="en-US" b="0" i="1" smtClean="0">
+                                  <a:latin typeface="Cambria Math" panose="02040503050406030204" pitchFamily="18" charset="0"/>
+                                </a:rPr>
+                              </m:ctrlPr>
+                            </m:sSubPr>
+                            <m:e>
+                              <m:r>
+                                <a:rPr lang="en-US" b="0" i="1" smtClean="0">
+                                  <a:latin typeface="Cambria Math" panose="02040503050406030204" pitchFamily="18" charset="0"/>
+                                </a:rPr>
+                                <m:t>𝑆</m:t>
+                              </m:r>
+                            </m:e>
+                            <m:sub>
+                              <m:r>
+                                <a:rPr lang="en-US" b="0" i="1" smtClean="0">
+                                  <a:latin typeface="Cambria Math" panose="02040503050406030204" pitchFamily="18" charset="0"/>
+                                </a:rPr>
+                                <m:t>𝑥𝑦</m:t>
+                              </m:r>
+                            </m:sub>
+                          </m:sSub>
+                          <m:sSubSup>
+                            <m:sSubSupPr>
+                              <m:ctrlPr>
+                                <a:rPr lang="en-US" b="0" i="1" smtClean="0">
+                                  <a:latin typeface="Cambria Math" panose="02040503050406030204" pitchFamily="18" charset="0"/>
+                                </a:rPr>
+                              </m:ctrlPr>
+                            </m:sSubSupPr>
+                            <m:e>
+                              <m:r>
+                                <a:rPr lang="en-US" b="0" i="1" smtClean="0">
+                                  <a:latin typeface="Cambria Math" panose="02040503050406030204" pitchFamily="18" charset="0"/>
+                                </a:rPr>
+                                <m:t>𝑆</m:t>
+                              </m:r>
+                            </m:e>
+                            <m:sub>
+                              <m:r>
+                                <a:rPr lang="en-US" b="0" i="1" smtClean="0">
+                                  <a:latin typeface="Cambria Math" panose="02040503050406030204" pitchFamily="18" charset="0"/>
+                                </a:rPr>
+                                <m:t>𝑦𝑦</m:t>
+                              </m:r>
+                            </m:sub>
+                            <m:sup>
+                              <m:r>
+                                <a:rPr lang="en-US" b="0" i="1" smtClean="0">
+                                  <a:latin typeface="Cambria Math" panose="02040503050406030204" pitchFamily="18" charset="0"/>
+                                </a:rPr>
+                                <m:t>−1</m:t>
+                              </m:r>
+                            </m:sup>
+                          </m:sSubSup>
+                          <m:sSub>
+                            <m:sSubPr>
+                              <m:ctrlPr>
+                                <a:rPr lang="en-US" b="0" i="1" smtClean="0">
+                                  <a:latin typeface="Cambria Math" panose="02040503050406030204" pitchFamily="18" charset="0"/>
+                                </a:rPr>
+                              </m:ctrlPr>
+                            </m:sSubPr>
+                            <m:e>
+                              <m:r>
+                                <a:rPr lang="en-US" b="0" i="1" smtClean="0">
+                                  <a:latin typeface="Cambria Math" panose="02040503050406030204" pitchFamily="18" charset="0"/>
+                                </a:rPr>
+                                <m:t>𝑆</m:t>
+                              </m:r>
+                            </m:e>
+                            <m:sub>
+                              <m:r>
+                                <a:rPr lang="en-US" b="0" i="1" smtClean="0">
+                                  <a:latin typeface="Cambria Math" panose="02040503050406030204" pitchFamily="18" charset="0"/>
+                                </a:rPr>
+                                <m:t>𝑦𝑥</m:t>
+                              </m:r>
+                            </m:sub>
+                          </m:sSub>
+                        </m:e>
+                      </m:d>
+                    </m:oMath>
+                  </m:oMathPara>
+                </a14:m>
+                <a:endParaRPr lang="en-US" dirty="0"/>
+              </a:p>
+              <a:p>
+                <a:pPr marL="0" indent="0">
+                  <a:buNone/>
+                </a:pPr>
+                <a:endParaRPr lang="en-IL" dirty="0"/>
+              </a:p>
+            </p:txBody>
+          </p:sp>
+        </mc:Choice>
+        <mc:Fallback>
+          <p:sp>
+            <p:nvSpPr>
+              <p:cNvPr id="3" name="Content Placeholder 2">
+                <a:extLst>
+                  <a:ext uri="{FF2B5EF4-FFF2-40B4-BE49-F238E27FC236}">
+                    <a16:creationId xmlns:a16="http://schemas.microsoft.com/office/drawing/2014/main" id="{B3218347-8FD8-47CA-193E-6EEA0890523C}"/>
+                  </a:ext>
+                </a:extLst>
+              </p:cNvPr>
+              <p:cNvSpPr>
+                <a:spLocks noGrp="1" noRot="1" noChangeAspect="1" noMove="1" noResize="1" noEditPoints="1" noAdjustHandles="1" noChangeArrowheads="1" noChangeShapeType="1" noTextEdit="1"/>
+              </p:cNvSpPr>
+              <p:nvPr>
+                <p:ph idx="1"/>
+              </p:nvPr>
+            </p:nvSpPr>
+            <p:spPr>
+              <a:blipFill>
+                <a:blip r:embed="rId2"/>
+                <a:stretch>
+                  <a:fillRect l="-1217" t="-2241"/>
+                </a:stretch>
+              </a:blipFill>
+            </p:spPr>
+            <p:txBody>
+              <a:bodyPr/>
+              <a:lstStyle/>
+              <a:p>
+                <a:r>
+                  <a:rPr lang="en-IL">
+                    <a:noFill/>
+                  </a:rPr>
+                  <a:t> </a:t>
+                </a:r>
+              </a:p>
+            </p:txBody>
+          </p:sp>
+        </mc:Fallback>
+      </mc:AlternateContent>
+    </p:spTree>
+    <p:extLst>
+      <p:ext uri="{BB962C8B-B14F-4D97-AF65-F5344CB8AC3E}">
+        <p14:creationId xmlns:p14="http://schemas.microsoft.com/office/powerpoint/2010/main" val="321351650"/>
+      </p:ext>
+    </p:extLst>
+  </p:cSld>
+  <p:clrMapOvr>
+    <a:masterClrMapping/>
+  </p:clrMapOvr>
+</p:sld>
+</file>
+
+<file path=ppt/slides/slide13.xml><?xml version="1.0" encoding="utf-8"?>
+<p:sld xmlns:a="http://schemas.openxmlformats.org/drawingml/2006/main" xmlns:r="http://schemas.openxmlformats.org/officeDocument/2006/relationships" xmlns:p="http://schemas.openxmlformats.org/presentationml/2006/main">
+  <p:cSld>
+    <p:spTree>
+      <p:nvGrpSpPr>
+        <p:cNvPr id="1" name=""/>
+        <p:cNvGrpSpPr/>
+        <p:nvPr/>
+      </p:nvGrpSpPr>
+      <p:grpSpPr>
+        <a:xfrm>
+          <a:off x="0" y="0"/>
+          <a:ext cx="0" cy="0"/>
+          <a:chOff x="0" y="0"/>
+          <a:chExt cx="0" cy="0"/>
+        </a:xfrm>
+      </p:grpSpPr>
+      <p:sp>
+        <p:nvSpPr>
+          <p:cNvPr id="2" name="Title 1">
+            <a:extLst>
+              <a:ext uri="{FF2B5EF4-FFF2-40B4-BE49-F238E27FC236}">
+                <a16:creationId xmlns:a16="http://schemas.microsoft.com/office/drawing/2014/main" id="{011C8B8B-A8F3-501E-9889-7D3C91096FAF}"/>
+              </a:ext>
+            </a:extLst>
+          </p:cNvPr>
+          <p:cNvSpPr>
+            <a:spLocks noGrp="1"/>
+          </p:cNvSpPr>
+          <p:nvPr>
+            <p:ph type="title"/>
+          </p:nvPr>
+        </p:nvSpPr>
+        <p:spPr/>
+        <p:txBody>
+          <a:bodyPr/>
+          <a:lstStyle/>
+          <a:p>
+            <a:r>
+              <a:rPr lang="en-US" dirty="0"/>
+              <a:t>Definitions</a:t>
+            </a:r>
+            <a:endParaRPr lang="en-IL" dirty="0"/>
+          </a:p>
+        </p:txBody>
+      </p:sp>
+      <mc:AlternateContent xmlns:mc="http://schemas.openxmlformats.org/markup-compatibility/2006">
+        <mc:Choice xmlns:a14="http://schemas.microsoft.com/office/drawing/2010/main" Requires="a14">
+          <p:sp>
+            <p:nvSpPr>
+              <p:cNvPr id="3" name="Content Placeholder 2">
+                <a:extLst>
+                  <a:ext uri="{FF2B5EF4-FFF2-40B4-BE49-F238E27FC236}">
+                    <a16:creationId xmlns:a16="http://schemas.microsoft.com/office/drawing/2014/main" id="{173ABF53-75C7-36C6-E143-EFCF9B2CAACF}"/>
+                  </a:ext>
+                </a:extLst>
+              </p:cNvPr>
+              <p:cNvSpPr>
+                <a:spLocks noGrp="1"/>
+              </p:cNvSpPr>
+              <p:nvPr>
+                <p:ph idx="1"/>
+              </p:nvPr>
+            </p:nvSpPr>
+            <p:spPr/>
+            <p:txBody>
+              <a:bodyPr/>
+              <a:lstStyle/>
+              <a:p>
+                <a:pPr marL="0" indent="0">
+                  <a:buNone/>
+                </a:pPr>
+                <a:r>
+                  <a:rPr lang="en-US" dirty="0"/>
+                  <a:t>A function </a:t>
+                </a:r>
+                <a14:m>
+                  <m:oMath xmlns:m="http://schemas.openxmlformats.org/officeDocument/2006/math">
+                    <m:r>
+                      <a:rPr lang="en-US" i="1" smtClean="0">
+                        <a:latin typeface="Cambria Math" panose="02040503050406030204" pitchFamily="18" charset="0"/>
+                        <a:ea typeface="Cambria Math" panose="02040503050406030204" pitchFamily="18" charset="0"/>
+                      </a:rPr>
+                      <m:t>𝜑</m:t>
+                    </m:r>
+                    <m:r>
+                      <a:rPr lang="en-US" b="0" i="1" smtClean="0">
+                        <a:latin typeface="Cambria Math" panose="02040503050406030204" pitchFamily="18" charset="0"/>
+                        <a:ea typeface="Cambria Math" panose="02040503050406030204" pitchFamily="18" charset="0"/>
+                      </a:rPr>
+                      <m:t>:</m:t>
+                    </m:r>
+                    <m:sSubSup>
+                      <m:sSubSupPr>
+                        <m:ctrlPr>
+                          <a:rPr lang="en-US" b="0" i="1" smtClean="0">
+                            <a:latin typeface="Cambria Math" panose="02040503050406030204" pitchFamily="18" charset="0"/>
+                            <a:ea typeface="Cambria Math" panose="02040503050406030204" pitchFamily="18" charset="0"/>
+                          </a:rPr>
+                        </m:ctrlPr>
+                      </m:sSubSupPr>
+                      <m:e>
+                        <m:r>
+                          <a:rPr lang="en-US" b="0" i="1" smtClean="0">
+                            <a:latin typeface="Cambria Math" panose="02040503050406030204" pitchFamily="18" charset="0"/>
+                            <a:ea typeface="Cambria Math" panose="02040503050406030204" pitchFamily="18" charset="0"/>
+                          </a:rPr>
+                          <m:t>𝑆</m:t>
+                        </m:r>
+                      </m:e>
+                      <m:sub>
+                        <m:r>
+                          <a:rPr lang="en-US" b="0" i="1" smtClean="0">
+                            <a:latin typeface="Cambria Math" panose="02040503050406030204" pitchFamily="18" charset="0"/>
+                            <a:ea typeface="Cambria Math" panose="02040503050406030204" pitchFamily="18" charset="0"/>
+                          </a:rPr>
+                          <m:t>+</m:t>
+                        </m:r>
+                      </m:sub>
+                      <m:sup>
+                        <m:r>
+                          <a:rPr lang="en-US" b="0" i="1" smtClean="0">
+                            <a:latin typeface="Cambria Math" panose="02040503050406030204" pitchFamily="18" charset="0"/>
+                            <a:ea typeface="Cambria Math" panose="02040503050406030204" pitchFamily="18" charset="0"/>
+                          </a:rPr>
+                          <m:t>𝑑</m:t>
+                        </m:r>
+                      </m:sup>
+                    </m:sSubSup>
+                    <m:r>
+                      <a:rPr lang="en-US" b="0" i="1" smtClean="0">
+                        <a:latin typeface="Cambria Math" panose="02040503050406030204" pitchFamily="18" charset="0"/>
+                        <a:ea typeface="Cambria Math" panose="02040503050406030204" pitchFamily="18" charset="0"/>
+                      </a:rPr>
+                      <m:t>→</m:t>
+                    </m:r>
+                    <m:sSub>
+                      <m:sSubPr>
+                        <m:ctrlPr>
+                          <a:rPr lang="en-US" b="0" i="1" smtClean="0">
+                            <a:latin typeface="Cambria Math" panose="02040503050406030204" pitchFamily="18" charset="0"/>
+                            <a:ea typeface="Cambria Math" panose="02040503050406030204" pitchFamily="18" charset="0"/>
+                          </a:rPr>
+                        </m:ctrlPr>
+                      </m:sSubPr>
+                      <m:e>
+                        <m:r>
+                          <a:rPr lang="en-US" b="0" i="1" smtClean="0">
+                            <a:latin typeface="Cambria Math" panose="02040503050406030204" pitchFamily="18" charset="0"/>
+                            <a:ea typeface="Cambria Math" panose="02040503050406030204" pitchFamily="18" charset="0"/>
+                          </a:rPr>
+                          <m:t>𝑅</m:t>
+                        </m:r>
+                      </m:e>
+                      <m:sub>
+                        <m:r>
+                          <a:rPr lang="en-US" b="0" i="1" smtClean="0">
+                            <a:latin typeface="Cambria Math" panose="02040503050406030204" pitchFamily="18" charset="0"/>
+                            <a:ea typeface="Cambria Math" panose="02040503050406030204" pitchFamily="18" charset="0"/>
+                          </a:rPr>
+                          <m:t>+</m:t>
+                        </m:r>
+                      </m:sub>
+                    </m:sSub>
+                  </m:oMath>
+                </a14:m>
+                <a:r>
+                  <a:rPr lang="en-US" dirty="0"/>
+                  <a:t> has a unit total elasticity if </a:t>
+                </a:r>
+              </a:p>
+              <a:p>
+                <a:pPr marL="0" indent="0">
+                  <a:buNone/>
+                </a:pPr>
+                <a14:m>
+                  <m:oMathPara xmlns:m="http://schemas.openxmlformats.org/officeDocument/2006/math">
+                    <m:oMathParaPr>
+                      <m:jc m:val="centerGroup"/>
+                    </m:oMathParaPr>
+                    <m:oMath xmlns:m="http://schemas.openxmlformats.org/officeDocument/2006/math">
+                      <m:r>
+                        <a:rPr lang="en-US" b="0" i="1" smtClean="0">
+                          <a:latin typeface="Cambria Math" panose="02040503050406030204" pitchFamily="18" charset="0"/>
+                        </a:rPr>
+                        <m:t>𝜑</m:t>
+                      </m:r>
+                      <m:d>
+                        <m:dPr>
+                          <m:ctrlPr>
+                            <a:rPr lang="en-US" b="0" i="1" smtClean="0">
+                              <a:latin typeface="Cambria Math" panose="02040503050406030204" pitchFamily="18" charset="0"/>
+                            </a:rPr>
+                          </m:ctrlPr>
+                        </m:dPr>
+                        <m:e>
+                          <m:r>
+                            <a:rPr lang="en-US" b="0" i="1" smtClean="0">
+                              <a:latin typeface="Cambria Math" panose="02040503050406030204" pitchFamily="18" charset="0"/>
+                            </a:rPr>
+                            <m:t>𝑆</m:t>
+                          </m:r>
+                        </m:e>
+                      </m:d>
+                      <m:r>
+                        <a:rPr lang="en-US" b="0" i="1" smtClean="0">
+                          <a:latin typeface="Cambria Math" panose="02040503050406030204" pitchFamily="18" charset="0"/>
+                        </a:rPr>
+                        <m:t>= </m:t>
+                      </m:r>
+                      <m:d>
+                        <m:dPr>
+                          <m:begChr m:val="⟨"/>
+                          <m:endChr m:val="⟩"/>
+                          <m:ctrlPr>
+                            <a:rPr lang="en-US" b="0" i="1" smtClean="0">
+                              <a:latin typeface="Cambria Math" panose="02040503050406030204" pitchFamily="18" charset="0"/>
+                            </a:rPr>
+                          </m:ctrlPr>
+                        </m:dPr>
+                        <m:e>
+                          <m:r>
+                            <a:rPr lang="en-US" b="0" i="1" smtClean="0">
+                              <a:latin typeface="Cambria Math" panose="02040503050406030204" pitchFamily="18" charset="0"/>
+                            </a:rPr>
+                            <m:t>𝑆</m:t>
+                          </m:r>
+                          <m:r>
+                            <a:rPr lang="en-US" b="0" i="1" smtClean="0">
+                              <a:latin typeface="Cambria Math" panose="02040503050406030204" pitchFamily="18" charset="0"/>
+                            </a:rPr>
+                            <m:t>, </m:t>
+                          </m:r>
+                          <m:r>
+                            <m:rPr>
+                              <m:sty m:val="p"/>
+                            </m:rPr>
+                            <a:rPr lang="en-US" b="0" i="0" smtClean="0">
+                              <a:latin typeface="Cambria Math" panose="02040503050406030204" pitchFamily="18" charset="0"/>
+                            </a:rPr>
+                            <m:t>∇</m:t>
+                          </m:r>
+                          <m:r>
+                            <a:rPr lang="en-US" b="0" i="1" smtClean="0">
+                              <a:latin typeface="Cambria Math" panose="02040503050406030204" pitchFamily="18" charset="0"/>
+                            </a:rPr>
+                            <m:t>𝜑</m:t>
+                          </m:r>
+                          <m:d>
+                            <m:dPr>
+                              <m:ctrlPr>
+                                <a:rPr lang="en-US" b="0" i="1" smtClean="0">
+                                  <a:latin typeface="Cambria Math" panose="02040503050406030204" pitchFamily="18" charset="0"/>
+                                </a:rPr>
+                              </m:ctrlPr>
+                            </m:dPr>
+                            <m:e>
+                              <m:r>
+                                <a:rPr lang="en-US" b="0" i="1" smtClean="0">
+                                  <a:latin typeface="Cambria Math" panose="02040503050406030204" pitchFamily="18" charset="0"/>
+                                </a:rPr>
+                                <m:t>𝑆</m:t>
+                              </m:r>
+                            </m:e>
+                          </m:d>
+                        </m:e>
+                      </m:d>
+                      <m:r>
+                        <a:rPr lang="en-US" b="0" i="1" smtClean="0">
+                          <a:latin typeface="Cambria Math" panose="02040503050406030204" pitchFamily="18" charset="0"/>
+                        </a:rPr>
+                        <m:t>   ∀</m:t>
+                      </m:r>
+                      <m:r>
+                        <a:rPr lang="en-US" b="0" i="1" smtClean="0">
+                          <a:latin typeface="Cambria Math" panose="02040503050406030204" pitchFamily="18" charset="0"/>
+                        </a:rPr>
+                        <m:t>𝑆</m:t>
+                      </m:r>
+                      <m:r>
+                        <a:rPr lang="en-US" b="0" i="1" smtClean="0">
+                          <a:latin typeface="Cambria Math" panose="02040503050406030204" pitchFamily="18" charset="0"/>
+                        </a:rPr>
+                        <m:t>∈</m:t>
+                      </m:r>
+                      <m:sSubSup>
+                        <m:sSubSupPr>
+                          <m:ctrlPr>
+                            <a:rPr lang="en-US" b="0" i="1" smtClean="0">
+                              <a:latin typeface="Cambria Math" panose="02040503050406030204" pitchFamily="18" charset="0"/>
+                            </a:rPr>
+                          </m:ctrlPr>
+                        </m:sSubSupPr>
+                        <m:e>
+                          <m:r>
+                            <a:rPr lang="en-US" b="0" i="1" smtClean="0">
+                              <a:latin typeface="Cambria Math" panose="02040503050406030204" pitchFamily="18" charset="0"/>
+                            </a:rPr>
+                            <m:t>𝑆</m:t>
+                          </m:r>
+                        </m:e>
+                        <m:sub>
+                          <m:r>
+                            <a:rPr lang="en-US" b="0" i="1" smtClean="0">
+                              <a:latin typeface="Cambria Math" panose="02040503050406030204" pitchFamily="18" charset="0"/>
+                            </a:rPr>
+                            <m:t>+</m:t>
+                          </m:r>
+                        </m:sub>
+                        <m:sup>
+                          <m:r>
+                            <a:rPr lang="en-US" b="0" i="1" smtClean="0">
+                              <a:latin typeface="Cambria Math" panose="02040503050406030204" pitchFamily="18" charset="0"/>
+                            </a:rPr>
+                            <m:t>𝑑</m:t>
+                          </m:r>
+                        </m:sup>
+                      </m:sSubSup>
+                    </m:oMath>
+                  </m:oMathPara>
+                </a14:m>
+                <a:endParaRPr lang="en-US" dirty="0"/>
+              </a:p>
+              <a:p>
+                <a:pPr marL="0" indent="0">
+                  <a:buNone/>
+                </a:pPr>
+                <a:endParaRPr lang="en-US" dirty="0"/>
+              </a:p>
+              <a:p>
+                <a:pPr marL="0" indent="0">
+                  <a:buNone/>
+                </a:pPr>
+                <a:r>
+                  <a:rPr lang="en-US" dirty="0"/>
+                  <a:t>Turns out that </a:t>
+                </a:r>
+                <a14:m>
+                  <m:oMath xmlns:m="http://schemas.openxmlformats.org/officeDocument/2006/math">
+                    <m:r>
+                      <a:rPr lang="en-US" b="0" i="1" smtClean="0">
+                        <a:latin typeface="Cambria Math" panose="02040503050406030204" pitchFamily="18" charset="0"/>
+                      </a:rPr>
+                      <m:t>𝑓</m:t>
+                    </m:r>
+                    <m:d>
+                      <m:dPr>
+                        <m:ctrlPr>
+                          <a:rPr lang="en-US" b="0" i="1" smtClean="0">
+                            <a:latin typeface="Cambria Math" panose="02040503050406030204" pitchFamily="18" charset="0"/>
+                          </a:rPr>
+                        </m:ctrlPr>
+                      </m:dPr>
+                      <m:e>
+                        <m:r>
+                          <a:rPr lang="en-US" b="0" i="1" smtClean="0">
+                            <a:latin typeface="Cambria Math" panose="02040503050406030204" pitchFamily="18" charset="0"/>
+                          </a:rPr>
+                          <m:t>𝑆</m:t>
+                        </m:r>
+                      </m:e>
+                    </m:d>
+                  </m:oMath>
+                </a14:m>
+                <a:r>
+                  <a:rPr lang="en-US" dirty="0"/>
+                  <a:t> has a unit total elasticity.</a:t>
+                </a:r>
+              </a:p>
+              <a:p>
+                <a:pPr marL="0" indent="0">
+                  <a:buNone/>
+                </a:pPr>
+                <a:endParaRPr lang="en-IL" dirty="0"/>
+              </a:p>
+            </p:txBody>
+          </p:sp>
+        </mc:Choice>
+        <mc:Fallback>
+          <p:sp>
+            <p:nvSpPr>
+              <p:cNvPr id="3" name="Content Placeholder 2">
+                <a:extLst>
+                  <a:ext uri="{FF2B5EF4-FFF2-40B4-BE49-F238E27FC236}">
+                    <a16:creationId xmlns:a16="http://schemas.microsoft.com/office/drawing/2014/main" id="{173ABF53-75C7-36C6-E143-EFCF9B2CAACF}"/>
+                  </a:ext>
+                </a:extLst>
+              </p:cNvPr>
+              <p:cNvSpPr>
+                <a:spLocks noGrp="1" noRot="1" noChangeAspect="1" noMove="1" noResize="1" noEditPoints="1" noAdjustHandles="1" noChangeArrowheads="1" noChangeShapeType="1" noTextEdit="1"/>
+              </p:cNvSpPr>
+              <p:nvPr>
+                <p:ph idx="1"/>
+              </p:nvPr>
+            </p:nvSpPr>
+            <p:spPr>
+              <a:blipFill>
+                <a:blip r:embed="rId2"/>
+                <a:stretch>
+                  <a:fillRect l="-1217" t="-1961"/>
+                </a:stretch>
+              </a:blipFill>
+            </p:spPr>
+            <p:txBody>
+              <a:bodyPr/>
+              <a:lstStyle/>
+              <a:p>
+                <a:r>
+                  <a:rPr lang="en-IL">
+                    <a:noFill/>
+                  </a:rPr>
+                  <a:t> </a:t>
+                </a:r>
+              </a:p>
+            </p:txBody>
+          </p:sp>
+        </mc:Fallback>
+      </mc:AlternateContent>
+    </p:spTree>
+    <p:extLst>
+      <p:ext uri="{BB962C8B-B14F-4D97-AF65-F5344CB8AC3E}">
+        <p14:creationId xmlns:p14="http://schemas.microsoft.com/office/powerpoint/2010/main" val="1675399416"/>
+      </p:ext>
+    </p:extLst>
+  </p:cSld>
+  <p:clrMapOvr>
+    <a:masterClrMapping/>
+  </p:clrMapOvr>
+</p:sld>
+</file>
+
+<file path=ppt/slides/slide14.xml><?xml version="1.0" encoding="utf-8"?>
+<p:sld xmlns:a="http://schemas.openxmlformats.org/drawingml/2006/main" xmlns:r="http://schemas.openxmlformats.org/officeDocument/2006/relationships" xmlns:p="http://schemas.openxmlformats.org/presentationml/2006/main">
+  <p:cSld>
+    <p:spTree>
+      <p:nvGrpSpPr>
+        <p:cNvPr id="1" name=""/>
+        <p:cNvGrpSpPr/>
+        <p:nvPr/>
+      </p:nvGrpSpPr>
+      <p:grpSpPr>
+        <a:xfrm>
+          <a:off x="0" y="0"/>
+          <a:ext cx="0" cy="0"/>
+          <a:chOff x="0" y="0"/>
+          <a:chExt cx="0" cy="0"/>
+        </a:xfrm>
+      </p:grpSpPr>
+      <p:sp>
+        <p:nvSpPr>
+          <p:cNvPr id="2" name="Title 1">
+            <a:extLst>
+              <a:ext uri="{FF2B5EF4-FFF2-40B4-BE49-F238E27FC236}">
+                <a16:creationId xmlns:a16="http://schemas.microsoft.com/office/drawing/2014/main" id="{998A4020-4D95-BD65-1A28-0E25D39BC2AA}"/>
+              </a:ext>
+            </a:extLst>
+          </p:cNvPr>
+          <p:cNvSpPr>
+            <a:spLocks noGrp="1"/>
+          </p:cNvSpPr>
+          <p:nvPr>
+            <p:ph type="title"/>
+          </p:nvPr>
+        </p:nvSpPr>
+        <p:spPr/>
+        <p:txBody>
+          <a:bodyPr/>
+          <a:lstStyle/>
+          <a:p>
+            <a:r>
+              <a:rPr lang="en-US" dirty="0"/>
+              <a:t>Uses</a:t>
+            </a:r>
+            <a:endParaRPr lang="en-IL" dirty="0"/>
+          </a:p>
+        </p:txBody>
+      </p:sp>
+      <mc:AlternateContent xmlns:mc="http://schemas.openxmlformats.org/markup-compatibility/2006">
+        <mc:Choice xmlns:a14="http://schemas.microsoft.com/office/drawing/2010/main" Requires="a14">
+          <p:sp>
+            <p:nvSpPr>
+              <p:cNvPr id="3" name="Content Placeholder 2">
+                <a:extLst>
+                  <a:ext uri="{FF2B5EF4-FFF2-40B4-BE49-F238E27FC236}">
+                    <a16:creationId xmlns:a16="http://schemas.microsoft.com/office/drawing/2014/main" id="{FC49CCD6-AD42-412C-8906-806F10A852D8}"/>
+                  </a:ext>
+                </a:extLst>
+              </p:cNvPr>
+              <p:cNvSpPr>
+                <a:spLocks noGrp="1"/>
+              </p:cNvSpPr>
+              <p:nvPr>
+                <p:ph idx="1"/>
+              </p:nvPr>
+            </p:nvSpPr>
+            <p:spPr/>
+            <p:txBody>
+              <a:bodyPr/>
+              <a:lstStyle/>
+              <a:p>
+                <a:pPr marL="0" indent="0">
+                  <a:buNone/>
+                </a:pPr>
+                <a:r>
+                  <a:rPr lang="en-US" dirty="0"/>
+                  <a:t>We can use this conclusion to replace the function with a linear approximation </a:t>
+                </a:r>
+                <a14:m>
+                  <m:oMath xmlns:m="http://schemas.openxmlformats.org/officeDocument/2006/math">
+                    <m:r>
+                      <a:rPr lang="en-US" b="0" i="1" smtClean="0">
+                        <a:latin typeface="Cambria Math" panose="02040503050406030204" pitchFamily="18" charset="0"/>
+                      </a:rPr>
+                      <m:t>⟹</m:t>
+                    </m:r>
+                  </m:oMath>
+                </a14:m>
+                <a:r>
+                  <a:rPr lang="en-US" dirty="0"/>
+                  <a:t> the problem can be solved highly efficiently.</a:t>
+                </a:r>
+              </a:p>
+              <a:p>
+                <a:pPr marL="0" indent="0">
+                  <a:buNone/>
+                </a:pPr>
+                <a:r>
+                  <a:rPr lang="en-US" dirty="0"/>
+                  <a:t>Using a Frank-Wolfe algorithm:</a:t>
+                </a:r>
+              </a:p>
+              <a:p>
+                <a:pPr marL="0" indent="0">
+                  <a:buNone/>
+                </a:pPr>
+                <a:endParaRPr lang="en-US" dirty="0"/>
+              </a:p>
+              <a:p>
+                <a:pPr marL="0" indent="0">
+                  <a:buNone/>
+                </a:pPr>
+                <a14:m>
+                  <m:oMathPara xmlns:m="http://schemas.openxmlformats.org/officeDocument/2006/math">
+                    <m:oMathParaPr>
+                      <m:jc m:val="centerGroup"/>
+                    </m:oMathParaPr>
+                    <m:oMath xmlns:m="http://schemas.openxmlformats.org/officeDocument/2006/math">
+                      <m:sSup>
+                        <m:sSupPr>
+                          <m:ctrlPr>
+                            <a:rPr lang="en-US" b="0" i="1" smtClean="0">
+                              <a:latin typeface="Cambria Math" panose="02040503050406030204" pitchFamily="18" charset="0"/>
+                            </a:rPr>
+                          </m:ctrlPr>
+                        </m:sSupPr>
+                        <m:e>
+                          <m:r>
+                            <a:rPr lang="en-US" b="0" i="1" smtClean="0">
+                              <a:latin typeface="Cambria Math" panose="02040503050406030204" pitchFamily="18" charset="0"/>
+                            </a:rPr>
+                            <m:t>𝑆</m:t>
+                          </m:r>
+                        </m:e>
+                        <m:sup>
+                          <m:r>
+                            <a:rPr lang="en-US" b="0" i="1" smtClean="0">
+                              <a:latin typeface="Cambria Math" panose="02040503050406030204" pitchFamily="18" charset="0"/>
+                            </a:rPr>
+                            <m:t>𝑘</m:t>
+                          </m:r>
+                          <m:r>
+                            <a:rPr lang="en-US" b="0" i="1" smtClean="0">
+                              <a:latin typeface="Cambria Math" panose="02040503050406030204" pitchFamily="18" charset="0"/>
+                            </a:rPr>
+                            <m:t>+1</m:t>
+                          </m:r>
+                        </m:sup>
+                      </m:sSup>
+                      <m:r>
+                        <a:rPr lang="en-US" b="0" i="1" smtClean="0">
+                          <a:latin typeface="Cambria Math" panose="02040503050406030204" pitchFamily="18" charset="0"/>
+                        </a:rPr>
+                        <m:t>=</m:t>
+                      </m:r>
+                      <m:sSub>
+                        <m:sSubPr>
+                          <m:ctrlPr>
+                            <a:rPr lang="en-US" b="0" i="1" smtClean="0">
+                              <a:latin typeface="Cambria Math" panose="02040503050406030204" pitchFamily="18" charset="0"/>
+                            </a:rPr>
+                          </m:ctrlPr>
+                        </m:sSubPr>
+                        <m:e>
+                          <m:r>
+                            <a:rPr lang="en-US" b="0" i="1" smtClean="0">
+                              <a:latin typeface="Cambria Math" panose="02040503050406030204" pitchFamily="18" charset="0"/>
+                            </a:rPr>
+                            <m:t>𝛼</m:t>
+                          </m:r>
+                        </m:e>
+                        <m:sub>
+                          <m:r>
+                            <a:rPr lang="en-US" b="0" i="1" smtClean="0">
+                              <a:latin typeface="Cambria Math" panose="02040503050406030204" pitchFamily="18" charset="0"/>
+                            </a:rPr>
+                            <m:t>𝑘</m:t>
+                          </m:r>
+                        </m:sub>
+                      </m:sSub>
+                      <m:r>
+                        <a:rPr lang="en-US" b="0" i="1" smtClean="0">
+                          <a:latin typeface="Cambria Math" panose="02040503050406030204" pitchFamily="18" charset="0"/>
+                        </a:rPr>
+                        <m:t>𝐹</m:t>
+                      </m:r>
+                      <m:d>
+                        <m:dPr>
+                          <m:ctrlPr>
+                            <a:rPr lang="en-US" b="0" i="1" smtClean="0">
+                              <a:latin typeface="Cambria Math" panose="02040503050406030204" pitchFamily="18" charset="0"/>
+                            </a:rPr>
+                          </m:ctrlPr>
+                        </m:dPr>
+                        <m:e>
+                          <m:sSup>
+                            <m:sSupPr>
+                              <m:ctrlPr>
+                                <a:rPr lang="en-US" b="0" i="1" smtClean="0">
+                                  <a:latin typeface="Cambria Math" panose="02040503050406030204" pitchFamily="18" charset="0"/>
+                                </a:rPr>
+                              </m:ctrlPr>
+                            </m:sSupPr>
+                            <m:e>
+                              <m:r>
+                                <a:rPr lang="en-US" b="0" i="1" smtClean="0">
+                                  <a:latin typeface="Cambria Math" panose="02040503050406030204" pitchFamily="18" charset="0"/>
+                                </a:rPr>
+                                <m:t>𝑆</m:t>
+                              </m:r>
+                            </m:e>
+                            <m:sup>
+                              <m:r>
+                                <a:rPr lang="en-US" b="0" i="1" smtClean="0">
+                                  <a:latin typeface="Cambria Math" panose="02040503050406030204" pitchFamily="18" charset="0"/>
+                                </a:rPr>
+                                <m:t>𝑘</m:t>
+                              </m:r>
+                            </m:sup>
+                          </m:sSup>
+                        </m:e>
+                      </m:d>
+                      <m:r>
+                        <a:rPr lang="en-US" b="0" i="1" smtClean="0">
+                          <a:latin typeface="Cambria Math" panose="02040503050406030204" pitchFamily="18" charset="0"/>
+                        </a:rPr>
+                        <m:t>+</m:t>
+                      </m:r>
+                      <m:d>
+                        <m:dPr>
+                          <m:ctrlPr>
+                            <a:rPr lang="en-US" b="0" i="1" smtClean="0">
+                              <a:latin typeface="Cambria Math" panose="02040503050406030204" pitchFamily="18" charset="0"/>
+                            </a:rPr>
+                          </m:ctrlPr>
+                        </m:dPr>
+                        <m:e>
+                          <m:r>
+                            <a:rPr lang="en-US" b="0" i="1" smtClean="0">
+                              <a:latin typeface="Cambria Math" panose="02040503050406030204" pitchFamily="18" charset="0"/>
+                            </a:rPr>
+                            <m:t>1−</m:t>
+                          </m:r>
+                          <m:sSub>
+                            <m:sSubPr>
+                              <m:ctrlPr>
+                                <a:rPr lang="en-US" b="0" i="1" smtClean="0">
+                                  <a:latin typeface="Cambria Math" panose="02040503050406030204" pitchFamily="18" charset="0"/>
+                                </a:rPr>
+                              </m:ctrlPr>
+                            </m:sSubPr>
+                            <m:e>
+                              <m:r>
+                                <a:rPr lang="en-US" b="0" i="1" smtClean="0">
+                                  <a:latin typeface="Cambria Math" panose="02040503050406030204" pitchFamily="18" charset="0"/>
+                                </a:rPr>
+                                <m:t>𝛼</m:t>
+                              </m:r>
+                            </m:e>
+                            <m:sub>
+                              <m:r>
+                                <a:rPr lang="en-US" b="0" i="1" smtClean="0">
+                                  <a:latin typeface="Cambria Math" panose="02040503050406030204" pitchFamily="18" charset="0"/>
+                                </a:rPr>
+                                <m:t>𝑘</m:t>
+                              </m:r>
+                            </m:sub>
+                          </m:sSub>
+                        </m:e>
+                      </m:d>
+                      <m:sSup>
+                        <m:sSupPr>
+                          <m:ctrlPr>
+                            <a:rPr lang="en-US" b="0" i="1" smtClean="0">
+                              <a:latin typeface="Cambria Math" panose="02040503050406030204" pitchFamily="18" charset="0"/>
+                            </a:rPr>
+                          </m:ctrlPr>
+                        </m:sSupPr>
+                        <m:e>
+                          <m:r>
+                            <a:rPr lang="en-US" b="0" i="1" smtClean="0">
+                              <a:latin typeface="Cambria Math" panose="02040503050406030204" pitchFamily="18" charset="0"/>
+                            </a:rPr>
+                            <m:t>𝑆</m:t>
+                          </m:r>
+                        </m:e>
+                        <m:sup>
+                          <m:r>
+                            <a:rPr lang="en-US" b="0" i="1" smtClean="0">
+                              <a:latin typeface="Cambria Math" panose="02040503050406030204" pitchFamily="18" charset="0"/>
+                            </a:rPr>
+                            <m:t>𝑘</m:t>
+                          </m:r>
+                        </m:sup>
+                      </m:sSup>
+                      <m:r>
+                        <a:rPr lang="en-US" b="0" i="1" smtClean="0">
+                          <a:latin typeface="Cambria Math" panose="02040503050406030204" pitchFamily="18" charset="0"/>
+                        </a:rPr>
+                        <m:t>   </m:t>
+                      </m:r>
+                      <m:d>
+                        <m:dPr>
+                          <m:ctrlPr>
+                            <a:rPr lang="en-US" b="0" i="1" smtClean="0">
+                              <a:latin typeface="Cambria Math" panose="02040503050406030204" pitchFamily="18" charset="0"/>
+                            </a:rPr>
+                          </m:ctrlPr>
+                        </m:dPr>
+                        <m:e>
+                          <m:sSup>
+                            <m:sSupPr>
+                              <m:ctrlPr>
+                                <a:rPr lang="en-US" b="0" i="1" smtClean="0">
+                                  <a:latin typeface="Cambria Math" panose="02040503050406030204" pitchFamily="18" charset="0"/>
+                                </a:rPr>
+                              </m:ctrlPr>
+                            </m:sSupPr>
+                            <m:e>
+                              <m:r>
+                                <a:rPr lang="en-US" b="0" i="1" smtClean="0">
+                                  <a:latin typeface="Cambria Math" panose="02040503050406030204" pitchFamily="18" charset="0"/>
+                                </a:rPr>
+                                <m:t>𝑆</m:t>
+                              </m:r>
+                            </m:e>
+                            <m:sup>
+                              <m:r>
+                                <a:rPr lang="en-US" b="0" i="1" smtClean="0">
+                                  <a:latin typeface="Cambria Math" panose="02040503050406030204" pitchFamily="18" charset="0"/>
+                                </a:rPr>
+                                <m:t>0</m:t>
+                              </m:r>
+                            </m:sup>
+                          </m:sSup>
+                          <m:r>
+                            <a:rPr lang="en-US" b="0" i="1" smtClean="0">
+                              <a:latin typeface="Cambria Math" panose="02040503050406030204" pitchFamily="18" charset="0"/>
+                            </a:rPr>
+                            <m:t>=</m:t>
+                          </m:r>
+                          <m:r>
+                            <m:rPr>
+                              <m:sty m:val="p"/>
+                            </m:rPr>
+                            <a:rPr lang="en-US" b="0" i="0" smtClean="0">
+                              <a:latin typeface="Cambria Math" panose="02040503050406030204" pitchFamily="18" charset="0"/>
+                            </a:rPr>
+                            <m:t>Σ</m:t>
+                          </m:r>
+                        </m:e>
+                      </m:d>
+                    </m:oMath>
+                  </m:oMathPara>
+                </a14:m>
+                <a:endParaRPr lang="en-US" dirty="0"/>
+              </a:p>
+              <a:p>
+                <a:pPr marL="0" indent="0">
+                  <a:buNone/>
+                </a:pPr>
+                <a:r>
+                  <a:rPr lang="en-US" dirty="0"/>
+                  <a:t>Where </a:t>
+                </a:r>
+              </a:p>
+              <a:p>
+                <a:pPr marL="0" indent="0">
+                  <a:buNone/>
+                </a:pPr>
+                <a14:m>
+                  <m:oMathPara xmlns:m="http://schemas.openxmlformats.org/officeDocument/2006/math">
+                    <m:oMathParaPr>
+                      <m:jc m:val="centerGroup"/>
+                    </m:oMathParaPr>
+                    <m:oMath xmlns:m="http://schemas.openxmlformats.org/officeDocument/2006/math">
+                      <m:r>
+                        <a:rPr lang="en-US" b="0" i="1" smtClean="0">
+                          <a:latin typeface="Cambria Math" panose="02040503050406030204" pitchFamily="18" charset="0"/>
+                        </a:rPr>
+                        <m:t>𝐹</m:t>
+                      </m:r>
+                      <m:d>
+                        <m:dPr>
+                          <m:ctrlPr>
+                            <a:rPr lang="en-US" b="0" i="1" smtClean="0">
+                              <a:latin typeface="Cambria Math" panose="02040503050406030204" pitchFamily="18" charset="0"/>
+                            </a:rPr>
+                          </m:ctrlPr>
+                        </m:dPr>
+                        <m:e>
+                          <m:r>
+                            <a:rPr lang="en-US" b="0" i="1" smtClean="0">
+                              <a:latin typeface="Cambria Math" panose="02040503050406030204" pitchFamily="18" charset="0"/>
+                            </a:rPr>
+                            <m:t>𝑆</m:t>
+                          </m:r>
+                        </m:e>
+                      </m:d>
+                      <m:r>
+                        <a:rPr lang="en-US" b="0" i="1" smtClean="0">
+                          <a:latin typeface="Cambria Math" panose="02040503050406030204" pitchFamily="18" charset="0"/>
+                        </a:rPr>
+                        <m:t>=</m:t>
+                      </m:r>
+                      <m:func>
+                        <m:funcPr>
+                          <m:ctrlPr>
+                            <a:rPr lang="en-US" b="0" i="1" smtClean="0">
+                              <a:latin typeface="Cambria Math" panose="02040503050406030204" pitchFamily="18" charset="0"/>
+                            </a:rPr>
+                          </m:ctrlPr>
+                        </m:funcPr>
+                        <m:fName>
+                          <m:r>
+                            <m:rPr>
+                              <m:sty m:val="p"/>
+                            </m:rPr>
+                            <a:rPr lang="en-US" b="0" i="0" smtClean="0">
+                              <a:latin typeface="Cambria Math" panose="02040503050406030204" pitchFamily="18" charset="0"/>
+                            </a:rPr>
+                            <m:t>arg</m:t>
+                          </m:r>
+                        </m:fName>
+                        <m:e>
+                          <m:func>
+                            <m:funcPr>
+                              <m:ctrlPr>
+                                <a:rPr lang="en-US" b="0" i="1" smtClean="0">
+                                  <a:latin typeface="Cambria Math" panose="02040503050406030204" pitchFamily="18" charset="0"/>
+                                </a:rPr>
+                              </m:ctrlPr>
+                            </m:funcPr>
+                            <m:fName>
+                              <m:limLow>
+                                <m:limLowPr>
+                                  <m:ctrlPr>
+                                    <a:rPr lang="en-US" b="0" i="1" smtClean="0">
+                                      <a:latin typeface="Cambria Math" panose="02040503050406030204" pitchFamily="18" charset="0"/>
+                                    </a:rPr>
+                                  </m:ctrlPr>
+                                </m:limLowPr>
+                                <m:e>
+                                  <m:r>
+                                    <m:rPr>
+                                      <m:sty m:val="p"/>
+                                    </m:rPr>
+                                    <a:rPr lang="en-US" b="0" i="0" smtClean="0">
+                                      <a:latin typeface="Cambria Math" panose="02040503050406030204" pitchFamily="18" charset="0"/>
+                                    </a:rPr>
+                                    <m:t>max</m:t>
+                                  </m:r>
+                                </m:e>
+                                <m:lim>
+                                  <m:r>
+                                    <a:rPr lang="en-US" b="0" i="1" smtClean="0">
+                                      <a:latin typeface="Cambria Math" panose="02040503050406030204" pitchFamily="18" charset="0"/>
+                                    </a:rPr>
+                                    <m:t>𝐿</m:t>
+                                  </m:r>
+                                  <m:r>
+                                    <a:rPr lang="en-US" b="0" i="1" smtClean="0">
+                                      <a:latin typeface="Cambria Math" panose="02040503050406030204" pitchFamily="18" charset="0"/>
+                                    </a:rPr>
+                                    <m:t>≽</m:t>
+                                  </m:r>
+                                  <m:bar>
+                                    <m:barPr>
+                                      <m:ctrlPr>
+                                        <a:rPr lang="en-US" b="0" i="1" smtClean="0">
+                                          <a:latin typeface="Cambria Math" panose="02040503050406030204" pitchFamily="18" charset="0"/>
+                                        </a:rPr>
+                                      </m:ctrlPr>
+                                    </m:barPr>
+                                    <m:e>
+                                      <m:r>
+                                        <a:rPr lang="en-US" b="0" i="1" smtClean="0">
+                                          <a:latin typeface="Cambria Math" panose="02040503050406030204" pitchFamily="18" charset="0"/>
+                                        </a:rPr>
+                                        <m:t>𝜎</m:t>
+                                      </m:r>
+                                    </m:e>
+                                  </m:bar>
+                                  <m:sSub>
+                                    <m:sSubPr>
+                                      <m:ctrlPr>
+                                        <a:rPr lang="en-US" b="0" i="1" smtClean="0">
+                                          <a:latin typeface="Cambria Math" panose="02040503050406030204" pitchFamily="18" charset="0"/>
+                                        </a:rPr>
+                                      </m:ctrlPr>
+                                    </m:sSubPr>
+                                    <m:e>
+                                      <m:r>
+                                        <a:rPr lang="en-US" b="0" i="1" smtClean="0">
+                                          <a:latin typeface="Cambria Math" panose="02040503050406030204" pitchFamily="18" charset="0"/>
+                                        </a:rPr>
+                                        <m:t>𝐼</m:t>
+                                      </m:r>
+                                    </m:e>
+                                    <m:sub>
+                                      <m:r>
+                                        <a:rPr lang="en-US" b="0" i="1" smtClean="0">
+                                          <a:latin typeface="Cambria Math" panose="02040503050406030204" pitchFamily="18" charset="0"/>
+                                        </a:rPr>
+                                        <m:t>𝑑</m:t>
+                                      </m:r>
+                                    </m:sub>
+                                  </m:sSub>
+                                </m:lim>
+                              </m:limLow>
+                            </m:fName>
+                            <m:e>
+                              <m:d>
+                                <m:dPr>
+                                  <m:begChr m:val="⟨"/>
+                                  <m:endChr m:val="⟩"/>
+                                  <m:ctrlPr>
+                                    <a:rPr lang="en-US" b="0" i="1" smtClean="0">
+                                      <a:latin typeface="Cambria Math" panose="02040503050406030204" pitchFamily="18" charset="0"/>
+                                    </a:rPr>
+                                  </m:ctrlPr>
+                                </m:dPr>
+                                <m:e>
+                                  <m:r>
+                                    <a:rPr lang="en-US" b="0" i="1" smtClean="0">
+                                      <a:latin typeface="Cambria Math" panose="02040503050406030204" pitchFamily="18" charset="0"/>
+                                    </a:rPr>
+                                    <m:t>𝐿</m:t>
+                                  </m:r>
+                                  <m:r>
+                                    <a:rPr lang="en-US" b="0" i="1" smtClean="0">
+                                      <a:latin typeface="Cambria Math" panose="02040503050406030204" pitchFamily="18" charset="0"/>
+                                    </a:rPr>
+                                    <m:t>, </m:t>
+                                  </m:r>
+                                  <m:r>
+                                    <m:rPr>
+                                      <m:sty m:val="p"/>
+                                    </m:rPr>
+                                    <a:rPr lang="en-US" b="0" i="0" smtClean="0">
+                                      <a:latin typeface="Cambria Math" panose="02040503050406030204" pitchFamily="18" charset="0"/>
+                                    </a:rPr>
+                                    <m:t>∇</m:t>
+                                  </m:r>
+                                  <m:r>
+                                    <a:rPr lang="en-US" b="0" i="1" smtClean="0">
+                                      <a:latin typeface="Cambria Math" panose="02040503050406030204" pitchFamily="18" charset="0"/>
+                                    </a:rPr>
+                                    <m:t>𝑓</m:t>
+                                  </m:r>
+                                  <m:d>
+                                    <m:dPr>
+                                      <m:ctrlPr>
+                                        <a:rPr lang="en-US" b="0" i="1" smtClean="0">
+                                          <a:latin typeface="Cambria Math" panose="02040503050406030204" pitchFamily="18" charset="0"/>
+                                        </a:rPr>
+                                      </m:ctrlPr>
+                                    </m:dPr>
+                                    <m:e>
+                                      <m:r>
+                                        <a:rPr lang="en-US" b="0" i="1" smtClean="0">
+                                          <a:latin typeface="Cambria Math" panose="02040503050406030204" pitchFamily="18" charset="0"/>
+                                        </a:rPr>
+                                        <m:t>𝑆</m:t>
+                                      </m:r>
+                                    </m:e>
+                                  </m:d>
+                                </m:e>
+                              </m:d>
+                            </m:e>
+                          </m:func>
+                        </m:e>
+                      </m:func>
+                    </m:oMath>
+                  </m:oMathPara>
+                </a14:m>
+                <a:endParaRPr lang="en-US" b="0" dirty="0"/>
+              </a:p>
+              <a:p>
+                <a:pPr marL="0" indent="0">
+                  <a:buNone/>
+                </a:pPr>
+                <a14:m>
+                  <m:oMathPara xmlns:m="http://schemas.openxmlformats.org/officeDocument/2006/math">
+                    <m:oMathParaPr>
+                      <m:jc m:val="centerGroup"/>
+                    </m:oMathParaPr>
+                    <m:oMath xmlns:m="http://schemas.openxmlformats.org/officeDocument/2006/math">
+                      <m:r>
+                        <a:rPr lang="en-US" b="0" i="1" smtClean="0">
+                          <a:latin typeface="Cambria Math" panose="02040503050406030204" pitchFamily="18" charset="0"/>
+                        </a:rPr>
+                        <m:t>                  </m:t>
+                      </m:r>
+                      <m:r>
+                        <a:rPr lang="en-US" b="0" i="1" smtClean="0">
+                          <a:latin typeface="Cambria Math" panose="02040503050406030204" pitchFamily="18" charset="0"/>
+                        </a:rPr>
+                        <m:t>𝑠</m:t>
+                      </m:r>
+                      <m:r>
+                        <a:rPr lang="en-US" b="0" i="1" smtClean="0">
+                          <a:latin typeface="Cambria Math" panose="02040503050406030204" pitchFamily="18" charset="0"/>
+                        </a:rPr>
+                        <m:t>.</m:t>
+                      </m:r>
+                      <m:r>
+                        <a:rPr lang="en-US" b="0" i="1" smtClean="0">
+                          <a:latin typeface="Cambria Math" panose="02040503050406030204" pitchFamily="18" charset="0"/>
+                        </a:rPr>
+                        <m:t>𝑡</m:t>
+                      </m:r>
+                      <m:r>
+                        <a:rPr lang="en-US" b="0" i="1" smtClean="0">
+                          <a:latin typeface="Cambria Math" panose="02040503050406030204" pitchFamily="18" charset="0"/>
+                        </a:rPr>
+                        <m:t>        </m:t>
+                      </m:r>
+                      <m:r>
+                        <m:rPr>
+                          <m:sty m:val="p"/>
+                        </m:rPr>
+                        <a:rPr lang="en-US" b="0" i="1" smtClean="0">
+                          <a:latin typeface="Cambria Math" panose="02040503050406030204" pitchFamily="18" charset="0"/>
+                        </a:rPr>
+                        <m:t>Tr</m:t>
+                      </m:r>
+                      <m:d>
+                        <m:dPr>
+                          <m:begChr m:val="["/>
+                          <m:endChr m:val="]"/>
+                          <m:ctrlPr>
+                            <a:rPr lang="en-US" b="0" i="1" smtClean="0">
+                              <a:latin typeface="Cambria Math" panose="02040503050406030204" pitchFamily="18" charset="0"/>
+                            </a:rPr>
+                          </m:ctrlPr>
+                        </m:dPr>
+                        <m:e>
+                          <m:r>
+                            <a:rPr lang="en-US" b="0" i="1" smtClean="0">
+                              <a:latin typeface="Cambria Math" panose="02040503050406030204" pitchFamily="18" charset="0"/>
+                            </a:rPr>
+                            <m:t>𝐿</m:t>
+                          </m:r>
+                          <m:r>
+                            <a:rPr lang="en-US" b="0" i="1" smtClean="0">
+                              <a:latin typeface="Cambria Math" panose="02040503050406030204" pitchFamily="18" charset="0"/>
+                            </a:rPr>
+                            <m:t>+</m:t>
+                          </m:r>
+                          <m:r>
+                            <m:rPr>
+                              <m:sty m:val="p"/>
+                            </m:rPr>
+                            <a:rPr lang="en-US" b="0" i="0" smtClean="0">
+                              <a:latin typeface="Cambria Math" panose="02040503050406030204" pitchFamily="18" charset="0"/>
+                            </a:rPr>
+                            <m:t>Σ</m:t>
+                          </m:r>
+                          <m:r>
+                            <a:rPr lang="en-US" b="0" i="1" smtClean="0">
+                              <a:latin typeface="Cambria Math" panose="02040503050406030204" pitchFamily="18" charset="0"/>
+                            </a:rPr>
+                            <m:t>−2</m:t>
+                          </m:r>
+                          <m:sSup>
+                            <m:sSupPr>
+                              <m:ctrlPr>
+                                <a:rPr lang="en-US" b="0" i="1" smtClean="0">
+                                  <a:latin typeface="Cambria Math" panose="02040503050406030204" pitchFamily="18" charset="0"/>
+                                </a:rPr>
+                              </m:ctrlPr>
+                            </m:sSupPr>
+                            <m:e>
+                              <m:d>
+                                <m:dPr>
+                                  <m:ctrlPr>
+                                    <a:rPr lang="en-US" b="0" i="1" smtClean="0">
+                                      <a:latin typeface="Cambria Math" panose="02040503050406030204" pitchFamily="18" charset="0"/>
+                                    </a:rPr>
+                                  </m:ctrlPr>
+                                </m:dPr>
+                                <m:e>
+                                  <m:sSup>
+                                    <m:sSupPr>
+                                      <m:ctrlPr>
+                                        <a:rPr lang="en-US" b="0" i="1" smtClean="0">
+                                          <a:latin typeface="Cambria Math" panose="02040503050406030204" pitchFamily="18" charset="0"/>
+                                        </a:rPr>
+                                      </m:ctrlPr>
+                                    </m:sSupPr>
+                                    <m:e>
+                                      <m:r>
+                                        <m:rPr>
+                                          <m:sty m:val="p"/>
+                                        </m:rPr>
+                                        <a:rPr lang="en-US" b="0" i="0" smtClean="0">
+                                          <a:latin typeface="Cambria Math" panose="02040503050406030204" pitchFamily="18" charset="0"/>
+                                        </a:rPr>
+                                        <m:t>Σ</m:t>
+                                      </m:r>
+                                    </m:e>
+                                    <m:sup>
+                                      <m:r>
+                                        <a:rPr lang="en-US" b="0" i="1" smtClean="0">
+                                          <a:latin typeface="Cambria Math" panose="02040503050406030204" pitchFamily="18" charset="0"/>
+                                        </a:rPr>
+                                        <m:t>0.5</m:t>
+                                      </m:r>
+                                    </m:sup>
+                                  </m:sSup>
+                                  <m:r>
+                                    <a:rPr lang="en-US" b="0" i="1" smtClean="0">
+                                      <a:latin typeface="Cambria Math" panose="02040503050406030204" pitchFamily="18" charset="0"/>
+                                    </a:rPr>
+                                    <m:t>𝐿</m:t>
+                                  </m:r>
+                                  <m:sSup>
+                                    <m:sSupPr>
+                                      <m:ctrlPr>
+                                        <a:rPr lang="en-US" b="0" i="1" smtClean="0">
+                                          <a:latin typeface="Cambria Math" panose="02040503050406030204" pitchFamily="18" charset="0"/>
+                                        </a:rPr>
+                                      </m:ctrlPr>
+                                    </m:sSupPr>
+                                    <m:e>
+                                      <m:r>
+                                        <m:rPr>
+                                          <m:sty m:val="p"/>
+                                        </m:rPr>
+                                        <a:rPr lang="en-US" b="0" i="0" smtClean="0">
+                                          <a:latin typeface="Cambria Math" panose="02040503050406030204" pitchFamily="18" charset="0"/>
+                                        </a:rPr>
+                                        <m:t>Σ</m:t>
+                                      </m:r>
+                                    </m:e>
+                                    <m:sup>
+                                      <m:r>
+                                        <a:rPr lang="en-US" b="0" i="1" smtClean="0">
+                                          <a:latin typeface="Cambria Math" panose="02040503050406030204" pitchFamily="18" charset="0"/>
+                                        </a:rPr>
+                                        <m:t>0.5</m:t>
+                                      </m:r>
+                                    </m:sup>
+                                  </m:sSup>
+                                </m:e>
+                              </m:d>
+                            </m:e>
+                            <m:sup>
+                              <m:r>
+                                <a:rPr lang="en-US" b="0" i="1" smtClean="0">
+                                  <a:latin typeface="Cambria Math" panose="02040503050406030204" pitchFamily="18" charset="0"/>
+                                </a:rPr>
+                                <m:t>0.5</m:t>
+                              </m:r>
+                            </m:sup>
+                          </m:sSup>
+                        </m:e>
+                      </m:d>
+                      <m:r>
+                        <a:rPr lang="en-US" b="0" i="1" smtClean="0">
+                          <a:latin typeface="Cambria Math" panose="02040503050406030204" pitchFamily="18" charset="0"/>
+                        </a:rPr>
+                        <m:t>≤</m:t>
+                      </m:r>
+                      <m:sSup>
+                        <m:sSupPr>
+                          <m:ctrlPr>
+                            <a:rPr lang="en-US" b="0" i="1" smtClean="0">
+                              <a:latin typeface="Cambria Math" panose="02040503050406030204" pitchFamily="18" charset="0"/>
+                            </a:rPr>
+                          </m:ctrlPr>
+                        </m:sSupPr>
+                        <m:e>
+                          <m:r>
+                            <a:rPr lang="en-US" b="0" i="1" smtClean="0">
+                              <a:latin typeface="Cambria Math" panose="02040503050406030204" pitchFamily="18" charset="0"/>
+                            </a:rPr>
+                            <m:t>𝜌</m:t>
+                          </m:r>
+                        </m:e>
+                        <m:sup>
+                          <m:r>
+                            <a:rPr lang="en-US" b="0" i="1" smtClean="0">
+                              <a:latin typeface="Cambria Math" panose="02040503050406030204" pitchFamily="18" charset="0"/>
+                            </a:rPr>
+                            <m:t>2</m:t>
+                          </m:r>
+                        </m:sup>
+                      </m:sSup>
+                      <m:r>
+                        <a:rPr lang="en-US" b="0" i="1" smtClean="0">
+                          <a:latin typeface="Cambria Math" panose="02040503050406030204" pitchFamily="18" charset="0"/>
+                        </a:rPr>
+                        <m:t>                     </m:t>
+                      </m:r>
+                      <m:d>
+                        <m:dPr>
+                          <m:begChr m:val="["/>
+                          <m:endChr m:val="]"/>
+                          <m:ctrlPr>
+                            <a:rPr lang="en-US" b="0" i="1" smtClean="0">
+                              <a:latin typeface="Cambria Math" panose="02040503050406030204" pitchFamily="18" charset="0"/>
+                            </a:rPr>
+                          </m:ctrlPr>
+                        </m:dPr>
+                        <m:e>
+                          <m:r>
+                            <a:rPr lang="en-US" b="0" i="1" smtClean="0">
+                              <a:latin typeface="Cambria Math" panose="02040503050406030204" pitchFamily="18" charset="0"/>
+                            </a:rPr>
+                            <m:t>7</m:t>
+                          </m:r>
+                          <m:r>
+                            <a:rPr lang="en-US" b="0" i="1" smtClean="0">
+                              <a:latin typeface="Cambria Math" panose="02040503050406030204" pitchFamily="18" charset="0"/>
+                            </a:rPr>
+                            <m:t>𝑏</m:t>
+                          </m:r>
+                        </m:e>
+                      </m:d>
+                    </m:oMath>
+                  </m:oMathPara>
+                </a14:m>
+                <a:endParaRPr lang="en-IL" dirty="0"/>
+              </a:p>
+            </p:txBody>
+          </p:sp>
+        </mc:Choice>
+        <mc:Fallback>
+          <p:sp>
+            <p:nvSpPr>
+              <p:cNvPr id="3" name="Content Placeholder 2">
+                <a:extLst>
+                  <a:ext uri="{FF2B5EF4-FFF2-40B4-BE49-F238E27FC236}">
+                    <a16:creationId xmlns:a16="http://schemas.microsoft.com/office/drawing/2014/main" id="{FC49CCD6-AD42-412C-8906-806F10A852D8}"/>
+                  </a:ext>
+                </a:extLst>
+              </p:cNvPr>
+              <p:cNvSpPr>
+                <a:spLocks noGrp="1" noRot="1" noChangeAspect="1" noMove="1" noResize="1" noEditPoints="1" noAdjustHandles="1" noChangeArrowheads="1" noChangeShapeType="1" noTextEdit="1"/>
+              </p:cNvSpPr>
+              <p:nvPr>
+                <p:ph idx="1"/>
+              </p:nvPr>
+            </p:nvSpPr>
+            <p:spPr>
+              <a:blipFill>
+                <a:blip r:embed="rId2"/>
+                <a:stretch>
+                  <a:fillRect l="-1217" t="-2241"/>
+                </a:stretch>
+              </a:blipFill>
+            </p:spPr>
+            <p:txBody>
+              <a:bodyPr/>
+              <a:lstStyle/>
+              <a:p>
+                <a:r>
+                  <a:rPr lang="en-IL">
+                    <a:noFill/>
+                  </a:rPr>
+                  <a:t> </a:t>
+                </a:r>
+              </a:p>
+            </p:txBody>
+          </p:sp>
+        </mc:Fallback>
+      </mc:AlternateContent>
+    </p:spTree>
+    <p:extLst>
+      <p:ext uri="{BB962C8B-B14F-4D97-AF65-F5344CB8AC3E}">
+        <p14:creationId xmlns:p14="http://schemas.microsoft.com/office/powerpoint/2010/main" val="2303139555"/>
+      </p:ext>
+    </p:extLst>
+  </p:cSld>
+  <p:clrMapOvr>
+    <a:masterClrMapping/>
+  </p:clrMapOvr>
+</p:sld>
+</file>
+
+<file path=ppt/slides/slide15.xml><?xml version="1.0" encoding="utf-8"?>
+<p:sld xmlns:a="http://schemas.openxmlformats.org/drawingml/2006/main" xmlns:r="http://schemas.openxmlformats.org/officeDocument/2006/relationships" xmlns:p="http://schemas.openxmlformats.org/presentationml/2006/main">
+  <p:cSld>
+    <p:spTree>
+      <p:nvGrpSpPr>
+        <p:cNvPr id="1" name=""/>
+        <p:cNvGrpSpPr/>
+        <p:nvPr/>
+      </p:nvGrpSpPr>
+      <p:grpSpPr>
+        <a:xfrm>
+          <a:off x="0" y="0"/>
+          <a:ext cx="0" cy="0"/>
+          <a:chOff x="0" y="0"/>
+          <a:chExt cx="0" cy="0"/>
+        </a:xfrm>
+      </p:grpSpPr>
+      <p:sp>
+        <p:nvSpPr>
+          <p:cNvPr id="2" name="Title 1">
+            <a:extLst>
+              <a:ext uri="{FF2B5EF4-FFF2-40B4-BE49-F238E27FC236}">
+                <a16:creationId xmlns:a16="http://schemas.microsoft.com/office/drawing/2014/main" id="{AB71BA65-EC29-B9B6-BEDD-66EBBC31C3B8}"/>
+              </a:ext>
+            </a:extLst>
+          </p:cNvPr>
+          <p:cNvSpPr>
+            <a:spLocks noGrp="1"/>
+          </p:cNvSpPr>
+          <p:nvPr>
+            <p:ph type="title"/>
+          </p:nvPr>
+        </p:nvSpPr>
+        <p:spPr/>
+        <p:txBody>
+          <a:bodyPr/>
+          <a:lstStyle/>
+          <a:p>
+            <a:r>
+              <a:rPr lang="en-US" dirty="0"/>
+              <a:t>In simple words</a:t>
+            </a:r>
+            <a:endParaRPr lang="en-IL" dirty="0"/>
+          </a:p>
+        </p:txBody>
+      </p:sp>
+      <p:sp>
+        <p:nvSpPr>
+          <p:cNvPr id="3" name="Content Placeholder 2">
+            <a:extLst>
+              <a:ext uri="{FF2B5EF4-FFF2-40B4-BE49-F238E27FC236}">
+                <a16:creationId xmlns:a16="http://schemas.microsoft.com/office/drawing/2014/main" id="{CFD1EE7C-DFE5-C3D2-2BB2-C466BAD30D2B}"/>
+              </a:ext>
+            </a:extLst>
+          </p:cNvPr>
+          <p:cNvSpPr>
+            <a:spLocks noGrp="1"/>
+          </p:cNvSpPr>
+          <p:nvPr>
+            <p:ph idx="1"/>
+          </p:nvPr>
+        </p:nvSpPr>
+        <p:spPr/>
+        <p:txBody>
+          <a:bodyPr/>
+          <a:lstStyle/>
+          <a:p>
+            <a:pPr marL="0" indent="0">
+              <a:buNone/>
+            </a:pPr>
+            <a:r>
+              <a:rPr lang="en-US" dirty="0"/>
+              <a:t>In each iteration, the Frank-Wolfe algorithm thus maximizes a linearized objective function over the original feasible set.</a:t>
+            </a:r>
+          </a:p>
+          <a:p>
+            <a:pPr marL="0" indent="0">
+              <a:buNone/>
+            </a:pPr>
+            <a:endParaRPr lang="en-US" dirty="0"/>
+          </a:p>
+          <a:p>
+            <a:pPr marL="0" indent="0">
+              <a:buNone/>
+            </a:pPr>
+            <a:r>
+              <a:rPr lang="en-US" dirty="0"/>
+              <a:t>In contrast to other commonly used first-order methods, the Frank-Wolfe</a:t>
+            </a:r>
+          </a:p>
+          <a:p>
+            <a:pPr marL="0" indent="0">
+              <a:buNone/>
+            </a:pPr>
+            <a:r>
+              <a:rPr lang="en-US" dirty="0"/>
+              <a:t>algorithm thus obviates the need for a potentially expensive projection step to recover feasibility.</a:t>
+            </a:r>
+          </a:p>
+          <a:p>
+            <a:pPr marL="0" indent="0">
+              <a:buNone/>
+            </a:pPr>
+            <a:endParaRPr lang="en-IL" dirty="0"/>
+          </a:p>
+        </p:txBody>
+      </p:sp>
+    </p:spTree>
+    <p:extLst>
+      <p:ext uri="{BB962C8B-B14F-4D97-AF65-F5344CB8AC3E}">
+        <p14:creationId xmlns:p14="http://schemas.microsoft.com/office/powerpoint/2010/main" val="59375589"/>
+      </p:ext>
+    </p:extLst>
+  </p:cSld>
+  <p:clrMapOvr>
+    <a:masterClrMapping/>
+  </p:clrMapOvr>
+</p:sld>
+</file>
+
+<file path=ppt/slides/slide16.xml><?xml version="1.0" encoding="utf-8"?>
+<p:sld xmlns:a="http://schemas.openxmlformats.org/drawingml/2006/main" xmlns:r="http://schemas.openxmlformats.org/officeDocument/2006/relationships" xmlns:p="http://schemas.openxmlformats.org/presentationml/2006/main">
+  <p:cSld>
+    <p:spTree>
+      <p:nvGrpSpPr>
+        <p:cNvPr id="1" name=""/>
+        <p:cNvGrpSpPr/>
+        <p:nvPr/>
+      </p:nvGrpSpPr>
+      <p:grpSpPr>
+        <a:xfrm>
+          <a:off x="0" y="0"/>
+          <a:ext cx="0" cy="0"/>
+          <a:chOff x="0" y="0"/>
+          <a:chExt cx="0" cy="0"/>
+        </a:xfrm>
+      </p:grpSpPr>
+      <p:sp>
+        <p:nvSpPr>
+          <p:cNvPr id="2" name="Title 1">
+            <a:extLst>
+              <a:ext uri="{FF2B5EF4-FFF2-40B4-BE49-F238E27FC236}">
+                <a16:creationId xmlns:a16="http://schemas.microsoft.com/office/drawing/2014/main" id="{71B0DE7B-BBFF-662F-24A2-3C11ACD62B6B}"/>
+              </a:ext>
+            </a:extLst>
+          </p:cNvPr>
+          <p:cNvSpPr>
+            <a:spLocks noGrp="1"/>
+          </p:cNvSpPr>
+          <p:nvPr>
+            <p:ph type="title"/>
+          </p:nvPr>
+        </p:nvSpPr>
+        <p:spPr/>
+        <p:txBody>
+          <a:bodyPr/>
+          <a:lstStyle/>
+          <a:p>
+            <a:r>
+              <a:rPr lang="en-US" dirty="0"/>
+              <a:t>In simpler words</a:t>
+            </a:r>
+            <a:endParaRPr lang="en-IL" dirty="0"/>
+          </a:p>
+        </p:txBody>
+      </p:sp>
+      <p:sp>
+        <p:nvSpPr>
+          <p:cNvPr id="3" name="Content Placeholder 2">
+            <a:extLst>
+              <a:ext uri="{FF2B5EF4-FFF2-40B4-BE49-F238E27FC236}">
+                <a16:creationId xmlns:a16="http://schemas.microsoft.com/office/drawing/2014/main" id="{B94BFD43-5EC1-F923-D9DA-072168ABF13B}"/>
+              </a:ext>
+            </a:extLst>
+          </p:cNvPr>
+          <p:cNvSpPr>
+            <a:spLocks noGrp="1"/>
+          </p:cNvSpPr>
+          <p:nvPr>
+            <p:ph idx="1"/>
+          </p:nvPr>
+        </p:nvSpPr>
+        <p:spPr/>
+        <p:txBody>
+          <a:bodyPr/>
+          <a:lstStyle/>
+          <a:p>
+            <a:pPr marL="0" indent="0">
+              <a:buNone/>
+            </a:pPr>
+            <a:r>
+              <a:rPr lang="en-US" dirty="0"/>
+              <a:t>To make the frank – </a:t>
+            </a:r>
+            <a:r>
+              <a:rPr lang="en-US" dirty="0" err="1"/>
+              <a:t>wolfe</a:t>
+            </a:r>
+            <a:r>
+              <a:rPr lang="en-US" dirty="0"/>
+              <a:t> algorithm work in practice, one needs:</a:t>
+            </a:r>
+          </a:p>
+          <a:p>
+            <a:pPr marL="571500" indent="-571500">
+              <a:buFont typeface="+mj-lt"/>
+              <a:buAutoNum type="romanLcPeriod"/>
+            </a:pPr>
+            <a:r>
+              <a:rPr lang="en-US" dirty="0"/>
+              <a:t>an efficient routine for solving the direction-finding subproblem (7b)</a:t>
+            </a:r>
+          </a:p>
+          <a:p>
+            <a:pPr marL="571500" indent="-571500">
+              <a:buFont typeface="+mj-lt"/>
+              <a:buAutoNum type="romanLcPeriod"/>
+            </a:pPr>
+            <a:r>
+              <a:rPr lang="en-US" dirty="0"/>
+              <a:t>a step-size rule that offers rigorous guarantees on the algorithm’s convergence rat</a:t>
+            </a:r>
+          </a:p>
+          <a:p>
+            <a:pPr marL="0" indent="0">
+              <a:buNone/>
+            </a:pPr>
+            <a:endParaRPr lang="en-IL" dirty="0"/>
+          </a:p>
+        </p:txBody>
+      </p:sp>
+    </p:spTree>
+    <p:extLst>
+      <p:ext uri="{BB962C8B-B14F-4D97-AF65-F5344CB8AC3E}">
+        <p14:creationId xmlns:p14="http://schemas.microsoft.com/office/powerpoint/2010/main" val="3883246398"/>
+      </p:ext>
+    </p:extLst>
+  </p:cSld>
+  <p:clrMapOvr>
+    <a:masterClrMapping/>
+  </p:clrMapOvr>
+</p:sld>
+</file>
+
+<file path=ppt/slides/slide17.xml><?xml version="1.0" encoding="utf-8"?>
+<p:sld xmlns:a="http://schemas.openxmlformats.org/drawingml/2006/main" xmlns:r="http://schemas.openxmlformats.org/officeDocument/2006/relationships" xmlns:p="http://schemas.openxmlformats.org/presentationml/2006/main">
+  <p:cSld>
+    <p:spTree>
+      <p:nvGrpSpPr>
+        <p:cNvPr id="1" name=""/>
+        <p:cNvGrpSpPr/>
+        <p:nvPr/>
+      </p:nvGrpSpPr>
+      <p:grpSpPr>
+        <a:xfrm>
+          <a:off x="0" y="0"/>
+          <a:ext cx="0" cy="0"/>
+          <a:chOff x="0" y="0"/>
+          <a:chExt cx="0" cy="0"/>
+        </a:xfrm>
+      </p:grpSpPr>
+      <p:sp>
+        <p:nvSpPr>
+          <p:cNvPr id="2" name="Title 1">
+            <a:extLst>
+              <a:ext uri="{FF2B5EF4-FFF2-40B4-BE49-F238E27FC236}">
+                <a16:creationId xmlns:a16="http://schemas.microsoft.com/office/drawing/2014/main" id="{3B517D33-4257-3DE7-5361-FB5BE95A1C41}"/>
+              </a:ext>
+            </a:extLst>
+          </p:cNvPr>
+          <p:cNvSpPr>
+            <a:spLocks noGrp="1"/>
+          </p:cNvSpPr>
+          <p:nvPr>
+            <p:ph type="title"/>
+          </p:nvPr>
+        </p:nvSpPr>
+        <p:spPr/>
+        <p:txBody>
+          <a:bodyPr/>
+          <a:lstStyle/>
+          <a:p>
+            <a:r>
+              <a:rPr lang="en-US" dirty="0"/>
+              <a:t>Algorithm 1 – Bisection algorithm to solve 7b</a:t>
+            </a:r>
+            <a:endParaRPr lang="en-IL" dirty="0"/>
+          </a:p>
+        </p:txBody>
+      </p:sp>
+      <p:pic>
+        <p:nvPicPr>
+          <p:cNvPr id="5" name="Content Placeholder 4">
+            <a:extLst>
+              <a:ext uri="{FF2B5EF4-FFF2-40B4-BE49-F238E27FC236}">
+                <a16:creationId xmlns:a16="http://schemas.microsoft.com/office/drawing/2014/main" id="{F9CBF2B5-88AF-B2A2-DD59-423425262F65}"/>
+              </a:ext>
+            </a:extLst>
+          </p:cNvPr>
+          <p:cNvPicPr>
+            <a:picLocks noGrp="1" noChangeAspect="1"/>
+          </p:cNvPicPr>
+          <p:nvPr>
+            <p:ph idx="1"/>
+          </p:nvPr>
+        </p:nvPicPr>
+        <p:blipFill>
+          <a:blip r:embed="rId2"/>
+          <a:stretch>
+            <a:fillRect/>
+          </a:stretch>
+        </p:blipFill>
+        <p:spPr>
+          <a:xfrm>
+            <a:off x="1289138" y="1690688"/>
+            <a:ext cx="3581894" cy="4351338"/>
+          </a:xfrm>
+        </p:spPr>
+      </p:pic>
+      <p:pic>
+        <p:nvPicPr>
+          <p:cNvPr id="7" name="Picture 6">
+            <a:extLst>
+              <a:ext uri="{FF2B5EF4-FFF2-40B4-BE49-F238E27FC236}">
+                <a16:creationId xmlns:a16="http://schemas.microsoft.com/office/drawing/2014/main" id="{05D551F3-D7F2-59EC-EC6C-3277671F5BC9}"/>
+              </a:ext>
+            </a:extLst>
+          </p:cNvPr>
+          <p:cNvPicPr>
+            <a:picLocks noChangeAspect="1"/>
+          </p:cNvPicPr>
+          <p:nvPr/>
+        </p:nvPicPr>
+        <p:blipFill>
+          <a:blip r:embed="rId3"/>
+          <a:stretch>
+            <a:fillRect/>
+          </a:stretch>
+        </p:blipFill>
+        <p:spPr>
+          <a:xfrm>
+            <a:off x="5496425" y="1718761"/>
+            <a:ext cx="6118733" cy="831933"/>
+          </a:xfrm>
+          <a:prstGeom prst="rect">
+            <a:avLst/>
+          </a:prstGeom>
+        </p:spPr>
+      </p:pic>
+      <mc:AlternateContent xmlns:mc="http://schemas.openxmlformats.org/markup-compatibility/2006">
+        <mc:Choice xmlns:a14="http://schemas.microsoft.com/office/drawing/2010/main" Requires="a14">
+          <p:sp>
+            <p:nvSpPr>
+              <p:cNvPr id="10" name="TextBox 9">
+                <a:extLst>
+                  <a:ext uri="{FF2B5EF4-FFF2-40B4-BE49-F238E27FC236}">
+                    <a16:creationId xmlns:a16="http://schemas.microsoft.com/office/drawing/2014/main" id="{8400F568-8DB5-2E63-4512-AAEFA35EC440}"/>
+                  </a:ext>
+                </a:extLst>
+              </p:cNvPr>
+              <p:cNvSpPr txBox="1"/>
+              <p:nvPr/>
+            </p:nvSpPr>
+            <p:spPr>
+              <a:xfrm>
+                <a:off x="5729591" y="2550694"/>
+                <a:ext cx="5787958" cy="2259401"/>
+              </a:xfrm>
+              <a:prstGeom prst="rect">
+                <a:avLst/>
+              </a:prstGeom>
+              <a:noFill/>
+            </p:spPr>
+            <p:txBody>
+              <a:bodyPr wrap="square" rtlCol="0">
+                <a:spAutoFit/>
+              </a:bodyPr>
+              <a:lstStyle/>
+              <a:p>
+                <a:r>
+                  <a:rPr lang="en-US" sz="2800" dirty="0"/>
+                  <a:t>Theorem:</a:t>
+                </a:r>
+              </a:p>
+              <a:p>
+                <a:r>
+                  <a:rPr lang="en-US" sz="2800" dirty="0"/>
+                  <a:t>For any fixed inputs </a:t>
+                </a:r>
+                <a14:m>
+                  <m:oMath xmlns:m="http://schemas.openxmlformats.org/officeDocument/2006/math">
+                    <m:r>
+                      <a:rPr lang="en-US" sz="2800" b="0" i="1" smtClean="0">
+                        <a:latin typeface="Cambria Math" panose="02040503050406030204" pitchFamily="18" charset="0"/>
+                      </a:rPr>
+                      <m:t>𝜌</m:t>
+                    </m:r>
+                    <m:r>
+                      <a:rPr lang="en-US" sz="2800" b="0" i="1" smtClean="0">
+                        <a:latin typeface="Cambria Math" panose="02040503050406030204" pitchFamily="18" charset="0"/>
+                      </a:rPr>
+                      <m:t>, </m:t>
+                    </m:r>
+                    <m:r>
+                      <a:rPr lang="en-US" sz="2800" b="0" i="1" smtClean="0">
+                        <a:latin typeface="Cambria Math" panose="02040503050406030204" pitchFamily="18" charset="0"/>
+                      </a:rPr>
+                      <m:t>𝜖</m:t>
+                    </m:r>
+                    <m:r>
+                      <a:rPr lang="en-US" sz="2800" b="0" i="1" smtClean="0">
+                        <a:latin typeface="Cambria Math" panose="02040503050406030204" pitchFamily="18" charset="0"/>
+                      </a:rPr>
+                      <m:t>∈</m:t>
+                    </m:r>
+                    <m:sSub>
+                      <m:sSubPr>
+                        <m:ctrlPr>
+                          <a:rPr lang="en-US" sz="2800" b="0" i="1" smtClean="0">
+                            <a:latin typeface="Cambria Math" panose="02040503050406030204" pitchFamily="18" charset="0"/>
+                          </a:rPr>
+                        </m:ctrlPr>
+                      </m:sSubPr>
+                      <m:e>
+                        <m:r>
+                          <a:rPr lang="en-US" sz="2800" b="0" i="1" smtClean="0">
+                            <a:latin typeface="Cambria Math" panose="02040503050406030204" pitchFamily="18" charset="0"/>
+                          </a:rPr>
+                          <m:t>𝑅</m:t>
+                        </m:r>
+                      </m:e>
+                      <m:sub>
+                        <m:r>
+                          <a:rPr lang="en-US" sz="2800" b="0" i="1" smtClean="0">
+                            <a:latin typeface="Cambria Math" panose="02040503050406030204" pitchFamily="18" charset="0"/>
+                          </a:rPr>
+                          <m:t>++</m:t>
+                        </m:r>
+                      </m:sub>
+                    </m:sSub>
+                    <m:r>
+                      <a:rPr lang="en-US" sz="2800" b="0" i="1" smtClean="0">
+                        <a:latin typeface="Cambria Math" panose="02040503050406030204" pitchFamily="18" charset="0"/>
+                      </a:rPr>
+                      <m:t>, </m:t>
+                    </m:r>
+                  </m:oMath>
+                </a14:m>
+                <a:br>
+                  <a:rPr lang="en-US" sz="2800" b="0" i="1" dirty="0">
+                    <a:latin typeface="Cambria Math" panose="02040503050406030204" pitchFamily="18" charset="0"/>
+                  </a:rPr>
+                </a:br>
+                <a14:m>
+                  <m:oMath xmlns:m="http://schemas.openxmlformats.org/officeDocument/2006/math">
+                    <m:r>
+                      <m:rPr>
+                        <m:sty m:val="p"/>
+                      </m:rPr>
+                      <a:rPr lang="en-US" sz="2800" b="0" i="0" smtClean="0">
+                        <a:latin typeface="Cambria Math" panose="02040503050406030204" pitchFamily="18" charset="0"/>
+                      </a:rPr>
+                      <m:t>Σ</m:t>
+                    </m:r>
+                    <m:r>
+                      <a:rPr lang="en-US" sz="2800" b="0" i="1" smtClean="0">
+                        <a:latin typeface="Cambria Math" panose="02040503050406030204" pitchFamily="18" charset="0"/>
+                      </a:rPr>
+                      <m:t>∈</m:t>
+                    </m:r>
+                    <m:sSubSup>
+                      <m:sSubSupPr>
+                        <m:ctrlPr>
+                          <a:rPr lang="en-US" sz="2800" b="0" i="1" smtClean="0">
+                            <a:latin typeface="Cambria Math" panose="02040503050406030204" pitchFamily="18" charset="0"/>
+                          </a:rPr>
+                        </m:ctrlPr>
+                      </m:sSubSupPr>
+                      <m:e>
+                        <m:r>
+                          <a:rPr lang="en-US" sz="2800" b="0" i="1" smtClean="0">
+                            <a:latin typeface="Cambria Math" panose="02040503050406030204" pitchFamily="18" charset="0"/>
+                          </a:rPr>
+                          <m:t>𝕊</m:t>
+                        </m:r>
+                      </m:e>
+                      <m:sub>
+                        <m:r>
+                          <a:rPr lang="en-US" sz="2800" b="0" i="1" smtClean="0">
+                            <a:latin typeface="Cambria Math" panose="02040503050406030204" pitchFamily="18" charset="0"/>
+                          </a:rPr>
+                          <m:t>++</m:t>
+                        </m:r>
+                      </m:sub>
+                      <m:sup>
+                        <m:r>
+                          <a:rPr lang="en-US" sz="2800" b="0" i="1" smtClean="0">
+                            <a:latin typeface="Cambria Math" panose="02040503050406030204" pitchFamily="18" charset="0"/>
+                          </a:rPr>
+                          <m:t>𝑑</m:t>
+                        </m:r>
+                      </m:sup>
+                    </m:sSubSup>
+                  </m:oMath>
+                </a14:m>
+                <a:r>
+                  <a:rPr lang="en-US" sz="2800" dirty="0"/>
+                  <a:t>  and </a:t>
+                </a:r>
+                <a14:m>
+                  <m:oMath xmlns:m="http://schemas.openxmlformats.org/officeDocument/2006/math">
+                    <m:r>
+                      <a:rPr lang="en-US" sz="2800" b="0" i="1" smtClean="0">
+                        <a:latin typeface="Cambria Math" panose="02040503050406030204" pitchFamily="18" charset="0"/>
+                      </a:rPr>
+                      <m:t>𝑆</m:t>
+                    </m:r>
+                    <m:r>
+                      <a:rPr lang="en-US" sz="2800" b="0" i="1" smtClean="0">
+                        <a:latin typeface="Cambria Math" panose="02040503050406030204" pitchFamily="18" charset="0"/>
+                      </a:rPr>
+                      <m:t>∈</m:t>
+                    </m:r>
+                    <m:sSubSup>
+                      <m:sSubSupPr>
+                        <m:ctrlPr>
+                          <a:rPr lang="en-US" sz="2800" b="0" i="1" smtClean="0">
+                            <a:latin typeface="Cambria Math" panose="02040503050406030204" pitchFamily="18" charset="0"/>
+                          </a:rPr>
+                        </m:ctrlPr>
+                      </m:sSubSupPr>
+                      <m:e>
+                        <m:r>
+                          <a:rPr lang="en-US" sz="2800" b="0" i="1" smtClean="0">
+                            <a:latin typeface="Cambria Math" panose="02040503050406030204" pitchFamily="18" charset="0"/>
+                          </a:rPr>
+                          <m:t>𝕊</m:t>
+                        </m:r>
+                      </m:e>
+                      <m:sub>
+                        <m:r>
+                          <a:rPr lang="en-US" sz="2800" b="0" i="1" smtClean="0">
+                            <a:latin typeface="Cambria Math" panose="02040503050406030204" pitchFamily="18" charset="0"/>
+                          </a:rPr>
+                          <m:t>+</m:t>
+                        </m:r>
+                      </m:sub>
+                      <m:sup>
+                        <m:r>
+                          <a:rPr lang="en-US" sz="2800" b="0" i="1" smtClean="0">
+                            <a:latin typeface="Cambria Math" panose="02040503050406030204" pitchFamily="18" charset="0"/>
+                          </a:rPr>
+                          <m:t>𝑑</m:t>
+                        </m:r>
+                      </m:sup>
+                    </m:sSubSup>
+                  </m:oMath>
+                </a14:m>
+                <a:r>
+                  <a:rPr lang="en-US" sz="2800" dirty="0"/>
+                  <a:t>, algorithm 1 outputs a feasible and </a:t>
+                </a:r>
+                <a14:m>
+                  <m:oMath xmlns:m="http://schemas.openxmlformats.org/officeDocument/2006/math">
+                    <m:r>
+                      <a:rPr lang="en-US" sz="2800" b="0" i="1" smtClean="0">
+                        <a:latin typeface="Cambria Math" panose="02040503050406030204" pitchFamily="18" charset="0"/>
+                      </a:rPr>
+                      <m:t>𝜖</m:t>
+                    </m:r>
+                  </m:oMath>
+                </a14:m>
+                <a:r>
+                  <a:rPr lang="en-US" sz="2800" dirty="0"/>
+                  <a:t>-suboptimal solution to (7b) </a:t>
+                </a:r>
+                <a:endParaRPr lang="en-IL" sz="2800" dirty="0"/>
+              </a:p>
+            </p:txBody>
+          </p:sp>
+        </mc:Choice>
+        <mc:Fallback>
+          <p:sp>
+            <p:nvSpPr>
+              <p:cNvPr id="10" name="TextBox 9">
+                <a:extLst>
+                  <a:ext uri="{FF2B5EF4-FFF2-40B4-BE49-F238E27FC236}">
+                    <a16:creationId xmlns:a16="http://schemas.microsoft.com/office/drawing/2014/main" id="{8400F568-8DB5-2E63-4512-AAEFA35EC440}"/>
+                  </a:ext>
+                </a:extLst>
+              </p:cNvPr>
+              <p:cNvSpPr txBox="1">
+                <a:spLocks noRot="1" noChangeAspect="1" noMove="1" noResize="1" noEditPoints="1" noAdjustHandles="1" noChangeArrowheads="1" noChangeShapeType="1" noTextEdit="1"/>
+              </p:cNvSpPr>
+              <p:nvPr/>
+            </p:nvSpPr>
+            <p:spPr>
+              <a:xfrm>
+                <a:off x="5729591" y="2550694"/>
+                <a:ext cx="5787958" cy="2259401"/>
+              </a:xfrm>
+              <a:prstGeom prst="rect">
+                <a:avLst/>
+              </a:prstGeom>
+              <a:blipFill>
+                <a:blip r:embed="rId4"/>
+                <a:stretch>
+                  <a:fillRect l="-2213" t="-2426" b="-6739"/>
+                </a:stretch>
+              </a:blipFill>
+            </p:spPr>
+            <p:txBody>
+              <a:bodyPr/>
+              <a:lstStyle/>
+              <a:p>
+                <a:r>
+                  <a:rPr lang="en-IL">
+                    <a:noFill/>
+                  </a:rPr>
+                  <a:t> </a:t>
+                </a:r>
+              </a:p>
+            </p:txBody>
+          </p:sp>
+        </mc:Fallback>
+      </mc:AlternateContent>
+    </p:spTree>
+    <p:extLst>
+      <p:ext uri="{BB962C8B-B14F-4D97-AF65-F5344CB8AC3E}">
+        <p14:creationId xmlns:p14="http://schemas.microsoft.com/office/powerpoint/2010/main" val="1918537379"/>
+      </p:ext>
+    </p:extLst>
+  </p:cSld>
+  <p:clrMapOvr>
+    <a:masterClrMapping/>
+  </p:clrMapOvr>
+</p:sld>
+</file>
+
+<file path=ppt/slides/slide18.xml><?xml version="1.0" encoding="utf-8"?>
+<p:sld xmlns:a="http://schemas.openxmlformats.org/drawingml/2006/main" xmlns:r="http://schemas.openxmlformats.org/officeDocument/2006/relationships" xmlns:p="http://schemas.openxmlformats.org/presentationml/2006/main">
+  <p:cSld>
+    <p:spTree>
+      <p:nvGrpSpPr>
+        <p:cNvPr id="1" name=""/>
+        <p:cNvGrpSpPr/>
+        <p:nvPr/>
+      </p:nvGrpSpPr>
+      <p:grpSpPr>
+        <a:xfrm>
+          <a:off x="0" y="0"/>
+          <a:ext cx="0" cy="0"/>
+          <a:chOff x="0" y="0"/>
+          <a:chExt cx="0" cy="0"/>
+        </a:xfrm>
+      </p:grpSpPr>
+      <p:sp>
+        <p:nvSpPr>
+          <p:cNvPr id="2" name="Title 1">
+            <a:extLst>
+              <a:ext uri="{FF2B5EF4-FFF2-40B4-BE49-F238E27FC236}">
+                <a16:creationId xmlns:a16="http://schemas.microsoft.com/office/drawing/2014/main" id="{6EC760E3-A271-6D4C-5EA5-BB5DD95845D7}"/>
+              </a:ext>
+            </a:extLst>
+          </p:cNvPr>
+          <p:cNvSpPr>
+            <a:spLocks noGrp="1"/>
+          </p:cNvSpPr>
+          <p:nvPr>
+            <p:ph type="title"/>
+          </p:nvPr>
+        </p:nvSpPr>
+        <p:spPr>
+          <a:xfrm>
+            <a:off x="764005" y="349083"/>
+            <a:ext cx="10663989" cy="1325563"/>
+          </a:xfrm>
+        </p:spPr>
+        <p:txBody>
+          <a:bodyPr/>
+          <a:lstStyle/>
+          <a:p>
+            <a:r>
+              <a:rPr lang="en-US" dirty="0"/>
+              <a:t>Algorithm 2 – Frank-Wolfe algorithm to solve 5</a:t>
+            </a:r>
+            <a:endParaRPr lang="en-IL" dirty="0"/>
+          </a:p>
+        </p:txBody>
+      </p:sp>
+      <p:pic>
+        <p:nvPicPr>
+          <p:cNvPr id="5" name="Content Placeholder 4">
+            <a:extLst>
+              <a:ext uri="{FF2B5EF4-FFF2-40B4-BE49-F238E27FC236}">
+                <a16:creationId xmlns:a16="http://schemas.microsoft.com/office/drawing/2014/main" id="{C7E6EDCB-BA06-CCA3-EC42-315ABEE4D1E3}"/>
+              </a:ext>
+            </a:extLst>
+          </p:cNvPr>
+          <p:cNvPicPr>
+            <a:picLocks noGrp="1" noChangeAspect="1"/>
+          </p:cNvPicPr>
+          <p:nvPr>
+            <p:ph idx="1"/>
+          </p:nvPr>
+        </p:nvPicPr>
+        <p:blipFill>
+          <a:blip r:embed="rId2"/>
+          <a:stretch>
+            <a:fillRect/>
+          </a:stretch>
+        </p:blipFill>
+        <p:spPr>
+          <a:xfrm>
+            <a:off x="4104228" y="1641927"/>
+            <a:ext cx="4368563" cy="4866990"/>
+          </a:xfrm>
+        </p:spPr>
+      </p:pic>
+    </p:spTree>
+    <p:extLst>
+      <p:ext uri="{BB962C8B-B14F-4D97-AF65-F5344CB8AC3E}">
+        <p14:creationId xmlns:p14="http://schemas.microsoft.com/office/powerpoint/2010/main" val="2300046767"/>
+      </p:ext>
+    </p:extLst>
+  </p:cSld>
+  <p:clrMapOvr>
+    <a:masterClrMapping/>
+  </p:clrMapOvr>
+</p:sld>
+</file>
+
+<file path=ppt/slides/slide19.xml><?xml version="1.0" encoding="utf-8"?>
+<p:sld xmlns:a="http://schemas.openxmlformats.org/drawingml/2006/main" xmlns:r="http://schemas.openxmlformats.org/officeDocument/2006/relationships" xmlns:p="http://schemas.openxmlformats.org/presentationml/2006/main">
+  <p:cSld>
+    <p:spTree>
+      <p:nvGrpSpPr>
+        <p:cNvPr id="1" name=""/>
+        <p:cNvGrpSpPr/>
+        <p:nvPr/>
+      </p:nvGrpSpPr>
+      <p:grpSpPr>
+        <a:xfrm>
+          <a:off x="0" y="0"/>
+          <a:ext cx="0" cy="0"/>
+          <a:chOff x="0" y="0"/>
+          <a:chExt cx="0" cy="0"/>
+        </a:xfrm>
+      </p:grpSpPr>
+      <p:sp>
+        <p:nvSpPr>
+          <p:cNvPr id="2" name="Title 1">
+            <a:extLst>
+              <a:ext uri="{FF2B5EF4-FFF2-40B4-BE49-F238E27FC236}">
+                <a16:creationId xmlns:a16="http://schemas.microsoft.com/office/drawing/2014/main" id="{577F7869-F4F2-5533-FAA8-5BBA7149694B}"/>
+              </a:ext>
+            </a:extLst>
+          </p:cNvPr>
+          <p:cNvSpPr>
+            <a:spLocks noGrp="1"/>
+          </p:cNvSpPr>
+          <p:nvPr>
+            <p:ph type="title"/>
+          </p:nvPr>
+        </p:nvSpPr>
+        <p:spPr/>
+        <p:txBody>
+          <a:bodyPr/>
+          <a:lstStyle/>
+          <a:p>
+            <a:r>
+              <a:rPr lang="en-US" dirty="0"/>
+              <a:t>Example</a:t>
+            </a:r>
+            <a:endParaRPr lang="en-IL" dirty="0"/>
+          </a:p>
+        </p:txBody>
+      </p:sp>
+      <mc:AlternateContent xmlns:mc="http://schemas.openxmlformats.org/markup-compatibility/2006" xmlns:a14="http://schemas.microsoft.com/office/drawing/2010/main">
+        <mc:Choice Requires="a14">
+          <p:sp>
+            <p:nvSpPr>
+              <p:cNvPr id="3" name="Content Placeholder 2">
+                <a:extLst>
+                  <a:ext uri="{FF2B5EF4-FFF2-40B4-BE49-F238E27FC236}">
+                    <a16:creationId xmlns:a16="http://schemas.microsoft.com/office/drawing/2014/main" id="{DC8909B9-DA38-36B2-66BF-20665CDE56D9}"/>
+                  </a:ext>
+                </a:extLst>
+              </p:cNvPr>
+              <p:cNvSpPr>
+                <a:spLocks noGrp="1"/>
+              </p:cNvSpPr>
+              <p:nvPr>
+                <p:ph idx="1"/>
+              </p:nvPr>
+            </p:nvSpPr>
+            <p:spPr/>
+            <p:txBody>
+              <a:bodyPr/>
+              <a:lstStyle/>
+              <a:p>
+                <a:pPr marL="0" indent="0">
+                  <a:buNone/>
+                </a:pPr>
+                <a:r>
+                  <a:rPr lang="en-US" dirty="0"/>
+                  <a:t>We are driving a car from Netanya to Haifa.</a:t>
+                </a:r>
+              </a:p>
+              <a:p>
+                <a:pPr marL="0" indent="0">
+                  <a:buNone/>
+                </a:pPr>
+                <a:r>
+                  <a:rPr lang="en-US" dirty="0"/>
+                  <a:t>We want to know what our location </a:t>
+                </a:r>
+                <a14:m>
+                  <m:oMath xmlns:m="http://schemas.openxmlformats.org/officeDocument/2006/math">
+                    <m:d>
+                      <m:dPr>
+                        <m:ctrlPr>
+                          <a:rPr lang="en-US" b="0" i="1" smtClean="0">
+                            <a:latin typeface="Cambria Math" panose="02040503050406030204" pitchFamily="18" charset="0"/>
+                          </a:rPr>
+                        </m:ctrlPr>
+                      </m:dPr>
+                      <m:e>
+                        <m:r>
+                          <a:rPr lang="en-US" b="0" i="1" smtClean="0">
+                            <a:latin typeface="Cambria Math" panose="02040503050406030204" pitchFamily="18" charset="0"/>
+                          </a:rPr>
+                          <m:t>𝑥</m:t>
+                        </m:r>
+                      </m:e>
+                    </m:d>
+                  </m:oMath>
+                </a14:m>
+                <a:r>
+                  <a:rPr lang="en-US" dirty="0"/>
+                  <a:t> in every minute </a:t>
+                </a:r>
+                <a14:m>
+                  <m:oMath xmlns:m="http://schemas.openxmlformats.org/officeDocument/2006/math">
+                    <m:d>
+                      <m:dPr>
+                        <m:ctrlPr>
+                          <a:rPr lang="en-US" b="0" i="1" smtClean="0">
+                            <a:latin typeface="Cambria Math" panose="02040503050406030204" pitchFamily="18" charset="0"/>
+                          </a:rPr>
+                        </m:ctrlPr>
+                      </m:dPr>
+                      <m:e>
+                        <m:r>
+                          <a:rPr lang="en-US" b="0" i="1" smtClean="0">
+                            <a:latin typeface="Cambria Math" panose="02040503050406030204" pitchFamily="18" charset="0"/>
+                          </a:rPr>
+                          <m:t>𝑡</m:t>
+                        </m:r>
+                        <m:r>
+                          <a:rPr lang="en-US" b="0" i="1" smtClean="0">
+                            <a:latin typeface="Cambria Math" panose="02040503050406030204" pitchFamily="18" charset="0"/>
+                          </a:rPr>
+                          <m:t>∈</m:t>
+                        </m:r>
+                        <m:r>
+                          <a:rPr lang="en-US" b="0" i="1" smtClean="0">
+                            <a:latin typeface="Cambria Math" panose="02040503050406030204" pitchFamily="18" charset="0"/>
+                          </a:rPr>
+                          <m:t>ℕ</m:t>
+                        </m:r>
+                      </m:e>
+                    </m:d>
+                  </m:oMath>
+                </a14:m>
+                <a:r>
+                  <a:rPr lang="en-US" dirty="0"/>
+                  <a:t> - </a:t>
+                </a:r>
+                <a:br>
+                  <a:rPr lang="en-US" dirty="0"/>
+                </a:br>
+                <a14:m>
+                  <m:oMathPara xmlns:m="http://schemas.openxmlformats.org/officeDocument/2006/math">
+                    <m:oMathParaPr>
+                      <m:jc m:val="centerGroup"/>
+                    </m:oMathParaPr>
+                    <m:oMath xmlns:m="http://schemas.openxmlformats.org/officeDocument/2006/math">
+                      <m:sSub>
+                        <m:sSubPr>
+                          <m:ctrlPr>
+                            <a:rPr lang="en-US" b="0" i="1" smtClean="0">
+                              <a:latin typeface="Cambria Math" panose="02040503050406030204" pitchFamily="18" charset="0"/>
+                            </a:rPr>
+                          </m:ctrlPr>
+                        </m:sSubPr>
+                        <m:e>
+                          <m:r>
+                            <a:rPr lang="en-US" b="0" i="1" smtClean="0">
+                              <a:latin typeface="Cambria Math" panose="02040503050406030204" pitchFamily="18" charset="0"/>
+                            </a:rPr>
+                            <m:t>𝑥</m:t>
+                          </m:r>
+                        </m:e>
+                        <m:sub>
+                          <m:r>
+                            <a:rPr lang="en-US" b="0" i="1" smtClean="0">
+                              <a:latin typeface="Cambria Math" panose="02040503050406030204" pitchFamily="18" charset="0"/>
+                            </a:rPr>
+                            <m:t>𝑡</m:t>
+                          </m:r>
+                        </m:sub>
+                      </m:sSub>
+                      <m:r>
+                        <a:rPr lang="en-US" b="0" i="1" smtClean="0">
+                          <a:latin typeface="Cambria Math" panose="02040503050406030204" pitchFamily="18" charset="0"/>
+                        </a:rPr>
+                        <m:t>∈</m:t>
+                      </m:r>
+                      <m:r>
+                        <a:rPr lang="en-US" b="0" i="1" smtClean="0">
+                          <a:latin typeface="Cambria Math" panose="02040503050406030204" pitchFamily="18" charset="0"/>
+                        </a:rPr>
+                        <m:t>𝑅</m:t>
+                      </m:r>
+                    </m:oMath>
+                  </m:oMathPara>
+                </a14:m>
+                <a:endParaRPr lang="en-US" dirty="0"/>
+              </a:p>
+              <a:p>
+                <a:pPr marL="0" indent="0">
+                  <a:buNone/>
+                </a:pPr>
+                <a:r>
+                  <a:rPr lang="en-US" dirty="0"/>
+                  <a:t>We only know the speed at which we are going in every minute – </a:t>
+                </a:r>
+              </a:p>
+              <a:p>
+                <a:pPr marL="0" indent="0">
+                  <a:buNone/>
+                </a:pPr>
+                <a14:m>
+                  <m:oMathPara xmlns:m="http://schemas.openxmlformats.org/officeDocument/2006/math">
+                    <m:oMathParaPr>
+                      <m:jc m:val="centerGroup"/>
+                    </m:oMathParaPr>
+                    <m:oMath xmlns:m="http://schemas.openxmlformats.org/officeDocument/2006/math">
+                      <m:sSub>
+                        <m:sSubPr>
+                          <m:ctrlPr>
+                            <a:rPr lang="en-US" b="0" i="1" smtClean="0">
+                              <a:latin typeface="Cambria Math" panose="02040503050406030204" pitchFamily="18" charset="0"/>
+                            </a:rPr>
+                          </m:ctrlPr>
+                        </m:sSubPr>
+                        <m:e>
+                          <m:r>
+                            <a:rPr lang="en-US" b="0" i="1" smtClean="0">
+                              <a:latin typeface="Cambria Math" panose="02040503050406030204" pitchFamily="18" charset="0"/>
+                            </a:rPr>
+                            <m:t>𝑦</m:t>
+                          </m:r>
+                        </m:e>
+                        <m:sub>
+                          <m:r>
+                            <a:rPr lang="en-US" b="0" i="1" smtClean="0">
+                              <a:latin typeface="Cambria Math" panose="02040503050406030204" pitchFamily="18" charset="0"/>
+                            </a:rPr>
+                            <m:t>𝑡</m:t>
+                          </m:r>
+                        </m:sub>
+                      </m:sSub>
+                      <m:r>
+                        <a:rPr lang="en-US" b="0" i="1" smtClean="0">
+                          <a:latin typeface="Cambria Math" panose="02040503050406030204" pitchFamily="18" charset="0"/>
+                        </a:rPr>
+                        <m:t>∈</m:t>
+                      </m:r>
+                      <m:r>
+                        <a:rPr lang="en-US" b="0" i="1" smtClean="0">
+                          <a:latin typeface="Cambria Math" panose="02040503050406030204" pitchFamily="18" charset="0"/>
+                        </a:rPr>
+                        <m:t>𝑅</m:t>
+                      </m:r>
+                    </m:oMath>
+                  </m:oMathPara>
+                </a14:m>
+                <a:endParaRPr lang="en-US" dirty="0"/>
+              </a:p>
+              <a:p>
+                <a:pPr marL="0" indent="0">
+                  <a:buNone/>
+                </a:pPr>
+                <a:r>
+                  <a:rPr lang="en-US" dirty="0"/>
+                  <a:t>Accept we don’t know the true speed; we know a noisy signal.</a:t>
+                </a:r>
+              </a:p>
+              <a:p>
+                <a:pPr marL="0" indent="0">
+                  <a:buNone/>
+                </a:pPr>
+                <a:r>
+                  <a:rPr lang="en-US" dirty="0"/>
+                  <a:t>We want to know our location from our speed. </a:t>
+                </a:r>
+              </a:p>
+            </p:txBody>
+          </p:sp>
+        </mc:Choice>
+        <mc:Fallback xmlns="">
+          <p:sp>
+            <p:nvSpPr>
+              <p:cNvPr id="3" name="Content Placeholder 2">
+                <a:extLst>
+                  <a:ext uri="{FF2B5EF4-FFF2-40B4-BE49-F238E27FC236}">
+                    <a16:creationId xmlns:a16="http://schemas.microsoft.com/office/drawing/2014/main" id="{DC8909B9-DA38-36B2-66BF-20665CDE56D9}"/>
+                  </a:ext>
+                </a:extLst>
+              </p:cNvPr>
+              <p:cNvSpPr>
+                <a:spLocks noGrp="1" noRot="1" noChangeAspect="1" noMove="1" noResize="1" noEditPoints="1" noAdjustHandles="1" noChangeArrowheads="1" noChangeShapeType="1" noTextEdit="1"/>
+              </p:cNvSpPr>
+              <p:nvPr>
+                <p:ph idx="1"/>
+              </p:nvPr>
+            </p:nvSpPr>
+            <p:spPr>
+              <a:blipFill>
+                <a:blip r:embed="rId2"/>
+                <a:stretch>
+                  <a:fillRect l="-1217" t="-2241"/>
+                </a:stretch>
+              </a:blipFill>
+            </p:spPr>
+            <p:txBody>
+              <a:bodyPr/>
+              <a:lstStyle/>
+              <a:p>
+                <a:r>
+                  <a:rPr lang="en-IL">
+                    <a:noFill/>
+                  </a:rPr>
+                  <a:t> </a:t>
+                </a:r>
+              </a:p>
+            </p:txBody>
+          </p:sp>
+        </mc:Fallback>
+      </mc:AlternateContent>
+    </p:spTree>
+    <p:extLst>
+      <p:ext uri="{BB962C8B-B14F-4D97-AF65-F5344CB8AC3E}">
+        <p14:creationId xmlns:p14="http://schemas.microsoft.com/office/powerpoint/2010/main" val="1645578039"/>
+      </p:ext>
+    </p:extLst>
+  </p:cSld>
+  <p:clrMapOvr>
+    <a:masterClrMapping/>
+  </p:clrMapOvr>
+</p:sld>
+</file>
+
 <file path=ppt/slides/slide2.xml><?xml version="1.0" encoding="utf-8"?>
 <p:sld xmlns:a="http://schemas.openxmlformats.org/drawingml/2006/main" xmlns:r="http://schemas.openxmlformats.org/officeDocument/2006/relationships" xmlns:p="http://schemas.openxmlformats.org/presentationml/2006/main">
   <p:cSld>
@@ -3472,8 +6423,8 @@
           </a:p>
         </p:txBody>
       </p:sp>
-      <mc:AlternateContent xmlns:mc="http://schemas.openxmlformats.org/markup-compatibility/2006">
-        <mc:Choice xmlns:a14="http://schemas.microsoft.com/office/drawing/2010/main" Requires="a14">
+      <mc:AlternateContent xmlns:mc="http://schemas.openxmlformats.org/markup-compatibility/2006" xmlns:a14="http://schemas.microsoft.com/office/drawing/2010/main">
+        <mc:Choice Requires="a14">
           <p:sp>
             <p:nvSpPr>
               <p:cNvPr id="3" name="Content Placeholder 2">
@@ -3657,7 +6608,7 @@
             </p:txBody>
           </p:sp>
         </mc:Choice>
-        <mc:Fallback>
+        <mc:Fallback xmlns="">
           <p:sp>
             <p:nvSpPr>
               <p:cNvPr id="3" name="Content Placeholder 2">
@@ -3701,6 +6652,1721 @@
     <p:extLst>
       <p:ext uri="{BB962C8B-B14F-4D97-AF65-F5344CB8AC3E}">
         <p14:creationId xmlns:p14="http://schemas.microsoft.com/office/powerpoint/2010/main" val="2009052156"/>
+      </p:ext>
+    </p:extLst>
+  </p:cSld>
+  <p:clrMapOvr>
+    <a:masterClrMapping/>
+  </p:clrMapOvr>
+</p:sld>
+</file>
+
+<file path=ppt/slides/slide20.xml><?xml version="1.0" encoding="utf-8"?>
+<p:sld xmlns:a="http://schemas.openxmlformats.org/drawingml/2006/main" xmlns:r="http://schemas.openxmlformats.org/officeDocument/2006/relationships" xmlns:p="http://schemas.openxmlformats.org/presentationml/2006/main">
+  <p:cSld>
+    <p:spTree>
+      <p:nvGrpSpPr>
+        <p:cNvPr id="1" name=""/>
+        <p:cNvGrpSpPr/>
+        <p:nvPr/>
+      </p:nvGrpSpPr>
+      <p:grpSpPr>
+        <a:xfrm>
+          <a:off x="0" y="0"/>
+          <a:ext cx="0" cy="0"/>
+          <a:chOff x="0" y="0"/>
+          <a:chExt cx="0" cy="0"/>
+        </a:xfrm>
+      </p:grpSpPr>
+      <p:sp>
+        <p:nvSpPr>
+          <p:cNvPr id="2" name="Title 1">
+            <a:extLst>
+              <a:ext uri="{FF2B5EF4-FFF2-40B4-BE49-F238E27FC236}">
+                <a16:creationId xmlns:a16="http://schemas.microsoft.com/office/drawing/2014/main" id="{A8CBD66E-FAFC-E774-6428-65026D8128A3}"/>
+              </a:ext>
+            </a:extLst>
+          </p:cNvPr>
+          <p:cNvSpPr>
+            <a:spLocks noGrp="1"/>
+          </p:cNvSpPr>
+          <p:nvPr>
+            <p:ph type="title"/>
+          </p:nvPr>
+        </p:nvSpPr>
+        <p:spPr/>
+        <p:txBody>
+          <a:bodyPr/>
+          <a:lstStyle/>
+          <a:p>
+            <a:r>
+              <a:rPr lang="en-US" dirty="0"/>
+              <a:t>Background</a:t>
+            </a:r>
+            <a:endParaRPr lang="en-IL" dirty="0"/>
+          </a:p>
+        </p:txBody>
+      </p:sp>
+      <mc:AlternateContent xmlns:mc="http://schemas.openxmlformats.org/markup-compatibility/2006" xmlns:a14="http://schemas.microsoft.com/office/drawing/2010/main">
+        <mc:Choice Requires="a14">
+          <p:sp>
+            <p:nvSpPr>
+              <p:cNvPr id="3" name="Content Placeholder 2">
+                <a:extLst>
+                  <a:ext uri="{FF2B5EF4-FFF2-40B4-BE49-F238E27FC236}">
+                    <a16:creationId xmlns:a16="http://schemas.microsoft.com/office/drawing/2014/main" id="{986DAB35-67BB-17CE-A7B4-1F38AED6C979}"/>
+                  </a:ext>
+                </a:extLst>
+              </p:cNvPr>
+              <p:cNvSpPr>
+                <a:spLocks noGrp="1"/>
+              </p:cNvSpPr>
+              <p:nvPr>
+                <p:ph idx="1"/>
+              </p:nvPr>
+            </p:nvSpPr>
+            <p:spPr/>
+            <p:txBody>
+              <a:bodyPr/>
+              <a:lstStyle/>
+              <a:p>
+                <a:pPr marL="0" indent="0">
+                  <a:buNone/>
+                </a:pPr>
+                <a:r>
+                  <a:rPr lang="en-US" dirty="0"/>
+                  <a:t>Denote </a:t>
+                </a:r>
+                <a14:m>
+                  <m:oMath xmlns:m="http://schemas.openxmlformats.org/officeDocument/2006/math">
+                    <m:sSub>
+                      <m:sSubPr>
+                        <m:ctrlPr>
+                          <a:rPr lang="en-US" b="0" i="1" smtClean="0">
+                            <a:latin typeface="Cambria Math" panose="02040503050406030204" pitchFamily="18" charset="0"/>
+                          </a:rPr>
+                        </m:ctrlPr>
+                      </m:sSubPr>
+                      <m:e>
+                        <m:r>
+                          <a:rPr lang="en-US" b="0" i="1" smtClean="0">
+                            <a:latin typeface="Cambria Math" panose="02040503050406030204" pitchFamily="18" charset="0"/>
+                          </a:rPr>
+                          <m:t>𝑧</m:t>
+                        </m:r>
+                      </m:e>
+                      <m:sub>
+                        <m:r>
+                          <a:rPr lang="en-US" b="0" i="1" smtClean="0">
+                            <a:latin typeface="Cambria Math" panose="02040503050406030204" pitchFamily="18" charset="0"/>
+                          </a:rPr>
+                          <m:t>𝑡</m:t>
+                        </m:r>
+                      </m:sub>
+                    </m:sSub>
+                  </m:oMath>
+                </a14:m>
+                <a:r>
+                  <a:rPr lang="en-US" dirty="0"/>
+                  <a:t> as </a:t>
+                </a:r>
+                <a14:m>
+                  <m:oMath xmlns:m="http://schemas.openxmlformats.org/officeDocument/2006/math">
+                    <m:sSub>
+                      <m:sSubPr>
+                        <m:ctrlPr>
+                          <a:rPr lang="en-US" b="0" i="1" smtClean="0">
+                            <a:latin typeface="Cambria Math" panose="02040503050406030204" pitchFamily="18" charset="0"/>
+                          </a:rPr>
+                        </m:ctrlPr>
+                      </m:sSubPr>
+                      <m:e>
+                        <m:r>
+                          <a:rPr lang="en-US" b="0" i="1" smtClean="0">
+                            <a:latin typeface="Cambria Math" panose="02040503050406030204" pitchFamily="18" charset="0"/>
+                          </a:rPr>
+                          <m:t>𝑧</m:t>
+                        </m:r>
+                      </m:e>
+                      <m:sub>
+                        <m:r>
+                          <a:rPr lang="en-US" b="0" i="1" smtClean="0">
+                            <a:latin typeface="Cambria Math" panose="02040503050406030204" pitchFamily="18" charset="0"/>
+                          </a:rPr>
+                          <m:t>𝑡</m:t>
+                        </m:r>
+                      </m:sub>
+                    </m:sSub>
+                    <m:r>
+                      <a:rPr lang="en-US" b="0" i="1" smtClean="0">
+                        <a:latin typeface="Cambria Math" panose="02040503050406030204" pitchFamily="18" charset="0"/>
+                      </a:rPr>
+                      <m:t>=</m:t>
+                    </m:r>
+                    <m:d>
+                      <m:dPr>
+                        <m:ctrlPr>
+                          <a:rPr lang="en-US" b="0" i="1" smtClean="0">
+                            <a:latin typeface="Cambria Math" panose="02040503050406030204" pitchFamily="18" charset="0"/>
+                          </a:rPr>
+                        </m:ctrlPr>
+                      </m:dPr>
+                      <m:e>
+                        <m:eqArr>
+                          <m:eqArrPr>
+                            <m:ctrlPr>
+                              <a:rPr lang="en-US" b="0" i="1" smtClean="0">
+                                <a:latin typeface="Cambria Math" panose="02040503050406030204" pitchFamily="18" charset="0"/>
+                              </a:rPr>
+                            </m:ctrlPr>
+                          </m:eqArrPr>
+                          <m:e>
+                            <m:sSub>
+                              <m:sSubPr>
+                                <m:ctrlPr>
+                                  <a:rPr lang="en-US" b="0" i="1" smtClean="0">
+                                    <a:latin typeface="Cambria Math" panose="02040503050406030204" pitchFamily="18" charset="0"/>
+                                  </a:rPr>
+                                </m:ctrlPr>
+                              </m:sSubPr>
+                              <m:e>
+                                <m:r>
+                                  <a:rPr lang="en-US" b="0" i="1" smtClean="0">
+                                    <a:latin typeface="Cambria Math" panose="02040503050406030204" pitchFamily="18" charset="0"/>
+                                  </a:rPr>
+                                  <m:t>𝑥</m:t>
+                                </m:r>
+                              </m:e>
+                              <m:sub>
+                                <m:r>
+                                  <a:rPr lang="en-US" b="0" i="1" smtClean="0">
+                                    <a:latin typeface="Cambria Math" panose="02040503050406030204" pitchFamily="18" charset="0"/>
+                                  </a:rPr>
+                                  <m:t>𝑡</m:t>
+                                </m:r>
+                              </m:sub>
+                            </m:sSub>
+                          </m:e>
+                          <m:e>
+                            <m:sSub>
+                              <m:sSubPr>
+                                <m:ctrlPr>
+                                  <a:rPr lang="en-US" b="0" i="1" smtClean="0">
+                                    <a:latin typeface="Cambria Math" panose="02040503050406030204" pitchFamily="18" charset="0"/>
+                                  </a:rPr>
+                                </m:ctrlPr>
+                              </m:sSubPr>
+                              <m:e>
+                                <m:r>
+                                  <a:rPr lang="en-US" b="0" i="1" smtClean="0">
+                                    <a:latin typeface="Cambria Math" panose="02040503050406030204" pitchFamily="18" charset="0"/>
+                                  </a:rPr>
+                                  <m:t>𝑦</m:t>
+                                </m:r>
+                              </m:e>
+                              <m:sub>
+                                <m:r>
+                                  <a:rPr lang="en-US" b="0" i="1" smtClean="0">
+                                    <a:latin typeface="Cambria Math" panose="02040503050406030204" pitchFamily="18" charset="0"/>
+                                  </a:rPr>
+                                  <m:t>𝑡</m:t>
+                                </m:r>
+                              </m:sub>
+                            </m:sSub>
+                          </m:e>
+                        </m:eqArr>
+                      </m:e>
+                    </m:d>
+                  </m:oMath>
+                </a14:m>
+                <a:r>
+                  <a:rPr lang="en-US" dirty="0"/>
+                  <a:t>.</a:t>
+                </a:r>
+              </a:p>
+              <a:p>
+                <a:pPr marL="0" indent="0">
+                  <a:buNone/>
+                </a:pPr>
+                <a:r>
+                  <a:rPr lang="en-US" dirty="0"/>
+                  <a:t>The nominal distribution </a:t>
+                </a:r>
+                <a14:m>
+                  <m:oMath xmlns:m="http://schemas.openxmlformats.org/officeDocument/2006/math">
+                    <m:sSubSup>
+                      <m:sSubSupPr>
+                        <m:ctrlPr>
+                          <a:rPr lang="en-US" b="0" i="1" smtClean="0">
+                            <a:latin typeface="Cambria Math" panose="02040503050406030204" pitchFamily="18" charset="0"/>
+                          </a:rPr>
+                        </m:ctrlPr>
+                      </m:sSubSupPr>
+                      <m:e>
+                        <m:r>
+                          <a:rPr lang="en-US" b="0" i="1" smtClean="0">
+                            <a:latin typeface="Cambria Math" panose="02040503050406030204" pitchFamily="18" charset="0"/>
+                          </a:rPr>
+                          <m:t>ℙ</m:t>
+                        </m:r>
+                      </m:e>
+                      <m:sub>
+                        <m:sSub>
+                          <m:sSubPr>
+                            <m:ctrlPr>
+                              <a:rPr lang="en-US" b="0" i="1" smtClean="0">
+                                <a:latin typeface="Cambria Math" panose="02040503050406030204" pitchFamily="18" charset="0"/>
+                              </a:rPr>
+                            </m:ctrlPr>
+                          </m:sSubPr>
+                          <m:e>
+                            <m:r>
+                              <a:rPr lang="en-US" b="0" i="1" smtClean="0">
+                                <a:latin typeface="Cambria Math" panose="02040503050406030204" pitchFamily="18" charset="0"/>
+                              </a:rPr>
+                              <m:t>𝑧</m:t>
+                            </m:r>
+                          </m:e>
+                          <m:sub>
+                            <m:r>
+                              <a:rPr lang="en-US" b="0" i="1" smtClean="0">
+                                <a:latin typeface="Cambria Math" panose="02040503050406030204" pitchFamily="18" charset="0"/>
+                              </a:rPr>
+                              <m:t>𝑡</m:t>
+                            </m:r>
+                          </m:sub>
+                        </m:sSub>
+                        <m:r>
+                          <a:rPr lang="en-US" b="0" i="1" smtClean="0">
+                            <a:latin typeface="Cambria Math" panose="02040503050406030204" pitchFamily="18" charset="0"/>
+                          </a:rPr>
+                          <m:t>|</m:t>
+                        </m:r>
+                        <m:sSub>
+                          <m:sSubPr>
+                            <m:ctrlPr>
+                              <a:rPr lang="en-US" b="0" i="1" smtClean="0">
+                                <a:latin typeface="Cambria Math" panose="02040503050406030204" pitchFamily="18" charset="0"/>
+                              </a:rPr>
+                            </m:ctrlPr>
+                          </m:sSubPr>
+                          <m:e>
+                            <m:r>
+                              <a:rPr lang="en-US" b="0" i="1" smtClean="0">
+                                <a:latin typeface="Cambria Math" panose="02040503050406030204" pitchFamily="18" charset="0"/>
+                              </a:rPr>
+                              <m:t>𝑥</m:t>
+                            </m:r>
+                          </m:e>
+                          <m:sub>
+                            <m:r>
+                              <a:rPr lang="en-US" b="0" i="1" smtClean="0">
+                                <a:latin typeface="Cambria Math" panose="02040503050406030204" pitchFamily="18" charset="0"/>
+                              </a:rPr>
+                              <m:t>𝑡</m:t>
+                            </m:r>
+                            <m:r>
+                              <a:rPr lang="en-US" b="0" i="1" smtClean="0">
+                                <a:latin typeface="Cambria Math" panose="02040503050406030204" pitchFamily="18" charset="0"/>
+                              </a:rPr>
+                              <m:t>−1</m:t>
+                            </m:r>
+                          </m:sub>
+                        </m:sSub>
+                      </m:sub>
+                      <m:sup>
+                        <m:r>
+                          <a:rPr lang="en-US" b="0" i="1" smtClean="0">
+                            <a:latin typeface="Cambria Math" panose="02040503050406030204" pitchFamily="18" charset="0"/>
+                          </a:rPr>
+                          <m:t>∗</m:t>
+                        </m:r>
+                      </m:sup>
+                    </m:sSubSup>
+                  </m:oMath>
+                </a14:m>
+                <a:r>
+                  <a:rPr lang="en-US" dirty="0"/>
+                  <a:t> is known and is:</a:t>
+                </a:r>
+              </a:p>
+              <a:p>
+                <a:pPr marL="0" indent="0">
+                  <a:buNone/>
+                </a:pPr>
+                <a14:m>
+                  <m:oMathPara xmlns:m="http://schemas.openxmlformats.org/officeDocument/2006/math">
+                    <m:oMathParaPr>
+                      <m:jc m:val="centerGroup"/>
+                    </m:oMathParaPr>
+                    <m:oMath xmlns:m="http://schemas.openxmlformats.org/officeDocument/2006/math">
+                      <m:sSub>
+                        <m:sSubPr>
+                          <m:ctrlPr>
+                            <a:rPr lang="en-US" b="0" i="1" smtClean="0">
+                              <a:latin typeface="Cambria Math" panose="02040503050406030204" pitchFamily="18" charset="0"/>
+                            </a:rPr>
+                          </m:ctrlPr>
+                        </m:sSubPr>
+                        <m:e>
+                          <m:r>
+                            <a:rPr lang="en-US" b="0" i="1" smtClean="0">
+                              <a:latin typeface="Cambria Math" panose="02040503050406030204" pitchFamily="18" charset="0"/>
+                            </a:rPr>
+                            <m:t>𝑥</m:t>
+                          </m:r>
+                        </m:e>
+                        <m:sub>
+                          <m:r>
+                            <a:rPr lang="en-US" b="0" i="1" smtClean="0">
+                              <a:latin typeface="Cambria Math" panose="02040503050406030204" pitchFamily="18" charset="0"/>
+                            </a:rPr>
+                            <m:t>𝑡</m:t>
+                          </m:r>
+                        </m:sub>
+                      </m:sSub>
+                      <m:r>
+                        <a:rPr lang="en-US" b="0" i="1" smtClean="0">
+                          <a:latin typeface="Cambria Math" panose="02040503050406030204" pitchFamily="18" charset="0"/>
+                        </a:rPr>
+                        <m:t>=</m:t>
+                      </m:r>
+                      <m:sSub>
+                        <m:sSubPr>
+                          <m:ctrlPr>
+                            <a:rPr lang="en-US" b="0" i="1" smtClean="0">
+                              <a:latin typeface="Cambria Math" panose="02040503050406030204" pitchFamily="18" charset="0"/>
+                            </a:rPr>
+                          </m:ctrlPr>
+                        </m:sSubPr>
+                        <m:e>
+                          <m:r>
+                            <a:rPr lang="en-US" b="0" i="1" smtClean="0">
+                              <a:latin typeface="Cambria Math" panose="02040503050406030204" pitchFamily="18" charset="0"/>
+                            </a:rPr>
+                            <m:t>𝐴</m:t>
+                          </m:r>
+                        </m:e>
+                        <m:sub>
+                          <m:r>
+                            <a:rPr lang="en-US" b="0" i="1" smtClean="0">
+                              <a:latin typeface="Cambria Math" panose="02040503050406030204" pitchFamily="18" charset="0"/>
+                            </a:rPr>
+                            <m:t>𝑡</m:t>
+                          </m:r>
+                        </m:sub>
+                      </m:sSub>
+                      <m:sSub>
+                        <m:sSubPr>
+                          <m:ctrlPr>
+                            <a:rPr lang="en-US" b="0" i="1" smtClean="0">
+                              <a:latin typeface="Cambria Math" panose="02040503050406030204" pitchFamily="18" charset="0"/>
+                            </a:rPr>
+                          </m:ctrlPr>
+                        </m:sSubPr>
+                        <m:e>
+                          <m:r>
+                            <a:rPr lang="en-US" b="0" i="1" smtClean="0">
+                              <a:latin typeface="Cambria Math" panose="02040503050406030204" pitchFamily="18" charset="0"/>
+                            </a:rPr>
+                            <m:t>𝑥</m:t>
+                          </m:r>
+                        </m:e>
+                        <m:sub>
+                          <m:r>
+                            <a:rPr lang="en-US" b="0" i="1" smtClean="0">
+                              <a:latin typeface="Cambria Math" panose="02040503050406030204" pitchFamily="18" charset="0"/>
+                            </a:rPr>
+                            <m:t>𝑡</m:t>
+                          </m:r>
+                          <m:r>
+                            <a:rPr lang="en-US" b="0" i="1" smtClean="0">
+                              <a:latin typeface="Cambria Math" panose="02040503050406030204" pitchFamily="18" charset="0"/>
+                            </a:rPr>
+                            <m:t>−1</m:t>
+                          </m:r>
+                        </m:sub>
+                      </m:sSub>
+                      <m:r>
+                        <a:rPr lang="en-US" b="0" i="1" smtClean="0">
+                          <a:latin typeface="Cambria Math" panose="02040503050406030204" pitchFamily="18" charset="0"/>
+                        </a:rPr>
+                        <m:t>+</m:t>
+                      </m:r>
+                      <m:sSub>
+                        <m:sSubPr>
+                          <m:ctrlPr>
+                            <a:rPr lang="en-US" b="0" i="1" smtClean="0">
+                              <a:latin typeface="Cambria Math" panose="02040503050406030204" pitchFamily="18" charset="0"/>
+                            </a:rPr>
+                          </m:ctrlPr>
+                        </m:sSubPr>
+                        <m:e>
+                          <m:r>
+                            <a:rPr lang="en-US" b="0" i="1" smtClean="0">
+                              <a:latin typeface="Cambria Math" panose="02040503050406030204" pitchFamily="18" charset="0"/>
+                            </a:rPr>
+                            <m:t>𝐵</m:t>
+                          </m:r>
+                        </m:e>
+                        <m:sub>
+                          <m:r>
+                            <a:rPr lang="en-US" b="0" i="1" smtClean="0">
+                              <a:latin typeface="Cambria Math" panose="02040503050406030204" pitchFamily="18" charset="0"/>
+                            </a:rPr>
+                            <m:t>𝑡</m:t>
+                          </m:r>
+                        </m:sub>
+                      </m:sSub>
+                      <m:sSub>
+                        <m:sSubPr>
+                          <m:ctrlPr>
+                            <a:rPr lang="en-US" b="0" i="1" smtClean="0">
+                              <a:latin typeface="Cambria Math" panose="02040503050406030204" pitchFamily="18" charset="0"/>
+                            </a:rPr>
+                          </m:ctrlPr>
+                        </m:sSubPr>
+                        <m:e>
+                          <m:r>
+                            <a:rPr lang="en-US" b="0" i="1" smtClean="0">
+                              <a:latin typeface="Cambria Math" panose="02040503050406030204" pitchFamily="18" charset="0"/>
+                            </a:rPr>
+                            <m:t>𝑣</m:t>
+                          </m:r>
+                        </m:e>
+                        <m:sub>
+                          <m:r>
+                            <a:rPr lang="en-US" b="0" i="1" smtClean="0">
+                              <a:latin typeface="Cambria Math" panose="02040503050406030204" pitchFamily="18" charset="0"/>
+                            </a:rPr>
+                            <m:t>𝑡</m:t>
+                          </m:r>
+                        </m:sub>
+                      </m:sSub>
+                    </m:oMath>
+                    <m:oMath xmlns:m="http://schemas.openxmlformats.org/officeDocument/2006/math">
+                      <m:sSub>
+                        <m:sSubPr>
+                          <m:ctrlPr>
+                            <a:rPr lang="en-US" b="0" i="1" smtClean="0">
+                              <a:latin typeface="Cambria Math" panose="02040503050406030204" pitchFamily="18" charset="0"/>
+                            </a:rPr>
+                          </m:ctrlPr>
+                        </m:sSubPr>
+                        <m:e>
+                          <m:r>
+                            <a:rPr lang="en-US" b="0" i="1" smtClean="0">
+                              <a:latin typeface="Cambria Math" panose="02040503050406030204" pitchFamily="18" charset="0"/>
+                            </a:rPr>
+                            <m:t>𝑦</m:t>
+                          </m:r>
+                        </m:e>
+                        <m:sub>
+                          <m:r>
+                            <a:rPr lang="en-US" b="0" i="1" smtClean="0">
+                              <a:latin typeface="Cambria Math" panose="02040503050406030204" pitchFamily="18" charset="0"/>
+                            </a:rPr>
+                            <m:t>𝑡</m:t>
+                          </m:r>
+                        </m:sub>
+                      </m:sSub>
+                      <m:r>
+                        <a:rPr lang="en-US" b="0" i="1" smtClean="0">
+                          <a:latin typeface="Cambria Math" panose="02040503050406030204" pitchFamily="18" charset="0"/>
+                        </a:rPr>
+                        <m:t>=</m:t>
+                      </m:r>
+                      <m:sSub>
+                        <m:sSubPr>
+                          <m:ctrlPr>
+                            <a:rPr lang="en-US" b="0" i="1" smtClean="0">
+                              <a:latin typeface="Cambria Math" panose="02040503050406030204" pitchFamily="18" charset="0"/>
+                            </a:rPr>
+                          </m:ctrlPr>
+                        </m:sSubPr>
+                        <m:e>
+                          <m:r>
+                            <a:rPr lang="en-US" b="0" i="1" smtClean="0">
+                              <a:latin typeface="Cambria Math" panose="02040503050406030204" pitchFamily="18" charset="0"/>
+                            </a:rPr>
+                            <m:t>𝐶</m:t>
+                          </m:r>
+                        </m:e>
+                        <m:sub>
+                          <m:r>
+                            <a:rPr lang="en-US" b="0" i="1" smtClean="0">
+                              <a:latin typeface="Cambria Math" panose="02040503050406030204" pitchFamily="18" charset="0"/>
+                            </a:rPr>
+                            <m:t>𝑡</m:t>
+                          </m:r>
+                        </m:sub>
+                      </m:sSub>
+                      <m:sSub>
+                        <m:sSubPr>
+                          <m:ctrlPr>
+                            <a:rPr lang="en-US" b="0" i="1" smtClean="0">
+                              <a:latin typeface="Cambria Math" panose="02040503050406030204" pitchFamily="18" charset="0"/>
+                            </a:rPr>
+                          </m:ctrlPr>
+                        </m:sSubPr>
+                        <m:e>
+                          <m:r>
+                            <a:rPr lang="en-US" b="0" i="1" smtClean="0">
+                              <a:latin typeface="Cambria Math" panose="02040503050406030204" pitchFamily="18" charset="0"/>
+                            </a:rPr>
+                            <m:t>𝑥</m:t>
+                          </m:r>
+                        </m:e>
+                        <m:sub>
+                          <m:r>
+                            <a:rPr lang="en-US" b="0" i="1" smtClean="0">
+                              <a:latin typeface="Cambria Math" panose="02040503050406030204" pitchFamily="18" charset="0"/>
+                            </a:rPr>
+                            <m:t>𝑡</m:t>
+                          </m:r>
+                        </m:sub>
+                      </m:sSub>
+                      <m:r>
+                        <a:rPr lang="en-US" b="0" i="1" smtClean="0">
+                          <a:latin typeface="Cambria Math" panose="02040503050406030204" pitchFamily="18" charset="0"/>
+                        </a:rPr>
+                        <m:t>+</m:t>
+                      </m:r>
+                      <m:sSub>
+                        <m:sSubPr>
+                          <m:ctrlPr>
+                            <a:rPr lang="en-US" b="0" i="1" smtClean="0">
+                              <a:latin typeface="Cambria Math" panose="02040503050406030204" pitchFamily="18" charset="0"/>
+                            </a:rPr>
+                          </m:ctrlPr>
+                        </m:sSubPr>
+                        <m:e>
+                          <m:r>
+                            <a:rPr lang="en-US" b="0" i="1" smtClean="0">
+                              <a:latin typeface="Cambria Math" panose="02040503050406030204" pitchFamily="18" charset="0"/>
+                            </a:rPr>
+                            <m:t>𝐷</m:t>
+                          </m:r>
+                        </m:e>
+                        <m:sub>
+                          <m:r>
+                            <a:rPr lang="en-US" b="0" i="1" smtClean="0">
+                              <a:latin typeface="Cambria Math" panose="02040503050406030204" pitchFamily="18" charset="0"/>
+                            </a:rPr>
+                            <m:t>𝑡</m:t>
+                          </m:r>
+                        </m:sub>
+                      </m:sSub>
+                      <m:sSub>
+                        <m:sSubPr>
+                          <m:ctrlPr>
+                            <a:rPr lang="en-US" b="0" i="1" smtClean="0">
+                              <a:latin typeface="Cambria Math" panose="02040503050406030204" pitchFamily="18" charset="0"/>
+                            </a:rPr>
+                          </m:ctrlPr>
+                        </m:sSubPr>
+                        <m:e>
+                          <m:r>
+                            <a:rPr lang="en-US" b="0" i="1" smtClean="0">
+                              <a:latin typeface="Cambria Math" panose="02040503050406030204" pitchFamily="18" charset="0"/>
+                            </a:rPr>
+                            <m:t>𝑣</m:t>
+                          </m:r>
+                        </m:e>
+                        <m:sub>
+                          <m:r>
+                            <a:rPr lang="en-US" b="0" i="1" smtClean="0">
+                              <a:latin typeface="Cambria Math" panose="02040503050406030204" pitchFamily="18" charset="0"/>
+                            </a:rPr>
+                            <m:t>𝑡</m:t>
+                          </m:r>
+                        </m:sub>
+                      </m:sSub>
+                    </m:oMath>
+                  </m:oMathPara>
+                </a14:m>
+                <a:endParaRPr lang="en-US" dirty="0"/>
+              </a:p>
+              <a:p>
+                <a:pPr marL="0" indent="0">
+                  <a:buNone/>
+                </a:pPr>
+                <a:r>
+                  <a:rPr lang="en-US" dirty="0"/>
+                  <a:t>for known </a:t>
+                </a:r>
+                <a14:m>
+                  <m:oMath xmlns:m="http://schemas.openxmlformats.org/officeDocument/2006/math">
+                    <m:sSub>
+                      <m:sSubPr>
+                        <m:ctrlPr>
+                          <a:rPr lang="en-US" b="0" i="1" smtClean="0">
+                            <a:latin typeface="Cambria Math" panose="02040503050406030204" pitchFamily="18" charset="0"/>
+                          </a:rPr>
+                        </m:ctrlPr>
+                      </m:sSubPr>
+                      <m:e>
+                        <m:r>
+                          <a:rPr lang="en-US" b="0" i="1" smtClean="0">
+                            <a:latin typeface="Cambria Math" panose="02040503050406030204" pitchFamily="18" charset="0"/>
+                          </a:rPr>
+                          <m:t>𝐴</m:t>
+                        </m:r>
+                      </m:e>
+                      <m:sub>
+                        <m:r>
+                          <a:rPr lang="en-US" b="0" i="1" smtClean="0">
+                            <a:latin typeface="Cambria Math" panose="02040503050406030204" pitchFamily="18" charset="0"/>
+                          </a:rPr>
+                          <m:t>𝑡</m:t>
+                        </m:r>
+                      </m:sub>
+                    </m:sSub>
+                    <m:r>
+                      <a:rPr lang="en-US" b="0" i="1" smtClean="0">
+                        <a:latin typeface="Cambria Math" panose="02040503050406030204" pitchFamily="18" charset="0"/>
+                      </a:rPr>
+                      <m:t>, </m:t>
+                    </m:r>
+                    <m:sSub>
+                      <m:sSubPr>
+                        <m:ctrlPr>
+                          <a:rPr lang="en-US" b="0" i="1" smtClean="0">
+                            <a:latin typeface="Cambria Math" panose="02040503050406030204" pitchFamily="18" charset="0"/>
+                          </a:rPr>
+                        </m:ctrlPr>
+                      </m:sSubPr>
+                      <m:e>
+                        <m:r>
+                          <a:rPr lang="en-US" b="0" i="1" smtClean="0">
+                            <a:latin typeface="Cambria Math" panose="02040503050406030204" pitchFamily="18" charset="0"/>
+                          </a:rPr>
+                          <m:t>𝐵</m:t>
+                        </m:r>
+                      </m:e>
+                      <m:sub>
+                        <m:r>
+                          <a:rPr lang="en-US" b="0" i="1" smtClean="0">
+                            <a:latin typeface="Cambria Math" panose="02040503050406030204" pitchFamily="18" charset="0"/>
+                          </a:rPr>
+                          <m:t>𝑡</m:t>
+                        </m:r>
+                      </m:sub>
+                    </m:sSub>
+                    <m:r>
+                      <a:rPr lang="en-US" b="0" i="1" smtClean="0">
+                        <a:latin typeface="Cambria Math" panose="02040503050406030204" pitchFamily="18" charset="0"/>
+                      </a:rPr>
+                      <m:t>, </m:t>
+                    </m:r>
+                    <m:sSub>
+                      <m:sSubPr>
+                        <m:ctrlPr>
+                          <a:rPr lang="en-US" b="0" i="1" smtClean="0">
+                            <a:latin typeface="Cambria Math" panose="02040503050406030204" pitchFamily="18" charset="0"/>
+                          </a:rPr>
+                        </m:ctrlPr>
+                      </m:sSubPr>
+                      <m:e>
+                        <m:r>
+                          <a:rPr lang="en-US" b="0" i="1" smtClean="0">
+                            <a:latin typeface="Cambria Math" panose="02040503050406030204" pitchFamily="18" charset="0"/>
+                          </a:rPr>
+                          <m:t>𝐶</m:t>
+                        </m:r>
+                      </m:e>
+                      <m:sub>
+                        <m:r>
+                          <a:rPr lang="en-US" b="0" i="1" smtClean="0">
+                            <a:latin typeface="Cambria Math" panose="02040503050406030204" pitchFamily="18" charset="0"/>
+                          </a:rPr>
+                          <m:t>𝑡</m:t>
+                        </m:r>
+                      </m:sub>
+                    </m:sSub>
+                    <m:r>
+                      <a:rPr lang="en-US" b="0" i="1" smtClean="0">
+                        <a:latin typeface="Cambria Math" panose="02040503050406030204" pitchFamily="18" charset="0"/>
+                      </a:rPr>
+                      <m:t>, </m:t>
+                    </m:r>
+                    <m:sSub>
+                      <m:sSubPr>
+                        <m:ctrlPr>
+                          <a:rPr lang="en-US" b="0" i="1" smtClean="0">
+                            <a:latin typeface="Cambria Math" panose="02040503050406030204" pitchFamily="18" charset="0"/>
+                          </a:rPr>
+                        </m:ctrlPr>
+                      </m:sSubPr>
+                      <m:e>
+                        <m:r>
+                          <a:rPr lang="en-US" b="0" i="1" smtClean="0">
+                            <a:latin typeface="Cambria Math" panose="02040503050406030204" pitchFamily="18" charset="0"/>
+                          </a:rPr>
+                          <m:t>𝐷</m:t>
+                        </m:r>
+                      </m:e>
+                      <m:sub>
+                        <m:r>
+                          <a:rPr lang="en-US" b="0" i="1" smtClean="0">
+                            <a:latin typeface="Cambria Math" panose="02040503050406030204" pitchFamily="18" charset="0"/>
+                          </a:rPr>
+                          <m:t>𝑡</m:t>
+                        </m:r>
+                      </m:sub>
+                    </m:sSub>
+                  </m:oMath>
+                </a14:m>
+                <a:r>
+                  <a:rPr lang="en-US" dirty="0"/>
+                  <a:t>.</a:t>
+                </a:r>
+              </a:p>
+              <a:p>
+                <a:pPr marL="0" indent="0">
+                  <a:buNone/>
+                </a:pPr>
+                <a14:m>
+                  <m:oMath xmlns:m="http://schemas.openxmlformats.org/officeDocument/2006/math">
+                    <m:sSub>
+                      <m:sSubPr>
+                        <m:ctrlPr>
+                          <a:rPr lang="en-US" b="0" i="1" smtClean="0">
+                            <a:latin typeface="Cambria Math" panose="02040503050406030204" pitchFamily="18" charset="0"/>
+                          </a:rPr>
+                        </m:ctrlPr>
+                      </m:sSubPr>
+                      <m:e>
+                        <m:r>
+                          <a:rPr lang="en-US" b="0" i="1" smtClean="0">
+                            <a:latin typeface="Cambria Math" panose="02040503050406030204" pitchFamily="18" charset="0"/>
+                          </a:rPr>
+                          <m:t>𝑣</m:t>
+                        </m:r>
+                      </m:e>
+                      <m:sub>
+                        <m:r>
+                          <a:rPr lang="en-US" b="0" i="1" smtClean="0">
+                            <a:latin typeface="Cambria Math" panose="02040503050406030204" pitchFamily="18" charset="0"/>
+                          </a:rPr>
+                          <m:t>𝑡</m:t>
+                        </m:r>
+                      </m:sub>
+                    </m:sSub>
+                    <m:r>
+                      <a:rPr lang="en-US" b="0" i="1" smtClean="0">
+                        <a:latin typeface="Cambria Math" panose="02040503050406030204" pitchFamily="18" charset="0"/>
+                      </a:rPr>
+                      <m:t>∼</m:t>
+                    </m:r>
+                    <m:sSub>
+                      <m:sSubPr>
+                        <m:ctrlPr>
+                          <a:rPr lang="en-US" b="0" i="1" smtClean="0">
+                            <a:latin typeface="Cambria Math" panose="02040503050406030204" pitchFamily="18" charset="0"/>
+                          </a:rPr>
+                        </m:ctrlPr>
+                      </m:sSubPr>
+                      <m:e>
+                        <m:r>
+                          <a:rPr lang="en-US" b="0" i="1" smtClean="0">
+                            <a:latin typeface="Cambria Math" panose="02040503050406030204" pitchFamily="18" charset="0"/>
+                          </a:rPr>
+                          <m:t>𝒩</m:t>
+                        </m:r>
+                      </m:e>
+                      <m:sub>
+                        <m:r>
+                          <a:rPr lang="en-US" b="0" i="1" smtClean="0">
+                            <a:latin typeface="Cambria Math" panose="02040503050406030204" pitchFamily="18" charset="0"/>
+                          </a:rPr>
+                          <m:t>𝑑</m:t>
+                        </m:r>
+                      </m:sub>
+                    </m:sSub>
+                    <m:d>
+                      <m:dPr>
+                        <m:ctrlPr>
+                          <a:rPr lang="en-US" b="0" i="1" smtClean="0">
+                            <a:latin typeface="Cambria Math" panose="02040503050406030204" pitchFamily="18" charset="0"/>
+                          </a:rPr>
+                        </m:ctrlPr>
+                      </m:dPr>
+                      <m:e>
+                        <m:r>
+                          <a:rPr lang="en-US" b="0" i="1" smtClean="0">
+                            <a:latin typeface="Cambria Math" panose="02040503050406030204" pitchFamily="18" charset="0"/>
+                          </a:rPr>
+                          <m:t>0, </m:t>
+                        </m:r>
+                        <m:sSub>
+                          <m:sSubPr>
+                            <m:ctrlPr>
+                              <a:rPr lang="en-US" b="0" i="1" smtClean="0">
+                                <a:latin typeface="Cambria Math" panose="02040503050406030204" pitchFamily="18" charset="0"/>
+                              </a:rPr>
+                            </m:ctrlPr>
+                          </m:sSubPr>
+                          <m:e>
+                            <m:r>
+                              <a:rPr lang="en-US" b="0" i="1" smtClean="0">
+                                <a:latin typeface="Cambria Math" panose="02040503050406030204" pitchFamily="18" charset="0"/>
+                              </a:rPr>
+                              <m:t>𝐼</m:t>
+                            </m:r>
+                          </m:e>
+                          <m:sub>
+                            <m:r>
+                              <a:rPr lang="en-US" b="0" i="1" smtClean="0">
+                                <a:latin typeface="Cambria Math" panose="02040503050406030204" pitchFamily="18" charset="0"/>
+                              </a:rPr>
+                              <m:t>𝑑</m:t>
+                            </m:r>
+                          </m:sub>
+                        </m:sSub>
+                      </m:e>
+                    </m:d>
+                  </m:oMath>
+                </a14:m>
+                <a:r>
+                  <a:rPr lang="en-US" dirty="0"/>
+                  <a:t> is the noise and is independent of </a:t>
+                </a:r>
+                <a14:m>
+                  <m:oMath xmlns:m="http://schemas.openxmlformats.org/officeDocument/2006/math">
+                    <m:sSub>
+                      <m:sSubPr>
+                        <m:ctrlPr>
+                          <a:rPr lang="en-US" b="0" i="1" smtClean="0">
+                            <a:latin typeface="Cambria Math" panose="02040503050406030204" pitchFamily="18" charset="0"/>
+                          </a:rPr>
+                        </m:ctrlPr>
+                      </m:sSubPr>
+                      <m:e>
+                        <m:r>
+                          <a:rPr lang="en-US" b="0" i="1" smtClean="0">
+                            <a:latin typeface="Cambria Math" panose="02040503050406030204" pitchFamily="18" charset="0"/>
+                          </a:rPr>
+                          <m:t>𝑥</m:t>
+                        </m:r>
+                      </m:e>
+                      <m:sub>
+                        <m:r>
+                          <a:rPr lang="en-US" b="0" i="1" smtClean="0">
+                            <a:latin typeface="Cambria Math" panose="02040503050406030204" pitchFamily="18" charset="0"/>
+                          </a:rPr>
+                          <m:t>𝑡</m:t>
+                        </m:r>
+                      </m:sub>
+                    </m:sSub>
+                    <m:r>
+                      <a:rPr lang="en-US" b="0" i="0" smtClean="0">
+                        <a:latin typeface="Cambria Math" panose="02040503050406030204" pitchFamily="18" charset="0"/>
+                      </a:rPr>
+                      <m:t>.</m:t>
+                    </m:r>
+                  </m:oMath>
+                </a14:m>
+                <a:endParaRPr lang="en-US" dirty="0"/>
+              </a:p>
+              <a:p>
+                <a:pPr marL="0" indent="0">
+                  <a:buNone/>
+                </a:pPr>
+                <a:endParaRPr lang="en-IL" dirty="0"/>
+              </a:p>
+            </p:txBody>
+          </p:sp>
+        </mc:Choice>
+        <mc:Fallback xmlns="">
+          <p:sp>
+            <p:nvSpPr>
+              <p:cNvPr id="3" name="Content Placeholder 2">
+                <a:extLst>
+                  <a:ext uri="{FF2B5EF4-FFF2-40B4-BE49-F238E27FC236}">
+                    <a16:creationId xmlns:a16="http://schemas.microsoft.com/office/drawing/2014/main" id="{986DAB35-67BB-17CE-A7B4-1F38AED6C979}"/>
+                  </a:ext>
+                </a:extLst>
+              </p:cNvPr>
+              <p:cNvSpPr>
+                <a:spLocks noGrp="1" noRot="1" noChangeAspect="1" noMove="1" noResize="1" noEditPoints="1" noAdjustHandles="1" noChangeArrowheads="1" noChangeShapeType="1" noTextEdit="1"/>
+              </p:cNvSpPr>
+              <p:nvPr>
+                <p:ph idx="1"/>
+              </p:nvPr>
+            </p:nvSpPr>
+            <p:spPr>
+              <a:blipFill>
+                <a:blip r:embed="rId2"/>
+                <a:stretch>
+                  <a:fillRect l="-1217"/>
+                </a:stretch>
+              </a:blipFill>
+            </p:spPr>
+            <p:txBody>
+              <a:bodyPr/>
+              <a:lstStyle/>
+              <a:p>
+                <a:r>
+                  <a:rPr lang="en-IL">
+                    <a:noFill/>
+                  </a:rPr>
+                  <a:t> </a:t>
+                </a:r>
+              </a:p>
+            </p:txBody>
+          </p:sp>
+        </mc:Fallback>
+      </mc:AlternateContent>
+    </p:spTree>
+    <p:extLst>
+      <p:ext uri="{BB962C8B-B14F-4D97-AF65-F5344CB8AC3E}">
+        <p14:creationId xmlns:p14="http://schemas.microsoft.com/office/powerpoint/2010/main" val="705108186"/>
+      </p:ext>
+    </p:extLst>
+  </p:cSld>
+  <p:clrMapOvr>
+    <a:masterClrMapping/>
+  </p:clrMapOvr>
+</p:sld>
+</file>
+
+<file path=ppt/slides/slide21.xml><?xml version="1.0" encoding="utf-8"?>
+<p:sld xmlns:a="http://schemas.openxmlformats.org/drawingml/2006/main" xmlns:r="http://schemas.openxmlformats.org/officeDocument/2006/relationships" xmlns:p="http://schemas.openxmlformats.org/presentationml/2006/main">
+  <p:cSld>
+    <p:spTree>
+      <p:nvGrpSpPr>
+        <p:cNvPr id="1" name=""/>
+        <p:cNvGrpSpPr/>
+        <p:nvPr/>
+      </p:nvGrpSpPr>
+      <p:grpSpPr>
+        <a:xfrm>
+          <a:off x="0" y="0"/>
+          <a:ext cx="0" cy="0"/>
+          <a:chOff x="0" y="0"/>
+          <a:chExt cx="0" cy="0"/>
+        </a:xfrm>
+      </p:grpSpPr>
+      <p:sp>
+        <p:nvSpPr>
+          <p:cNvPr id="2" name="Title 1">
+            <a:extLst>
+              <a:ext uri="{FF2B5EF4-FFF2-40B4-BE49-F238E27FC236}">
+                <a16:creationId xmlns:a16="http://schemas.microsoft.com/office/drawing/2014/main" id="{B21F22C3-AB89-8CFE-B71F-55F86E1E4BBD}"/>
+              </a:ext>
+            </a:extLst>
+          </p:cNvPr>
+          <p:cNvSpPr>
+            <a:spLocks noGrp="1"/>
+          </p:cNvSpPr>
+          <p:nvPr>
+            <p:ph type="title"/>
+          </p:nvPr>
+        </p:nvSpPr>
+        <p:spPr/>
+        <p:txBody>
+          <a:bodyPr/>
+          <a:lstStyle/>
+          <a:p>
+            <a:r>
+              <a:rPr lang="en-US" dirty="0"/>
+              <a:t>Background</a:t>
+            </a:r>
+            <a:endParaRPr lang="en-IL" dirty="0"/>
+          </a:p>
+        </p:txBody>
+      </p:sp>
+      <mc:AlternateContent xmlns:mc="http://schemas.openxmlformats.org/markup-compatibility/2006" xmlns:a14="http://schemas.microsoft.com/office/drawing/2010/main">
+        <mc:Choice Requires="a14">
+          <p:sp>
+            <p:nvSpPr>
+              <p:cNvPr id="3" name="Content Placeholder 2">
+                <a:extLst>
+                  <a:ext uri="{FF2B5EF4-FFF2-40B4-BE49-F238E27FC236}">
+                    <a16:creationId xmlns:a16="http://schemas.microsoft.com/office/drawing/2014/main" id="{E2A6D292-3A18-95CC-624E-DBEF53FFDE38}"/>
+                  </a:ext>
+                </a:extLst>
+              </p:cNvPr>
+              <p:cNvSpPr>
+                <a:spLocks noGrp="1"/>
+              </p:cNvSpPr>
+              <p:nvPr>
+                <p:ph idx="1"/>
+              </p:nvPr>
+            </p:nvSpPr>
+            <p:spPr/>
+            <p:txBody>
+              <a:bodyPr/>
+              <a:lstStyle/>
+              <a:p>
+                <a:pPr marL="0" indent="0">
+                  <a:buNone/>
+                </a:pPr>
+                <a:r>
+                  <a:rPr lang="en-US" dirty="0"/>
+                  <a:t>So,</a:t>
+                </a:r>
+              </a:p>
+              <a:p>
+                <a:pPr marL="0" indent="0">
+                  <a:buNone/>
+                </a:pPr>
+                <a14:m>
+                  <m:oMathPara xmlns:m="http://schemas.openxmlformats.org/officeDocument/2006/math">
+                    <m:oMathParaPr>
+                      <m:jc m:val="centerGroup"/>
+                    </m:oMathParaPr>
+                    <m:oMath xmlns:m="http://schemas.openxmlformats.org/officeDocument/2006/math">
+                      <m:sSubSup>
+                        <m:sSubSupPr>
+                          <m:ctrlPr>
+                            <a:rPr lang="en-US" b="0" i="1" smtClean="0">
+                              <a:latin typeface="Cambria Math" panose="02040503050406030204" pitchFamily="18" charset="0"/>
+                            </a:rPr>
+                          </m:ctrlPr>
+                        </m:sSubSupPr>
+                        <m:e>
+                          <m:r>
+                            <a:rPr lang="en-US" b="0" i="1" smtClean="0">
+                              <a:latin typeface="Cambria Math" panose="02040503050406030204" pitchFamily="18" charset="0"/>
+                            </a:rPr>
+                            <m:t>𝑃</m:t>
+                          </m:r>
+                        </m:e>
+                        <m:sub>
+                          <m:sSub>
+                            <m:sSubPr>
+                              <m:ctrlPr>
+                                <a:rPr lang="en-US" b="0" i="1" smtClean="0">
+                                  <a:latin typeface="Cambria Math" panose="02040503050406030204" pitchFamily="18" charset="0"/>
+                                </a:rPr>
+                              </m:ctrlPr>
+                            </m:sSubPr>
+                            <m:e>
+                              <m:r>
+                                <a:rPr lang="en-US" b="0" i="1" smtClean="0">
+                                  <a:latin typeface="Cambria Math" panose="02040503050406030204" pitchFamily="18" charset="0"/>
+                                </a:rPr>
+                                <m:t>𝑧</m:t>
+                              </m:r>
+                            </m:e>
+                            <m:sub>
+                              <m:r>
+                                <a:rPr lang="en-US" b="0" i="1" smtClean="0">
+                                  <a:latin typeface="Cambria Math" panose="02040503050406030204" pitchFamily="18" charset="0"/>
+                                </a:rPr>
+                                <m:t>𝑡</m:t>
+                              </m:r>
+                            </m:sub>
+                          </m:sSub>
+                          <m:r>
+                            <a:rPr lang="en-US" b="0" i="1" smtClean="0">
+                              <a:latin typeface="Cambria Math" panose="02040503050406030204" pitchFamily="18" charset="0"/>
+                            </a:rPr>
+                            <m:t>|</m:t>
+                          </m:r>
+                          <m:sSub>
+                            <m:sSubPr>
+                              <m:ctrlPr>
+                                <a:rPr lang="en-US" b="0" i="1" smtClean="0">
+                                  <a:latin typeface="Cambria Math" panose="02040503050406030204" pitchFamily="18" charset="0"/>
+                                </a:rPr>
+                              </m:ctrlPr>
+                            </m:sSubPr>
+                            <m:e>
+                              <m:r>
+                                <a:rPr lang="en-US" b="0" i="1" smtClean="0">
+                                  <a:latin typeface="Cambria Math" panose="02040503050406030204" pitchFamily="18" charset="0"/>
+                                </a:rPr>
+                                <m:t>𝑥</m:t>
+                              </m:r>
+                            </m:e>
+                            <m:sub>
+                              <m:r>
+                                <a:rPr lang="en-US" b="0" i="1" smtClean="0">
+                                  <a:latin typeface="Cambria Math" panose="02040503050406030204" pitchFamily="18" charset="0"/>
+                                </a:rPr>
+                                <m:t>𝑡</m:t>
+                              </m:r>
+                              <m:r>
+                                <a:rPr lang="en-US" b="0" i="1" smtClean="0">
+                                  <a:latin typeface="Cambria Math" panose="02040503050406030204" pitchFamily="18" charset="0"/>
+                                </a:rPr>
+                                <m:t>−1</m:t>
+                              </m:r>
+                            </m:sub>
+                          </m:sSub>
+                        </m:sub>
+                        <m:sup>
+                          <m:r>
+                            <a:rPr lang="en-US" b="0" i="1" smtClean="0">
+                              <a:latin typeface="Cambria Math" panose="02040503050406030204" pitchFamily="18" charset="0"/>
+                            </a:rPr>
+                            <m:t>∗</m:t>
+                          </m:r>
+                        </m:sup>
+                      </m:sSubSup>
+                      <m:r>
+                        <a:rPr lang="en-US" b="0" i="1" smtClean="0">
+                          <a:latin typeface="Cambria Math" panose="02040503050406030204" pitchFamily="18" charset="0"/>
+                        </a:rPr>
+                        <m:t>=</m:t>
+                      </m:r>
+                      <m:sSub>
+                        <m:sSubPr>
+                          <m:ctrlPr>
+                            <a:rPr lang="en-US" b="0" i="1" smtClean="0">
+                              <a:latin typeface="Cambria Math" panose="02040503050406030204" pitchFamily="18" charset="0"/>
+                            </a:rPr>
+                          </m:ctrlPr>
+                        </m:sSubPr>
+                        <m:e>
+                          <m:r>
+                            <a:rPr lang="en-US" b="0" i="1" smtClean="0">
+                              <a:latin typeface="Cambria Math" panose="02040503050406030204" pitchFamily="18" charset="0"/>
+                            </a:rPr>
+                            <m:t>𝒩</m:t>
+                          </m:r>
+                        </m:e>
+                        <m:sub>
+                          <m:r>
+                            <a:rPr lang="en-US" b="0" i="1" smtClean="0">
+                              <a:latin typeface="Cambria Math" panose="02040503050406030204" pitchFamily="18" charset="0"/>
+                            </a:rPr>
+                            <m:t>𝑑</m:t>
+                          </m:r>
+                        </m:sub>
+                      </m:sSub>
+                      <m:d>
+                        <m:dPr>
+                          <m:ctrlPr>
+                            <a:rPr lang="en-US" b="0" i="1" smtClean="0">
+                              <a:latin typeface="Cambria Math" panose="02040503050406030204" pitchFamily="18" charset="0"/>
+                            </a:rPr>
+                          </m:ctrlPr>
+                        </m:dPr>
+                        <m:e>
+                          <m:d>
+                            <m:dPr>
+                              <m:begChr m:val="["/>
+                              <m:endChr m:val="]"/>
+                              <m:ctrlPr>
+                                <a:rPr lang="en-US" b="0" i="1" smtClean="0">
+                                  <a:latin typeface="Cambria Math" panose="02040503050406030204" pitchFamily="18" charset="0"/>
+                                </a:rPr>
+                              </m:ctrlPr>
+                            </m:dPr>
+                            <m:e>
+                              <m:eqArr>
+                                <m:eqArrPr>
+                                  <m:ctrlPr>
+                                    <a:rPr lang="en-US" b="0" i="1" smtClean="0">
+                                      <a:latin typeface="Cambria Math" panose="02040503050406030204" pitchFamily="18" charset="0"/>
+                                    </a:rPr>
+                                  </m:ctrlPr>
+                                </m:eqArrPr>
+                                <m:e>
+                                  <m:sSub>
+                                    <m:sSubPr>
+                                      <m:ctrlPr>
+                                        <a:rPr lang="en-US" b="0" i="1" smtClean="0">
+                                          <a:latin typeface="Cambria Math" panose="02040503050406030204" pitchFamily="18" charset="0"/>
+                                        </a:rPr>
+                                      </m:ctrlPr>
+                                    </m:sSubPr>
+                                    <m:e>
+                                      <m:r>
+                                        <a:rPr lang="en-US" b="0" i="1" smtClean="0">
+                                          <a:latin typeface="Cambria Math" panose="02040503050406030204" pitchFamily="18" charset="0"/>
+                                        </a:rPr>
+                                        <m:t>𝐴</m:t>
+                                      </m:r>
+                                    </m:e>
+                                    <m:sub>
+                                      <m:r>
+                                        <a:rPr lang="en-US" b="0" i="1" smtClean="0">
+                                          <a:latin typeface="Cambria Math" panose="02040503050406030204" pitchFamily="18" charset="0"/>
+                                        </a:rPr>
+                                        <m:t>𝑡</m:t>
+                                      </m:r>
+                                    </m:sub>
+                                  </m:sSub>
+                                </m:e>
+                                <m:e>
+                                  <m:sSub>
+                                    <m:sSubPr>
+                                      <m:ctrlPr>
+                                        <a:rPr lang="en-US" b="0" i="1" smtClean="0">
+                                          <a:latin typeface="Cambria Math" panose="02040503050406030204" pitchFamily="18" charset="0"/>
+                                        </a:rPr>
+                                      </m:ctrlPr>
+                                    </m:sSubPr>
+                                    <m:e>
+                                      <m:r>
+                                        <a:rPr lang="en-US" b="0" i="1" smtClean="0">
+                                          <a:latin typeface="Cambria Math" panose="02040503050406030204" pitchFamily="18" charset="0"/>
+                                        </a:rPr>
+                                        <m:t>𝐶</m:t>
+                                      </m:r>
+                                    </m:e>
+                                    <m:sub>
+                                      <m:r>
+                                        <a:rPr lang="en-US" b="0" i="1" smtClean="0">
+                                          <a:latin typeface="Cambria Math" panose="02040503050406030204" pitchFamily="18" charset="0"/>
+                                        </a:rPr>
+                                        <m:t>𝑡</m:t>
+                                      </m:r>
+                                    </m:sub>
+                                  </m:sSub>
+                                  <m:sSub>
+                                    <m:sSubPr>
+                                      <m:ctrlPr>
+                                        <a:rPr lang="en-US" b="0" i="1" smtClean="0">
+                                          <a:latin typeface="Cambria Math" panose="02040503050406030204" pitchFamily="18" charset="0"/>
+                                        </a:rPr>
+                                      </m:ctrlPr>
+                                    </m:sSubPr>
+                                    <m:e>
+                                      <m:r>
+                                        <a:rPr lang="en-US" b="0" i="1" smtClean="0">
+                                          <a:latin typeface="Cambria Math" panose="02040503050406030204" pitchFamily="18" charset="0"/>
+                                        </a:rPr>
+                                        <m:t>𝐴</m:t>
+                                      </m:r>
+                                    </m:e>
+                                    <m:sub>
+                                      <m:r>
+                                        <a:rPr lang="en-US" b="0" i="1" smtClean="0">
+                                          <a:latin typeface="Cambria Math" panose="02040503050406030204" pitchFamily="18" charset="0"/>
+                                        </a:rPr>
+                                        <m:t>𝑡</m:t>
+                                      </m:r>
+                                    </m:sub>
+                                  </m:sSub>
+                                </m:e>
+                              </m:eqArr>
+                            </m:e>
+                          </m:d>
+                          <m:sSub>
+                            <m:sSubPr>
+                              <m:ctrlPr>
+                                <a:rPr lang="en-US" b="0" i="1" smtClean="0">
+                                  <a:latin typeface="Cambria Math" panose="02040503050406030204" pitchFamily="18" charset="0"/>
+                                </a:rPr>
+                              </m:ctrlPr>
+                            </m:sSubPr>
+                            <m:e>
+                              <m:r>
+                                <a:rPr lang="en-US" b="0" i="1" smtClean="0">
+                                  <a:latin typeface="Cambria Math" panose="02040503050406030204" pitchFamily="18" charset="0"/>
+                                </a:rPr>
+                                <m:t>𝑥</m:t>
+                              </m:r>
+                            </m:e>
+                            <m:sub>
+                              <m:r>
+                                <a:rPr lang="en-US" b="0" i="1" smtClean="0">
+                                  <a:latin typeface="Cambria Math" panose="02040503050406030204" pitchFamily="18" charset="0"/>
+                                </a:rPr>
+                                <m:t>𝑡</m:t>
+                              </m:r>
+                              <m:r>
+                                <a:rPr lang="en-US" b="0" i="1" smtClean="0">
+                                  <a:latin typeface="Cambria Math" panose="02040503050406030204" pitchFamily="18" charset="0"/>
+                                </a:rPr>
+                                <m:t>−1</m:t>
+                              </m:r>
+                            </m:sub>
+                          </m:sSub>
+                          <m:r>
+                            <a:rPr lang="en-US" b="0" i="1" smtClean="0">
+                              <a:latin typeface="Cambria Math" panose="02040503050406030204" pitchFamily="18" charset="0"/>
+                            </a:rPr>
+                            <m:t>, </m:t>
+                          </m:r>
+                          <m:d>
+                            <m:dPr>
+                              <m:begChr m:val="["/>
+                              <m:endChr m:val="]"/>
+                              <m:ctrlPr>
+                                <a:rPr lang="en-US" b="0" i="1" smtClean="0">
+                                  <a:latin typeface="Cambria Math" panose="02040503050406030204" pitchFamily="18" charset="0"/>
+                                </a:rPr>
+                              </m:ctrlPr>
+                            </m:dPr>
+                            <m:e>
+                              <m:eqArr>
+                                <m:eqArrPr>
+                                  <m:ctrlPr>
+                                    <a:rPr lang="en-US" b="0" i="1" smtClean="0">
+                                      <a:latin typeface="Cambria Math" panose="02040503050406030204" pitchFamily="18" charset="0"/>
+                                    </a:rPr>
+                                  </m:ctrlPr>
+                                </m:eqArrPr>
+                                <m:e>
+                                  <m:sSub>
+                                    <m:sSubPr>
+                                      <m:ctrlPr>
+                                        <a:rPr lang="en-US" b="0" i="1" smtClean="0">
+                                          <a:latin typeface="Cambria Math" panose="02040503050406030204" pitchFamily="18" charset="0"/>
+                                        </a:rPr>
+                                      </m:ctrlPr>
+                                    </m:sSubPr>
+                                    <m:e>
+                                      <m:r>
+                                        <a:rPr lang="en-US" b="0" i="1" smtClean="0">
+                                          <a:latin typeface="Cambria Math" panose="02040503050406030204" pitchFamily="18" charset="0"/>
+                                        </a:rPr>
+                                        <m:t>𝐵</m:t>
+                                      </m:r>
+                                    </m:e>
+                                    <m:sub>
+                                      <m:r>
+                                        <a:rPr lang="en-US" b="0" i="1" smtClean="0">
+                                          <a:latin typeface="Cambria Math" panose="02040503050406030204" pitchFamily="18" charset="0"/>
+                                        </a:rPr>
+                                        <m:t>𝑡</m:t>
+                                      </m:r>
+                                    </m:sub>
+                                  </m:sSub>
+                                </m:e>
+                                <m:e>
+                                  <m:sSub>
+                                    <m:sSubPr>
+                                      <m:ctrlPr>
+                                        <a:rPr lang="en-US" b="0" i="1" smtClean="0">
+                                          <a:latin typeface="Cambria Math" panose="02040503050406030204" pitchFamily="18" charset="0"/>
+                                        </a:rPr>
+                                      </m:ctrlPr>
+                                    </m:sSubPr>
+                                    <m:e>
+                                      <m:r>
+                                        <a:rPr lang="en-US" b="0" i="1" smtClean="0">
+                                          <a:latin typeface="Cambria Math" panose="02040503050406030204" pitchFamily="18" charset="0"/>
+                                        </a:rPr>
+                                        <m:t>𝐶</m:t>
+                                      </m:r>
+                                    </m:e>
+                                    <m:sub>
+                                      <m:r>
+                                        <a:rPr lang="en-US" b="0" i="1" smtClean="0">
+                                          <a:latin typeface="Cambria Math" panose="02040503050406030204" pitchFamily="18" charset="0"/>
+                                        </a:rPr>
+                                        <m:t>𝑡</m:t>
+                                      </m:r>
+                                    </m:sub>
+                                  </m:sSub>
+                                  <m:sSub>
+                                    <m:sSubPr>
+                                      <m:ctrlPr>
+                                        <a:rPr lang="en-US" b="0" i="1" smtClean="0">
+                                          <a:latin typeface="Cambria Math" panose="02040503050406030204" pitchFamily="18" charset="0"/>
+                                        </a:rPr>
+                                      </m:ctrlPr>
+                                    </m:sSubPr>
+                                    <m:e>
+                                      <m:r>
+                                        <a:rPr lang="en-US" b="0" i="1" smtClean="0">
+                                          <a:latin typeface="Cambria Math" panose="02040503050406030204" pitchFamily="18" charset="0"/>
+                                        </a:rPr>
+                                        <m:t>𝐵</m:t>
+                                      </m:r>
+                                    </m:e>
+                                    <m:sub>
+                                      <m:r>
+                                        <a:rPr lang="en-US" b="0" i="1" smtClean="0">
+                                          <a:latin typeface="Cambria Math" panose="02040503050406030204" pitchFamily="18" charset="0"/>
+                                        </a:rPr>
+                                        <m:t>𝑡</m:t>
+                                      </m:r>
+                                    </m:sub>
+                                  </m:sSub>
+                                  <m:r>
+                                    <a:rPr lang="en-US" b="0" i="1" smtClean="0">
+                                      <a:latin typeface="Cambria Math" panose="02040503050406030204" pitchFamily="18" charset="0"/>
+                                    </a:rPr>
+                                    <m:t>+</m:t>
+                                  </m:r>
+                                  <m:sSub>
+                                    <m:sSubPr>
+                                      <m:ctrlPr>
+                                        <a:rPr lang="en-US" b="0" i="1" smtClean="0">
+                                          <a:latin typeface="Cambria Math" panose="02040503050406030204" pitchFamily="18" charset="0"/>
+                                        </a:rPr>
+                                      </m:ctrlPr>
+                                    </m:sSubPr>
+                                    <m:e>
+                                      <m:r>
+                                        <a:rPr lang="en-US" b="0" i="1" smtClean="0">
+                                          <a:latin typeface="Cambria Math" panose="02040503050406030204" pitchFamily="18" charset="0"/>
+                                        </a:rPr>
+                                        <m:t>𝐷</m:t>
+                                      </m:r>
+                                    </m:e>
+                                    <m:sub>
+                                      <m:r>
+                                        <a:rPr lang="en-US" b="0" i="1" smtClean="0">
+                                          <a:latin typeface="Cambria Math" panose="02040503050406030204" pitchFamily="18" charset="0"/>
+                                        </a:rPr>
+                                        <m:t>𝑡</m:t>
+                                      </m:r>
+                                    </m:sub>
+                                  </m:sSub>
+                                </m:e>
+                              </m:eqArr>
+                            </m:e>
+                          </m:d>
+                          <m:sSup>
+                            <m:sSupPr>
+                              <m:ctrlPr>
+                                <a:rPr lang="en-US" b="0" i="1" smtClean="0">
+                                  <a:latin typeface="Cambria Math" panose="02040503050406030204" pitchFamily="18" charset="0"/>
+                                </a:rPr>
+                              </m:ctrlPr>
+                            </m:sSupPr>
+                            <m:e>
+                              <m:d>
+                                <m:dPr>
+                                  <m:begChr m:val="["/>
+                                  <m:endChr m:val="]"/>
+                                  <m:ctrlPr>
+                                    <a:rPr lang="en-US" b="0" i="1" smtClean="0">
+                                      <a:latin typeface="Cambria Math" panose="02040503050406030204" pitchFamily="18" charset="0"/>
+                                    </a:rPr>
+                                  </m:ctrlPr>
+                                </m:dPr>
+                                <m:e>
+                                  <m:eqArr>
+                                    <m:eqArrPr>
+                                      <m:ctrlPr>
+                                        <a:rPr lang="en-US" b="0" i="1" smtClean="0">
+                                          <a:latin typeface="Cambria Math" panose="02040503050406030204" pitchFamily="18" charset="0"/>
+                                        </a:rPr>
+                                      </m:ctrlPr>
+                                    </m:eqArrPr>
+                                    <m:e>
+                                      <m:sSub>
+                                        <m:sSubPr>
+                                          <m:ctrlPr>
+                                            <a:rPr lang="en-US" b="0" i="1" smtClean="0">
+                                              <a:latin typeface="Cambria Math" panose="02040503050406030204" pitchFamily="18" charset="0"/>
+                                            </a:rPr>
+                                          </m:ctrlPr>
+                                        </m:sSubPr>
+                                        <m:e>
+                                          <m:r>
+                                            <a:rPr lang="en-US" b="0" i="1" smtClean="0">
+                                              <a:latin typeface="Cambria Math" panose="02040503050406030204" pitchFamily="18" charset="0"/>
+                                            </a:rPr>
+                                            <m:t>𝐵</m:t>
+                                          </m:r>
+                                        </m:e>
+                                        <m:sub>
+                                          <m:r>
+                                            <a:rPr lang="en-US" b="0" i="1" smtClean="0">
+                                              <a:latin typeface="Cambria Math" panose="02040503050406030204" pitchFamily="18" charset="0"/>
+                                            </a:rPr>
+                                            <m:t>𝑡</m:t>
+                                          </m:r>
+                                        </m:sub>
+                                      </m:sSub>
+                                    </m:e>
+                                    <m:e>
+                                      <m:sSub>
+                                        <m:sSubPr>
+                                          <m:ctrlPr>
+                                            <a:rPr lang="en-US" b="0" i="1" smtClean="0">
+                                              <a:latin typeface="Cambria Math" panose="02040503050406030204" pitchFamily="18" charset="0"/>
+                                            </a:rPr>
+                                          </m:ctrlPr>
+                                        </m:sSubPr>
+                                        <m:e>
+                                          <m:r>
+                                            <a:rPr lang="en-US" b="0" i="1" smtClean="0">
+                                              <a:latin typeface="Cambria Math" panose="02040503050406030204" pitchFamily="18" charset="0"/>
+                                            </a:rPr>
+                                            <m:t>𝐶</m:t>
+                                          </m:r>
+                                        </m:e>
+                                        <m:sub>
+                                          <m:r>
+                                            <a:rPr lang="en-US" b="0" i="1" smtClean="0">
+                                              <a:latin typeface="Cambria Math" panose="02040503050406030204" pitchFamily="18" charset="0"/>
+                                            </a:rPr>
+                                            <m:t>𝑡</m:t>
+                                          </m:r>
+                                        </m:sub>
+                                      </m:sSub>
+                                      <m:sSub>
+                                        <m:sSubPr>
+                                          <m:ctrlPr>
+                                            <a:rPr lang="en-US" b="0" i="1" smtClean="0">
+                                              <a:latin typeface="Cambria Math" panose="02040503050406030204" pitchFamily="18" charset="0"/>
+                                            </a:rPr>
+                                          </m:ctrlPr>
+                                        </m:sSubPr>
+                                        <m:e>
+                                          <m:r>
+                                            <a:rPr lang="en-US" b="0" i="1" smtClean="0">
+                                              <a:latin typeface="Cambria Math" panose="02040503050406030204" pitchFamily="18" charset="0"/>
+                                            </a:rPr>
+                                            <m:t>𝐵</m:t>
+                                          </m:r>
+                                        </m:e>
+                                        <m:sub>
+                                          <m:r>
+                                            <a:rPr lang="en-US" b="0" i="1" smtClean="0">
+                                              <a:latin typeface="Cambria Math" panose="02040503050406030204" pitchFamily="18" charset="0"/>
+                                            </a:rPr>
+                                            <m:t>𝑡</m:t>
+                                          </m:r>
+                                        </m:sub>
+                                      </m:sSub>
+                                      <m:r>
+                                        <a:rPr lang="en-US" b="0" i="1" smtClean="0">
+                                          <a:latin typeface="Cambria Math" panose="02040503050406030204" pitchFamily="18" charset="0"/>
+                                        </a:rPr>
+                                        <m:t>+</m:t>
+                                      </m:r>
+                                      <m:sSub>
+                                        <m:sSubPr>
+                                          <m:ctrlPr>
+                                            <a:rPr lang="en-US" b="0" i="1" smtClean="0">
+                                              <a:latin typeface="Cambria Math" panose="02040503050406030204" pitchFamily="18" charset="0"/>
+                                            </a:rPr>
+                                          </m:ctrlPr>
+                                        </m:sSubPr>
+                                        <m:e>
+                                          <m:r>
+                                            <a:rPr lang="en-US" b="0" i="1" smtClean="0">
+                                              <a:latin typeface="Cambria Math" panose="02040503050406030204" pitchFamily="18" charset="0"/>
+                                            </a:rPr>
+                                            <m:t>𝐷</m:t>
+                                          </m:r>
+                                        </m:e>
+                                        <m:sub>
+                                          <m:r>
+                                            <a:rPr lang="en-US" b="0" i="1" smtClean="0">
+                                              <a:latin typeface="Cambria Math" panose="02040503050406030204" pitchFamily="18" charset="0"/>
+                                            </a:rPr>
+                                            <m:t>𝑡</m:t>
+                                          </m:r>
+                                        </m:sub>
+                                      </m:sSub>
+                                    </m:e>
+                                  </m:eqArr>
+                                </m:e>
+                              </m:d>
+                            </m:e>
+                            <m:sup>
+                              <m:r>
+                                <a:rPr lang="en-US" b="0" i="1" smtClean="0">
+                                  <a:latin typeface="Cambria Math" panose="02040503050406030204" pitchFamily="18" charset="0"/>
+                                </a:rPr>
+                                <m:t>𝑇</m:t>
+                              </m:r>
+                            </m:sup>
+                          </m:sSup>
+                        </m:e>
+                      </m:d>
+                      <m:r>
+                        <a:rPr lang="en-US" b="0" i="1" smtClean="0">
+                          <a:latin typeface="Cambria Math" panose="02040503050406030204" pitchFamily="18" charset="0"/>
+                        </a:rPr>
+                        <m:t> </m:t>
+                      </m:r>
+                    </m:oMath>
+                  </m:oMathPara>
+                </a14:m>
+                <a:endParaRPr lang="en-US" dirty="0"/>
+              </a:p>
+              <a:p>
+                <a:pPr marL="0" indent="0">
+                  <a:buNone/>
+                </a:pPr>
+                <a14:m>
+                  <m:oMathPara xmlns:m="http://schemas.openxmlformats.org/officeDocument/2006/math">
+                    <m:oMathParaPr>
+                      <m:jc m:val="centerGroup"/>
+                    </m:oMathParaPr>
+                    <m:oMath xmlns:m="http://schemas.openxmlformats.org/officeDocument/2006/math">
+                      <m:r>
+                        <a:rPr lang="en-US" b="0" i="1" smtClean="0">
+                          <a:latin typeface="Cambria Math" panose="02040503050406030204" pitchFamily="18" charset="0"/>
+                        </a:rPr>
+                        <m:t>∀</m:t>
+                      </m:r>
+                      <m:r>
+                        <a:rPr lang="en-US" b="0" i="1" smtClean="0">
+                          <a:latin typeface="Cambria Math" panose="02040503050406030204" pitchFamily="18" charset="0"/>
+                        </a:rPr>
+                        <m:t>𝑡</m:t>
+                      </m:r>
+                      <m:r>
+                        <a:rPr lang="en-US" b="0" i="1" smtClean="0">
+                          <a:latin typeface="Cambria Math" panose="02040503050406030204" pitchFamily="18" charset="0"/>
+                        </a:rPr>
+                        <m:t>∈</m:t>
+                      </m:r>
+                      <m:r>
+                        <a:rPr lang="en-US" b="0" i="1" smtClean="0">
+                          <a:latin typeface="Cambria Math" panose="02040503050406030204" pitchFamily="18" charset="0"/>
+                        </a:rPr>
+                        <m:t>ℕ</m:t>
+                      </m:r>
+                    </m:oMath>
+                  </m:oMathPara>
+                </a14:m>
+                <a:endParaRPr lang="en-IL" dirty="0"/>
+              </a:p>
+            </p:txBody>
+          </p:sp>
+        </mc:Choice>
+        <mc:Fallback xmlns="">
+          <p:sp>
+            <p:nvSpPr>
+              <p:cNvPr id="3" name="Content Placeholder 2">
+                <a:extLst>
+                  <a:ext uri="{FF2B5EF4-FFF2-40B4-BE49-F238E27FC236}">
+                    <a16:creationId xmlns:a16="http://schemas.microsoft.com/office/drawing/2014/main" id="{E2A6D292-3A18-95CC-624E-DBEF53FFDE38}"/>
+                  </a:ext>
+                </a:extLst>
+              </p:cNvPr>
+              <p:cNvSpPr>
+                <a:spLocks noGrp="1" noRot="1" noChangeAspect="1" noMove="1" noResize="1" noEditPoints="1" noAdjustHandles="1" noChangeArrowheads="1" noChangeShapeType="1" noTextEdit="1"/>
+              </p:cNvSpPr>
+              <p:nvPr>
+                <p:ph idx="1"/>
+              </p:nvPr>
+            </p:nvSpPr>
+            <p:spPr>
+              <a:blipFill>
+                <a:blip r:embed="rId2"/>
+                <a:stretch>
+                  <a:fillRect l="-1217" t="-2241"/>
+                </a:stretch>
+              </a:blipFill>
+            </p:spPr>
+            <p:txBody>
+              <a:bodyPr/>
+              <a:lstStyle/>
+              <a:p>
+                <a:r>
+                  <a:rPr lang="en-IL">
+                    <a:noFill/>
+                  </a:rPr>
+                  <a:t> </a:t>
+                </a:r>
+              </a:p>
+            </p:txBody>
+          </p:sp>
+        </mc:Fallback>
+      </mc:AlternateContent>
+    </p:spTree>
+    <p:extLst>
+      <p:ext uri="{BB962C8B-B14F-4D97-AF65-F5344CB8AC3E}">
+        <p14:creationId xmlns:p14="http://schemas.microsoft.com/office/powerpoint/2010/main" val="4109625822"/>
       </p:ext>
     </p:extLst>
   </p:cSld>
@@ -3756,8 +8422,8 @@
           </a:p>
         </p:txBody>
       </p:sp>
-      <mc:AlternateContent xmlns:mc="http://schemas.openxmlformats.org/markup-compatibility/2006">
-        <mc:Choice xmlns:a14="http://schemas.microsoft.com/office/drawing/2010/main" Requires="a14">
+      <mc:AlternateContent xmlns:mc="http://schemas.openxmlformats.org/markup-compatibility/2006" xmlns:a14="http://schemas.microsoft.com/office/drawing/2010/main">
+        <mc:Choice Requires="a14">
           <p:sp>
             <p:nvSpPr>
               <p:cNvPr id="3" name="Content Placeholder 2">
@@ -4237,7 +8903,7 @@
             </p:txBody>
           </p:sp>
         </mc:Choice>
-        <mc:Fallback>
+        <mc:Fallback xmlns="">
           <p:sp>
             <p:nvSpPr>
               <p:cNvPr id="3" name="Content Placeholder 2">
@@ -4291,6 +8957,90 @@
 </file>
 
 <file path=ppt/slides/slide4.xml><?xml version="1.0" encoding="utf-8"?>
+<p:sld xmlns:a="http://schemas.openxmlformats.org/drawingml/2006/main" xmlns:r="http://schemas.openxmlformats.org/officeDocument/2006/relationships" xmlns:p="http://schemas.openxmlformats.org/presentationml/2006/main">
+  <p:cSld>
+    <p:spTree>
+      <p:nvGrpSpPr>
+        <p:cNvPr id="1" name=""/>
+        <p:cNvGrpSpPr/>
+        <p:nvPr/>
+      </p:nvGrpSpPr>
+      <p:grpSpPr>
+        <a:xfrm>
+          <a:off x="0" y="0"/>
+          <a:ext cx="0" cy="0"/>
+          <a:chOff x="0" y="0"/>
+          <a:chExt cx="0" cy="0"/>
+        </a:xfrm>
+      </p:grpSpPr>
+      <p:sp>
+        <p:nvSpPr>
+          <p:cNvPr id="2" name="Title 1">
+            <a:extLst>
+              <a:ext uri="{FF2B5EF4-FFF2-40B4-BE49-F238E27FC236}">
+                <a16:creationId xmlns:a16="http://schemas.microsoft.com/office/drawing/2014/main" id="{00CB0561-0B66-E31D-2308-AD823B926C8F}"/>
+              </a:ext>
+            </a:extLst>
+          </p:cNvPr>
+          <p:cNvSpPr>
+            <a:spLocks noGrp="1"/>
+          </p:cNvSpPr>
+          <p:nvPr>
+            <p:ph type="ctrTitle"/>
+          </p:nvPr>
+        </p:nvSpPr>
+        <p:spPr/>
+        <p:txBody>
+          <a:bodyPr/>
+          <a:lstStyle/>
+          <a:p>
+            <a:r>
+              <a:rPr lang="en-US" dirty="0"/>
+              <a:t>Overview of the paper</a:t>
+            </a:r>
+            <a:endParaRPr lang="en-IL" dirty="0"/>
+          </a:p>
+        </p:txBody>
+      </p:sp>
+      <p:sp>
+        <p:nvSpPr>
+          <p:cNvPr id="3" name="Subtitle 2">
+            <a:extLst>
+              <a:ext uri="{FF2B5EF4-FFF2-40B4-BE49-F238E27FC236}">
+                <a16:creationId xmlns:a16="http://schemas.microsoft.com/office/drawing/2014/main" id="{2D11DD64-95C4-1844-8873-81A368AB8E24}"/>
+              </a:ext>
+            </a:extLst>
+          </p:cNvPr>
+          <p:cNvSpPr>
+            <a:spLocks noGrp="1"/>
+          </p:cNvSpPr>
+          <p:nvPr>
+            <p:ph type="subTitle" idx="1"/>
+          </p:nvPr>
+        </p:nvSpPr>
+        <p:spPr/>
+        <p:txBody>
+          <a:bodyPr/>
+          <a:lstStyle/>
+          <a:p>
+            <a:endParaRPr lang="en-IL"/>
+          </a:p>
+        </p:txBody>
+      </p:sp>
+    </p:spTree>
+    <p:extLst>
+      <p:ext uri="{BB962C8B-B14F-4D97-AF65-F5344CB8AC3E}">
+        <p14:creationId xmlns:p14="http://schemas.microsoft.com/office/powerpoint/2010/main" val="4101981644"/>
+      </p:ext>
+    </p:extLst>
+  </p:cSld>
+  <p:clrMapOvr>
+    <a:masterClrMapping/>
+  </p:clrMapOvr>
+</p:sld>
+</file>
+
+<file path=ppt/slides/slide5.xml><?xml version="1.0" encoding="utf-8"?>
 <p:sld xmlns:a="http://schemas.openxmlformats.org/drawingml/2006/main" xmlns:r="http://schemas.openxmlformats.org/officeDocument/2006/relationships" xmlns:p="http://schemas.openxmlformats.org/presentationml/2006/main">
   <p:cSld>
     <p:spTree>
@@ -6141,7 +10891,7 @@
 </p:sld>
 </file>
 
-<file path=ppt/slides/slide5.xml><?xml version="1.0" encoding="utf-8"?>
+<file path=ppt/slides/slide6.xml><?xml version="1.0" encoding="utf-8"?>
 <p:sld xmlns:a="http://schemas.openxmlformats.org/drawingml/2006/main" xmlns:r="http://schemas.openxmlformats.org/officeDocument/2006/relationships" xmlns:p="http://schemas.openxmlformats.org/presentationml/2006/main">
   <p:cSld>
     <p:spTree>
@@ -6187,8 +10937,8 @@
           </a:p>
         </p:txBody>
       </p:sp>
-      <mc:AlternateContent xmlns:mc="http://schemas.openxmlformats.org/markup-compatibility/2006">
-        <mc:Choice xmlns:a14="http://schemas.microsoft.com/office/drawing/2010/main" Requires="a14">
+      <mc:AlternateContent xmlns:mc="http://schemas.openxmlformats.org/markup-compatibility/2006" xmlns:a14="http://schemas.microsoft.com/office/drawing/2010/main">
+        <mc:Choice Requires="a14">
           <p:sp>
             <p:nvSpPr>
               <p:cNvPr id="3" name="Content Placeholder 2">
@@ -6844,7 +11594,7 @@
             </p:txBody>
           </p:sp>
         </mc:Choice>
-        <mc:Fallback>
+        <mc:Fallback xmlns="">
           <p:sp>
             <p:nvSpPr>
               <p:cNvPr id="3" name="Content Placeholder 2">
@@ -7007,7 +11757,7 @@
 </p:sld>
 </file>
 
-<file path=ppt/slides/slide6.xml><?xml version="1.0" encoding="utf-8"?>
+<file path=ppt/slides/slide7.xml><?xml version="1.0" encoding="utf-8"?>
 <p:sld xmlns:a="http://schemas.openxmlformats.org/drawingml/2006/main" xmlns:r="http://schemas.openxmlformats.org/officeDocument/2006/relationships" xmlns:p="http://schemas.openxmlformats.org/presentationml/2006/main">
   <p:cSld>
     <p:spTree>
@@ -7452,6 +12202,31 @@
                           </m:d>
                         </m:e>
                       </m:func>
+                      <m:r>
+                        <a:rPr lang="en-US" b="0" i="1" smtClean="0">
+                          <a:latin typeface="Cambria Math" panose="02040503050406030204" pitchFamily="18" charset="0"/>
+                        </a:rPr>
+                        <m:t>                                    </m:t>
+                      </m:r>
+                      <m:d>
+                        <m:dPr>
+                          <m:begChr m:val="["/>
+                          <m:endChr m:val="]"/>
+                          <m:ctrlPr>
+                            <a:rPr lang="en-US" b="0" i="1" smtClean="0">
+                              <a:latin typeface="Cambria Math" panose="02040503050406030204" pitchFamily="18" charset="0"/>
+                            </a:rPr>
+                          </m:ctrlPr>
+                        </m:dPr>
+                        <m:e>
+                          <m:r>
+                            <a:rPr lang="en-US" b="0" i="1" smtClean="0">
+                              <a:latin typeface="Cambria Math" panose="02040503050406030204" pitchFamily="18" charset="0"/>
+                            </a:rPr>
+                            <m:t>5</m:t>
+                          </m:r>
+                        </m:e>
+                      </m:d>
                     </m:oMath>
                     <m:oMath xmlns:m="http://schemas.openxmlformats.org/officeDocument/2006/math">
                       <m:r>
@@ -7548,7 +12323,13 @@
                                       <a:rPr lang="en-US" b="0" i="1" smtClean="0">
                                         <a:latin typeface="Cambria Math" panose="02040503050406030204" pitchFamily="18" charset="0"/>
                                       </a:rPr>
-                                      <m:t>𝑥𝑥</m:t>
+                                      <m:t>𝑥</m:t>
+                                    </m:r>
+                                    <m:r>
+                                      <a:rPr lang="en-US" b="0" i="1" smtClean="0">
+                                        <a:latin typeface="Cambria Math" panose="02040503050406030204" pitchFamily="18" charset="0"/>
+                                      </a:rPr>
+                                      <m:t>𝑥</m:t>
                                     </m:r>
                                   </m:sub>
                                 </m:sSub>
@@ -8009,13 +12790,7 @@
                         <a:rPr lang="en-US" b="0" i="1" smtClean="0">
                           <a:latin typeface="Cambria Math" panose="02040503050406030204" pitchFamily="18" charset="0"/>
                         </a:rPr>
-                        <m:t> </m:t>
-                      </m:r>
-                      <m:r>
-                        <a:rPr lang="en-US" b="0" i="1" smtClean="0">
-                          <a:latin typeface="Cambria Math" panose="02040503050406030204" pitchFamily="18" charset="0"/>
-                        </a:rPr>
-                        <m:t>≤</m:t>
+                        <m:t> ≤</m:t>
                       </m:r>
                       <m:sSup>
                         <m:sSupPr>
@@ -8163,339 +12938,6 @@
 </p:sld>
 </file>
 
-<file path=ppt/slides/slide7.xml><?xml version="1.0" encoding="utf-8"?>
-<p:sld xmlns:a="http://schemas.openxmlformats.org/drawingml/2006/main" xmlns:r="http://schemas.openxmlformats.org/officeDocument/2006/relationships" xmlns:p="http://schemas.openxmlformats.org/presentationml/2006/main">
-  <p:cSld>
-    <p:spTree>
-      <p:nvGrpSpPr>
-        <p:cNvPr id="1" name=""/>
-        <p:cNvGrpSpPr/>
-        <p:nvPr/>
-      </p:nvGrpSpPr>
-      <p:grpSpPr>
-        <a:xfrm>
-          <a:off x="0" y="0"/>
-          <a:ext cx="0" cy="0"/>
-          <a:chOff x="0" y="0"/>
-          <a:chExt cx="0" cy="0"/>
-        </a:xfrm>
-      </p:grpSpPr>
-      <p:sp>
-        <p:nvSpPr>
-          <p:cNvPr id="2" name="Title 1">
-            <a:extLst>
-              <a:ext uri="{FF2B5EF4-FFF2-40B4-BE49-F238E27FC236}">
-                <a16:creationId xmlns:a16="http://schemas.microsoft.com/office/drawing/2014/main" id="{577F7869-F4F2-5533-FAA8-5BBA7149694B}"/>
-              </a:ext>
-            </a:extLst>
-          </p:cNvPr>
-          <p:cNvSpPr>
-            <a:spLocks noGrp="1"/>
-          </p:cNvSpPr>
-          <p:nvPr>
-            <p:ph type="title"/>
-          </p:nvPr>
-        </p:nvSpPr>
-        <p:spPr/>
-        <p:txBody>
-          <a:bodyPr/>
-          <a:lstStyle/>
-          <a:p>
-            <a:r>
-              <a:rPr lang="en-US" dirty="0"/>
-              <a:t>Example</a:t>
-            </a:r>
-            <a:endParaRPr lang="en-IL" dirty="0"/>
-          </a:p>
-        </p:txBody>
-      </p:sp>
-      <mc:AlternateContent xmlns:mc="http://schemas.openxmlformats.org/markup-compatibility/2006" xmlns:a14="http://schemas.microsoft.com/office/drawing/2010/main">
-        <mc:Choice Requires="a14">
-          <p:sp>
-            <p:nvSpPr>
-              <p:cNvPr id="3" name="Content Placeholder 2">
-                <a:extLst>
-                  <a:ext uri="{FF2B5EF4-FFF2-40B4-BE49-F238E27FC236}">
-                    <a16:creationId xmlns:a16="http://schemas.microsoft.com/office/drawing/2014/main" id="{DC8909B9-DA38-36B2-66BF-20665CDE56D9}"/>
-                  </a:ext>
-                </a:extLst>
-              </p:cNvPr>
-              <p:cNvSpPr>
-                <a:spLocks noGrp="1"/>
-              </p:cNvSpPr>
-              <p:nvPr>
-                <p:ph idx="1"/>
-              </p:nvPr>
-            </p:nvSpPr>
-            <p:spPr/>
-            <p:txBody>
-              <a:bodyPr/>
-              <a:lstStyle/>
-              <a:p>
-                <a:pPr marL="0" indent="0">
-                  <a:buNone/>
-                </a:pPr>
-                <a:r>
-                  <a:rPr lang="en-US" dirty="0"/>
-                  <a:t>We are driving a car from Netanya to Haifa.</a:t>
-                </a:r>
-              </a:p>
-              <a:p>
-                <a:pPr marL="0" indent="0">
-                  <a:buNone/>
-                </a:pPr>
-                <a:r>
-                  <a:rPr lang="en-US" dirty="0"/>
-                  <a:t>We want to know what our location </a:t>
-                </a:r>
-                <a14:m>
-                  <m:oMath xmlns:m="http://schemas.openxmlformats.org/officeDocument/2006/math">
-                    <m:d>
-                      <m:dPr>
-                        <m:ctrlPr>
-                          <a:rPr lang="en-US" b="0" i="1" smtClean="0">
-                            <a:latin typeface="Cambria Math" panose="02040503050406030204" pitchFamily="18" charset="0"/>
-                          </a:rPr>
-                        </m:ctrlPr>
-                      </m:dPr>
-                      <m:e>
-                        <m:r>
-                          <a:rPr lang="en-US" b="0" i="1" smtClean="0">
-                            <a:latin typeface="Cambria Math" panose="02040503050406030204" pitchFamily="18" charset="0"/>
-                          </a:rPr>
-                          <m:t>𝑥</m:t>
-                        </m:r>
-                      </m:e>
-                    </m:d>
-                  </m:oMath>
-                </a14:m>
-                <a:r>
-                  <a:rPr lang="en-US" dirty="0"/>
-                  <a:t> in every minute </a:t>
-                </a:r>
-                <a14:m>
-                  <m:oMath xmlns:m="http://schemas.openxmlformats.org/officeDocument/2006/math">
-                    <m:d>
-                      <m:dPr>
-                        <m:ctrlPr>
-                          <a:rPr lang="en-US" b="0" i="1" smtClean="0">
-                            <a:latin typeface="Cambria Math" panose="02040503050406030204" pitchFamily="18" charset="0"/>
-                          </a:rPr>
-                        </m:ctrlPr>
-                      </m:dPr>
-                      <m:e>
-                        <m:r>
-                          <a:rPr lang="en-US" b="0" i="1" smtClean="0">
-                            <a:latin typeface="Cambria Math" panose="02040503050406030204" pitchFamily="18" charset="0"/>
-                          </a:rPr>
-                          <m:t>𝑡</m:t>
-                        </m:r>
-                        <m:r>
-                          <a:rPr lang="en-US" b="0" i="1" smtClean="0">
-                            <a:latin typeface="Cambria Math" panose="02040503050406030204" pitchFamily="18" charset="0"/>
-                          </a:rPr>
-                          <m:t>∈</m:t>
-                        </m:r>
-                        <m:r>
-                          <a:rPr lang="en-US" b="0" i="1" smtClean="0">
-                            <a:latin typeface="Cambria Math" panose="02040503050406030204" pitchFamily="18" charset="0"/>
-                          </a:rPr>
-                          <m:t>ℕ</m:t>
-                        </m:r>
-                      </m:e>
-                    </m:d>
-                  </m:oMath>
-                </a14:m>
-                <a:r>
-                  <a:rPr lang="en-US" dirty="0"/>
-                  <a:t> - </a:t>
-                </a:r>
-                <a:br>
-                  <a:rPr lang="en-US" dirty="0"/>
-                </a:br>
-                <a14:m>
-                  <m:oMathPara xmlns:m="http://schemas.openxmlformats.org/officeDocument/2006/math">
-                    <m:oMathParaPr>
-                      <m:jc m:val="centerGroup"/>
-                    </m:oMathParaPr>
-                    <m:oMath xmlns:m="http://schemas.openxmlformats.org/officeDocument/2006/math">
-                      <m:sSub>
-                        <m:sSubPr>
-                          <m:ctrlPr>
-                            <a:rPr lang="en-US" b="0" i="1" smtClean="0">
-                              <a:latin typeface="Cambria Math" panose="02040503050406030204" pitchFamily="18" charset="0"/>
-                            </a:rPr>
-                          </m:ctrlPr>
-                        </m:sSubPr>
-                        <m:e>
-                          <m:r>
-                            <a:rPr lang="en-US" b="0" i="1" smtClean="0">
-                              <a:latin typeface="Cambria Math" panose="02040503050406030204" pitchFamily="18" charset="0"/>
-                            </a:rPr>
-                            <m:t>𝑥</m:t>
-                          </m:r>
-                        </m:e>
-                        <m:sub>
-                          <m:r>
-                            <a:rPr lang="en-US" b="0" i="1" smtClean="0">
-                              <a:latin typeface="Cambria Math" panose="02040503050406030204" pitchFamily="18" charset="0"/>
-                            </a:rPr>
-                            <m:t>𝑡</m:t>
-                          </m:r>
-                        </m:sub>
-                      </m:sSub>
-                      <m:r>
-                        <a:rPr lang="en-US" b="0" i="1" smtClean="0">
-                          <a:latin typeface="Cambria Math" panose="02040503050406030204" pitchFamily="18" charset="0"/>
-                        </a:rPr>
-                        <m:t>∈</m:t>
-                      </m:r>
-                      <m:r>
-                        <a:rPr lang="en-US" b="0" i="1" smtClean="0">
-                          <a:latin typeface="Cambria Math" panose="02040503050406030204" pitchFamily="18" charset="0"/>
-                        </a:rPr>
-                        <m:t>𝑅</m:t>
-                      </m:r>
-                    </m:oMath>
-                  </m:oMathPara>
-                </a14:m>
-                <a:endParaRPr lang="en-US" dirty="0"/>
-              </a:p>
-              <a:p>
-                <a:pPr marL="0" indent="0">
-                  <a:buNone/>
-                </a:pPr>
-                <a:r>
-                  <a:rPr lang="en-US" dirty="0"/>
-                  <a:t>We only know the speed at which we are going in every minute – </a:t>
-                </a:r>
-              </a:p>
-              <a:p>
-                <a:pPr marL="0" indent="0">
-                  <a:buNone/>
-                </a:pPr>
-                <a14:m>
-                  <m:oMathPara xmlns:m="http://schemas.openxmlformats.org/officeDocument/2006/math">
-                    <m:oMathParaPr>
-                      <m:jc m:val="centerGroup"/>
-                    </m:oMathParaPr>
-                    <m:oMath xmlns:m="http://schemas.openxmlformats.org/officeDocument/2006/math">
-                      <m:sSub>
-                        <m:sSubPr>
-                          <m:ctrlPr>
-                            <a:rPr lang="en-US" b="0" i="1" smtClean="0">
-                              <a:latin typeface="Cambria Math" panose="02040503050406030204" pitchFamily="18" charset="0"/>
-                            </a:rPr>
-                          </m:ctrlPr>
-                        </m:sSubPr>
-                        <m:e>
-                          <m:r>
-                            <a:rPr lang="en-US" b="0" i="1" smtClean="0">
-                              <a:latin typeface="Cambria Math" panose="02040503050406030204" pitchFamily="18" charset="0"/>
-                            </a:rPr>
-                            <m:t>𝑦</m:t>
-                          </m:r>
-                        </m:e>
-                        <m:sub>
-                          <m:r>
-                            <a:rPr lang="en-US" b="0" i="1" smtClean="0">
-                              <a:latin typeface="Cambria Math" panose="02040503050406030204" pitchFamily="18" charset="0"/>
-                            </a:rPr>
-                            <m:t>𝑡</m:t>
-                          </m:r>
-                        </m:sub>
-                      </m:sSub>
-                      <m:r>
-                        <a:rPr lang="en-US" b="0" i="1" smtClean="0">
-                          <a:latin typeface="Cambria Math" panose="02040503050406030204" pitchFamily="18" charset="0"/>
-                        </a:rPr>
-                        <m:t>∈</m:t>
-                      </m:r>
-                      <m:r>
-                        <a:rPr lang="en-US" b="0" i="1" smtClean="0">
-                          <a:latin typeface="Cambria Math" panose="02040503050406030204" pitchFamily="18" charset="0"/>
-                        </a:rPr>
-                        <m:t>𝑅</m:t>
-                      </m:r>
-                    </m:oMath>
-                  </m:oMathPara>
-                </a14:m>
-                <a:endParaRPr lang="en-US" dirty="0"/>
-              </a:p>
-              <a:p>
-                <a:pPr marL="0" indent="0">
-                  <a:buNone/>
-                </a:pPr>
-                <a:r>
-                  <a:rPr lang="en-US" dirty="0"/>
-                  <a:t>Accept we don’t know the true speed; we know a noisy signal.</a:t>
-                </a:r>
-              </a:p>
-              <a:p>
-                <a:pPr marL="0" indent="0">
-                  <a:buNone/>
-                </a:pPr>
-                <a:r>
-                  <a:rPr lang="en-US" dirty="0"/>
-                  <a:t>We want to know our location from our speed. </a:t>
-                </a:r>
-              </a:p>
-            </p:txBody>
-          </p:sp>
-        </mc:Choice>
-        <mc:Fallback xmlns="">
-          <p:sp>
-            <p:nvSpPr>
-              <p:cNvPr id="3" name="Content Placeholder 2">
-                <a:extLst>
-                  <a:ext uri="{FF2B5EF4-FFF2-40B4-BE49-F238E27FC236}">
-                    <a16:creationId xmlns:a16="http://schemas.microsoft.com/office/drawing/2014/main" id="{DC8909B9-DA38-36B2-66BF-20665CDE56D9}"/>
-                  </a:ext>
-                </a:extLst>
-              </p:cNvPr>
-              <p:cNvSpPr>
-                <a:spLocks noGrp="1" noRot="1" noChangeAspect="1" noMove="1" noResize="1" noEditPoints="1" noAdjustHandles="1" noChangeArrowheads="1" noChangeShapeType="1" noTextEdit="1"/>
-              </p:cNvSpPr>
-              <p:nvPr>
-                <p:ph idx="1"/>
-              </p:nvPr>
-            </p:nvSpPr>
-            <p:spPr>
-              <a:blipFill>
-                <a:blip r:embed="rId2"/>
-                <a:stretch>
-                  <a:fillRect l="-1217" t="-2241"/>
-                </a:stretch>
-              </a:blipFill>
-            </p:spPr>
-            <p:txBody>
-              <a:bodyPr/>
-              <a:lstStyle/>
-              <a:p>
-                <a:r>
-                  <a:rPr lang="en-IL">
-                    <a:noFill/>
-                  </a:rPr>
-                  <a:t> </a:t>
-                </a:r>
-              </a:p>
-            </p:txBody>
-          </p:sp>
-        </mc:Fallback>
-      </mc:AlternateContent>
-    </p:spTree>
-    <p:extLst>
-      <p:ext uri="{BB962C8B-B14F-4D97-AF65-F5344CB8AC3E}">
-        <p14:creationId xmlns:p14="http://schemas.microsoft.com/office/powerpoint/2010/main" val="1645578039"/>
-      </p:ext>
-    </p:extLst>
-  </p:cSld>
-  <p:clrMapOvr>
-    <a:masterClrMapping/>
-  </p:clrMapOvr>
-</p:sld>
-</file>
-
 <file path=ppt/slides/slide8.xml><?xml version="1.0" encoding="utf-8"?>
 <p:sld xmlns:a="http://schemas.openxmlformats.org/drawingml/2006/main" xmlns:r="http://schemas.openxmlformats.org/officeDocument/2006/relationships" xmlns:p="http://schemas.openxmlformats.org/presentationml/2006/main">
   <p:cSld>
@@ -8518,7 +12960,7 @@
           <p:cNvPr id="2" name="Title 1">
             <a:extLst>
               <a:ext uri="{FF2B5EF4-FFF2-40B4-BE49-F238E27FC236}">
-                <a16:creationId xmlns:a16="http://schemas.microsoft.com/office/drawing/2014/main" id="{A8CBD66E-FAFC-E774-6428-65026D8128A3}"/>
+                <a16:creationId xmlns:a16="http://schemas.microsoft.com/office/drawing/2014/main" id="{2269EAAD-B780-06D9-1B40-906B9BF9445A}"/>
               </a:ext>
             </a:extLst>
           </p:cNvPr>
@@ -8536,927 +12978,65 @@
           <a:p>
             <a:r>
               <a:rPr lang="en-US" dirty="0"/>
-              <a:t>Background</a:t>
+              <a:t>How does it help me?</a:t>
             </a:r>
             <a:endParaRPr lang="en-IL" dirty="0"/>
           </a:p>
         </p:txBody>
       </p:sp>
-      <mc:AlternateContent xmlns:mc="http://schemas.openxmlformats.org/markup-compatibility/2006">
-        <mc:Choice xmlns:a14="http://schemas.microsoft.com/office/drawing/2010/main" Requires="a14">
-          <p:sp>
-            <p:nvSpPr>
-              <p:cNvPr id="3" name="Content Placeholder 2">
-                <a:extLst>
-                  <a:ext uri="{FF2B5EF4-FFF2-40B4-BE49-F238E27FC236}">
-                    <a16:creationId xmlns:a16="http://schemas.microsoft.com/office/drawing/2014/main" id="{986DAB35-67BB-17CE-A7B4-1F38AED6C979}"/>
-                  </a:ext>
-                </a:extLst>
-              </p:cNvPr>
-              <p:cNvSpPr>
-                <a:spLocks noGrp="1"/>
-              </p:cNvSpPr>
-              <p:nvPr>
-                <p:ph idx="1"/>
-              </p:nvPr>
-            </p:nvSpPr>
-            <p:spPr/>
-            <p:txBody>
-              <a:bodyPr/>
-              <a:lstStyle/>
-              <a:p>
-                <a:pPr marL="0" indent="0">
-                  <a:buNone/>
-                </a:pPr>
-                <a:r>
-                  <a:rPr lang="en-US" dirty="0"/>
-                  <a:t>Denote </a:t>
-                </a:r>
-                <a14:m>
-                  <m:oMath xmlns:m="http://schemas.openxmlformats.org/officeDocument/2006/math">
-                    <m:sSub>
-                      <m:sSubPr>
-                        <m:ctrlPr>
-                          <a:rPr lang="en-US" b="0" i="1" smtClean="0">
-                            <a:latin typeface="Cambria Math" panose="02040503050406030204" pitchFamily="18" charset="0"/>
-                          </a:rPr>
-                        </m:ctrlPr>
-                      </m:sSubPr>
-                      <m:e>
-                        <m:r>
-                          <a:rPr lang="en-US" b="0" i="1" smtClean="0">
-                            <a:latin typeface="Cambria Math" panose="02040503050406030204" pitchFamily="18" charset="0"/>
-                          </a:rPr>
-                          <m:t>𝑧</m:t>
-                        </m:r>
-                      </m:e>
-                      <m:sub>
-                        <m:r>
-                          <a:rPr lang="en-US" b="0" i="1" smtClean="0">
-                            <a:latin typeface="Cambria Math" panose="02040503050406030204" pitchFamily="18" charset="0"/>
-                          </a:rPr>
-                          <m:t>𝑡</m:t>
-                        </m:r>
-                      </m:sub>
-                    </m:sSub>
-                  </m:oMath>
-                </a14:m>
-                <a:r>
-                  <a:rPr lang="en-US" dirty="0"/>
-                  <a:t> as </a:t>
-                </a:r>
-                <a14:m>
-                  <m:oMath xmlns:m="http://schemas.openxmlformats.org/officeDocument/2006/math">
-                    <m:sSub>
-                      <m:sSubPr>
-                        <m:ctrlPr>
-                          <a:rPr lang="en-US" b="0" i="1" smtClean="0">
-                            <a:latin typeface="Cambria Math" panose="02040503050406030204" pitchFamily="18" charset="0"/>
-                          </a:rPr>
-                        </m:ctrlPr>
-                      </m:sSubPr>
-                      <m:e>
-                        <m:r>
-                          <a:rPr lang="en-US" b="0" i="1" smtClean="0">
-                            <a:latin typeface="Cambria Math" panose="02040503050406030204" pitchFamily="18" charset="0"/>
-                          </a:rPr>
-                          <m:t>𝑧</m:t>
-                        </m:r>
-                      </m:e>
-                      <m:sub>
-                        <m:r>
-                          <a:rPr lang="en-US" b="0" i="1" smtClean="0">
-                            <a:latin typeface="Cambria Math" panose="02040503050406030204" pitchFamily="18" charset="0"/>
-                          </a:rPr>
-                          <m:t>𝑡</m:t>
-                        </m:r>
-                      </m:sub>
-                    </m:sSub>
-                    <m:r>
-                      <a:rPr lang="en-US" b="0" i="1" smtClean="0">
-                        <a:latin typeface="Cambria Math" panose="02040503050406030204" pitchFamily="18" charset="0"/>
-                      </a:rPr>
-                      <m:t>=</m:t>
-                    </m:r>
-                    <m:d>
-                      <m:dPr>
-                        <m:ctrlPr>
-                          <a:rPr lang="en-US" b="0" i="1" smtClean="0">
-                            <a:latin typeface="Cambria Math" panose="02040503050406030204" pitchFamily="18" charset="0"/>
-                          </a:rPr>
-                        </m:ctrlPr>
-                      </m:dPr>
-                      <m:e>
-                        <m:eqArr>
-                          <m:eqArrPr>
-                            <m:ctrlPr>
-                              <a:rPr lang="en-US" b="0" i="1" smtClean="0">
-                                <a:latin typeface="Cambria Math" panose="02040503050406030204" pitchFamily="18" charset="0"/>
-                              </a:rPr>
-                            </m:ctrlPr>
-                          </m:eqArrPr>
-                          <m:e>
-                            <m:sSub>
-                              <m:sSubPr>
-                                <m:ctrlPr>
-                                  <a:rPr lang="en-US" b="0" i="1" smtClean="0">
-                                    <a:latin typeface="Cambria Math" panose="02040503050406030204" pitchFamily="18" charset="0"/>
-                                  </a:rPr>
-                                </m:ctrlPr>
-                              </m:sSubPr>
-                              <m:e>
-                                <m:r>
-                                  <a:rPr lang="en-US" b="0" i="1" smtClean="0">
-                                    <a:latin typeface="Cambria Math" panose="02040503050406030204" pitchFamily="18" charset="0"/>
-                                  </a:rPr>
-                                  <m:t>𝑥</m:t>
-                                </m:r>
-                              </m:e>
-                              <m:sub>
-                                <m:r>
-                                  <a:rPr lang="en-US" b="0" i="1" smtClean="0">
-                                    <a:latin typeface="Cambria Math" panose="02040503050406030204" pitchFamily="18" charset="0"/>
-                                  </a:rPr>
-                                  <m:t>𝑡</m:t>
-                                </m:r>
-                              </m:sub>
-                            </m:sSub>
-                          </m:e>
-                          <m:e>
-                            <m:sSub>
-                              <m:sSubPr>
-                                <m:ctrlPr>
-                                  <a:rPr lang="en-US" b="0" i="1" smtClean="0">
-                                    <a:latin typeface="Cambria Math" panose="02040503050406030204" pitchFamily="18" charset="0"/>
-                                  </a:rPr>
-                                </m:ctrlPr>
-                              </m:sSubPr>
-                              <m:e>
-                                <m:r>
-                                  <a:rPr lang="en-US" b="0" i="1" smtClean="0">
-                                    <a:latin typeface="Cambria Math" panose="02040503050406030204" pitchFamily="18" charset="0"/>
-                                  </a:rPr>
-                                  <m:t>𝑦</m:t>
-                                </m:r>
-                              </m:e>
-                              <m:sub>
-                                <m:r>
-                                  <a:rPr lang="en-US" b="0" i="1" smtClean="0">
-                                    <a:latin typeface="Cambria Math" panose="02040503050406030204" pitchFamily="18" charset="0"/>
-                                  </a:rPr>
-                                  <m:t>𝑡</m:t>
-                                </m:r>
-                              </m:sub>
-                            </m:sSub>
-                          </m:e>
-                        </m:eqArr>
-                      </m:e>
-                    </m:d>
-                  </m:oMath>
-                </a14:m>
-                <a:r>
-                  <a:rPr lang="en-US" dirty="0"/>
-                  <a:t>.</a:t>
-                </a:r>
-              </a:p>
-              <a:p>
-                <a:pPr marL="0" indent="0">
-                  <a:buNone/>
-                </a:pPr>
-                <a:r>
-                  <a:rPr lang="en-US" dirty="0"/>
-                  <a:t>The nominal distribution </a:t>
-                </a:r>
-                <a14:m>
-                  <m:oMath xmlns:m="http://schemas.openxmlformats.org/officeDocument/2006/math">
-                    <m:sSubSup>
-                      <m:sSubSupPr>
-                        <m:ctrlPr>
-                          <a:rPr lang="en-US" b="0" i="1" smtClean="0">
-                            <a:latin typeface="Cambria Math" panose="02040503050406030204" pitchFamily="18" charset="0"/>
-                          </a:rPr>
-                        </m:ctrlPr>
-                      </m:sSubSupPr>
-                      <m:e>
-                        <m:r>
-                          <a:rPr lang="en-US" b="0" i="1" smtClean="0">
-                            <a:latin typeface="Cambria Math" panose="02040503050406030204" pitchFamily="18" charset="0"/>
-                          </a:rPr>
-                          <m:t>ℙ</m:t>
-                        </m:r>
-                      </m:e>
-                      <m:sub>
-                        <m:sSub>
-                          <m:sSubPr>
-                            <m:ctrlPr>
-                              <a:rPr lang="en-US" b="0" i="1" smtClean="0">
-                                <a:latin typeface="Cambria Math" panose="02040503050406030204" pitchFamily="18" charset="0"/>
-                              </a:rPr>
-                            </m:ctrlPr>
-                          </m:sSubPr>
-                          <m:e>
-                            <m:r>
-                              <a:rPr lang="en-US" b="0" i="1" smtClean="0">
-                                <a:latin typeface="Cambria Math" panose="02040503050406030204" pitchFamily="18" charset="0"/>
-                              </a:rPr>
-                              <m:t>𝑧</m:t>
-                            </m:r>
-                          </m:e>
-                          <m:sub>
-                            <m:r>
-                              <a:rPr lang="en-US" b="0" i="1" smtClean="0">
-                                <a:latin typeface="Cambria Math" panose="02040503050406030204" pitchFamily="18" charset="0"/>
-                              </a:rPr>
-                              <m:t>𝑡</m:t>
-                            </m:r>
-                          </m:sub>
-                        </m:sSub>
-                        <m:r>
-                          <a:rPr lang="en-US" b="0" i="1" smtClean="0">
-                            <a:latin typeface="Cambria Math" panose="02040503050406030204" pitchFamily="18" charset="0"/>
-                          </a:rPr>
-                          <m:t>|</m:t>
-                        </m:r>
-                        <m:sSub>
-                          <m:sSubPr>
-                            <m:ctrlPr>
-                              <a:rPr lang="en-US" b="0" i="1" smtClean="0">
-                                <a:latin typeface="Cambria Math" panose="02040503050406030204" pitchFamily="18" charset="0"/>
-                              </a:rPr>
-                            </m:ctrlPr>
-                          </m:sSubPr>
-                          <m:e>
-                            <m:r>
-                              <a:rPr lang="en-US" b="0" i="1" smtClean="0">
-                                <a:latin typeface="Cambria Math" panose="02040503050406030204" pitchFamily="18" charset="0"/>
-                              </a:rPr>
-                              <m:t>𝑥</m:t>
-                            </m:r>
-                          </m:e>
-                          <m:sub>
-                            <m:r>
-                              <a:rPr lang="en-US" b="0" i="1" smtClean="0">
-                                <a:latin typeface="Cambria Math" panose="02040503050406030204" pitchFamily="18" charset="0"/>
-                              </a:rPr>
-                              <m:t>𝑡</m:t>
-                            </m:r>
-                            <m:r>
-                              <a:rPr lang="en-US" b="0" i="1" smtClean="0">
-                                <a:latin typeface="Cambria Math" panose="02040503050406030204" pitchFamily="18" charset="0"/>
-                              </a:rPr>
-                              <m:t>−1</m:t>
-                            </m:r>
-                          </m:sub>
-                        </m:sSub>
-                      </m:sub>
-                      <m:sup>
-                        <m:r>
-                          <a:rPr lang="en-US" b="0" i="1" smtClean="0">
-                            <a:latin typeface="Cambria Math" panose="02040503050406030204" pitchFamily="18" charset="0"/>
-                          </a:rPr>
-                          <m:t>∗</m:t>
-                        </m:r>
-                      </m:sup>
-                    </m:sSubSup>
-                  </m:oMath>
-                </a14:m>
-                <a:r>
-                  <a:rPr lang="en-US" dirty="0"/>
-                  <a:t> is known and is:</a:t>
-                </a:r>
-              </a:p>
-              <a:p>
-                <a:pPr marL="0" indent="0">
-                  <a:buNone/>
-                </a:pPr>
-                <a14:m>
-                  <m:oMathPara xmlns:m="http://schemas.openxmlformats.org/officeDocument/2006/math">
-                    <m:oMathParaPr>
-                      <m:jc m:val="centerGroup"/>
-                    </m:oMathParaPr>
-                    <m:oMath xmlns:m="http://schemas.openxmlformats.org/officeDocument/2006/math">
-                      <m:sSub>
-                        <m:sSubPr>
-                          <m:ctrlPr>
-                            <a:rPr lang="en-US" b="0" i="1" smtClean="0">
-                              <a:latin typeface="Cambria Math" panose="02040503050406030204" pitchFamily="18" charset="0"/>
-                            </a:rPr>
-                          </m:ctrlPr>
-                        </m:sSubPr>
-                        <m:e>
-                          <m:r>
-                            <a:rPr lang="en-US" b="0" i="1" smtClean="0">
-                              <a:latin typeface="Cambria Math" panose="02040503050406030204" pitchFamily="18" charset="0"/>
-                            </a:rPr>
-                            <m:t>𝑥</m:t>
-                          </m:r>
-                        </m:e>
-                        <m:sub>
-                          <m:r>
-                            <a:rPr lang="en-US" b="0" i="1" smtClean="0">
-                              <a:latin typeface="Cambria Math" panose="02040503050406030204" pitchFamily="18" charset="0"/>
-                            </a:rPr>
-                            <m:t>𝑡</m:t>
-                          </m:r>
-                        </m:sub>
-                      </m:sSub>
-                      <m:r>
-                        <a:rPr lang="en-US" b="0" i="1" smtClean="0">
-                          <a:latin typeface="Cambria Math" panose="02040503050406030204" pitchFamily="18" charset="0"/>
-                        </a:rPr>
-                        <m:t>=</m:t>
-                      </m:r>
-                      <m:sSub>
-                        <m:sSubPr>
-                          <m:ctrlPr>
-                            <a:rPr lang="en-US" b="0" i="1" smtClean="0">
-                              <a:latin typeface="Cambria Math" panose="02040503050406030204" pitchFamily="18" charset="0"/>
-                            </a:rPr>
-                          </m:ctrlPr>
-                        </m:sSubPr>
-                        <m:e>
-                          <m:r>
-                            <a:rPr lang="en-US" b="0" i="1" smtClean="0">
-                              <a:latin typeface="Cambria Math" panose="02040503050406030204" pitchFamily="18" charset="0"/>
-                            </a:rPr>
-                            <m:t>𝐴</m:t>
-                          </m:r>
-                        </m:e>
-                        <m:sub>
-                          <m:r>
-                            <a:rPr lang="en-US" b="0" i="1" smtClean="0">
-                              <a:latin typeface="Cambria Math" panose="02040503050406030204" pitchFamily="18" charset="0"/>
-                            </a:rPr>
-                            <m:t>𝑡</m:t>
-                          </m:r>
-                        </m:sub>
-                      </m:sSub>
-                      <m:sSub>
-                        <m:sSubPr>
-                          <m:ctrlPr>
-                            <a:rPr lang="en-US" b="0" i="1" smtClean="0">
-                              <a:latin typeface="Cambria Math" panose="02040503050406030204" pitchFamily="18" charset="0"/>
-                            </a:rPr>
-                          </m:ctrlPr>
-                        </m:sSubPr>
-                        <m:e>
-                          <m:r>
-                            <a:rPr lang="en-US" b="0" i="1" smtClean="0">
-                              <a:latin typeface="Cambria Math" panose="02040503050406030204" pitchFamily="18" charset="0"/>
-                            </a:rPr>
-                            <m:t>𝑥</m:t>
-                          </m:r>
-                        </m:e>
-                        <m:sub>
-                          <m:r>
-                            <a:rPr lang="en-US" b="0" i="1" smtClean="0">
-                              <a:latin typeface="Cambria Math" panose="02040503050406030204" pitchFamily="18" charset="0"/>
-                            </a:rPr>
-                            <m:t>𝑡</m:t>
-                          </m:r>
-                          <m:r>
-                            <a:rPr lang="en-US" b="0" i="1" smtClean="0">
-                              <a:latin typeface="Cambria Math" panose="02040503050406030204" pitchFamily="18" charset="0"/>
-                            </a:rPr>
-                            <m:t>−1</m:t>
-                          </m:r>
-                        </m:sub>
-                      </m:sSub>
-                      <m:r>
-                        <a:rPr lang="en-US" b="0" i="1" smtClean="0">
-                          <a:latin typeface="Cambria Math" panose="02040503050406030204" pitchFamily="18" charset="0"/>
-                        </a:rPr>
-                        <m:t>+</m:t>
-                      </m:r>
-                      <m:sSub>
-                        <m:sSubPr>
-                          <m:ctrlPr>
-                            <a:rPr lang="en-US" b="0" i="1" smtClean="0">
-                              <a:latin typeface="Cambria Math" panose="02040503050406030204" pitchFamily="18" charset="0"/>
-                            </a:rPr>
-                          </m:ctrlPr>
-                        </m:sSubPr>
-                        <m:e>
-                          <m:r>
-                            <a:rPr lang="en-US" b="0" i="1" smtClean="0">
-                              <a:latin typeface="Cambria Math" panose="02040503050406030204" pitchFamily="18" charset="0"/>
-                            </a:rPr>
-                            <m:t>𝐵</m:t>
-                          </m:r>
-                        </m:e>
-                        <m:sub>
-                          <m:r>
-                            <a:rPr lang="en-US" b="0" i="1" smtClean="0">
-                              <a:latin typeface="Cambria Math" panose="02040503050406030204" pitchFamily="18" charset="0"/>
-                            </a:rPr>
-                            <m:t>𝑡</m:t>
-                          </m:r>
-                        </m:sub>
-                      </m:sSub>
-                      <m:sSub>
-                        <m:sSubPr>
-                          <m:ctrlPr>
-                            <a:rPr lang="en-US" b="0" i="1" smtClean="0">
-                              <a:latin typeface="Cambria Math" panose="02040503050406030204" pitchFamily="18" charset="0"/>
-                            </a:rPr>
-                          </m:ctrlPr>
-                        </m:sSubPr>
-                        <m:e>
-                          <m:r>
-                            <a:rPr lang="en-US" b="0" i="1" smtClean="0">
-                              <a:latin typeface="Cambria Math" panose="02040503050406030204" pitchFamily="18" charset="0"/>
-                            </a:rPr>
-                            <m:t>𝑣</m:t>
-                          </m:r>
-                        </m:e>
-                        <m:sub>
-                          <m:r>
-                            <a:rPr lang="en-US" b="0" i="1" smtClean="0">
-                              <a:latin typeface="Cambria Math" panose="02040503050406030204" pitchFamily="18" charset="0"/>
-                            </a:rPr>
-                            <m:t>𝑡</m:t>
-                          </m:r>
-                        </m:sub>
-                      </m:sSub>
-                    </m:oMath>
-                    <m:oMath xmlns:m="http://schemas.openxmlformats.org/officeDocument/2006/math">
-                      <m:sSub>
-                        <m:sSubPr>
-                          <m:ctrlPr>
-                            <a:rPr lang="en-US" b="0" i="1" smtClean="0">
-                              <a:latin typeface="Cambria Math" panose="02040503050406030204" pitchFamily="18" charset="0"/>
-                            </a:rPr>
-                          </m:ctrlPr>
-                        </m:sSubPr>
-                        <m:e>
-                          <m:r>
-                            <a:rPr lang="en-US" b="0" i="1" smtClean="0">
-                              <a:latin typeface="Cambria Math" panose="02040503050406030204" pitchFamily="18" charset="0"/>
-                            </a:rPr>
-                            <m:t>𝑦</m:t>
-                          </m:r>
-                        </m:e>
-                        <m:sub>
-                          <m:r>
-                            <a:rPr lang="en-US" b="0" i="1" smtClean="0">
-                              <a:latin typeface="Cambria Math" panose="02040503050406030204" pitchFamily="18" charset="0"/>
-                            </a:rPr>
-                            <m:t>𝑡</m:t>
-                          </m:r>
-                        </m:sub>
-                      </m:sSub>
-                      <m:r>
-                        <a:rPr lang="en-US" b="0" i="1" smtClean="0">
-                          <a:latin typeface="Cambria Math" panose="02040503050406030204" pitchFamily="18" charset="0"/>
-                        </a:rPr>
-                        <m:t>=</m:t>
-                      </m:r>
-                      <m:sSub>
-                        <m:sSubPr>
-                          <m:ctrlPr>
-                            <a:rPr lang="en-US" b="0" i="1" smtClean="0">
-                              <a:latin typeface="Cambria Math" panose="02040503050406030204" pitchFamily="18" charset="0"/>
-                            </a:rPr>
-                          </m:ctrlPr>
-                        </m:sSubPr>
-                        <m:e>
-                          <m:r>
-                            <a:rPr lang="en-US" b="0" i="1" smtClean="0">
-                              <a:latin typeface="Cambria Math" panose="02040503050406030204" pitchFamily="18" charset="0"/>
-                            </a:rPr>
-                            <m:t>𝐶</m:t>
-                          </m:r>
-                        </m:e>
-                        <m:sub>
-                          <m:r>
-                            <a:rPr lang="en-US" b="0" i="1" smtClean="0">
-                              <a:latin typeface="Cambria Math" panose="02040503050406030204" pitchFamily="18" charset="0"/>
-                            </a:rPr>
-                            <m:t>𝑡</m:t>
-                          </m:r>
-                        </m:sub>
-                      </m:sSub>
-                      <m:sSub>
-                        <m:sSubPr>
-                          <m:ctrlPr>
-                            <a:rPr lang="en-US" b="0" i="1" smtClean="0">
-                              <a:latin typeface="Cambria Math" panose="02040503050406030204" pitchFamily="18" charset="0"/>
-                            </a:rPr>
-                          </m:ctrlPr>
-                        </m:sSubPr>
-                        <m:e>
-                          <m:r>
-                            <a:rPr lang="en-US" b="0" i="1" smtClean="0">
-                              <a:latin typeface="Cambria Math" panose="02040503050406030204" pitchFamily="18" charset="0"/>
-                            </a:rPr>
-                            <m:t>𝑥</m:t>
-                          </m:r>
-                        </m:e>
-                        <m:sub>
-                          <m:r>
-                            <a:rPr lang="en-US" b="0" i="1" smtClean="0">
-                              <a:latin typeface="Cambria Math" panose="02040503050406030204" pitchFamily="18" charset="0"/>
-                            </a:rPr>
-                            <m:t>𝑡</m:t>
-                          </m:r>
-                        </m:sub>
-                      </m:sSub>
-                      <m:r>
-                        <a:rPr lang="en-US" b="0" i="1" smtClean="0">
-                          <a:latin typeface="Cambria Math" panose="02040503050406030204" pitchFamily="18" charset="0"/>
-                        </a:rPr>
-                        <m:t>+</m:t>
-                      </m:r>
-                      <m:sSub>
-                        <m:sSubPr>
-                          <m:ctrlPr>
-                            <a:rPr lang="en-US" b="0" i="1" smtClean="0">
-                              <a:latin typeface="Cambria Math" panose="02040503050406030204" pitchFamily="18" charset="0"/>
-                            </a:rPr>
-                          </m:ctrlPr>
-                        </m:sSubPr>
-                        <m:e>
-                          <m:r>
-                            <a:rPr lang="en-US" b="0" i="1" smtClean="0">
-                              <a:latin typeface="Cambria Math" panose="02040503050406030204" pitchFamily="18" charset="0"/>
-                            </a:rPr>
-                            <m:t>𝐷</m:t>
-                          </m:r>
-                        </m:e>
-                        <m:sub>
-                          <m:r>
-                            <a:rPr lang="en-US" b="0" i="1" smtClean="0">
-                              <a:latin typeface="Cambria Math" panose="02040503050406030204" pitchFamily="18" charset="0"/>
-                            </a:rPr>
-                            <m:t>𝑡</m:t>
-                          </m:r>
-                        </m:sub>
-                      </m:sSub>
-                      <m:sSub>
-                        <m:sSubPr>
-                          <m:ctrlPr>
-                            <a:rPr lang="en-US" b="0" i="1" smtClean="0">
-                              <a:latin typeface="Cambria Math" panose="02040503050406030204" pitchFamily="18" charset="0"/>
-                            </a:rPr>
-                          </m:ctrlPr>
-                        </m:sSubPr>
-                        <m:e>
-                          <m:r>
-                            <a:rPr lang="en-US" b="0" i="1" smtClean="0">
-                              <a:latin typeface="Cambria Math" panose="02040503050406030204" pitchFamily="18" charset="0"/>
-                            </a:rPr>
-                            <m:t>𝑣</m:t>
-                          </m:r>
-                        </m:e>
-                        <m:sub>
-                          <m:r>
-                            <a:rPr lang="en-US" b="0" i="1" smtClean="0">
-                              <a:latin typeface="Cambria Math" panose="02040503050406030204" pitchFamily="18" charset="0"/>
-                            </a:rPr>
-                            <m:t>𝑡</m:t>
-                          </m:r>
-                        </m:sub>
-                      </m:sSub>
-                    </m:oMath>
-                  </m:oMathPara>
-                </a14:m>
-                <a:endParaRPr lang="en-US" dirty="0"/>
-              </a:p>
-              <a:p>
-                <a:pPr marL="0" indent="0">
-                  <a:buNone/>
-                </a:pPr>
-                <a:r>
-                  <a:rPr lang="en-US" dirty="0"/>
-                  <a:t>for known </a:t>
-                </a:r>
-                <a14:m>
-                  <m:oMath xmlns:m="http://schemas.openxmlformats.org/officeDocument/2006/math">
-                    <m:sSub>
-                      <m:sSubPr>
-                        <m:ctrlPr>
-                          <a:rPr lang="en-US" b="0" i="1" smtClean="0">
-                            <a:latin typeface="Cambria Math" panose="02040503050406030204" pitchFamily="18" charset="0"/>
-                          </a:rPr>
-                        </m:ctrlPr>
-                      </m:sSubPr>
-                      <m:e>
-                        <m:r>
-                          <a:rPr lang="en-US" b="0" i="1" smtClean="0">
-                            <a:latin typeface="Cambria Math" panose="02040503050406030204" pitchFamily="18" charset="0"/>
-                          </a:rPr>
-                          <m:t>𝐴</m:t>
-                        </m:r>
-                      </m:e>
-                      <m:sub>
-                        <m:r>
-                          <a:rPr lang="en-US" b="0" i="1" smtClean="0">
-                            <a:latin typeface="Cambria Math" panose="02040503050406030204" pitchFamily="18" charset="0"/>
-                          </a:rPr>
-                          <m:t>𝑡</m:t>
-                        </m:r>
-                      </m:sub>
-                    </m:sSub>
-                    <m:r>
-                      <a:rPr lang="en-US" b="0" i="1" smtClean="0">
-                        <a:latin typeface="Cambria Math" panose="02040503050406030204" pitchFamily="18" charset="0"/>
-                      </a:rPr>
-                      <m:t>, </m:t>
-                    </m:r>
-                    <m:sSub>
-                      <m:sSubPr>
-                        <m:ctrlPr>
-                          <a:rPr lang="en-US" b="0" i="1" smtClean="0">
-                            <a:latin typeface="Cambria Math" panose="02040503050406030204" pitchFamily="18" charset="0"/>
-                          </a:rPr>
-                        </m:ctrlPr>
-                      </m:sSubPr>
-                      <m:e>
-                        <m:r>
-                          <a:rPr lang="en-US" b="0" i="1" smtClean="0">
-                            <a:latin typeface="Cambria Math" panose="02040503050406030204" pitchFamily="18" charset="0"/>
-                          </a:rPr>
-                          <m:t>𝐵</m:t>
-                        </m:r>
-                      </m:e>
-                      <m:sub>
-                        <m:r>
-                          <a:rPr lang="en-US" b="0" i="1" smtClean="0">
-                            <a:latin typeface="Cambria Math" panose="02040503050406030204" pitchFamily="18" charset="0"/>
-                          </a:rPr>
-                          <m:t>𝑡</m:t>
-                        </m:r>
-                      </m:sub>
-                    </m:sSub>
-                    <m:r>
-                      <a:rPr lang="en-US" b="0" i="1" smtClean="0">
-                        <a:latin typeface="Cambria Math" panose="02040503050406030204" pitchFamily="18" charset="0"/>
-                      </a:rPr>
-                      <m:t>, </m:t>
-                    </m:r>
-                    <m:sSub>
-                      <m:sSubPr>
-                        <m:ctrlPr>
-                          <a:rPr lang="en-US" b="0" i="1" smtClean="0">
-                            <a:latin typeface="Cambria Math" panose="02040503050406030204" pitchFamily="18" charset="0"/>
-                          </a:rPr>
-                        </m:ctrlPr>
-                      </m:sSubPr>
-                      <m:e>
-                        <m:r>
-                          <a:rPr lang="en-US" b="0" i="1" smtClean="0">
-                            <a:latin typeface="Cambria Math" panose="02040503050406030204" pitchFamily="18" charset="0"/>
-                          </a:rPr>
-                          <m:t>𝐶</m:t>
-                        </m:r>
-                      </m:e>
-                      <m:sub>
-                        <m:r>
-                          <a:rPr lang="en-US" b="0" i="1" smtClean="0">
-                            <a:latin typeface="Cambria Math" panose="02040503050406030204" pitchFamily="18" charset="0"/>
-                          </a:rPr>
-                          <m:t>𝑡</m:t>
-                        </m:r>
-                      </m:sub>
-                    </m:sSub>
-                    <m:r>
-                      <a:rPr lang="en-US" b="0" i="1" smtClean="0">
-                        <a:latin typeface="Cambria Math" panose="02040503050406030204" pitchFamily="18" charset="0"/>
-                      </a:rPr>
-                      <m:t>, </m:t>
-                    </m:r>
-                    <m:sSub>
-                      <m:sSubPr>
-                        <m:ctrlPr>
-                          <a:rPr lang="en-US" b="0" i="1" smtClean="0">
-                            <a:latin typeface="Cambria Math" panose="02040503050406030204" pitchFamily="18" charset="0"/>
-                          </a:rPr>
-                        </m:ctrlPr>
-                      </m:sSubPr>
-                      <m:e>
-                        <m:r>
-                          <a:rPr lang="en-US" b="0" i="1" smtClean="0">
-                            <a:latin typeface="Cambria Math" panose="02040503050406030204" pitchFamily="18" charset="0"/>
-                          </a:rPr>
-                          <m:t>𝐷</m:t>
-                        </m:r>
-                      </m:e>
-                      <m:sub>
-                        <m:r>
-                          <a:rPr lang="en-US" b="0" i="1" smtClean="0">
-                            <a:latin typeface="Cambria Math" panose="02040503050406030204" pitchFamily="18" charset="0"/>
-                          </a:rPr>
-                          <m:t>𝑡</m:t>
-                        </m:r>
-                      </m:sub>
-                    </m:sSub>
-                  </m:oMath>
-                </a14:m>
-                <a:r>
-                  <a:rPr lang="en-US" dirty="0"/>
-                  <a:t>.</a:t>
-                </a:r>
-              </a:p>
-              <a:p>
-                <a:pPr marL="0" indent="0">
-                  <a:buNone/>
-                </a:pPr>
-                <a14:m>
-                  <m:oMath xmlns:m="http://schemas.openxmlformats.org/officeDocument/2006/math">
-                    <m:sSub>
-                      <m:sSubPr>
-                        <m:ctrlPr>
-                          <a:rPr lang="en-US" b="0" i="1" smtClean="0">
-                            <a:latin typeface="Cambria Math" panose="02040503050406030204" pitchFamily="18" charset="0"/>
-                          </a:rPr>
-                        </m:ctrlPr>
-                      </m:sSubPr>
-                      <m:e>
-                        <m:r>
-                          <a:rPr lang="en-US" b="0" i="1" smtClean="0">
-                            <a:latin typeface="Cambria Math" panose="02040503050406030204" pitchFamily="18" charset="0"/>
-                          </a:rPr>
-                          <m:t>𝑣</m:t>
-                        </m:r>
-                      </m:e>
-                      <m:sub>
-                        <m:r>
-                          <a:rPr lang="en-US" b="0" i="1" smtClean="0">
-                            <a:latin typeface="Cambria Math" panose="02040503050406030204" pitchFamily="18" charset="0"/>
-                          </a:rPr>
-                          <m:t>𝑡</m:t>
-                        </m:r>
-                      </m:sub>
-                    </m:sSub>
-                    <m:r>
-                      <a:rPr lang="en-US" b="0" i="1" smtClean="0">
-                        <a:latin typeface="Cambria Math" panose="02040503050406030204" pitchFamily="18" charset="0"/>
-                      </a:rPr>
-                      <m:t>∼</m:t>
-                    </m:r>
-                    <m:sSub>
-                      <m:sSubPr>
-                        <m:ctrlPr>
-                          <a:rPr lang="en-US" b="0" i="1" smtClean="0">
-                            <a:latin typeface="Cambria Math" panose="02040503050406030204" pitchFamily="18" charset="0"/>
-                          </a:rPr>
-                        </m:ctrlPr>
-                      </m:sSubPr>
-                      <m:e>
-                        <m:r>
-                          <a:rPr lang="en-US" b="0" i="1" smtClean="0">
-                            <a:latin typeface="Cambria Math" panose="02040503050406030204" pitchFamily="18" charset="0"/>
-                          </a:rPr>
-                          <m:t>𝒩</m:t>
-                        </m:r>
-                      </m:e>
-                      <m:sub>
-                        <m:r>
-                          <a:rPr lang="en-US" b="0" i="1" smtClean="0">
-                            <a:latin typeface="Cambria Math" panose="02040503050406030204" pitchFamily="18" charset="0"/>
-                          </a:rPr>
-                          <m:t>𝑑</m:t>
-                        </m:r>
-                      </m:sub>
-                    </m:sSub>
-                    <m:d>
-                      <m:dPr>
-                        <m:ctrlPr>
-                          <a:rPr lang="en-US" b="0" i="1" smtClean="0">
-                            <a:latin typeface="Cambria Math" panose="02040503050406030204" pitchFamily="18" charset="0"/>
-                          </a:rPr>
-                        </m:ctrlPr>
-                      </m:dPr>
-                      <m:e>
-                        <m:r>
-                          <a:rPr lang="en-US" b="0" i="1" smtClean="0">
-                            <a:latin typeface="Cambria Math" panose="02040503050406030204" pitchFamily="18" charset="0"/>
-                          </a:rPr>
-                          <m:t>0, </m:t>
-                        </m:r>
-                        <m:sSub>
-                          <m:sSubPr>
-                            <m:ctrlPr>
-                              <a:rPr lang="en-US" b="0" i="1" smtClean="0">
-                                <a:latin typeface="Cambria Math" panose="02040503050406030204" pitchFamily="18" charset="0"/>
-                              </a:rPr>
-                            </m:ctrlPr>
-                          </m:sSubPr>
-                          <m:e>
-                            <m:r>
-                              <a:rPr lang="en-US" b="0" i="1" smtClean="0">
-                                <a:latin typeface="Cambria Math" panose="02040503050406030204" pitchFamily="18" charset="0"/>
-                              </a:rPr>
-                              <m:t>𝐼</m:t>
-                            </m:r>
-                          </m:e>
-                          <m:sub>
-                            <m:r>
-                              <a:rPr lang="en-US" b="0" i="1" smtClean="0">
-                                <a:latin typeface="Cambria Math" panose="02040503050406030204" pitchFamily="18" charset="0"/>
-                              </a:rPr>
-                              <m:t>𝑑</m:t>
-                            </m:r>
-                          </m:sub>
-                        </m:sSub>
-                      </m:e>
-                    </m:d>
-                  </m:oMath>
-                </a14:m>
-                <a:r>
-                  <a:rPr lang="en-US" dirty="0"/>
-                  <a:t> is the noise and is independent of </a:t>
-                </a:r>
-                <a14:m>
-                  <m:oMath xmlns:m="http://schemas.openxmlformats.org/officeDocument/2006/math">
-                    <m:sSub>
-                      <m:sSubPr>
-                        <m:ctrlPr>
-                          <a:rPr lang="en-US" b="0" i="1" smtClean="0">
-                            <a:latin typeface="Cambria Math" panose="02040503050406030204" pitchFamily="18" charset="0"/>
-                          </a:rPr>
-                        </m:ctrlPr>
-                      </m:sSubPr>
-                      <m:e>
-                        <m:r>
-                          <a:rPr lang="en-US" b="0" i="1" smtClean="0">
-                            <a:latin typeface="Cambria Math" panose="02040503050406030204" pitchFamily="18" charset="0"/>
-                          </a:rPr>
-                          <m:t>𝑥</m:t>
-                        </m:r>
-                      </m:e>
-                      <m:sub>
-                        <m:r>
-                          <a:rPr lang="en-US" b="0" i="1" smtClean="0">
-                            <a:latin typeface="Cambria Math" panose="02040503050406030204" pitchFamily="18" charset="0"/>
-                          </a:rPr>
-                          <m:t>𝑡</m:t>
-                        </m:r>
-                      </m:sub>
-                    </m:sSub>
-                    <m:r>
-                      <a:rPr lang="en-US" b="0" i="0" smtClean="0">
-                        <a:latin typeface="Cambria Math" panose="02040503050406030204" pitchFamily="18" charset="0"/>
-                      </a:rPr>
-                      <m:t>.</m:t>
-                    </m:r>
-                  </m:oMath>
-                </a14:m>
-                <a:endParaRPr lang="en-US" dirty="0"/>
-              </a:p>
-              <a:p>
-                <a:pPr marL="0" indent="0">
-                  <a:buNone/>
-                </a:pPr>
-                <a:endParaRPr lang="en-IL" dirty="0"/>
-              </a:p>
-            </p:txBody>
-          </p:sp>
-        </mc:Choice>
-        <mc:Fallback>
-          <p:sp>
-            <p:nvSpPr>
-              <p:cNvPr id="3" name="Content Placeholder 2">
-                <a:extLst>
-                  <a:ext uri="{FF2B5EF4-FFF2-40B4-BE49-F238E27FC236}">
-                    <a16:creationId xmlns:a16="http://schemas.microsoft.com/office/drawing/2014/main" id="{986DAB35-67BB-17CE-A7B4-1F38AED6C979}"/>
-                  </a:ext>
-                </a:extLst>
-              </p:cNvPr>
-              <p:cNvSpPr>
-                <a:spLocks noGrp="1" noRot="1" noChangeAspect="1" noMove="1" noResize="1" noEditPoints="1" noAdjustHandles="1" noChangeArrowheads="1" noChangeShapeType="1" noTextEdit="1"/>
-              </p:cNvSpPr>
-              <p:nvPr>
-                <p:ph idx="1"/>
-              </p:nvPr>
-            </p:nvSpPr>
-            <p:spPr>
-              <a:blipFill>
-                <a:blip r:embed="rId2"/>
-                <a:stretch>
-                  <a:fillRect l="-1217"/>
-                </a:stretch>
-              </a:blipFill>
-            </p:spPr>
-            <p:txBody>
-              <a:bodyPr/>
-              <a:lstStyle/>
-              <a:p>
-                <a:r>
-                  <a:rPr lang="en-IL">
-                    <a:noFill/>
-                  </a:rPr>
-                  <a:t> </a:t>
-                </a:r>
-              </a:p>
-            </p:txBody>
-          </p:sp>
-        </mc:Fallback>
-      </mc:AlternateContent>
+      <p:pic>
+        <p:nvPicPr>
+          <p:cNvPr id="1026" name="Picture 2" descr="What is a good question? | Dragonfly Training">
+            <a:extLst>
+              <a:ext uri="{FF2B5EF4-FFF2-40B4-BE49-F238E27FC236}">
+                <a16:creationId xmlns:a16="http://schemas.microsoft.com/office/drawing/2014/main" id="{EFCBA349-E8EC-8655-FB12-DF9038AF8293}"/>
+              </a:ext>
+            </a:extLst>
+          </p:cNvPr>
+          <p:cNvPicPr>
+            <a:picLocks noGrp="1" noChangeAspect="1" noChangeArrowheads="1"/>
+          </p:cNvPicPr>
+          <p:nvPr>
+            <p:ph idx="1"/>
+          </p:nvPr>
+        </p:nvPicPr>
+        <p:blipFill>
+          <a:blip r:embed="rId2">
+            <a:extLst>
+              <a:ext uri="{28A0092B-C50C-407E-A947-70E740481C1C}">
+                <a14:useLocalDpi xmlns:a14="http://schemas.microsoft.com/office/drawing/2010/main" val="0"/>
+              </a:ext>
+            </a:extLst>
+          </a:blip>
+          <a:srcRect/>
+          <a:stretch>
+            <a:fillRect/>
+          </a:stretch>
+        </p:blipFill>
+        <p:spPr bwMode="auto">
+          <a:xfrm>
+            <a:off x="3920331" y="1825625"/>
+            <a:ext cx="4351338" cy="4351338"/>
+          </a:xfrm>
+          <a:prstGeom prst="rect">
+            <a:avLst/>
+          </a:prstGeom>
+          <a:noFill/>
+          <a:extLst>
+            <a:ext uri="{909E8E84-426E-40DD-AFC4-6F175D3DCCD1}">
+              <a14:hiddenFill xmlns:a14="http://schemas.microsoft.com/office/drawing/2010/main">
+                <a:solidFill>
+                  <a:srgbClr val="FFFFFF"/>
+                </a:solidFill>
+              </a14:hiddenFill>
+            </a:ext>
+          </a:extLst>
+        </p:spPr>
+      </p:pic>
     </p:spTree>
     <p:extLst>
       <p:ext uri="{BB962C8B-B14F-4D97-AF65-F5344CB8AC3E}">
-        <p14:creationId xmlns:p14="http://schemas.microsoft.com/office/powerpoint/2010/main" val="705108186"/>
+        <p14:creationId xmlns:p14="http://schemas.microsoft.com/office/powerpoint/2010/main" val="18848878"/>
       </p:ext>
     </p:extLst>
   </p:cSld>
@@ -9488,7 +13068,7 @@
           <p:cNvPr id="2" name="Title 1">
             <a:extLst>
               <a:ext uri="{FF2B5EF4-FFF2-40B4-BE49-F238E27FC236}">
-                <a16:creationId xmlns:a16="http://schemas.microsoft.com/office/drawing/2014/main" id="{B21F22C3-AB89-8CFE-B71F-55F86E1E4BBD}"/>
+                <a16:creationId xmlns:a16="http://schemas.microsoft.com/office/drawing/2014/main" id="{59118479-B5BC-DD55-3444-1C03739FFA1D}"/>
               </a:ext>
             </a:extLst>
           </p:cNvPr>
@@ -9506,20 +13086,20 @@
           <a:p>
             <a:r>
               <a:rPr lang="en-US" dirty="0"/>
-              <a:t>Background</a:t>
+              <a:t>Using the solution:</a:t>
             </a:r>
             <a:endParaRPr lang="en-IL" dirty="0"/>
           </a:p>
         </p:txBody>
       </p:sp>
-      <mc:AlternateContent xmlns:mc="http://schemas.openxmlformats.org/markup-compatibility/2006" xmlns:a14="http://schemas.microsoft.com/office/drawing/2010/main">
-        <mc:Choice Requires="a14">
+      <mc:AlternateContent xmlns:mc="http://schemas.openxmlformats.org/markup-compatibility/2006">
+        <mc:Choice xmlns:a14="http://schemas.microsoft.com/office/drawing/2010/main" Requires="a14">
           <p:sp>
             <p:nvSpPr>
               <p:cNvPr id="3" name="Content Placeholder 2">
                 <a:extLst>
                   <a:ext uri="{FF2B5EF4-FFF2-40B4-BE49-F238E27FC236}">
-                    <a16:creationId xmlns:a16="http://schemas.microsoft.com/office/drawing/2014/main" id="{E2A6D292-3A18-95CC-624E-DBEF53FFDE38}"/>
+                    <a16:creationId xmlns:a16="http://schemas.microsoft.com/office/drawing/2014/main" id="{1AA9956F-1A6B-F766-7606-4A9A891B1256}"/>
                   </a:ext>
                 </a:extLst>
               </p:cNvPr>
@@ -9540,580 +13120,483 @@
                 </a:pPr>
                 <a:r>
                   <a:rPr lang="en-US" dirty="0"/>
-                  <a:t>So,</a:t>
+                  <a:t>If </a:t>
+                </a:r>
+                <a14:m>
+                  <m:oMath xmlns:m="http://schemas.openxmlformats.org/officeDocument/2006/math">
+                    <m:sSubSup>
+                      <m:sSubSupPr>
+                        <m:ctrlPr>
+                          <a:rPr lang="en-US" b="0" i="1" smtClean="0">
+                            <a:latin typeface="Cambria Math" panose="02040503050406030204" pitchFamily="18" charset="0"/>
+                          </a:rPr>
+                        </m:ctrlPr>
+                      </m:sSubSupPr>
+                      <m:e>
+                        <m:r>
+                          <a:rPr lang="en-US" b="0" i="1" smtClean="0">
+                            <a:latin typeface="Cambria Math" panose="02040503050406030204" pitchFamily="18" charset="0"/>
+                          </a:rPr>
+                          <m:t>𝑆</m:t>
+                        </m:r>
+                      </m:e>
+                      <m:sub>
+                        <m:r>
+                          <a:rPr lang="en-US" b="0" i="1" smtClean="0">
+                            <a:latin typeface="Cambria Math" panose="02040503050406030204" pitchFamily="18" charset="0"/>
+                          </a:rPr>
+                          <m:t>𝑥𝑥</m:t>
+                        </m:r>
+                      </m:sub>
+                      <m:sup>
+                        <m:r>
+                          <a:rPr lang="en-US" b="0" i="1" smtClean="0">
+                            <a:latin typeface="Cambria Math" panose="02040503050406030204" pitchFamily="18" charset="0"/>
+                          </a:rPr>
+                          <m:t>∗</m:t>
+                        </m:r>
+                      </m:sup>
+                    </m:sSubSup>
+                    <m:r>
+                      <a:rPr lang="en-US" b="0" i="1" smtClean="0">
+                        <a:latin typeface="Cambria Math" panose="02040503050406030204" pitchFamily="18" charset="0"/>
+                      </a:rPr>
+                      <m:t>, </m:t>
+                    </m:r>
+                    <m:sSubSup>
+                      <m:sSubSupPr>
+                        <m:ctrlPr>
+                          <a:rPr lang="en-US" b="0" i="1" smtClean="0">
+                            <a:latin typeface="Cambria Math" panose="02040503050406030204" pitchFamily="18" charset="0"/>
+                          </a:rPr>
+                        </m:ctrlPr>
+                      </m:sSubSupPr>
+                      <m:e>
+                        <m:r>
+                          <a:rPr lang="en-US" b="0" i="1" smtClean="0">
+                            <a:latin typeface="Cambria Math" panose="02040503050406030204" pitchFamily="18" charset="0"/>
+                          </a:rPr>
+                          <m:t>𝑆</m:t>
+                        </m:r>
+                      </m:e>
+                      <m:sub>
+                        <m:r>
+                          <a:rPr lang="en-US" b="0" i="1" smtClean="0">
+                            <a:latin typeface="Cambria Math" panose="02040503050406030204" pitchFamily="18" charset="0"/>
+                          </a:rPr>
+                          <m:t>𝑦𝑦</m:t>
+                        </m:r>
+                      </m:sub>
+                      <m:sup>
+                        <m:r>
+                          <a:rPr lang="en-US" b="0" i="1" smtClean="0">
+                            <a:latin typeface="Cambria Math" panose="02040503050406030204" pitchFamily="18" charset="0"/>
+                          </a:rPr>
+                          <m:t>∗</m:t>
+                        </m:r>
+                      </m:sup>
+                    </m:sSubSup>
+                    <m:r>
+                      <a:rPr lang="en-US" b="0" i="1" smtClean="0">
+                        <a:latin typeface="Cambria Math" panose="02040503050406030204" pitchFamily="18" charset="0"/>
+                      </a:rPr>
+                      <m:t> </m:t>
+                    </m:r>
+                  </m:oMath>
+                </a14:m>
+                <a:r>
+                  <a:rPr lang="en-US" dirty="0"/>
+                  <a:t> and </a:t>
+                </a:r>
+                <a14:m>
+                  <m:oMath xmlns:m="http://schemas.openxmlformats.org/officeDocument/2006/math">
+                    <m:sSubSup>
+                      <m:sSubSupPr>
+                        <m:ctrlPr>
+                          <a:rPr lang="en-US" b="0" i="1" smtClean="0">
+                            <a:latin typeface="Cambria Math" panose="02040503050406030204" pitchFamily="18" charset="0"/>
+                          </a:rPr>
+                        </m:ctrlPr>
+                      </m:sSubSupPr>
+                      <m:e>
+                        <m:r>
+                          <a:rPr lang="en-US" b="0" i="1" smtClean="0">
+                            <a:latin typeface="Cambria Math" panose="02040503050406030204" pitchFamily="18" charset="0"/>
+                          </a:rPr>
+                          <m:t>𝑆</m:t>
+                        </m:r>
+                      </m:e>
+                      <m:sub>
+                        <m:r>
+                          <a:rPr lang="en-US" b="0" i="1" smtClean="0">
+                            <a:latin typeface="Cambria Math" panose="02040503050406030204" pitchFamily="18" charset="0"/>
+                          </a:rPr>
+                          <m:t>𝑥𝑦</m:t>
+                        </m:r>
+                      </m:sub>
+                      <m:sup>
+                        <m:r>
+                          <a:rPr lang="en-US" b="0" i="1" smtClean="0">
+                            <a:latin typeface="Cambria Math" panose="02040503050406030204" pitchFamily="18" charset="0"/>
+                          </a:rPr>
+                          <m:t>∗</m:t>
+                        </m:r>
+                      </m:sup>
+                    </m:sSubSup>
+                  </m:oMath>
+                </a14:m>
+                <a:r>
+                  <a:rPr lang="en-US" dirty="0"/>
+                  <a:t> is optimal in the problem above, then the affine function </a:t>
+                </a:r>
+                <a14:m>
+                  <m:oMath xmlns:m="http://schemas.openxmlformats.org/officeDocument/2006/math">
+                    <m:sSup>
+                      <m:sSupPr>
+                        <m:ctrlPr>
+                          <a:rPr lang="en-US" b="0" i="1" smtClean="0">
+                            <a:latin typeface="Cambria Math" panose="02040503050406030204" pitchFamily="18" charset="0"/>
+                          </a:rPr>
+                        </m:ctrlPr>
+                      </m:sSupPr>
+                      <m:e>
+                        <m:r>
+                          <a:rPr lang="en-US" b="0" i="1" smtClean="0">
+                            <a:latin typeface="Cambria Math" panose="02040503050406030204" pitchFamily="18" charset="0"/>
+                          </a:rPr>
+                          <m:t>𝜓</m:t>
+                        </m:r>
+                      </m:e>
+                      <m:sup>
+                        <m:r>
+                          <a:rPr lang="en-US" b="0" i="1" smtClean="0">
+                            <a:latin typeface="Cambria Math" panose="02040503050406030204" pitchFamily="18" charset="0"/>
+                          </a:rPr>
+                          <m:t>∗</m:t>
+                        </m:r>
+                      </m:sup>
+                    </m:sSup>
+                    <m:d>
+                      <m:dPr>
+                        <m:ctrlPr>
+                          <a:rPr lang="en-US" b="0" i="1" smtClean="0">
+                            <a:latin typeface="Cambria Math" panose="02040503050406030204" pitchFamily="18" charset="0"/>
+                          </a:rPr>
+                        </m:ctrlPr>
+                      </m:dPr>
+                      <m:e>
+                        <m:r>
+                          <a:rPr lang="en-US" b="0" i="1" smtClean="0">
+                            <a:latin typeface="Cambria Math" panose="02040503050406030204" pitchFamily="18" charset="0"/>
+                          </a:rPr>
+                          <m:t>𝑦</m:t>
+                        </m:r>
+                      </m:e>
+                    </m:d>
+                    <m:r>
+                      <a:rPr lang="en-US" b="0" i="1" smtClean="0">
+                        <a:latin typeface="Cambria Math" panose="02040503050406030204" pitchFamily="18" charset="0"/>
+                      </a:rPr>
+                      <m:t>=</m:t>
+                    </m:r>
+                    <m:sSubSup>
+                      <m:sSubSupPr>
+                        <m:ctrlPr>
+                          <a:rPr lang="en-US" b="0" i="1" smtClean="0">
+                            <a:latin typeface="Cambria Math" panose="02040503050406030204" pitchFamily="18" charset="0"/>
+                          </a:rPr>
+                        </m:ctrlPr>
+                      </m:sSubSupPr>
+                      <m:e>
+                        <m:r>
+                          <a:rPr lang="en-US" b="0" i="1" smtClean="0">
+                            <a:latin typeface="Cambria Math" panose="02040503050406030204" pitchFamily="18" charset="0"/>
+                          </a:rPr>
+                          <m:t>𝑆</m:t>
+                        </m:r>
+                      </m:e>
+                      <m:sub>
+                        <m:r>
+                          <a:rPr lang="en-US" b="0" i="1" smtClean="0">
+                            <a:latin typeface="Cambria Math" panose="02040503050406030204" pitchFamily="18" charset="0"/>
+                          </a:rPr>
+                          <m:t>𝑥𝑦</m:t>
+                        </m:r>
+                      </m:sub>
+                      <m:sup>
+                        <m:r>
+                          <a:rPr lang="en-US" b="0" i="1" smtClean="0">
+                            <a:latin typeface="Cambria Math" panose="02040503050406030204" pitchFamily="18" charset="0"/>
+                          </a:rPr>
+                          <m:t>∗</m:t>
+                        </m:r>
+                      </m:sup>
+                    </m:sSubSup>
+                    <m:sSup>
+                      <m:sSupPr>
+                        <m:ctrlPr>
+                          <a:rPr lang="en-US" b="0" i="1" smtClean="0">
+                            <a:latin typeface="Cambria Math" panose="02040503050406030204" pitchFamily="18" charset="0"/>
+                          </a:rPr>
+                        </m:ctrlPr>
+                      </m:sSupPr>
+                      <m:e>
+                        <m:d>
+                          <m:dPr>
+                            <m:ctrlPr>
+                              <a:rPr lang="en-US" b="0" i="1" smtClean="0">
+                                <a:latin typeface="Cambria Math" panose="02040503050406030204" pitchFamily="18" charset="0"/>
+                              </a:rPr>
+                            </m:ctrlPr>
+                          </m:dPr>
+                          <m:e>
+                            <m:sSubSup>
+                              <m:sSubSupPr>
+                                <m:ctrlPr>
+                                  <a:rPr lang="en-US" b="0" i="1" smtClean="0">
+                                    <a:latin typeface="Cambria Math" panose="02040503050406030204" pitchFamily="18" charset="0"/>
+                                  </a:rPr>
+                                </m:ctrlPr>
+                              </m:sSubSupPr>
+                              <m:e>
+                                <m:r>
+                                  <a:rPr lang="en-US" b="0" i="1" smtClean="0">
+                                    <a:latin typeface="Cambria Math" panose="02040503050406030204" pitchFamily="18" charset="0"/>
+                                  </a:rPr>
+                                  <m:t>𝑆</m:t>
+                                </m:r>
+                              </m:e>
+                              <m:sub>
+                                <m:r>
+                                  <a:rPr lang="en-US" b="0" i="1" smtClean="0">
+                                    <a:latin typeface="Cambria Math" panose="02040503050406030204" pitchFamily="18" charset="0"/>
+                                  </a:rPr>
+                                  <m:t>𝑦𝑦</m:t>
+                                </m:r>
+                              </m:sub>
+                              <m:sup>
+                                <m:r>
+                                  <a:rPr lang="en-US" b="0" i="1" smtClean="0">
+                                    <a:latin typeface="Cambria Math" panose="02040503050406030204" pitchFamily="18" charset="0"/>
+                                  </a:rPr>
+                                  <m:t>∗</m:t>
+                                </m:r>
+                              </m:sup>
+                            </m:sSubSup>
+                          </m:e>
+                        </m:d>
+                      </m:e>
+                      <m:sup>
+                        <m:r>
+                          <a:rPr lang="en-US" b="0" i="1" smtClean="0">
+                            <a:latin typeface="Cambria Math" panose="02040503050406030204" pitchFamily="18" charset="0"/>
+                          </a:rPr>
+                          <m:t>−1</m:t>
+                        </m:r>
+                      </m:sup>
+                    </m:sSup>
+                    <m:d>
+                      <m:dPr>
+                        <m:ctrlPr>
+                          <a:rPr lang="en-US" b="0" i="1" smtClean="0">
+                            <a:latin typeface="Cambria Math" panose="02040503050406030204" pitchFamily="18" charset="0"/>
+                          </a:rPr>
+                        </m:ctrlPr>
+                      </m:dPr>
+                      <m:e>
+                        <m:r>
+                          <a:rPr lang="en-US" b="0" i="1" smtClean="0">
+                            <a:latin typeface="Cambria Math" panose="02040503050406030204" pitchFamily="18" charset="0"/>
+                          </a:rPr>
+                          <m:t>𝑦</m:t>
+                        </m:r>
+                        <m:r>
+                          <a:rPr lang="en-US" b="0" i="1" smtClean="0">
+                            <a:latin typeface="Cambria Math" panose="02040503050406030204" pitchFamily="18" charset="0"/>
+                          </a:rPr>
+                          <m:t>−</m:t>
+                        </m:r>
+                        <m:sSub>
+                          <m:sSubPr>
+                            <m:ctrlPr>
+                              <a:rPr lang="en-US" b="0" i="1" smtClean="0">
+                                <a:latin typeface="Cambria Math" panose="02040503050406030204" pitchFamily="18" charset="0"/>
+                              </a:rPr>
+                            </m:ctrlPr>
+                          </m:sSubPr>
+                          <m:e>
+                            <m:r>
+                              <a:rPr lang="en-US" b="0" i="1" smtClean="0">
+                                <a:latin typeface="Cambria Math" panose="02040503050406030204" pitchFamily="18" charset="0"/>
+                              </a:rPr>
+                              <m:t>𝜇</m:t>
+                            </m:r>
+                          </m:e>
+                          <m:sub>
+                            <m:r>
+                              <a:rPr lang="en-US" b="0" i="1" smtClean="0">
+                                <a:latin typeface="Cambria Math" panose="02040503050406030204" pitchFamily="18" charset="0"/>
+                              </a:rPr>
+                              <m:t>𝑦</m:t>
+                            </m:r>
+                          </m:sub>
+                        </m:sSub>
+                      </m:e>
+                    </m:d>
+                    <m:r>
+                      <a:rPr lang="en-US" b="0" i="1" smtClean="0">
+                        <a:latin typeface="Cambria Math" panose="02040503050406030204" pitchFamily="18" charset="0"/>
+                      </a:rPr>
+                      <m:t>+</m:t>
+                    </m:r>
+                    <m:sSub>
+                      <m:sSubPr>
+                        <m:ctrlPr>
+                          <a:rPr lang="en-US" b="0" i="1" smtClean="0">
+                            <a:latin typeface="Cambria Math" panose="02040503050406030204" pitchFamily="18" charset="0"/>
+                          </a:rPr>
+                        </m:ctrlPr>
+                      </m:sSubPr>
+                      <m:e>
+                        <m:r>
+                          <a:rPr lang="en-US" b="0" i="1" smtClean="0">
+                            <a:latin typeface="Cambria Math" panose="02040503050406030204" pitchFamily="18" charset="0"/>
+                          </a:rPr>
+                          <m:t>𝜇</m:t>
+                        </m:r>
+                      </m:e>
+                      <m:sub>
+                        <m:r>
+                          <a:rPr lang="en-US" b="0" i="1" smtClean="0">
+                            <a:latin typeface="Cambria Math" panose="02040503050406030204" pitchFamily="18" charset="0"/>
+                          </a:rPr>
+                          <m:t>𝑥</m:t>
+                        </m:r>
+                      </m:sub>
+                    </m:sSub>
+                  </m:oMath>
+                </a14:m>
+                <a:r>
+                  <a:rPr lang="en-US" dirty="0"/>
+                  <a:t> is the distributionally robust minimum mean square estimator and the normal distribution </a:t>
+                </a:r>
+                <a14:m>
+                  <m:oMath xmlns:m="http://schemas.openxmlformats.org/officeDocument/2006/math">
+                    <m:sSup>
+                      <m:sSupPr>
+                        <m:ctrlPr>
+                          <a:rPr lang="en-US" b="0" i="1" smtClean="0">
+                            <a:latin typeface="Cambria Math" panose="02040503050406030204" pitchFamily="18" charset="0"/>
+                          </a:rPr>
+                        </m:ctrlPr>
+                      </m:sSupPr>
+                      <m:e>
+                        <m:r>
+                          <a:rPr lang="en-US" b="0" i="1" smtClean="0">
+                            <a:latin typeface="Cambria Math" panose="02040503050406030204" pitchFamily="18" charset="0"/>
+                          </a:rPr>
+                          <m:t>ℚ</m:t>
+                        </m:r>
+                      </m:e>
+                      <m:sup>
+                        <m:r>
+                          <a:rPr lang="en-US" b="0" i="1" smtClean="0">
+                            <a:latin typeface="Cambria Math" panose="02040503050406030204" pitchFamily="18" charset="0"/>
+                          </a:rPr>
+                          <m:t>∗</m:t>
+                        </m:r>
+                      </m:sup>
+                    </m:sSup>
+                    <m:r>
+                      <a:rPr lang="en-US" b="0" i="1" smtClean="0">
+                        <a:latin typeface="Cambria Math" panose="02040503050406030204" pitchFamily="18" charset="0"/>
+                      </a:rPr>
+                      <m:t>=</m:t>
+                    </m:r>
+                    <m:sSub>
+                      <m:sSubPr>
+                        <m:ctrlPr>
+                          <a:rPr lang="en-US" b="0" i="1" smtClean="0">
+                            <a:latin typeface="Cambria Math" panose="02040503050406030204" pitchFamily="18" charset="0"/>
+                          </a:rPr>
+                        </m:ctrlPr>
+                      </m:sSubPr>
+                      <m:e>
+                        <m:r>
+                          <a:rPr lang="en-US" b="0" i="1" smtClean="0">
+                            <a:latin typeface="Cambria Math" panose="02040503050406030204" pitchFamily="18" charset="0"/>
+                          </a:rPr>
+                          <m:t>𝒩</m:t>
+                        </m:r>
+                      </m:e>
+                      <m:sub>
+                        <m:r>
+                          <a:rPr lang="en-US" b="0" i="1" smtClean="0">
+                            <a:latin typeface="Cambria Math" panose="02040503050406030204" pitchFamily="18" charset="0"/>
+                          </a:rPr>
+                          <m:t>𝑑</m:t>
+                        </m:r>
+                      </m:sub>
+                    </m:sSub>
+                    <m:d>
+                      <m:dPr>
+                        <m:ctrlPr>
+                          <a:rPr lang="en-US" b="0" i="1" smtClean="0">
+                            <a:latin typeface="Cambria Math" panose="02040503050406030204" pitchFamily="18" charset="0"/>
+                          </a:rPr>
+                        </m:ctrlPr>
+                      </m:dPr>
+                      <m:e>
+                        <m:r>
+                          <a:rPr lang="en-US" b="0" i="1" smtClean="0">
+                            <a:latin typeface="Cambria Math" panose="02040503050406030204" pitchFamily="18" charset="0"/>
+                          </a:rPr>
+                          <m:t>𝜇</m:t>
+                        </m:r>
+                        <m:r>
+                          <a:rPr lang="en-US" b="0" i="1" smtClean="0">
+                            <a:latin typeface="Cambria Math" panose="02040503050406030204" pitchFamily="18" charset="0"/>
+                          </a:rPr>
+                          <m:t>, </m:t>
+                        </m:r>
+                        <m:sSup>
+                          <m:sSupPr>
+                            <m:ctrlPr>
+                              <a:rPr lang="en-US" b="0" i="1" smtClean="0">
+                                <a:latin typeface="Cambria Math" panose="02040503050406030204" pitchFamily="18" charset="0"/>
+                              </a:rPr>
+                            </m:ctrlPr>
+                          </m:sSupPr>
+                          <m:e>
+                            <m:r>
+                              <a:rPr lang="en-US" b="0" i="1" smtClean="0">
+                                <a:latin typeface="Cambria Math" panose="02040503050406030204" pitchFamily="18" charset="0"/>
+                              </a:rPr>
+                              <m:t>𝑆</m:t>
+                            </m:r>
+                          </m:e>
+                          <m:sup>
+                            <m:r>
+                              <a:rPr lang="en-US" b="0" i="1" smtClean="0">
+                                <a:latin typeface="Cambria Math" panose="02040503050406030204" pitchFamily="18" charset="0"/>
+                              </a:rPr>
+                              <m:t>∗</m:t>
+                            </m:r>
+                          </m:sup>
+                        </m:sSup>
+                      </m:e>
+                    </m:d>
+                  </m:oMath>
+                </a14:m>
+                <a:r>
+                  <a:rPr lang="en-US" dirty="0"/>
+                  <a:t> is the least favorable prior.</a:t>
                 </a:r>
               </a:p>
               <a:p>
                 <a:pPr marL="0" indent="0">
                   <a:buNone/>
                 </a:pPr>
-                <a14:m>
-                  <m:oMathPara xmlns:m="http://schemas.openxmlformats.org/officeDocument/2006/math">
-                    <m:oMathParaPr>
-                      <m:jc m:val="centerGroup"/>
-                    </m:oMathParaPr>
-                    <m:oMath xmlns:m="http://schemas.openxmlformats.org/officeDocument/2006/math">
-                      <m:sSubSup>
-                        <m:sSubSupPr>
-                          <m:ctrlPr>
-                            <a:rPr lang="en-US" b="0" i="1" smtClean="0">
-                              <a:latin typeface="Cambria Math" panose="02040503050406030204" pitchFamily="18" charset="0"/>
-                            </a:rPr>
-                          </m:ctrlPr>
-                        </m:sSubSupPr>
-                        <m:e>
-                          <m:r>
-                            <a:rPr lang="en-US" b="0" i="1" smtClean="0">
-                              <a:latin typeface="Cambria Math" panose="02040503050406030204" pitchFamily="18" charset="0"/>
-                            </a:rPr>
-                            <m:t>𝑃</m:t>
-                          </m:r>
-                        </m:e>
-                        <m:sub>
-                          <m:sSub>
-                            <m:sSubPr>
-                              <m:ctrlPr>
-                                <a:rPr lang="en-US" b="0" i="1" smtClean="0">
-                                  <a:latin typeface="Cambria Math" panose="02040503050406030204" pitchFamily="18" charset="0"/>
-                                </a:rPr>
-                              </m:ctrlPr>
-                            </m:sSubPr>
-                            <m:e>
-                              <m:r>
-                                <a:rPr lang="en-US" b="0" i="1" smtClean="0">
-                                  <a:latin typeface="Cambria Math" panose="02040503050406030204" pitchFamily="18" charset="0"/>
-                                </a:rPr>
-                                <m:t>𝑧</m:t>
-                              </m:r>
-                            </m:e>
-                            <m:sub>
-                              <m:r>
-                                <a:rPr lang="en-US" b="0" i="1" smtClean="0">
-                                  <a:latin typeface="Cambria Math" panose="02040503050406030204" pitchFamily="18" charset="0"/>
-                                </a:rPr>
-                                <m:t>𝑡</m:t>
-                              </m:r>
-                            </m:sub>
-                          </m:sSub>
-                          <m:r>
-                            <a:rPr lang="en-US" b="0" i="1" smtClean="0">
-                              <a:latin typeface="Cambria Math" panose="02040503050406030204" pitchFamily="18" charset="0"/>
-                            </a:rPr>
-                            <m:t>|</m:t>
-                          </m:r>
-                          <m:sSub>
-                            <m:sSubPr>
-                              <m:ctrlPr>
-                                <a:rPr lang="en-US" b="0" i="1" smtClean="0">
-                                  <a:latin typeface="Cambria Math" panose="02040503050406030204" pitchFamily="18" charset="0"/>
-                                </a:rPr>
-                              </m:ctrlPr>
-                            </m:sSubPr>
-                            <m:e>
-                              <m:r>
-                                <a:rPr lang="en-US" b="0" i="1" smtClean="0">
-                                  <a:latin typeface="Cambria Math" panose="02040503050406030204" pitchFamily="18" charset="0"/>
-                                </a:rPr>
-                                <m:t>𝑥</m:t>
-                              </m:r>
-                            </m:e>
-                            <m:sub>
-                              <m:r>
-                                <a:rPr lang="en-US" b="0" i="1" smtClean="0">
-                                  <a:latin typeface="Cambria Math" panose="02040503050406030204" pitchFamily="18" charset="0"/>
-                                </a:rPr>
-                                <m:t>𝑡</m:t>
-                              </m:r>
-                              <m:r>
-                                <a:rPr lang="en-US" b="0" i="1" smtClean="0">
-                                  <a:latin typeface="Cambria Math" panose="02040503050406030204" pitchFamily="18" charset="0"/>
-                                </a:rPr>
-                                <m:t>−1</m:t>
-                              </m:r>
-                            </m:sub>
-                          </m:sSub>
-                        </m:sub>
-                        <m:sup>
-                          <m:r>
-                            <a:rPr lang="en-US" b="0" i="1" smtClean="0">
-                              <a:latin typeface="Cambria Math" panose="02040503050406030204" pitchFamily="18" charset="0"/>
-                            </a:rPr>
-                            <m:t>∗</m:t>
-                          </m:r>
-                        </m:sup>
-                      </m:sSubSup>
-                      <m:r>
-                        <a:rPr lang="en-US" b="0" i="1" smtClean="0">
-                          <a:latin typeface="Cambria Math" panose="02040503050406030204" pitchFamily="18" charset="0"/>
-                        </a:rPr>
-                        <m:t>=</m:t>
-                      </m:r>
-                      <m:sSub>
-                        <m:sSubPr>
-                          <m:ctrlPr>
-                            <a:rPr lang="en-US" b="0" i="1" smtClean="0">
-                              <a:latin typeface="Cambria Math" panose="02040503050406030204" pitchFamily="18" charset="0"/>
-                            </a:rPr>
-                          </m:ctrlPr>
-                        </m:sSubPr>
-                        <m:e>
-                          <m:r>
-                            <a:rPr lang="en-US" b="0" i="1" smtClean="0">
-                              <a:latin typeface="Cambria Math" panose="02040503050406030204" pitchFamily="18" charset="0"/>
-                            </a:rPr>
-                            <m:t>𝒩</m:t>
-                          </m:r>
-                        </m:e>
-                        <m:sub>
-                          <m:r>
-                            <a:rPr lang="en-US" b="0" i="1" smtClean="0">
-                              <a:latin typeface="Cambria Math" panose="02040503050406030204" pitchFamily="18" charset="0"/>
-                            </a:rPr>
-                            <m:t>𝑑</m:t>
-                          </m:r>
-                        </m:sub>
-                      </m:sSub>
-                      <m:d>
-                        <m:dPr>
-                          <m:ctrlPr>
-                            <a:rPr lang="en-US" b="0" i="1" smtClean="0">
-                              <a:latin typeface="Cambria Math" panose="02040503050406030204" pitchFamily="18" charset="0"/>
-                            </a:rPr>
-                          </m:ctrlPr>
-                        </m:dPr>
-                        <m:e>
-                          <m:d>
-                            <m:dPr>
-                              <m:begChr m:val="["/>
-                              <m:endChr m:val="]"/>
-                              <m:ctrlPr>
-                                <a:rPr lang="en-US" b="0" i="1" smtClean="0">
-                                  <a:latin typeface="Cambria Math" panose="02040503050406030204" pitchFamily="18" charset="0"/>
-                                </a:rPr>
-                              </m:ctrlPr>
-                            </m:dPr>
-                            <m:e>
-                              <m:eqArr>
-                                <m:eqArrPr>
-                                  <m:ctrlPr>
-                                    <a:rPr lang="en-US" b="0" i="1" smtClean="0">
-                                      <a:latin typeface="Cambria Math" panose="02040503050406030204" pitchFamily="18" charset="0"/>
-                                    </a:rPr>
-                                  </m:ctrlPr>
-                                </m:eqArrPr>
-                                <m:e>
-                                  <m:sSub>
-                                    <m:sSubPr>
-                                      <m:ctrlPr>
-                                        <a:rPr lang="en-US" b="0" i="1" smtClean="0">
-                                          <a:latin typeface="Cambria Math" panose="02040503050406030204" pitchFamily="18" charset="0"/>
-                                        </a:rPr>
-                                      </m:ctrlPr>
-                                    </m:sSubPr>
-                                    <m:e>
-                                      <m:r>
-                                        <a:rPr lang="en-US" b="0" i="1" smtClean="0">
-                                          <a:latin typeface="Cambria Math" panose="02040503050406030204" pitchFamily="18" charset="0"/>
-                                        </a:rPr>
-                                        <m:t>𝐴</m:t>
-                                      </m:r>
-                                    </m:e>
-                                    <m:sub>
-                                      <m:r>
-                                        <a:rPr lang="en-US" b="0" i="1" smtClean="0">
-                                          <a:latin typeface="Cambria Math" panose="02040503050406030204" pitchFamily="18" charset="0"/>
-                                        </a:rPr>
-                                        <m:t>𝑡</m:t>
-                                      </m:r>
-                                    </m:sub>
-                                  </m:sSub>
-                                </m:e>
-                                <m:e>
-                                  <m:sSub>
-                                    <m:sSubPr>
-                                      <m:ctrlPr>
-                                        <a:rPr lang="en-US" b="0" i="1" smtClean="0">
-                                          <a:latin typeface="Cambria Math" panose="02040503050406030204" pitchFamily="18" charset="0"/>
-                                        </a:rPr>
-                                      </m:ctrlPr>
-                                    </m:sSubPr>
-                                    <m:e>
-                                      <m:r>
-                                        <a:rPr lang="en-US" b="0" i="1" smtClean="0">
-                                          <a:latin typeface="Cambria Math" panose="02040503050406030204" pitchFamily="18" charset="0"/>
-                                        </a:rPr>
-                                        <m:t>𝐶</m:t>
-                                      </m:r>
-                                    </m:e>
-                                    <m:sub>
-                                      <m:r>
-                                        <a:rPr lang="en-US" b="0" i="1" smtClean="0">
-                                          <a:latin typeface="Cambria Math" panose="02040503050406030204" pitchFamily="18" charset="0"/>
-                                        </a:rPr>
-                                        <m:t>𝑡</m:t>
-                                      </m:r>
-                                    </m:sub>
-                                  </m:sSub>
-                                  <m:sSub>
-                                    <m:sSubPr>
-                                      <m:ctrlPr>
-                                        <a:rPr lang="en-US" b="0" i="1" smtClean="0">
-                                          <a:latin typeface="Cambria Math" panose="02040503050406030204" pitchFamily="18" charset="0"/>
-                                        </a:rPr>
-                                      </m:ctrlPr>
-                                    </m:sSubPr>
-                                    <m:e>
-                                      <m:r>
-                                        <a:rPr lang="en-US" b="0" i="1" smtClean="0">
-                                          <a:latin typeface="Cambria Math" panose="02040503050406030204" pitchFamily="18" charset="0"/>
-                                        </a:rPr>
-                                        <m:t>𝐴</m:t>
-                                      </m:r>
-                                    </m:e>
-                                    <m:sub>
-                                      <m:r>
-                                        <a:rPr lang="en-US" b="0" i="1" smtClean="0">
-                                          <a:latin typeface="Cambria Math" panose="02040503050406030204" pitchFamily="18" charset="0"/>
-                                        </a:rPr>
-                                        <m:t>𝑡</m:t>
-                                      </m:r>
-                                    </m:sub>
-                                  </m:sSub>
-                                </m:e>
-                              </m:eqArr>
-                            </m:e>
-                          </m:d>
-                          <m:sSub>
-                            <m:sSubPr>
-                              <m:ctrlPr>
-                                <a:rPr lang="en-US" b="0" i="1" smtClean="0">
-                                  <a:latin typeface="Cambria Math" panose="02040503050406030204" pitchFamily="18" charset="0"/>
-                                </a:rPr>
-                              </m:ctrlPr>
-                            </m:sSubPr>
-                            <m:e>
-                              <m:r>
-                                <a:rPr lang="en-US" b="0" i="1" smtClean="0">
-                                  <a:latin typeface="Cambria Math" panose="02040503050406030204" pitchFamily="18" charset="0"/>
-                                </a:rPr>
-                                <m:t>𝑥</m:t>
-                              </m:r>
-                            </m:e>
-                            <m:sub>
-                              <m:r>
-                                <a:rPr lang="en-US" b="0" i="1" smtClean="0">
-                                  <a:latin typeface="Cambria Math" panose="02040503050406030204" pitchFamily="18" charset="0"/>
-                                </a:rPr>
-                                <m:t>𝑡</m:t>
-                              </m:r>
-                              <m:r>
-                                <a:rPr lang="en-US" b="0" i="1" smtClean="0">
-                                  <a:latin typeface="Cambria Math" panose="02040503050406030204" pitchFamily="18" charset="0"/>
-                                </a:rPr>
-                                <m:t>−1</m:t>
-                              </m:r>
-                            </m:sub>
-                          </m:sSub>
-                          <m:r>
-                            <a:rPr lang="en-US" b="0" i="1" smtClean="0">
-                              <a:latin typeface="Cambria Math" panose="02040503050406030204" pitchFamily="18" charset="0"/>
-                            </a:rPr>
-                            <m:t>, </m:t>
-                          </m:r>
-                          <m:d>
-                            <m:dPr>
-                              <m:begChr m:val="["/>
-                              <m:endChr m:val="]"/>
-                              <m:ctrlPr>
-                                <a:rPr lang="en-US" b="0" i="1" smtClean="0">
-                                  <a:latin typeface="Cambria Math" panose="02040503050406030204" pitchFamily="18" charset="0"/>
-                                </a:rPr>
-                              </m:ctrlPr>
-                            </m:dPr>
-                            <m:e>
-                              <m:eqArr>
-                                <m:eqArrPr>
-                                  <m:ctrlPr>
-                                    <a:rPr lang="en-US" b="0" i="1" smtClean="0">
-                                      <a:latin typeface="Cambria Math" panose="02040503050406030204" pitchFamily="18" charset="0"/>
-                                    </a:rPr>
-                                  </m:ctrlPr>
-                                </m:eqArrPr>
-                                <m:e>
-                                  <m:sSub>
-                                    <m:sSubPr>
-                                      <m:ctrlPr>
-                                        <a:rPr lang="en-US" b="0" i="1" smtClean="0">
-                                          <a:latin typeface="Cambria Math" panose="02040503050406030204" pitchFamily="18" charset="0"/>
-                                        </a:rPr>
-                                      </m:ctrlPr>
-                                    </m:sSubPr>
-                                    <m:e>
-                                      <m:r>
-                                        <a:rPr lang="en-US" b="0" i="1" smtClean="0">
-                                          <a:latin typeface="Cambria Math" panose="02040503050406030204" pitchFamily="18" charset="0"/>
-                                        </a:rPr>
-                                        <m:t>𝐵</m:t>
-                                      </m:r>
-                                    </m:e>
-                                    <m:sub>
-                                      <m:r>
-                                        <a:rPr lang="en-US" b="0" i="1" smtClean="0">
-                                          <a:latin typeface="Cambria Math" panose="02040503050406030204" pitchFamily="18" charset="0"/>
-                                        </a:rPr>
-                                        <m:t>𝑡</m:t>
-                                      </m:r>
-                                    </m:sub>
-                                  </m:sSub>
-                                </m:e>
-                                <m:e>
-                                  <m:sSub>
-                                    <m:sSubPr>
-                                      <m:ctrlPr>
-                                        <a:rPr lang="en-US" b="0" i="1" smtClean="0">
-                                          <a:latin typeface="Cambria Math" panose="02040503050406030204" pitchFamily="18" charset="0"/>
-                                        </a:rPr>
-                                      </m:ctrlPr>
-                                    </m:sSubPr>
-                                    <m:e>
-                                      <m:r>
-                                        <a:rPr lang="en-US" b="0" i="1" smtClean="0">
-                                          <a:latin typeface="Cambria Math" panose="02040503050406030204" pitchFamily="18" charset="0"/>
-                                        </a:rPr>
-                                        <m:t>𝐶</m:t>
-                                      </m:r>
-                                    </m:e>
-                                    <m:sub>
-                                      <m:r>
-                                        <a:rPr lang="en-US" b="0" i="1" smtClean="0">
-                                          <a:latin typeface="Cambria Math" panose="02040503050406030204" pitchFamily="18" charset="0"/>
-                                        </a:rPr>
-                                        <m:t>𝑡</m:t>
-                                      </m:r>
-                                    </m:sub>
-                                  </m:sSub>
-                                  <m:sSub>
-                                    <m:sSubPr>
-                                      <m:ctrlPr>
-                                        <a:rPr lang="en-US" b="0" i="1" smtClean="0">
-                                          <a:latin typeface="Cambria Math" panose="02040503050406030204" pitchFamily="18" charset="0"/>
-                                        </a:rPr>
-                                      </m:ctrlPr>
-                                    </m:sSubPr>
-                                    <m:e>
-                                      <m:r>
-                                        <a:rPr lang="en-US" b="0" i="1" smtClean="0">
-                                          <a:latin typeface="Cambria Math" panose="02040503050406030204" pitchFamily="18" charset="0"/>
-                                        </a:rPr>
-                                        <m:t>𝐵</m:t>
-                                      </m:r>
-                                    </m:e>
-                                    <m:sub>
-                                      <m:r>
-                                        <a:rPr lang="en-US" b="0" i="1" smtClean="0">
-                                          <a:latin typeface="Cambria Math" panose="02040503050406030204" pitchFamily="18" charset="0"/>
-                                        </a:rPr>
-                                        <m:t>𝑡</m:t>
-                                      </m:r>
-                                    </m:sub>
-                                  </m:sSub>
-                                  <m:r>
-                                    <a:rPr lang="en-US" b="0" i="1" smtClean="0">
-                                      <a:latin typeface="Cambria Math" panose="02040503050406030204" pitchFamily="18" charset="0"/>
-                                    </a:rPr>
-                                    <m:t>+</m:t>
-                                  </m:r>
-                                  <m:sSub>
-                                    <m:sSubPr>
-                                      <m:ctrlPr>
-                                        <a:rPr lang="en-US" b="0" i="1" smtClean="0">
-                                          <a:latin typeface="Cambria Math" panose="02040503050406030204" pitchFamily="18" charset="0"/>
-                                        </a:rPr>
-                                      </m:ctrlPr>
-                                    </m:sSubPr>
-                                    <m:e>
-                                      <m:r>
-                                        <a:rPr lang="en-US" b="0" i="1" smtClean="0">
-                                          <a:latin typeface="Cambria Math" panose="02040503050406030204" pitchFamily="18" charset="0"/>
-                                        </a:rPr>
-                                        <m:t>𝐷</m:t>
-                                      </m:r>
-                                    </m:e>
-                                    <m:sub>
-                                      <m:r>
-                                        <a:rPr lang="en-US" b="0" i="1" smtClean="0">
-                                          <a:latin typeface="Cambria Math" panose="02040503050406030204" pitchFamily="18" charset="0"/>
-                                        </a:rPr>
-                                        <m:t>𝑡</m:t>
-                                      </m:r>
-                                    </m:sub>
-                                  </m:sSub>
-                                </m:e>
-                              </m:eqArr>
-                            </m:e>
-                          </m:d>
-                          <m:sSup>
-                            <m:sSupPr>
-                              <m:ctrlPr>
-                                <a:rPr lang="en-US" b="0" i="1" smtClean="0">
-                                  <a:latin typeface="Cambria Math" panose="02040503050406030204" pitchFamily="18" charset="0"/>
-                                </a:rPr>
-                              </m:ctrlPr>
-                            </m:sSupPr>
-                            <m:e>
-                              <m:d>
-                                <m:dPr>
-                                  <m:begChr m:val="["/>
-                                  <m:endChr m:val="]"/>
-                                  <m:ctrlPr>
-                                    <a:rPr lang="en-US" b="0" i="1" smtClean="0">
-                                      <a:latin typeface="Cambria Math" panose="02040503050406030204" pitchFamily="18" charset="0"/>
-                                    </a:rPr>
-                                  </m:ctrlPr>
-                                </m:dPr>
-                                <m:e>
-                                  <m:eqArr>
-                                    <m:eqArrPr>
-                                      <m:ctrlPr>
-                                        <a:rPr lang="en-US" b="0" i="1" smtClean="0">
-                                          <a:latin typeface="Cambria Math" panose="02040503050406030204" pitchFamily="18" charset="0"/>
-                                        </a:rPr>
-                                      </m:ctrlPr>
-                                    </m:eqArrPr>
-                                    <m:e>
-                                      <m:sSub>
-                                        <m:sSubPr>
-                                          <m:ctrlPr>
-                                            <a:rPr lang="en-US" b="0" i="1" smtClean="0">
-                                              <a:latin typeface="Cambria Math" panose="02040503050406030204" pitchFamily="18" charset="0"/>
-                                            </a:rPr>
-                                          </m:ctrlPr>
-                                        </m:sSubPr>
-                                        <m:e>
-                                          <m:r>
-                                            <a:rPr lang="en-US" b="0" i="1" smtClean="0">
-                                              <a:latin typeface="Cambria Math" panose="02040503050406030204" pitchFamily="18" charset="0"/>
-                                            </a:rPr>
-                                            <m:t>𝐵</m:t>
-                                          </m:r>
-                                        </m:e>
-                                        <m:sub>
-                                          <m:r>
-                                            <a:rPr lang="en-US" b="0" i="1" smtClean="0">
-                                              <a:latin typeface="Cambria Math" panose="02040503050406030204" pitchFamily="18" charset="0"/>
-                                            </a:rPr>
-                                            <m:t>𝑡</m:t>
-                                          </m:r>
-                                        </m:sub>
-                                      </m:sSub>
-                                    </m:e>
-                                    <m:e>
-                                      <m:sSub>
-                                        <m:sSubPr>
-                                          <m:ctrlPr>
-                                            <a:rPr lang="en-US" b="0" i="1" smtClean="0">
-                                              <a:latin typeface="Cambria Math" panose="02040503050406030204" pitchFamily="18" charset="0"/>
-                                            </a:rPr>
-                                          </m:ctrlPr>
-                                        </m:sSubPr>
-                                        <m:e>
-                                          <m:r>
-                                            <a:rPr lang="en-US" b="0" i="1" smtClean="0">
-                                              <a:latin typeface="Cambria Math" panose="02040503050406030204" pitchFamily="18" charset="0"/>
-                                            </a:rPr>
-                                            <m:t>𝐶</m:t>
-                                          </m:r>
-                                        </m:e>
-                                        <m:sub>
-                                          <m:r>
-                                            <a:rPr lang="en-US" b="0" i="1" smtClean="0">
-                                              <a:latin typeface="Cambria Math" panose="02040503050406030204" pitchFamily="18" charset="0"/>
-                                            </a:rPr>
-                                            <m:t>𝑡</m:t>
-                                          </m:r>
-                                        </m:sub>
-                                      </m:sSub>
-                                      <m:sSub>
-                                        <m:sSubPr>
-                                          <m:ctrlPr>
-                                            <a:rPr lang="en-US" b="0" i="1" smtClean="0">
-                                              <a:latin typeface="Cambria Math" panose="02040503050406030204" pitchFamily="18" charset="0"/>
-                                            </a:rPr>
-                                          </m:ctrlPr>
-                                        </m:sSubPr>
-                                        <m:e>
-                                          <m:r>
-                                            <a:rPr lang="en-US" b="0" i="1" smtClean="0">
-                                              <a:latin typeface="Cambria Math" panose="02040503050406030204" pitchFamily="18" charset="0"/>
-                                            </a:rPr>
-                                            <m:t>𝐵</m:t>
-                                          </m:r>
-                                        </m:e>
-                                        <m:sub>
-                                          <m:r>
-                                            <a:rPr lang="en-US" b="0" i="1" smtClean="0">
-                                              <a:latin typeface="Cambria Math" panose="02040503050406030204" pitchFamily="18" charset="0"/>
-                                            </a:rPr>
-                                            <m:t>𝑡</m:t>
-                                          </m:r>
-                                        </m:sub>
-                                      </m:sSub>
-                                      <m:r>
-                                        <a:rPr lang="en-US" b="0" i="1" smtClean="0">
-                                          <a:latin typeface="Cambria Math" panose="02040503050406030204" pitchFamily="18" charset="0"/>
-                                        </a:rPr>
-                                        <m:t>+</m:t>
-                                      </m:r>
-                                      <m:sSub>
-                                        <m:sSubPr>
-                                          <m:ctrlPr>
-                                            <a:rPr lang="en-US" b="0" i="1" smtClean="0">
-                                              <a:latin typeface="Cambria Math" panose="02040503050406030204" pitchFamily="18" charset="0"/>
-                                            </a:rPr>
-                                          </m:ctrlPr>
-                                        </m:sSubPr>
-                                        <m:e>
-                                          <m:r>
-                                            <a:rPr lang="en-US" b="0" i="1" smtClean="0">
-                                              <a:latin typeface="Cambria Math" panose="02040503050406030204" pitchFamily="18" charset="0"/>
-                                            </a:rPr>
-                                            <m:t>𝐷</m:t>
-                                          </m:r>
-                                        </m:e>
-                                        <m:sub>
-                                          <m:r>
-                                            <a:rPr lang="en-US" b="0" i="1" smtClean="0">
-                                              <a:latin typeface="Cambria Math" panose="02040503050406030204" pitchFamily="18" charset="0"/>
-                                            </a:rPr>
-                                            <m:t>𝑡</m:t>
-                                          </m:r>
-                                        </m:sub>
-                                      </m:sSub>
-                                    </m:e>
-                                  </m:eqArr>
-                                </m:e>
-                              </m:d>
-                            </m:e>
-                            <m:sup>
-                              <m:r>
-                                <a:rPr lang="en-US" b="0" i="1" smtClean="0">
-                                  <a:latin typeface="Cambria Math" panose="02040503050406030204" pitchFamily="18" charset="0"/>
-                                </a:rPr>
-                                <m:t>𝑇</m:t>
-                              </m:r>
-                            </m:sup>
-                          </m:sSup>
-                        </m:e>
-                      </m:d>
-                      <m:r>
-                        <a:rPr lang="en-US" b="0" i="1" smtClean="0">
-                          <a:latin typeface="Cambria Math" panose="02040503050406030204" pitchFamily="18" charset="0"/>
-                        </a:rPr>
-                        <m:t> </m:t>
-                      </m:r>
-                    </m:oMath>
-                  </m:oMathPara>
-                </a14:m>
                 <a:endParaRPr lang="en-US" dirty="0"/>
               </a:p>
               <a:p>
@@ -10130,26 +13613,327 @@
                         <a:rPr lang="en-US" b="0" i="1" smtClean="0">
                           <a:latin typeface="Cambria Math" panose="02040503050406030204" pitchFamily="18" charset="0"/>
                         </a:rPr>
-                        <m:t>∀</m:t>
+                        <m:t>𝜇</m:t>
                       </m:r>
                       <m:r>
                         <a:rPr lang="en-US" b="0" i="1" smtClean="0">
                           <a:latin typeface="Cambria Math" panose="02040503050406030204" pitchFamily="18" charset="0"/>
                         </a:rPr>
-                        <m:t>𝑡</m:t>
+                        <m:t>=</m:t>
                       </m:r>
+                      <m:d>
+                        <m:dPr>
+                          <m:ctrlPr>
+                            <a:rPr lang="en-US" b="0" i="1" smtClean="0">
+                              <a:latin typeface="Cambria Math" panose="02040503050406030204" pitchFamily="18" charset="0"/>
+                            </a:rPr>
+                          </m:ctrlPr>
+                        </m:dPr>
+                        <m:e>
+                          <m:eqArr>
+                            <m:eqArrPr>
+                              <m:ctrlPr>
+                                <a:rPr lang="en-US" b="0" i="1" smtClean="0">
+                                  <a:latin typeface="Cambria Math" panose="02040503050406030204" pitchFamily="18" charset="0"/>
+                                </a:rPr>
+                              </m:ctrlPr>
+                            </m:eqArrPr>
+                            <m:e>
+                              <m:sSub>
+                                <m:sSubPr>
+                                  <m:ctrlPr>
+                                    <a:rPr lang="en-US" b="0" i="1" smtClean="0">
+                                      <a:latin typeface="Cambria Math" panose="02040503050406030204" pitchFamily="18" charset="0"/>
+                                    </a:rPr>
+                                  </m:ctrlPr>
+                                </m:sSubPr>
+                                <m:e>
+                                  <m:r>
+                                    <a:rPr lang="en-US" b="0" i="1" smtClean="0">
+                                      <a:latin typeface="Cambria Math" panose="02040503050406030204" pitchFamily="18" charset="0"/>
+                                    </a:rPr>
+                                    <m:t>𝜇</m:t>
+                                  </m:r>
+                                </m:e>
+                                <m:sub>
+                                  <m:r>
+                                    <a:rPr lang="en-US" b="0" i="1" smtClean="0">
+                                      <a:latin typeface="Cambria Math" panose="02040503050406030204" pitchFamily="18" charset="0"/>
+                                    </a:rPr>
+                                    <m:t>𝑥</m:t>
+                                  </m:r>
+                                </m:sub>
+                              </m:sSub>
+                            </m:e>
+                            <m:e>
+                              <m:sSub>
+                                <m:sSubPr>
+                                  <m:ctrlPr>
+                                    <a:rPr lang="en-US" b="0" i="1" smtClean="0">
+                                      <a:latin typeface="Cambria Math" panose="02040503050406030204" pitchFamily="18" charset="0"/>
+                                    </a:rPr>
+                                  </m:ctrlPr>
+                                </m:sSubPr>
+                                <m:e>
+                                  <m:r>
+                                    <a:rPr lang="en-US" b="0" i="1" smtClean="0">
+                                      <a:latin typeface="Cambria Math" panose="02040503050406030204" pitchFamily="18" charset="0"/>
+                                    </a:rPr>
+                                    <m:t>𝜇</m:t>
+                                  </m:r>
+                                </m:e>
+                                <m:sub>
+                                  <m:r>
+                                    <a:rPr lang="en-US" b="0" i="1" smtClean="0">
+                                      <a:latin typeface="Cambria Math" panose="02040503050406030204" pitchFamily="18" charset="0"/>
+                                    </a:rPr>
+                                    <m:t>𝑦</m:t>
+                                  </m:r>
+                                </m:sub>
+                              </m:sSub>
+                            </m:e>
+                          </m:eqArr>
+                        </m:e>
+                      </m:d>
                       <m:r>
                         <a:rPr lang="en-US" b="0" i="1" smtClean="0">
                           <a:latin typeface="Cambria Math" panose="02040503050406030204" pitchFamily="18" charset="0"/>
                         </a:rPr>
-                        <m:t>∈</m:t>
+                        <m:t>   </m:t>
                       </m:r>
+                      <m:sSup>
+                        <m:sSupPr>
+                          <m:ctrlPr>
+                            <a:rPr lang="en-US" b="0" i="1" smtClean="0">
+                              <a:latin typeface="Cambria Math" panose="02040503050406030204" pitchFamily="18" charset="0"/>
+                            </a:rPr>
+                          </m:ctrlPr>
+                        </m:sSupPr>
+                        <m:e>
+                          <m:r>
+                            <a:rPr lang="en-US" b="0" i="1" smtClean="0">
+                              <a:latin typeface="Cambria Math" panose="02040503050406030204" pitchFamily="18" charset="0"/>
+                            </a:rPr>
+                            <m:t>𝑆</m:t>
+                          </m:r>
+                        </m:e>
+                        <m:sup>
+                          <m:r>
+                            <a:rPr lang="en-US" b="0" i="1" smtClean="0">
+                              <a:latin typeface="Cambria Math" panose="02040503050406030204" pitchFamily="18" charset="0"/>
+                            </a:rPr>
+                            <m:t>∗</m:t>
+                          </m:r>
+                        </m:sup>
+                      </m:sSup>
                       <m:r>
                         <a:rPr lang="en-US" b="0" i="1" smtClean="0">
                           <a:latin typeface="Cambria Math" panose="02040503050406030204" pitchFamily="18" charset="0"/>
                         </a:rPr>
-                        <m:t>ℕ</m:t>
+                        <m:t>=</m:t>
                       </m:r>
+                      <m:d>
+                        <m:dPr>
+                          <m:begChr m:val="["/>
+                          <m:endChr m:val="]"/>
+                          <m:ctrlPr>
+                            <a:rPr lang="en-US" b="0" i="1" smtClean="0">
+                              <a:latin typeface="Cambria Math" panose="02040503050406030204" pitchFamily="18" charset="0"/>
+                            </a:rPr>
+                          </m:ctrlPr>
+                        </m:dPr>
+                        <m:e>
+                          <m:m>
+                            <m:mPr>
+                              <m:mcs>
+                                <m:mc>
+                                  <m:mcPr>
+                                    <m:count m:val="2"/>
+                                    <m:mcJc m:val="center"/>
+                                  </m:mcPr>
+                                </m:mc>
+                              </m:mcs>
+                              <m:ctrlPr>
+                                <a:rPr lang="en-US" b="0" i="1" smtClean="0">
+                                  <a:latin typeface="Cambria Math" panose="02040503050406030204" pitchFamily="18" charset="0"/>
+                                </a:rPr>
+                              </m:ctrlPr>
+                            </m:mPr>
+                            <m:mr>
+                              <m:e>
+                                <m:sSubSup>
+                                  <m:sSubSupPr>
+                                    <m:ctrlPr>
+                                      <a:rPr lang="en-US" b="0" i="1" smtClean="0">
+                                        <a:latin typeface="Cambria Math" panose="02040503050406030204" pitchFamily="18" charset="0"/>
+                                      </a:rPr>
+                                    </m:ctrlPr>
+                                  </m:sSubSupPr>
+                                  <m:e>
+                                    <m:r>
+                                      <m:rPr>
+                                        <m:brk m:alnAt="7"/>
+                                      </m:rPr>
+                                      <a:rPr lang="en-US" b="0" i="1" smtClean="0">
+                                        <a:latin typeface="Cambria Math" panose="02040503050406030204" pitchFamily="18" charset="0"/>
+                                      </a:rPr>
+                                      <m:t>𝑆</m:t>
+                                    </m:r>
+                                  </m:e>
+                                  <m:sub>
+                                    <m:r>
+                                      <m:rPr>
+                                        <m:brk m:alnAt="7"/>
+                                      </m:rPr>
+                                      <a:rPr lang="en-US" b="0" i="1" smtClean="0">
+                                        <a:latin typeface="Cambria Math" panose="02040503050406030204" pitchFamily="18" charset="0"/>
+                                      </a:rPr>
+                                      <m:t>𝑥𝑥</m:t>
+                                    </m:r>
+                                  </m:sub>
+                                  <m:sup>
+                                    <m:r>
+                                      <m:rPr>
+                                        <m:brk m:alnAt="7"/>
+                                      </m:rPr>
+                                      <a:rPr lang="en-US" b="0" i="1" smtClean="0">
+                                        <a:latin typeface="Cambria Math" panose="02040503050406030204" pitchFamily="18" charset="0"/>
+                                      </a:rPr>
+                                      <m:t>∗</m:t>
+                                    </m:r>
+                                  </m:sup>
+                                </m:sSubSup>
+                              </m:e>
+                              <m:e>
+                                <m:sSubSup>
+                                  <m:sSubSupPr>
+                                    <m:ctrlPr>
+                                      <a:rPr lang="en-US" b="0" i="1" smtClean="0">
+                                        <a:latin typeface="Cambria Math" panose="02040503050406030204" pitchFamily="18" charset="0"/>
+                                      </a:rPr>
+                                    </m:ctrlPr>
+                                  </m:sSubSupPr>
+                                  <m:e>
+                                    <m:r>
+                                      <a:rPr lang="en-US" b="0" i="1" smtClean="0">
+                                        <a:latin typeface="Cambria Math" panose="02040503050406030204" pitchFamily="18" charset="0"/>
+                                      </a:rPr>
+                                      <m:t>𝑆</m:t>
+                                    </m:r>
+                                  </m:e>
+                                  <m:sub>
+                                    <m:r>
+                                      <a:rPr lang="en-US" b="0" i="1" smtClean="0">
+                                        <a:latin typeface="Cambria Math" panose="02040503050406030204" pitchFamily="18" charset="0"/>
+                                      </a:rPr>
+                                      <m:t>𝑥𝑦</m:t>
+                                    </m:r>
+                                  </m:sub>
+                                  <m:sup>
+                                    <m:r>
+                                      <a:rPr lang="en-US" b="0" i="1" smtClean="0">
+                                        <a:latin typeface="Cambria Math" panose="02040503050406030204" pitchFamily="18" charset="0"/>
+                                      </a:rPr>
+                                      <m:t>∗</m:t>
+                                    </m:r>
+                                  </m:sup>
+                                </m:sSubSup>
+                              </m:e>
+                            </m:mr>
+                            <m:mr>
+                              <m:e>
+                                <m:sSup>
+                                  <m:sSupPr>
+                                    <m:ctrlPr>
+                                      <a:rPr lang="en-US" b="0" i="1" smtClean="0">
+                                        <a:latin typeface="Cambria Math" panose="02040503050406030204" pitchFamily="18" charset="0"/>
+                                      </a:rPr>
+                                    </m:ctrlPr>
+                                  </m:sSupPr>
+                                  <m:e>
+                                    <m:sSubSup>
+                                      <m:sSubSupPr>
+                                        <m:ctrlPr>
+                                          <a:rPr lang="en-US" b="0" i="1" smtClean="0">
+                                            <a:latin typeface="Cambria Math" panose="02040503050406030204" pitchFamily="18" charset="0"/>
+                                          </a:rPr>
+                                        </m:ctrlPr>
+                                      </m:sSubSupPr>
+                                      <m:e>
+                                        <m:r>
+                                          <a:rPr lang="en-US" b="0" i="1" smtClean="0">
+                                            <a:latin typeface="Cambria Math" panose="02040503050406030204" pitchFamily="18" charset="0"/>
+                                          </a:rPr>
+                                          <m:t>𝑆</m:t>
+                                        </m:r>
+                                      </m:e>
+                                      <m:sub>
+                                        <m:r>
+                                          <a:rPr lang="en-US" b="0" i="1" smtClean="0">
+                                            <a:latin typeface="Cambria Math" panose="02040503050406030204" pitchFamily="18" charset="0"/>
+                                          </a:rPr>
+                                          <m:t>𝑥𝑦</m:t>
+                                        </m:r>
+                                      </m:sub>
+                                      <m:sup>
+                                        <m:r>
+                                          <a:rPr lang="en-US" b="0" i="1" smtClean="0">
+                                            <a:latin typeface="Cambria Math" panose="02040503050406030204" pitchFamily="18" charset="0"/>
+                                          </a:rPr>
+                                          <m:t>∗</m:t>
+                                        </m:r>
+                                      </m:sup>
+                                    </m:sSubSup>
+                                  </m:e>
+                                  <m:sup>
+                                    <m:r>
+                                      <a:rPr lang="en-US" b="0" i="1" smtClean="0">
+                                        <a:latin typeface="Cambria Math" panose="02040503050406030204" pitchFamily="18" charset="0"/>
+                                      </a:rPr>
+                                      <m:t>𝑇</m:t>
+                                    </m:r>
+                                  </m:sup>
+                                </m:sSup>
+                              </m:e>
+                              <m:e>
+                                <m:sSubSup>
+                                  <m:sSubSupPr>
+                                    <m:ctrlPr>
+                                      <a:rPr lang="en-US" b="0" i="1" smtClean="0">
+                                        <a:latin typeface="Cambria Math" panose="02040503050406030204" pitchFamily="18" charset="0"/>
+                                      </a:rPr>
+                                    </m:ctrlPr>
+                                  </m:sSubSupPr>
+                                  <m:e>
+                                    <m:r>
+                                      <a:rPr lang="en-US" b="0" i="1" smtClean="0">
+                                        <a:latin typeface="Cambria Math" panose="02040503050406030204" pitchFamily="18" charset="0"/>
+                                      </a:rPr>
+                                      <m:t>𝑆</m:t>
+                                    </m:r>
+                                  </m:e>
+                                  <m:sub>
+                                    <m:r>
+                                      <a:rPr lang="en-US" b="0" i="1" smtClean="0">
+                                        <a:latin typeface="Cambria Math" panose="02040503050406030204" pitchFamily="18" charset="0"/>
+                                      </a:rPr>
+                                      <m:t>𝑦𝑦</m:t>
+                                    </m:r>
+                                  </m:sub>
+                                  <m:sup>
+                                    <m:r>
+                                      <a:rPr lang="en-US" b="0" i="1" smtClean="0">
+                                        <a:latin typeface="Cambria Math" panose="02040503050406030204" pitchFamily="18" charset="0"/>
+                                      </a:rPr>
+                                      <m:t>∗</m:t>
+                                    </m:r>
+                                  </m:sup>
+                                </m:sSubSup>
+                              </m:e>
+                            </m:mr>
+                          </m:m>
+                        </m:e>
+                      </m:d>
                     </m:oMath>
                   </m:oMathPara>
                 </a14:m>
@@ -10158,13 +13942,13 @@
             </p:txBody>
           </p:sp>
         </mc:Choice>
-        <mc:Fallback xmlns="">
+        <mc:Fallback>
           <p:sp>
             <p:nvSpPr>
               <p:cNvPr id="3" name="Content Placeholder 2">
                 <a:extLst>
                   <a:ext uri="{FF2B5EF4-FFF2-40B4-BE49-F238E27FC236}">
-                    <a16:creationId xmlns:a16="http://schemas.microsoft.com/office/drawing/2014/main" id="{E2A6D292-3A18-95CC-624E-DBEF53FFDE38}"/>
+                    <a16:creationId xmlns:a16="http://schemas.microsoft.com/office/drawing/2014/main" id="{1AA9956F-1A6B-F766-7606-4A9A891B1256}"/>
                   </a:ext>
                 </a:extLst>
               </p:cNvPr>
@@ -10179,7 +13963,7 @@
               <a:blipFill>
                 <a:blip r:embed="rId2"/>
                 <a:stretch>
-                  <a:fillRect l="-1217" t="-2241"/>
+                  <a:fillRect l="-1217" t="-1961"/>
                 </a:stretch>
               </a:blipFill>
             </p:spPr>
@@ -10201,7 +13985,7 @@
     </p:spTree>
     <p:extLst>
       <p:ext uri="{BB962C8B-B14F-4D97-AF65-F5344CB8AC3E}">
-        <p14:creationId xmlns:p14="http://schemas.microsoft.com/office/powerpoint/2010/main" val="4109625822"/>
+        <p14:creationId xmlns:p14="http://schemas.microsoft.com/office/powerpoint/2010/main" val="281304721"/>
       </p:ext>
     </p:extLst>
   </p:cSld>

--- a/presentation.pptx
+++ b/presentation.pptx
@@ -23,9 +23,10 @@
     <p:sldId id="273" r:id="rId17"/>
     <p:sldId id="274" r:id="rId18"/>
     <p:sldId id="276" r:id="rId19"/>
-    <p:sldId id="260" r:id="rId20"/>
+    <p:sldId id="277" r:id="rId20"/>
     <p:sldId id="258" r:id="rId21"/>
     <p:sldId id="259" r:id="rId22"/>
+    <p:sldId id="260" r:id="rId23"/>
   </p:sldIdLst>
   <p:sldSz cx="12192000" cy="6858000"/>
   <p:notesSz cx="6858000" cy="9144000"/>
@@ -3700,8 +3701,8 @@
           </a:p>
         </p:txBody>
       </p:sp>
-      <mc:AlternateContent xmlns:mc="http://schemas.openxmlformats.org/markup-compatibility/2006">
-        <mc:Choice xmlns:a14="http://schemas.microsoft.com/office/drawing/2010/main" Requires="a14">
+      <mc:AlternateContent xmlns:mc="http://schemas.openxmlformats.org/markup-compatibility/2006" xmlns:a14="http://schemas.microsoft.com/office/drawing/2010/main">
+        <mc:Choice Requires="a14">
           <p:sp>
             <p:nvSpPr>
               <p:cNvPr id="3" name="Content Placeholder 2">
@@ -3948,7 +3949,7 @@
             </p:txBody>
           </p:sp>
         </mc:Choice>
-        <mc:Fallback>
+        <mc:Fallback xmlns="">
           <p:sp>
             <p:nvSpPr>
               <p:cNvPr id="3" name="Content Placeholder 2">
@@ -4047,8 +4048,8 @@
           </a:p>
         </p:txBody>
       </p:sp>
-      <mc:AlternateContent xmlns:mc="http://schemas.openxmlformats.org/markup-compatibility/2006">
-        <mc:Choice xmlns:a14="http://schemas.microsoft.com/office/drawing/2010/main" Requires="a14">
+      <mc:AlternateContent xmlns:mc="http://schemas.openxmlformats.org/markup-compatibility/2006" xmlns:a14="http://schemas.microsoft.com/office/drawing/2010/main">
+        <mc:Choice Requires="a14">
           <p:sp>
             <p:nvSpPr>
               <p:cNvPr id="3" name="Content Placeholder 2">
@@ -4379,7 +4380,7 @@
             </p:txBody>
           </p:sp>
         </mc:Choice>
-        <mc:Fallback>
+        <mc:Fallback xmlns="">
           <p:sp>
             <p:nvSpPr>
               <p:cNvPr id="3" name="Content Placeholder 2">
@@ -4478,8 +4479,8 @@
           </a:p>
         </p:txBody>
       </p:sp>
-      <mc:AlternateContent xmlns:mc="http://schemas.openxmlformats.org/markup-compatibility/2006">
-        <mc:Choice xmlns:a14="http://schemas.microsoft.com/office/drawing/2010/main" Requires="a14">
+      <mc:AlternateContent xmlns:mc="http://schemas.openxmlformats.org/markup-compatibility/2006" xmlns:a14="http://schemas.microsoft.com/office/drawing/2010/main">
+        <mc:Choice Requires="a14">
           <p:sp>
             <p:nvSpPr>
               <p:cNvPr id="3" name="Content Placeholder 2">
@@ -5259,7 +5260,7 @@
             </p:txBody>
           </p:sp>
         </mc:Choice>
-        <mc:Fallback>
+        <mc:Fallback xmlns="">
           <p:sp>
             <p:nvSpPr>
               <p:cNvPr id="3" name="Content Placeholder 2">
@@ -5661,8 +5662,8 @@
           </a:prstGeom>
         </p:spPr>
       </p:pic>
-      <mc:AlternateContent xmlns:mc="http://schemas.openxmlformats.org/markup-compatibility/2006">
-        <mc:Choice xmlns:a14="http://schemas.microsoft.com/office/drawing/2010/main" Requires="a14">
+      <mc:AlternateContent xmlns:mc="http://schemas.openxmlformats.org/markup-compatibility/2006" xmlns:a14="http://schemas.microsoft.com/office/drawing/2010/main">
+        <mc:Choice Requires="a14">
           <p:sp>
             <p:nvSpPr>
               <p:cNvPr id="10" name="TextBox 9">
@@ -5893,7 +5894,7 @@
             </p:txBody>
           </p:sp>
         </mc:Choice>
-        <mc:Fallback>
+        <mc:Fallback xmlns="">
           <p:sp>
             <p:nvSpPr>
               <p:cNvPr id="10" name="TextBox 9">
@@ -6066,7 +6067,7 @@
           <p:cNvPr id="2" name="Title 1">
             <a:extLst>
               <a:ext uri="{FF2B5EF4-FFF2-40B4-BE49-F238E27FC236}">
-                <a16:creationId xmlns:a16="http://schemas.microsoft.com/office/drawing/2014/main" id="{577F7869-F4F2-5533-FAA8-5BBA7149694B}"/>
+                <a16:creationId xmlns:a16="http://schemas.microsoft.com/office/drawing/2014/main" id="{5826F574-665C-1A97-D437-B3DA62755617}"/>
               </a:ext>
             </a:extLst>
           </p:cNvPr>
@@ -6084,20 +6085,20 @@
           <a:p>
             <a:r>
               <a:rPr lang="en-US" dirty="0"/>
-              <a:t>Example</a:t>
+              <a:t>What is a Kalman filter?</a:t>
             </a:r>
             <a:endParaRPr lang="en-IL" dirty="0"/>
           </a:p>
         </p:txBody>
       </p:sp>
-      <mc:AlternateContent xmlns:mc="http://schemas.openxmlformats.org/markup-compatibility/2006" xmlns:a14="http://schemas.microsoft.com/office/drawing/2010/main">
-        <mc:Choice Requires="a14">
+      <mc:AlternateContent xmlns:mc="http://schemas.openxmlformats.org/markup-compatibility/2006">
+        <mc:Choice xmlns:a14="http://schemas.microsoft.com/office/drawing/2010/main" Requires="a14">
           <p:sp>
             <p:nvSpPr>
               <p:cNvPr id="3" name="Content Placeholder 2">
                 <a:extLst>
                   <a:ext uri="{FF2B5EF4-FFF2-40B4-BE49-F238E27FC236}">
-                    <a16:creationId xmlns:a16="http://schemas.microsoft.com/office/drawing/2014/main" id="{DC8909B9-DA38-36B2-66BF-20665CDE56D9}"/>
+                    <a16:creationId xmlns:a16="http://schemas.microsoft.com/office/drawing/2014/main" id="{55377C7E-26C6-5D1D-B709-968ABC8C1A40}"/>
                   </a:ext>
                 </a:extLst>
               </p:cNvPr>
@@ -6118,7 +6119,35 @@
                 </a:pPr>
                 <a:r>
                   <a:rPr lang="en-US" dirty="0"/>
-                  <a:t>We are driving a car from Netanya to Haifa.</a:t>
+                  <a:t>Kalman filter receives a series in time, not just one </a:t>
+                </a:r>
+                <a14:m>
+                  <m:oMath xmlns:m="http://schemas.openxmlformats.org/officeDocument/2006/math">
+                    <m:r>
+                      <a:rPr lang="en-US" b="0" i="1" smtClean="0">
+                        <a:latin typeface="Cambria Math" panose="02040503050406030204" pitchFamily="18" charset="0"/>
+                      </a:rPr>
+                      <m:t>𝑥</m:t>
+                    </m:r>
+                  </m:oMath>
+                </a14:m>
+                <a:r>
+                  <a:rPr lang="en-US" dirty="0"/>
+                  <a:t> and one </a:t>
+                </a:r>
+                <a14:m>
+                  <m:oMath xmlns:m="http://schemas.openxmlformats.org/officeDocument/2006/math">
+                    <m:r>
+                      <a:rPr lang="en-US" b="0" i="1" smtClean="0">
+                        <a:latin typeface="Cambria Math" panose="02040503050406030204" pitchFamily="18" charset="0"/>
+                      </a:rPr>
+                      <m:t>𝑦</m:t>
+                    </m:r>
+                  </m:oMath>
+                </a14:m>
+                <a:r>
+                  <a:rPr lang="en-US" dirty="0"/>
+                  <a:t>.</a:t>
                 </a:r>
               </a:p>
               <a:p>
@@ -6127,18 +6156,18 @@
                 </a:pPr>
                 <a:r>
                   <a:rPr lang="en-US" dirty="0"/>
-                  <a:t>We want to know what our location </a:t>
+                  <a:t>So, we need to generalize what we found for </a:t>
                 </a:r>
                 <a14:m>
                   <m:oMath xmlns:m="http://schemas.openxmlformats.org/officeDocument/2006/math">
-                    <m:d>
-                      <m:dPr>
+                    <m:sSub>
+                      <m:sSubPr>
                         <m:ctrlPr>
                           <a:rPr lang="en-US" b="0" i="1" smtClean="0">
                             <a:latin typeface="Cambria Math" panose="02040503050406030204" pitchFamily="18" charset="0"/>
                           </a:rPr>
                         </m:ctrlPr>
-                      </m:dPr>
+                      </m:sSubPr>
                       <m:e>
                         <m:r>
                           <a:rPr lang="en-US" b="0" i="1" smtClean="0">
@@ -6147,99 +6176,156 @@
                           <m:t>𝑥</m:t>
                         </m:r>
                       </m:e>
-                    </m:d>
+                      <m:sub>
+                        <m:r>
+                          <a:rPr lang="en-US" b="0" i="1" smtClean="0">
+                            <a:latin typeface="Cambria Math" panose="02040503050406030204" pitchFamily="18" charset="0"/>
+                          </a:rPr>
+                          <m:t>𝑡</m:t>
+                        </m:r>
+                      </m:sub>
+                    </m:sSub>
+                    <m:r>
+                      <a:rPr lang="en-US" b="0" i="1" smtClean="0">
+                        <a:latin typeface="Cambria Math" panose="02040503050406030204" pitchFamily="18" charset="0"/>
+                      </a:rPr>
+                      <m:t>∈</m:t>
+                    </m:r>
+                    <m:sSup>
+                      <m:sSupPr>
+                        <m:ctrlPr>
+                          <a:rPr lang="en-US" b="0" i="1" smtClean="0">
+                            <a:latin typeface="Cambria Math" panose="02040503050406030204" pitchFamily="18" charset="0"/>
+                          </a:rPr>
+                        </m:ctrlPr>
+                      </m:sSupPr>
+                      <m:e>
+                        <m:r>
+                          <a:rPr lang="en-US" b="0" i="1" smtClean="0">
+                            <a:latin typeface="Cambria Math" panose="02040503050406030204" pitchFamily="18" charset="0"/>
+                          </a:rPr>
+                          <m:t>𝑅</m:t>
+                        </m:r>
+                      </m:e>
+                      <m:sup>
+                        <m:r>
+                          <a:rPr lang="en-US" b="0" i="1" smtClean="0">
+                            <a:latin typeface="Cambria Math" panose="02040503050406030204" pitchFamily="18" charset="0"/>
+                          </a:rPr>
+                          <m:t>𝑛</m:t>
+                        </m:r>
+                      </m:sup>
+                    </m:sSup>
                   </m:oMath>
                 </a14:m>
                 <a:r>
                   <a:rPr lang="en-US" dirty="0"/>
-                  <a:t> in every minute </a:t>
+                  <a:t>, </a:t>
                 </a:r>
                 <a14:m>
                   <m:oMath xmlns:m="http://schemas.openxmlformats.org/officeDocument/2006/math">
-                    <m:d>
-                      <m:dPr>
+                    <m:sSub>
+                      <m:sSubPr>
                         <m:ctrlPr>
                           <a:rPr lang="en-US" b="0" i="1" smtClean="0">
                             <a:latin typeface="Cambria Math" panose="02040503050406030204" pitchFamily="18" charset="0"/>
                           </a:rPr>
                         </m:ctrlPr>
-                      </m:dPr>
+                      </m:sSubPr>
                       <m:e>
                         <m:r>
                           <a:rPr lang="en-US" b="0" i="1" smtClean="0">
                             <a:latin typeface="Cambria Math" panose="02040503050406030204" pitchFamily="18" charset="0"/>
                           </a:rPr>
+                          <m:t>𝑦</m:t>
+                        </m:r>
+                      </m:e>
+                      <m:sub>
+                        <m:r>
+                          <a:rPr lang="en-US" b="0" i="1" smtClean="0">
+                            <a:latin typeface="Cambria Math" panose="02040503050406030204" pitchFamily="18" charset="0"/>
+                          </a:rPr>
                           <m:t>𝑡</m:t>
                         </m:r>
+                      </m:sub>
+                    </m:sSub>
+                    <m:r>
+                      <a:rPr lang="en-US" b="0" i="1" smtClean="0">
+                        <a:latin typeface="Cambria Math" panose="02040503050406030204" pitchFamily="18" charset="0"/>
+                      </a:rPr>
+                      <m:t>∈</m:t>
+                    </m:r>
+                    <m:sSup>
+                      <m:sSupPr>
+                        <m:ctrlPr>
+                          <a:rPr lang="en-US" b="0" i="1" smtClean="0">
+                            <a:latin typeface="Cambria Math" panose="02040503050406030204" pitchFamily="18" charset="0"/>
+                          </a:rPr>
+                        </m:ctrlPr>
+                      </m:sSupPr>
+                      <m:e>
                         <m:r>
                           <a:rPr lang="en-US" b="0" i="1" smtClean="0">
                             <a:latin typeface="Cambria Math" panose="02040503050406030204" pitchFamily="18" charset="0"/>
                           </a:rPr>
-                          <m:t>∈</m:t>
-                        </m:r>
-                        <m:r>
-                          <a:rPr lang="en-US" b="0" i="1" smtClean="0">
-                            <a:latin typeface="Cambria Math" panose="02040503050406030204" pitchFamily="18" charset="0"/>
-                          </a:rPr>
-                          <m:t>ℕ</m:t>
+                          <m:t>𝑅</m:t>
                         </m:r>
                       </m:e>
-                    </m:d>
+                      <m:sup>
+                        <m:r>
+                          <a:rPr lang="en-US" b="0" i="1" smtClean="0">
+                            <a:latin typeface="Cambria Math" panose="02040503050406030204" pitchFamily="18" charset="0"/>
+                          </a:rPr>
+                          <m:t>𝑚</m:t>
+                        </m:r>
+                      </m:sup>
+                    </m:sSup>
                   </m:oMath>
                 </a14:m>
                 <a:r>
                   <a:rPr lang="en-US" dirty="0"/>
-                  <a:t> - </a:t>
+                  <a:t>.</a:t>
                 </a:r>
-                <a:br>
+              </a:p>
+              <a:p>
+                <a:pPr marL="0" indent="0">
+                  <a:buNone/>
+                </a:pPr>
+                <a:r>
                   <a:rPr lang="en-US" dirty="0"/>
-                </a:br>
+                  <a:t>At any time </a:t>
+                </a:r>
                 <a14:m>
-                  <m:oMathPara xmlns:m="http://schemas.openxmlformats.org/officeDocument/2006/math">
-                    <m:oMathParaPr>
-                      <m:jc m:val="centerGroup"/>
-                    </m:oMathParaPr>
-                    <m:oMath xmlns:m="http://schemas.openxmlformats.org/officeDocument/2006/math">
-                      <m:sSub>
-                        <m:sSubPr>
-                          <m:ctrlPr>
-                            <a:rPr lang="en-US" b="0" i="1" smtClean="0">
-                              <a:latin typeface="Cambria Math" panose="02040503050406030204" pitchFamily="18" charset="0"/>
-                            </a:rPr>
-                          </m:ctrlPr>
-                        </m:sSubPr>
-                        <m:e>
-                          <m:r>
-                            <a:rPr lang="en-US" b="0" i="1" smtClean="0">
-                              <a:latin typeface="Cambria Math" panose="02040503050406030204" pitchFamily="18" charset="0"/>
-                            </a:rPr>
-                            <m:t>𝑥</m:t>
-                          </m:r>
-                        </m:e>
-                        <m:sub>
-                          <m:r>
-                            <a:rPr lang="en-US" b="0" i="1" smtClean="0">
-                              <a:latin typeface="Cambria Math" panose="02040503050406030204" pitchFamily="18" charset="0"/>
-                            </a:rPr>
-                            <m:t>𝑡</m:t>
-                          </m:r>
-                        </m:sub>
-                      </m:sSub>
-                      <m:r>
-                        <a:rPr lang="en-US" b="0" i="1" smtClean="0">
-                          <a:latin typeface="Cambria Math" panose="02040503050406030204" pitchFamily="18" charset="0"/>
-                        </a:rPr>
-                        <m:t>∈</m:t>
-                      </m:r>
-                      <m:r>
-                        <a:rPr lang="en-US" b="0" i="1" smtClean="0">
-                          <a:latin typeface="Cambria Math" panose="02040503050406030204" pitchFamily="18" charset="0"/>
-                        </a:rPr>
-                        <m:t>𝑅</m:t>
-                      </m:r>
-                    </m:oMath>
-                  </m:oMathPara>
+                  <m:oMath xmlns:m="http://schemas.openxmlformats.org/officeDocument/2006/math">
+                    <m:r>
+                      <a:rPr lang="en-US" b="0" i="1" smtClean="0">
+                        <a:latin typeface="Cambria Math" panose="02040503050406030204" pitchFamily="18" charset="0"/>
+                      </a:rPr>
+                      <m:t>𝑡</m:t>
+                    </m:r>
+                    <m:r>
+                      <a:rPr lang="en-US" b="0" i="1" smtClean="0">
+                        <a:latin typeface="Cambria Math" panose="02040503050406030204" pitchFamily="18" charset="0"/>
+                      </a:rPr>
+                      <m:t>∈</m:t>
+                    </m:r>
+                    <m:r>
+                      <a:rPr lang="en-US" b="0" i="1" smtClean="0">
+                        <a:latin typeface="Cambria Math" panose="02040503050406030204" pitchFamily="18" charset="0"/>
+                      </a:rPr>
+                      <m:t>ℕ</m:t>
+                    </m:r>
+                  </m:oMath>
                 </a14:m>
+                <a:r>
+                  <a:rPr lang="en-US" dirty="0"/>
+                  <a:t>, we aim to estimate the current.</a:t>
+                </a:r>
+              </a:p>
+              <a:p>
+                <a:pPr marL="0" indent="0">
+                  <a:buNone/>
+                </a:pPr>
                 <a:endParaRPr lang="en-US" dirty="0"/>
               </a:p>
               <a:p>
@@ -6248,89 +6334,198 @@
                 </a:pPr>
                 <a:r>
                   <a:rPr lang="en-US" dirty="0"/>
-                  <a:t>We only know the speed at which we are going in every minute – </a:t>
+                  <a:t>state </a:t>
+                </a:r>
+                <a14:m>
+                  <m:oMath xmlns:m="http://schemas.openxmlformats.org/officeDocument/2006/math">
+                    <m:sSub>
+                      <m:sSubPr>
+                        <m:ctrlPr>
+                          <a:rPr lang="en-US" b="0" i="1" smtClean="0">
+                            <a:latin typeface="Cambria Math" panose="02040503050406030204" pitchFamily="18" charset="0"/>
+                          </a:rPr>
+                        </m:ctrlPr>
+                      </m:sSubPr>
+                      <m:e>
+                        <m:r>
+                          <a:rPr lang="en-US" b="0" i="1" smtClean="0">
+                            <a:latin typeface="Cambria Math" panose="02040503050406030204" pitchFamily="18" charset="0"/>
+                          </a:rPr>
+                          <m:t>𝑥</m:t>
+                        </m:r>
+                      </m:e>
+                      <m:sub>
+                        <m:r>
+                          <a:rPr lang="en-US" b="0" i="1" smtClean="0">
+                            <a:latin typeface="Cambria Math" panose="02040503050406030204" pitchFamily="18" charset="0"/>
+                          </a:rPr>
+                          <m:t>𝑡</m:t>
+                        </m:r>
+                      </m:sub>
+                    </m:sSub>
+                  </m:oMath>
+                </a14:m>
+                <a:r>
+                  <a:rPr lang="en-US" dirty="0"/>
+                  <a:t> based on the output history </a:t>
+                </a:r>
+                <a14:m>
+                  <m:oMath xmlns:m="http://schemas.openxmlformats.org/officeDocument/2006/math">
+                    <m:sSub>
+                      <m:sSubPr>
+                        <m:ctrlPr>
+                          <a:rPr lang="en-US" b="0" i="1" dirty="0" smtClean="0">
+                            <a:latin typeface="Cambria Math" panose="02040503050406030204" pitchFamily="18" charset="0"/>
+                          </a:rPr>
+                        </m:ctrlPr>
+                      </m:sSubPr>
+                      <m:e>
+                        <m:r>
+                          <a:rPr lang="en-US" i="1" dirty="0" smtClean="0">
+                            <a:latin typeface="Cambria Math" panose="02040503050406030204" pitchFamily="18" charset="0"/>
+                          </a:rPr>
+                          <m:t>𝑌</m:t>
+                        </m:r>
+                      </m:e>
+                      <m:sub>
+                        <m:r>
+                          <a:rPr lang="en-US" i="1" dirty="0" smtClean="0">
+                            <a:latin typeface="Cambria Math" panose="02040503050406030204" pitchFamily="18" charset="0"/>
+                          </a:rPr>
+                          <m:t>𝑡</m:t>
+                        </m:r>
+                      </m:sub>
+                    </m:sSub>
+                    <m:limUpp>
+                      <m:limUppPr>
+                        <m:ctrlPr>
+                          <a:rPr lang="en-US" b="0" i="1" dirty="0" smtClean="0">
+                            <a:latin typeface="Cambria Math" panose="02040503050406030204" pitchFamily="18" charset="0"/>
+                          </a:rPr>
+                        </m:ctrlPr>
+                      </m:limUppPr>
+                      <m:e>
+                        <m:r>
+                          <a:rPr lang="en-US" b="0" i="1" dirty="0" smtClean="0">
+                            <a:latin typeface="Cambria Math" panose="02040503050406030204" pitchFamily="18" charset="0"/>
+                          </a:rPr>
+                          <m:t>=</m:t>
+                        </m:r>
+                      </m:e>
+                      <m:lim>
+                        <m:r>
+                          <m:rPr>
+                            <m:sty m:val="p"/>
+                          </m:rPr>
+                          <a:rPr lang="en-US" b="0" i="0" dirty="0" smtClean="0">
+                            <a:latin typeface="Cambria Math" panose="02040503050406030204" pitchFamily="18" charset="0"/>
+                          </a:rPr>
+                          <m:t>Δ</m:t>
+                        </m:r>
+                      </m:lim>
+                    </m:limUpp>
+                    <m:r>
+                      <a:rPr lang="en-US" i="1" dirty="0" smtClean="0">
+                        <a:latin typeface="Cambria Math" panose="02040503050406030204" pitchFamily="18" charset="0"/>
+                      </a:rPr>
+                      <m:t> </m:t>
+                    </m:r>
+                    <m:d>
+                      <m:dPr>
+                        <m:ctrlPr>
+                          <a:rPr lang="en-US" b="0" i="1" dirty="0" smtClean="0">
+                            <a:latin typeface="Cambria Math" panose="02040503050406030204" pitchFamily="18" charset="0"/>
+                          </a:rPr>
+                        </m:ctrlPr>
+                      </m:dPr>
+                      <m:e>
+                        <m:sSub>
+                          <m:sSubPr>
+                            <m:ctrlPr>
+                              <a:rPr lang="en-US" b="0" i="1" dirty="0" smtClean="0">
+                                <a:latin typeface="Cambria Math" panose="02040503050406030204" pitchFamily="18" charset="0"/>
+                              </a:rPr>
+                            </m:ctrlPr>
+                          </m:sSubPr>
+                          <m:e>
+                            <m:r>
+                              <a:rPr lang="en-US" i="1" dirty="0" smtClean="0">
+                                <a:latin typeface="Cambria Math" panose="02040503050406030204" pitchFamily="18" charset="0"/>
+                              </a:rPr>
+                              <m:t>𝑦</m:t>
+                            </m:r>
+                          </m:e>
+                          <m:sub>
+                            <m:r>
+                              <a:rPr lang="en-US" b="0" i="1" dirty="0" smtClean="0">
+                                <a:latin typeface="Cambria Math" panose="02040503050406030204" pitchFamily="18" charset="0"/>
+                              </a:rPr>
+                              <m:t>1</m:t>
+                            </m:r>
+                          </m:sub>
+                        </m:sSub>
+                        <m:r>
+                          <a:rPr lang="en-US" b="0" i="1" dirty="0" smtClean="0">
+                            <a:latin typeface="Cambria Math" panose="02040503050406030204" pitchFamily="18" charset="0"/>
+                          </a:rPr>
+                          <m:t>,…,</m:t>
+                        </m:r>
+                        <m:sSub>
+                          <m:sSubPr>
+                            <m:ctrlPr>
+                              <a:rPr lang="en-US" b="0" i="1" dirty="0" smtClean="0">
+                                <a:latin typeface="Cambria Math" panose="02040503050406030204" pitchFamily="18" charset="0"/>
+                              </a:rPr>
+                            </m:ctrlPr>
+                          </m:sSubPr>
+                          <m:e>
+                            <m:r>
+                              <a:rPr lang="en-US" b="0" i="1" dirty="0" smtClean="0">
+                                <a:latin typeface="Cambria Math" panose="02040503050406030204" pitchFamily="18" charset="0"/>
+                              </a:rPr>
+                              <m:t>𝑦</m:t>
+                            </m:r>
+                          </m:e>
+                          <m:sub>
+                            <m:r>
+                              <a:rPr lang="en-US" b="0" i="1" dirty="0" smtClean="0">
+                                <a:latin typeface="Cambria Math" panose="02040503050406030204" pitchFamily="18" charset="0"/>
+                              </a:rPr>
+                              <m:t>𝑡</m:t>
+                            </m:r>
+                          </m:sub>
+                        </m:sSub>
+                      </m:e>
+                    </m:d>
+                    <m:r>
+                      <a:rPr lang="en-US" i="1" dirty="0" smtClean="0">
+                        <a:latin typeface="Cambria Math" panose="02040503050406030204" pitchFamily="18" charset="0"/>
+                      </a:rPr>
+                      <m:t> </m:t>
+                    </m:r>
+                  </m:oMath>
+                </a14:m>
+                <a:r>
+                  <a:rPr lang="en-US" dirty="0"/>
+                  <a:t>.</a:t>
                 </a:r>
               </a:p>
               <a:p>
                 <a:pPr marL="0" indent="0">
                   <a:buNone/>
                 </a:pPr>
-                <a14:m>
-                  <m:oMathPara xmlns:m="http://schemas.openxmlformats.org/officeDocument/2006/math">
-                    <m:oMathParaPr>
-                      <m:jc m:val="centerGroup"/>
-                    </m:oMathParaPr>
-                    <m:oMath xmlns:m="http://schemas.openxmlformats.org/officeDocument/2006/math">
-                      <m:sSub>
-                        <m:sSubPr>
-                          <m:ctrlPr>
-                            <a:rPr lang="en-US" b="0" i="1" smtClean="0">
-                              <a:latin typeface="Cambria Math" panose="02040503050406030204" pitchFamily="18" charset="0"/>
-                            </a:rPr>
-                          </m:ctrlPr>
-                        </m:sSubPr>
-                        <m:e>
-                          <m:r>
-                            <a:rPr lang="en-US" b="0" i="1" smtClean="0">
-                              <a:latin typeface="Cambria Math" panose="02040503050406030204" pitchFamily="18" charset="0"/>
-                            </a:rPr>
-                            <m:t>𝑦</m:t>
-                          </m:r>
-                        </m:e>
-                        <m:sub>
-                          <m:r>
-                            <a:rPr lang="en-US" b="0" i="1" smtClean="0">
-                              <a:latin typeface="Cambria Math" panose="02040503050406030204" pitchFamily="18" charset="0"/>
-                            </a:rPr>
-                            <m:t>𝑡</m:t>
-                          </m:r>
-                        </m:sub>
-                      </m:sSub>
-                      <m:r>
-                        <a:rPr lang="en-US" b="0" i="1" smtClean="0">
-                          <a:latin typeface="Cambria Math" panose="02040503050406030204" pitchFamily="18" charset="0"/>
-                        </a:rPr>
-                        <m:t>∈</m:t>
-                      </m:r>
-                      <m:r>
-                        <a:rPr lang="en-US" b="0" i="1" smtClean="0">
-                          <a:latin typeface="Cambria Math" panose="02040503050406030204" pitchFamily="18" charset="0"/>
-                        </a:rPr>
-                        <m:t>𝑅</m:t>
-                      </m:r>
-                    </m:oMath>
-                  </m:oMathPara>
-                </a14:m>
-                <a:endParaRPr lang="en-US" dirty="0"/>
-              </a:p>
-              <a:p>
-                <a:pPr marL="0" indent="0">
-                  <a:buNone/>
-                </a:pPr>
-                <a:r>
-                  <a:rPr lang="en-US" dirty="0"/>
-                  <a:t>Accept we don’t know the true speed; we know a noisy signal.</a:t>
-                </a:r>
-              </a:p>
-              <a:p>
-                <a:pPr marL="0" indent="0">
-                  <a:buNone/>
-                </a:pPr>
-                <a:r>
-                  <a:rPr lang="en-US" dirty="0"/>
-                  <a:t>We want to know our location from our speed. </a:t>
-                </a:r>
+                <a:endParaRPr lang="en-IL" dirty="0"/>
               </a:p>
             </p:txBody>
           </p:sp>
         </mc:Choice>
-        <mc:Fallback xmlns="">
+        <mc:Fallback>
           <p:sp>
             <p:nvSpPr>
               <p:cNvPr id="3" name="Content Placeholder 2">
                 <a:extLst>
                   <a:ext uri="{FF2B5EF4-FFF2-40B4-BE49-F238E27FC236}">
-                    <a16:creationId xmlns:a16="http://schemas.microsoft.com/office/drawing/2014/main" id="{DC8909B9-DA38-36B2-66BF-20665CDE56D9}"/>
+                    <a16:creationId xmlns:a16="http://schemas.microsoft.com/office/drawing/2014/main" id="{55377C7E-26C6-5D1D-B709-968ABC8C1A40}"/>
                   </a:ext>
                 </a:extLst>
               </p:cNvPr>
@@ -6367,7 +6562,7 @@
     </p:spTree>
     <p:extLst>
       <p:ext uri="{BB962C8B-B14F-4D97-AF65-F5344CB8AC3E}">
-        <p14:creationId xmlns:p14="http://schemas.microsoft.com/office/powerpoint/2010/main" val="1645578039"/>
+        <p14:creationId xmlns:p14="http://schemas.microsoft.com/office/powerpoint/2010/main" val="4143054368"/>
       </p:ext>
     </p:extLst>
   </p:cSld>
@@ -6701,7 +6896,7 @@
           <a:p>
             <a:r>
               <a:rPr lang="en-US" dirty="0"/>
-              <a:t>Background</a:t>
+              <a:t>What is a Kalman filter?</a:t>
             </a:r>
             <a:endParaRPr lang="en-IL" dirty="0"/>
           </a:p>
@@ -7671,14 +7866,14 @@
           <a:p>
             <a:r>
               <a:rPr lang="en-US" dirty="0"/>
-              <a:t>Background</a:t>
+              <a:t>What is a Kalman filter</a:t>
             </a:r>
             <a:endParaRPr lang="en-IL" dirty="0"/>
           </a:p>
         </p:txBody>
       </p:sp>
-      <mc:AlternateContent xmlns:mc="http://schemas.openxmlformats.org/markup-compatibility/2006" xmlns:a14="http://schemas.microsoft.com/office/drawing/2010/main">
-        <mc:Choice Requires="a14">
+      <mc:AlternateContent xmlns:mc="http://schemas.openxmlformats.org/markup-compatibility/2006">
+        <mc:Choice xmlns:a14="http://schemas.microsoft.com/office/drawing/2010/main" Requires="a14">
           <p:sp>
             <p:nvSpPr>
               <p:cNvPr id="3" name="Content Placeholder 2">
@@ -8318,12 +8513,79 @@
                     </m:oMath>
                   </m:oMathPara>
                 </a14:m>
+                <a:endParaRPr lang="en-US" b="0" dirty="0"/>
+              </a:p>
+              <a:p>
+                <a:pPr marL="0" indent="0">
+                  <a:buNone/>
+                </a:pPr>
+                <a:endParaRPr lang="en-US" dirty="0"/>
+              </a:p>
+              <a:p>
+                <a:pPr marL="0" indent="0">
+                  <a:buNone/>
+                </a:pPr>
+                <a:r>
+                  <a:rPr lang="en-US" dirty="0"/>
+                  <a:t>Unlike </a:t>
+                </a:r>
+                <a14:m>
+                  <m:oMath xmlns:m="http://schemas.openxmlformats.org/officeDocument/2006/math">
+                    <m:sSup>
+                      <m:sSupPr>
+                        <m:ctrlPr>
+                          <a:rPr lang="en-US" b="0" i="1" smtClean="0">
+                            <a:latin typeface="Cambria Math" panose="02040503050406030204" pitchFamily="18" charset="0"/>
+                          </a:rPr>
+                        </m:ctrlPr>
+                      </m:sSupPr>
+                      <m:e>
+                        <m:r>
+                          <a:rPr lang="en-US" b="0" i="1" smtClean="0">
+                            <a:latin typeface="Cambria Math" panose="02040503050406030204" pitchFamily="18" charset="0"/>
+                          </a:rPr>
+                          <m:t>𝑃</m:t>
+                        </m:r>
+                      </m:e>
+                      <m:sup>
+                        <m:r>
+                          <a:rPr lang="en-US" b="0" i="1" smtClean="0">
+                            <a:latin typeface="Cambria Math" panose="02040503050406030204" pitchFamily="18" charset="0"/>
+                          </a:rPr>
+                          <m:t>∗</m:t>
+                        </m:r>
+                      </m:sup>
+                    </m:sSup>
+                  </m:oMath>
+                </a14:m>
+                <a:r>
+                  <a:rPr lang="en-US" dirty="0"/>
+                  <a:t>, the true distribution </a:t>
+                </a:r>
+                <a14:m>
+                  <m:oMath xmlns:m="http://schemas.openxmlformats.org/officeDocument/2006/math">
+                    <m:r>
+                      <a:rPr lang="en-US" b="0" i="1" smtClean="0">
+                        <a:latin typeface="Cambria Math" panose="02040503050406030204" pitchFamily="18" charset="0"/>
+                      </a:rPr>
+                      <m:t>ℚ</m:t>
+                    </m:r>
+                  </m:oMath>
+                </a14:m>
+                <a:r>
+                  <a:rPr lang="en-US" dirty="0"/>
+                  <a:t> </a:t>
+                </a:r>
+                <a:r>
+                  <a:rPr lang="en-US"/>
+                  <a:t>is unknown. </a:t>
+                </a:r>
                 <a:endParaRPr lang="en-IL" dirty="0"/>
               </a:p>
             </p:txBody>
           </p:sp>
         </mc:Choice>
-        <mc:Fallback xmlns="">
+        <mc:Fallback>
           <p:sp>
             <p:nvSpPr>
               <p:cNvPr id="3" name="Content Placeholder 2">
@@ -8367,6 +8629,339 @@
     <p:extLst>
       <p:ext uri="{BB962C8B-B14F-4D97-AF65-F5344CB8AC3E}">
         <p14:creationId xmlns:p14="http://schemas.microsoft.com/office/powerpoint/2010/main" val="4109625822"/>
+      </p:ext>
+    </p:extLst>
+  </p:cSld>
+  <p:clrMapOvr>
+    <a:masterClrMapping/>
+  </p:clrMapOvr>
+</p:sld>
+</file>
+
+<file path=ppt/slides/slide22.xml><?xml version="1.0" encoding="utf-8"?>
+<p:sld xmlns:a="http://schemas.openxmlformats.org/drawingml/2006/main" xmlns:r="http://schemas.openxmlformats.org/officeDocument/2006/relationships" xmlns:p="http://schemas.openxmlformats.org/presentationml/2006/main">
+  <p:cSld>
+    <p:spTree>
+      <p:nvGrpSpPr>
+        <p:cNvPr id="1" name=""/>
+        <p:cNvGrpSpPr/>
+        <p:nvPr/>
+      </p:nvGrpSpPr>
+      <p:grpSpPr>
+        <a:xfrm>
+          <a:off x="0" y="0"/>
+          <a:ext cx="0" cy="0"/>
+          <a:chOff x="0" y="0"/>
+          <a:chExt cx="0" cy="0"/>
+        </a:xfrm>
+      </p:grpSpPr>
+      <p:sp>
+        <p:nvSpPr>
+          <p:cNvPr id="2" name="Title 1">
+            <a:extLst>
+              <a:ext uri="{FF2B5EF4-FFF2-40B4-BE49-F238E27FC236}">
+                <a16:creationId xmlns:a16="http://schemas.microsoft.com/office/drawing/2014/main" id="{577F7869-F4F2-5533-FAA8-5BBA7149694B}"/>
+              </a:ext>
+            </a:extLst>
+          </p:cNvPr>
+          <p:cNvSpPr>
+            <a:spLocks noGrp="1"/>
+          </p:cNvSpPr>
+          <p:nvPr>
+            <p:ph type="title"/>
+          </p:nvPr>
+        </p:nvSpPr>
+        <p:spPr/>
+        <p:txBody>
+          <a:bodyPr/>
+          <a:lstStyle/>
+          <a:p>
+            <a:r>
+              <a:rPr lang="en-US" dirty="0"/>
+              <a:t>Example</a:t>
+            </a:r>
+            <a:endParaRPr lang="en-IL" dirty="0"/>
+          </a:p>
+        </p:txBody>
+      </p:sp>
+      <mc:AlternateContent xmlns:mc="http://schemas.openxmlformats.org/markup-compatibility/2006" xmlns:a14="http://schemas.microsoft.com/office/drawing/2010/main">
+        <mc:Choice Requires="a14">
+          <p:sp>
+            <p:nvSpPr>
+              <p:cNvPr id="3" name="Content Placeholder 2">
+                <a:extLst>
+                  <a:ext uri="{FF2B5EF4-FFF2-40B4-BE49-F238E27FC236}">
+                    <a16:creationId xmlns:a16="http://schemas.microsoft.com/office/drawing/2014/main" id="{DC8909B9-DA38-36B2-66BF-20665CDE56D9}"/>
+                  </a:ext>
+                </a:extLst>
+              </p:cNvPr>
+              <p:cNvSpPr>
+                <a:spLocks noGrp="1"/>
+              </p:cNvSpPr>
+              <p:nvPr>
+                <p:ph idx="1"/>
+              </p:nvPr>
+            </p:nvSpPr>
+            <p:spPr/>
+            <p:txBody>
+              <a:bodyPr/>
+              <a:lstStyle/>
+              <a:p>
+                <a:pPr marL="0" indent="0">
+                  <a:buNone/>
+                </a:pPr>
+                <a:r>
+                  <a:rPr lang="en-US" dirty="0"/>
+                  <a:t>We are driving a car from Netanya to Haifa.</a:t>
+                </a:r>
+              </a:p>
+              <a:p>
+                <a:pPr marL="0" indent="0">
+                  <a:buNone/>
+                </a:pPr>
+                <a:r>
+                  <a:rPr lang="en-US" dirty="0"/>
+                  <a:t>We want to know what our location </a:t>
+                </a:r>
+                <a14:m>
+                  <m:oMath xmlns:m="http://schemas.openxmlformats.org/officeDocument/2006/math">
+                    <m:d>
+                      <m:dPr>
+                        <m:ctrlPr>
+                          <a:rPr lang="en-US" b="0" i="1" smtClean="0">
+                            <a:latin typeface="Cambria Math" panose="02040503050406030204" pitchFamily="18" charset="0"/>
+                          </a:rPr>
+                        </m:ctrlPr>
+                      </m:dPr>
+                      <m:e>
+                        <m:r>
+                          <a:rPr lang="en-US" b="0" i="1" smtClean="0">
+                            <a:latin typeface="Cambria Math" panose="02040503050406030204" pitchFamily="18" charset="0"/>
+                          </a:rPr>
+                          <m:t>𝑥</m:t>
+                        </m:r>
+                      </m:e>
+                    </m:d>
+                  </m:oMath>
+                </a14:m>
+                <a:r>
+                  <a:rPr lang="en-US" dirty="0"/>
+                  <a:t> in every minute </a:t>
+                </a:r>
+                <a14:m>
+                  <m:oMath xmlns:m="http://schemas.openxmlformats.org/officeDocument/2006/math">
+                    <m:d>
+                      <m:dPr>
+                        <m:ctrlPr>
+                          <a:rPr lang="en-US" b="0" i="1" smtClean="0">
+                            <a:latin typeface="Cambria Math" panose="02040503050406030204" pitchFamily="18" charset="0"/>
+                          </a:rPr>
+                        </m:ctrlPr>
+                      </m:dPr>
+                      <m:e>
+                        <m:r>
+                          <a:rPr lang="en-US" b="0" i="1" smtClean="0">
+                            <a:latin typeface="Cambria Math" panose="02040503050406030204" pitchFamily="18" charset="0"/>
+                          </a:rPr>
+                          <m:t>𝑡</m:t>
+                        </m:r>
+                        <m:r>
+                          <a:rPr lang="en-US" b="0" i="1" smtClean="0">
+                            <a:latin typeface="Cambria Math" panose="02040503050406030204" pitchFamily="18" charset="0"/>
+                          </a:rPr>
+                          <m:t>∈</m:t>
+                        </m:r>
+                        <m:r>
+                          <a:rPr lang="en-US" b="0" i="1" smtClean="0">
+                            <a:latin typeface="Cambria Math" panose="02040503050406030204" pitchFamily="18" charset="0"/>
+                          </a:rPr>
+                          <m:t>ℕ</m:t>
+                        </m:r>
+                      </m:e>
+                    </m:d>
+                  </m:oMath>
+                </a14:m>
+                <a:r>
+                  <a:rPr lang="en-US" dirty="0"/>
+                  <a:t> - </a:t>
+                </a:r>
+                <a:br>
+                  <a:rPr lang="en-US" dirty="0"/>
+                </a:br>
+                <a14:m>
+                  <m:oMathPara xmlns:m="http://schemas.openxmlformats.org/officeDocument/2006/math">
+                    <m:oMathParaPr>
+                      <m:jc m:val="centerGroup"/>
+                    </m:oMathParaPr>
+                    <m:oMath xmlns:m="http://schemas.openxmlformats.org/officeDocument/2006/math">
+                      <m:sSub>
+                        <m:sSubPr>
+                          <m:ctrlPr>
+                            <a:rPr lang="en-US" b="0" i="1" smtClean="0">
+                              <a:latin typeface="Cambria Math" panose="02040503050406030204" pitchFamily="18" charset="0"/>
+                            </a:rPr>
+                          </m:ctrlPr>
+                        </m:sSubPr>
+                        <m:e>
+                          <m:r>
+                            <a:rPr lang="en-US" b="0" i="1" smtClean="0">
+                              <a:latin typeface="Cambria Math" panose="02040503050406030204" pitchFamily="18" charset="0"/>
+                            </a:rPr>
+                            <m:t>𝑥</m:t>
+                          </m:r>
+                        </m:e>
+                        <m:sub>
+                          <m:r>
+                            <a:rPr lang="en-US" b="0" i="1" smtClean="0">
+                              <a:latin typeface="Cambria Math" panose="02040503050406030204" pitchFamily="18" charset="0"/>
+                            </a:rPr>
+                            <m:t>𝑡</m:t>
+                          </m:r>
+                        </m:sub>
+                      </m:sSub>
+                      <m:r>
+                        <a:rPr lang="en-US" b="0" i="1" smtClean="0">
+                          <a:latin typeface="Cambria Math" panose="02040503050406030204" pitchFamily="18" charset="0"/>
+                        </a:rPr>
+                        <m:t>∈</m:t>
+                      </m:r>
+                      <m:r>
+                        <a:rPr lang="en-US" b="0" i="1" smtClean="0">
+                          <a:latin typeface="Cambria Math" panose="02040503050406030204" pitchFamily="18" charset="0"/>
+                        </a:rPr>
+                        <m:t>𝑅</m:t>
+                      </m:r>
+                    </m:oMath>
+                  </m:oMathPara>
+                </a14:m>
+                <a:endParaRPr lang="en-US" dirty="0"/>
+              </a:p>
+              <a:p>
+                <a:pPr marL="0" indent="0">
+                  <a:buNone/>
+                </a:pPr>
+                <a:r>
+                  <a:rPr lang="en-US" dirty="0"/>
+                  <a:t>We only know the speed at which we are going in every minute – </a:t>
+                </a:r>
+              </a:p>
+              <a:p>
+                <a:pPr marL="0" indent="0">
+                  <a:buNone/>
+                </a:pPr>
+                <a14:m>
+                  <m:oMathPara xmlns:m="http://schemas.openxmlformats.org/officeDocument/2006/math">
+                    <m:oMathParaPr>
+                      <m:jc m:val="centerGroup"/>
+                    </m:oMathParaPr>
+                    <m:oMath xmlns:m="http://schemas.openxmlformats.org/officeDocument/2006/math">
+                      <m:sSub>
+                        <m:sSubPr>
+                          <m:ctrlPr>
+                            <a:rPr lang="en-US" b="0" i="1" smtClean="0">
+                              <a:latin typeface="Cambria Math" panose="02040503050406030204" pitchFamily="18" charset="0"/>
+                            </a:rPr>
+                          </m:ctrlPr>
+                        </m:sSubPr>
+                        <m:e>
+                          <m:r>
+                            <a:rPr lang="en-US" b="0" i="1" smtClean="0">
+                              <a:latin typeface="Cambria Math" panose="02040503050406030204" pitchFamily="18" charset="0"/>
+                            </a:rPr>
+                            <m:t>𝑦</m:t>
+                          </m:r>
+                        </m:e>
+                        <m:sub>
+                          <m:r>
+                            <a:rPr lang="en-US" b="0" i="1" smtClean="0">
+                              <a:latin typeface="Cambria Math" panose="02040503050406030204" pitchFamily="18" charset="0"/>
+                            </a:rPr>
+                            <m:t>𝑡</m:t>
+                          </m:r>
+                        </m:sub>
+                      </m:sSub>
+                      <m:r>
+                        <a:rPr lang="en-US" b="0" i="1" smtClean="0">
+                          <a:latin typeface="Cambria Math" panose="02040503050406030204" pitchFamily="18" charset="0"/>
+                        </a:rPr>
+                        <m:t>∈</m:t>
+                      </m:r>
+                      <m:r>
+                        <a:rPr lang="en-US" b="0" i="1" smtClean="0">
+                          <a:latin typeface="Cambria Math" panose="02040503050406030204" pitchFamily="18" charset="0"/>
+                        </a:rPr>
+                        <m:t>𝑅</m:t>
+                      </m:r>
+                    </m:oMath>
+                  </m:oMathPara>
+                </a14:m>
+                <a:endParaRPr lang="en-US" dirty="0"/>
+              </a:p>
+              <a:p>
+                <a:pPr marL="0" indent="0">
+                  <a:buNone/>
+                </a:pPr>
+                <a:r>
+                  <a:rPr lang="en-US" dirty="0"/>
+                  <a:t>Accept we don’t know the true speed; we know a noisy signal.</a:t>
+                </a:r>
+              </a:p>
+              <a:p>
+                <a:pPr marL="0" indent="0">
+                  <a:buNone/>
+                </a:pPr>
+                <a:r>
+                  <a:rPr lang="en-US" dirty="0"/>
+                  <a:t>We want to know our location from our speed. </a:t>
+                </a:r>
+              </a:p>
+            </p:txBody>
+          </p:sp>
+        </mc:Choice>
+        <mc:Fallback xmlns="">
+          <p:sp>
+            <p:nvSpPr>
+              <p:cNvPr id="3" name="Content Placeholder 2">
+                <a:extLst>
+                  <a:ext uri="{FF2B5EF4-FFF2-40B4-BE49-F238E27FC236}">
+                    <a16:creationId xmlns:a16="http://schemas.microsoft.com/office/drawing/2014/main" id="{DC8909B9-DA38-36B2-66BF-20665CDE56D9}"/>
+                  </a:ext>
+                </a:extLst>
+              </p:cNvPr>
+              <p:cNvSpPr>
+                <a:spLocks noGrp="1" noRot="1" noChangeAspect="1" noMove="1" noResize="1" noEditPoints="1" noAdjustHandles="1" noChangeArrowheads="1" noChangeShapeType="1" noTextEdit="1"/>
+              </p:cNvSpPr>
+              <p:nvPr>
+                <p:ph idx="1"/>
+              </p:nvPr>
+            </p:nvSpPr>
+            <p:spPr>
+              <a:blipFill>
+                <a:blip r:embed="rId2"/>
+                <a:stretch>
+                  <a:fillRect l="-1217" t="-2241"/>
+                </a:stretch>
+              </a:blipFill>
+            </p:spPr>
+            <p:txBody>
+              <a:bodyPr/>
+              <a:lstStyle/>
+              <a:p>
+                <a:r>
+                  <a:rPr lang="en-IL">
+                    <a:noFill/>
+                  </a:rPr>
+                  <a:t> </a:t>
+                </a:r>
+              </a:p>
+            </p:txBody>
+          </p:sp>
+        </mc:Fallback>
+      </mc:AlternateContent>
+    </p:spTree>
+    <p:extLst>
+      <p:ext uri="{BB962C8B-B14F-4D97-AF65-F5344CB8AC3E}">
+        <p14:creationId xmlns:p14="http://schemas.microsoft.com/office/powerpoint/2010/main" val="1645578039"/>
       </p:ext>
     </p:extLst>
   </p:cSld>
@@ -8999,31 +9594,6 @@
               <a:t>Overview of the paper</a:t>
             </a:r>
             <a:endParaRPr lang="en-IL" dirty="0"/>
-          </a:p>
-        </p:txBody>
-      </p:sp>
-      <p:sp>
-        <p:nvSpPr>
-          <p:cNvPr id="3" name="Subtitle 2">
-            <a:extLst>
-              <a:ext uri="{FF2B5EF4-FFF2-40B4-BE49-F238E27FC236}">
-                <a16:creationId xmlns:a16="http://schemas.microsoft.com/office/drawing/2014/main" id="{2D11DD64-95C4-1844-8873-81A368AB8E24}"/>
-              </a:ext>
-            </a:extLst>
-          </p:cNvPr>
-          <p:cNvSpPr>
-            <a:spLocks noGrp="1"/>
-          </p:cNvSpPr>
-          <p:nvPr>
-            <p:ph type="subTitle" idx="1"/>
-          </p:nvPr>
-        </p:nvSpPr>
-        <p:spPr/>
-        <p:txBody>
-          <a:bodyPr/>
-          <a:lstStyle/>
-          <a:p>
-            <a:endParaRPr lang="en-IL"/>
           </a:p>
         </p:txBody>
       </p:sp>
@@ -11803,8 +12373,8 @@
           </a:p>
         </p:txBody>
       </p:sp>
-      <mc:AlternateContent xmlns:mc="http://schemas.openxmlformats.org/markup-compatibility/2006">
-        <mc:Choice xmlns:a14="http://schemas.microsoft.com/office/drawing/2010/main" Requires="a14">
+      <mc:AlternateContent xmlns:mc="http://schemas.openxmlformats.org/markup-compatibility/2006" xmlns:a14="http://schemas.microsoft.com/office/drawing/2010/main">
+        <mc:Choice Requires="a14">
           <p:sp>
             <p:nvSpPr>
               <p:cNvPr id="3" name="Content Placeholder 2">
@@ -12885,7 +13455,7 @@
             </p:txBody>
           </p:sp>
         </mc:Choice>
-        <mc:Fallback>
+        <mc:Fallback xmlns="">
           <p:sp>
             <p:nvSpPr>
               <p:cNvPr id="3" name="Content Placeholder 2">
@@ -13092,8 +13662,8 @@
           </a:p>
         </p:txBody>
       </p:sp>
-      <mc:AlternateContent xmlns:mc="http://schemas.openxmlformats.org/markup-compatibility/2006">
-        <mc:Choice xmlns:a14="http://schemas.microsoft.com/office/drawing/2010/main" Requires="a14">
+      <mc:AlternateContent xmlns:mc="http://schemas.openxmlformats.org/markup-compatibility/2006" xmlns:a14="http://schemas.microsoft.com/office/drawing/2010/main">
+        <mc:Choice Requires="a14">
           <p:sp>
             <p:nvSpPr>
               <p:cNvPr id="3" name="Content Placeholder 2">
@@ -13788,7 +14358,13 @@
                                       <a:rPr lang="en-US" b="0" i="1" smtClean="0">
                                         <a:latin typeface="Cambria Math" panose="02040503050406030204" pitchFamily="18" charset="0"/>
                                       </a:rPr>
-                                      <m:t>𝑥𝑥</m:t>
+                                      <m:t>𝑥</m:t>
+                                    </m:r>
+                                    <m:r>
+                                      <a:rPr lang="en-US" b="0" i="1" smtClean="0">
+                                        <a:latin typeface="Cambria Math" panose="02040503050406030204" pitchFamily="18" charset="0"/>
+                                      </a:rPr>
+                                      <m:t>𝑥</m:t>
                                     </m:r>
                                   </m:sub>
                                   <m:sup>
@@ -13942,7 +14518,7 @@
             </p:txBody>
           </p:sp>
         </mc:Choice>
-        <mc:Fallback>
+        <mc:Fallback xmlns="">
           <p:sp>
             <p:nvSpPr>
               <p:cNvPr id="3" name="Content Placeholder 2">

--- a/presentation.pptx
+++ b/presentation.pptx
@@ -27,6 +27,13 @@
     <p:sldId id="258" r:id="rId21"/>
     <p:sldId id="259" r:id="rId22"/>
     <p:sldId id="260" r:id="rId23"/>
+    <p:sldId id="278" r:id="rId24"/>
+    <p:sldId id="279" r:id="rId25"/>
+    <p:sldId id="280" r:id="rId26"/>
+    <p:sldId id="281" r:id="rId27"/>
+    <p:sldId id="282" r:id="rId28"/>
+    <p:sldId id="283" r:id="rId29"/>
+    <p:sldId id="284" r:id="rId30"/>
   </p:sldIdLst>
   <p:sldSz cx="12192000" cy="6858000"/>
   <p:notesSz cx="6858000" cy="9144000"/>
@@ -282,7 +289,7 @@
           <a:p>
             <a:fld id="{0864CE99-312F-448F-A766-287C79E9A4F1}" type="datetimeFigureOut">
               <a:rPr lang="en-IL" smtClean="0"/>
-              <a:t>22/06/2023</a:t>
+              <a:t>25/06/2023</a:t>
             </a:fld>
             <a:endParaRPr lang="en-IL"/>
           </a:p>
@@ -482,7 +489,7 @@
           <a:p>
             <a:fld id="{0864CE99-312F-448F-A766-287C79E9A4F1}" type="datetimeFigureOut">
               <a:rPr lang="en-IL" smtClean="0"/>
-              <a:t>22/06/2023</a:t>
+              <a:t>25/06/2023</a:t>
             </a:fld>
             <a:endParaRPr lang="en-IL"/>
           </a:p>
@@ -692,7 +699,7 @@
           <a:p>
             <a:fld id="{0864CE99-312F-448F-A766-287C79E9A4F1}" type="datetimeFigureOut">
               <a:rPr lang="en-IL" smtClean="0"/>
-              <a:t>22/06/2023</a:t>
+              <a:t>25/06/2023</a:t>
             </a:fld>
             <a:endParaRPr lang="en-IL"/>
           </a:p>
@@ -892,7 +899,7 @@
           <a:p>
             <a:fld id="{0864CE99-312F-448F-A766-287C79E9A4F1}" type="datetimeFigureOut">
               <a:rPr lang="en-IL" smtClean="0"/>
-              <a:t>22/06/2023</a:t>
+              <a:t>25/06/2023</a:t>
             </a:fld>
             <a:endParaRPr lang="en-IL"/>
           </a:p>
@@ -1168,7 +1175,7 @@
           <a:p>
             <a:fld id="{0864CE99-312F-448F-A766-287C79E9A4F1}" type="datetimeFigureOut">
               <a:rPr lang="en-IL" smtClean="0"/>
-              <a:t>22/06/2023</a:t>
+              <a:t>25/06/2023</a:t>
             </a:fld>
             <a:endParaRPr lang="en-IL"/>
           </a:p>
@@ -1436,7 +1443,7 @@
           <a:p>
             <a:fld id="{0864CE99-312F-448F-A766-287C79E9A4F1}" type="datetimeFigureOut">
               <a:rPr lang="en-IL" smtClean="0"/>
-              <a:t>22/06/2023</a:t>
+              <a:t>25/06/2023</a:t>
             </a:fld>
             <a:endParaRPr lang="en-IL"/>
           </a:p>
@@ -1851,7 +1858,7 @@
           <a:p>
             <a:fld id="{0864CE99-312F-448F-A766-287C79E9A4F1}" type="datetimeFigureOut">
               <a:rPr lang="en-IL" smtClean="0"/>
-              <a:t>22/06/2023</a:t>
+              <a:t>25/06/2023</a:t>
             </a:fld>
             <a:endParaRPr lang="en-IL"/>
           </a:p>
@@ -1993,7 +2000,7 @@
           <a:p>
             <a:fld id="{0864CE99-312F-448F-A766-287C79E9A4F1}" type="datetimeFigureOut">
               <a:rPr lang="en-IL" smtClean="0"/>
-              <a:t>22/06/2023</a:t>
+              <a:t>25/06/2023</a:t>
             </a:fld>
             <a:endParaRPr lang="en-IL"/>
           </a:p>
@@ -2106,7 +2113,7 @@
           <a:p>
             <a:fld id="{0864CE99-312F-448F-A766-287C79E9A4F1}" type="datetimeFigureOut">
               <a:rPr lang="en-IL" smtClean="0"/>
-              <a:t>22/06/2023</a:t>
+              <a:t>25/06/2023</a:t>
             </a:fld>
             <a:endParaRPr lang="en-IL"/>
           </a:p>
@@ -2419,7 +2426,7 @@
           <a:p>
             <a:fld id="{0864CE99-312F-448F-A766-287C79E9A4F1}" type="datetimeFigureOut">
               <a:rPr lang="en-IL" smtClean="0"/>
-              <a:t>22/06/2023</a:t>
+              <a:t>25/06/2023</a:t>
             </a:fld>
             <a:endParaRPr lang="en-IL"/>
           </a:p>
@@ -2708,7 +2715,7 @@
           <a:p>
             <a:fld id="{0864CE99-312F-448F-A766-287C79E9A4F1}" type="datetimeFigureOut">
               <a:rPr lang="en-IL" smtClean="0"/>
-              <a:t>22/06/2023</a:t>
+              <a:t>25/06/2023</a:t>
             </a:fld>
             <a:endParaRPr lang="en-IL"/>
           </a:p>
@@ -2951,7 +2958,7 @@
           <a:p>
             <a:fld id="{0864CE99-312F-448F-A766-287C79E9A4F1}" type="datetimeFigureOut">
               <a:rPr lang="en-IL" smtClean="0"/>
-              <a:t>22/06/2023</a:t>
+              <a:t>25/06/2023</a:t>
             </a:fld>
             <a:endParaRPr lang="en-IL"/>
           </a:p>
@@ -4576,7 +4583,13 @@
                             <a:rPr lang="en-US" b="0" i="1" smtClean="0">
                               <a:latin typeface="Cambria Math" panose="02040503050406030204" pitchFamily="18" charset="0"/>
                             </a:rPr>
-                            <m:t>+1</m:t>
+                            <m:t>+</m:t>
+                          </m:r>
+                          <m:r>
+                            <a:rPr lang="en-US" b="0" i="1" smtClean="0">
+                              <a:latin typeface="Cambria Math" panose="02040503050406030204" pitchFamily="18" charset="0"/>
+                            </a:rPr>
+                            <m:t>1</m:t>
                           </m:r>
                         </m:sup>
                       </m:sSup>
@@ -4672,7 +4685,13 @@
                             <a:rPr lang="en-US" b="0" i="1" smtClean="0">
                               <a:latin typeface="Cambria Math" panose="02040503050406030204" pitchFamily="18" charset="0"/>
                             </a:rPr>
-                            <m:t>1−</m:t>
+                            <m:t>1</m:t>
+                          </m:r>
+                          <m:r>
+                            <a:rPr lang="en-US" b="0" i="1" smtClean="0">
+                              <a:latin typeface="Cambria Math" panose="02040503050406030204" pitchFamily="18" charset="0"/>
+                            </a:rPr>
+                            <m:t>−</m:t>
                           </m:r>
                           <m:sSub>
                             <m:sSubPr>
@@ -5094,7 +5113,13 @@
                             <a:rPr lang="en-US" b="0" i="1" smtClean="0">
                               <a:latin typeface="Cambria Math" panose="02040503050406030204" pitchFamily="18" charset="0"/>
                             </a:rPr>
-                            <m:t>−2</m:t>
+                            <m:t>−</m:t>
+                          </m:r>
+                          <m:r>
+                            <a:rPr lang="en-US" b="0" i="1" smtClean="0">
+                              <a:latin typeface="Cambria Math" panose="02040503050406030204" pitchFamily="18" charset="0"/>
+                            </a:rPr>
+                            <m:t>2</m:t>
                           </m:r>
                           <m:sSup>
                             <m:sSupPr>
@@ -5138,7 +5163,19 @@
                                         <a:rPr lang="en-US" b="0" i="1" smtClean="0">
                                           <a:latin typeface="Cambria Math" panose="02040503050406030204" pitchFamily="18" charset="0"/>
                                         </a:rPr>
-                                        <m:t>0.5</m:t>
+                                        <m:t>0</m:t>
+                                      </m:r>
+                                      <m:r>
+                                        <a:rPr lang="en-US" b="0" i="1" smtClean="0">
+                                          <a:latin typeface="Cambria Math" panose="02040503050406030204" pitchFamily="18" charset="0"/>
+                                        </a:rPr>
+                                        <m:t>.</m:t>
+                                      </m:r>
+                                      <m:r>
+                                        <a:rPr lang="en-US" b="0" i="1" smtClean="0">
+                                          <a:latin typeface="Cambria Math" panose="02040503050406030204" pitchFamily="18" charset="0"/>
+                                        </a:rPr>
+                                        <m:t>5</m:t>
                                       </m:r>
                                     </m:sup>
                                   </m:sSup>
@@ -5172,7 +5209,19 @@
                                         <a:rPr lang="en-US" b="0" i="1" smtClean="0">
                                           <a:latin typeface="Cambria Math" panose="02040503050406030204" pitchFamily="18" charset="0"/>
                                         </a:rPr>
-                                        <m:t>0.5</m:t>
+                                        <m:t>0</m:t>
+                                      </m:r>
+                                      <m:r>
+                                        <a:rPr lang="en-US" b="0" i="1" smtClean="0">
+                                          <a:latin typeface="Cambria Math" panose="02040503050406030204" pitchFamily="18" charset="0"/>
+                                        </a:rPr>
+                                        <m:t>.</m:t>
+                                      </m:r>
+                                      <m:r>
+                                        <a:rPr lang="en-US" b="0" i="1" smtClean="0">
+                                          <a:latin typeface="Cambria Math" panose="02040503050406030204" pitchFamily="18" charset="0"/>
+                                        </a:rPr>
+                                        <m:t>5</m:t>
                                       </m:r>
                                     </m:sup>
                                   </m:sSup>
@@ -5184,7 +5233,19 @@
                                 <a:rPr lang="en-US" b="0" i="1" smtClean="0">
                                   <a:latin typeface="Cambria Math" panose="02040503050406030204" pitchFamily="18" charset="0"/>
                                 </a:rPr>
-                                <m:t>0.5</m:t>
+                                <m:t>0</m:t>
+                              </m:r>
+                              <m:r>
+                                <a:rPr lang="en-US" b="0" i="1" smtClean="0">
+                                  <a:latin typeface="Cambria Math" panose="02040503050406030204" pitchFamily="18" charset="0"/>
+                                </a:rPr>
+                                <m:t>.</m:t>
+                              </m:r>
+                              <m:r>
+                                <a:rPr lang="en-US" b="0" i="1" smtClean="0">
+                                  <a:latin typeface="Cambria Math" panose="02040503050406030204" pitchFamily="18" charset="0"/>
+                                </a:rPr>
+                                <m:t>5</m:t>
                               </m:r>
                             </m:sup>
                           </m:sSup>
@@ -6091,8 +6152,8 @@
           </a:p>
         </p:txBody>
       </p:sp>
-      <mc:AlternateContent xmlns:mc="http://schemas.openxmlformats.org/markup-compatibility/2006">
-        <mc:Choice xmlns:a14="http://schemas.microsoft.com/office/drawing/2010/main" Requires="a14">
+      <mc:AlternateContent xmlns:mc="http://schemas.openxmlformats.org/markup-compatibility/2006" xmlns:a14="http://schemas.microsoft.com/office/drawing/2010/main">
+        <mc:Choice Requires="a14">
           <p:sp>
             <p:nvSpPr>
               <p:cNvPr id="3" name="Content Placeholder 2">
@@ -6519,7 +6580,7 @@
             </p:txBody>
           </p:sp>
         </mc:Choice>
-        <mc:Fallback>
+        <mc:Fallback xmlns="">
           <p:sp>
             <p:nvSpPr>
               <p:cNvPr id="3" name="Content Placeholder 2">
@@ -7872,8 +7933,8 @@
           </a:p>
         </p:txBody>
       </p:sp>
-      <mc:AlternateContent xmlns:mc="http://schemas.openxmlformats.org/markup-compatibility/2006">
-        <mc:Choice xmlns:a14="http://schemas.microsoft.com/office/drawing/2010/main" Requires="a14">
+      <mc:AlternateContent xmlns:mc="http://schemas.openxmlformats.org/markup-compatibility/2006" xmlns:a14="http://schemas.microsoft.com/office/drawing/2010/main">
+        <mc:Choice Requires="a14">
           <p:sp>
             <p:nvSpPr>
               <p:cNvPr id="3" name="Content Placeholder 2">
@@ -7988,7 +8049,13 @@
                                 <a:rPr lang="en-US" b="0" i="1" smtClean="0">
                                   <a:latin typeface="Cambria Math" panose="02040503050406030204" pitchFamily="18" charset="0"/>
                                 </a:rPr>
-                                <m:t>−1</m:t>
+                                <m:t>−</m:t>
+                              </m:r>
+                              <m:r>
+                                <a:rPr lang="en-US" b="0" i="1" smtClean="0">
+                                  <a:latin typeface="Cambria Math" panose="02040503050406030204" pitchFamily="18" charset="0"/>
+                                </a:rPr>
+                                <m:t>1</m:t>
                               </m:r>
                             </m:sub>
                           </m:sSub>
@@ -8170,7 +8237,13 @@
                                 <a:rPr lang="en-US" b="0" i="1" smtClean="0">
                                   <a:latin typeface="Cambria Math" panose="02040503050406030204" pitchFamily="18" charset="0"/>
                                 </a:rPr>
-                                <m:t>−1</m:t>
+                                <m:t>−</m:t>
+                              </m:r>
+                              <m:r>
+                                <a:rPr lang="en-US" b="0" i="1" smtClean="0">
+                                  <a:latin typeface="Cambria Math" panose="02040503050406030204" pitchFamily="18" charset="0"/>
+                                </a:rPr>
+                                <m:t>1</m:t>
                               </m:r>
                             </m:sub>
                           </m:sSub>
@@ -8585,7 +8658,7 @@
             </p:txBody>
           </p:sp>
         </mc:Choice>
-        <mc:Fallback>
+        <mc:Fallback xmlns="">
           <p:sp>
             <p:nvSpPr>
               <p:cNvPr id="3" name="Content Placeholder 2">
@@ -8962,6 +9035,5638 @@
     <p:extLst>
       <p:ext uri="{BB962C8B-B14F-4D97-AF65-F5344CB8AC3E}">
         <p14:creationId xmlns:p14="http://schemas.microsoft.com/office/powerpoint/2010/main" val="1645578039"/>
+      </p:ext>
+    </p:extLst>
+  </p:cSld>
+  <p:clrMapOvr>
+    <a:masterClrMapping/>
+  </p:clrMapOvr>
+</p:sld>
+</file>
+
+<file path=ppt/slides/slide23.xml><?xml version="1.0" encoding="utf-8"?>
+<p:sld xmlns:a="http://schemas.openxmlformats.org/drawingml/2006/main" xmlns:r="http://schemas.openxmlformats.org/officeDocument/2006/relationships" xmlns:p="http://schemas.openxmlformats.org/presentationml/2006/main">
+  <p:cSld>
+    <p:spTree>
+      <p:nvGrpSpPr>
+        <p:cNvPr id="1" name=""/>
+        <p:cNvGrpSpPr/>
+        <p:nvPr/>
+      </p:nvGrpSpPr>
+      <p:grpSpPr>
+        <a:xfrm>
+          <a:off x="0" y="0"/>
+          <a:ext cx="0" cy="0"/>
+          <a:chOff x="0" y="0"/>
+          <a:chExt cx="0" cy="0"/>
+        </a:xfrm>
+      </p:grpSpPr>
+      <p:sp>
+        <p:nvSpPr>
+          <p:cNvPr id="2" name="Title 1">
+            <a:extLst>
+              <a:ext uri="{FF2B5EF4-FFF2-40B4-BE49-F238E27FC236}">
+                <a16:creationId xmlns:a16="http://schemas.microsoft.com/office/drawing/2014/main" id="{7C8038A2-A527-B3AD-95EF-297E9675B47F}"/>
+              </a:ext>
+            </a:extLst>
+          </p:cNvPr>
+          <p:cNvSpPr>
+            <a:spLocks noGrp="1"/>
+          </p:cNvSpPr>
+          <p:nvPr>
+            <p:ph type="title"/>
+          </p:nvPr>
+        </p:nvSpPr>
+        <p:spPr/>
+        <p:txBody>
+          <a:bodyPr/>
+          <a:lstStyle/>
+          <a:p>
+            <a:r>
+              <a:rPr lang="en-US" dirty="0"/>
+              <a:t>Algorithm</a:t>
+            </a:r>
+            <a:endParaRPr lang="en-IL" dirty="0"/>
+          </a:p>
+        </p:txBody>
+      </p:sp>
+      <mc:AlternateContent xmlns:mc="http://schemas.openxmlformats.org/markup-compatibility/2006">
+        <mc:Choice xmlns:a14="http://schemas.microsoft.com/office/drawing/2010/main" Requires="a14">
+          <p:sp>
+            <p:nvSpPr>
+              <p:cNvPr id="3" name="Content Placeholder 2">
+                <a:extLst>
+                  <a:ext uri="{FF2B5EF4-FFF2-40B4-BE49-F238E27FC236}">
+                    <a16:creationId xmlns:a16="http://schemas.microsoft.com/office/drawing/2014/main" id="{89EA4F58-686D-F60E-3CE5-FADA3373758B}"/>
+                  </a:ext>
+                </a:extLst>
+              </p:cNvPr>
+              <p:cNvSpPr>
+                <a:spLocks noGrp="1"/>
+              </p:cNvSpPr>
+              <p:nvPr>
+                <p:ph idx="1"/>
+              </p:nvPr>
+            </p:nvSpPr>
+            <p:spPr/>
+            <p:txBody>
+              <a:bodyPr/>
+              <a:lstStyle/>
+              <a:p>
+                <a:pPr marL="0" indent="0">
+                  <a:buNone/>
+                </a:pPr>
+                <a:r>
+                  <a:rPr lang="en-US" dirty="0"/>
+                  <a:t>We assume that the marginal distribution </a:t>
+                </a:r>
+                <a14:m>
+                  <m:oMath xmlns:m="http://schemas.openxmlformats.org/officeDocument/2006/math">
+                    <m:sSubSup>
+                      <m:sSubSupPr>
+                        <m:ctrlPr>
+                          <a:rPr lang="en-US" b="0" i="1" smtClean="0">
+                            <a:latin typeface="Cambria Math" panose="02040503050406030204" pitchFamily="18" charset="0"/>
+                          </a:rPr>
+                        </m:ctrlPr>
+                      </m:sSubSupPr>
+                      <m:e>
+                        <m:r>
+                          <a:rPr lang="en-US" b="0" i="1" smtClean="0">
+                            <a:latin typeface="Cambria Math" panose="02040503050406030204" pitchFamily="18" charset="0"/>
+                          </a:rPr>
+                          <m:t>ℚ</m:t>
+                        </m:r>
+                      </m:e>
+                      <m:sub>
+                        <m:sSub>
+                          <m:sSubPr>
+                            <m:ctrlPr>
+                              <a:rPr lang="en-US" b="0" i="1" smtClean="0">
+                                <a:latin typeface="Cambria Math" panose="02040503050406030204" pitchFamily="18" charset="0"/>
+                              </a:rPr>
+                            </m:ctrlPr>
+                          </m:sSubPr>
+                          <m:e>
+                            <m:r>
+                              <a:rPr lang="en-US" b="0" i="1" smtClean="0">
+                                <a:latin typeface="Cambria Math" panose="02040503050406030204" pitchFamily="18" charset="0"/>
+                              </a:rPr>
+                              <m:t>𝑥</m:t>
+                            </m:r>
+                          </m:e>
+                          <m:sub>
+                            <m:r>
+                              <a:rPr lang="en-US" b="0" i="1" smtClean="0">
+                                <a:latin typeface="Cambria Math" panose="02040503050406030204" pitchFamily="18" charset="0"/>
+                              </a:rPr>
+                              <m:t>0</m:t>
+                            </m:r>
+                          </m:sub>
+                        </m:sSub>
+                      </m:sub>
+                      <m:sup>
+                        <m:r>
+                          <a:rPr lang="en-US" b="0" i="1" smtClean="0">
+                            <a:latin typeface="Cambria Math" panose="02040503050406030204" pitchFamily="18" charset="0"/>
+                          </a:rPr>
+                          <m:t>∗</m:t>
+                        </m:r>
+                      </m:sup>
+                    </m:sSubSup>
+                  </m:oMath>
+                </a14:m>
+                <a:r>
+                  <a:rPr lang="en-US" dirty="0"/>
+                  <a:t> equals </a:t>
+                </a:r>
+                <a14:m>
+                  <m:oMath xmlns:m="http://schemas.openxmlformats.org/officeDocument/2006/math">
+                    <m:sSub>
+                      <m:sSubPr>
+                        <m:ctrlPr>
+                          <a:rPr lang="en-US" b="0" i="1" smtClean="0">
+                            <a:latin typeface="Cambria Math" panose="02040503050406030204" pitchFamily="18" charset="0"/>
+                          </a:rPr>
+                        </m:ctrlPr>
+                      </m:sSubPr>
+                      <m:e>
+                        <m:r>
+                          <a:rPr lang="en-US" b="0" i="1" smtClean="0">
+                            <a:latin typeface="Cambria Math" panose="02040503050406030204" pitchFamily="18" charset="0"/>
+                          </a:rPr>
+                          <m:t>ℙ</m:t>
+                        </m:r>
+                      </m:e>
+                      <m:sub>
+                        <m:sSub>
+                          <m:sSubPr>
+                            <m:ctrlPr>
+                              <a:rPr lang="en-US" b="0" i="1" smtClean="0">
+                                <a:latin typeface="Cambria Math" panose="02040503050406030204" pitchFamily="18" charset="0"/>
+                              </a:rPr>
+                            </m:ctrlPr>
+                          </m:sSubPr>
+                          <m:e>
+                            <m:r>
+                              <a:rPr lang="en-US" b="0" i="1" smtClean="0">
+                                <a:latin typeface="Cambria Math" panose="02040503050406030204" pitchFamily="18" charset="0"/>
+                              </a:rPr>
+                              <m:t>𝑥</m:t>
+                            </m:r>
+                          </m:e>
+                          <m:sub>
+                            <m:r>
+                              <a:rPr lang="en-US" b="0" i="1" smtClean="0">
+                                <a:latin typeface="Cambria Math" panose="02040503050406030204" pitchFamily="18" charset="0"/>
+                              </a:rPr>
+                              <m:t>0</m:t>
+                            </m:r>
+                          </m:sub>
+                        </m:sSub>
+                      </m:sub>
+                    </m:sSub>
+                  </m:oMath>
+                </a14:m>
+                <a:r>
+                  <a:rPr lang="en-US" dirty="0"/>
+                  <a:t> - that is</a:t>
+                </a:r>
+                <a:br>
+                  <a:rPr lang="en-US" dirty="0"/>
+                </a:br>
+                <a:r>
+                  <a:rPr lang="en-US" dirty="0"/>
+                  <a:t> </a:t>
+                </a:r>
+                <a14:m>
+                  <m:oMath xmlns:m="http://schemas.openxmlformats.org/officeDocument/2006/math">
+                    <m:sSubSup>
+                      <m:sSubSupPr>
+                        <m:ctrlPr>
+                          <a:rPr lang="en-US" b="0" i="1" smtClean="0">
+                            <a:latin typeface="Cambria Math" panose="02040503050406030204" pitchFamily="18" charset="0"/>
+                          </a:rPr>
+                        </m:ctrlPr>
+                      </m:sSubSupPr>
+                      <m:e>
+                        <m:r>
+                          <a:rPr lang="en-US" b="0" i="1" smtClean="0">
+                            <a:latin typeface="Cambria Math" panose="02040503050406030204" pitchFamily="18" charset="0"/>
+                          </a:rPr>
+                          <m:t>ℚ</m:t>
+                        </m:r>
+                      </m:e>
+                      <m:sub>
+                        <m:sSub>
+                          <m:sSubPr>
+                            <m:ctrlPr>
+                              <a:rPr lang="en-US" b="0" i="1" smtClean="0">
+                                <a:latin typeface="Cambria Math" panose="02040503050406030204" pitchFamily="18" charset="0"/>
+                              </a:rPr>
+                            </m:ctrlPr>
+                          </m:sSubPr>
+                          <m:e>
+                            <m:r>
+                              <a:rPr lang="en-US" b="0" i="1" smtClean="0">
+                                <a:latin typeface="Cambria Math" panose="02040503050406030204" pitchFamily="18" charset="0"/>
+                              </a:rPr>
+                              <m:t>𝑥</m:t>
+                            </m:r>
+                          </m:e>
+                          <m:sub>
+                            <m:r>
+                              <a:rPr lang="en-US" b="0" i="1" smtClean="0">
+                                <a:latin typeface="Cambria Math" panose="02040503050406030204" pitchFamily="18" charset="0"/>
+                              </a:rPr>
+                              <m:t>0</m:t>
+                            </m:r>
+                          </m:sub>
+                        </m:sSub>
+                      </m:sub>
+                      <m:sup>
+                        <m:r>
+                          <a:rPr lang="en-US" b="0" i="1" smtClean="0">
+                            <a:latin typeface="Cambria Math" panose="02040503050406030204" pitchFamily="18" charset="0"/>
+                          </a:rPr>
+                          <m:t>∗</m:t>
+                        </m:r>
+                      </m:sup>
+                    </m:sSubSup>
+                    <m:r>
+                      <a:rPr lang="en-US" b="0" i="1" smtClean="0">
+                        <a:latin typeface="Cambria Math" panose="02040503050406030204" pitchFamily="18" charset="0"/>
+                      </a:rPr>
+                      <m:t>=</m:t>
+                    </m:r>
+                    <m:r>
+                      <a:rPr lang="en-US" b="0" i="1" smtClean="0">
+                        <a:latin typeface="Cambria Math" panose="02040503050406030204" pitchFamily="18" charset="0"/>
+                      </a:rPr>
+                      <m:t>𝒩</m:t>
+                    </m:r>
+                    <m:d>
+                      <m:dPr>
+                        <m:ctrlPr>
+                          <a:rPr lang="en-US" b="0" i="1" smtClean="0">
+                            <a:latin typeface="Cambria Math" panose="02040503050406030204" pitchFamily="18" charset="0"/>
+                          </a:rPr>
+                        </m:ctrlPr>
+                      </m:dPr>
+                      <m:e>
+                        <m:acc>
+                          <m:accPr>
+                            <m:chr m:val="̂"/>
+                            <m:ctrlPr>
+                              <a:rPr lang="en-US" b="0" i="1" smtClean="0">
+                                <a:latin typeface="Cambria Math" panose="02040503050406030204" pitchFamily="18" charset="0"/>
+                              </a:rPr>
+                            </m:ctrlPr>
+                          </m:accPr>
+                          <m:e>
+                            <m:sSub>
+                              <m:sSubPr>
+                                <m:ctrlPr>
+                                  <a:rPr lang="en-US" b="0" i="1" smtClean="0">
+                                    <a:latin typeface="Cambria Math" panose="02040503050406030204" pitchFamily="18" charset="0"/>
+                                  </a:rPr>
+                                </m:ctrlPr>
+                              </m:sSubPr>
+                              <m:e>
+                                <m:r>
+                                  <a:rPr lang="en-US" b="0" i="1" smtClean="0">
+                                    <a:latin typeface="Cambria Math" panose="02040503050406030204" pitchFamily="18" charset="0"/>
+                                  </a:rPr>
+                                  <m:t>𝑥</m:t>
+                                </m:r>
+                              </m:e>
+                              <m:sub>
+                                <m:r>
+                                  <a:rPr lang="en-US" b="0" i="1" smtClean="0">
+                                    <a:latin typeface="Cambria Math" panose="02040503050406030204" pitchFamily="18" charset="0"/>
+                                  </a:rPr>
+                                  <m:t>0</m:t>
+                                </m:r>
+                              </m:sub>
+                            </m:sSub>
+                          </m:e>
+                        </m:acc>
+                        <m:r>
+                          <a:rPr lang="en-US" b="0" i="1" dirty="0" smtClean="0">
+                            <a:latin typeface="Cambria Math" panose="02040503050406030204" pitchFamily="18" charset="0"/>
+                          </a:rPr>
+                          <m:t>, </m:t>
+                        </m:r>
+                        <m:sSub>
+                          <m:sSubPr>
+                            <m:ctrlPr>
+                              <a:rPr lang="en-US" b="0" i="1" dirty="0" smtClean="0">
+                                <a:latin typeface="Cambria Math" panose="02040503050406030204" pitchFamily="18" charset="0"/>
+                              </a:rPr>
+                            </m:ctrlPr>
+                          </m:sSubPr>
+                          <m:e>
+                            <m:r>
+                              <a:rPr lang="en-US" b="0" i="1" dirty="0" smtClean="0">
+                                <a:latin typeface="Cambria Math" panose="02040503050406030204" pitchFamily="18" charset="0"/>
+                              </a:rPr>
+                              <m:t>𝑉</m:t>
+                            </m:r>
+                          </m:e>
+                          <m:sub>
+                            <m:r>
+                              <a:rPr lang="en-US" b="0" i="1" dirty="0" smtClean="0">
+                                <a:latin typeface="Cambria Math" panose="02040503050406030204" pitchFamily="18" charset="0"/>
+                              </a:rPr>
+                              <m:t>0</m:t>
+                            </m:r>
+                          </m:sub>
+                        </m:sSub>
+                      </m:e>
+                    </m:d>
+                  </m:oMath>
+                </a14:m>
+                <a:r>
+                  <a:rPr lang="en-US" dirty="0"/>
+                  <a:t>.</a:t>
+                </a:r>
+              </a:p>
+              <a:p>
+                <a:pPr marL="0" indent="0">
+                  <a:buNone/>
+                </a:pPr>
+                <a:endParaRPr lang="en-US" dirty="0"/>
+              </a:p>
+              <a:p>
+                <a:pPr marL="0" indent="0">
+                  <a:buNone/>
+                </a:pPr>
+                <a:r>
+                  <a:rPr lang="en-US" dirty="0"/>
+                  <a:t>Next, fix any </a:t>
+                </a:r>
+                <a14:m>
+                  <m:oMath xmlns:m="http://schemas.openxmlformats.org/officeDocument/2006/math">
+                    <m:r>
+                      <m:rPr>
+                        <m:sty m:val="p"/>
+                      </m:rPr>
+                      <a:rPr lang="en-US" b="0" i="0" dirty="0" smtClean="0">
+                        <a:latin typeface="Cambria Math" panose="02040503050406030204" pitchFamily="18" charset="0"/>
+                      </a:rPr>
+                      <m:t>t</m:t>
+                    </m:r>
+                    <m:r>
+                      <a:rPr lang="en-US" i="1" dirty="0" smtClean="0">
+                        <a:latin typeface="Cambria Math" panose="02040503050406030204" pitchFamily="18" charset="0"/>
+                      </a:rPr>
+                      <m:t> ∈</m:t>
+                    </m:r>
+                    <m:r>
+                      <a:rPr lang="en-US" b="0" i="1" dirty="0" smtClean="0">
+                        <a:latin typeface="Cambria Math" panose="02040503050406030204" pitchFamily="18" charset="0"/>
+                      </a:rPr>
+                      <m:t>ℕ</m:t>
+                    </m:r>
+                  </m:oMath>
+                </a14:m>
+                <a:r>
+                  <a:rPr lang="en-US" dirty="0"/>
+                  <a:t> and assume that the conditional distribution </a:t>
+                </a:r>
+                <a14:m>
+                  <m:oMath xmlns:m="http://schemas.openxmlformats.org/officeDocument/2006/math">
+                    <m:sSubSup>
+                      <m:sSubSupPr>
+                        <m:ctrlPr>
+                          <a:rPr lang="en-US" b="0" i="1" dirty="0" smtClean="0">
+                            <a:latin typeface="Cambria Math" panose="02040503050406030204" pitchFamily="18" charset="0"/>
+                          </a:rPr>
+                        </m:ctrlPr>
+                      </m:sSubSupPr>
+                      <m:e>
+                        <m:r>
+                          <a:rPr lang="en-US" i="1" dirty="0" smtClean="0">
+                            <a:latin typeface="Cambria Math" panose="02040503050406030204" pitchFamily="18" charset="0"/>
+                          </a:rPr>
+                          <m:t>𝑄</m:t>
+                        </m:r>
+                      </m:e>
+                      <m:sub>
+                        <m:sSub>
+                          <m:sSubPr>
+                            <m:ctrlPr>
+                              <a:rPr lang="en-US" b="0" i="1" dirty="0" smtClean="0">
+                                <a:latin typeface="Cambria Math" panose="02040503050406030204" pitchFamily="18" charset="0"/>
+                              </a:rPr>
+                            </m:ctrlPr>
+                          </m:sSubPr>
+                          <m:e>
+                            <m:r>
+                              <a:rPr lang="en-US" i="1" dirty="0" smtClean="0">
+                                <a:latin typeface="Cambria Math" panose="02040503050406030204" pitchFamily="18" charset="0"/>
+                              </a:rPr>
+                              <m:t>𝑥</m:t>
+                            </m:r>
+                          </m:e>
+                          <m:sub>
+                            <m:r>
+                              <a:rPr lang="en-US" i="1" dirty="0" smtClean="0">
+                                <a:latin typeface="Cambria Math" panose="02040503050406030204" pitchFamily="18" charset="0"/>
+                              </a:rPr>
+                              <m:t>𝑡</m:t>
+                            </m:r>
+                            <m:r>
+                              <a:rPr lang="en-US" b="0" i="1" dirty="0" smtClean="0">
+                                <a:latin typeface="Cambria Math" panose="02040503050406030204" pitchFamily="18" charset="0"/>
+                              </a:rPr>
+                              <m:t>−1</m:t>
+                            </m:r>
+                          </m:sub>
+                        </m:sSub>
+                        <m:r>
+                          <a:rPr lang="en-US" b="0" i="1" dirty="0" smtClean="0">
+                            <a:latin typeface="Cambria Math" panose="02040503050406030204" pitchFamily="18" charset="0"/>
+                          </a:rPr>
+                          <m:t>| </m:t>
+                        </m:r>
+                        <m:sSub>
+                          <m:sSubPr>
+                            <m:ctrlPr>
+                              <a:rPr lang="en-US" b="0" i="1" dirty="0" smtClean="0">
+                                <a:latin typeface="Cambria Math" panose="02040503050406030204" pitchFamily="18" charset="0"/>
+                              </a:rPr>
+                            </m:ctrlPr>
+                          </m:sSubPr>
+                          <m:e>
+                            <m:r>
+                              <a:rPr lang="en-US" b="0" i="1" dirty="0" smtClean="0">
+                                <a:latin typeface="Cambria Math" panose="02040503050406030204" pitchFamily="18" charset="0"/>
+                              </a:rPr>
+                              <m:t>𝑌</m:t>
+                            </m:r>
+                          </m:e>
+                          <m:sub>
+                            <m:r>
+                              <a:rPr lang="en-US" b="0" i="1" dirty="0" smtClean="0">
+                                <a:latin typeface="Cambria Math" panose="02040503050406030204" pitchFamily="18" charset="0"/>
+                              </a:rPr>
+                              <m:t>𝑡</m:t>
+                            </m:r>
+                          </m:sub>
+                        </m:sSub>
+                        <m:r>
+                          <a:rPr lang="en-US" b="0" i="1" dirty="0" smtClean="0">
+                            <a:latin typeface="Cambria Math" panose="02040503050406030204" pitchFamily="18" charset="0"/>
+                          </a:rPr>
+                          <m:t>−1 </m:t>
+                        </m:r>
+                      </m:sub>
+                      <m:sup>
+                        <m:r>
+                          <a:rPr lang="en-US" b="0" i="1" dirty="0" smtClean="0">
+                            <a:latin typeface="Cambria Math" panose="02040503050406030204" pitchFamily="18" charset="0"/>
+                          </a:rPr>
+                          <m:t>∗</m:t>
+                        </m:r>
+                      </m:sup>
+                    </m:sSubSup>
+                  </m:oMath>
+                </a14:m>
+                <a:r>
+                  <a:rPr lang="en-US" i="0" dirty="0">
+                    <a:latin typeface="+mj-lt"/>
+                  </a:rPr>
+                  <a:t> </a:t>
+                </a:r>
+                <a:r>
+                  <a:rPr lang="en-US" dirty="0"/>
+                  <a:t>of</a:t>
+                </a:r>
+                <a14:m>
+                  <m:oMath xmlns:m="http://schemas.openxmlformats.org/officeDocument/2006/math">
+                    <m:r>
+                      <a:rPr lang="en-US" i="1" dirty="0" smtClean="0">
+                        <a:latin typeface="Cambria Math" panose="02040503050406030204" pitchFamily="18" charset="0"/>
+                      </a:rPr>
+                      <m:t> </m:t>
+                    </m:r>
+                    <m:sSub>
+                      <m:sSubPr>
+                        <m:ctrlPr>
+                          <a:rPr lang="en-US" b="0" i="1" dirty="0" smtClean="0">
+                            <a:latin typeface="Cambria Math" panose="02040503050406030204" pitchFamily="18" charset="0"/>
+                          </a:rPr>
+                        </m:ctrlPr>
+                      </m:sSubPr>
+                      <m:e>
+                        <m:r>
+                          <a:rPr lang="en-US" i="1" dirty="0" smtClean="0">
+                            <a:latin typeface="Cambria Math" panose="02040503050406030204" pitchFamily="18" charset="0"/>
+                          </a:rPr>
+                          <m:t>𝑥</m:t>
+                        </m:r>
+                      </m:e>
+                      <m:sub>
+                        <m:r>
+                          <a:rPr lang="en-US" i="1" dirty="0" smtClean="0">
+                            <a:latin typeface="Cambria Math" panose="02040503050406030204" pitchFamily="18" charset="0"/>
+                          </a:rPr>
+                          <m:t>𝑡</m:t>
+                        </m:r>
+                        <m:r>
+                          <a:rPr lang="en-US" i="1" dirty="0" smtClean="0">
+                            <a:latin typeface="Cambria Math" panose="02040503050406030204" pitchFamily="18" charset="0"/>
+                          </a:rPr>
+                          <m:t>−1</m:t>
+                        </m:r>
+                      </m:sub>
+                    </m:sSub>
+                  </m:oMath>
+                </a14:m>
+                <a:r>
+                  <a:rPr lang="en-US" dirty="0"/>
+                  <a:t> given </a:t>
+                </a:r>
+                <a14:m>
+                  <m:oMath xmlns:m="http://schemas.openxmlformats.org/officeDocument/2006/math">
+                    <m:sSub>
+                      <m:sSubPr>
+                        <m:ctrlPr>
+                          <a:rPr lang="en-US" b="0" i="1" dirty="0" smtClean="0">
+                            <a:latin typeface="Cambria Math" panose="02040503050406030204" pitchFamily="18" charset="0"/>
+                          </a:rPr>
+                        </m:ctrlPr>
+                      </m:sSubPr>
+                      <m:e>
+                        <m:r>
+                          <a:rPr lang="en-US" i="1" dirty="0" smtClean="0">
+                            <a:latin typeface="Cambria Math" panose="02040503050406030204" pitchFamily="18" charset="0"/>
+                          </a:rPr>
+                          <m:t>𝑌</m:t>
+                        </m:r>
+                      </m:e>
+                      <m:sub>
+                        <m:r>
+                          <a:rPr lang="en-US" i="1" dirty="0" smtClean="0">
+                            <a:latin typeface="Cambria Math" panose="02040503050406030204" pitchFamily="18" charset="0"/>
+                          </a:rPr>
+                          <m:t>𝑡</m:t>
+                        </m:r>
+                        <m:r>
+                          <a:rPr lang="en-US" i="1" dirty="0" smtClean="0">
+                            <a:latin typeface="Cambria Math" panose="02040503050406030204" pitchFamily="18" charset="0"/>
+                          </a:rPr>
+                          <m:t>−1</m:t>
+                        </m:r>
+                      </m:sub>
+                    </m:sSub>
+                  </m:oMath>
+                </a14:m>
+                <a:r>
+                  <a:rPr lang="en-US" dirty="0"/>
+                  <a:t> under </a:t>
+                </a:r>
+                <a14:m>
+                  <m:oMath xmlns:m="http://schemas.openxmlformats.org/officeDocument/2006/math">
+                    <m:sSup>
+                      <m:sSupPr>
+                        <m:ctrlPr>
+                          <a:rPr lang="en-US" b="0" i="1" dirty="0" smtClean="0">
+                            <a:latin typeface="Cambria Math" panose="02040503050406030204" pitchFamily="18" charset="0"/>
+                          </a:rPr>
+                        </m:ctrlPr>
+                      </m:sSupPr>
+                      <m:e>
+                        <m:r>
+                          <a:rPr lang="en-US" b="0" i="1" dirty="0" smtClean="0">
+                            <a:latin typeface="Cambria Math" panose="02040503050406030204" pitchFamily="18" charset="0"/>
+                          </a:rPr>
+                          <m:t>ℚ</m:t>
+                        </m:r>
+                      </m:e>
+                      <m:sup>
+                        <m:r>
+                          <a:rPr lang="en-US" b="0" i="1" dirty="0" smtClean="0">
+                            <a:latin typeface="Cambria Math" panose="02040503050406030204" pitchFamily="18" charset="0"/>
+                          </a:rPr>
+                          <m:t>∗</m:t>
+                        </m:r>
+                      </m:sup>
+                    </m:sSup>
+                  </m:oMath>
+                </a14:m>
+                <a:r>
+                  <a:rPr lang="en-US" dirty="0"/>
+                  <a:t> has already been computed as </a:t>
+                </a:r>
+                <a14:m>
+                  <m:oMath xmlns:m="http://schemas.openxmlformats.org/officeDocument/2006/math">
+                    <m:sSubSup>
+                      <m:sSubSupPr>
+                        <m:ctrlPr>
+                          <a:rPr lang="en-US" b="0" i="1" dirty="0" smtClean="0">
+                            <a:latin typeface="Cambria Math" panose="02040503050406030204" pitchFamily="18" charset="0"/>
+                          </a:rPr>
+                        </m:ctrlPr>
+                      </m:sSubSupPr>
+                      <m:e>
+                        <m:r>
+                          <a:rPr lang="en-US" i="1" dirty="0" smtClean="0">
+                            <a:latin typeface="Cambria Math" panose="02040503050406030204" pitchFamily="18" charset="0"/>
+                          </a:rPr>
+                          <m:t>𝑄</m:t>
+                        </m:r>
+                      </m:e>
+                      <m:sub>
+                        <m:sSub>
+                          <m:sSubPr>
+                            <m:ctrlPr>
+                              <a:rPr lang="en-US" b="0" i="1" dirty="0" smtClean="0">
+                                <a:latin typeface="Cambria Math" panose="02040503050406030204" pitchFamily="18" charset="0"/>
+                              </a:rPr>
+                            </m:ctrlPr>
+                          </m:sSubPr>
+                          <m:e>
+                            <m:r>
+                              <a:rPr lang="en-US" b="0" i="1" dirty="0" smtClean="0">
+                                <a:latin typeface="Cambria Math" panose="02040503050406030204" pitchFamily="18" charset="0"/>
+                              </a:rPr>
+                              <m:t>𝑥</m:t>
+                            </m:r>
+                          </m:e>
+                          <m:sub>
+                            <m:r>
+                              <a:rPr lang="en-US" b="0" i="1" dirty="0" smtClean="0">
+                                <a:latin typeface="Cambria Math" panose="02040503050406030204" pitchFamily="18" charset="0"/>
+                              </a:rPr>
+                              <m:t>𝑡</m:t>
+                            </m:r>
+                            <m:r>
+                              <a:rPr lang="en-US" b="0" i="1" dirty="0" smtClean="0">
+                                <a:latin typeface="Cambria Math" panose="02040503050406030204" pitchFamily="18" charset="0"/>
+                              </a:rPr>
+                              <m:t>−1</m:t>
+                            </m:r>
+                          </m:sub>
+                        </m:sSub>
+                        <m:r>
+                          <a:rPr lang="en-US" b="0" i="1" dirty="0" smtClean="0">
+                            <a:latin typeface="Cambria Math" panose="02040503050406030204" pitchFamily="18" charset="0"/>
+                          </a:rPr>
+                          <m:t>|</m:t>
+                        </m:r>
+                        <m:sSub>
+                          <m:sSubPr>
+                            <m:ctrlPr>
+                              <a:rPr lang="en-US" b="0" i="1" dirty="0" smtClean="0">
+                                <a:latin typeface="Cambria Math" panose="02040503050406030204" pitchFamily="18" charset="0"/>
+                              </a:rPr>
+                            </m:ctrlPr>
+                          </m:sSubPr>
+                          <m:e>
+                            <m:r>
+                              <a:rPr lang="en-US" b="0" i="1" dirty="0" smtClean="0">
+                                <a:latin typeface="Cambria Math" panose="02040503050406030204" pitchFamily="18" charset="0"/>
+                              </a:rPr>
+                              <m:t>𝑌</m:t>
+                            </m:r>
+                          </m:e>
+                          <m:sub>
+                            <m:r>
+                              <a:rPr lang="en-US" b="0" i="1" dirty="0" smtClean="0">
+                                <a:latin typeface="Cambria Math" panose="02040503050406030204" pitchFamily="18" charset="0"/>
+                              </a:rPr>
+                              <m:t>𝑡</m:t>
+                            </m:r>
+                            <m:r>
+                              <a:rPr lang="en-US" b="0" i="1" dirty="0" smtClean="0">
+                                <a:latin typeface="Cambria Math" panose="02040503050406030204" pitchFamily="18" charset="0"/>
+                              </a:rPr>
+                              <m:t>−1</m:t>
+                            </m:r>
+                          </m:sub>
+                        </m:sSub>
+                      </m:sub>
+                      <m:sup>
+                        <m:r>
+                          <a:rPr lang="en-US" b="0" i="1" dirty="0" smtClean="0">
+                            <a:latin typeface="Cambria Math" panose="02040503050406030204" pitchFamily="18" charset="0"/>
+                          </a:rPr>
+                          <m:t>∗</m:t>
+                        </m:r>
+                      </m:sup>
+                    </m:sSubSup>
+                    <m:r>
+                      <a:rPr lang="en-US" i="1" dirty="0" smtClean="0">
+                        <a:latin typeface="Cambria Math" panose="02040503050406030204" pitchFamily="18" charset="0"/>
+                      </a:rPr>
+                      <m:t>=</m:t>
+                    </m:r>
+                    <m:sSub>
+                      <m:sSubPr>
+                        <m:ctrlPr>
+                          <a:rPr lang="en-US" b="0" i="1" dirty="0" smtClean="0">
+                            <a:latin typeface="Cambria Math" panose="02040503050406030204" pitchFamily="18" charset="0"/>
+                          </a:rPr>
+                        </m:ctrlPr>
+                      </m:sSubPr>
+                      <m:e>
+                        <m:r>
+                          <a:rPr lang="en-US" b="0" i="1" dirty="0" smtClean="0">
+                            <a:latin typeface="Cambria Math" panose="02040503050406030204" pitchFamily="18" charset="0"/>
+                          </a:rPr>
+                          <m:t>𝒩</m:t>
+                        </m:r>
+                      </m:e>
+                      <m:sub>
+                        <m:r>
+                          <a:rPr lang="en-US" b="0" i="1" dirty="0" smtClean="0">
+                            <a:latin typeface="Cambria Math" panose="02040503050406030204" pitchFamily="18" charset="0"/>
+                          </a:rPr>
+                          <m:t>𝑛</m:t>
+                        </m:r>
+                      </m:sub>
+                    </m:sSub>
+                    <m:r>
+                      <a:rPr lang="en-US" i="1" dirty="0" smtClean="0">
+                        <a:latin typeface="Cambria Math" panose="02040503050406030204" pitchFamily="18" charset="0"/>
+                      </a:rPr>
+                      <m:t>(</m:t>
+                    </m:r>
+                    <m:sSub>
+                      <m:sSubPr>
+                        <m:ctrlPr>
+                          <a:rPr lang="en-US" b="0" i="1" dirty="0" smtClean="0">
+                            <a:latin typeface="Cambria Math" panose="02040503050406030204" pitchFamily="18" charset="0"/>
+                          </a:rPr>
+                        </m:ctrlPr>
+                      </m:sSubPr>
+                      <m:e>
+                        <m:r>
+                          <a:rPr lang="en-US" i="1" dirty="0" smtClean="0">
+                            <a:latin typeface="Cambria Math" panose="02040503050406030204" pitchFamily="18" charset="0"/>
+                          </a:rPr>
+                          <m:t>𝑥</m:t>
+                        </m:r>
+                      </m:e>
+                      <m:sub>
+                        <m:r>
+                          <a:rPr lang="en-US" i="1" dirty="0" smtClean="0">
+                            <a:latin typeface="Cambria Math" panose="02040503050406030204" pitchFamily="18" charset="0"/>
+                          </a:rPr>
+                          <m:t>𝑡</m:t>
+                        </m:r>
+                        <m:r>
+                          <a:rPr lang="en-US" i="1" dirty="0" smtClean="0">
+                            <a:latin typeface="Cambria Math" panose="02040503050406030204" pitchFamily="18" charset="0"/>
+                          </a:rPr>
+                          <m:t>−1</m:t>
+                        </m:r>
+                      </m:sub>
+                    </m:sSub>
+                    <m:r>
+                      <a:rPr lang="en-US" i="1" dirty="0" smtClean="0">
+                        <a:latin typeface="Cambria Math" panose="02040503050406030204" pitchFamily="18" charset="0"/>
+                      </a:rPr>
+                      <m:t>, </m:t>
+                    </m:r>
+                    <m:sSub>
+                      <m:sSubPr>
+                        <m:ctrlPr>
+                          <a:rPr lang="en-US" b="0" i="1" dirty="0" smtClean="0">
+                            <a:latin typeface="Cambria Math" panose="02040503050406030204" pitchFamily="18" charset="0"/>
+                          </a:rPr>
+                        </m:ctrlPr>
+                      </m:sSubPr>
+                      <m:e>
+                        <m:r>
+                          <a:rPr lang="en-US" i="1" dirty="0" smtClean="0">
+                            <a:latin typeface="Cambria Math" panose="02040503050406030204" pitchFamily="18" charset="0"/>
+                          </a:rPr>
+                          <m:t>𝑉</m:t>
+                        </m:r>
+                      </m:e>
+                      <m:sub>
+                        <m:r>
+                          <a:rPr lang="en-US" i="1" dirty="0" smtClean="0">
+                            <a:latin typeface="Cambria Math" panose="02040503050406030204" pitchFamily="18" charset="0"/>
+                          </a:rPr>
+                          <m:t>𝑡</m:t>
+                        </m:r>
+                        <m:r>
+                          <a:rPr lang="en-US" i="1" dirty="0" smtClean="0">
+                            <a:latin typeface="Cambria Math" panose="02040503050406030204" pitchFamily="18" charset="0"/>
+                          </a:rPr>
+                          <m:t>−1</m:t>
+                        </m:r>
+                      </m:sub>
+                    </m:sSub>
+                    <m:r>
+                      <a:rPr lang="en-US" i="1" dirty="0" smtClean="0">
+                        <a:latin typeface="Cambria Math" panose="02040503050406030204" pitchFamily="18" charset="0"/>
+                      </a:rPr>
+                      <m:t>).</m:t>
+                    </m:r>
+                  </m:oMath>
+                </a14:m>
+                <a:endParaRPr lang="en-US" dirty="0"/>
+              </a:p>
+              <a:p>
+                <a:pPr marL="0" indent="0">
+                  <a:buNone/>
+                </a:pPr>
+                <a:endParaRPr lang="en-US" dirty="0"/>
+              </a:p>
+              <a:p>
+                <a:pPr marL="0" indent="0">
+                  <a:buNone/>
+                </a:pPr>
+                <a:r>
+                  <a:rPr lang="en-US" dirty="0"/>
+                  <a:t>The construction of </a:t>
+                </a:r>
+                <a14:m>
+                  <m:oMath xmlns:m="http://schemas.openxmlformats.org/officeDocument/2006/math">
+                    <m:sSup>
+                      <m:sSupPr>
+                        <m:ctrlPr>
+                          <a:rPr lang="en-US" b="0" i="1" dirty="0" smtClean="0">
+                            <a:latin typeface="Cambria Math" panose="02040503050406030204" pitchFamily="18" charset="0"/>
+                          </a:rPr>
+                        </m:ctrlPr>
+                      </m:sSupPr>
+                      <m:e>
+                        <m:r>
+                          <a:rPr lang="en-US" i="1" dirty="0" smtClean="0">
+                            <a:latin typeface="Cambria Math" panose="02040503050406030204" pitchFamily="18" charset="0"/>
+                          </a:rPr>
+                          <m:t>𝑄</m:t>
+                        </m:r>
+                      </m:e>
+                      <m:sup>
+                        <m:r>
+                          <a:rPr lang="en-US" b="0" i="1" dirty="0" smtClean="0">
+                            <a:latin typeface="Cambria Math" panose="02040503050406030204" pitchFamily="18" charset="0"/>
+                          </a:rPr>
+                          <m:t>∗</m:t>
+                        </m:r>
+                      </m:sup>
+                    </m:sSup>
+                    <m:d>
+                      <m:dPr>
+                        <m:ctrlPr>
+                          <a:rPr lang="en-US" b="0" i="1" dirty="0" smtClean="0">
+                            <a:latin typeface="Cambria Math" panose="02040503050406030204" pitchFamily="18" charset="0"/>
+                          </a:rPr>
+                        </m:ctrlPr>
+                      </m:dPr>
+                      <m:e>
+                        <m:sSub>
+                          <m:sSubPr>
+                            <m:ctrlPr>
+                              <a:rPr lang="en-US" b="0" i="1" dirty="0" smtClean="0">
+                                <a:latin typeface="Cambria Math" panose="02040503050406030204" pitchFamily="18" charset="0"/>
+                              </a:rPr>
+                            </m:ctrlPr>
+                          </m:sSubPr>
+                          <m:e>
+                            <m:r>
+                              <a:rPr lang="en-US" b="0" i="1" dirty="0" smtClean="0">
+                                <a:latin typeface="Cambria Math" panose="02040503050406030204" pitchFamily="18" charset="0"/>
+                              </a:rPr>
+                              <m:t>𝑥</m:t>
+                            </m:r>
+                          </m:e>
+                          <m:sub>
+                            <m:r>
+                              <a:rPr lang="en-US" b="0" i="1" dirty="0" smtClean="0">
+                                <a:latin typeface="Cambria Math" panose="02040503050406030204" pitchFamily="18" charset="0"/>
+                              </a:rPr>
+                              <m:t>𝑡</m:t>
+                            </m:r>
+                          </m:sub>
+                        </m:sSub>
+                      </m:e>
+                      <m:e>
+                        <m:sSub>
+                          <m:sSubPr>
+                            <m:ctrlPr>
+                              <a:rPr lang="en-US" b="0" i="1" dirty="0" smtClean="0">
+                                <a:latin typeface="Cambria Math" panose="02040503050406030204" pitchFamily="18" charset="0"/>
+                              </a:rPr>
+                            </m:ctrlPr>
+                          </m:sSubPr>
+                          <m:e>
+                            <m:r>
+                              <a:rPr lang="en-US" b="0" i="1" dirty="0" smtClean="0">
+                                <a:latin typeface="Cambria Math" panose="02040503050406030204" pitchFamily="18" charset="0"/>
+                              </a:rPr>
+                              <m:t>𝑌</m:t>
+                            </m:r>
+                          </m:e>
+                          <m:sub>
+                            <m:r>
+                              <a:rPr lang="en-US" b="0" i="1" dirty="0" smtClean="0">
+                                <a:latin typeface="Cambria Math" panose="02040503050406030204" pitchFamily="18" charset="0"/>
+                              </a:rPr>
+                              <m:t>𝑡</m:t>
+                            </m:r>
+                          </m:sub>
+                        </m:sSub>
+                      </m:e>
+                    </m:d>
+                  </m:oMath>
+                </a14:m>
+                <a:r>
+                  <a:rPr lang="en-US" dirty="0"/>
+                  <a:t>is then split into a prediction step and an update step.</a:t>
+                </a:r>
+              </a:p>
+              <a:p>
+                <a:pPr marL="0" indent="0">
+                  <a:buNone/>
+                </a:pPr>
+                <a:endParaRPr lang="en-IL" dirty="0"/>
+              </a:p>
+            </p:txBody>
+          </p:sp>
+        </mc:Choice>
+        <mc:Fallback>
+          <p:sp>
+            <p:nvSpPr>
+              <p:cNvPr id="3" name="Content Placeholder 2">
+                <a:extLst>
+                  <a:ext uri="{FF2B5EF4-FFF2-40B4-BE49-F238E27FC236}">
+                    <a16:creationId xmlns:a16="http://schemas.microsoft.com/office/drawing/2014/main" id="{89EA4F58-686D-F60E-3CE5-FADA3373758B}"/>
+                  </a:ext>
+                </a:extLst>
+              </p:cNvPr>
+              <p:cNvSpPr>
+                <a:spLocks noGrp="1" noRot="1" noChangeAspect="1" noMove="1" noResize="1" noEditPoints="1" noAdjustHandles="1" noChangeArrowheads="1" noChangeShapeType="1" noTextEdit="1"/>
+              </p:cNvSpPr>
+              <p:nvPr>
+                <p:ph idx="1"/>
+              </p:nvPr>
+            </p:nvSpPr>
+            <p:spPr>
+              <a:blipFill>
+                <a:blip r:embed="rId2"/>
+                <a:stretch>
+                  <a:fillRect l="-1217" t="-1961" r="-464" b="-980"/>
+                </a:stretch>
+              </a:blipFill>
+            </p:spPr>
+            <p:txBody>
+              <a:bodyPr/>
+              <a:lstStyle/>
+              <a:p>
+                <a:r>
+                  <a:rPr lang="en-IL">
+                    <a:noFill/>
+                  </a:rPr>
+                  <a:t> </a:t>
+                </a:r>
+              </a:p>
+            </p:txBody>
+          </p:sp>
+        </mc:Fallback>
+      </mc:AlternateContent>
+    </p:spTree>
+    <p:extLst>
+      <p:ext uri="{BB962C8B-B14F-4D97-AF65-F5344CB8AC3E}">
+        <p14:creationId xmlns:p14="http://schemas.microsoft.com/office/powerpoint/2010/main" val="625952243"/>
+      </p:ext>
+    </p:extLst>
+  </p:cSld>
+  <p:clrMapOvr>
+    <a:masterClrMapping/>
+  </p:clrMapOvr>
+  <p:timing>
+    <p:tnLst>
+      <p:par>
+        <p:cTn id="1" dur="indefinite" restart="never" nodeType="tmRoot">
+          <p:childTnLst>
+            <p:seq concurrent="1" nextAc="seek">
+              <p:cTn id="2" dur="indefinite" nodeType="mainSeq">
+                <p:childTnLst>
+                  <p:par>
+                    <p:cTn id="3" fill="hold">
+                      <p:stCondLst>
+                        <p:cond delay="indefinite"/>
+                      </p:stCondLst>
+                      <p:childTnLst>
+                        <p:par>
+                          <p:cTn id="4" fill="hold">
+                            <p:stCondLst>
+                              <p:cond delay="0"/>
+                            </p:stCondLst>
+                            <p:childTnLst>
+                              <p:par>
+                                <p:cTn id="5" presetID="1" presetClass="entr" presetSubtype="0" fill="hold" nodeType="clickEffect">
+                                  <p:stCondLst>
+                                    <p:cond delay="0"/>
+                                  </p:stCondLst>
+                                  <p:childTnLst>
+                                    <p:set>
+                                      <p:cBhvr>
+                                        <p:cTn id="6" dur="1" fill="hold">
+                                          <p:stCondLst>
+                                            <p:cond delay="0"/>
+                                          </p:stCondLst>
+                                        </p:cTn>
+                                        <p:tgtEl>
+                                          <p:spTgt spid="3">
+                                            <p:txEl>
+                                              <p:pRg st="2" end="2"/>
+                                            </p:txEl>
+                                          </p:spTgt>
+                                        </p:tgtEl>
+                                        <p:attrNameLst>
+                                          <p:attrName>style.visibility</p:attrName>
+                                        </p:attrNameLst>
+                                      </p:cBhvr>
+                                      <p:to>
+                                        <p:strVal val="visible"/>
+                                      </p:to>
+                                    </p:set>
+                                  </p:childTnLst>
+                                </p:cTn>
+                              </p:par>
+                            </p:childTnLst>
+                          </p:cTn>
+                        </p:par>
+                      </p:childTnLst>
+                    </p:cTn>
+                  </p:par>
+                  <p:par>
+                    <p:cTn id="7" fill="hold">
+                      <p:stCondLst>
+                        <p:cond delay="indefinite"/>
+                      </p:stCondLst>
+                      <p:childTnLst>
+                        <p:par>
+                          <p:cTn id="8" fill="hold">
+                            <p:stCondLst>
+                              <p:cond delay="0"/>
+                            </p:stCondLst>
+                            <p:childTnLst>
+                              <p:par>
+                                <p:cTn id="9" presetID="1" presetClass="entr" presetSubtype="0" fill="hold" nodeType="clickEffect">
+                                  <p:stCondLst>
+                                    <p:cond delay="0"/>
+                                  </p:stCondLst>
+                                  <p:childTnLst>
+                                    <p:set>
+                                      <p:cBhvr>
+                                        <p:cTn id="10" dur="1" fill="hold">
+                                          <p:stCondLst>
+                                            <p:cond delay="0"/>
+                                          </p:stCondLst>
+                                        </p:cTn>
+                                        <p:tgtEl>
+                                          <p:spTgt spid="3">
+                                            <p:txEl>
+                                              <p:pRg st="4" end="4"/>
+                                            </p:txEl>
+                                          </p:spTgt>
+                                        </p:tgtEl>
+                                        <p:attrNameLst>
+                                          <p:attrName>style.visibility</p:attrName>
+                                        </p:attrNameLst>
+                                      </p:cBhvr>
+                                      <p:to>
+                                        <p:strVal val="visible"/>
+                                      </p:to>
+                                    </p:set>
+                                  </p:childTnLst>
+                                </p:cTn>
+                              </p:par>
+                            </p:childTnLst>
+                          </p:cTn>
+                        </p:par>
+                      </p:childTnLst>
+                    </p:cTn>
+                  </p:par>
+                </p:childTnLst>
+              </p:cTn>
+              <p:prevCondLst>
+                <p:cond evt="onPrev" delay="0">
+                  <p:tgtEl>
+                    <p:sldTgt/>
+                  </p:tgtEl>
+                </p:cond>
+              </p:prevCondLst>
+              <p:nextCondLst>
+                <p:cond evt="onNext" delay="0">
+                  <p:tgtEl>
+                    <p:sldTgt/>
+                  </p:tgtEl>
+                </p:cond>
+              </p:nextCondLst>
+            </p:seq>
+          </p:childTnLst>
+        </p:cTn>
+      </p:par>
+    </p:tnLst>
+  </p:timing>
+</p:sld>
+</file>
+
+<file path=ppt/slides/slide24.xml><?xml version="1.0" encoding="utf-8"?>
+<p:sld xmlns:a="http://schemas.openxmlformats.org/drawingml/2006/main" xmlns:r="http://schemas.openxmlformats.org/officeDocument/2006/relationships" xmlns:p="http://schemas.openxmlformats.org/presentationml/2006/main">
+  <p:cSld>
+    <p:spTree>
+      <p:nvGrpSpPr>
+        <p:cNvPr id="1" name=""/>
+        <p:cNvGrpSpPr/>
+        <p:nvPr/>
+      </p:nvGrpSpPr>
+      <p:grpSpPr>
+        <a:xfrm>
+          <a:off x="0" y="0"/>
+          <a:ext cx="0" cy="0"/>
+          <a:chOff x="0" y="0"/>
+          <a:chExt cx="0" cy="0"/>
+        </a:xfrm>
+      </p:grpSpPr>
+      <p:sp>
+        <p:nvSpPr>
+          <p:cNvPr id="2" name="Title 1">
+            <a:extLst>
+              <a:ext uri="{FF2B5EF4-FFF2-40B4-BE49-F238E27FC236}">
+                <a16:creationId xmlns:a16="http://schemas.microsoft.com/office/drawing/2014/main" id="{0463F21D-BACE-537A-CE3F-3670E7C59D75}"/>
+              </a:ext>
+            </a:extLst>
+          </p:cNvPr>
+          <p:cNvSpPr>
+            <a:spLocks noGrp="1"/>
+          </p:cNvSpPr>
+          <p:nvPr>
+            <p:ph type="title"/>
+          </p:nvPr>
+        </p:nvSpPr>
+        <p:spPr/>
+        <p:txBody>
+          <a:bodyPr/>
+          <a:lstStyle/>
+          <a:p>
+            <a:r>
+              <a:rPr lang="en-US" dirty="0"/>
+              <a:t>Prediction step</a:t>
+            </a:r>
+            <a:endParaRPr lang="en-IL" dirty="0"/>
+          </a:p>
+        </p:txBody>
+      </p:sp>
+      <mc:AlternateContent xmlns:mc="http://schemas.openxmlformats.org/markup-compatibility/2006">
+        <mc:Choice xmlns:a14="http://schemas.microsoft.com/office/drawing/2010/main" Requires="a14">
+          <p:sp>
+            <p:nvSpPr>
+              <p:cNvPr id="3" name="Content Placeholder 2">
+                <a:extLst>
+                  <a:ext uri="{FF2B5EF4-FFF2-40B4-BE49-F238E27FC236}">
+                    <a16:creationId xmlns:a16="http://schemas.microsoft.com/office/drawing/2014/main" id="{610FB251-3A0A-87D0-803A-C8A7232B4151}"/>
+                  </a:ext>
+                </a:extLst>
+              </p:cNvPr>
+              <p:cNvSpPr>
+                <a:spLocks noGrp="1"/>
+              </p:cNvSpPr>
+              <p:nvPr>
+                <p:ph idx="1"/>
+              </p:nvPr>
+            </p:nvSpPr>
+            <p:spPr/>
+            <p:txBody>
+              <a:bodyPr/>
+              <a:lstStyle/>
+              <a:p>
+                <a:pPr marL="0" indent="0">
+                  <a:buNone/>
+                </a:pPr>
+                <a:r>
+                  <a:rPr lang="en-US" dirty="0"/>
+                  <a:t>The prediction step combines the previous state estimate </a:t>
+                </a:r>
+                <a14:m>
+                  <m:oMath xmlns:m="http://schemas.openxmlformats.org/officeDocument/2006/math">
+                    <m:sSubSup>
+                      <m:sSubSupPr>
+                        <m:ctrlPr>
+                          <a:rPr lang="en-US" b="0" i="1" dirty="0" smtClean="0">
+                            <a:latin typeface="Cambria Math" panose="02040503050406030204" pitchFamily="18" charset="0"/>
+                          </a:rPr>
+                        </m:ctrlPr>
+                      </m:sSubSupPr>
+                      <m:e>
+                        <m:r>
+                          <a:rPr lang="en-US" i="1" dirty="0" smtClean="0">
+                            <a:latin typeface="Cambria Math" panose="02040503050406030204" pitchFamily="18" charset="0"/>
+                          </a:rPr>
+                          <m:t>𝑄</m:t>
+                        </m:r>
+                      </m:e>
+                      <m:sub>
+                        <m:sSub>
+                          <m:sSubPr>
+                            <m:ctrlPr>
+                              <a:rPr lang="en-US" b="0" i="1" dirty="0" smtClean="0">
+                                <a:latin typeface="Cambria Math" panose="02040503050406030204" pitchFamily="18" charset="0"/>
+                              </a:rPr>
+                            </m:ctrlPr>
+                          </m:sSubPr>
+                          <m:e>
+                            <m:r>
+                              <a:rPr lang="en-US" b="0" i="1" dirty="0" smtClean="0">
+                                <a:latin typeface="Cambria Math" panose="02040503050406030204" pitchFamily="18" charset="0"/>
+                              </a:rPr>
+                              <m:t>𝑥</m:t>
+                            </m:r>
+                          </m:e>
+                          <m:sub>
+                            <m:r>
+                              <a:rPr lang="en-US" b="0" i="1" dirty="0" smtClean="0">
+                                <a:latin typeface="Cambria Math" panose="02040503050406030204" pitchFamily="18" charset="0"/>
+                              </a:rPr>
+                              <m:t>𝑡</m:t>
+                            </m:r>
+                            <m:r>
+                              <a:rPr lang="en-US" b="0" i="1" dirty="0" smtClean="0">
+                                <a:latin typeface="Cambria Math" panose="02040503050406030204" pitchFamily="18" charset="0"/>
+                              </a:rPr>
+                              <m:t>−1</m:t>
+                            </m:r>
+                          </m:sub>
+                        </m:sSub>
+                        <m:r>
+                          <a:rPr lang="en-US" b="0" i="1" dirty="0" smtClean="0">
+                            <a:latin typeface="Cambria Math" panose="02040503050406030204" pitchFamily="18" charset="0"/>
+                          </a:rPr>
+                          <m:t>| </m:t>
+                        </m:r>
+                        <m:sSub>
+                          <m:sSubPr>
+                            <m:ctrlPr>
+                              <a:rPr lang="en-US" b="0" i="1" dirty="0" smtClean="0">
+                                <a:latin typeface="Cambria Math" panose="02040503050406030204" pitchFamily="18" charset="0"/>
+                              </a:rPr>
+                            </m:ctrlPr>
+                          </m:sSubPr>
+                          <m:e>
+                            <m:r>
+                              <a:rPr lang="en-US" b="0" i="1" dirty="0" smtClean="0">
+                                <a:latin typeface="Cambria Math" panose="02040503050406030204" pitchFamily="18" charset="0"/>
+                              </a:rPr>
+                              <m:t>𝑌</m:t>
+                            </m:r>
+                          </m:e>
+                          <m:sub>
+                            <m:r>
+                              <a:rPr lang="en-US" b="0" i="1" dirty="0" smtClean="0">
+                                <a:latin typeface="Cambria Math" panose="02040503050406030204" pitchFamily="18" charset="0"/>
+                              </a:rPr>
+                              <m:t>𝑡</m:t>
+                            </m:r>
+                            <m:r>
+                              <a:rPr lang="en-US" b="0" i="1" dirty="0" smtClean="0">
+                                <a:latin typeface="Cambria Math" panose="02040503050406030204" pitchFamily="18" charset="0"/>
+                              </a:rPr>
+                              <m:t>−1</m:t>
+                            </m:r>
+                          </m:sub>
+                        </m:sSub>
+                      </m:sub>
+                      <m:sup>
+                        <m:r>
+                          <a:rPr lang="en-US" b="0" i="1" dirty="0" smtClean="0">
+                            <a:latin typeface="Cambria Math" panose="02040503050406030204" pitchFamily="18" charset="0"/>
+                          </a:rPr>
+                          <m:t>∗</m:t>
+                        </m:r>
+                      </m:sup>
+                    </m:sSubSup>
+                  </m:oMath>
+                </a14:m>
+                <a:r>
+                  <a:rPr lang="en-US" dirty="0"/>
+                  <a:t>with the nominal transition kernel </a:t>
+                </a:r>
+                <a14:m>
+                  <m:oMath xmlns:m="http://schemas.openxmlformats.org/officeDocument/2006/math">
+                    <m:sSub>
+                      <m:sSubPr>
+                        <m:ctrlPr>
+                          <a:rPr lang="en-US" b="0" i="1" dirty="0" smtClean="0">
+                            <a:latin typeface="Cambria Math" panose="02040503050406030204" pitchFamily="18" charset="0"/>
+                          </a:rPr>
+                        </m:ctrlPr>
+                      </m:sSubPr>
+                      <m:e>
+                        <m:r>
+                          <a:rPr lang="en-US" i="1" dirty="0" smtClean="0">
+                            <a:latin typeface="Cambria Math" panose="02040503050406030204" pitchFamily="18" charset="0"/>
+                          </a:rPr>
+                          <m:t>𝑃</m:t>
+                        </m:r>
+                      </m:e>
+                      <m:sub>
+                        <m:sSub>
+                          <m:sSubPr>
+                            <m:ctrlPr>
+                              <a:rPr lang="en-US" b="0" i="1" dirty="0" smtClean="0">
+                                <a:latin typeface="Cambria Math" panose="02040503050406030204" pitchFamily="18" charset="0"/>
+                              </a:rPr>
+                            </m:ctrlPr>
+                          </m:sSubPr>
+                          <m:e>
+                            <m:r>
+                              <a:rPr lang="en-US" b="0" i="1" dirty="0" smtClean="0">
+                                <a:latin typeface="Cambria Math" panose="02040503050406030204" pitchFamily="18" charset="0"/>
+                              </a:rPr>
+                              <m:t>𝑧</m:t>
+                            </m:r>
+                          </m:e>
+                          <m:sub>
+                            <m:r>
+                              <a:rPr lang="en-US" b="0" i="1" dirty="0" smtClean="0">
+                                <a:latin typeface="Cambria Math" panose="02040503050406030204" pitchFamily="18" charset="0"/>
+                              </a:rPr>
+                              <m:t>𝑡</m:t>
+                            </m:r>
+                          </m:sub>
+                        </m:sSub>
+                        <m:r>
+                          <a:rPr lang="en-US" b="0" i="1" dirty="0" smtClean="0">
+                            <a:latin typeface="Cambria Math" panose="02040503050406030204" pitchFamily="18" charset="0"/>
+                          </a:rPr>
+                          <m:t>| </m:t>
+                        </m:r>
+                        <m:sSub>
+                          <m:sSubPr>
+                            <m:ctrlPr>
+                              <a:rPr lang="en-US" b="0" i="1" dirty="0" smtClean="0">
+                                <a:latin typeface="Cambria Math" panose="02040503050406030204" pitchFamily="18" charset="0"/>
+                              </a:rPr>
+                            </m:ctrlPr>
+                          </m:sSubPr>
+                          <m:e>
+                            <m:r>
+                              <a:rPr lang="en-US" b="0" i="1" dirty="0" smtClean="0">
+                                <a:latin typeface="Cambria Math" panose="02040503050406030204" pitchFamily="18" charset="0"/>
+                              </a:rPr>
+                              <m:t>𝑥</m:t>
+                            </m:r>
+                          </m:e>
+                          <m:sub>
+                            <m:r>
+                              <a:rPr lang="en-US" b="0" i="1" dirty="0" smtClean="0">
+                                <a:latin typeface="Cambria Math" panose="02040503050406030204" pitchFamily="18" charset="0"/>
+                              </a:rPr>
+                              <m:t>𝑡</m:t>
+                            </m:r>
+                            <m:r>
+                              <a:rPr lang="en-US" b="0" i="1" dirty="0" smtClean="0">
+                                <a:latin typeface="Cambria Math" panose="02040503050406030204" pitchFamily="18" charset="0"/>
+                              </a:rPr>
+                              <m:t>−1</m:t>
+                            </m:r>
+                          </m:sub>
+                        </m:sSub>
+                      </m:sub>
+                    </m:sSub>
+                  </m:oMath>
+                </a14:m>
+                <a:r>
+                  <a:rPr lang="en-US" dirty="0"/>
+                  <a:t> to generate a pseudo-nominal distribution </a:t>
+                </a:r>
+                <a14:m>
+                  <m:oMath xmlns:m="http://schemas.openxmlformats.org/officeDocument/2006/math">
+                    <m:sSub>
+                      <m:sSubPr>
+                        <m:ctrlPr>
+                          <a:rPr lang="en-US" b="0" i="1" dirty="0" smtClean="0">
+                            <a:latin typeface="Cambria Math" panose="02040503050406030204" pitchFamily="18" charset="0"/>
+                          </a:rPr>
+                        </m:ctrlPr>
+                      </m:sSubPr>
+                      <m:e>
+                        <m:r>
+                          <a:rPr lang="en-US" i="1" dirty="0" smtClean="0">
+                            <a:latin typeface="Cambria Math" panose="02040503050406030204" pitchFamily="18" charset="0"/>
+                          </a:rPr>
+                          <m:t>𝑃</m:t>
+                        </m:r>
+                      </m:e>
+                      <m:sub>
+                        <m:sSub>
+                          <m:sSubPr>
+                            <m:ctrlPr>
+                              <a:rPr lang="en-US" b="0" i="1" dirty="0" smtClean="0">
+                                <a:latin typeface="Cambria Math" panose="02040503050406030204" pitchFamily="18" charset="0"/>
+                              </a:rPr>
+                            </m:ctrlPr>
+                          </m:sSubPr>
+                          <m:e>
+                            <m:r>
+                              <a:rPr lang="en-US" i="1" dirty="0">
+                                <a:latin typeface="Cambria Math" panose="02040503050406030204" pitchFamily="18" charset="0"/>
+                              </a:rPr>
+                              <m:t>𝑧</m:t>
+                            </m:r>
+                          </m:e>
+                          <m:sub>
+                            <m:r>
+                              <a:rPr lang="en-US" i="1" dirty="0">
+                                <a:latin typeface="Cambria Math" panose="02040503050406030204" pitchFamily="18" charset="0"/>
+                              </a:rPr>
+                              <m:t>𝑡</m:t>
+                            </m:r>
+                          </m:sub>
+                        </m:sSub>
+                        <m:r>
+                          <a:rPr lang="en-US" i="1" dirty="0">
+                            <a:latin typeface="Cambria Math" panose="02040503050406030204" pitchFamily="18" charset="0"/>
+                          </a:rPr>
+                          <m:t>|</m:t>
+                        </m:r>
+                        <m:sSub>
+                          <m:sSubPr>
+                            <m:ctrlPr>
+                              <a:rPr lang="en-US" b="0" i="1" dirty="0" smtClean="0">
+                                <a:latin typeface="Cambria Math" panose="02040503050406030204" pitchFamily="18" charset="0"/>
+                              </a:rPr>
+                            </m:ctrlPr>
+                          </m:sSubPr>
+                          <m:e>
+                            <m:r>
+                              <a:rPr lang="en-US" i="1" dirty="0">
+                                <a:latin typeface="Cambria Math" panose="02040503050406030204" pitchFamily="18" charset="0"/>
+                              </a:rPr>
+                              <m:t>𝑌</m:t>
+                            </m:r>
+                          </m:e>
+                          <m:sub>
+                            <m:r>
+                              <a:rPr lang="en-US" i="1" dirty="0">
+                                <a:latin typeface="Cambria Math" panose="02040503050406030204" pitchFamily="18" charset="0"/>
+                              </a:rPr>
+                              <m:t>𝑡</m:t>
+                            </m:r>
+                            <m:r>
+                              <a:rPr lang="en-US" i="1" dirty="0">
+                                <a:latin typeface="Cambria Math" panose="02040503050406030204" pitchFamily="18" charset="0"/>
+                              </a:rPr>
+                              <m:t>−1</m:t>
+                            </m:r>
+                          </m:sub>
+                        </m:sSub>
+                      </m:sub>
+                    </m:sSub>
+                  </m:oMath>
+                </a14:m>
+                <a:r>
+                  <a:rPr lang="en-US" dirty="0"/>
+                  <a:t> of </a:t>
+                </a:r>
+                <a14:m>
+                  <m:oMath xmlns:m="http://schemas.openxmlformats.org/officeDocument/2006/math">
+                    <m:sSub>
+                      <m:sSubPr>
+                        <m:ctrlPr>
+                          <a:rPr lang="en-US" b="0" i="1" smtClean="0">
+                            <a:latin typeface="Cambria Math" panose="02040503050406030204" pitchFamily="18" charset="0"/>
+                          </a:rPr>
+                        </m:ctrlPr>
+                      </m:sSubPr>
+                      <m:e>
+                        <m:r>
+                          <a:rPr lang="en-US" b="0" i="1" smtClean="0">
+                            <a:latin typeface="Cambria Math" panose="02040503050406030204" pitchFamily="18" charset="0"/>
+                          </a:rPr>
+                          <m:t>𝑧</m:t>
+                        </m:r>
+                      </m:e>
+                      <m:sub>
+                        <m:r>
+                          <a:rPr lang="en-US" b="0" i="1" smtClean="0">
+                            <a:latin typeface="Cambria Math" panose="02040503050406030204" pitchFamily="18" charset="0"/>
+                          </a:rPr>
+                          <m:t>𝑡</m:t>
+                        </m:r>
+                      </m:sub>
+                    </m:sSub>
+                  </m:oMath>
+                </a14:m>
+                <a:r>
+                  <a:rPr lang="en-US" dirty="0"/>
+                  <a:t> conditioned on </a:t>
+                </a:r>
+                <a14:m>
+                  <m:oMath xmlns:m="http://schemas.openxmlformats.org/officeDocument/2006/math">
+                    <m:sSub>
+                      <m:sSubPr>
+                        <m:ctrlPr>
+                          <a:rPr lang="en-US" b="0" i="1" dirty="0" smtClean="0">
+                            <a:latin typeface="Cambria Math" panose="02040503050406030204" pitchFamily="18" charset="0"/>
+                          </a:rPr>
+                        </m:ctrlPr>
+                      </m:sSubPr>
+                      <m:e>
+                        <m:r>
+                          <a:rPr lang="en-US" i="1" dirty="0" smtClean="0">
+                            <a:latin typeface="Cambria Math" panose="02040503050406030204" pitchFamily="18" charset="0"/>
+                          </a:rPr>
+                          <m:t>𝑌</m:t>
+                        </m:r>
+                      </m:e>
+                      <m:sub>
+                        <m:r>
+                          <a:rPr lang="en-US" i="1" dirty="0" smtClean="0">
+                            <a:latin typeface="Cambria Math" panose="02040503050406030204" pitchFamily="18" charset="0"/>
+                          </a:rPr>
+                          <m:t>𝑡</m:t>
+                        </m:r>
+                        <m:r>
+                          <a:rPr lang="en-US" i="1" dirty="0" smtClean="0">
+                            <a:latin typeface="Cambria Math" panose="02040503050406030204" pitchFamily="18" charset="0"/>
+                          </a:rPr>
+                          <m:t>−1</m:t>
+                        </m:r>
+                      </m:sub>
+                    </m:sSub>
+                  </m:oMath>
+                </a14:m>
+                <a:r>
+                  <a:rPr lang="en-US" dirty="0"/>
+                  <a:t>, which is defined through</a:t>
+                </a:r>
+              </a:p>
+              <a:p>
+                <a:pPr marL="0" indent="0">
+                  <a:buNone/>
+                </a:pPr>
+                <a:endParaRPr lang="en-US" dirty="0"/>
+              </a:p>
+              <a:p>
+                <a:pPr marL="0" indent="0">
+                  <a:buNone/>
+                </a:pPr>
+                <a14:m>
+                  <m:oMathPara xmlns:m="http://schemas.openxmlformats.org/officeDocument/2006/math">
+                    <m:oMathParaPr>
+                      <m:jc m:val="centerGroup"/>
+                    </m:oMathParaPr>
+                    <m:oMath xmlns:m="http://schemas.openxmlformats.org/officeDocument/2006/math">
+                      <m:sSub>
+                        <m:sSubPr>
+                          <m:ctrlPr>
+                            <a:rPr lang="en-US" b="0" i="1" smtClean="0">
+                              <a:latin typeface="Cambria Math" panose="02040503050406030204" pitchFamily="18" charset="0"/>
+                            </a:rPr>
+                          </m:ctrlPr>
+                        </m:sSubPr>
+                        <m:e>
+                          <m:r>
+                            <a:rPr lang="en-US" b="0" i="1" smtClean="0">
+                              <a:latin typeface="Cambria Math" panose="02040503050406030204" pitchFamily="18" charset="0"/>
+                            </a:rPr>
+                            <m:t>ℙ</m:t>
+                          </m:r>
+                        </m:e>
+                        <m:sub>
+                          <m:sSub>
+                            <m:sSubPr>
+                              <m:ctrlPr>
+                                <a:rPr lang="en-US" b="0" i="1" smtClean="0">
+                                  <a:latin typeface="Cambria Math" panose="02040503050406030204" pitchFamily="18" charset="0"/>
+                                </a:rPr>
+                              </m:ctrlPr>
+                            </m:sSubPr>
+                            <m:e>
+                              <m:r>
+                                <a:rPr lang="en-US" b="0" i="1" smtClean="0">
+                                  <a:latin typeface="Cambria Math" panose="02040503050406030204" pitchFamily="18" charset="0"/>
+                                </a:rPr>
+                                <m:t>𝑧</m:t>
+                              </m:r>
+                            </m:e>
+                            <m:sub>
+                              <m:r>
+                                <a:rPr lang="en-US" b="0" i="1" smtClean="0">
+                                  <a:latin typeface="Cambria Math" panose="02040503050406030204" pitchFamily="18" charset="0"/>
+                                </a:rPr>
+                                <m:t>𝑡</m:t>
+                              </m:r>
+                            </m:sub>
+                          </m:sSub>
+                          <m:r>
+                            <a:rPr lang="en-US" b="0" i="1" smtClean="0">
+                              <a:latin typeface="Cambria Math" panose="02040503050406030204" pitchFamily="18" charset="0"/>
+                            </a:rPr>
+                            <m:t>|</m:t>
+                          </m:r>
+                          <m:sSub>
+                            <m:sSubPr>
+                              <m:ctrlPr>
+                                <a:rPr lang="en-US" b="0" i="1" smtClean="0">
+                                  <a:latin typeface="Cambria Math" panose="02040503050406030204" pitchFamily="18" charset="0"/>
+                                </a:rPr>
+                              </m:ctrlPr>
+                            </m:sSubPr>
+                            <m:e>
+                              <m:r>
+                                <a:rPr lang="en-US" b="0" i="1" smtClean="0">
+                                  <a:latin typeface="Cambria Math" panose="02040503050406030204" pitchFamily="18" charset="0"/>
+                                </a:rPr>
+                                <m:t>𝑌</m:t>
+                              </m:r>
+                            </m:e>
+                            <m:sub>
+                              <m:r>
+                                <a:rPr lang="en-US" b="0" i="1" smtClean="0">
+                                  <a:latin typeface="Cambria Math" panose="02040503050406030204" pitchFamily="18" charset="0"/>
+                                </a:rPr>
+                                <m:t>𝑡</m:t>
+                              </m:r>
+                              <m:r>
+                                <a:rPr lang="en-US" b="0" i="1" smtClean="0">
+                                  <a:latin typeface="Cambria Math" panose="02040503050406030204" pitchFamily="18" charset="0"/>
+                                </a:rPr>
+                                <m:t>−1</m:t>
+                              </m:r>
+                            </m:sub>
+                          </m:sSub>
+                        </m:sub>
+                      </m:sSub>
+                      <m:d>
+                        <m:dPr>
+                          <m:ctrlPr>
+                            <a:rPr lang="en-US" b="0" i="1" smtClean="0">
+                              <a:latin typeface="Cambria Math" panose="02040503050406030204" pitchFamily="18" charset="0"/>
+                            </a:rPr>
+                          </m:ctrlPr>
+                        </m:dPr>
+                        <m:e>
+                          <m:r>
+                            <a:rPr lang="en-US" b="0" i="1" smtClean="0">
+                              <a:latin typeface="Cambria Math" panose="02040503050406030204" pitchFamily="18" charset="0"/>
+                            </a:rPr>
+                            <m:t>𝐵</m:t>
+                          </m:r>
+                          <m:r>
+                            <a:rPr lang="en-US" b="0" i="1" smtClean="0">
+                              <a:latin typeface="Cambria Math" panose="02040503050406030204" pitchFamily="18" charset="0"/>
+                            </a:rPr>
+                            <m:t>|</m:t>
+                          </m:r>
+                          <m:sSub>
+                            <m:sSubPr>
+                              <m:ctrlPr>
+                                <a:rPr lang="en-US" b="0" i="1" smtClean="0">
+                                  <a:latin typeface="Cambria Math" panose="02040503050406030204" pitchFamily="18" charset="0"/>
+                                </a:rPr>
+                              </m:ctrlPr>
+                            </m:sSubPr>
+                            <m:e>
+                              <m:r>
+                                <a:rPr lang="en-US" b="0" i="1" smtClean="0">
+                                  <a:latin typeface="Cambria Math" panose="02040503050406030204" pitchFamily="18" charset="0"/>
+                                </a:rPr>
+                                <m:t>𝑌</m:t>
+                              </m:r>
+                            </m:e>
+                            <m:sub>
+                              <m:r>
+                                <a:rPr lang="en-US" b="0" i="1" smtClean="0">
+                                  <a:latin typeface="Cambria Math" panose="02040503050406030204" pitchFamily="18" charset="0"/>
+                                </a:rPr>
+                                <m:t>𝑡</m:t>
+                              </m:r>
+                              <m:r>
+                                <a:rPr lang="en-US" b="0" i="1" smtClean="0">
+                                  <a:latin typeface="Cambria Math" panose="02040503050406030204" pitchFamily="18" charset="0"/>
+                                </a:rPr>
+                                <m:t>−1</m:t>
+                              </m:r>
+                            </m:sub>
+                          </m:sSub>
+                        </m:e>
+                      </m:d>
+                      <m:r>
+                        <a:rPr lang="en-US" b="0" i="1" smtClean="0">
+                          <a:latin typeface="Cambria Math" panose="02040503050406030204" pitchFamily="18" charset="0"/>
+                        </a:rPr>
+                        <m:t>=</m:t>
+                      </m:r>
+                      <m:nary>
+                        <m:naryPr>
+                          <m:supHide m:val="on"/>
+                          <m:ctrlPr>
+                            <a:rPr lang="en-US" b="0" i="1" smtClean="0">
+                              <a:latin typeface="Cambria Math" panose="02040503050406030204" pitchFamily="18" charset="0"/>
+                            </a:rPr>
+                          </m:ctrlPr>
+                        </m:naryPr>
+                        <m:sub>
+                          <m:sSup>
+                            <m:sSupPr>
+                              <m:ctrlPr>
+                                <a:rPr lang="en-US" b="0" i="1" smtClean="0">
+                                  <a:latin typeface="Cambria Math" panose="02040503050406030204" pitchFamily="18" charset="0"/>
+                                </a:rPr>
+                              </m:ctrlPr>
+                            </m:sSupPr>
+                            <m:e>
+                              <m:r>
+                                <a:rPr lang="en-US" b="0" i="1" smtClean="0">
+                                  <a:latin typeface="Cambria Math" panose="02040503050406030204" pitchFamily="18" charset="0"/>
+                                </a:rPr>
+                                <m:t>ℝ</m:t>
+                              </m:r>
+                            </m:e>
+                            <m:sup>
+                              <m:r>
+                                <a:rPr lang="en-US" b="0" i="1" smtClean="0">
+                                  <a:latin typeface="Cambria Math" panose="02040503050406030204" pitchFamily="18" charset="0"/>
+                                </a:rPr>
+                                <m:t>𝑛</m:t>
+                              </m:r>
+                            </m:sup>
+                          </m:sSup>
+                        </m:sub>
+                        <m:sup/>
+                        <m:e>
+                          <m:sSubSup>
+                            <m:sSubSupPr>
+                              <m:ctrlPr>
+                                <a:rPr lang="en-US" b="0" i="1" smtClean="0">
+                                  <a:latin typeface="Cambria Math" panose="02040503050406030204" pitchFamily="18" charset="0"/>
+                                </a:rPr>
+                              </m:ctrlPr>
+                            </m:sSubSupPr>
+                            <m:e>
+                              <m:r>
+                                <a:rPr lang="en-US" b="0" i="1" smtClean="0">
+                                  <a:latin typeface="Cambria Math" panose="02040503050406030204" pitchFamily="18" charset="0"/>
+                                </a:rPr>
+                                <m:t>𝑃</m:t>
+                              </m:r>
+                            </m:e>
+                            <m:sub>
+                              <m:sSub>
+                                <m:sSubPr>
+                                  <m:ctrlPr>
+                                    <a:rPr lang="en-US" b="0" i="1" smtClean="0">
+                                      <a:latin typeface="Cambria Math" panose="02040503050406030204" pitchFamily="18" charset="0"/>
+                                    </a:rPr>
+                                  </m:ctrlPr>
+                                </m:sSubPr>
+                                <m:e>
+                                  <m:r>
+                                    <a:rPr lang="en-US" b="0" i="1" smtClean="0">
+                                      <a:latin typeface="Cambria Math" panose="02040503050406030204" pitchFamily="18" charset="0"/>
+                                    </a:rPr>
+                                    <m:t>𝑧</m:t>
+                                  </m:r>
+                                </m:e>
+                                <m:sub>
+                                  <m:r>
+                                    <a:rPr lang="en-US" b="0" i="1" smtClean="0">
+                                      <a:latin typeface="Cambria Math" panose="02040503050406030204" pitchFamily="18" charset="0"/>
+                                    </a:rPr>
+                                    <m:t>𝑡</m:t>
+                                  </m:r>
+                                </m:sub>
+                              </m:sSub>
+                              <m:r>
+                                <a:rPr lang="en-US" b="0" i="1" smtClean="0">
+                                  <a:latin typeface="Cambria Math" panose="02040503050406030204" pitchFamily="18" charset="0"/>
+                                </a:rPr>
+                                <m:t>|</m:t>
+                              </m:r>
+                              <m:sSub>
+                                <m:sSubPr>
+                                  <m:ctrlPr>
+                                    <a:rPr lang="en-US" b="0" i="1" smtClean="0">
+                                      <a:latin typeface="Cambria Math" panose="02040503050406030204" pitchFamily="18" charset="0"/>
+                                    </a:rPr>
+                                  </m:ctrlPr>
+                                </m:sSubPr>
+                                <m:e>
+                                  <m:r>
+                                    <a:rPr lang="en-US" b="0" i="1" smtClean="0">
+                                      <a:latin typeface="Cambria Math" panose="02040503050406030204" pitchFamily="18" charset="0"/>
+                                    </a:rPr>
+                                    <m:t>𝑥</m:t>
+                                  </m:r>
+                                </m:e>
+                                <m:sub>
+                                  <m:r>
+                                    <a:rPr lang="en-US" b="0" i="1" smtClean="0">
+                                      <a:latin typeface="Cambria Math" panose="02040503050406030204" pitchFamily="18" charset="0"/>
+                                    </a:rPr>
+                                    <m:t>𝑡</m:t>
+                                  </m:r>
+                                  <m:r>
+                                    <a:rPr lang="en-US" b="0" i="1" smtClean="0">
+                                      <a:latin typeface="Cambria Math" panose="02040503050406030204" pitchFamily="18" charset="0"/>
+                                    </a:rPr>
+                                    <m:t>−1</m:t>
+                                  </m:r>
+                                </m:sub>
+                              </m:sSub>
+                            </m:sub>
+                            <m:sup>
+                              <m:r>
+                                <a:rPr lang="en-US" b="0" i="1" smtClean="0">
+                                  <a:latin typeface="Cambria Math" panose="02040503050406030204" pitchFamily="18" charset="0"/>
+                                </a:rPr>
+                                <m:t>∗</m:t>
+                              </m:r>
+                            </m:sup>
+                          </m:sSubSup>
+                          <m:d>
+                            <m:dPr>
+                              <m:ctrlPr>
+                                <a:rPr lang="en-US" b="0" i="1" smtClean="0">
+                                  <a:latin typeface="Cambria Math" panose="02040503050406030204" pitchFamily="18" charset="0"/>
+                                </a:rPr>
+                              </m:ctrlPr>
+                            </m:dPr>
+                            <m:e>
+                              <m:r>
+                                <a:rPr lang="en-US" b="0" i="1" smtClean="0">
+                                  <a:latin typeface="Cambria Math" panose="02040503050406030204" pitchFamily="18" charset="0"/>
+                                </a:rPr>
+                                <m:t>𝐵</m:t>
+                              </m:r>
+                              <m:r>
+                                <a:rPr lang="en-US" b="0" i="1" smtClean="0">
+                                  <a:latin typeface="Cambria Math" panose="02040503050406030204" pitchFamily="18" charset="0"/>
+                                </a:rPr>
+                                <m:t>|</m:t>
+                              </m:r>
+                              <m:sSub>
+                                <m:sSubPr>
+                                  <m:ctrlPr>
+                                    <a:rPr lang="en-US" b="0" i="1" smtClean="0">
+                                      <a:latin typeface="Cambria Math" panose="02040503050406030204" pitchFamily="18" charset="0"/>
+                                    </a:rPr>
+                                  </m:ctrlPr>
+                                </m:sSubPr>
+                                <m:e>
+                                  <m:r>
+                                    <a:rPr lang="en-US" b="0" i="1" smtClean="0">
+                                      <a:latin typeface="Cambria Math" panose="02040503050406030204" pitchFamily="18" charset="0"/>
+                                    </a:rPr>
+                                    <m:t>𝑥</m:t>
+                                  </m:r>
+                                </m:e>
+                                <m:sub>
+                                  <m:r>
+                                    <a:rPr lang="en-US" b="0" i="1" smtClean="0">
+                                      <a:latin typeface="Cambria Math" panose="02040503050406030204" pitchFamily="18" charset="0"/>
+                                    </a:rPr>
+                                    <m:t>𝑡</m:t>
+                                  </m:r>
+                                  <m:r>
+                                    <a:rPr lang="en-US" b="0" i="1" smtClean="0">
+                                      <a:latin typeface="Cambria Math" panose="02040503050406030204" pitchFamily="18" charset="0"/>
+                                    </a:rPr>
+                                    <m:t>−1</m:t>
+                                  </m:r>
+                                </m:sub>
+                              </m:sSub>
+                            </m:e>
+                          </m:d>
+                          <m:sSubSup>
+                            <m:sSubSupPr>
+                              <m:ctrlPr>
+                                <a:rPr lang="en-US" b="0" i="1" smtClean="0">
+                                  <a:latin typeface="Cambria Math" panose="02040503050406030204" pitchFamily="18" charset="0"/>
+                                </a:rPr>
+                              </m:ctrlPr>
+                            </m:sSubSupPr>
+                            <m:e>
+                              <m:r>
+                                <a:rPr lang="en-US" b="0" i="1" smtClean="0">
+                                  <a:latin typeface="Cambria Math" panose="02040503050406030204" pitchFamily="18" charset="0"/>
+                                </a:rPr>
+                                <m:t>ℚ</m:t>
+                              </m:r>
+                            </m:e>
+                            <m:sub>
+                              <m:sSub>
+                                <m:sSubPr>
+                                  <m:ctrlPr>
+                                    <a:rPr lang="en-US" b="0" i="1" smtClean="0">
+                                      <a:latin typeface="Cambria Math" panose="02040503050406030204" pitchFamily="18" charset="0"/>
+                                    </a:rPr>
+                                  </m:ctrlPr>
+                                </m:sSubPr>
+                                <m:e>
+                                  <m:r>
+                                    <a:rPr lang="en-US" b="0" i="1" smtClean="0">
+                                      <a:latin typeface="Cambria Math" panose="02040503050406030204" pitchFamily="18" charset="0"/>
+                                    </a:rPr>
+                                    <m:t>𝑥</m:t>
+                                  </m:r>
+                                </m:e>
+                                <m:sub>
+                                  <m:r>
+                                    <a:rPr lang="en-US" b="0" i="1" smtClean="0">
+                                      <a:latin typeface="Cambria Math" panose="02040503050406030204" pitchFamily="18" charset="0"/>
+                                    </a:rPr>
+                                    <m:t>𝑡</m:t>
+                                  </m:r>
+                                  <m:r>
+                                    <a:rPr lang="en-US" b="0" i="1" smtClean="0">
+                                      <a:latin typeface="Cambria Math" panose="02040503050406030204" pitchFamily="18" charset="0"/>
+                                    </a:rPr>
+                                    <m:t>−1</m:t>
+                                  </m:r>
+                                </m:sub>
+                              </m:sSub>
+                              <m:r>
+                                <a:rPr lang="en-US" b="0" i="1" smtClean="0">
+                                  <a:latin typeface="Cambria Math" panose="02040503050406030204" pitchFamily="18" charset="0"/>
+                                </a:rPr>
+                                <m:t>|</m:t>
+                              </m:r>
+                              <m:sSub>
+                                <m:sSubPr>
+                                  <m:ctrlPr>
+                                    <a:rPr lang="en-US" b="0" i="1" smtClean="0">
+                                      <a:latin typeface="Cambria Math" panose="02040503050406030204" pitchFamily="18" charset="0"/>
+                                    </a:rPr>
+                                  </m:ctrlPr>
+                                </m:sSubPr>
+                                <m:e>
+                                  <m:r>
+                                    <a:rPr lang="en-US" b="0" i="1" smtClean="0">
+                                      <a:latin typeface="Cambria Math" panose="02040503050406030204" pitchFamily="18" charset="0"/>
+                                    </a:rPr>
+                                    <m:t>𝑌</m:t>
+                                  </m:r>
+                                </m:e>
+                                <m:sub>
+                                  <m:r>
+                                    <a:rPr lang="en-US" b="0" i="1" smtClean="0">
+                                      <a:latin typeface="Cambria Math" panose="02040503050406030204" pitchFamily="18" charset="0"/>
+                                    </a:rPr>
+                                    <m:t>𝑡</m:t>
+                                  </m:r>
+                                  <m:r>
+                                    <a:rPr lang="en-US" b="0" i="1" smtClean="0">
+                                      <a:latin typeface="Cambria Math" panose="02040503050406030204" pitchFamily="18" charset="0"/>
+                                    </a:rPr>
+                                    <m:t>−1</m:t>
+                                  </m:r>
+                                </m:sub>
+                              </m:sSub>
+                            </m:sub>
+                            <m:sup>
+                              <m:r>
+                                <a:rPr lang="en-US" b="0" i="1" smtClean="0">
+                                  <a:latin typeface="Cambria Math" panose="02040503050406030204" pitchFamily="18" charset="0"/>
+                                </a:rPr>
+                                <m:t>∗</m:t>
+                              </m:r>
+                            </m:sup>
+                          </m:sSubSup>
+                          <m:d>
+                            <m:dPr>
+                              <m:ctrlPr>
+                                <a:rPr lang="en-US" b="0" i="1" smtClean="0">
+                                  <a:latin typeface="Cambria Math" panose="02040503050406030204" pitchFamily="18" charset="0"/>
+                                </a:rPr>
+                              </m:ctrlPr>
+                            </m:dPr>
+                            <m:e>
+                              <m:r>
+                                <a:rPr lang="en-US" b="0" i="1" smtClean="0">
+                                  <a:latin typeface="Cambria Math" panose="02040503050406030204" pitchFamily="18" charset="0"/>
+                                </a:rPr>
+                                <m:t>𝑑</m:t>
+                              </m:r>
+                              <m:sSub>
+                                <m:sSubPr>
+                                  <m:ctrlPr>
+                                    <a:rPr lang="en-US" b="0" i="1" smtClean="0">
+                                      <a:latin typeface="Cambria Math" panose="02040503050406030204" pitchFamily="18" charset="0"/>
+                                    </a:rPr>
+                                  </m:ctrlPr>
+                                </m:sSubPr>
+                                <m:e>
+                                  <m:r>
+                                    <a:rPr lang="en-US" b="0" i="1" smtClean="0">
+                                      <a:latin typeface="Cambria Math" panose="02040503050406030204" pitchFamily="18" charset="0"/>
+                                    </a:rPr>
+                                    <m:t>𝑥</m:t>
+                                  </m:r>
+                                </m:e>
+                                <m:sub>
+                                  <m:r>
+                                    <a:rPr lang="en-US" b="0" i="1" smtClean="0">
+                                      <a:latin typeface="Cambria Math" panose="02040503050406030204" pitchFamily="18" charset="0"/>
+                                    </a:rPr>
+                                    <m:t>𝑡</m:t>
+                                  </m:r>
+                                  <m:r>
+                                    <a:rPr lang="en-US" b="0" i="1" smtClean="0">
+                                      <a:latin typeface="Cambria Math" panose="02040503050406030204" pitchFamily="18" charset="0"/>
+                                    </a:rPr>
+                                    <m:t>−1</m:t>
+                                  </m:r>
+                                </m:sub>
+                              </m:sSub>
+                              <m:r>
+                                <a:rPr lang="en-US" b="0" i="1" smtClean="0">
+                                  <a:latin typeface="Cambria Math" panose="02040503050406030204" pitchFamily="18" charset="0"/>
+                                </a:rPr>
+                                <m:t>|</m:t>
+                              </m:r>
+                              <m:sSub>
+                                <m:sSubPr>
+                                  <m:ctrlPr>
+                                    <a:rPr lang="en-US" b="0" i="1" smtClean="0">
+                                      <a:latin typeface="Cambria Math" panose="02040503050406030204" pitchFamily="18" charset="0"/>
+                                    </a:rPr>
+                                  </m:ctrlPr>
+                                </m:sSubPr>
+                                <m:e>
+                                  <m:r>
+                                    <a:rPr lang="en-US" b="0" i="1" smtClean="0">
+                                      <a:latin typeface="Cambria Math" panose="02040503050406030204" pitchFamily="18" charset="0"/>
+                                    </a:rPr>
+                                    <m:t>𝑌</m:t>
+                                  </m:r>
+                                </m:e>
+                                <m:sub>
+                                  <m:r>
+                                    <a:rPr lang="en-US" b="0" i="1" smtClean="0">
+                                      <a:latin typeface="Cambria Math" panose="02040503050406030204" pitchFamily="18" charset="0"/>
+                                    </a:rPr>
+                                    <m:t>𝑡</m:t>
+                                  </m:r>
+                                  <m:r>
+                                    <a:rPr lang="en-US" b="0" i="1" smtClean="0">
+                                      <a:latin typeface="Cambria Math" panose="02040503050406030204" pitchFamily="18" charset="0"/>
+                                    </a:rPr>
+                                    <m:t>−1</m:t>
+                                  </m:r>
+                                </m:sub>
+                              </m:sSub>
+                            </m:e>
+                          </m:d>
+                        </m:e>
+                      </m:nary>
+                    </m:oMath>
+                  </m:oMathPara>
+                </a14:m>
+                <a:endParaRPr lang="en-US" b="0" dirty="0"/>
+              </a:p>
+              <a:p>
+                <a:pPr marL="0" indent="0">
+                  <a:buNone/>
+                </a:pPr>
+                <a:r>
+                  <a:rPr lang="en-US" dirty="0"/>
+                  <a:t>For every </a:t>
+                </a:r>
+                <a:r>
+                  <a:rPr lang="en-US" dirty="0" err="1"/>
+                  <a:t>borel</a:t>
+                </a:r>
+                <a:r>
+                  <a:rPr lang="en-US" dirty="0"/>
+                  <a:t> set </a:t>
+                </a:r>
+                <a14:m>
+                  <m:oMath xmlns:m="http://schemas.openxmlformats.org/officeDocument/2006/math">
+                    <m:r>
+                      <a:rPr lang="en-US" b="0" i="1" smtClean="0">
+                        <a:latin typeface="Cambria Math" panose="02040503050406030204" pitchFamily="18" charset="0"/>
+                      </a:rPr>
+                      <m:t>𝐵</m:t>
+                    </m:r>
+                    <m:r>
+                      <a:rPr lang="en-US" b="0" i="1" smtClean="0">
+                        <a:latin typeface="Cambria Math" panose="02040503050406030204" pitchFamily="18" charset="0"/>
+                      </a:rPr>
+                      <m:t>⊆</m:t>
+                    </m:r>
+                    <m:sSup>
+                      <m:sSupPr>
+                        <m:ctrlPr>
+                          <a:rPr lang="en-US" b="0" i="1" smtClean="0">
+                            <a:latin typeface="Cambria Math" panose="02040503050406030204" pitchFamily="18" charset="0"/>
+                          </a:rPr>
+                        </m:ctrlPr>
+                      </m:sSupPr>
+                      <m:e>
+                        <m:r>
+                          <a:rPr lang="en-US" b="0" i="1" smtClean="0">
+                            <a:latin typeface="Cambria Math" panose="02040503050406030204" pitchFamily="18" charset="0"/>
+                          </a:rPr>
+                          <m:t>ℝ</m:t>
+                        </m:r>
+                      </m:e>
+                      <m:sup>
+                        <m:r>
+                          <a:rPr lang="en-US" b="0" i="1" smtClean="0">
+                            <a:latin typeface="Cambria Math" panose="02040503050406030204" pitchFamily="18" charset="0"/>
+                          </a:rPr>
+                          <m:t>𝑑</m:t>
+                        </m:r>
+                      </m:sup>
+                    </m:sSup>
+                  </m:oMath>
+                </a14:m>
+                <a:endParaRPr lang="en-US" b="0" dirty="0"/>
+              </a:p>
+              <a:p>
+                <a:pPr marL="0" indent="0">
+                  <a:buNone/>
+                </a:pPr>
+                <a:endParaRPr lang="en-US" b="0" dirty="0"/>
+              </a:p>
+              <a:p>
+                <a:pPr marL="0" indent="0">
+                  <a:buNone/>
+                </a:pPr>
+                <a:endParaRPr lang="en-US" dirty="0"/>
+              </a:p>
+              <a:p>
+                <a:pPr marL="0" indent="0">
+                  <a:buNone/>
+                </a:pPr>
+                <a:endParaRPr lang="en-IL" dirty="0"/>
+              </a:p>
+            </p:txBody>
+          </p:sp>
+        </mc:Choice>
+        <mc:Fallback>
+          <p:sp>
+            <p:nvSpPr>
+              <p:cNvPr id="3" name="Content Placeholder 2">
+                <a:extLst>
+                  <a:ext uri="{FF2B5EF4-FFF2-40B4-BE49-F238E27FC236}">
+                    <a16:creationId xmlns:a16="http://schemas.microsoft.com/office/drawing/2014/main" id="{610FB251-3A0A-87D0-803A-C8A7232B4151}"/>
+                  </a:ext>
+                </a:extLst>
+              </p:cNvPr>
+              <p:cNvSpPr>
+                <a:spLocks noGrp="1" noRot="1" noChangeAspect="1" noMove="1" noResize="1" noEditPoints="1" noAdjustHandles="1" noChangeArrowheads="1" noChangeShapeType="1" noTextEdit="1"/>
+              </p:cNvSpPr>
+              <p:nvPr>
+                <p:ph idx="1"/>
+              </p:nvPr>
+            </p:nvSpPr>
+            <p:spPr>
+              <a:blipFill>
+                <a:blip r:embed="rId2"/>
+                <a:stretch>
+                  <a:fillRect l="-1217" t="-2241" r="-1623"/>
+                </a:stretch>
+              </a:blipFill>
+            </p:spPr>
+            <p:txBody>
+              <a:bodyPr/>
+              <a:lstStyle/>
+              <a:p>
+                <a:r>
+                  <a:rPr lang="en-IL">
+                    <a:noFill/>
+                  </a:rPr>
+                  <a:t> </a:t>
+                </a:r>
+              </a:p>
+            </p:txBody>
+          </p:sp>
+        </mc:Fallback>
+      </mc:AlternateContent>
+    </p:spTree>
+    <p:extLst>
+      <p:ext uri="{BB962C8B-B14F-4D97-AF65-F5344CB8AC3E}">
+        <p14:creationId xmlns:p14="http://schemas.microsoft.com/office/powerpoint/2010/main" val="880325199"/>
+      </p:ext>
+    </p:extLst>
+  </p:cSld>
+  <p:clrMapOvr>
+    <a:masterClrMapping/>
+  </p:clrMapOvr>
+</p:sld>
+</file>
+
+<file path=ppt/slides/slide25.xml><?xml version="1.0" encoding="utf-8"?>
+<p:sld xmlns:a="http://schemas.openxmlformats.org/drawingml/2006/main" xmlns:r="http://schemas.openxmlformats.org/officeDocument/2006/relationships" xmlns:p="http://schemas.openxmlformats.org/presentationml/2006/main">
+  <p:cSld>
+    <p:bg>
+      <p:bgPr>
+        <a:solidFill>
+          <a:schemeClr val="bg1"/>
+        </a:solidFill>
+        <a:effectLst/>
+      </p:bgPr>
+    </p:bg>
+    <p:spTree>
+      <p:nvGrpSpPr>
+        <p:cNvPr id="1" name=""/>
+        <p:cNvGrpSpPr/>
+        <p:nvPr/>
+      </p:nvGrpSpPr>
+      <p:grpSpPr>
+        <a:xfrm>
+          <a:off x="0" y="0"/>
+          <a:ext cx="0" cy="0"/>
+          <a:chOff x="0" y="0"/>
+          <a:chExt cx="0" cy="0"/>
+        </a:xfrm>
+      </p:grpSpPr>
+      <p:sp useBgFill="1">
+        <p:nvSpPr>
+          <p:cNvPr id="1035" name="Rectangle 1034">
+            <a:extLst>
+              <a:ext uri="{FF2B5EF4-FFF2-40B4-BE49-F238E27FC236}">
+                <a16:creationId xmlns:a16="http://schemas.microsoft.com/office/drawing/2014/main" id="{022BDE4A-8A20-4A69-9C5A-581C82036A4D}"/>
+              </a:ext>
+              <a:ext uri="{C183D7F6-B498-43B3-948B-1728B52AA6E4}">
+                <adec:decorative xmlns:adec="http://schemas.microsoft.com/office/drawing/2017/decorative" val="1"/>
+              </a:ext>
+            </a:extLst>
+          </p:cNvPr>
+          <p:cNvSpPr>
+            <a:spLocks noGrp="1" noRot="1" noChangeAspect="1" noMove="1" noResize="1" noEditPoints="1" noAdjustHandles="1" noChangeArrowheads="1" noChangeShapeType="1" noTextEdit="1"/>
+          </p:cNvSpPr>
+          <p:nvPr>
+            <p:extLst>
+              <p:ext uri="{386F3935-93C4-4BCD-93E2-E3B085C9AB24}">
+                <p16:designElem xmlns:p16="http://schemas.microsoft.com/office/powerpoint/2015/main" val="1"/>
+              </p:ext>
+            </p:extLst>
+          </p:nvPr>
+        </p:nvSpPr>
+        <p:spPr>
+          <a:xfrm>
+            <a:off x="-1" y="0"/>
+            <a:ext cx="12188952" cy="6858000"/>
+          </a:xfrm>
+          <a:prstGeom prst="rect">
+            <a:avLst/>
+          </a:prstGeom>
+          <a:ln>
+            <a:noFill/>
+          </a:ln>
+        </p:spPr>
+        <p:style>
+          <a:lnRef idx="2">
+            <a:schemeClr val="accent1">
+              <a:shade val="50000"/>
+            </a:schemeClr>
+          </a:lnRef>
+          <a:fillRef idx="1">
+            <a:schemeClr val="accent1"/>
+          </a:fillRef>
+          <a:effectRef idx="0">
+            <a:schemeClr val="accent1"/>
+          </a:effectRef>
+          <a:fontRef idx="minor">
+            <a:schemeClr val="lt1"/>
+          </a:fontRef>
+        </p:style>
+        <p:txBody>
+          <a:bodyPr rtlCol="0" anchor="ctr"/>
+          <a:lstStyle/>
+          <a:p>
+            <a:pPr algn="ctr"/>
+            <a:endParaRPr lang="en-US"/>
+          </a:p>
+        </p:txBody>
+      </p:sp>
+      <p:sp>
+        <p:nvSpPr>
+          <p:cNvPr id="2" name="Title 1">
+            <a:extLst>
+              <a:ext uri="{FF2B5EF4-FFF2-40B4-BE49-F238E27FC236}">
+                <a16:creationId xmlns:a16="http://schemas.microsoft.com/office/drawing/2014/main" id="{D7A9670D-075B-C1F6-4E6F-03466D5111FD}"/>
+              </a:ext>
+            </a:extLst>
+          </p:cNvPr>
+          <p:cNvSpPr>
+            <a:spLocks noGrp="1"/>
+          </p:cNvSpPr>
+          <p:nvPr>
+            <p:ph type="title"/>
+          </p:nvPr>
+        </p:nvSpPr>
+        <p:spPr>
+          <a:xfrm>
+            <a:off x="1001684" y="170412"/>
+            <a:ext cx="10178934" cy="1328730"/>
+          </a:xfrm>
+        </p:spPr>
+        <p:txBody>
+          <a:bodyPr vert="horz" lIns="91440" tIns="45720" rIns="91440" bIns="45720" rtlCol="0" anchor="b">
+            <a:normAutofit/>
+          </a:bodyPr>
+          <a:lstStyle/>
+          <a:p>
+            <a:pPr algn="ctr"/>
+            <a:r>
+              <a:rPr lang="en-US" sz="5200" kern="1200">
+                <a:solidFill>
+                  <a:schemeClr val="tx1"/>
+                </a:solidFill>
+                <a:latin typeface="+mj-lt"/>
+                <a:ea typeface="+mj-ea"/>
+                <a:cs typeface="+mj-cs"/>
+              </a:rPr>
+              <a:t>memes</a:t>
+            </a:r>
+          </a:p>
+        </p:txBody>
+      </p:sp>
+      <p:pic>
+        <p:nvPicPr>
+          <p:cNvPr id="1026" name="Picture 2" descr="IsraMeme - תבניות של ממים ישראלים: בואו נזרוק סתם מילים ונהנה מהן, אתה  יודע...">
+            <a:extLst>
+              <a:ext uri="{FF2B5EF4-FFF2-40B4-BE49-F238E27FC236}">
+                <a16:creationId xmlns:a16="http://schemas.microsoft.com/office/drawing/2014/main" id="{ABADE5DB-F179-F0F6-D06B-8B1E69293A38}"/>
+              </a:ext>
+            </a:extLst>
+          </p:cNvPr>
+          <p:cNvPicPr>
+            <a:picLocks noGrp="1" noChangeAspect="1" noChangeArrowheads="1"/>
+          </p:cNvPicPr>
+          <p:nvPr>
+            <p:ph idx="1"/>
+          </p:nvPr>
+        </p:nvPicPr>
+        <p:blipFill rotWithShape="1">
+          <a:blip r:embed="rId2">
+            <a:extLst>
+              <a:ext uri="{28A0092B-C50C-407E-A947-70E740481C1C}">
+                <a14:useLocalDpi xmlns:a14="http://schemas.microsoft.com/office/drawing/2010/main" val="0"/>
+              </a:ext>
+            </a:extLst>
+          </a:blip>
+          <a:srcRect l="7373" r="3124" b="1"/>
+          <a:stretch/>
+        </p:blipFill>
+        <p:spPr bwMode="auto">
+          <a:xfrm>
+            <a:off x="198741" y="2410448"/>
+            <a:ext cx="5803323" cy="3890357"/>
+          </a:xfrm>
+          <a:prstGeom prst="rect">
+            <a:avLst/>
+          </a:prstGeom>
+          <a:noFill/>
+          <a:extLst>
+            <a:ext uri="{909E8E84-426E-40DD-AFC4-6F175D3DCCD1}">
+              <a14:hiddenFill xmlns:a14="http://schemas.microsoft.com/office/drawing/2010/main">
+                <a:solidFill>
+                  <a:srgbClr val="FFFFFF"/>
+                </a:solidFill>
+              </a14:hiddenFill>
+            </a:ext>
+          </a:extLst>
+        </p:spPr>
+      </p:pic>
+      <p:pic>
+        <p:nvPicPr>
+          <p:cNvPr id="1030" name="Picture 6" descr="Shocked Miles Morales | Know Your Meme">
+            <a:extLst>
+              <a:ext uri="{FF2B5EF4-FFF2-40B4-BE49-F238E27FC236}">
+                <a16:creationId xmlns:a16="http://schemas.microsoft.com/office/drawing/2014/main" id="{F419DB65-8742-C247-11F0-E5276DA30AE1}"/>
+              </a:ext>
+            </a:extLst>
+          </p:cNvPr>
+          <p:cNvPicPr>
+            <a:picLocks noChangeAspect="1" noChangeArrowheads="1"/>
+          </p:cNvPicPr>
+          <p:nvPr/>
+        </p:nvPicPr>
+        <p:blipFill rotWithShape="1">
+          <a:blip r:embed="rId3">
+            <a:extLst>
+              <a:ext uri="{28A0092B-C50C-407E-A947-70E740481C1C}">
+                <a14:useLocalDpi xmlns:a14="http://schemas.microsoft.com/office/drawing/2010/main" val="0"/>
+              </a:ext>
+            </a:extLst>
+          </a:blip>
+          <a:srcRect l="9342" r="6746" b="-3"/>
+          <a:stretch/>
+        </p:blipFill>
+        <p:spPr bwMode="auto">
+          <a:xfrm>
+            <a:off x="6189934" y="2410448"/>
+            <a:ext cx="5803323" cy="3890357"/>
+          </a:xfrm>
+          <a:prstGeom prst="rect">
+            <a:avLst/>
+          </a:prstGeom>
+          <a:noFill/>
+          <a:extLst>
+            <a:ext uri="{909E8E84-426E-40DD-AFC4-6F175D3DCCD1}">
+              <a14:hiddenFill xmlns:a14="http://schemas.microsoft.com/office/drawing/2010/main">
+                <a:solidFill>
+                  <a:srgbClr val="FFFFFF"/>
+                </a:solidFill>
+              </a14:hiddenFill>
+            </a:ext>
+          </a:extLst>
+        </p:spPr>
+      </p:pic>
+    </p:spTree>
+    <p:extLst>
+      <p:ext uri="{BB962C8B-B14F-4D97-AF65-F5344CB8AC3E}">
+        <p14:creationId xmlns:p14="http://schemas.microsoft.com/office/powerpoint/2010/main" val="1413108247"/>
+      </p:ext>
+    </p:extLst>
+  </p:cSld>
+  <p:clrMapOvr>
+    <a:masterClrMapping/>
+  </p:clrMapOvr>
+</p:sld>
+</file>
+
+<file path=ppt/slides/slide26.xml><?xml version="1.0" encoding="utf-8"?>
+<p:sld xmlns:a="http://schemas.openxmlformats.org/drawingml/2006/main" xmlns:r="http://schemas.openxmlformats.org/officeDocument/2006/relationships" xmlns:p="http://schemas.openxmlformats.org/presentationml/2006/main">
+  <p:cSld>
+    <p:spTree>
+      <p:nvGrpSpPr>
+        <p:cNvPr id="1" name=""/>
+        <p:cNvGrpSpPr/>
+        <p:nvPr/>
+      </p:nvGrpSpPr>
+      <p:grpSpPr>
+        <a:xfrm>
+          <a:off x="0" y="0"/>
+          <a:ext cx="0" cy="0"/>
+          <a:chOff x="0" y="0"/>
+          <a:chExt cx="0" cy="0"/>
+        </a:xfrm>
+      </p:grpSpPr>
+      <p:sp>
+        <p:nvSpPr>
+          <p:cNvPr id="2" name="Title 1">
+            <a:extLst>
+              <a:ext uri="{FF2B5EF4-FFF2-40B4-BE49-F238E27FC236}">
+                <a16:creationId xmlns:a16="http://schemas.microsoft.com/office/drawing/2014/main" id="{F1E49D9F-F983-2381-B8D8-AC7546DCABCE}"/>
+              </a:ext>
+            </a:extLst>
+          </p:cNvPr>
+          <p:cNvSpPr>
+            <a:spLocks noGrp="1"/>
+          </p:cNvSpPr>
+          <p:nvPr>
+            <p:ph type="title"/>
+          </p:nvPr>
+        </p:nvSpPr>
+        <p:spPr/>
+        <p:txBody>
+          <a:bodyPr/>
+          <a:lstStyle/>
+          <a:p>
+            <a:r>
+              <a:rPr lang="en-US" dirty="0"/>
+              <a:t>Prediction step</a:t>
+            </a:r>
+            <a:endParaRPr lang="en-IL" dirty="0"/>
+          </a:p>
+        </p:txBody>
+      </p:sp>
+      <mc:AlternateContent xmlns:mc="http://schemas.openxmlformats.org/markup-compatibility/2006">
+        <mc:Choice xmlns:a14="http://schemas.microsoft.com/office/drawing/2010/main" Requires="a14">
+          <p:sp>
+            <p:nvSpPr>
+              <p:cNvPr id="3" name="Content Placeholder 2">
+                <a:extLst>
+                  <a:ext uri="{FF2B5EF4-FFF2-40B4-BE49-F238E27FC236}">
+                    <a16:creationId xmlns:a16="http://schemas.microsoft.com/office/drawing/2014/main" id="{DBA9A611-3660-2C0E-FEBF-94A397F0CC02}"/>
+                  </a:ext>
+                </a:extLst>
+              </p:cNvPr>
+              <p:cNvSpPr>
+                <a:spLocks noGrp="1"/>
+              </p:cNvSpPr>
+              <p:nvPr>
+                <p:ph idx="1"/>
+              </p:nvPr>
+            </p:nvSpPr>
+            <p:spPr/>
+            <p:txBody>
+              <a:bodyPr/>
+              <a:lstStyle/>
+              <a:p>
+                <a:pPr marL="0" indent="0">
+                  <a:buNone/>
+                </a:pPr>
+                <a:r>
+                  <a:rPr lang="en-US" dirty="0"/>
+                  <a:t>The well-known formula for the convolution of two multivariate Gaussians reveals </a:t>
+                </a:r>
+                <a14:m>
+                  <m:oMath xmlns:m="http://schemas.openxmlformats.org/officeDocument/2006/math">
+                    <m:r>
+                      <a:rPr lang="en-US" i="1" dirty="0" smtClean="0">
+                        <a:latin typeface="Cambria Math" panose="02040503050406030204" pitchFamily="18" charset="0"/>
+                      </a:rPr>
+                      <m:t>𝑡</m:t>
+                    </m:r>
+                    <m:r>
+                      <a:rPr lang="en-US" i="1" dirty="0" smtClean="0">
+                        <a:latin typeface="Cambria Math" panose="02040503050406030204" pitchFamily="18" charset="0"/>
+                      </a:rPr>
+                      <m:t>h</m:t>
+                    </m:r>
+                    <m:r>
+                      <a:rPr lang="en-US" i="1" dirty="0" smtClean="0">
+                        <a:latin typeface="Cambria Math" panose="02040503050406030204" pitchFamily="18" charset="0"/>
+                      </a:rPr>
+                      <m:t>𝑎𝑡</m:t>
+                    </m:r>
+                    <m:r>
+                      <a:rPr lang="en-US" i="1" dirty="0" smtClean="0">
+                        <a:latin typeface="Cambria Math" panose="02040503050406030204" pitchFamily="18" charset="0"/>
+                      </a:rPr>
+                      <m:t> </m:t>
+                    </m:r>
+                    <m:sSub>
+                      <m:sSubPr>
+                        <m:ctrlPr>
+                          <a:rPr lang="en-US" b="0" i="1" dirty="0" smtClean="0">
+                            <a:latin typeface="Cambria Math" panose="02040503050406030204" pitchFamily="18" charset="0"/>
+                          </a:rPr>
+                        </m:ctrlPr>
+                      </m:sSubPr>
+                      <m:e>
+                        <m:r>
+                          <a:rPr lang="en-US" b="0" i="1" dirty="0" smtClean="0">
+                            <a:latin typeface="Cambria Math" panose="02040503050406030204" pitchFamily="18" charset="0"/>
+                          </a:rPr>
+                          <m:t>ℙ</m:t>
+                        </m:r>
+                      </m:e>
+                      <m:sub>
+                        <m:sSub>
+                          <m:sSubPr>
+                            <m:ctrlPr>
+                              <a:rPr lang="en-US" b="0" i="1" dirty="0" smtClean="0">
+                                <a:latin typeface="Cambria Math" panose="02040503050406030204" pitchFamily="18" charset="0"/>
+                              </a:rPr>
+                            </m:ctrlPr>
+                          </m:sSubPr>
+                          <m:e>
+                            <m:r>
+                              <a:rPr lang="en-US" i="1" dirty="0">
+                                <a:latin typeface="Cambria Math" panose="02040503050406030204" pitchFamily="18" charset="0"/>
+                              </a:rPr>
+                              <m:t>𝑧</m:t>
+                            </m:r>
+                          </m:e>
+                          <m:sub>
+                            <m:r>
+                              <a:rPr lang="en-US" i="1" dirty="0">
+                                <a:latin typeface="Cambria Math" panose="02040503050406030204" pitchFamily="18" charset="0"/>
+                              </a:rPr>
+                              <m:t>𝑡</m:t>
+                            </m:r>
+                          </m:sub>
+                        </m:sSub>
+                        <m:r>
+                          <a:rPr lang="en-US" i="1" dirty="0">
+                            <a:latin typeface="Cambria Math" panose="02040503050406030204" pitchFamily="18" charset="0"/>
+                          </a:rPr>
+                          <m:t>|</m:t>
+                        </m:r>
+                        <m:sSub>
+                          <m:sSubPr>
+                            <m:ctrlPr>
+                              <a:rPr lang="en-US" b="0" i="1" dirty="0" smtClean="0">
+                                <a:latin typeface="Cambria Math" panose="02040503050406030204" pitchFamily="18" charset="0"/>
+                              </a:rPr>
+                            </m:ctrlPr>
+                          </m:sSubPr>
+                          <m:e>
+                            <m:r>
+                              <a:rPr lang="en-US" i="1" dirty="0">
+                                <a:latin typeface="Cambria Math" panose="02040503050406030204" pitchFamily="18" charset="0"/>
+                              </a:rPr>
+                              <m:t>𝑌</m:t>
+                            </m:r>
+                          </m:e>
+                          <m:sub>
+                            <m:r>
+                              <a:rPr lang="en-US" i="1" dirty="0">
+                                <a:latin typeface="Cambria Math" panose="02040503050406030204" pitchFamily="18" charset="0"/>
+                              </a:rPr>
+                              <m:t>𝑡</m:t>
+                            </m:r>
+                            <m:r>
+                              <a:rPr lang="en-US" i="1" dirty="0">
+                                <a:latin typeface="Cambria Math" panose="02040503050406030204" pitchFamily="18" charset="0"/>
+                              </a:rPr>
+                              <m:t>−</m:t>
+                            </m:r>
+                            <m:r>
+                              <a:rPr lang="en-US" i="1" dirty="0">
+                                <a:latin typeface="Cambria Math" panose="02040503050406030204" pitchFamily="18" charset="0"/>
+                              </a:rPr>
+                              <m:t>1</m:t>
+                            </m:r>
+                          </m:sub>
+                        </m:sSub>
+                      </m:sub>
+                    </m:sSub>
+                    <m:r>
+                      <a:rPr lang="en-US" i="1" dirty="0" smtClean="0">
+                        <a:latin typeface="Cambria Math" panose="02040503050406030204" pitchFamily="18" charset="0"/>
+                      </a:rPr>
+                      <m:t>=</m:t>
+                    </m:r>
+                    <m:sSub>
+                      <m:sSubPr>
+                        <m:ctrlPr>
+                          <a:rPr lang="en-US" b="0" i="1" dirty="0" smtClean="0">
+                            <a:latin typeface="Cambria Math" panose="02040503050406030204" pitchFamily="18" charset="0"/>
+                          </a:rPr>
+                        </m:ctrlPr>
+                      </m:sSubPr>
+                      <m:e>
+                        <m:r>
+                          <a:rPr lang="en-US" b="0" i="1" dirty="0" smtClean="0">
+                            <a:latin typeface="Cambria Math" panose="02040503050406030204" pitchFamily="18" charset="0"/>
+                          </a:rPr>
+                          <m:t>𝒩</m:t>
+                        </m:r>
+                      </m:e>
+                      <m:sub>
+                        <m:r>
+                          <a:rPr lang="en-US" i="1" dirty="0" smtClean="0">
+                            <a:latin typeface="Cambria Math" panose="02040503050406030204" pitchFamily="18" charset="0"/>
+                          </a:rPr>
+                          <m:t>𝑑</m:t>
+                        </m:r>
+                      </m:sub>
+                    </m:sSub>
+                    <m:d>
+                      <m:dPr>
+                        <m:ctrlPr>
+                          <a:rPr lang="en-US" b="0" i="1" dirty="0" smtClean="0">
+                            <a:latin typeface="Cambria Math" panose="02040503050406030204" pitchFamily="18" charset="0"/>
+                          </a:rPr>
+                        </m:ctrlPr>
+                      </m:dPr>
+                      <m:e>
+                        <m:sSub>
+                          <m:sSubPr>
+                            <m:ctrlPr>
+                              <a:rPr lang="en-US" b="0" i="1" dirty="0" smtClean="0">
+                                <a:latin typeface="Cambria Math" panose="02040503050406030204" pitchFamily="18" charset="0"/>
+                              </a:rPr>
+                            </m:ctrlPr>
+                          </m:sSubPr>
+                          <m:e>
+                            <m:r>
+                              <a:rPr lang="en-US" b="0" i="1" dirty="0" smtClean="0">
+                                <a:latin typeface="Cambria Math" panose="02040503050406030204" pitchFamily="18" charset="0"/>
+                              </a:rPr>
+                              <m:t>𝜇</m:t>
+                            </m:r>
+                          </m:e>
+                          <m:sub>
+                            <m:r>
+                              <a:rPr lang="en-US" i="1" dirty="0" smtClean="0">
+                                <a:latin typeface="Cambria Math" panose="02040503050406030204" pitchFamily="18" charset="0"/>
+                              </a:rPr>
+                              <m:t>𝑡</m:t>
+                            </m:r>
+                          </m:sub>
+                        </m:sSub>
+                        <m:r>
+                          <a:rPr lang="en-US" i="1" dirty="0" smtClean="0">
+                            <a:latin typeface="Cambria Math" panose="02040503050406030204" pitchFamily="18" charset="0"/>
+                          </a:rPr>
+                          <m:t>, </m:t>
+                        </m:r>
+                        <m:sSub>
+                          <m:sSubPr>
+                            <m:ctrlPr>
+                              <a:rPr lang="en-US" b="0" i="1" dirty="0" smtClean="0">
+                                <a:latin typeface="Cambria Math" panose="02040503050406030204" pitchFamily="18" charset="0"/>
+                              </a:rPr>
+                            </m:ctrlPr>
+                          </m:sSubPr>
+                          <m:e>
+                            <m:r>
+                              <m:rPr>
+                                <m:sty m:val="p"/>
+                              </m:rPr>
+                              <a:rPr lang="en-US" b="0" i="0" dirty="0" smtClean="0">
+                                <a:latin typeface="Cambria Math" panose="02040503050406030204" pitchFamily="18" charset="0"/>
+                              </a:rPr>
+                              <m:t>Σ</m:t>
+                            </m:r>
+                          </m:e>
+                          <m:sub>
+                            <m:r>
+                              <a:rPr lang="en-US" b="0" i="1" dirty="0" smtClean="0">
+                                <a:latin typeface="Cambria Math" panose="02040503050406030204" pitchFamily="18" charset="0"/>
+                              </a:rPr>
+                              <m:t>𝑡</m:t>
+                            </m:r>
+                          </m:sub>
+                        </m:sSub>
+                      </m:e>
+                    </m:d>
+                  </m:oMath>
+                </a14:m>
+                <a:r>
+                  <a:rPr lang="en-US" dirty="0"/>
+                  <a:t> where</a:t>
+                </a:r>
+              </a:p>
+              <a:p>
+                <a:pPr marL="0" indent="0">
+                  <a:buNone/>
+                </a:pPr>
+                <a14:m>
+                  <m:oMathPara xmlns:m="http://schemas.openxmlformats.org/officeDocument/2006/math">
+                    <m:oMathParaPr>
+                      <m:jc m:val="centerGroup"/>
+                    </m:oMathParaPr>
+                    <m:oMath xmlns:m="http://schemas.openxmlformats.org/officeDocument/2006/math">
+                      <m:sSub>
+                        <m:sSubPr>
+                          <m:ctrlPr>
+                            <a:rPr lang="en-US" b="0" i="1" smtClean="0">
+                              <a:latin typeface="Cambria Math" panose="02040503050406030204" pitchFamily="18" charset="0"/>
+                            </a:rPr>
+                          </m:ctrlPr>
+                        </m:sSubPr>
+                        <m:e>
+                          <m:r>
+                            <a:rPr lang="en-US" b="0" i="1" smtClean="0">
+                              <a:latin typeface="Cambria Math" panose="02040503050406030204" pitchFamily="18" charset="0"/>
+                            </a:rPr>
+                            <m:t>𝜇</m:t>
+                          </m:r>
+                        </m:e>
+                        <m:sub>
+                          <m:r>
+                            <a:rPr lang="en-US" b="0" i="1" smtClean="0">
+                              <a:latin typeface="Cambria Math" panose="02040503050406030204" pitchFamily="18" charset="0"/>
+                            </a:rPr>
+                            <m:t>𝑡</m:t>
+                          </m:r>
+                        </m:sub>
+                      </m:sSub>
+                      <m:r>
+                        <a:rPr lang="en-US" b="0" i="1" smtClean="0">
+                          <a:latin typeface="Cambria Math" panose="02040503050406030204" pitchFamily="18" charset="0"/>
+                        </a:rPr>
+                        <m:t>=</m:t>
+                      </m:r>
+                      <m:d>
+                        <m:dPr>
+                          <m:begChr m:val="["/>
+                          <m:endChr m:val="]"/>
+                          <m:ctrlPr>
+                            <a:rPr lang="en-US" b="0" i="1" smtClean="0">
+                              <a:latin typeface="Cambria Math" panose="02040503050406030204" pitchFamily="18" charset="0"/>
+                            </a:rPr>
+                          </m:ctrlPr>
+                        </m:dPr>
+                        <m:e>
+                          <m:eqArr>
+                            <m:eqArrPr>
+                              <m:ctrlPr>
+                                <a:rPr lang="en-US" b="0" i="1" smtClean="0">
+                                  <a:latin typeface="Cambria Math" panose="02040503050406030204" pitchFamily="18" charset="0"/>
+                                </a:rPr>
+                              </m:ctrlPr>
+                            </m:eqArrPr>
+                            <m:e>
+                              <m:sSub>
+                                <m:sSubPr>
+                                  <m:ctrlPr>
+                                    <a:rPr lang="en-US" b="0" i="1" smtClean="0">
+                                      <a:latin typeface="Cambria Math" panose="02040503050406030204" pitchFamily="18" charset="0"/>
+                                    </a:rPr>
+                                  </m:ctrlPr>
+                                </m:sSubPr>
+                                <m:e>
+                                  <m:r>
+                                    <a:rPr lang="en-US" b="0" i="1" smtClean="0">
+                                      <a:latin typeface="Cambria Math" panose="02040503050406030204" pitchFamily="18" charset="0"/>
+                                    </a:rPr>
+                                    <m:t>𝐴</m:t>
+                                  </m:r>
+                                </m:e>
+                                <m:sub>
+                                  <m:r>
+                                    <a:rPr lang="en-US" b="0" i="1" smtClean="0">
+                                      <a:latin typeface="Cambria Math" panose="02040503050406030204" pitchFamily="18" charset="0"/>
+                                    </a:rPr>
+                                    <m:t>𝑡</m:t>
+                                  </m:r>
+                                </m:sub>
+                              </m:sSub>
+                            </m:e>
+                            <m:e>
+                              <m:sSub>
+                                <m:sSubPr>
+                                  <m:ctrlPr>
+                                    <a:rPr lang="en-US" b="0" i="1" smtClean="0">
+                                      <a:latin typeface="Cambria Math" panose="02040503050406030204" pitchFamily="18" charset="0"/>
+                                    </a:rPr>
+                                  </m:ctrlPr>
+                                </m:sSubPr>
+                                <m:e>
+                                  <m:r>
+                                    <a:rPr lang="en-US" b="0" i="1" smtClean="0">
+                                      <a:latin typeface="Cambria Math" panose="02040503050406030204" pitchFamily="18" charset="0"/>
+                                    </a:rPr>
+                                    <m:t>𝐶</m:t>
+                                  </m:r>
+                                </m:e>
+                                <m:sub>
+                                  <m:r>
+                                    <a:rPr lang="en-US" b="0" i="1" smtClean="0">
+                                      <a:latin typeface="Cambria Math" panose="02040503050406030204" pitchFamily="18" charset="0"/>
+                                    </a:rPr>
+                                    <m:t>𝑡</m:t>
+                                  </m:r>
+                                </m:sub>
+                              </m:sSub>
+                              <m:sSub>
+                                <m:sSubPr>
+                                  <m:ctrlPr>
+                                    <a:rPr lang="en-US" b="0" i="1" smtClean="0">
+                                      <a:latin typeface="Cambria Math" panose="02040503050406030204" pitchFamily="18" charset="0"/>
+                                    </a:rPr>
+                                  </m:ctrlPr>
+                                </m:sSubPr>
+                                <m:e>
+                                  <m:r>
+                                    <a:rPr lang="en-US" b="0" i="1" smtClean="0">
+                                      <a:latin typeface="Cambria Math" panose="02040503050406030204" pitchFamily="18" charset="0"/>
+                                    </a:rPr>
+                                    <m:t>𝐴</m:t>
+                                  </m:r>
+                                </m:e>
+                                <m:sub>
+                                  <m:r>
+                                    <a:rPr lang="en-US" b="0" i="1" smtClean="0">
+                                      <a:latin typeface="Cambria Math" panose="02040503050406030204" pitchFamily="18" charset="0"/>
+                                    </a:rPr>
+                                    <m:t>𝑡</m:t>
+                                  </m:r>
+                                </m:sub>
+                              </m:sSub>
+                            </m:e>
+                          </m:eqArr>
+                        </m:e>
+                      </m:d>
+                      <m:sSub>
+                        <m:sSubPr>
+                          <m:ctrlPr>
+                            <a:rPr lang="en-US" b="0" i="1" smtClean="0">
+                              <a:latin typeface="Cambria Math" panose="02040503050406030204" pitchFamily="18" charset="0"/>
+                            </a:rPr>
+                          </m:ctrlPr>
+                        </m:sSubPr>
+                        <m:e>
+                          <m:acc>
+                            <m:accPr>
+                              <m:chr m:val="̂"/>
+                              <m:ctrlPr>
+                                <a:rPr lang="en-US" b="0" i="1" smtClean="0">
+                                  <a:latin typeface="Cambria Math" panose="02040503050406030204" pitchFamily="18" charset="0"/>
+                                </a:rPr>
+                              </m:ctrlPr>
+                            </m:accPr>
+                            <m:e>
+                              <m:r>
+                                <a:rPr lang="en-US" b="0" i="1" smtClean="0">
+                                  <a:latin typeface="Cambria Math" panose="02040503050406030204" pitchFamily="18" charset="0"/>
+                                </a:rPr>
+                                <m:t>𝑥</m:t>
+                              </m:r>
+                            </m:e>
+                          </m:acc>
+                        </m:e>
+                        <m:sub>
+                          <m:r>
+                            <a:rPr lang="en-US" b="0" i="1" smtClean="0">
+                              <a:latin typeface="Cambria Math" panose="02040503050406030204" pitchFamily="18" charset="0"/>
+                            </a:rPr>
+                            <m:t>𝑡</m:t>
+                          </m:r>
+                          <m:r>
+                            <a:rPr lang="en-US" b="0" i="1" smtClean="0">
+                              <a:latin typeface="Cambria Math" panose="02040503050406030204" pitchFamily="18" charset="0"/>
+                            </a:rPr>
+                            <m:t>−</m:t>
+                          </m:r>
+                          <m:r>
+                            <a:rPr lang="en-US" b="0" i="1" smtClean="0">
+                              <a:latin typeface="Cambria Math" panose="02040503050406030204" pitchFamily="18" charset="0"/>
+                            </a:rPr>
+                            <m:t>1</m:t>
+                          </m:r>
+                        </m:sub>
+                      </m:sSub>
+                    </m:oMath>
+                    <m:oMath xmlns:m="http://schemas.openxmlformats.org/officeDocument/2006/math">
+                      <m:sSub>
+                        <m:sSubPr>
+                          <m:ctrlPr>
+                            <a:rPr lang="en-US" b="0" i="1" smtClean="0">
+                              <a:latin typeface="Cambria Math" panose="02040503050406030204" pitchFamily="18" charset="0"/>
+                            </a:rPr>
+                          </m:ctrlPr>
+                        </m:sSubPr>
+                        <m:e>
+                          <m:r>
+                            <m:rPr>
+                              <m:sty m:val="p"/>
+                            </m:rPr>
+                            <a:rPr lang="en-US" b="0" i="0" smtClean="0">
+                              <a:latin typeface="Cambria Math" panose="02040503050406030204" pitchFamily="18" charset="0"/>
+                            </a:rPr>
+                            <m:t>Σ</m:t>
+                          </m:r>
+                        </m:e>
+                        <m:sub>
+                          <m:r>
+                            <a:rPr lang="en-US" b="0" i="1" smtClean="0">
+                              <a:latin typeface="Cambria Math" panose="02040503050406030204" pitchFamily="18" charset="0"/>
+                            </a:rPr>
+                            <m:t>𝑡</m:t>
+                          </m:r>
+                        </m:sub>
+                      </m:sSub>
+                      <m:r>
+                        <a:rPr lang="en-US" b="0" i="1" smtClean="0">
+                          <a:latin typeface="Cambria Math" panose="02040503050406030204" pitchFamily="18" charset="0"/>
+                        </a:rPr>
+                        <m:t>=</m:t>
+                      </m:r>
+                      <m:d>
+                        <m:dPr>
+                          <m:begChr m:val="["/>
+                          <m:endChr m:val="]"/>
+                          <m:ctrlPr>
+                            <a:rPr lang="en-US" b="0" i="1" smtClean="0">
+                              <a:latin typeface="Cambria Math" panose="02040503050406030204" pitchFamily="18" charset="0"/>
+                            </a:rPr>
+                          </m:ctrlPr>
+                        </m:dPr>
+                        <m:e>
+                          <m:eqArr>
+                            <m:eqArrPr>
+                              <m:ctrlPr>
+                                <a:rPr lang="en-US" b="0" i="1" smtClean="0">
+                                  <a:latin typeface="Cambria Math" panose="02040503050406030204" pitchFamily="18" charset="0"/>
+                                </a:rPr>
+                              </m:ctrlPr>
+                            </m:eqArrPr>
+                            <m:e>
+                              <m:sSub>
+                                <m:sSubPr>
+                                  <m:ctrlPr>
+                                    <a:rPr lang="en-US" b="0" i="1" smtClean="0">
+                                      <a:latin typeface="Cambria Math" panose="02040503050406030204" pitchFamily="18" charset="0"/>
+                                    </a:rPr>
+                                  </m:ctrlPr>
+                                </m:sSubPr>
+                                <m:e>
+                                  <m:r>
+                                    <a:rPr lang="en-US" b="0" i="1" smtClean="0">
+                                      <a:latin typeface="Cambria Math" panose="02040503050406030204" pitchFamily="18" charset="0"/>
+                                    </a:rPr>
+                                    <m:t>𝐴</m:t>
+                                  </m:r>
+                                </m:e>
+                                <m:sub>
+                                  <m:r>
+                                    <a:rPr lang="en-US" b="0" i="1" smtClean="0">
+                                      <a:latin typeface="Cambria Math" panose="02040503050406030204" pitchFamily="18" charset="0"/>
+                                    </a:rPr>
+                                    <m:t>𝑡</m:t>
+                                  </m:r>
+                                </m:sub>
+                              </m:sSub>
+                            </m:e>
+                            <m:e>
+                              <m:sSub>
+                                <m:sSubPr>
+                                  <m:ctrlPr>
+                                    <a:rPr lang="en-US" b="0" i="1" smtClean="0">
+                                      <a:latin typeface="Cambria Math" panose="02040503050406030204" pitchFamily="18" charset="0"/>
+                                    </a:rPr>
+                                  </m:ctrlPr>
+                                </m:sSubPr>
+                                <m:e>
+                                  <m:r>
+                                    <a:rPr lang="en-US" b="0" i="1" smtClean="0">
+                                      <a:latin typeface="Cambria Math" panose="02040503050406030204" pitchFamily="18" charset="0"/>
+                                    </a:rPr>
+                                    <m:t>𝐶</m:t>
+                                  </m:r>
+                                </m:e>
+                                <m:sub>
+                                  <m:r>
+                                    <a:rPr lang="en-US" b="0" i="1" smtClean="0">
+                                      <a:latin typeface="Cambria Math" panose="02040503050406030204" pitchFamily="18" charset="0"/>
+                                    </a:rPr>
+                                    <m:t>𝑡</m:t>
+                                  </m:r>
+                                </m:sub>
+                              </m:sSub>
+                              <m:sSub>
+                                <m:sSubPr>
+                                  <m:ctrlPr>
+                                    <a:rPr lang="en-US" b="0" i="1" smtClean="0">
+                                      <a:latin typeface="Cambria Math" panose="02040503050406030204" pitchFamily="18" charset="0"/>
+                                    </a:rPr>
+                                  </m:ctrlPr>
+                                </m:sSubPr>
+                                <m:e>
+                                  <m:r>
+                                    <a:rPr lang="en-US" b="0" i="1" smtClean="0">
+                                      <a:latin typeface="Cambria Math" panose="02040503050406030204" pitchFamily="18" charset="0"/>
+                                    </a:rPr>
+                                    <m:t>𝐴</m:t>
+                                  </m:r>
+                                </m:e>
+                                <m:sub>
+                                  <m:r>
+                                    <a:rPr lang="en-US" b="0" i="1" smtClean="0">
+                                      <a:latin typeface="Cambria Math" panose="02040503050406030204" pitchFamily="18" charset="0"/>
+                                    </a:rPr>
+                                    <m:t>𝑡</m:t>
+                                  </m:r>
+                                </m:sub>
+                              </m:sSub>
+                            </m:e>
+                          </m:eqArr>
+                        </m:e>
+                      </m:d>
+                      <m:sSub>
+                        <m:sSubPr>
+                          <m:ctrlPr>
+                            <a:rPr lang="en-US" b="0" i="1" smtClean="0">
+                              <a:latin typeface="Cambria Math" panose="02040503050406030204" pitchFamily="18" charset="0"/>
+                            </a:rPr>
+                          </m:ctrlPr>
+                        </m:sSubPr>
+                        <m:e>
+                          <m:r>
+                            <a:rPr lang="en-US" b="0" i="1" smtClean="0">
+                              <a:latin typeface="Cambria Math" panose="02040503050406030204" pitchFamily="18" charset="0"/>
+                            </a:rPr>
+                            <m:t>𝑉</m:t>
+                          </m:r>
+                        </m:e>
+                        <m:sub>
+                          <m:r>
+                            <a:rPr lang="en-US" b="0" i="1" smtClean="0">
+                              <a:latin typeface="Cambria Math" panose="02040503050406030204" pitchFamily="18" charset="0"/>
+                            </a:rPr>
+                            <m:t>𝑡</m:t>
+                          </m:r>
+                          <m:r>
+                            <a:rPr lang="en-US" b="0" i="1" smtClean="0">
+                              <a:latin typeface="Cambria Math" panose="02040503050406030204" pitchFamily="18" charset="0"/>
+                            </a:rPr>
+                            <m:t>−</m:t>
+                          </m:r>
+                          <m:r>
+                            <a:rPr lang="en-US" b="0" i="1" smtClean="0">
+                              <a:latin typeface="Cambria Math" panose="02040503050406030204" pitchFamily="18" charset="0"/>
+                            </a:rPr>
+                            <m:t>1</m:t>
+                          </m:r>
+                        </m:sub>
+                      </m:sSub>
+                      <m:sSup>
+                        <m:sSupPr>
+                          <m:ctrlPr>
+                            <a:rPr lang="en-US" b="0" i="1" smtClean="0">
+                              <a:latin typeface="Cambria Math" panose="02040503050406030204" pitchFamily="18" charset="0"/>
+                            </a:rPr>
+                          </m:ctrlPr>
+                        </m:sSupPr>
+                        <m:e>
+                          <m:d>
+                            <m:dPr>
+                              <m:begChr m:val="["/>
+                              <m:endChr m:val="]"/>
+                              <m:ctrlPr>
+                                <a:rPr lang="en-US" i="1">
+                                  <a:latin typeface="Cambria Math" panose="02040503050406030204" pitchFamily="18" charset="0"/>
+                                </a:rPr>
+                              </m:ctrlPr>
+                            </m:dPr>
+                            <m:e>
+                              <m:eqArr>
+                                <m:eqArrPr>
+                                  <m:ctrlPr>
+                                    <a:rPr lang="en-US" i="1">
+                                      <a:latin typeface="Cambria Math" panose="02040503050406030204" pitchFamily="18" charset="0"/>
+                                    </a:rPr>
+                                  </m:ctrlPr>
+                                </m:eqArrPr>
+                                <m:e>
+                                  <m:sSub>
+                                    <m:sSubPr>
+                                      <m:ctrlPr>
+                                        <a:rPr lang="en-US" i="1">
+                                          <a:latin typeface="Cambria Math" panose="02040503050406030204" pitchFamily="18" charset="0"/>
+                                        </a:rPr>
+                                      </m:ctrlPr>
+                                    </m:sSubPr>
+                                    <m:e>
+                                      <m:r>
+                                        <a:rPr lang="en-US" i="1">
+                                          <a:latin typeface="Cambria Math" panose="02040503050406030204" pitchFamily="18" charset="0"/>
+                                        </a:rPr>
+                                        <m:t>𝐴</m:t>
+                                      </m:r>
+                                    </m:e>
+                                    <m:sub>
+                                      <m:r>
+                                        <a:rPr lang="en-US" i="1">
+                                          <a:latin typeface="Cambria Math" panose="02040503050406030204" pitchFamily="18" charset="0"/>
+                                        </a:rPr>
+                                        <m:t>𝑡</m:t>
+                                      </m:r>
+                                    </m:sub>
+                                  </m:sSub>
+                                </m:e>
+                                <m:e>
+                                  <m:sSub>
+                                    <m:sSubPr>
+                                      <m:ctrlPr>
+                                        <a:rPr lang="en-US" i="1">
+                                          <a:latin typeface="Cambria Math" panose="02040503050406030204" pitchFamily="18" charset="0"/>
+                                        </a:rPr>
+                                      </m:ctrlPr>
+                                    </m:sSubPr>
+                                    <m:e>
+                                      <m:r>
+                                        <a:rPr lang="en-US" i="1">
+                                          <a:latin typeface="Cambria Math" panose="02040503050406030204" pitchFamily="18" charset="0"/>
+                                        </a:rPr>
+                                        <m:t>𝐶</m:t>
+                                      </m:r>
+                                    </m:e>
+                                    <m:sub>
+                                      <m:r>
+                                        <a:rPr lang="en-US" i="1">
+                                          <a:latin typeface="Cambria Math" panose="02040503050406030204" pitchFamily="18" charset="0"/>
+                                        </a:rPr>
+                                        <m:t>𝑡</m:t>
+                                      </m:r>
+                                    </m:sub>
+                                  </m:sSub>
+                                  <m:sSub>
+                                    <m:sSubPr>
+                                      <m:ctrlPr>
+                                        <a:rPr lang="en-US" i="1">
+                                          <a:latin typeface="Cambria Math" panose="02040503050406030204" pitchFamily="18" charset="0"/>
+                                        </a:rPr>
+                                      </m:ctrlPr>
+                                    </m:sSubPr>
+                                    <m:e>
+                                      <m:r>
+                                        <a:rPr lang="en-US" i="1">
+                                          <a:latin typeface="Cambria Math" panose="02040503050406030204" pitchFamily="18" charset="0"/>
+                                        </a:rPr>
+                                        <m:t>𝐴</m:t>
+                                      </m:r>
+                                    </m:e>
+                                    <m:sub>
+                                      <m:r>
+                                        <a:rPr lang="en-US" i="1">
+                                          <a:latin typeface="Cambria Math" panose="02040503050406030204" pitchFamily="18" charset="0"/>
+                                        </a:rPr>
+                                        <m:t>𝑡</m:t>
+                                      </m:r>
+                                    </m:sub>
+                                  </m:sSub>
+                                </m:e>
+                              </m:eqArr>
+                            </m:e>
+                          </m:d>
+                        </m:e>
+                        <m:sup>
+                          <m:r>
+                            <a:rPr lang="en-US" b="0" i="1" smtClean="0">
+                              <a:latin typeface="Cambria Math" panose="02040503050406030204" pitchFamily="18" charset="0"/>
+                            </a:rPr>
+                            <m:t>𝑇</m:t>
+                          </m:r>
+                        </m:sup>
+                      </m:sSup>
+                      <m:r>
+                        <a:rPr lang="en-US" b="0" i="1" smtClean="0">
+                          <a:latin typeface="Cambria Math" panose="02040503050406030204" pitchFamily="18" charset="0"/>
+                        </a:rPr>
+                        <m:t>+</m:t>
+                      </m:r>
+                      <m:d>
+                        <m:dPr>
+                          <m:begChr m:val="["/>
+                          <m:endChr m:val="]"/>
+                          <m:ctrlPr>
+                            <a:rPr lang="en-US" b="0" i="1" smtClean="0">
+                              <a:latin typeface="Cambria Math" panose="02040503050406030204" pitchFamily="18" charset="0"/>
+                            </a:rPr>
+                          </m:ctrlPr>
+                        </m:dPr>
+                        <m:e>
+                          <m:eqArr>
+                            <m:eqArrPr>
+                              <m:ctrlPr>
+                                <a:rPr lang="en-US" b="0" i="1" smtClean="0">
+                                  <a:latin typeface="Cambria Math" panose="02040503050406030204" pitchFamily="18" charset="0"/>
+                                </a:rPr>
+                              </m:ctrlPr>
+                            </m:eqArrPr>
+                            <m:e>
+                              <m:sSub>
+                                <m:sSubPr>
+                                  <m:ctrlPr>
+                                    <a:rPr lang="en-US" b="0" i="1" smtClean="0">
+                                      <a:latin typeface="Cambria Math" panose="02040503050406030204" pitchFamily="18" charset="0"/>
+                                    </a:rPr>
+                                  </m:ctrlPr>
+                                </m:sSubPr>
+                                <m:e>
+                                  <m:r>
+                                    <a:rPr lang="en-US" b="0" i="1" smtClean="0">
+                                      <a:latin typeface="Cambria Math" panose="02040503050406030204" pitchFamily="18" charset="0"/>
+                                    </a:rPr>
+                                    <m:t>𝐵</m:t>
+                                  </m:r>
+                                </m:e>
+                                <m:sub>
+                                  <m:r>
+                                    <a:rPr lang="en-US" b="0" i="1" smtClean="0">
+                                      <a:latin typeface="Cambria Math" panose="02040503050406030204" pitchFamily="18" charset="0"/>
+                                    </a:rPr>
+                                    <m:t>𝑡</m:t>
+                                  </m:r>
+                                </m:sub>
+                              </m:sSub>
+                            </m:e>
+                            <m:e>
+                              <m:sSub>
+                                <m:sSubPr>
+                                  <m:ctrlPr>
+                                    <a:rPr lang="en-US" b="0" i="1" smtClean="0">
+                                      <a:latin typeface="Cambria Math" panose="02040503050406030204" pitchFamily="18" charset="0"/>
+                                    </a:rPr>
+                                  </m:ctrlPr>
+                                </m:sSubPr>
+                                <m:e>
+                                  <m:r>
+                                    <a:rPr lang="en-US" b="0" i="1" smtClean="0">
+                                      <a:latin typeface="Cambria Math" panose="02040503050406030204" pitchFamily="18" charset="0"/>
+                                    </a:rPr>
+                                    <m:t>𝐶</m:t>
+                                  </m:r>
+                                </m:e>
+                                <m:sub>
+                                  <m:r>
+                                    <a:rPr lang="en-US" b="0" i="1" smtClean="0">
+                                      <a:latin typeface="Cambria Math" panose="02040503050406030204" pitchFamily="18" charset="0"/>
+                                    </a:rPr>
+                                    <m:t>𝑡</m:t>
+                                  </m:r>
+                                </m:sub>
+                              </m:sSub>
+                              <m:sSub>
+                                <m:sSubPr>
+                                  <m:ctrlPr>
+                                    <a:rPr lang="en-US" b="0" i="1" smtClean="0">
+                                      <a:latin typeface="Cambria Math" panose="02040503050406030204" pitchFamily="18" charset="0"/>
+                                    </a:rPr>
+                                  </m:ctrlPr>
+                                </m:sSubPr>
+                                <m:e>
+                                  <m:r>
+                                    <a:rPr lang="en-US" b="0" i="1" smtClean="0">
+                                      <a:latin typeface="Cambria Math" panose="02040503050406030204" pitchFamily="18" charset="0"/>
+                                    </a:rPr>
+                                    <m:t>𝐵</m:t>
+                                  </m:r>
+                                </m:e>
+                                <m:sub>
+                                  <m:r>
+                                    <a:rPr lang="en-US" b="0" i="1" smtClean="0">
+                                      <a:latin typeface="Cambria Math" panose="02040503050406030204" pitchFamily="18" charset="0"/>
+                                    </a:rPr>
+                                    <m:t>𝑡</m:t>
+                                  </m:r>
+                                </m:sub>
+                              </m:sSub>
+                              <m:r>
+                                <a:rPr lang="en-US" b="0" i="1" smtClean="0">
+                                  <a:latin typeface="Cambria Math" panose="02040503050406030204" pitchFamily="18" charset="0"/>
+                                </a:rPr>
+                                <m:t>+</m:t>
+                              </m:r>
+                              <m:sSub>
+                                <m:sSubPr>
+                                  <m:ctrlPr>
+                                    <a:rPr lang="en-US" b="0" i="1" smtClean="0">
+                                      <a:latin typeface="Cambria Math" panose="02040503050406030204" pitchFamily="18" charset="0"/>
+                                    </a:rPr>
+                                  </m:ctrlPr>
+                                </m:sSubPr>
+                                <m:e>
+                                  <m:r>
+                                    <a:rPr lang="en-US" b="0" i="1" smtClean="0">
+                                      <a:latin typeface="Cambria Math" panose="02040503050406030204" pitchFamily="18" charset="0"/>
+                                    </a:rPr>
+                                    <m:t>𝐷</m:t>
+                                  </m:r>
+                                </m:e>
+                                <m:sub>
+                                  <m:r>
+                                    <a:rPr lang="en-US" b="0" i="1" smtClean="0">
+                                      <a:latin typeface="Cambria Math" panose="02040503050406030204" pitchFamily="18" charset="0"/>
+                                    </a:rPr>
+                                    <m:t>𝑡</m:t>
+                                  </m:r>
+                                </m:sub>
+                              </m:sSub>
+                            </m:e>
+                          </m:eqArr>
+                        </m:e>
+                      </m:d>
+                      <m:sSup>
+                        <m:sSupPr>
+                          <m:ctrlPr>
+                            <a:rPr lang="en-US" b="0" i="1" smtClean="0">
+                              <a:latin typeface="Cambria Math" panose="02040503050406030204" pitchFamily="18" charset="0"/>
+                            </a:rPr>
+                          </m:ctrlPr>
+                        </m:sSupPr>
+                        <m:e>
+                          <m:d>
+                            <m:dPr>
+                              <m:begChr m:val="["/>
+                              <m:endChr m:val="]"/>
+                              <m:ctrlPr>
+                                <a:rPr lang="en-US" i="1">
+                                  <a:latin typeface="Cambria Math" panose="02040503050406030204" pitchFamily="18" charset="0"/>
+                                </a:rPr>
+                              </m:ctrlPr>
+                            </m:dPr>
+                            <m:e>
+                              <m:eqArr>
+                                <m:eqArrPr>
+                                  <m:ctrlPr>
+                                    <a:rPr lang="en-US" i="1">
+                                      <a:latin typeface="Cambria Math" panose="02040503050406030204" pitchFamily="18" charset="0"/>
+                                    </a:rPr>
+                                  </m:ctrlPr>
+                                </m:eqArrPr>
+                                <m:e>
+                                  <m:sSub>
+                                    <m:sSubPr>
+                                      <m:ctrlPr>
+                                        <a:rPr lang="en-US" i="1">
+                                          <a:latin typeface="Cambria Math" panose="02040503050406030204" pitchFamily="18" charset="0"/>
+                                        </a:rPr>
+                                      </m:ctrlPr>
+                                    </m:sSubPr>
+                                    <m:e>
+                                      <m:r>
+                                        <a:rPr lang="en-US" i="1">
+                                          <a:latin typeface="Cambria Math" panose="02040503050406030204" pitchFamily="18" charset="0"/>
+                                        </a:rPr>
+                                        <m:t>𝐵</m:t>
+                                      </m:r>
+                                    </m:e>
+                                    <m:sub>
+                                      <m:r>
+                                        <a:rPr lang="en-US" i="1">
+                                          <a:latin typeface="Cambria Math" panose="02040503050406030204" pitchFamily="18" charset="0"/>
+                                        </a:rPr>
+                                        <m:t>𝑡</m:t>
+                                      </m:r>
+                                    </m:sub>
+                                  </m:sSub>
+                                </m:e>
+                                <m:e>
+                                  <m:sSub>
+                                    <m:sSubPr>
+                                      <m:ctrlPr>
+                                        <a:rPr lang="en-US" i="1">
+                                          <a:latin typeface="Cambria Math" panose="02040503050406030204" pitchFamily="18" charset="0"/>
+                                        </a:rPr>
+                                      </m:ctrlPr>
+                                    </m:sSubPr>
+                                    <m:e>
+                                      <m:r>
+                                        <a:rPr lang="en-US" i="1">
+                                          <a:latin typeface="Cambria Math" panose="02040503050406030204" pitchFamily="18" charset="0"/>
+                                        </a:rPr>
+                                        <m:t>𝐶</m:t>
+                                      </m:r>
+                                    </m:e>
+                                    <m:sub>
+                                      <m:r>
+                                        <a:rPr lang="en-US" i="1">
+                                          <a:latin typeface="Cambria Math" panose="02040503050406030204" pitchFamily="18" charset="0"/>
+                                        </a:rPr>
+                                        <m:t>𝑡</m:t>
+                                      </m:r>
+                                    </m:sub>
+                                  </m:sSub>
+                                  <m:sSub>
+                                    <m:sSubPr>
+                                      <m:ctrlPr>
+                                        <a:rPr lang="en-US" i="1">
+                                          <a:latin typeface="Cambria Math" panose="02040503050406030204" pitchFamily="18" charset="0"/>
+                                        </a:rPr>
+                                      </m:ctrlPr>
+                                    </m:sSubPr>
+                                    <m:e>
+                                      <m:r>
+                                        <a:rPr lang="en-US" i="1">
+                                          <a:latin typeface="Cambria Math" panose="02040503050406030204" pitchFamily="18" charset="0"/>
+                                        </a:rPr>
+                                        <m:t>𝐵</m:t>
+                                      </m:r>
+                                    </m:e>
+                                    <m:sub>
+                                      <m:r>
+                                        <a:rPr lang="en-US" i="1">
+                                          <a:latin typeface="Cambria Math" panose="02040503050406030204" pitchFamily="18" charset="0"/>
+                                        </a:rPr>
+                                        <m:t>𝑡</m:t>
+                                      </m:r>
+                                    </m:sub>
+                                  </m:sSub>
+                                  <m:r>
+                                    <a:rPr lang="en-US" i="1">
+                                      <a:latin typeface="Cambria Math" panose="02040503050406030204" pitchFamily="18" charset="0"/>
+                                    </a:rPr>
+                                    <m:t>+</m:t>
+                                  </m:r>
+                                  <m:sSub>
+                                    <m:sSubPr>
+                                      <m:ctrlPr>
+                                        <a:rPr lang="en-US" i="1">
+                                          <a:latin typeface="Cambria Math" panose="02040503050406030204" pitchFamily="18" charset="0"/>
+                                        </a:rPr>
+                                      </m:ctrlPr>
+                                    </m:sSubPr>
+                                    <m:e>
+                                      <m:r>
+                                        <a:rPr lang="en-US" i="1">
+                                          <a:latin typeface="Cambria Math" panose="02040503050406030204" pitchFamily="18" charset="0"/>
+                                        </a:rPr>
+                                        <m:t>𝐷</m:t>
+                                      </m:r>
+                                    </m:e>
+                                    <m:sub>
+                                      <m:r>
+                                        <a:rPr lang="en-US" i="1">
+                                          <a:latin typeface="Cambria Math" panose="02040503050406030204" pitchFamily="18" charset="0"/>
+                                        </a:rPr>
+                                        <m:t>𝑡</m:t>
+                                      </m:r>
+                                    </m:sub>
+                                  </m:sSub>
+                                </m:e>
+                              </m:eqArr>
+                            </m:e>
+                          </m:d>
+                        </m:e>
+                        <m:sup>
+                          <m:r>
+                            <a:rPr lang="en-US" b="0" i="1" smtClean="0">
+                              <a:latin typeface="Cambria Math" panose="02040503050406030204" pitchFamily="18" charset="0"/>
+                            </a:rPr>
+                            <m:t>𝑇</m:t>
+                          </m:r>
+                        </m:sup>
+                      </m:sSup>
+                    </m:oMath>
+                  </m:oMathPara>
+                </a14:m>
+                <a:endParaRPr lang="en-IL" dirty="0"/>
+              </a:p>
+            </p:txBody>
+          </p:sp>
+        </mc:Choice>
+        <mc:Fallback>
+          <p:sp>
+            <p:nvSpPr>
+              <p:cNvPr id="3" name="Content Placeholder 2">
+                <a:extLst>
+                  <a:ext uri="{FF2B5EF4-FFF2-40B4-BE49-F238E27FC236}">
+                    <a16:creationId xmlns:a16="http://schemas.microsoft.com/office/drawing/2014/main" id="{DBA9A611-3660-2C0E-FEBF-94A397F0CC02}"/>
+                  </a:ext>
+                </a:extLst>
+              </p:cNvPr>
+              <p:cNvSpPr>
+                <a:spLocks noGrp="1" noRot="1" noChangeAspect="1" noMove="1" noResize="1" noEditPoints="1" noAdjustHandles="1" noChangeArrowheads="1" noChangeShapeType="1" noTextEdit="1"/>
+              </p:cNvSpPr>
+              <p:nvPr>
+                <p:ph idx="1"/>
+              </p:nvPr>
+            </p:nvSpPr>
+            <p:spPr>
+              <a:blipFill>
+                <a:blip r:embed="rId2"/>
+                <a:stretch>
+                  <a:fillRect l="-1217" t="-2241"/>
+                </a:stretch>
+              </a:blipFill>
+            </p:spPr>
+            <p:txBody>
+              <a:bodyPr/>
+              <a:lstStyle/>
+              <a:p>
+                <a:r>
+                  <a:rPr lang="en-IL">
+                    <a:noFill/>
+                  </a:rPr>
+                  <a:t> </a:t>
+                </a:r>
+              </a:p>
+            </p:txBody>
+          </p:sp>
+        </mc:Fallback>
+      </mc:AlternateContent>
+    </p:spTree>
+    <p:extLst>
+      <p:ext uri="{BB962C8B-B14F-4D97-AF65-F5344CB8AC3E}">
+        <p14:creationId xmlns:p14="http://schemas.microsoft.com/office/powerpoint/2010/main" val="3454035800"/>
+      </p:ext>
+    </p:extLst>
+  </p:cSld>
+  <p:clrMapOvr>
+    <a:masterClrMapping/>
+  </p:clrMapOvr>
+</p:sld>
+</file>
+
+<file path=ppt/slides/slide27.xml><?xml version="1.0" encoding="utf-8"?>
+<p:sld xmlns:a="http://schemas.openxmlformats.org/drawingml/2006/main" xmlns:r="http://schemas.openxmlformats.org/officeDocument/2006/relationships" xmlns:p="http://schemas.openxmlformats.org/presentationml/2006/main">
+  <p:cSld>
+    <p:spTree>
+      <p:nvGrpSpPr>
+        <p:cNvPr id="1" name=""/>
+        <p:cNvGrpSpPr/>
+        <p:nvPr/>
+      </p:nvGrpSpPr>
+      <p:grpSpPr>
+        <a:xfrm>
+          <a:off x="0" y="0"/>
+          <a:ext cx="0" cy="0"/>
+          <a:chOff x="0" y="0"/>
+          <a:chExt cx="0" cy="0"/>
+        </a:xfrm>
+      </p:grpSpPr>
+      <p:sp>
+        <p:nvSpPr>
+          <p:cNvPr id="2" name="Title 1">
+            <a:extLst>
+              <a:ext uri="{FF2B5EF4-FFF2-40B4-BE49-F238E27FC236}">
+                <a16:creationId xmlns:a16="http://schemas.microsoft.com/office/drawing/2014/main" id="{5D190858-2BCF-6585-B8B2-CC261D744EEF}"/>
+              </a:ext>
+            </a:extLst>
+          </p:cNvPr>
+          <p:cNvSpPr>
+            <a:spLocks noGrp="1"/>
+          </p:cNvSpPr>
+          <p:nvPr>
+            <p:ph type="title"/>
+          </p:nvPr>
+        </p:nvSpPr>
+        <p:spPr/>
+        <p:txBody>
+          <a:bodyPr/>
+          <a:lstStyle/>
+          <a:p>
+            <a:r>
+              <a:rPr lang="en-US" dirty="0"/>
+              <a:t>Update step</a:t>
+            </a:r>
+            <a:endParaRPr lang="en-IL" dirty="0"/>
+          </a:p>
+        </p:txBody>
+      </p:sp>
+      <mc:AlternateContent xmlns:mc="http://schemas.openxmlformats.org/markup-compatibility/2006">
+        <mc:Choice xmlns:a14="http://schemas.microsoft.com/office/drawing/2010/main" Requires="a14">
+          <p:sp>
+            <p:nvSpPr>
+              <p:cNvPr id="3" name="Content Placeholder 2">
+                <a:extLst>
+                  <a:ext uri="{FF2B5EF4-FFF2-40B4-BE49-F238E27FC236}">
+                    <a16:creationId xmlns:a16="http://schemas.microsoft.com/office/drawing/2014/main" id="{8A6F4BE1-22A5-85F4-8C34-98D05EDB8D71}"/>
+                  </a:ext>
+                </a:extLst>
+              </p:cNvPr>
+              <p:cNvSpPr>
+                <a:spLocks noGrp="1"/>
+              </p:cNvSpPr>
+              <p:nvPr>
+                <p:ph idx="1"/>
+              </p:nvPr>
+            </p:nvSpPr>
+            <p:spPr/>
+            <p:txBody>
+              <a:bodyPr/>
+              <a:lstStyle/>
+              <a:p>
+                <a:pPr marL="0" indent="0">
+                  <a:buNone/>
+                </a:pPr>
+                <a:r>
+                  <a:rPr lang="en-US" dirty="0"/>
+                  <a:t>In the update step, the pseudo-nominal a priori estimate </a:t>
+                </a:r>
+                <a14:m>
+                  <m:oMath xmlns:m="http://schemas.openxmlformats.org/officeDocument/2006/math">
+                    <m:sSub>
+                      <m:sSubPr>
+                        <m:ctrlPr>
+                          <a:rPr lang="en-US" b="0" i="1" dirty="0" smtClean="0">
+                            <a:latin typeface="Cambria Math" panose="02040503050406030204" pitchFamily="18" charset="0"/>
+                          </a:rPr>
+                        </m:ctrlPr>
+                      </m:sSubPr>
+                      <m:e>
+                        <m:r>
+                          <a:rPr lang="en-US" b="0" i="1" dirty="0" smtClean="0">
+                            <a:latin typeface="Cambria Math" panose="02040503050406030204" pitchFamily="18" charset="0"/>
+                          </a:rPr>
+                          <m:t>ℙ</m:t>
+                        </m:r>
+                      </m:e>
+                      <m:sub>
+                        <m:sSub>
+                          <m:sSubPr>
+                            <m:ctrlPr>
+                              <a:rPr lang="en-US" b="0" i="1" dirty="0" smtClean="0">
+                                <a:latin typeface="Cambria Math" panose="02040503050406030204" pitchFamily="18" charset="0"/>
+                              </a:rPr>
+                            </m:ctrlPr>
+                          </m:sSubPr>
+                          <m:e>
+                            <m:r>
+                              <a:rPr lang="en-US" i="1" dirty="0">
+                                <a:latin typeface="Cambria Math" panose="02040503050406030204" pitchFamily="18" charset="0"/>
+                              </a:rPr>
+                              <m:t>𝑧</m:t>
+                            </m:r>
+                          </m:e>
+                          <m:sub>
+                            <m:r>
+                              <a:rPr lang="en-US" i="1" dirty="0">
+                                <a:latin typeface="Cambria Math" panose="02040503050406030204" pitchFamily="18" charset="0"/>
+                              </a:rPr>
+                              <m:t>𝑡</m:t>
+                            </m:r>
+                          </m:sub>
+                        </m:sSub>
+                        <m:r>
+                          <a:rPr lang="en-US" i="1" dirty="0">
+                            <a:latin typeface="Cambria Math" panose="02040503050406030204" pitchFamily="18" charset="0"/>
+                          </a:rPr>
+                          <m:t>|</m:t>
+                        </m:r>
+                        <m:sSub>
+                          <m:sSubPr>
+                            <m:ctrlPr>
+                              <a:rPr lang="en-US" b="0" i="1" dirty="0" smtClean="0">
+                                <a:latin typeface="Cambria Math" panose="02040503050406030204" pitchFamily="18" charset="0"/>
+                              </a:rPr>
+                            </m:ctrlPr>
+                          </m:sSubPr>
+                          <m:e>
+                            <m:r>
+                              <a:rPr lang="en-US" i="1" dirty="0">
+                                <a:latin typeface="Cambria Math" panose="02040503050406030204" pitchFamily="18" charset="0"/>
+                              </a:rPr>
+                              <m:t>𝑌</m:t>
+                            </m:r>
+                          </m:e>
+                          <m:sub>
+                            <m:r>
+                              <a:rPr lang="en-US" i="1" dirty="0">
+                                <a:latin typeface="Cambria Math" panose="02040503050406030204" pitchFamily="18" charset="0"/>
+                              </a:rPr>
+                              <m:t>𝑡</m:t>
+                            </m:r>
+                            <m:r>
+                              <a:rPr lang="en-US" i="1" dirty="0">
+                                <a:latin typeface="Cambria Math" panose="02040503050406030204" pitchFamily="18" charset="0"/>
+                              </a:rPr>
+                              <m:t>−1</m:t>
+                            </m:r>
+                          </m:sub>
+                        </m:sSub>
+                      </m:sub>
+                    </m:sSub>
+                    <m:r>
+                      <a:rPr lang="en-US" i="1" dirty="0" smtClean="0">
+                        <a:latin typeface="Cambria Math" panose="02040503050406030204" pitchFamily="18" charset="0"/>
+                      </a:rPr>
+                      <m:t> </m:t>
+                    </m:r>
+                  </m:oMath>
+                </a14:m>
+                <a:r>
+                  <a:rPr lang="en-US" dirty="0"/>
+                  <a:t>is updated by the measurement </a:t>
+                </a:r>
+                <a14:m>
+                  <m:oMath xmlns:m="http://schemas.openxmlformats.org/officeDocument/2006/math">
+                    <m:sSub>
+                      <m:sSubPr>
+                        <m:ctrlPr>
+                          <a:rPr lang="en-US" b="0" i="1" dirty="0" smtClean="0">
+                            <a:latin typeface="Cambria Math" panose="02040503050406030204" pitchFamily="18" charset="0"/>
+                          </a:rPr>
+                        </m:ctrlPr>
+                      </m:sSubPr>
+                      <m:e>
+                        <m:r>
+                          <a:rPr lang="en-US" i="1" dirty="0" smtClean="0">
+                            <a:latin typeface="Cambria Math" panose="02040503050406030204" pitchFamily="18" charset="0"/>
+                          </a:rPr>
+                          <m:t>𝑦</m:t>
+                        </m:r>
+                      </m:e>
+                      <m:sub>
+                        <m:r>
+                          <a:rPr lang="en-US" i="1" dirty="0" smtClean="0">
+                            <a:latin typeface="Cambria Math" panose="02040503050406030204" pitchFamily="18" charset="0"/>
+                          </a:rPr>
+                          <m:t>𝑡</m:t>
+                        </m:r>
+                      </m:sub>
+                    </m:sSub>
+                  </m:oMath>
+                </a14:m>
+                <a:r>
+                  <a:rPr lang="en-US" dirty="0"/>
+                  <a:t> and </a:t>
+                </a:r>
+                <a:r>
+                  <a:rPr lang="en-US" dirty="0" err="1"/>
+                  <a:t>robustified</a:t>
+                </a:r>
+                <a:r>
+                  <a:rPr lang="en-US" dirty="0"/>
+                  <a:t> against model uncertainty to yield a refined a posteriori estimate </a:t>
+                </a:r>
+                <a14:m>
+                  <m:oMath xmlns:m="http://schemas.openxmlformats.org/officeDocument/2006/math">
+                    <m:sSubSup>
+                      <m:sSubSupPr>
+                        <m:ctrlPr>
+                          <a:rPr lang="en-US" b="0" i="1" dirty="0" smtClean="0">
+                            <a:latin typeface="Cambria Math" panose="02040503050406030204" pitchFamily="18" charset="0"/>
+                          </a:rPr>
+                        </m:ctrlPr>
+                      </m:sSubSupPr>
+                      <m:e>
+                        <m:r>
+                          <a:rPr lang="en-US" b="0" i="1" dirty="0" smtClean="0">
+                            <a:latin typeface="Cambria Math" panose="02040503050406030204" pitchFamily="18" charset="0"/>
+                          </a:rPr>
+                          <m:t>ℚ</m:t>
+                        </m:r>
+                      </m:e>
+                      <m:sub>
+                        <m:sSub>
+                          <m:sSubPr>
+                            <m:ctrlPr>
+                              <a:rPr lang="en-US" b="0" i="1" dirty="0" smtClean="0">
+                                <a:latin typeface="Cambria Math" panose="02040503050406030204" pitchFamily="18" charset="0"/>
+                              </a:rPr>
+                            </m:ctrlPr>
+                          </m:sSubPr>
+                          <m:e>
+                            <m:r>
+                              <a:rPr lang="en-US" i="1" dirty="0">
+                                <a:latin typeface="Cambria Math" panose="02040503050406030204" pitchFamily="18" charset="0"/>
+                              </a:rPr>
+                              <m:t>𝑥</m:t>
+                            </m:r>
+                          </m:e>
+                          <m:sub>
+                            <m:r>
+                              <a:rPr lang="en-US" i="1" dirty="0">
+                                <a:latin typeface="Cambria Math" panose="02040503050406030204" pitchFamily="18" charset="0"/>
+                              </a:rPr>
+                              <m:t>𝑡</m:t>
+                            </m:r>
+                          </m:sub>
+                        </m:sSub>
+                        <m:r>
+                          <a:rPr lang="en-US" i="1" dirty="0">
+                            <a:latin typeface="Cambria Math" panose="02040503050406030204" pitchFamily="18" charset="0"/>
+                          </a:rPr>
+                          <m:t>|</m:t>
+                        </m:r>
+                        <m:sSub>
+                          <m:sSubPr>
+                            <m:ctrlPr>
+                              <a:rPr lang="en-US" b="0" i="1" dirty="0" smtClean="0">
+                                <a:latin typeface="Cambria Math" panose="02040503050406030204" pitchFamily="18" charset="0"/>
+                              </a:rPr>
+                            </m:ctrlPr>
+                          </m:sSubPr>
+                          <m:e>
+                            <m:r>
+                              <a:rPr lang="en-US" i="1" dirty="0">
+                                <a:latin typeface="Cambria Math" panose="02040503050406030204" pitchFamily="18" charset="0"/>
+                              </a:rPr>
+                              <m:t>𝑌</m:t>
+                            </m:r>
+                          </m:e>
+                          <m:sub>
+                            <m:r>
+                              <a:rPr lang="en-US" i="1" dirty="0">
+                                <a:latin typeface="Cambria Math" panose="02040503050406030204" pitchFamily="18" charset="0"/>
+                              </a:rPr>
+                              <m:t>𝑡</m:t>
+                            </m:r>
+                          </m:sub>
+                        </m:sSub>
+                      </m:sub>
+                      <m:sup>
+                        <m:r>
+                          <a:rPr lang="en-US" b="0" i="1" dirty="0" smtClean="0">
+                            <a:latin typeface="Cambria Math" panose="02040503050406030204" pitchFamily="18" charset="0"/>
+                          </a:rPr>
+                          <m:t>∗</m:t>
+                        </m:r>
+                      </m:sup>
+                    </m:sSubSup>
+                    <m:r>
+                      <a:rPr lang="en-US" i="1" dirty="0" smtClean="0">
+                        <a:latin typeface="Cambria Math" panose="02040503050406030204" pitchFamily="18" charset="0"/>
+                      </a:rPr>
+                      <m:t> </m:t>
+                    </m:r>
+                  </m:oMath>
+                </a14:m>
+                <a:r>
+                  <a:rPr lang="en-US" dirty="0"/>
+                  <a:t>. This a posteriori estimate is found by solving the minimax problem:</a:t>
+                </a:r>
+              </a:p>
+              <a:p>
+                <a:pPr marL="0" indent="0">
+                  <a:buNone/>
+                </a:pPr>
+                <a:endParaRPr lang="en-US" dirty="0"/>
+              </a:p>
+              <a:p>
+                <a:pPr marL="0" indent="0">
+                  <a:buNone/>
+                </a:pPr>
+                <a14:m>
+                  <m:oMathPara xmlns:m="http://schemas.openxmlformats.org/officeDocument/2006/math">
+                    <m:oMathParaPr>
+                      <m:jc m:val="centerGroup"/>
+                    </m:oMathParaPr>
+                    <m:oMath xmlns:m="http://schemas.openxmlformats.org/officeDocument/2006/math">
+                      <m:func>
+                        <m:funcPr>
+                          <m:ctrlPr>
+                            <a:rPr lang="en-US" b="0" i="1" smtClean="0">
+                              <a:latin typeface="Cambria Math" panose="02040503050406030204" pitchFamily="18" charset="0"/>
+                            </a:rPr>
+                          </m:ctrlPr>
+                        </m:funcPr>
+                        <m:fName>
+                          <m:limLow>
+                            <m:limLowPr>
+                              <m:ctrlPr>
+                                <a:rPr lang="en-US" b="0" i="1" smtClean="0">
+                                  <a:latin typeface="Cambria Math" panose="02040503050406030204" pitchFamily="18" charset="0"/>
+                                </a:rPr>
+                              </m:ctrlPr>
+                            </m:limLowPr>
+                            <m:e>
+                              <m:r>
+                                <m:rPr>
+                                  <m:sty m:val="p"/>
+                                </m:rPr>
+                                <a:rPr lang="en-US" b="0" i="0" smtClean="0">
+                                  <a:latin typeface="Cambria Math" panose="02040503050406030204" pitchFamily="18" charset="0"/>
+                                </a:rPr>
+                                <m:t>inf</m:t>
+                              </m:r>
+                            </m:e>
+                            <m:lim>
+                              <m:r>
+                                <a:rPr lang="en-US" b="0" i="1" smtClean="0">
+                                  <a:latin typeface="Cambria Math" panose="02040503050406030204" pitchFamily="18" charset="0"/>
+                                </a:rPr>
+                                <m:t>𝜓</m:t>
+                              </m:r>
+                              <m:r>
+                                <a:rPr lang="en-US" b="0" i="1" smtClean="0">
+                                  <a:latin typeface="Cambria Math" panose="02040503050406030204" pitchFamily="18" charset="0"/>
+                                </a:rPr>
+                                <m:t>∈</m:t>
+                              </m:r>
+                              <m:r>
+                                <a:rPr lang="en-US" b="0" i="1" smtClean="0">
+                                  <a:latin typeface="Cambria Math" panose="02040503050406030204" pitchFamily="18" charset="0"/>
+                                </a:rPr>
+                                <m:t>ℒ</m:t>
+                              </m:r>
+                            </m:lim>
+                          </m:limLow>
+                        </m:fName>
+                        <m:e>
+                          <m:func>
+                            <m:funcPr>
+                              <m:ctrlPr>
+                                <a:rPr lang="en-US" b="0" i="1" smtClean="0">
+                                  <a:latin typeface="Cambria Math" panose="02040503050406030204" pitchFamily="18" charset="0"/>
+                                </a:rPr>
+                              </m:ctrlPr>
+                            </m:funcPr>
+                            <m:fName>
+                              <m:limLow>
+                                <m:limLowPr>
+                                  <m:ctrlPr>
+                                    <a:rPr lang="en-US" b="0" i="1" smtClean="0">
+                                      <a:latin typeface="Cambria Math" panose="02040503050406030204" pitchFamily="18" charset="0"/>
+                                    </a:rPr>
+                                  </m:ctrlPr>
+                                </m:limLowPr>
+                                <m:e>
+                                  <m:r>
+                                    <m:rPr>
+                                      <m:sty m:val="p"/>
+                                    </m:rPr>
+                                    <a:rPr lang="en-US" b="0" i="0" smtClean="0">
+                                      <a:latin typeface="Cambria Math" panose="02040503050406030204" pitchFamily="18" charset="0"/>
+                                    </a:rPr>
+                                    <m:t>sup</m:t>
+                                  </m:r>
+                                </m:e>
+                                <m:lim>
+                                  <m:r>
+                                    <a:rPr lang="en-US" b="0" i="1" smtClean="0">
+                                      <a:latin typeface="Cambria Math" panose="02040503050406030204" pitchFamily="18" charset="0"/>
+                                    </a:rPr>
+                                    <m:t>ℚ</m:t>
+                                  </m:r>
+                                  <m:r>
+                                    <a:rPr lang="en-US" b="0" i="1" smtClean="0">
+                                      <a:latin typeface="Cambria Math" panose="02040503050406030204" pitchFamily="18" charset="0"/>
+                                    </a:rPr>
+                                    <m:t>∈</m:t>
+                                  </m:r>
+                                  <m:sSub>
+                                    <m:sSubPr>
+                                      <m:ctrlPr>
+                                        <a:rPr lang="en-US" b="0" i="1" smtClean="0">
+                                          <a:latin typeface="Cambria Math" panose="02040503050406030204" pitchFamily="18" charset="0"/>
+                                        </a:rPr>
+                                      </m:ctrlPr>
+                                    </m:sSubPr>
+                                    <m:e>
+                                      <m:r>
+                                        <a:rPr lang="en-US" b="0" i="1" smtClean="0">
+                                          <a:latin typeface="Cambria Math" panose="02040503050406030204" pitchFamily="18" charset="0"/>
+                                        </a:rPr>
+                                        <m:t>𝒫</m:t>
+                                      </m:r>
+                                    </m:e>
+                                    <m:sub>
+                                      <m:sSub>
+                                        <m:sSubPr>
+                                          <m:ctrlPr>
+                                            <a:rPr lang="en-US" b="0" i="1" smtClean="0">
+                                              <a:latin typeface="Cambria Math" panose="02040503050406030204" pitchFamily="18" charset="0"/>
+                                            </a:rPr>
+                                          </m:ctrlPr>
+                                        </m:sSubPr>
+                                        <m:e>
+                                          <m:r>
+                                            <a:rPr lang="en-US" b="0" i="1" smtClean="0">
+                                              <a:latin typeface="Cambria Math" panose="02040503050406030204" pitchFamily="18" charset="0"/>
+                                            </a:rPr>
+                                            <m:t>𝑧</m:t>
+                                          </m:r>
+                                        </m:e>
+                                        <m:sub>
+                                          <m:r>
+                                            <a:rPr lang="en-US" b="0" i="1" smtClean="0">
+                                              <a:latin typeface="Cambria Math" panose="02040503050406030204" pitchFamily="18" charset="0"/>
+                                            </a:rPr>
+                                            <m:t>𝑡</m:t>
+                                          </m:r>
+                                        </m:sub>
+                                      </m:sSub>
+                                      <m:r>
+                                        <a:rPr lang="en-US" b="0" i="1" smtClean="0">
+                                          <a:latin typeface="Cambria Math" panose="02040503050406030204" pitchFamily="18" charset="0"/>
+                                        </a:rPr>
+                                        <m:t>|</m:t>
+                                      </m:r>
+                                      <m:sSub>
+                                        <m:sSubPr>
+                                          <m:ctrlPr>
+                                            <a:rPr lang="en-US" b="0" i="1" smtClean="0">
+                                              <a:latin typeface="Cambria Math" panose="02040503050406030204" pitchFamily="18" charset="0"/>
+                                            </a:rPr>
+                                          </m:ctrlPr>
+                                        </m:sSubPr>
+                                        <m:e>
+                                          <m:r>
+                                            <a:rPr lang="en-US" b="0" i="1" smtClean="0">
+                                              <a:latin typeface="Cambria Math" panose="02040503050406030204" pitchFamily="18" charset="0"/>
+                                            </a:rPr>
+                                            <m:t>𝑌</m:t>
+                                          </m:r>
+                                        </m:e>
+                                        <m:sub>
+                                          <m:r>
+                                            <a:rPr lang="en-US" b="0" i="1" smtClean="0">
+                                              <a:latin typeface="Cambria Math" panose="02040503050406030204" pitchFamily="18" charset="0"/>
+                                            </a:rPr>
+                                            <m:t>𝑡</m:t>
+                                          </m:r>
+                                          <m:r>
+                                            <a:rPr lang="en-US" b="0" i="1" smtClean="0">
+                                              <a:latin typeface="Cambria Math" panose="02040503050406030204" pitchFamily="18" charset="0"/>
+                                            </a:rPr>
+                                            <m:t>−1</m:t>
+                                          </m:r>
+                                        </m:sub>
+                                      </m:sSub>
+                                    </m:sub>
+                                  </m:sSub>
+                                </m:lim>
+                              </m:limLow>
+                            </m:fName>
+                            <m:e>
+                              <m:sSup>
+                                <m:sSupPr>
+                                  <m:ctrlPr>
+                                    <a:rPr lang="en-US" b="0" i="1" smtClean="0">
+                                      <a:latin typeface="Cambria Math" panose="02040503050406030204" pitchFamily="18" charset="0"/>
+                                    </a:rPr>
+                                  </m:ctrlPr>
+                                </m:sSupPr>
+                                <m:e>
+                                  <m:r>
+                                    <a:rPr lang="en-US" b="0" i="1" smtClean="0">
+                                      <a:latin typeface="Cambria Math" panose="02040503050406030204" pitchFamily="18" charset="0"/>
+                                    </a:rPr>
+                                    <m:t>𝔼</m:t>
+                                  </m:r>
+                                </m:e>
+                                <m:sup>
+                                  <m:r>
+                                    <a:rPr lang="en-US" b="0" i="1" smtClean="0">
+                                      <a:latin typeface="Cambria Math" panose="02040503050406030204" pitchFamily="18" charset="0"/>
+                                    </a:rPr>
+                                    <m:t>ℚ</m:t>
+                                  </m:r>
+                                </m:sup>
+                              </m:sSup>
+                              <m:d>
+                                <m:dPr>
+                                  <m:begChr m:val="["/>
+                                  <m:endChr m:val="]"/>
+                                  <m:ctrlPr>
+                                    <a:rPr lang="en-US" b="0" i="1" smtClean="0">
+                                      <a:latin typeface="Cambria Math" panose="02040503050406030204" pitchFamily="18" charset="0"/>
+                                    </a:rPr>
+                                  </m:ctrlPr>
+                                </m:dPr>
+                                <m:e>
+                                  <m:sSup>
+                                    <m:sSupPr>
+                                      <m:ctrlPr>
+                                        <a:rPr lang="en-US" b="0" i="1" smtClean="0">
+                                          <a:latin typeface="Cambria Math" panose="02040503050406030204" pitchFamily="18" charset="0"/>
+                                        </a:rPr>
+                                      </m:ctrlPr>
+                                    </m:sSupPr>
+                                    <m:e>
+                                      <m:d>
+                                        <m:dPr>
+                                          <m:begChr m:val="‖"/>
+                                          <m:endChr m:val="‖"/>
+                                          <m:ctrlPr>
+                                            <a:rPr lang="en-US" b="0" i="1" smtClean="0">
+                                              <a:latin typeface="Cambria Math" panose="02040503050406030204" pitchFamily="18" charset="0"/>
+                                            </a:rPr>
+                                          </m:ctrlPr>
+                                        </m:dPr>
+                                        <m:e>
+                                          <m:sSub>
+                                            <m:sSubPr>
+                                              <m:ctrlPr>
+                                                <a:rPr lang="en-US" b="0" i="1" smtClean="0">
+                                                  <a:latin typeface="Cambria Math" panose="02040503050406030204" pitchFamily="18" charset="0"/>
+                                                </a:rPr>
+                                              </m:ctrlPr>
+                                            </m:sSubPr>
+                                            <m:e>
+                                              <m:r>
+                                                <a:rPr lang="en-US" b="0" i="1" smtClean="0">
+                                                  <a:latin typeface="Cambria Math" panose="02040503050406030204" pitchFamily="18" charset="0"/>
+                                                </a:rPr>
+                                                <m:t>𝑥</m:t>
+                                              </m:r>
+                                            </m:e>
+                                            <m:sub>
+                                              <m:r>
+                                                <a:rPr lang="en-US" b="0" i="1" smtClean="0">
+                                                  <a:latin typeface="Cambria Math" panose="02040503050406030204" pitchFamily="18" charset="0"/>
+                                                </a:rPr>
+                                                <m:t>𝑡</m:t>
+                                              </m:r>
+                                            </m:sub>
+                                          </m:sSub>
+                                          <m:r>
+                                            <a:rPr lang="en-US" b="0" i="1" smtClean="0">
+                                              <a:latin typeface="Cambria Math" panose="02040503050406030204" pitchFamily="18" charset="0"/>
+                                            </a:rPr>
+                                            <m:t>−</m:t>
+                                          </m:r>
+                                          <m:sSub>
+                                            <m:sSubPr>
+                                              <m:ctrlPr>
+                                                <a:rPr lang="en-US" b="0" i="1" smtClean="0">
+                                                  <a:latin typeface="Cambria Math" panose="02040503050406030204" pitchFamily="18" charset="0"/>
+                                                </a:rPr>
+                                              </m:ctrlPr>
+                                            </m:sSubPr>
+                                            <m:e>
+                                              <m:r>
+                                                <a:rPr lang="en-US" b="0" i="1" smtClean="0">
+                                                  <a:latin typeface="Cambria Math" panose="02040503050406030204" pitchFamily="18" charset="0"/>
+                                                </a:rPr>
+                                                <m:t>𝜓</m:t>
+                                              </m:r>
+                                            </m:e>
+                                            <m:sub>
+                                              <m:r>
+                                                <a:rPr lang="en-US" b="0" i="1" smtClean="0">
+                                                  <a:latin typeface="Cambria Math" panose="02040503050406030204" pitchFamily="18" charset="0"/>
+                                                </a:rPr>
+                                                <m:t>𝑡</m:t>
+                                              </m:r>
+                                            </m:sub>
+                                          </m:sSub>
+                                          <m:d>
+                                            <m:dPr>
+                                              <m:ctrlPr>
+                                                <a:rPr lang="en-US" b="0" i="1" smtClean="0">
+                                                  <a:latin typeface="Cambria Math" panose="02040503050406030204" pitchFamily="18" charset="0"/>
+                                                </a:rPr>
+                                              </m:ctrlPr>
+                                            </m:dPr>
+                                            <m:e>
+                                              <m:sSub>
+                                                <m:sSubPr>
+                                                  <m:ctrlPr>
+                                                    <a:rPr lang="en-US" b="0" i="1" smtClean="0">
+                                                      <a:latin typeface="Cambria Math" panose="02040503050406030204" pitchFamily="18" charset="0"/>
+                                                    </a:rPr>
+                                                  </m:ctrlPr>
+                                                </m:sSubPr>
+                                                <m:e>
+                                                  <m:r>
+                                                    <a:rPr lang="en-US" b="0" i="1" smtClean="0">
+                                                      <a:latin typeface="Cambria Math" panose="02040503050406030204" pitchFamily="18" charset="0"/>
+                                                    </a:rPr>
+                                                    <m:t>𝑦</m:t>
+                                                  </m:r>
+                                                </m:e>
+                                                <m:sub>
+                                                  <m:r>
+                                                    <a:rPr lang="en-US" b="0" i="1" smtClean="0">
+                                                      <a:latin typeface="Cambria Math" panose="02040503050406030204" pitchFamily="18" charset="0"/>
+                                                    </a:rPr>
+                                                    <m:t>𝑡</m:t>
+                                                  </m:r>
+                                                </m:sub>
+                                              </m:sSub>
+                                            </m:e>
+                                          </m:d>
+                                        </m:e>
+                                      </m:d>
+                                    </m:e>
+                                    <m:sup>
+                                      <m:r>
+                                        <a:rPr lang="en-US" b="0" i="1" smtClean="0">
+                                          <a:latin typeface="Cambria Math" panose="02040503050406030204" pitchFamily="18" charset="0"/>
+                                        </a:rPr>
+                                        <m:t>2</m:t>
+                                      </m:r>
+                                    </m:sup>
+                                  </m:sSup>
+                                </m:e>
+                              </m:d>
+                            </m:e>
+                          </m:func>
+                        </m:e>
+                      </m:func>
+                    </m:oMath>
+                  </m:oMathPara>
+                </a14:m>
+                <a:endParaRPr lang="en-US" b="0" dirty="0"/>
+              </a:p>
+              <a:p>
+                <a:pPr marL="0" indent="0">
+                  <a:buNone/>
+                </a:pPr>
+                <a14:m>
+                  <m:oMathPara xmlns:m="http://schemas.openxmlformats.org/officeDocument/2006/math">
+                    <m:oMathParaPr>
+                      <m:jc m:val="centerGroup"/>
+                    </m:oMathParaPr>
+                    <m:oMath xmlns:m="http://schemas.openxmlformats.org/officeDocument/2006/math">
+                      <m:sSub>
+                        <m:sSubPr>
+                          <m:ctrlPr>
+                            <a:rPr lang="en-US" b="0" i="1" smtClean="0">
+                              <a:latin typeface="Cambria Math" panose="02040503050406030204" pitchFamily="18" charset="0"/>
+                            </a:rPr>
+                          </m:ctrlPr>
+                        </m:sSubPr>
+                        <m:e>
+                          <m:r>
+                            <a:rPr lang="en-US" b="0" i="1" smtClean="0">
+                              <a:latin typeface="Cambria Math" panose="02040503050406030204" pitchFamily="18" charset="0"/>
+                            </a:rPr>
+                            <m:t>𝒫</m:t>
+                          </m:r>
+                        </m:e>
+                        <m:sub>
+                          <m:sSub>
+                            <m:sSubPr>
+                              <m:ctrlPr>
+                                <a:rPr lang="en-US" b="0" i="1" smtClean="0">
+                                  <a:latin typeface="Cambria Math" panose="02040503050406030204" pitchFamily="18" charset="0"/>
+                                </a:rPr>
+                              </m:ctrlPr>
+                            </m:sSubPr>
+                            <m:e>
+                              <m:r>
+                                <a:rPr lang="en-US" b="0" i="1" smtClean="0">
+                                  <a:latin typeface="Cambria Math" panose="02040503050406030204" pitchFamily="18" charset="0"/>
+                                </a:rPr>
+                                <m:t>𝑧</m:t>
+                              </m:r>
+                            </m:e>
+                            <m:sub>
+                              <m:r>
+                                <a:rPr lang="en-US" b="0" i="1" smtClean="0">
+                                  <a:latin typeface="Cambria Math" panose="02040503050406030204" pitchFamily="18" charset="0"/>
+                                </a:rPr>
+                                <m:t>𝑡</m:t>
+                              </m:r>
+                            </m:sub>
+                          </m:sSub>
+                          <m:r>
+                            <a:rPr lang="en-US" b="0" i="1" smtClean="0">
+                              <a:latin typeface="Cambria Math" panose="02040503050406030204" pitchFamily="18" charset="0"/>
+                            </a:rPr>
+                            <m:t>|</m:t>
+                          </m:r>
+                          <m:sSub>
+                            <m:sSubPr>
+                              <m:ctrlPr>
+                                <a:rPr lang="en-US" b="0" i="1" smtClean="0">
+                                  <a:latin typeface="Cambria Math" panose="02040503050406030204" pitchFamily="18" charset="0"/>
+                                </a:rPr>
+                              </m:ctrlPr>
+                            </m:sSubPr>
+                            <m:e>
+                              <m:r>
+                                <a:rPr lang="en-US" b="0" i="1" smtClean="0">
+                                  <a:latin typeface="Cambria Math" panose="02040503050406030204" pitchFamily="18" charset="0"/>
+                                </a:rPr>
+                                <m:t>𝑌</m:t>
+                              </m:r>
+                            </m:e>
+                            <m:sub>
+                              <m:r>
+                                <a:rPr lang="en-US" b="0" i="1" smtClean="0">
+                                  <a:latin typeface="Cambria Math" panose="02040503050406030204" pitchFamily="18" charset="0"/>
+                                </a:rPr>
+                                <m:t>𝑡</m:t>
+                              </m:r>
+                              <m:r>
+                                <a:rPr lang="en-US" b="0" i="1" smtClean="0">
+                                  <a:latin typeface="Cambria Math" panose="02040503050406030204" pitchFamily="18" charset="0"/>
+                                </a:rPr>
+                                <m:t>−1</m:t>
+                              </m:r>
+                            </m:sub>
+                          </m:sSub>
+                        </m:sub>
+                      </m:sSub>
+                      <m:r>
+                        <a:rPr lang="en-US" b="0" i="1" smtClean="0">
+                          <a:latin typeface="Cambria Math" panose="02040503050406030204" pitchFamily="18" charset="0"/>
+                        </a:rPr>
+                        <m:t>=</m:t>
+                      </m:r>
+                      <m:d>
+                        <m:dPr>
+                          <m:begChr m:val="{"/>
+                          <m:endChr m:val="}"/>
+                          <m:ctrlPr>
+                            <a:rPr lang="en-US" b="0" i="1" smtClean="0">
+                              <a:latin typeface="Cambria Math" panose="02040503050406030204" pitchFamily="18" charset="0"/>
+                            </a:rPr>
+                          </m:ctrlPr>
+                        </m:dPr>
+                        <m:e>
+                          <m:r>
+                            <a:rPr lang="en-US" b="0" i="1" smtClean="0">
+                              <a:latin typeface="Cambria Math" panose="02040503050406030204" pitchFamily="18" charset="0"/>
+                            </a:rPr>
+                            <m:t>ℚ</m:t>
+                          </m:r>
+                          <m:r>
+                            <a:rPr lang="en-US" b="0" i="1" smtClean="0">
+                              <a:latin typeface="Cambria Math" panose="02040503050406030204" pitchFamily="18" charset="0"/>
+                            </a:rPr>
+                            <m:t>∈</m:t>
+                          </m:r>
+                          <m:sSub>
+                            <m:sSubPr>
+                              <m:ctrlPr>
+                                <a:rPr lang="en-US" b="0" i="1" smtClean="0">
+                                  <a:latin typeface="Cambria Math" panose="02040503050406030204" pitchFamily="18" charset="0"/>
+                                </a:rPr>
+                              </m:ctrlPr>
+                            </m:sSubPr>
+                            <m:e>
+                              <m:r>
+                                <a:rPr lang="en-US" b="0" i="1" smtClean="0">
+                                  <a:latin typeface="Cambria Math" panose="02040503050406030204" pitchFamily="18" charset="0"/>
+                                </a:rPr>
+                                <m:t>𝒩</m:t>
+                              </m:r>
+                            </m:e>
+                            <m:sub>
+                              <m:r>
+                                <a:rPr lang="en-US" b="0" i="1" smtClean="0">
+                                  <a:latin typeface="Cambria Math" panose="02040503050406030204" pitchFamily="18" charset="0"/>
+                                </a:rPr>
+                                <m:t>𝑑</m:t>
+                              </m:r>
+                            </m:sub>
+                          </m:sSub>
+                          <m:r>
+                            <a:rPr lang="en-US" b="0" i="1" smtClean="0">
+                              <a:latin typeface="Cambria Math" panose="02040503050406030204" pitchFamily="18" charset="0"/>
+                            </a:rPr>
+                            <m:t>:</m:t>
+                          </m:r>
+                          <m:sSub>
+                            <m:sSubPr>
+                              <m:ctrlPr>
+                                <a:rPr lang="en-US" b="0" i="1" smtClean="0">
+                                  <a:latin typeface="Cambria Math" panose="02040503050406030204" pitchFamily="18" charset="0"/>
+                                </a:rPr>
+                              </m:ctrlPr>
+                            </m:sSubPr>
+                            <m:e>
+                              <m:r>
+                                <a:rPr lang="en-US" b="0" i="1" smtClean="0">
+                                  <a:latin typeface="Cambria Math" panose="02040503050406030204" pitchFamily="18" charset="0"/>
+                                </a:rPr>
+                                <m:t>𝑊</m:t>
+                              </m:r>
+                            </m:e>
+                            <m:sub>
+                              <m:r>
+                                <a:rPr lang="en-US" b="0" i="1" smtClean="0">
+                                  <a:latin typeface="Cambria Math" panose="02040503050406030204" pitchFamily="18" charset="0"/>
+                                </a:rPr>
+                                <m:t>2</m:t>
+                              </m:r>
+                            </m:sub>
+                          </m:sSub>
+                          <m:d>
+                            <m:dPr>
+                              <m:ctrlPr>
+                                <a:rPr lang="en-US" b="0" i="1" smtClean="0">
+                                  <a:latin typeface="Cambria Math" panose="02040503050406030204" pitchFamily="18" charset="0"/>
+                                </a:rPr>
+                              </m:ctrlPr>
+                            </m:dPr>
+                            <m:e>
+                              <m:r>
+                                <a:rPr lang="en-US" b="0" i="1" smtClean="0">
+                                  <a:latin typeface="Cambria Math" panose="02040503050406030204" pitchFamily="18" charset="0"/>
+                                </a:rPr>
+                                <m:t>ℚ</m:t>
+                              </m:r>
+                              <m:r>
+                                <a:rPr lang="en-US" b="0" i="1" smtClean="0">
+                                  <a:latin typeface="Cambria Math" panose="02040503050406030204" pitchFamily="18" charset="0"/>
+                                </a:rPr>
+                                <m:t>, </m:t>
+                              </m:r>
+                              <m:sSub>
+                                <m:sSubPr>
+                                  <m:ctrlPr>
+                                    <a:rPr lang="en-US" b="0" i="1" smtClean="0">
+                                      <a:latin typeface="Cambria Math" panose="02040503050406030204" pitchFamily="18" charset="0"/>
+                                    </a:rPr>
+                                  </m:ctrlPr>
+                                </m:sSubPr>
+                                <m:e>
+                                  <m:r>
+                                    <a:rPr lang="en-US" b="0" i="1" smtClean="0">
+                                      <a:latin typeface="Cambria Math" panose="02040503050406030204" pitchFamily="18" charset="0"/>
+                                    </a:rPr>
+                                    <m:t>ℙ</m:t>
+                                  </m:r>
+                                </m:e>
+                                <m:sub>
+                                  <m:sSub>
+                                    <m:sSubPr>
+                                      <m:ctrlPr>
+                                        <a:rPr lang="en-US" b="0" i="1" smtClean="0">
+                                          <a:latin typeface="Cambria Math" panose="02040503050406030204" pitchFamily="18" charset="0"/>
+                                        </a:rPr>
+                                      </m:ctrlPr>
+                                    </m:sSubPr>
+                                    <m:e>
+                                      <m:r>
+                                        <a:rPr lang="en-US" b="0" i="1" smtClean="0">
+                                          <a:latin typeface="Cambria Math" panose="02040503050406030204" pitchFamily="18" charset="0"/>
+                                        </a:rPr>
+                                        <m:t>𝑧</m:t>
+                                      </m:r>
+                                    </m:e>
+                                    <m:sub>
+                                      <m:r>
+                                        <a:rPr lang="en-US" b="0" i="1" smtClean="0">
+                                          <a:latin typeface="Cambria Math" panose="02040503050406030204" pitchFamily="18" charset="0"/>
+                                        </a:rPr>
+                                        <m:t>𝑡</m:t>
+                                      </m:r>
+                                    </m:sub>
+                                  </m:sSub>
+                                  <m:r>
+                                    <a:rPr lang="en-US" b="0" i="1" smtClean="0">
+                                      <a:latin typeface="Cambria Math" panose="02040503050406030204" pitchFamily="18" charset="0"/>
+                                    </a:rPr>
+                                    <m:t>| </m:t>
+                                  </m:r>
+                                  <m:sSub>
+                                    <m:sSubPr>
+                                      <m:ctrlPr>
+                                        <a:rPr lang="en-US" b="0" i="1" smtClean="0">
+                                          <a:latin typeface="Cambria Math" panose="02040503050406030204" pitchFamily="18" charset="0"/>
+                                        </a:rPr>
+                                      </m:ctrlPr>
+                                    </m:sSubPr>
+                                    <m:e>
+                                      <m:r>
+                                        <a:rPr lang="en-US" b="0" i="1" smtClean="0">
+                                          <a:latin typeface="Cambria Math" panose="02040503050406030204" pitchFamily="18" charset="0"/>
+                                        </a:rPr>
+                                        <m:t>𝑌</m:t>
+                                      </m:r>
+                                    </m:e>
+                                    <m:sub>
+                                      <m:r>
+                                        <a:rPr lang="en-US" b="0" i="1" smtClean="0">
+                                          <a:latin typeface="Cambria Math" panose="02040503050406030204" pitchFamily="18" charset="0"/>
+                                        </a:rPr>
+                                        <m:t>𝑡</m:t>
+                                      </m:r>
+                                      <m:r>
+                                        <a:rPr lang="en-US" b="0" i="1" smtClean="0">
+                                          <a:latin typeface="Cambria Math" panose="02040503050406030204" pitchFamily="18" charset="0"/>
+                                        </a:rPr>
+                                        <m:t>−1</m:t>
+                                      </m:r>
+                                    </m:sub>
+                                  </m:sSub>
+                                </m:sub>
+                              </m:sSub>
+                            </m:e>
+                          </m:d>
+                          <m:r>
+                            <a:rPr lang="en-US" b="0" i="1" smtClean="0">
+                              <a:latin typeface="Cambria Math" panose="02040503050406030204" pitchFamily="18" charset="0"/>
+                            </a:rPr>
+                            <m:t>≤</m:t>
+                          </m:r>
+                          <m:sSub>
+                            <m:sSubPr>
+                              <m:ctrlPr>
+                                <a:rPr lang="en-US" b="0" i="1" smtClean="0">
+                                  <a:latin typeface="Cambria Math" panose="02040503050406030204" pitchFamily="18" charset="0"/>
+                                </a:rPr>
+                              </m:ctrlPr>
+                            </m:sSubPr>
+                            <m:e>
+                              <m:r>
+                                <a:rPr lang="en-US" b="0" i="1" smtClean="0">
+                                  <a:latin typeface="Cambria Math" panose="02040503050406030204" pitchFamily="18" charset="0"/>
+                                </a:rPr>
+                                <m:t>𝜌</m:t>
+                              </m:r>
+                            </m:e>
+                            <m:sub>
+                              <m:r>
+                                <a:rPr lang="en-US" b="0" i="1" smtClean="0">
+                                  <a:latin typeface="Cambria Math" panose="02040503050406030204" pitchFamily="18" charset="0"/>
+                                </a:rPr>
+                                <m:t>𝑡</m:t>
+                              </m:r>
+                            </m:sub>
+                          </m:sSub>
+                        </m:e>
+                      </m:d>
+                    </m:oMath>
+                  </m:oMathPara>
+                </a14:m>
+                <a:endParaRPr lang="en-IL" dirty="0"/>
+              </a:p>
+            </p:txBody>
+          </p:sp>
+        </mc:Choice>
+        <mc:Fallback>
+          <p:sp>
+            <p:nvSpPr>
+              <p:cNvPr id="3" name="Content Placeholder 2">
+                <a:extLst>
+                  <a:ext uri="{FF2B5EF4-FFF2-40B4-BE49-F238E27FC236}">
+                    <a16:creationId xmlns:a16="http://schemas.microsoft.com/office/drawing/2014/main" id="{8A6F4BE1-22A5-85F4-8C34-98D05EDB8D71}"/>
+                  </a:ext>
+                </a:extLst>
+              </p:cNvPr>
+              <p:cNvSpPr>
+                <a:spLocks noGrp="1" noRot="1" noChangeAspect="1" noMove="1" noResize="1" noEditPoints="1" noAdjustHandles="1" noChangeArrowheads="1" noChangeShapeType="1" noTextEdit="1"/>
+              </p:cNvSpPr>
+              <p:nvPr>
+                <p:ph idx="1"/>
+              </p:nvPr>
+            </p:nvSpPr>
+            <p:spPr>
+              <a:blipFill>
+                <a:blip r:embed="rId2"/>
+                <a:stretch>
+                  <a:fillRect l="-1217" t="-1961"/>
+                </a:stretch>
+              </a:blipFill>
+            </p:spPr>
+            <p:txBody>
+              <a:bodyPr/>
+              <a:lstStyle/>
+              <a:p>
+                <a:r>
+                  <a:rPr lang="en-IL">
+                    <a:noFill/>
+                  </a:rPr>
+                  <a:t> </a:t>
+                </a:r>
+              </a:p>
+            </p:txBody>
+          </p:sp>
+        </mc:Fallback>
+      </mc:AlternateContent>
+    </p:spTree>
+    <p:extLst>
+      <p:ext uri="{BB962C8B-B14F-4D97-AF65-F5344CB8AC3E}">
+        <p14:creationId xmlns:p14="http://schemas.microsoft.com/office/powerpoint/2010/main" val="2573574313"/>
+      </p:ext>
+    </p:extLst>
+  </p:cSld>
+  <p:clrMapOvr>
+    <a:masterClrMapping/>
+  </p:clrMapOvr>
+</p:sld>
+</file>
+
+<file path=ppt/slides/slide28.xml><?xml version="1.0" encoding="utf-8"?>
+<p:sld xmlns:a="http://schemas.openxmlformats.org/drawingml/2006/main" xmlns:r="http://schemas.openxmlformats.org/officeDocument/2006/relationships" xmlns:p="http://schemas.openxmlformats.org/presentationml/2006/main">
+  <p:cSld>
+    <p:spTree>
+      <p:nvGrpSpPr>
+        <p:cNvPr id="1" name=""/>
+        <p:cNvGrpSpPr/>
+        <p:nvPr/>
+      </p:nvGrpSpPr>
+      <p:grpSpPr>
+        <a:xfrm>
+          <a:off x="0" y="0"/>
+          <a:ext cx="0" cy="0"/>
+          <a:chOff x="0" y="0"/>
+          <a:chExt cx="0" cy="0"/>
+        </a:xfrm>
+      </p:grpSpPr>
+      <p:sp>
+        <p:nvSpPr>
+          <p:cNvPr id="2" name="Title 1">
+            <a:extLst>
+              <a:ext uri="{FF2B5EF4-FFF2-40B4-BE49-F238E27FC236}">
+                <a16:creationId xmlns:a16="http://schemas.microsoft.com/office/drawing/2014/main" id="{6E7C1134-83F9-7262-2D32-0824FCABF083}"/>
+              </a:ext>
+            </a:extLst>
+          </p:cNvPr>
+          <p:cNvSpPr>
+            <a:spLocks noGrp="1"/>
+          </p:cNvSpPr>
+          <p:nvPr>
+            <p:ph type="title"/>
+          </p:nvPr>
+        </p:nvSpPr>
+        <p:spPr/>
+        <p:txBody>
+          <a:bodyPr/>
+          <a:lstStyle/>
+          <a:p>
+            <a:r>
+              <a:rPr lang="en-US" dirty="0"/>
+              <a:t>Update step</a:t>
+            </a:r>
+            <a:endParaRPr lang="en-IL" dirty="0"/>
+          </a:p>
+        </p:txBody>
+      </p:sp>
+      <mc:AlternateContent xmlns:mc="http://schemas.openxmlformats.org/markup-compatibility/2006">
+        <mc:Choice xmlns:a14="http://schemas.microsoft.com/office/drawing/2010/main" Requires="a14">
+          <p:sp>
+            <p:nvSpPr>
+              <p:cNvPr id="3" name="Content Placeholder 2">
+                <a:extLst>
+                  <a:ext uri="{FF2B5EF4-FFF2-40B4-BE49-F238E27FC236}">
+                    <a16:creationId xmlns:a16="http://schemas.microsoft.com/office/drawing/2014/main" id="{2FDBA780-6409-C3AD-7F55-02122C7565A0}"/>
+                  </a:ext>
+                </a:extLst>
+              </p:cNvPr>
+              <p:cNvSpPr>
+                <a:spLocks noGrp="1"/>
+              </p:cNvSpPr>
+              <p:nvPr>
+                <p:ph idx="1"/>
+              </p:nvPr>
+            </p:nvSpPr>
+            <p:spPr/>
+            <p:txBody>
+              <a:bodyPr/>
+              <a:lstStyle/>
+              <a:p>
+                <a:pPr marL="0" indent="0">
+                  <a:buNone/>
+                </a:pPr>
+                <a:r>
+                  <a:rPr lang="en-US" dirty="0"/>
+                  <a:t>Finally,</a:t>
+                </a:r>
+              </a:p>
+              <a:p>
+                <a:pPr marL="0" indent="0">
+                  <a:buNone/>
+                </a:pPr>
+                <a:r>
+                  <a:rPr lang="en-US" dirty="0"/>
+                  <a:t>We obtain that the least favorable distribution is:</a:t>
+                </a:r>
+              </a:p>
+              <a:p>
+                <a:pPr marL="0" indent="0">
+                  <a:buNone/>
+                </a:pPr>
+                <a14:m>
+                  <m:oMathPara xmlns:m="http://schemas.openxmlformats.org/officeDocument/2006/math">
+                    <m:oMathParaPr>
+                      <m:jc m:val="centerGroup"/>
+                    </m:oMathParaPr>
+                    <m:oMath xmlns:m="http://schemas.openxmlformats.org/officeDocument/2006/math">
+                      <m:sSub>
+                        <m:sSubPr>
+                          <m:ctrlPr>
+                            <a:rPr lang="en-US" b="0" i="1" smtClean="0">
+                              <a:latin typeface="Cambria Math" panose="02040503050406030204" pitchFamily="18" charset="0"/>
+                            </a:rPr>
+                          </m:ctrlPr>
+                        </m:sSubPr>
+                        <m:e>
+                          <m:r>
+                            <a:rPr lang="en-US" b="0" i="1" smtClean="0">
+                              <a:latin typeface="Cambria Math" panose="02040503050406030204" pitchFamily="18" charset="0"/>
+                            </a:rPr>
+                            <m:t>ℚ</m:t>
+                          </m:r>
+                        </m:e>
+                        <m:sub>
+                          <m:sSub>
+                            <m:sSubPr>
+                              <m:ctrlPr>
+                                <a:rPr lang="en-US" b="0" i="1" smtClean="0">
+                                  <a:latin typeface="Cambria Math" panose="02040503050406030204" pitchFamily="18" charset="0"/>
+                                </a:rPr>
+                              </m:ctrlPr>
+                            </m:sSubPr>
+                            <m:e>
+                              <m:r>
+                                <a:rPr lang="en-US" b="0" i="1" smtClean="0">
+                                  <a:latin typeface="Cambria Math" panose="02040503050406030204" pitchFamily="18" charset="0"/>
+                                </a:rPr>
+                                <m:t>𝑥</m:t>
+                              </m:r>
+                            </m:e>
+                            <m:sub>
+                              <m:r>
+                                <a:rPr lang="en-US" b="0" i="1" smtClean="0">
+                                  <a:latin typeface="Cambria Math" panose="02040503050406030204" pitchFamily="18" charset="0"/>
+                                </a:rPr>
+                                <m:t>𝑡</m:t>
+                              </m:r>
+                            </m:sub>
+                          </m:sSub>
+                          <m:r>
+                            <a:rPr lang="en-US" b="0" i="1" smtClean="0">
+                              <a:latin typeface="Cambria Math" panose="02040503050406030204" pitchFamily="18" charset="0"/>
+                            </a:rPr>
+                            <m:t>|</m:t>
+                          </m:r>
+                          <m:sSub>
+                            <m:sSubPr>
+                              <m:ctrlPr>
+                                <a:rPr lang="en-US" b="0" i="1" smtClean="0">
+                                  <a:latin typeface="Cambria Math" panose="02040503050406030204" pitchFamily="18" charset="0"/>
+                                </a:rPr>
+                              </m:ctrlPr>
+                            </m:sSubPr>
+                            <m:e>
+                              <m:r>
+                                <a:rPr lang="en-US" b="0" i="1" smtClean="0">
+                                  <a:latin typeface="Cambria Math" panose="02040503050406030204" pitchFamily="18" charset="0"/>
+                                </a:rPr>
+                                <m:t>𝑌</m:t>
+                              </m:r>
+                            </m:e>
+                            <m:sub>
+                              <m:r>
+                                <a:rPr lang="en-US" b="0" i="1" smtClean="0">
+                                  <a:latin typeface="Cambria Math" panose="02040503050406030204" pitchFamily="18" charset="0"/>
+                                </a:rPr>
+                                <m:t>𝑡</m:t>
+                              </m:r>
+                            </m:sub>
+                          </m:sSub>
+                        </m:sub>
+                      </m:sSub>
+                      <m:r>
+                        <a:rPr lang="en-US" b="0" i="1" smtClean="0">
+                          <a:latin typeface="Cambria Math" panose="02040503050406030204" pitchFamily="18" charset="0"/>
+                        </a:rPr>
+                        <m:t>=</m:t>
+                      </m:r>
+                      <m:sSub>
+                        <m:sSubPr>
+                          <m:ctrlPr>
+                            <a:rPr lang="en-US" b="0" i="1" smtClean="0">
+                              <a:latin typeface="Cambria Math" panose="02040503050406030204" pitchFamily="18" charset="0"/>
+                            </a:rPr>
+                          </m:ctrlPr>
+                        </m:sSubPr>
+                        <m:e>
+                          <m:r>
+                            <a:rPr lang="en-US" b="0" i="1" smtClean="0">
+                              <a:latin typeface="Cambria Math" panose="02040503050406030204" pitchFamily="18" charset="0"/>
+                            </a:rPr>
+                            <m:t>𝒩</m:t>
+                          </m:r>
+                        </m:e>
+                        <m:sub>
+                          <m:r>
+                            <a:rPr lang="en-US" b="0" i="1" smtClean="0">
+                              <a:latin typeface="Cambria Math" panose="02040503050406030204" pitchFamily="18" charset="0"/>
+                            </a:rPr>
+                            <m:t>𝑛</m:t>
+                          </m:r>
+                        </m:sub>
+                      </m:sSub>
+                      <m:d>
+                        <m:dPr>
+                          <m:ctrlPr>
+                            <a:rPr lang="en-US" b="0" i="1" smtClean="0">
+                              <a:latin typeface="Cambria Math" panose="02040503050406030204" pitchFamily="18" charset="0"/>
+                            </a:rPr>
+                          </m:ctrlPr>
+                        </m:dPr>
+                        <m:e>
+                          <m:acc>
+                            <m:accPr>
+                              <m:chr m:val="̂"/>
+                              <m:ctrlPr>
+                                <a:rPr lang="en-US" b="0" i="1" smtClean="0">
+                                  <a:latin typeface="Cambria Math" panose="02040503050406030204" pitchFamily="18" charset="0"/>
+                                </a:rPr>
+                              </m:ctrlPr>
+                            </m:accPr>
+                            <m:e>
+                              <m:sSub>
+                                <m:sSubPr>
+                                  <m:ctrlPr>
+                                    <a:rPr lang="en-US" b="0" i="1" smtClean="0">
+                                      <a:latin typeface="Cambria Math" panose="02040503050406030204" pitchFamily="18" charset="0"/>
+                                    </a:rPr>
+                                  </m:ctrlPr>
+                                </m:sSubPr>
+                                <m:e>
+                                  <m:r>
+                                    <a:rPr lang="en-US" b="0" i="1" smtClean="0">
+                                      <a:latin typeface="Cambria Math" panose="02040503050406030204" pitchFamily="18" charset="0"/>
+                                    </a:rPr>
+                                    <m:t>𝑥</m:t>
+                                  </m:r>
+                                </m:e>
+                                <m:sub>
+                                  <m:r>
+                                    <a:rPr lang="en-US" b="0" i="1" smtClean="0">
+                                      <a:latin typeface="Cambria Math" panose="02040503050406030204" pitchFamily="18" charset="0"/>
+                                    </a:rPr>
+                                    <m:t>𝑡</m:t>
+                                  </m:r>
+                                </m:sub>
+                              </m:sSub>
+                            </m:e>
+                          </m:acc>
+                          <m:r>
+                            <a:rPr lang="en-US" b="0" i="1" dirty="0" smtClean="0">
+                              <a:latin typeface="Cambria Math" panose="02040503050406030204" pitchFamily="18" charset="0"/>
+                            </a:rPr>
+                            <m:t>, </m:t>
+                          </m:r>
+                          <m:sSub>
+                            <m:sSubPr>
+                              <m:ctrlPr>
+                                <a:rPr lang="en-US" b="0" i="1" dirty="0" smtClean="0">
+                                  <a:latin typeface="Cambria Math" panose="02040503050406030204" pitchFamily="18" charset="0"/>
+                                </a:rPr>
+                              </m:ctrlPr>
+                            </m:sSubPr>
+                            <m:e>
+                              <m:r>
+                                <a:rPr lang="en-US" b="0" i="1" dirty="0" smtClean="0">
+                                  <a:latin typeface="Cambria Math" panose="02040503050406030204" pitchFamily="18" charset="0"/>
+                                </a:rPr>
+                                <m:t>𝑉</m:t>
+                              </m:r>
+                            </m:e>
+                            <m:sub>
+                              <m:r>
+                                <a:rPr lang="en-US" b="0" i="1" dirty="0" smtClean="0">
+                                  <a:latin typeface="Cambria Math" panose="02040503050406030204" pitchFamily="18" charset="0"/>
+                                </a:rPr>
+                                <m:t>𝑡</m:t>
+                              </m:r>
+                            </m:sub>
+                          </m:sSub>
+                        </m:e>
+                      </m:d>
+                    </m:oMath>
+                  </m:oMathPara>
+                </a14:m>
+                <a:endParaRPr lang="en-US" dirty="0"/>
+              </a:p>
+              <a:p>
+                <a:pPr marL="0" indent="0">
+                  <a:buNone/>
+                </a:pPr>
+                <a:endParaRPr lang="en-US" dirty="0"/>
+              </a:p>
+              <a:p>
+                <a:pPr marL="0" indent="0">
+                  <a:buNone/>
+                </a:pPr>
+                <a14:m>
+                  <m:oMathPara xmlns:m="http://schemas.openxmlformats.org/officeDocument/2006/math">
+                    <m:oMathParaPr>
+                      <m:jc m:val="centerGroup"/>
+                    </m:oMathParaPr>
+                    <m:oMath xmlns:m="http://schemas.openxmlformats.org/officeDocument/2006/math">
+                      <m:acc>
+                        <m:accPr>
+                          <m:chr m:val="̂"/>
+                          <m:ctrlPr>
+                            <a:rPr lang="en-US" b="0" i="1" smtClean="0">
+                              <a:latin typeface="Cambria Math" panose="02040503050406030204" pitchFamily="18" charset="0"/>
+                            </a:rPr>
+                          </m:ctrlPr>
+                        </m:accPr>
+                        <m:e>
+                          <m:sSub>
+                            <m:sSubPr>
+                              <m:ctrlPr>
+                                <a:rPr lang="en-US" b="0" i="1" smtClean="0">
+                                  <a:latin typeface="Cambria Math" panose="02040503050406030204" pitchFamily="18" charset="0"/>
+                                </a:rPr>
+                              </m:ctrlPr>
+                            </m:sSubPr>
+                            <m:e>
+                              <m:r>
+                                <a:rPr lang="en-US" b="0" i="1" smtClean="0">
+                                  <a:latin typeface="Cambria Math" panose="02040503050406030204" pitchFamily="18" charset="0"/>
+                                </a:rPr>
+                                <m:t>𝑥</m:t>
+                              </m:r>
+                            </m:e>
+                            <m:sub>
+                              <m:r>
+                                <a:rPr lang="en-US" b="0" i="1" smtClean="0">
+                                  <a:latin typeface="Cambria Math" panose="02040503050406030204" pitchFamily="18" charset="0"/>
+                                </a:rPr>
+                                <m:t>𝑡</m:t>
+                              </m:r>
+                            </m:sub>
+                          </m:sSub>
+                        </m:e>
+                      </m:acc>
+                      <m:r>
+                        <a:rPr lang="en-US" b="0" i="1" dirty="0" smtClean="0">
+                          <a:latin typeface="Cambria Math" panose="02040503050406030204" pitchFamily="18" charset="0"/>
+                        </a:rPr>
+                        <m:t>=</m:t>
+                      </m:r>
+                      <m:sSubSup>
+                        <m:sSubSupPr>
+                          <m:ctrlPr>
+                            <a:rPr lang="en-US" b="0" i="1" dirty="0" smtClean="0">
+                              <a:latin typeface="Cambria Math" panose="02040503050406030204" pitchFamily="18" charset="0"/>
+                            </a:rPr>
+                          </m:ctrlPr>
+                        </m:sSubSupPr>
+                        <m:e>
+                          <m:r>
+                            <a:rPr lang="en-US" b="0" i="1" dirty="0" smtClean="0">
+                              <a:latin typeface="Cambria Math" panose="02040503050406030204" pitchFamily="18" charset="0"/>
+                            </a:rPr>
+                            <m:t>𝑆</m:t>
+                          </m:r>
+                        </m:e>
+                        <m:sub>
+                          <m:r>
+                            <a:rPr lang="en-US" b="0" i="1" dirty="0" smtClean="0">
+                              <a:latin typeface="Cambria Math" panose="02040503050406030204" pitchFamily="18" charset="0"/>
+                            </a:rPr>
+                            <m:t>𝑡</m:t>
+                          </m:r>
+                          <m:r>
+                            <a:rPr lang="en-US" b="0" i="1" dirty="0" smtClean="0">
+                              <a:latin typeface="Cambria Math" panose="02040503050406030204" pitchFamily="18" charset="0"/>
+                            </a:rPr>
+                            <m:t>, </m:t>
+                          </m:r>
+                          <m:r>
+                            <a:rPr lang="en-US" b="0" i="1" dirty="0" smtClean="0">
+                              <a:latin typeface="Cambria Math" panose="02040503050406030204" pitchFamily="18" charset="0"/>
+                            </a:rPr>
+                            <m:t>𝑥𝑦</m:t>
+                          </m:r>
+                        </m:sub>
+                        <m:sup>
+                          <m:r>
+                            <a:rPr lang="en-US" b="0" i="1" dirty="0" smtClean="0">
+                              <a:latin typeface="Cambria Math" panose="02040503050406030204" pitchFamily="18" charset="0"/>
+                            </a:rPr>
+                            <m:t>∗</m:t>
+                          </m:r>
+                        </m:sup>
+                      </m:sSubSup>
+                      <m:sSup>
+                        <m:sSupPr>
+                          <m:ctrlPr>
+                            <a:rPr lang="en-US" b="0" i="1" dirty="0" smtClean="0">
+                              <a:latin typeface="Cambria Math" panose="02040503050406030204" pitchFamily="18" charset="0"/>
+                            </a:rPr>
+                          </m:ctrlPr>
+                        </m:sSupPr>
+                        <m:e>
+                          <m:d>
+                            <m:dPr>
+                              <m:ctrlPr>
+                                <a:rPr lang="en-US" b="0" i="1" dirty="0" smtClean="0">
+                                  <a:latin typeface="Cambria Math" panose="02040503050406030204" pitchFamily="18" charset="0"/>
+                                </a:rPr>
+                              </m:ctrlPr>
+                            </m:dPr>
+                            <m:e>
+                              <m:sSubSup>
+                                <m:sSubSupPr>
+                                  <m:ctrlPr>
+                                    <a:rPr lang="en-US" b="0" i="1" dirty="0" smtClean="0">
+                                      <a:latin typeface="Cambria Math" panose="02040503050406030204" pitchFamily="18" charset="0"/>
+                                    </a:rPr>
+                                  </m:ctrlPr>
+                                </m:sSubSupPr>
+                                <m:e>
+                                  <m:r>
+                                    <a:rPr lang="en-US" b="0" i="1" dirty="0" smtClean="0">
+                                      <a:latin typeface="Cambria Math" panose="02040503050406030204" pitchFamily="18" charset="0"/>
+                                    </a:rPr>
+                                    <m:t>𝑆</m:t>
+                                  </m:r>
+                                </m:e>
+                                <m:sub>
+                                  <m:r>
+                                    <a:rPr lang="en-US" b="0" i="1" dirty="0" smtClean="0">
+                                      <a:latin typeface="Cambria Math" panose="02040503050406030204" pitchFamily="18" charset="0"/>
+                                    </a:rPr>
+                                    <m:t>𝑡</m:t>
+                                  </m:r>
+                                  <m:r>
+                                    <a:rPr lang="en-US" b="0" i="1" dirty="0" smtClean="0">
+                                      <a:latin typeface="Cambria Math" panose="02040503050406030204" pitchFamily="18" charset="0"/>
+                                    </a:rPr>
+                                    <m:t>, </m:t>
+                                  </m:r>
+                                  <m:r>
+                                    <a:rPr lang="en-US" b="0" i="1" dirty="0" smtClean="0">
+                                      <a:latin typeface="Cambria Math" panose="02040503050406030204" pitchFamily="18" charset="0"/>
+                                    </a:rPr>
+                                    <m:t>𝑦𝑦</m:t>
+                                  </m:r>
+                                </m:sub>
+                                <m:sup>
+                                  <m:r>
+                                    <a:rPr lang="en-US" b="0" i="1" dirty="0" smtClean="0">
+                                      <a:latin typeface="Cambria Math" panose="02040503050406030204" pitchFamily="18" charset="0"/>
+                                    </a:rPr>
+                                    <m:t>∗</m:t>
+                                  </m:r>
+                                </m:sup>
+                              </m:sSubSup>
+                            </m:e>
+                          </m:d>
+                        </m:e>
+                        <m:sup>
+                          <m:r>
+                            <a:rPr lang="en-US" b="0" i="1" dirty="0" smtClean="0">
+                              <a:latin typeface="Cambria Math" panose="02040503050406030204" pitchFamily="18" charset="0"/>
+                            </a:rPr>
+                            <m:t>−</m:t>
+                          </m:r>
+                          <m:r>
+                            <a:rPr lang="en-US" b="0" i="1" dirty="0" smtClean="0">
+                              <a:latin typeface="Cambria Math" panose="02040503050406030204" pitchFamily="18" charset="0"/>
+                            </a:rPr>
+                            <m:t>1</m:t>
+                          </m:r>
+                        </m:sup>
+                      </m:sSup>
+                      <m:d>
+                        <m:dPr>
+                          <m:ctrlPr>
+                            <a:rPr lang="en-US" b="0" i="1" dirty="0" smtClean="0">
+                              <a:latin typeface="Cambria Math" panose="02040503050406030204" pitchFamily="18" charset="0"/>
+                            </a:rPr>
+                          </m:ctrlPr>
+                        </m:dPr>
+                        <m:e>
+                          <m:sSub>
+                            <m:sSubPr>
+                              <m:ctrlPr>
+                                <a:rPr lang="en-US" b="0" i="1" dirty="0" smtClean="0">
+                                  <a:latin typeface="Cambria Math" panose="02040503050406030204" pitchFamily="18" charset="0"/>
+                                </a:rPr>
+                              </m:ctrlPr>
+                            </m:sSubPr>
+                            <m:e>
+                              <m:r>
+                                <a:rPr lang="en-US" b="0" i="1" dirty="0" smtClean="0">
+                                  <a:latin typeface="Cambria Math" panose="02040503050406030204" pitchFamily="18" charset="0"/>
+                                </a:rPr>
+                                <m:t>𝑦</m:t>
+                              </m:r>
+                            </m:e>
+                            <m:sub>
+                              <m:r>
+                                <a:rPr lang="en-US" b="0" i="1" dirty="0" smtClean="0">
+                                  <a:latin typeface="Cambria Math" panose="02040503050406030204" pitchFamily="18" charset="0"/>
+                                </a:rPr>
+                                <m:t>𝑡</m:t>
+                              </m:r>
+                            </m:sub>
+                          </m:sSub>
+                          <m:r>
+                            <a:rPr lang="en-US" b="0" i="1" dirty="0" smtClean="0">
+                              <a:latin typeface="Cambria Math" panose="02040503050406030204" pitchFamily="18" charset="0"/>
+                            </a:rPr>
+                            <m:t>−</m:t>
+                          </m:r>
+                          <m:sSub>
+                            <m:sSubPr>
+                              <m:ctrlPr>
+                                <a:rPr lang="en-US" b="0" i="1" dirty="0" smtClean="0">
+                                  <a:latin typeface="Cambria Math" panose="02040503050406030204" pitchFamily="18" charset="0"/>
+                                </a:rPr>
+                              </m:ctrlPr>
+                            </m:sSubPr>
+                            <m:e>
+                              <m:r>
+                                <a:rPr lang="en-US" b="0" i="1" dirty="0" smtClean="0">
+                                  <a:latin typeface="Cambria Math" panose="02040503050406030204" pitchFamily="18" charset="0"/>
+                                </a:rPr>
+                                <m:t>𝜇</m:t>
+                              </m:r>
+                            </m:e>
+                            <m:sub>
+                              <m:r>
+                                <a:rPr lang="en-US" b="0" i="1" dirty="0" smtClean="0">
+                                  <a:latin typeface="Cambria Math" panose="02040503050406030204" pitchFamily="18" charset="0"/>
+                                </a:rPr>
+                                <m:t>𝑡</m:t>
+                              </m:r>
+                              <m:r>
+                                <a:rPr lang="en-US" b="0" i="1" dirty="0" smtClean="0">
+                                  <a:latin typeface="Cambria Math" panose="02040503050406030204" pitchFamily="18" charset="0"/>
+                                </a:rPr>
+                                <m:t>, </m:t>
+                              </m:r>
+                              <m:r>
+                                <a:rPr lang="en-US" b="0" i="1" dirty="0" smtClean="0">
+                                  <a:latin typeface="Cambria Math" panose="02040503050406030204" pitchFamily="18" charset="0"/>
+                                </a:rPr>
+                                <m:t>𝑦</m:t>
+                              </m:r>
+                            </m:sub>
+                          </m:sSub>
+                        </m:e>
+                      </m:d>
+                      <m:r>
+                        <a:rPr lang="en-US" b="0" i="1" dirty="0" smtClean="0">
+                          <a:latin typeface="Cambria Math" panose="02040503050406030204" pitchFamily="18" charset="0"/>
+                        </a:rPr>
+                        <m:t>+</m:t>
+                      </m:r>
+                      <m:sSub>
+                        <m:sSubPr>
+                          <m:ctrlPr>
+                            <a:rPr lang="en-US" b="0" i="1" dirty="0" smtClean="0">
+                              <a:latin typeface="Cambria Math" panose="02040503050406030204" pitchFamily="18" charset="0"/>
+                            </a:rPr>
+                          </m:ctrlPr>
+                        </m:sSubPr>
+                        <m:e>
+                          <m:r>
+                            <a:rPr lang="en-US" b="0" i="1" dirty="0" smtClean="0">
+                              <a:latin typeface="Cambria Math" panose="02040503050406030204" pitchFamily="18" charset="0"/>
+                            </a:rPr>
+                            <m:t>𝜇</m:t>
+                          </m:r>
+                        </m:e>
+                        <m:sub>
+                          <m:r>
+                            <a:rPr lang="en-US" b="0" i="1" dirty="0" smtClean="0">
+                              <a:latin typeface="Cambria Math" panose="02040503050406030204" pitchFamily="18" charset="0"/>
+                            </a:rPr>
+                            <m:t>𝑡</m:t>
+                          </m:r>
+                          <m:r>
+                            <a:rPr lang="en-US" b="0" i="1" dirty="0" smtClean="0">
+                              <a:latin typeface="Cambria Math" panose="02040503050406030204" pitchFamily="18" charset="0"/>
+                            </a:rPr>
+                            <m:t>,</m:t>
+                          </m:r>
+                          <m:r>
+                            <a:rPr lang="en-US" b="0" i="1" dirty="0" smtClean="0">
+                              <a:latin typeface="Cambria Math" panose="02040503050406030204" pitchFamily="18" charset="0"/>
+                            </a:rPr>
+                            <m:t>𝑥</m:t>
+                          </m:r>
+                        </m:sub>
+                      </m:sSub>
+                    </m:oMath>
+                  </m:oMathPara>
+                </a14:m>
+                <a:endParaRPr lang="en-US" dirty="0"/>
+              </a:p>
+              <a:p>
+                <a:pPr marL="0" indent="0">
+                  <a:buNone/>
+                </a:pPr>
+                <a14:m>
+                  <m:oMathPara xmlns:m="http://schemas.openxmlformats.org/officeDocument/2006/math">
+                    <m:oMathParaPr>
+                      <m:jc m:val="centerGroup"/>
+                    </m:oMathParaPr>
+                    <m:oMath xmlns:m="http://schemas.openxmlformats.org/officeDocument/2006/math">
+                      <m:sSub>
+                        <m:sSubPr>
+                          <m:ctrlPr>
+                            <a:rPr lang="en-US" b="0" i="1" smtClean="0">
+                              <a:latin typeface="Cambria Math" panose="02040503050406030204" pitchFamily="18" charset="0"/>
+                            </a:rPr>
+                          </m:ctrlPr>
+                        </m:sSubPr>
+                        <m:e>
+                          <m:r>
+                            <a:rPr lang="en-US" b="0" i="1" smtClean="0">
+                              <a:latin typeface="Cambria Math" panose="02040503050406030204" pitchFamily="18" charset="0"/>
+                            </a:rPr>
+                            <m:t>𝑉</m:t>
+                          </m:r>
+                        </m:e>
+                        <m:sub>
+                          <m:r>
+                            <a:rPr lang="en-US" b="0" i="1" smtClean="0">
+                              <a:latin typeface="Cambria Math" panose="02040503050406030204" pitchFamily="18" charset="0"/>
+                            </a:rPr>
+                            <m:t>𝑡</m:t>
+                          </m:r>
+                        </m:sub>
+                      </m:sSub>
+                      <m:r>
+                        <a:rPr lang="en-US" b="0" i="1" smtClean="0">
+                          <a:latin typeface="Cambria Math" panose="02040503050406030204" pitchFamily="18" charset="0"/>
+                        </a:rPr>
+                        <m:t>=</m:t>
+                      </m:r>
+                      <m:sSub>
+                        <m:sSubPr>
+                          <m:ctrlPr>
+                            <a:rPr lang="en-US" b="0" i="1" smtClean="0">
+                              <a:latin typeface="Cambria Math" panose="02040503050406030204" pitchFamily="18" charset="0"/>
+                            </a:rPr>
+                          </m:ctrlPr>
+                        </m:sSubPr>
+                        <m:e>
+                          <m:r>
+                            <a:rPr lang="en-US" b="0" i="1" smtClean="0">
+                              <a:latin typeface="Cambria Math" panose="02040503050406030204" pitchFamily="18" charset="0"/>
+                            </a:rPr>
+                            <m:t>𝑆</m:t>
+                          </m:r>
+                        </m:e>
+                        <m:sub>
+                          <m:r>
+                            <a:rPr lang="en-US" b="0" i="1" smtClean="0">
+                              <a:latin typeface="Cambria Math" panose="02040503050406030204" pitchFamily="18" charset="0"/>
+                            </a:rPr>
+                            <m:t>𝑡</m:t>
+                          </m:r>
+                          <m:r>
+                            <a:rPr lang="en-US" b="0" i="1" smtClean="0">
+                              <a:latin typeface="Cambria Math" panose="02040503050406030204" pitchFamily="18" charset="0"/>
+                            </a:rPr>
+                            <m:t>, </m:t>
+                          </m:r>
+                          <m:r>
+                            <a:rPr lang="en-US" b="0" i="1" smtClean="0">
+                              <a:latin typeface="Cambria Math" panose="02040503050406030204" pitchFamily="18" charset="0"/>
+                            </a:rPr>
+                            <m:t>𝑥𝑥</m:t>
+                          </m:r>
+                        </m:sub>
+                      </m:sSub>
+                      <m:r>
+                        <a:rPr lang="en-US" b="0" i="1" smtClean="0">
+                          <a:latin typeface="Cambria Math" panose="02040503050406030204" pitchFamily="18" charset="0"/>
+                        </a:rPr>
+                        <m:t>−</m:t>
+                      </m:r>
+                      <m:sSubSup>
+                        <m:sSubSupPr>
+                          <m:ctrlPr>
+                            <a:rPr lang="en-US" b="0" i="1" smtClean="0">
+                              <a:latin typeface="Cambria Math" panose="02040503050406030204" pitchFamily="18" charset="0"/>
+                            </a:rPr>
+                          </m:ctrlPr>
+                        </m:sSubSupPr>
+                        <m:e>
+                          <m:r>
+                            <a:rPr lang="en-US" b="0" i="1" smtClean="0">
+                              <a:latin typeface="Cambria Math" panose="02040503050406030204" pitchFamily="18" charset="0"/>
+                            </a:rPr>
+                            <m:t>𝑆</m:t>
+                          </m:r>
+                        </m:e>
+                        <m:sub>
+                          <m:r>
+                            <a:rPr lang="en-US" b="0" i="1" smtClean="0">
+                              <a:latin typeface="Cambria Math" panose="02040503050406030204" pitchFamily="18" charset="0"/>
+                            </a:rPr>
+                            <m:t>𝑡</m:t>
+                          </m:r>
+                          <m:r>
+                            <a:rPr lang="en-US" b="0" i="1" smtClean="0">
+                              <a:latin typeface="Cambria Math" panose="02040503050406030204" pitchFamily="18" charset="0"/>
+                            </a:rPr>
+                            <m:t>, </m:t>
+                          </m:r>
+                          <m:r>
+                            <a:rPr lang="en-US" b="0" i="1" smtClean="0">
+                              <a:latin typeface="Cambria Math" panose="02040503050406030204" pitchFamily="18" charset="0"/>
+                            </a:rPr>
+                            <m:t>𝑥𝑦</m:t>
+                          </m:r>
+                        </m:sub>
+                        <m:sup>
+                          <m:r>
+                            <a:rPr lang="en-US" b="0" i="1" smtClean="0">
+                              <a:latin typeface="Cambria Math" panose="02040503050406030204" pitchFamily="18" charset="0"/>
+                            </a:rPr>
+                            <m:t>∗</m:t>
+                          </m:r>
+                        </m:sup>
+                      </m:sSubSup>
+                      <m:sSup>
+                        <m:sSupPr>
+                          <m:ctrlPr>
+                            <a:rPr lang="en-US" b="0" i="1" smtClean="0">
+                              <a:latin typeface="Cambria Math" panose="02040503050406030204" pitchFamily="18" charset="0"/>
+                            </a:rPr>
+                          </m:ctrlPr>
+                        </m:sSupPr>
+                        <m:e>
+                          <m:d>
+                            <m:dPr>
+                              <m:ctrlPr>
+                                <a:rPr lang="en-US" b="0" i="1" smtClean="0">
+                                  <a:latin typeface="Cambria Math" panose="02040503050406030204" pitchFamily="18" charset="0"/>
+                                </a:rPr>
+                              </m:ctrlPr>
+                            </m:dPr>
+                            <m:e>
+                              <m:sSubSup>
+                                <m:sSubSupPr>
+                                  <m:ctrlPr>
+                                    <a:rPr lang="en-US" b="0" i="1" smtClean="0">
+                                      <a:latin typeface="Cambria Math" panose="02040503050406030204" pitchFamily="18" charset="0"/>
+                                    </a:rPr>
+                                  </m:ctrlPr>
+                                </m:sSubSupPr>
+                                <m:e>
+                                  <m:r>
+                                    <a:rPr lang="en-US" b="0" i="1" smtClean="0">
+                                      <a:latin typeface="Cambria Math" panose="02040503050406030204" pitchFamily="18" charset="0"/>
+                                    </a:rPr>
+                                    <m:t>𝑆</m:t>
+                                  </m:r>
+                                </m:e>
+                                <m:sub>
+                                  <m:r>
+                                    <a:rPr lang="en-US" b="0" i="1" smtClean="0">
+                                      <a:latin typeface="Cambria Math" panose="02040503050406030204" pitchFamily="18" charset="0"/>
+                                    </a:rPr>
+                                    <m:t>𝑡</m:t>
+                                  </m:r>
+                                  <m:r>
+                                    <a:rPr lang="en-US" b="0" i="1" smtClean="0">
+                                      <a:latin typeface="Cambria Math" panose="02040503050406030204" pitchFamily="18" charset="0"/>
+                                    </a:rPr>
+                                    <m:t>, </m:t>
+                                  </m:r>
+                                  <m:r>
+                                    <a:rPr lang="en-US" b="0" i="1" smtClean="0">
+                                      <a:latin typeface="Cambria Math" panose="02040503050406030204" pitchFamily="18" charset="0"/>
+                                    </a:rPr>
+                                    <m:t>𝑦𝑦</m:t>
+                                  </m:r>
+                                </m:sub>
+                                <m:sup>
+                                  <m:r>
+                                    <a:rPr lang="en-US" b="0" i="1" smtClean="0">
+                                      <a:latin typeface="Cambria Math" panose="02040503050406030204" pitchFamily="18" charset="0"/>
+                                    </a:rPr>
+                                    <m:t>∗</m:t>
+                                  </m:r>
+                                </m:sup>
+                              </m:sSubSup>
+                            </m:e>
+                          </m:d>
+                        </m:e>
+                        <m:sup>
+                          <m:r>
+                            <a:rPr lang="en-US" b="0" i="1" smtClean="0">
+                              <a:latin typeface="Cambria Math" panose="02040503050406030204" pitchFamily="18" charset="0"/>
+                            </a:rPr>
+                            <m:t>−</m:t>
+                          </m:r>
+                          <m:r>
+                            <a:rPr lang="en-US" b="0" i="1" smtClean="0">
+                              <a:latin typeface="Cambria Math" panose="02040503050406030204" pitchFamily="18" charset="0"/>
+                            </a:rPr>
+                            <m:t>1</m:t>
+                          </m:r>
+                        </m:sup>
+                      </m:sSup>
+                      <m:sSubSup>
+                        <m:sSubSupPr>
+                          <m:ctrlPr>
+                            <a:rPr lang="en-US" b="0" i="1" smtClean="0">
+                              <a:latin typeface="Cambria Math" panose="02040503050406030204" pitchFamily="18" charset="0"/>
+                            </a:rPr>
+                          </m:ctrlPr>
+                        </m:sSubSupPr>
+                        <m:e>
+                          <m:r>
+                            <a:rPr lang="en-US" b="0" i="1" smtClean="0">
+                              <a:latin typeface="Cambria Math" panose="02040503050406030204" pitchFamily="18" charset="0"/>
+                            </a:rPr>
+                            <m:t>𝑆</m:t>
+                          </m:r>
+                        </m:e>
+                        <m:sub>
+                          <m:r>
+                            <a:rPr lang="en-US" b="0" i="1" smtClean="0">
+                              <a:latin typeface="Cambria Math" panose="02040503050406030204" pitchFamily="18" charset="0"/>
+                            </a:rPr>
+                            <m:t>𝑡</m:t>
+                          </m:r>
+                          <m:r>
+                            <a:rPr lang="en-US" b="0" i="1" smtClean="0">
+                              <a:latin typeface="Cambria Math" panose="02040503050406030204" pitchFamily="18" charset="0"/>
+                            </a:rPr>
+                            <m:t>, </m:t>
+                          </m:r>
+                          <m:r>
+                            <a:rPr lang="en-US" b="0" i="1" smtClean="0">
+                              <a:latin typeface="Cambria Math" panose="02040503050406030204" pitchFamily="18" charset="0"/>
+                            </a:rPr>
+                            <m:t>𝑦𝑥</m:t>
+                          </m:r>
+                        </m:sub>
+                        <m:sup>
+                          <m:r>
+                            <a:rPr lang="en-US" b="0" i="1" smtClean="0">
+                              <a:latin typeface="Cambria Math" panose="02040503050406030204" pitchFamily="18" charset="0"/>
+                            </a:rPr>
+                            <m:t>∗</m:t>
+                          </m:r>
+                        </m:sup>
+                      </m:sSubSup>
+                    </m:oMath>
+                  </m:oMathPara>
+                </a14:m>
+                <a:endParaRPr lang="en-IL" dirty="0"/>
+              </a:p>
+            </p:txBody>
+          </p:sp>
+        </mc:Choice>
+        <mc:Fallback>
+          <p:sp>
+            <p:nvSpPr>
+              <p:cNvPr id="3" name="Content Placeholder 2">
+                <a:extLst>
+                  <a:ext uri="{FF2B5EF4-FFF2-40B4-BE49-F238E27FC236}">
+                    <a16:creationId xmlns:a16="http://schemas.microsoft.com/office/drawing/2014/main" id="{2FDBA780-6409-C3AD-7F55-02122C7565A0}"/>
+                  </a:ext>
+                </a:extLst>
+              </p:cNvPr>
+              <p:cNvSpPr>
+                <a:spLocks noGrp="1" noRot="1" noChangeAspect="1" noMove="1" noResize="1" noEditPoints="1" noAdjustHandles="1" noChangeArrowheads="1" noChangeShapeType="1" noTextEdit="1"/>
+              </p:cNvSpPr>
+              <p:nvPr>
+                <p:ph idx="1"/>
+              </p:nvPr>
+            </p:nvSpPr>
+            <p:spPr>
+              <a:blipFill>
+                <a:blip r:embed="rId2"/>
+                <a:stretch>
+                  <a:fillRect l="-1217" t="-2241"/>
+                </a:stretch>
+              </a:blipFill>
+            </p:spPr>
+            <p:txBody>
+              <a:bodyPr/>
+              <a:lstStyle/>
+              <a:p>
+                <a:r>
+                  <a:rPr lang="en-IL">
+                    <a:noFill/>
+                  </a:rPr>
+                  <a:t> </a:t>
+                </a:r>
+              </a:p>
+            </p:txBody>
+          </p:sp>
+        </mc:Fallback>
+      </mc:AlternateContent>
+    </p:spTree>
+    <p:extLst>
+      <p:ext uri="{BB962C8B-B14F-4D97-AF65-F5344CB8AC3E}">
+        <p14:creationId xmlns:p14="http://schemas.microsoft.com/office/powerpoint/2010/main" val="140844056"/>
+      </p:ext>
+    </p:extLst>
+  </p:cSld>
+  <p:clrMapOvr>
+    <a:masterClrMapping/>
+  </p:clrMapOvr>
+</p:sld>
+</file>
+
+<file path=ppt/slides/slide29.xml><?xml version="1.0" encoding="utf-8"?>
+<p:sld xmlns:a="http://schemas.openxmlformats.org/drawingml/2006/main" xmlns:r="http://schemas.openxmlformats.org/officeDocument/2006/relationships" xmlns:p="http://schemas.openxmlformats.org/presentationml/2006/main">
+  <p:cSld>
+    <p:spTree>
+      <p:nvGrpSpPr>
+        <p:cNvPr id="1" name=""/>
+        <p:cNvGrpSpPr/>
+        <p:nvPr/>
+      </p:nvGrpSpPr>
+      <p:grpSpPr>
+        <a:xfrm>
+          <a:off x="0" y="0"/>
+          <a:ext cx="0" cy="0"/>
+          <a:chOff x="0" y="0"/>
+          <a:chExt cx="0" cy="0"/>
+        </a:xfrm>
+      </p:grpSpPr>
+      <p:sp>
+        <p:nvSpPr>
+          <p:cNvPr id="2" name="Title 1">
+            <a:extLst>
+              <a:ext uri="{FF2B5EF4-FFF2-40B4-BE49-F238E27FC236}">
+                <a16:creationId xmlns:a16="http://schemas.microsoft.com/office/drawing/2014/main" id="{A048AD32-50CE-7F43-153B-26332F30BC88}"/>
+              </a:ext>
+            </a:extLst>
+          </p:cNvPr>
+          <p:cNvSpPr>
+            <a:spLocks noGrp="1"/>
+          </p:cNvSpPr>
+          <p:nvPr>
+            <p:ph type="title"/>
+          </p:nvPr>
+        </p:nvSpPr>
+        <p:spPr/>
+        <p:txBody>
+          <a:bodyPr/>
+          <a:lstStyle/>
+          <a:p>
+            <a:r>
+              <a:rPr lang="en-US" dirty="0"/>
+              <a:t>Sum it all up</a:t>
+            </a:r>
+            <a:endParaRPr lang="en-IL" dirty="0"/>
+          </a:p>
+        </p:txBody>
+      </p:sp>
+      <p:pic>
+        <p:nvPicPr>
+          <p:cNvPr id="5" name="Content Placeholder 4">
+            <a:extLst>
+              <a:ext uri="{FF2B5EF4-FFF2-40B4-BE49-F238E27FC236}">
+                <a16:creationId xmlns:a16="http://schemas.microsoft.com/office/drawing/2014/main" id="{2698C293-F387-2C7F-8E59-EE3562F5198D}"/>
+              </a:ext>
+            </a:extLst>
+          </p:cNvPr>
+          <p:cNvPicPr>
+            <a:picLocks noGrp="1" noChangeAspect="1"/>
+          </p:cNvPicPr>
+          <p:nvPr>
+            <p:ph idx="1"/>
+          </p:nvPr>
+        </p:nvPicPr>
+        <p:blipFill>
+          <a:blip r:embed="rId2"/>
+          <a:stretch>
+            <a:fillRect/>
+          </a:stretch>
+        </p:blipFill>
+        <p:spPr>
+          <a:xfrm>
+            <a:off x="3557719" y="1690688"/>
+            <a:ext cx="5076561" cy="4351338"/>
+          </a:xfrm>
+        </p:spPr>
+      </p:pic>
+    </p:spTree>
+    <p:extLst>
+      <p:ext uri="{BB962C8B-B14F-4D97-AF65-F5344CB8AC3E}">
+        <p14:creationId xmlns:p14="http://schemas.microsoft.com/office/powerpoint/2010/main" val="1128237627"/>
       </p:ext>
     </p:extLst>
   </p:cSld>
@@ -11154,7 +16859,13 @@
                                 <a:rPr lang="en-US" b="0" i="1" smtClean="0">
                                   <a:latin typeface="Cambria Math" panose="02040503050406030204" pitchFamily="18" charset="0"/>
                                 </a:rPr>
-                                <m:t>−2</m:t>
+                                <m:t>−</m:t>
+                              </m:r>
+                              <m:r>
+                                <a:rPr lang="en-US" b="0" i="1" smtClean="0">
+                                  <a:latin typeface="Cambria Math" panose="02040503050406030204" pitchFamily="18" charset="0"/>
+                                </a:rPr>
+                                <m:t>2</m:t>
                               </m:r>
                               <m:sSup>
                                 <m:sSupPr>
@@ -11206,7 +16917,19 @@
                                             <a:rPr lang="en-US" b="0" i="1" smtClean="0">
                                               <a:latin typeface="Cambria Math" panose="02040503050406030204" pitchFamily="18" charset="0"/>
                                             </a:rPr>
-                                            <m:t>0.5</m:t>
+                                            <m:t>0</m:t>
+                                          </m:r>
+                                          <m:r>
+                                            <a:rPr lang="en-US" b="0" i="1" smtClean="0">
+                                              <a:latin typeface="Cambria Math" panose="02040503050406030204" pitchFamily="18" charset="0"/>
+                                            </a:rPr>
+                                            <m:t>.</m:t>
+                                          </m:r>
+                                          <m:r>
+                                            <a:rPr lang="en-US" b="0" i="1" smtClean="0">
+                                              <a:latin typeface="Cambria Math" panose="02040503050406030204" pitchFamily="18" charset="0"/>
+                                            </a:rPr>
+                                            <m:t>5</m:t>
                                           </m:r>
                                         </m:sup>
                                       </m:sSubSup>
@@ -11270,7 +16993,19 @@
                                             <a:rPr lang="en-US" i="1">
                                               <a:latin typeface="Cambria Math" panose="02040503050406030204" pitchFamily="18" charset="0"/>
                                             </a:rPr>
-                                            <m:t>0.5</m:t>
+                                            <m:t>0</m:t>
+                                          </m:r>
+                                          <m:r>
+                                            <a:rPr lang="en-US" i="1">
+                                              <a:latin typeface="Cambria Math" panose="02040503050406030204" pitchFamily="18" charset="0"/>
+                                            </a:rPr>
+                                            <m:t>.</m:t>
+                                          </m:r>
+                                          <m:r>
+                                            <a:rPr lang="en-US" i="1">
+                                              <a:latin typeface="Cambria Math" panose="02040503050406030204" pitchFamily="18" charset="0"/>
+                                            </a:rPr>
+                                            <m:t>5</m:t>
                                           </m:r>
                                         </m:sup>
                                       </m:sSubSup>
@@ -11282,7 +17017,19 @@
                                     <a:rPr lang="en-US" b="0" i="1" smtClean="0">
                                       <a:latin typeface="Cambria Math" panose="02040503050406030204" pitchFamily="18" charset="0"/>
                                     </a:rPr>
-                                    <m:t>0.5</m:t>
+                                    <m:t>0</m:t>
+                                  </m:r>
+                                  <m:r>
+                                    <a:rPr lang="en-US" b="0" i="1" smtClean="0">
+                                      <a:latin typeface="Cambria Math" panose="02040503050406030204" pitchFamily="18" charset="0"/>
+                                    </a:rPr>
+                                    <m:t>.</m:t>
+                                  </m:r>
+                                  <m:r>
+                                    <a:rPr lang="en-US" b="0" i="1" smtClean="0">
+                                      <a:latin typeface="Cambria Math" panose="02040503050406030204" pitchFamily="18" charset="0"/>
+                                    </a:rPr>
+                                    <m:t>5</m:t>
                                   </m:r>
                                 </m:sup>
                               </m:sSup>
@@ -12583,7 +18330,13 @@
                       <a:rPr lang="en-US" b="0" i="1" smtClean="0">
                         <a:latin typeface="Cambria Math" panose="02040503050406030204" pitchFamily="18" charset="0"/>
                       </a:rPr>
-                      <m:t>&gt;0</m:t>
+                      <m:t>&gt;</m:t>
+                    </m:r>
+                    <m:r>
+                      <a:rPr lang="en-US" b="0" i="1" smtClean="0">
+                        <a:latin typeface="Cambria Math" panose="02040503050406030204" pitchFamily="18" charset="0"/>
+                      </a:rPr>
+                      <m:t>0</m:t>
                     </m:r>
                   </m:oMath>
                 </a14:m>
@@ -12739,7 +18492,13 @@
                                     <a:rPr lang="en-US" i="1">
                                       <a:latin typeface="Cambria Math" panose="02040503050406030204" pitchFamily="18" charset="0"/>
                                     </a:rPr>
-                                    <m:t>−1</m:t>
+                                    <m:t>−</m:t>
+                                  </m:r>
+                                  <m:r>
+                                    <a:rPr lang="en-US" i="1">
+                                      <a:latin typeface="Cambria Math" panose="02040503050406030204" pitchFamily="18" charset="0"/>
+                                    </a:rPr>
+                                    <m:t>1</m:t>
                                   </m:r>
                                 </m:sup>
                               </m:sSubSup>
@@ -13260,7 +19019,13 @@
                             <a:rPr lang="en-US" i="1">
                               <a:latin typeface="Cambria Math" panose="02040503050406030204" pitchFamily="18" charset="0"/>
                             </a:rPr>
-                            <m:t>−2</m:t>
+                            <m:t>−</m:t>
+                          </m:r>
+                          <m:r>
+                            <a:rPr lang="en-US" i="1">
+                              <a:latin typeface="Cambria Math" panose="02040503050406030204" pitchFamily="18" charset="0"/>
+                            </a:rPr>
+                            <m:t>2</m:t>
                           </m:r>
                           <m:sSup>
                             <m:sSupPr>
@@ -13304,7 +19069,19 @@
                                         <a:rPr lang="en-US" i="1">
                                           <a:latin typeface="Cambria Math" panose="02040503050406030204" pitchFamily="18" charset="0"/>
                                         </a:rPr>
-                                        <m:t>0.5</m:t>
+                                        <m:t>0</m:t>
+                                      </m:r>
+                                      <m:r>
+                                        <a:rPr lang="en-US" i="1">
+                                          <a:latin typeface="Cambria Math" panose="02040503050406030204" pitchFamily="18" charset="0"/>
+                                        </a:rPr>
+                                        <m:t>.</m:t>
+                                      </m:r>
+                                      <m:r>
+                                        <a:rPr lang="en-US" i="1">
+                                          <a:latin typeface="Cambria Math" panose="02040503050406030204" pitchFamily="18" charset="0"/>
+                                        </a:rPr>
+                                        <m:t>5</m:t>
                                       </m:r>
                                     </m:sup>
                                   </m:sSup>
@@ -13338,7 +19115,19 @@
                                         <a:rPr lang="en-US" i="1">
                                           <a:latin typeface="Cambria Math" panose="02040503050406030204" pitchFamily="18" charset="0"/>
                                         </a:rPr>
-                                        <m:t>0.5</m:t>
+                                        <m:t>0</m:t>
+                                      </m:r>
+                                      <m:r>
+                                        <a:rPr lang="en-US" i="1">
+                                          <a:latin typeface="Cambria Math" panose="02040503050406030204" pitchFamily="18" charset="0"/>
+                                        </a:rPr>
+                                        <m:t>.</m:t>
+                                      </m:r>
+                                      <m:r>
+                                        <a:rPr lang="en-US" i="1">
+                                          <a:latin typeface="Cambria Math" panose="02040503050406030204" pitchFamily="18" charset="0"/>
+                                        </a:rPr>
+                                        <m:t>5</m:t>
                                       </m:r>
                                     </m:sup>
                                   </m:sSup>
@@ -13350,7 +19139,19 @@
                                 <a:rPr lang="en-US" i="1">
                                   <a:latin typeface="Cambria Math" panose="02040503050406030204" pitchFamily="18" charset="0"/>
                                 </a:rPr>
-                                <m:t>0.5</m:t>
+                                <m:t>0</m:t>
+                              </m:r>
+                              <m:r>
+                                <a:rPr lang="en-US" i="1">
+                                  <a:latin typeface="Cambria Math" panose="02040503050406030204" pitchFamily="18" charset="0"/>
+                                </a:rPr>
+                                <m:t>.</m:t>
+                              </m:r>
+                              <m:r>
+                                <a:rPr lang="en-US" i="1">
+                                  <a:latin typeface="Cambria Math" panose="02040503050406030204" pitchFamily="18" charset="0"/>
+                                </a:rPr>
+                                <m:t>5</m:t>
                               </m:r>
                             </m:sup>
                           </m:sSup>

--- a/presentation.pptx
+++ b/presentation.pptx
@@ -34,6 +34,14 @@
     <p:sldId id="282" r:id="rId28"/>
     <p:sldId id="283" r:id="rId29"/>
     <p:sldId id="284" r:id="rId30"/>
+    <p:sldId id="285" r:id="rId31"/>
+    <p:sldId id="286" r:id="rId32"/>
+    <p:sldId id="287" r:id="rId33"/>
+    <p:sldId id="288" r:id="rId34"/>
+    <p:sldId id="289" r:id="rId35"/>
+    <p:sldId id="291" r:id="rId36"/>
+    <p:sldId id="292" r:id="rId37"/>
+    <p:sldId id="290" r:id="rId38"/>
   </p:sldIdLst>
   <p:sldSz cx="12192000" cy="6858000"/>
   <p:notesSz cx="6858000" cy="9144000"/>
@@ -289,7 +297,7 @@
           <a:p>
             <a:fld id="{0864CE99-312F-448F-A766-287C79E9A4F1}" type="datetimeFigureOut">
               <a:rPr lang="en-IL" smtClean="0"/>
-              <a:t>25/06/2023</a:t>
+              <a:t>26/06/2023</a:t>
             </a:fld>
             <a:endParaRPr lang="en-IL"/>
           </a:p>
@@ -489,7 +497,7 @@
           <a:p>
             <a:fld id="{0864CE99-312F-448F-A766-287C79E9A4F1}" type="datetimeFigureOut">
               <a:rPr lang="en-IL" smtClean="0"/>
-              <a:t>25/06/2023</a:t>
+              <a:t>26/06/2023</a:t>
             </a:fld>
             <a:endParaRPr lang="en-IL"/>
           </a:p>
@@ -699,7 +707,7 @@
           <a:p>
             <a:fld id="{0864CE99-312F-448F-A766-287C79E9A4F1}" type="datetimeFigureOut">
               <a:rPr lang="en-IL" smtClean="0"/>
-              <a:t>25/06/2023</a:t>
+              <a:t>26/06/2023</a:t>
             </a:fld>
             <a:endParaRPr lang="en-IL"/>
           </a:p>
@@ -899,7 +907,7 @@
           <a:p>
             <a:fld id="{0864CE99-312F-448F-A766-287C79E9A4F1}" type="datetimeFigureOut">
               <a:rPr lang="en-IL" smtClean="0"/>
-              <a:t>25/06/2023</a:t>
+              <a:t>26/06/2023</a:t>
             </a:fld>
             <a:endParaRPr lang="en-IL"/>
           </a:p>
@@ -1175,7 +1183,7 @@
           <a:p>
             <a:fld id="{0864CE99-312F-448F-A766-287C79E9A4F1}" type="datetimeFigureOut">
               <a:rPr lang="en-IL" smtClean="0"/>
-              <a:t>25/06/2023</a:t>
+              <a:t>26/06/2023</a:t>
             </a:fld>
             <a:endParaRPr lang="en-IL"/>
           </a:p>
@@ -1443,7 +1451,7 @@
           <a:p>
             <a:fld id="{0864CE99-312F-448F-A766-287C79E9A4F1}" type="datetimeFigureOut">
               <a:rPr lang="en-IL" smtClean="0"/>
-              <a:t>25/06/2023</a:t>
+              <a:t>26/06/2023</a:t>
             </a:fld>
             <a:endParaRPr lang="en-IL"/>
           </a:p>
@@ -1858,7 +1866,7 @@
           <a:p>
             <a:fld id="{0864CE99-312F-448F-A766-287C79E9A4F1}" type="datetimeFigureOut">
               <a:rPr lang="en-IL" smtClean="0"/>
-              <a:t>25/06/2023</a:t>
+              <a:t>26/06/2023</a:t>
             </a:fld>
             <a:endParaRPr lang="en-IL"/>
           </a:p>
@@ -2000,7 +2008,7 @@
           <a:p>
             <a:fld id="{0864CE99-312F-448F-A766-287C79E9A4F1}" type="datetimeFigureOut">
               <a:rPr lang="en-IL" smtClean="0"/>
-              <a:t>25/06/2023</a:t>
+              <a:t>26/06/2023</a:t>
             </a:fld>
             <a:endParaRPr lang="en-IL"/>
           </a:p>
@@ -2113,7 +2121,7 @@
           <a:p>
             <a:fld id="{0864CE99-312F-448F-A766-287C79E9A4F1}" type="datetimeFigureOut">
               <a:rPr lang="en-IL" smtClean="0"/>
-              <a:t>25/06/2023</a:t>
+              <a:t>26/06/2023</a:t>
             </a:fld>
             <a:endParaRPr lang="en-IL"/>
           </a:p>
@@ -2426,7 +2434,7 @@
           <a:p>
             <a:fld id="{0864CE99-312F-448F-A766-287C79E9A4F1}" type="datetimeFigureOut">
               <a:rPr lang="en-IL" smtClean="0"/>
-              <a:t>25/06/2023</a:t>
+              <a:t>26/06/2023</a:t>
             </a:fld>
             <a:endParaRPr lang="en-IL"/>
           </a:p>
@@ -2715,7 +2723,7 @@
           <a:p>
             <a:fld id="{0864CE99-312F-448F-A766-287C79E9A4F1}" type="datetimeFigureOut">
               <a:rPr lang="en-IL" smtClean="0"/>
-              <a:t>25/06/2023</a:t>
+              <a:t>26/06/2023</a:t>
             </a:fld>
             <a:endParaRPr lang="en-IL"/>
           </a:p>
@@ -2958,7 +2966,7 @@
           <a:p>
             <a:fld id="{0864CE99-312F-448F-A766-287C79E9A4F1}" type="datetimeFigureOut">
               <a:rPr lang="en-IL" smtClean="0"/>
-              <a:t>25/06/2023</a:t>
+              <a:t>26/06/2023</a:t>
             </a:fld>
             <a:endParaRPr lang="en-IL"/>
           </a:p>
@@ -4583,13 +4591,7 @@
                             <a:rPr lang="en-US" b="0" i="1" smtClean="0">
                               <a:latin typeface="Cambria Math" panose="02040503050406030204" pitchFamily="18" charset="0"/>
                             </a:rPr>
-                            <m:t>+</m:t>
-                          </m:r>
-                          <m:r>
-                            <a:rPr lang="en-US" b="0" i="1" smtClean="0">
-                              <a:latin typeface="Cambria Math" panose="02040503050406030204" pitchFamily="18" charset="0"/>
-                            </a:rPr>
-                            <m:t>1</m:t>
+                            <m:t>+1</m:t>
                           </m:r>
                         </m:sup>
                       </m:sSup>
@@ -4685,13 +4687,7 @@
                             <a:rPr lang="en-US" b="0" i="1" smtClean="0">
                               <a:latin typeface="Cambria Math" panose="02040503050406030204" pitchFamily="18" charset="0"/>
                             </a:rPr>
-                            <m:t>1</m:t>
-                          </m:r>
-                          <m:r>
-                            <a:rPr lang="en-US" b="0" i="1" smtClean="0">
-                              <a:latin typeface="Cambria Math" panose="02040503050406030204" pitchFamily="18" charset="0"/>
-                            </a:rPr>
-                            <m:t>−</m:t>
+                            <m:t>1−</m:t>
                           </m:r>
                           <m:sSub>
                             <m:sSubPr>
@@ -5113,13 +5109,7 @@
                             <a:rPr lang="en-US" b="0" i="1" smtClean="0">
                               <a:latin typeface="Cambria Math" panose="02040503050406030204" pitchFamily="18" charset="0"/>
                             </a:rPr>
-                            <m:t>−</m:t>
-                          </m:r>
-                          <m:r>
-                            <a:rPr lang="en-US" b="0" i="1" smtClean="0">
-                              <a:latin typeface="Cambria Math" panose="02040503050406030204" pitchFamily="18" charset="0"/>
-                            </a:rPr>
-                            <m:t>2</m:t>
+                            <m:t>−2</m:t>
                           </m:r>
                           <m:sSup>
                             <m:sSupPr>
@@ -5163,19 +5153,7 @@
                                         <a:rPr lang="en-US" b="0" i="1" smtClean="0">
                                           <a:latin typeface="Cambria Math" panose="02040503050406030204" pitchFamily="18" charset="0"/>
                                         </a:rPr>
-                                        <m:t>0</m:t>
-                                      </m:r>
-                                      <m:r>
-                                        <a:rPr lang="en-US" b="0" i="1" smtClean="0">
-                                          <a:latin typeface="Cambria Math" panose="02040503050406030204" pitchFamily="18" charset="0"/>
-                                        </a:rPr>
-                                        <m:t>.</m:t>
-                                      </m:r>
-                                      <m:r>
-                                        <a:rPr lang="en-US" b="0" i="1" smtClean="0">
-                                          <a:latin typeface="Cambria Math" panose="02040503050406030204" pitchFamily="18" charset="0"/>
-                                        </a:rPr>
-                                        <m:t>5</m:t>
+                                        <m:t>0.5</m:t>
                                       </m:r>
                                     </m:sup>
                                   </m:sSup>
@@ -5209,19 +5187,7 @@
                                         <a:rPr lang="en-US" b="0" i="1" smtClean="0">
                                           <a:latin typeface="Cambria Math" panose="02040503050406030204" pitchFamily="18" charset="0"/>
                                         </a:rPr>
-                                        <m:t>0</m:t>
-                                      </m:r>
-                                      <m:r>
-                                        <a:rPr lang="en-US" b="0" i="1" smtClean="0">
-                                          <a:latin typeface="Cambria Math" panose="02040503050406030204" pitchFamily="18" charset="0"/>
-                                        </a:rPr>
-                                        <m:t>.</m:t>
-                                      </m:r>
-                                      <m:r>
-                                        <a:rPr lang="en-US" b="0" i="1" smtClean="0">
-                                          <a:latin typeface="Cambria Math" panose="02040503050406030204" pitchFamily="18" charset="0"/>
-                                        </a:rPr>
-                                        <m:t>5</m:t>
+                                        <m:t>0.5</m:t>
                                       </m:r>
                                     </m:sup>
                                   </m:sSup>
@@ -5233,19 +5199,7 @@
                                 <a:rPr lang="en-US" b="0" i="1" smtClean="0">
                                   <a:latin typeface="Cambria Math" panose="02040503050406030204" pitchFamily="18" charset="0"/>
                                 </a:rPr>
-                                <m:t>0</m:t>
-                              </m:r>
-                              <m:r>
-                                <a:rPr lang="en-US" b="0" i="1" smtClean="0">
-                                  <a:latin typeface="Cambria Math" panose="02040503050406030204" pitchFamily="18" charset="0"/>
-                                </a:rPr>
-                                <m:t>.</m:t>
-                              </m:r>
-                              <m:r>
-                                <a:rPr lang="en-US" b="0" i="1" smtClean="0">
-                                  <a:latin typeface="Cambria Math" panose="02040503050406030204" pitchFamily="18" charset="0"/>
-                                </a:rPr>
-                                <m:t>5</m:t>
+                                <m:t>0.5</m:t>
                               </m:r>
                             </m:sup>
                           </m:sSup>
@@ -8049,13 +8003,7 @@
                                 <a:rPr lang="en-US" b="0" i="1" smtClean="0">
                                   <a:latin typeface="Cambria Math" panose="02040503050406030204" pitchFamily="18" charset="0"/>
                                 </a:rPr>
-                                <m:t>−</m:t>
-                              </m:r>
-                              <m:r>
-                                <a:rPr lang="en-US" b="0" i="1" smtClean="0">
-                                  <a:latin typeface="Cambria Math" panose="02040503050406030204" pitchFamily="18" charset="0"/>
-                                </a:rPr>
-                                <m:t>1</m:t>
+                                <m:t>−1</m:t>
                               </m:r>
                             </m:sub>
                           </m:sSub>
@@ -8237,13 +8185,7 @@
                                 <a:rPr lang="en-US" b="0" i="1" smtClean="0">
                                   <a:latin typeface="Cambria Math" panose="02040503050406030204" pitchFamily="18" charset="0"/>
                                 </a:rPr>
-                                <m:t>−</m:t>
-                              </m:r>
-                              <m:r>
-                                <a:rPr lang="en-US" b="0" i="1" smtClean="0">
-                                  <a:latin typeface="Cambria Math" panose="02040503050406030204" pitchFamily="18" charset="0"/>
-                                </a:rPr>
-                                <m:t>1</m:t>
+                                <m:t>−1</m:t>
                               </m:r>
                             </m:sub>
                           </m:sSub>
@@ -9090,8 +9032,8 @@
           </a:p>
         </p:txBody>
       </p:sp>
-      <mc:AlternateContent xmlns:mc="http://schemas.openxmlformats.org/markup-compatibility/2006">
-        <mc:Choice xmlns:a14="http://schemas.microsoft.com/office/drawing/2010/main" Requires="a14">
+      <mc:AlternateContent xmlns:mc="http://schemas.openxmlformats.org/markup-compatibility/2006" xmlns:a14="http://schemas.microsoft.com/office/drawing/2010/main">
+        <mc:Choice Requires="a14">
           <p:sp>
             <p:nvSpPr>
               <p:cNvPr id="3" name="Content Placeholder 2">
@@ -9992,7 +9934,7 @@
             </p:txBody>
           </p:sp>
         </mc:Choice>
-        <mc:Fallback>
+        <mc:Fallback xmlns="">
           <p:sp>
             <p:nvSpPr>
               <p:cNvPr id="3" name="Content Placeholder 2">
@@ -10219,8 +10161,8 @@
           </a:p>
         </p:txBody>
       </p:sp>
-      <mc:AlternateContent xmlns:mc="http://schemas.openxmlformats.org/markup-compatibility/2006">
-        <mc:Choice xmlns:a14="http://schemas.microsoft.com/office/drawing/2010/main" Requires="a14">
+      <mc:AlternateContent xmlns:mc="http://schemas.openxmlformats.org/markup-compatibility/2006" xmlns:a14="http://schemas.microsoft.com/office/drawing/2010/main">
+        <mc:Choice Requires="a14">
           <p:sp>
             <p:nvSpPr>
               <p:cNvPr id="3" name="Content Placeholder 2">
@@ -11208,7 +11150,7 @@
             </p:txBody>
           </p:sp>
         </mc:Choice>
-        <mc:Fallback>
+        <mc:Fallback xmlns="">
           <p:sp>
             <p:nvSpPr>
               <p:cNvPr id="3" name="Content Placeholder 2">
@@ -11540,8 +11482,8 @@
           </a:p>
         </p:txBody>
       </p:sp>
-      <mc:AlternateContent xmlns:mc="http://schemas.openxmlformats.org/markup-compatibility/2006">
-        <mc:Choice xmlns:a14="http://schemas.microsoft.com/office/drawing/2010/main" Requires="a14">
+      <mc:AlternateContent xmlns:mc="http://schemas.openxmlformats.org/markup-compatibility/2006" xmlns:a14="http://schemas.microsoft.com/office/drawing/2010/main">
+        <mc:Choice Requires="a14">
           <p:sp>
             <p:nvSpPr>
               <p:cNvPr id="3" name="Content Placeholder 2">
@@ -11576,19 +11518,7 @@
                       <a:rPr lang="en-US" i="1" dirty="0" smtClean="0">
                         <a:latin typeface="Cambria Math" panose="02040503050406030204" pitchFamily="18" charset="0"/>
                       </a:rPr>
-                      <m:t>𝑡</m:t>
-                    </m:r>
-                    <m:r>
-                      <a:rPr lang="en-US" i="1" dirty="0" smtClean="0">
-                        <a:latin typeface="Cambria Math" panose="02040503050406030204" pitchFamily="18" charset="0"/>
-                      </a:rPr>
-                      <m:t>h</m:t>
-                    </m:r>
-                    <m:r>
-                      <a:rPr lang="en-US" i="1" dirty="0" smtClean="0">
-                        <a:latin typeface="Cambria Math" panose="02040503050406030204" pitchFamily="18" charset="0"/>
-                      </a:rPr>
-                      <m:t>𝑎𝑡</m:t>
+                      <m:t>𝑡h𝑎𝑡</m:t>
                     </m:r>
                     <m:r>
                       <a:rPr lang="en-US" i="1" dirty="0" smtClean="0">
@@ -11671,13 +11601,7 @@
                               <a:rPr lang="en-US" i="1" dirty="0">
                                 <a:latin typeface="Cambria Math" panose="02040503050406030204" pitchFamily="18" charset="0"/>
                               </a:rPr>
-                              <m:t>−</m:t>
-                            </m:r>
-                            <m:r>
-                              <a:rPr lang="en-US" i="1" dirty="0">
-                                <a:latin typeface="Cambria Math" panose="02040503050406030204" pitchFamily="18" charset="0"/>
-                              </a:rPr>
-                              <m:t>1</m:t>
+                              <m:t>−1</m:t>
                             </m:r>
                           </m:sub>
                         </m:sSub>
@@ -11972,13 +11896,7 @@
                             <a:rPr lang="en-US" b="0" i="1" smtClean="0">
                               <a:latin typeface="Cambria Math" panose="02040503050406030204" pitchFamily="18" charset="0"/>
                             </a:rPr>
-                            <m:t>−</m:t>
-                          </m:r>
-                          <m:r>
-                            <a:rPr lang="en-US" b="0" i="1" smtClean="0">
-                              <a:latin typeface="Cambria Math" panose="02040503050406030204" pitchFamily="18" charset="0"/>
-                            </a:rPr>
-                            <m:t>1</m:t>
+                            <m:t>−1</m:t>
                           </m:r>
                         </m:sub>
                       </m:sSub>
@@ -12146,13 +12064,7 @@
                             <a:rPr lang="en-US" b="0" i="1" smtClean="0">
                               <a:latin typeface="Cambria Math" panose="02040503050406030204" pitchFamily="18" charset="0"/>
                             </a:rPr>
-                            <m:t>−</m:t>
-                          </m:r>
-                          <m:r>
-                            <a:rPr lang="en-US" b="0" i="1" smtClean="0">
-                              <a:latin typeface="Cambria Math" panose="02040503050406030204" pitchFamily="18" charset="0"/>
-                            </a:rPr>
-                            <m:t>1</m:t>
+                            <m:t>−1</m:t>
                           </m:r>
                         </m:sub>
                       </m:sSub>
@@ -12573,7 +12485,7 @@
             </p:txBody>
           </p:sp>
         </mc:Choice>
-        <mc:Fallback>
+        <mc:Fallback xmlns="">
           <p:sp>
             <p:nvSpPr>
               <p:cNvPr id="3" name="Content Placeholder 2">
@@ -12672,8 +12584,8 @@
           </a:p>
         </p:txBody>
       </p:sp>
-      <mc:AlternateContent xmlns:mc="http://schemas.openxmlformats.org/markup-compatibility/2006">
-        <mc:Choice xmlns:a14="http://schemas.microsoft.com/office/drawing/2010/main" Requires="a14">
+      <mc:AlternateContent xmlns:mc="http://schemas.openxmlformats.org/markup-compatibility/2006" xmlns:a14="http://schemas.microsoft.com/office/drawing/2010/main">
+        <mc:Choice Requires="a14">
           <p:sp>
             <p:nvSpPr>
               <p:cNvPr id="3" name="Content Placeholder 2">
@@ -13621,7 +13533,7 @@
             </p:txBody>
           </p:sp>
         </mc:Choice>
-        <mc:Fallback>
+        <mc:Fallback xmlns="">
           <p:sp>
             <p:nvSpPr>
               <p:cNvPr id="3" name="Content Placeholder 2">
@@ -13720,8 +13632,8 @@
           </a:p>
         </p:txBody>
       </p:sp>
-      <mc:AlternateContent xmlns:mc="http://schemas.openxmlformats.org/markup-compatibility/2006">
-        <mc:Choice xmlns:a14="http://schemas.microsoft.com/office/drawing/2010/main" Requires="a14">
+      <mc:AlternateContent xmlns:mc="http://schemas.openxmlformats.org/markup-compatibility/2006" xmlns:a14="http://schemas.microsoft.com/office/drawing/2010/main">
+        <mc:Choice Requires="a14">
           <p:sp>
             <p:nvSpPr>
               <p:cNvPr id="3" name="Content Placeholder 2">
@@ -14135,13 +14047,7 @@
                             <a:rPr lang="en-US" b="0" i="1" dirty="0" smtClean="0">
                               <a:latin typeface="Cambria Math" panose="02040503050406030204" pitchFamily="18" charset="0"/>
                             </a:rPr>
-                            <m:t>−</m:t>
-                          </m:r>
-                          <m:r>
-                            <a:rPr lang="en-US" b="0" i="1" dirty="0" smtClean="0">
-                              <a:latin typeface="Cambria Math" panose="02040503050406030204" pitchFamily="18" charset="0"/>
-                            </a:rPr>
-                            <m:t>1</m:t>
+                            <m:t>−1</m:t>
                           </m:r>
                         </m:sup>
                       </m:sSup>
@@ -14472,13 +14378,7 @@
                             <a:rPr lang="en-US" b="0" i="1" smtClean="0">
                               <a:latin typeface="Cambria Math" panose="02040503050406030204" pitchFamily="18" charset="0"/>
                             </a:rPr>
-                            <m:t>−</m:t>
-                          </m:r>
-                          <m:r>
-                            <a:rPr lang="en-US" b="0" i="1" smtClean="0">
-                              <a:latin typeface="Cambria Math" panose="02040503050406030204" pitchFamily="18" charset="0"/>
-                            </a:rPr>
-                            <m:t>1</m:t>
+                            <m:t>−1</m:t>
                           </m:r>
                         </m:sup>
                       </m:sSup>
@@ -14535,7 +14435,7 @@
             </p:txBody>
           </p:sp>
         </mc:Choice>
-        <mc:Fallback>
+        <mc:Fallback xmlns="">
           <p:sp>
             <p:nvSpPr>
               <p:cNvPr id="3" name="Content Placeholder 2">
@@ -15247,6 +15147,961 @@
     <p:extLst>
       <p:ext uri="{BB962C8B-B14F-4D97-AF65-F5344CB8AC3E}">
         <p14:creationId xmlns:p14="http://schemas.microsoft.com/office/powerpoint/2010/main" val="1191010430"/>
+      </p:ext>
+    </p:extLst>
+  </p:cSld>
+  <p:clrMapOvr>
+    <a:masterClrMapping/>
+  </p:clrMapOvr>
+</p:sld>
+</file>
+
+<file path=ppt/slides/slide30.xml><?xml version="1.0" encoding="utf-8"?>
+<p:sld xmlns:a="http://schemas.openxmlformats.org/drawingml/2006/main" xmlns:r="http://schemas.openxmlformats.org/officeDocument/2006/relationships" xmlns:p="http://schemas.openxmlformats.org/presentationml/2006/main">
+  <p:cSld>
+    <p:spTree>
+      <p:nvGrpSpPr>
+        <p:cNvPr id="1" name=""/>
+        <p:cNvGrpSpPr/>
+        <p:nvPr/>
+      </p:nvGrpSpPr>
+      <p:grpSpPr>
+        <a:xfrm>
+          <a:off x="0" y="0"/>
+          <a:ext cx="0" cy="0"/>
+          <a:chOff x="0" y="0"/>
+          <a:chExt cx="0" cy="0"/>
+        </a:xfrm>
+      </p:grpSpPr>
+      <p:sp>
+        <p:nvSpPr>
+          <p:cNvPr id="2" name="Title 1">
+            <a:extLst>
+              <a:ext uri="{FF2B5EF4-FFF2-40B4-BE49-F238E27FC236}">
+                <a16:creationId xmlns:a16="http://schemas.microsoft.com/office/drawing/2014/main" id="{072A9A29-BAF5-2BFE-7A6A-C6FF0BBCB802}"/>
+              </a:ext>
+            </a:extLst>
+          </p:cNvPr>
+          <p:cNvSpPr>
+            <a:spLocks noGrp="1"/>
+          </p:cNvSpPr>
+          <p:nvPr>
+            <p:ph type="ctrTitle"/>
+          </p:nvPr>
+        </p:nvSpPr>
+        <p:spPr/>
+        <p:txBody>
+          <a:bodyPr/>
+          <a:lstStyle/>
+          <a:p>
+            <a:r>
+              <a:rPr lang="en-US" dirty="0"/>
+              <a:t>Connected literature</a:t>
+            </a:r>
+            <a:endParaRPr lang="en-IL" dirty="0"/>
+          </a:p>
+        </p:txBody>
+      </p:sp>
+      <p:sp>
+        <p:nvSpPr>
+          <p:cNvPr id="3" name="Subtitle 2">
+            <a:extLst>
+              <a:ext uri="{FF2B5EF4-FFF2-40B4-BE49-F238E27FC236}">
+                <a16:creationId xmlns:a16="http://schemas.microsoft.com/office/drawing/2014/main" id="{D30B3B42-05DD-B4D4-A43A-F4C71B0D9992}"/>
+              </a:ext>
+            </a:extLst>
+          </p:cNvPr>
+          <p:cNvSpPr>
+            <a:spLocks noGrp="1"/>
+          </p:cNvSpPr>
+          <p:nvPr>
+            <p:ph type="subTitle" idx="1"/>
+          </p:nvPr>
+        </p:nvSpPr>
+        <p:spPr/>
+        <p:txBody>
+          <a:bodyPr/>
+          <a:lstStyle/>
+          <a:p>
+            <a:endParaRPr lang="en-IL"/>
+          </a:p>
+        </p:txBody>
+      </p:sp>
+    </p:spTree>
+    <p:extLst>
+      <p:ext uri="{BB962C8B-B14F-4D97-AF65-F5344CB8AC3E}">
+        <p14:creationId xmlns:p14="http://schemas.microsoft.com/office/powerpoint/2010/main" val="1768391373"/>
+      </p:ext>
+    </p:extLst>
+  </p:cSld>
+  <p:clrMapOvr>
+    <a:masterClrMapping/>
+  </p:clrMapOvr>
+</p:sld>
+</file>
+
+<file path=ppt/slides/slide31.xml><?xml version="1.0" encoding="utf-8"?>
+<p:sld xmlns:a="http://schemas.openxmlformats.org/drawingml/2006/main" xmlns:r="http://schemas.openxmlformats.org/officeDocument/2006/relationships" xmlns:p="http://schemas.openxmlformats.org/presentationml/2006/main">
+  <p:cSld>
+    <p:spTree>
+      <p:nvGrpSpPr>
+        <p:cNvPr id="1" name=""/>
+        <p:cNvGrpSpPr/>
+        <p:nvPr/>
+      </p:nvGrpSpPr>
+      <p:grpSpPr>
+        <a:xfrm>
+          <a:off x="0" y="0"/>
+          <a:ext cx="0" cy="0"/>
+          <a:chOff x="0" y="0"/>
+          <a:chExt cx="0" cy="0"/>
+        </a:xfrm>
+      </p:grpSpPr>
+      <p:sp>
+        <p:nvSpPr>
+          <p:cNvPr id="2" name="Title 1">
+            <a:extLst>
+              <a:ext uri="{FF2B5EF4-FFF2-40B4-BE49-F238E27FC236}">
+                <a16:creationId xmlns:a16="http://schemas.microsoft.com/office/drawing/2014/main" id="{D265DBC4-9C63-6BDA-C617-AA49862DC3BE}"/>
+              </a:ext>
+            </a:extLst>
+          </p:cNvPr>
+          <p:cNvSpPr>
+            <a:spLocks noGrp="1"/>
+          </p:cNvSpPr>
+          <p:nvPr>
+            <p:ph type="title"/>
+          </p:nvPr>
+        </p:nvSpPr>
+        <p:spPr/>
+        <p:txBody>
+          <a:bodyPr/>
+          <a:lstStyle/>
+          <a:p>
+            <a:r>
+              <a:rPr lang="en-US" dirty="0"/>
+              <a:t>Connected literature</a:t>
+            </a:r>
+            <a:endParaRPr lang="en-IL" dirty="0"/>
+          </a:p>
+        </p:txBody>
+      </p:sp>
+      <mc:AlternateContent xmlns:mc="http://schemas.openxmlformats.org/markup-compatibility/2006">
+        <mc:Choice xmlns:a14="http://schemas.microsoft.com/office/drawing/2010/main" Requires="a14">
+          <p:sp>
+            <p:nvSpPr>
+              <p:cNvPr id="3" name="Content Placeholder 2">
+                <a:extLst>
+                  <a:ext uri="{FF2B5EF4-FFF2-40B4-BE49-F238E27FC236}">
+                    <a16:creationId xmlns:a16="http://schemas.microsoft.com/office/drawing/2014/main" id="{ECA8C94C-A6DD-52A5-D0E5-36D6CC5F0A43}"/>
+                  </a:ext>
+                </a:extLst>
+              </p:cNvPr>
+              <p:cNvSpPr>
+                <a:spLocks noGrp="1"/>
+              </p:cNvSpPr>
+              <p:nvPr>
+                <p:ph idx="1"/>
+              </p:nvPr>
+            </p:nvSpPr>
+            <p:spPr/>
+            <p:txBody>
+              <a:bodyPr/>
+              <a:lstStyle/>
+              <a:p>
+                <a:pPr marL="0" indent="0">
+                  <a:buNone/>
+                </a:pPr>
+                <a:r>
+                  <a:rPr lang="en-US" dirty="0"/>
+                  <a:t>The </a:t>
+                </a:r>
+                <a14:m>
+                  <m:oMath xmlns:m="http://schemas.openxmlformats.org/officeDocument/2006/math">
+                    <m:sSub>
+                      <m:sSubPr>
+                        <m:ctrlPr>
+                          <a:rPr lang="en-US" b="0" i="1" smtClean="0">
+                            <a:latin typeface="Cambria Math" panose="02040503050406030204" pitchFamily="18" charset="0"/>
+                          </a:rPr>
+                        </m:ctrlPr>
+                      </m:sSubPr>
+                      <m:e>
+                        <m:r>
+                          <a:rPr lang="en-US" b="0" i="1" smtClean="0">
+                            <a:latin typeface="Cambria Math" panose="02040503050406030204" pitchFamily="18" charset="0"/>
+                          </a:rPr>
+                          <m:t>ℋ</m:t>
+                        </m:r>
+                      </m:e>
+                      <m:sub>
+                        <m:r>
+                          <a:rPr lang="en-US" b="0" i="1" smtClean="0">
+                            <a:latin typeface="Cambria Math" panose="02040503050406030204" pitchFamily="18" charset="0"/>
+                          </a:rPr>
+                          <m:t>∞</m:t>
+                        </m:r>
+                      </m:sub>
+                    </m:sSub>
+                  </m:oMath>
+                </a14:m>
+                <a:r>
+                  <a:rPr lang="en-US" dirty="0"/>
+                  <a:t> filter also targets  situations in which the statistics of the noise process is uncertain and where one aims to minimize the worst case.</a:t>
+                </a:r>
+              </a:p>
+              <a:p>
+                <a:pPr marL="0" indent="0">
+                  <a:buNone/>
+                </a:pPr>
+                <a:endParaRPr lang="en-US" dirty="0"/>
+              </a:p>
+              <a:p>
+                <a:pPr marL="0" indent="0">
+                  <a:buNone/>
+                </a:pPr>
+                <a:r>
+                  <a:rPr lang="en-US" dirty="0"/>
+                  <a:t>However, in transient operation, the desired </a:t>
+                </a:r>
+                <a14:m>
+                  <m:oMath xmlns:m="http://schemas.openxmlformats.org/officeDocument/2006/math">
+                    <m:sSub>
+                      <m:sSubPr>
+                        <m:ctrlPr>
+                          <a:rPr lang="en-US" b="0" i="1" smtClean="0">
+                            <a:latin typeface="Cambria Math" panose="02040503050406030204" pitchFamily="18" charset="0"/>
+                          </a:rPr>
+                        </m:ctrlPr>
+                      </m:sSubPr>
+                      <m:e>
+                        <m:r>
+                          <a:rPr lang="en-US" b="0" i="1" smtClean="0">
+                            <a:latin typeface="Cambria Math" panose="02040503050406030204" pitchFamily="18" charset="0"/>
+                          </a:rPr>
+                          <m:t>ℋ</m:t>
+                        </m:r>
+                      </m:e>
+                      <m:sub>
+                        <m:r>
+                          <a:rPr lang="en-US" b="0" i="1" smtClean="0">
+                            <a:latin typeface="Cambria Math" panose="02040503050406030204" pitchFamily="18" charset="0"/>
+                          </a:rPr>
+                          <m:t>∞</m:t>
+                        </m:r>
+                      </m:sub>
+                    </m:sSub>
+                  </m:oMath>
+                </a14:m>
+                <a:r>
+                  <a:rPr lang="en-US" dirty="0"/>
+                  <a:t>-performance is lost, and the filter may diverge unless some (typically restrictive) positivity condition holds in each iteration.</a:t>
+                </a:r>
+                <a:endParaRPr lang="en-IL" dirty="0"/>
+              </a:p>
+            </p:txBody>
+          </p:sp>
+        </mc:Choice>
+        <mc:Fallback>
+          <p:sp>
+            <p:nvSpPr>
+              <p:cNvPr id="3" name="Content Placeholder 2">
+                <a:extLst>
+                  <a:ext uri="{FF2B5EF4-FFF2-40B4-BE49-F238E27FC236}">
+                    <a16:creationId xmlns:a16="http://schemas.microsoft.com/office/drawing/2014/main" id="{ECA8C94C-A6DD-52A5-D0E5-36D6CC5F0A43}"/>
+                  </a:ext>
+                </a:extLst>
+              </p:cNvPr>
+              <p:cNvSpPr>
+                <a:spLocks noGrp="1" noRot="1" noChangeAspect="1" noMove="1" noResize="1" noEditPoints="1" noAdjustHandles="1" noChangeArrowheads="1" noChangeShapeType="1" noTextEdit="1"/>
+              </p:cNvSpPr>
+              <p:nvPr>
+                <p:ph idx="1"/>
+              </p:nvPr>
+            </p:nvSpPr>
+            <p:spPr>
+              <a:blipFill>
+                <a:blip r:embed="rId2"/>
+                <a:stretch>
+                  <a:fillRect l="-1217" t="-2241" r="-928"/>
+                </a:stretch>
+              </a:blipFill>
+            </p:spPr>
+            <p:txBody>
+              <a:bodyPr/>
+              <a:lstStyle/>
+              <a:p>
+                <a:r>
+                  <a:rPr lang="en-IL">
+                    <a:noFill/>
+                  </a:rPr>
+                  <a:t> </a:t>
+                </a:r>
+              </a:p>
+            </p:txBody>
+          </p:sp>
+        </mc:Fallback>
+      </mc:AlternateContent>
+    </p:spTree>
+    <p:extLst>
+      <p:ext uri="{BB962C8B-B14F-4D97-AF65-F5344CB8AC3E}">
+        <p14:creationId xmlns:p14="http://schemas.microsoft.com/office/powerpoint/2010/main" val="1127630578"/>
+      </p:ext>
+    </p:extLst>
+  </p:cSld>
+  <p:clrMapOvr>
+    <a:masterClrMapping/>
+  </p:clrMapOvr>
+</p:sld>
+</file>
+
+<file path=ppt/slides/slide32.xml><?xml version="1.0" encoding="utf-8"?>
+<p:sld xmlns:a="http://schemas.openxmlformats.org/drawingml/2006/main" xmlns:r="http://schemas.openxmlformats.org/officeDocument/2006/relationships" xmlns:p="http://schemas.openxmlformats.org/presentationml/2006/main">
+  <p:cSld>
+    <p:spTree>
+      <p:nvGrpSpPr>
+        <p:cNvPr id="1" name=""/>
+        <p:cNvGrpSpPr/>
+        <p:nvPr/>
+      </p:nvGrpSpPr>
+      <p:grpSpPr>
+        <a:xfrm>
+          <a:off x="0" y="0"/>
+          <a:ext cx="0" cy="0"/>
+          <a:chOff x="0" y="0"/>
+          <a:chExt cx="0" cy="0"/>
+        </a:xfrm>
+      </p:grpSpPr>
+      <p:sp>
+        <p:nvSpPr>
+          <p:cNvPr id="2" name="Title 1">
+            <a:extLst>
+              <a:ext uri="{FF2B5EF4-FFF2-40B4-BE49-F238E27FC236}">
+                <a16:creationId xmlns:a16="http://schemas.microsoft.com/office/drawing/2014/main" id="{EF8B5EBE-8F6C-844D-58A5-C523BB75E204}"/>
+              </a:ext>
+            </a:extLst>
+          </p:cNvPr>
+          <p:cNvSpPr>
+            <a:spLocks noGrp="1"/>
+          </p:cNvSpPr>
+          <p:nvPr>
+            <p:ph type="title"/>
+          </p:nvPr>
+        </p:nvSpPr>
+        <p:spPr/>
+        <p:txBody>
+          <a:bodyPr/>
+          <a:lstStyle/>
+          <a:p>
+            <a:r>
+              <a:rPr lang="en-US" dirty="0"/>
+              <a:t>Connected literature</a:t>
+            </a:r>
+            <a:endParaRPr lang="en-IL" dirty="0"/>
+          </a:p>
+        </p:txBody>
+      </p:sp>
+      <p:sp>
+        <p:nvSpPr>
+          <p:cNvPr id="3" name="Content Placeholder 2">
+            <a:extLst>
+              <a:ext uri="{FF2B5EF4-FFF2-40B4-BE49-F238E27FC236}">
+                <a16:creationId xmlns:a16="http://schemas.microsoft.com/office/drawing/2014/main" id="{84DBCF78-F379-85CE-FDB5-8E8467ACAC61}"/>
+              </a:ext>
+            </a:extLst>
+          </p:cNvPr>
+          <p:cNvSpPr>
+            <a:spLocks noGrp="1"/>
+          </p:cNvSpPr>
+          <p:nvPr>
+            <p:ph idx="1"/>
+          </p:nvPr>
+        </p:nvSpPr>
+        <p:spPr/>
+        <p:txBody>
+          <a:bodyPr/>
+          <a:lstStyle/>
+          <a:p>
+            <a:pPr marL="0" indent="0">
+              <a:buNone/>
+            </a:pPr>
+            <a:r>
+              <a:rPr lang="en-US" dirty="0"/>
+              <a:t>A risk-sensitive Kalman filter is obtained by minimizing the moment-generating function instead of the mean of the squared estimation error.</a:t>
+            </a:r>
+          </a:p>
+          <a:p>
+            <a:pPr marL="0" indent="0">
+              <a:buNone/>
+            </a:pPr>
+            <a:r>
+              <a:rPr lang="en-US" dirty="0"/>
+              <a:t>This risk-sensitive Kalman filter minimizes the worst-case mean square error across all joint state-output distributions in a </a:t>
+            </a:r>
+            <a:r>
+              <a:rPr lang="en-US" dirty="0" err="1"/>
+              <a:t>Kullback-Leibler</a:t>
+            </a:r>
+            <a:r>
+              <a:rPr lang="en-US" dirty="0"/>
+              <a:t> (KL) ball around a nominal distribution.</a:t>
+            </a:r>
+            <a:endParaRPr lang="en-IL" dirty="0"/>
+          </a:p>
+        </p:txBody>
+      </p:sp>
+    </p:spTree>
+    <p:extLst>
+      <p:ext uri="{BB962C8B-B14F-4D97-AF65-F5344CB8AC3E}">
+        <p14:creationId xmlns:p14="http://schemas.microsoft.com/office/powerpoint/2010/main" val="2636481967"/>
+      </p:ext>
+    </p:extLst>
+  </p:cSld>
+  <p:clrMapOvr>
+    <a:masterClrMapping/>
+  </p:clrMapOvr>
+</p:sld>
+</file>
+
+<file path=ppt/slides/slide33.xml><?xml version="1.0" encoding="utf-8"?>
+<p:sld xmlns:a="http://schemas.openxmlformats.org/drawingml/2006/main" xmlns:r="http://schemas.openxmlformats.org/officeDocument/2006/relationships" xmlns:p="http://schemas.openxmlformats.org/presentationml/2006/main">
+  <p:cSld>
+    <p:spTree>
+      <p:nvGrpSpPr>
+        <p:cNvPr id="1" name=""/>
+        <p:cNvGrpSpPr/>
+        <p:nvPr/>
+      </p:nvGrpSpPr>
+      <p:grpSpPr>
+        <a:xfrm>
+          <a:off x="0" y="0"/>
+          <a:ext cx="0" cy="0"/>
+          <a:chOff x="0" y="0"/>
+          <a:chExt cx="0" cy="0"/>
+        </a:xfrm>
+      </p:grpSpPr>
+      <p:sp>
+        <p:nvSpPr>
+          <p:cNvPr id="2" name="Title 1">
+            <a:extLst>
+              <a:ext uri="{FF2B5EF4-FFF2-40B4-BE49-F238E27FC236}">
+                <a16:creationId xmlns:a16="http://schemas.microsoft.com/office/drawing/2014/main" id="{1D6D203C-F0FE-2F99-C637-33434AED7C3C}"/>
+              </a:ext>
+            </a:extLst>
+          </p:cNvPr>
+          <p:cNvSpPr>
+            <a:spLocks noGrp="1"/>
+          </p:cNvSpPr>
+          <p:nvPr>
+            <p:ph type="ctrTitle"/>
+          </p:nvPr>
+        </p:nvSpPr>
+        <p:spPr/>
+        <p:txBody>
+          <a:bodyPr/>
+          <a:lstStyle/>
+          <a:p>
+            <a:r>
+              <a:rPr lang="en-US" dirty="0"/>
+              <a:t>Paper contribution</a:t>
+            </a:r>
+            <a:endParaRPr lang="en-IL" dirty="0"/>
+          </a:p>
+        </p:txBody>
+      </p:sp>
+      <p:sp>
+        <p:nvSpPr>
+          <p:cNvPr id="3" name="Subtitle 2">
+            <a:extLst>
+              <a:ext uri="{FF2B5EF4-FFF2-40B4-BE49-F238E27FC236}">
+                <a16:creationId xmlns:a16="http://schemas.microsoft.com/office/drawing/2014/main" id="{D17A89F5-0CB8-A06D-BDB0-47650C498088}"/>
+              </a:ext>
+            </a:extLst>
+          </p:cNvPr>
+          <p:cNvSpPr>
+            <a:spLocks noGrp="1"/>
+          </p:cNvSpPr>
+          <p:nvPr>
+            <p:ph type="subTitle" idx="1"/>
+          </p:nvPr>
+        </p:nvSpPr>
+        <p:spPr/>
+        <p:txBody>
+          <a:bodyPr/>
+          <a:lstStyle/>
+          <a:p>
+            <a:endParaRPr lang="en-IL"/>
+          </a:p>
+        </p:txBody>
+      </p:sp>
+    </p:spTree>
+    <p:extLst>
+      <p:ext uri="{BB962C8B-B14F-4D97-AF65-F5344CB8AC3E}">
+        <p14:creationId xmlns:p14="http://schemas.microsoft.com/office/powerpoint/2010/main" val="1061825000"/>
+      </p:ext>
+    </p:extLst>
+  </p:cSld>
+  <p:clrMapOvr>
+    <a:masterClrMapping/>
+  </p:clrMapOvr>
+</p:sld>
+</file>
+
+<file path=ppt/slides/slide34.xml><?xml version="1.0" encoding="utf-8"?>
+<p:sld xmlns:a="http://schemas.openxmlformats.org/drawingml/2006/main" xmlns:r="http://schemas.openxmlformats.org/officeDocument/2006/relationships" xmlns:p="http://schemas.openxmlformats.org/presentationml/2006/main">
+  <p:cSld>
+    <p:spTree>
+      <p:nvGrpSpPr>
+        <p:cNvPr id="1" name=""/>
+        <p:cNvGrpSpPr/>
+        <p:nvPr/>
+      </p:nvGrpSpPr>
+      <p:grpSpPr>
+        <a:xfrm>
+          <a:off x="0" y="0"/>
+          <a:ext cx="0" cy="0"/>
+          <a:chOff x="0" y="0"/>
+          <a:chExt cx="0" cy="0"/>
+        </a:xfrm>
+      </p:grpSpPr>
+      <p:sp>
+        <p:nvSpPr>
+          <p:cNvPr id="2" name="Title 1">
+            <a:extLst>
+              <a:ext uri="{FF2B5EF4-FFF2-40B4-BE49-F238E27FC236}">
+                <a16:creationId xmlns:a16="http://schemas.microsoft.com/office/drawing/2014/main" id="{2D34C8EC-2CF4-B243-C0A9-63356A4BB1F6}"/>
+              </a:ext>
+            </a:extLst>
+          </p:cNvPr>
+          <p:cNvSpPr>
+            <a:spLocks noGrp="1"/>
+          </p:cNvSpPr>
+          <p:nvPr>
+            <p:ph type="title"/>
+          </p:nvPr>
+        </p:nvSpPr>
+        <p:spPr/>
+        <p:txBody>
+          <a:bodyPr/>
+          <a:lstStyle/>
+          <a:p>
+            <a:r>
+              <a:rPr lang="en-US" dirty="0"/>
+              <a:t>Paper contribution</a:t>
+            </a:r>
+            <a:endParaRPr lang="en-IL" dirty="0"/>
+          </a:p>
+        </p:txBody>
+      </p:sp>
+      <p:sp>
+        <p:nvSpPr>
+          <p:cNvPr id="3" name="Content Placeholder 2">
+            <a:extLst>
+              <a:ext uri="{FF2B5EF4-FFF2-40B4-BE49-F238E27FC236}">
+                <a16:creationId xmlns:a16="http://schemas.microsoft.com/office/drawing/2014/main" id="{7C82912D-860C-B0F7-DEB2-D52C78E33151}"/>
+              </a:ext>
+            </a:extLst>
+          </p:cNvPr>
+          <p:cNvSpPr>
+            <a:spLocks noGrp="1"/>
+          </p:cNvSpPr>
+          <p:nvPr>
+            <p:ph idx="1"/>
+          </p:nvPr>
+        </p:nvSpPr>
+        <p:spPr/>
+        <p:txBody>
+          <a:bodyPr/>
+          <a:lstStyle/>
+          <a:p>
+            <a:r>
+              <a:rPr lang="en-US" dirty="0"/>
+              <a:t>The paper focuses on a (nonconvex) Wasserstein ambiguity set containing only normal distributions.</a:t>
+            </a:r>
+            <a:br>
+              <a:rPr lang="en-US" dirty="0"/>
+            </a:br>
+            <a:endParaRPr lang="en-US" dirty="0"/>
+          </a:p>
+          <a:p>
+            <a:r>
+              <a:rPr lang="en-US" dirty="0"/>
+              <a:t>Shows that the optimal estimator and the least favorable distribution form a Nash equilibrium.</a:t>
+            </a:r>
+            <a:br>
+              <a:rPr lang="en-US" dirty="0"/>
+            </a:br>
+            <a:r>
+              <a:rPr lang="en-US" dirty="0"/>
+              <a:t> </a:t>
+            </a:r>
+          </a:p>
+          <a:p>
+            <a:r>
+              <a:rPr lang="en-US" dirty="0"/>
+              <a:t>Proves that the estimation problem is equivalent to a tractable convex program. Devises a Frank-Wolfe algorithm for this convex program.</a:t>
+            </a:r>
+            <a:br>
+              <a:rPr lang="en-US" dirty="0"/>
+            </a:br>
+            <a:endParaRPr lang="en-US" dirty="0"/>
+          </a:p>
+        </p:txBody>
+      </p:sp>
+    </p:spTree>
+    <p:extLst>
+      <p:ext uri="{BB962C8B-B14F-4D97-AF65-F5344CB8AC3E}">
+        <p14:creationId xmlns:p14="http://schemas.microsoft.com/office/powerpoint/2010/main" val="1759521789"/>
+      </p:ext>
+    </p:extLst>
+  </p:cSld>
+  <p:clrMapOvr>
+    <a:masterClrMapping/>
+  </p:clrMapOvr>
+</p:sld>
+</file>
+
+<file path=ppt/slides/slide35.xml><?xml version="1.0" encoding="utf-8"?>
+<p:sld xmlns:a="http://schemas.openxmlformats.org/drawingml/2006/main" xmlns:r="http://schemas.openxmlformats.org/officeDocument/2006/relationships" xmlns:p="http://schemas.openxmlformats.org/presentationml/2006/main">
+  <p:cSld>
+    <p:spTree>
+      <p:nvGrpSpPr>
+        <p:cNvPr id="1" name=""/>
+        <p:cNvGrpSpPr/>
+        <p:nvPr/>
+      </p:nvGrpSpPr>
+      <p:grpSpPr>
+        <a:xfrm>
+          <a:off x="0" y="0"/>
+          <a:ext cx="0" cy="0"/>
+          <a:chOff x="0" y="0"/>
+          <a:chExt cx="0" cy="0"/>
+        </a:xfrm>
+      </p:grpSpPr>
+      <p:sp>
+        <p:nvSpPr>
+          <p:cNvPr id="2" name="Title 1">
+            <a:extLst>
+              <a:ext uri="{FF2B5EF4-FFF2-40B4-BE49-F238E27FC236}">
+                <a16:creationId xmlns:a16="http://schemas.microsoft.com/office/drawing/2014/main" id="{3FBDD0BE-5E37-ED35-1B56-DE41CC44E481}"/>
+              </a:ext>
+            </a:extLst>
+          </p:cNvPr>
+          <p:cNvSpPr>
+            <a:spLocks noGrp="1"/>
+          </p:cNvSpPr>
+          <p:nvPr>
+            <p:ph type="ctrTitle"/>
+          </p:nvPr>
+        </p:nvSpPr>
+        <p:spPr/>
+        <p:txBody>
+          <a:bodyPr/>
+          <a:lstStyle/>
+          <a:p>
+            <a:r>
+              <a:rPr lang="en-US" dirty="0"/>
+              <a:t>Assessment of strength and weakness</a:t>
+            </a:r>
+            <a:endParaRPr lang="en-IL" dirty="0"/>
+          </a:p>
+        </p:txBody>
+      </p:sp>
+      <p:sp>
+        <p:nvSpPr>
+          <p:cNvPr id="3" name="Subtitle 2">
+            <a:extLst>
+              <a:ext uri="{FF2B5EF4-FFF2-40B4-BE49-F238E27FC236}">
+                <a16:creationId xmlns:a16="http://schemas.microsoft.com/office/drawing/2014/main" id="{935D80D0-24DE-E978-8C08-365744683007}"/>
+              </a:ext>
+            </a:extLst>
+          </p:cNvPr>
+          <p:cNvSpPr>
+            <a:spLocks noGrp="1"/>
+          </p:cNvSpPr>
+          <p:nvPr>
+            <p:ph type="subTitle" idx="1"/>
+          </p:nvPr>
+        </p:nvSpPr>
+        <p:spPr/>
+        <p:txBody>
+          <a:bodyPr/>
+          <a:lstStyle/>
+          <a:p>
+            <a:endParaRPr lang="en-IL" dirty="0"/>
+          </a:p>
+        </p:txBody>
+      </p:sp>
+    </p:spTree>
+    <p:extLst>
+      <p:ext uri="{BB962C8B-B14F-4D97-AF65-F5344CB8AC3E}">
+        <p14:creationId xmlns:p14="http://schemas.microsoft.com/office/powerpoint/2010/main" val="2128959162"/>
+      </p:ext>
+    </p:extLst>
+  </p:cSld>
+  <p:clrMapOvr>
+    <a:masterClrMapping/>
+  </p:clrMapOvr>
+</p:sld>
+</file>
+
+<file path=ppt/slides/slide36.xml><?xml version="1.0" encoding="utf-8"?>
+<p:sld xmlns:a="http://schemas.openxmlformats.org/drawingml/2006/main" xmlns:r="http://schemas.openxmlformats.org/officeDocument/2006/relationships" xmlns:p="http://schemas.openxmlformats.org/presentationml/2006/main">
+  <p:cSld>
+    <p:spTree>
+      <p:nvGrpSpPr>
+        <p:cNvPr id="1" name=""/>
+        <p:cNvGrpSpPr/>
+        <p:nvPr/>
+      </p:nvGrpSpPr>
+      <p:grpSpPr>
+        <a:xfrm>
+          <a:off x="0" y="0"/>
+          <a:ext cx="0" cy="0"/>
+          <a:chOff x="0" y="0"/>
+          <a:chExt cx="0" cy="0"/>
+        </a:xfrm>
+      </p:grpSpPr>
+      <p:sp>
+        <p:nvSpPr>
+          <p:cNvPr id="2" name="Title 1">
+            <a:extLst>
+              <a:ext uri="{FF2B5EF4-FFF2-40B4-BE49-F238E27FC236}">
+                <a16:creationId xmlns:a16="http://schemas.microsoft.com/office/drawing/2014/main" id="{0D399E5A-034E-8670-D4C0-3A3855429217}"/>
+              </a:ext>
+            </a:extLst>
+          </p:cNvPr>
+          <p:cNvSpPr>
+            <a:spLocks noGrp="1"/>
+          </p:cNvSpPr>
+          <p:nvPr>
+            <p:ph type="title"/>
+          </p:nvPr>
+        </p:nvSpPr>
+        <p:spPr/>
+        <p:txBody>
+          <a:bodyPr/>
+          <a:lstStyle/>
+          <a:p>
+            <a:r>
+              <a:rPr lang="en-US" dirty="0"/>
+              <a:t>Strength</a:t>
+            </a:r>
+            <a:endParaRPr lang="en-IL" dirty="0"/>
+          </a:p>
+        </p:txBody>
+      </p:sp>
+      <mc:AlternateContent xmlns:mc="http://schemas.openxmlformats.org/markup-compatibility/2006">
+        <mc:Choice xmlns:a14="http://schemas.microsoft.com/office/drawing/2010/main" Requires="a14">
+          <p:sp>
+            <p:nvSpPr>
+              <p:cNvPr id="3" name="Content Placeholder 2">
+                <a:extLst>
+                  <a:ext uri="{FF2B5EF4-FFF2-40B4-BE49-F238E27FC236}">
+                    <a16:creationId xmlns:a16="http://schemas.microsoft.com/office/drawing/2014/main" id="{C9CBF3A4-B06C-917B-A30E-2A0B97FD8EEA}"/>
+                  </a:ext>
+                </a:extLst>
+              </p:cNvPr>
+              <p:cNvSpPr>
+                <a:spLocks noGrp="1"/>
+              </p:cNvSpPr>
+              <p:nvPr>
+                <p:ph idx="1"/>
+              </p:nvPr>
+            </p:nvSpPr>
+            <p:spPr/>
+            <p:txBody>
+              <a:bodyPr/>
+              <a:lstStyle/>
+              <a:p>
+                <a:r>
+                  <a:rPr lang="en-US" dirty="0"/>
+                  <a:t>The paper solves gives an efficient way to solve the optimization problem.</a:t>
+                </a:r>
+              </a:p>
+              <a:p>
+                <a:endParaRPr lang="en-US" dirty="0"/>
+              </a:p>
+              <a:p>
+                <a:r>
+                  <a:rPr lang="en-US" dirty="0"/>
+                  <a:t>Given the solution, </a:t>
+                </a:r>
+                <a14:m>
+                  <m:oMath xmlns:m="http://schemas.openxmlformats.org/officeDocument/2006/math">
+                    <m:sSup>
+                      <m:sSupPr>
+                        <m:ctrlPr>
+                          <a:rPr lang="en-US" b="0" i="1" smtClean="0">
+                            <a:latin typeface="Cambria Math" panose="02040503050406030204" pitchFamily="18" charset="0"/>
+                          </a:rPr>
+                        </m:ctrlPr>
+                      </m:sSupPr>
+                      <m:e>
+                        <m:r>
+                          <a:rPr lang="en-US" b="0" i="1" smtClean="0">
+                            <a:latin typeface="Cambria Math" panose="02040503050406030204" pitchFamily="18" charset="0"/>
+                          </a:rPr>
+                          <m:t>𝑆</m:t>
+                        </m:r>
+                      </m:e>
+                      <m:sup>
+                        <m:r>
+                          <a:rPr lang="en-US" b="0" i="1" smtClean="0">
+                            <a:latin typeface="Cambria Math" panose="02040503050406030204" pitchFamily="18" charset="0"/>
+                          </a:rPr>
+                          <m:t>∗</m:t>
+                        </m:r>
+                      </m:sup>
+                    </m:sSup>
+                  </m:oMath>
+                </a14:m>
+                <a:r>
+                  <a:rPr lang="en-US" dirty="0"/>
+                  <a:t>, we know exactly the worst case distribution.</a:t>
+                </a:r>
+                <a:endParaRPr lang="en-IL" dirty="0"/>
+              </a:p>
+            </p:txBody>
+          </p:sp>
+        </mc:Choice>
+        <mc:Fallback>
+          <p:sp>
+            <p:nvSpPr>
+              <p:cNvPr id="3" name="Content Placeholder 2">
+                <a:extLst>
+                  <a:ext uri="{FF2B5EF4-FFF2-40B4-BE49-F238E27FC236}">
+                    <a16:creationId xmlns:a16="http://schemas.microsoft.com/office/drawing/2014/main" id="{C9CBF3A4-B06C-917B-A30E-2A0B97FD8EEA}"/>
+                  </a:ext>
+                </a:extLst>
+              </p:cNvPr>
+              <p:cNvSpPr>
+                <a:spLocks noGrp="1" noRot="1" noChangeAspect="1" noMove="1" noResize="1" noEditPoints="1" noAdjustHandles="1" noChangeArrowheads="1" noChangeShapeType="1" noTextEdit="1"/>
+              </p:cNvSpPr>
+              <p:nvPr>
+                <p:ph idx="1"/>
+              </p:nvPr>
+            </p:nvSpPr>
+            <p:spPr>
+              <a:blipFill>
+                <a:blip r:embed="rId2"/>
+                <a:stretch>
+                  <a:fillRect l="-1043" t="-2241"/>
+                </a:stretch>
+              </a:blipFill>
+            </p:spPr>
+            <p:txBody>
+              <a:bodyPr/>
+              <a:lstStyle/>
+              <a:p>
+                <a:r>
+                  <a:rPr lang="en-IL">
+                    <a:noFill/>
+                  </a:rPr>
+                  <a:t> </a:t>
+                </a:r>
+              </a:p>
+            </p:txBody>
+          </p:sp>
+        </mc:Fallback>
+      </mc:AlternateContent>
+    </p:spTree>
+    <p:extLst>
+      <p:ext uri="{BB962C8B-B14F-4D97-AF65-F5344CB8AC3E}">
+        <p14:creationId xmlns:p14="http://schemas.microsoft.com/office/powerpoint/2010/main" val="3658336090"/>
+      </p:ext>
+    </p:extLst>
+  </p:cSld>
+  <p:clrMapOvr>
+    <a:masterClrMapping/>
+  </p:clrMapOvr>
+</p:sld>
+</file>
+
+<file path=ppt/slides/slide37.xml><?xml version="1.0" encoding="utf-8"?>
+<p:sld xmlns:a="http://schemas.openxmlformats.org/drawingml/2006/main" xmlns:r="http://schemas.openxmlformats.org/officeDocument/2006/relationships" xmlns:p="http://schemas.openxmlformats.org/presentationml/2006/main">
+  <p:cSld>
+    <p:spTree>
+      <p:nvGrpSpPr>
+        <p:cNvPr id="1" name=""/>
+        <p:cNvGrpSpPr/>
+        <p:nvPr/>
+      </p:nvGrpSpPr>
+      <p:grpSpPr>
+        <a:xfrm>
+          <a:off x="0" y="0"/>
+          <a:ext cx="0" cy="0"/>
+          <a:chOff x="0" y="0"/>
+          <a:chExt cx="0" cy="0"/>
+        </a:xfrm>
+      </p:grpSpPr>
+      <p:sp>
+        <p:nvSpPr>
+          <p:cNvPr id="2" name="Title 1">
+            <a:extLst>
+              <a:ext uri="{FF2B5EF4-FFF2-40B4-BE49-F238E27FC236}">
+                <a16:creationId xmlns:a16="http://schemas.microsoft.com/office/drawing/2014/main" id="{CDA202A3-FAE2-DE27-A390-B0DCC0F66904}"/>
+              </a:ext>
+            </a:extLst>
+          </p:cNvPr>
+          <p:cNvSpPr>
+            <a:spLocks noGrp="1"/>
+          </p:cNvSpPr>
+          <p:nvPr>
+            <p:ph type="title"/>
+          </p:nvPr>
+        </p:nvSpPr>
+        <p:spPr/>
+        <p:txBody>
+          <a:bodyPr/>
+          <a:lstStyle/>
+          <a:p>
+            <a:r>
+              <a:rPr lang="en-US" dirty="0"/>
+              <a:t>Weakness</a:t>
+            </a:r>
+            <a:endParaRPr lang="en-IL" dirty="0"/>
+          </a:p>
+        </p:txBody>
+      </p:sp>
+      <p:sp>
+        <p:nvSpPr>
+          <p:cNvPr id="3" name="Content Placeholder 2">
+            <a:extLst>
+              <a:ext uri="{FF2B5EF4-FFF2-40B4-BE49-F238E27FC236}">
+                <a16:creationId xmlns:a16="http://schemas.microsoft.com/office/drawing/2014/main" id="{0BCC0DC2-8EC3-F219-83A7-F72EE6D28BF6}"/>
+              </a:ext>
+            </a:extLst>
+          </p:cNvPr>
+          <p:cNvSpPr>
+            <a:spLocks noGrp="1"/>
+          </p:cNvSpPr>
+          <p:nvPr>
+            <p:ph idx="1"/>
+          </p:nvPr>
+        </p:nvSpPr>
+        <p:spPr/>
+        <p:txBody>
+          <a:bodyPr/>
+          <a:lstStyle/>
+          <a:p>
+            <a:r>
+              <a:rPr lang="en-US" dirty="0"/>
+              <a:t>Only considers type-2 Wasserstein distance.</a:t>
+            </a:r>
+          </a:p>
+          <a:p>
+            <a:endParaRPr lang="en-US"/>
+          </a:p>
+          <a:p>
+            <a:endParaRPr lang="en-IL" dirty="0"/>
+          </a:p>
+        </p:txBody>
+      </p:sp>
+    </p:spTree>
+    <p:extLst>
+      <p:ext uri="{BB962C8B-B14F-4D97-AF65-F5344CB8AC3E}">
+        <p14:creationId xmlns:p14="http://schemas.microsoft.com/office/powerpoint/2010/main" val="2179102137"/>
       </p:ext>
     </p:extLst>
   </p:cSld>
@@ -16859,13 +17714,7 @@
                                 <a:rPr lang="en-US" b="0" i="1" smtClean="0">
                                   <a:latin typeface="Cambria Math" panose="02040503050406030204" pitchFamily="18" charset="0"/>
                                 </a:rPr>
-                                <m:t>−</m:t>
-                              </m:r>
-                              <m:r>
-                                <a:rPr lang="en-US" b="0" i="1" smtClean="0">
-                                  <a:latin typeface="Cambria Math" panose="02040503050406030204" pitchFamily="18" charset="0"/>
-                                </a:rPr>
-                                <m:t>2</m:t>
+                                <m:t>−2</m:t>
                               </m:r>
                               <m:sSup>
                                 <m:sSupPr>
@@ -16917,19 +17766,7 @@
                                             <a:rPr lang="en-US" b="0" i="1" smtClean="0">
                                               <a:latin typeface="Cambria Math" panose="02040503050406030204" pitchFamily="18" charset="0"/>
                                             </a:rPr>
-                                            <m:t>0</m:t>
-                                          </m:r>
-                                          <m:r>
-                                            <a:rPr lang="en-US" b="0" i="1" smtClean="0">
-                                              <a:latin typeface="Cambria Math" panose="02040503050406030204" pitchFamily="18" charset="0"/>
-                                            </a:rPr>
-                                            <m:t>.</m:t>
-                                          </m:r>
-                                          <m:r>
-                                            <a:rPr lang="en-US" b="0" i="1" smtClean="0">
-                                              <a:latin typeface="Cambria Math" panose="02040503050406030204" pitchFamily="18" charset="0"/>
-                                            </a:rPr>
-                                            <m:t>5</m:t>
+                                            <m:t>0.5</m:t>
                                           </m:r>
                                         </m:sup>
                                       </m:sSubSup>
@@ -16993,19 +17830,7 @@
                                             <a:rPr lang="en-US" i="1">
                                               <a:latin typeface="Cambria Math" panose="02040503050406030204" pitchFamily="18" charset="0"/>
                                             </a:rPr>
-                                            <m:t>0</m:t>
-                                          </m:r>
-                                          <m:r>
-                                            <a:rPr lang="en-US" i="1">
-                                              <a:latin typeface="Cambria Math" panose="02040503050406030204" pitchFamily="18" charset="0"/>
-                                            </a:rPr>
-                                            <m:t>.</m:t>
-                                          </m:r>
-                                          <m:r>
-                                            <a:rPr lang="en-US" i="1">
-                                              <a:latin typeface="Cambria Math" panose="02040503050406030204" pitchFamily="18" charset="0"/>
-                                            </a:rPr>
-                                            <m:t>5</m:t>
+                                            <m:t>0.5</m:t>
                                           </m:r>
                                         </m:sup>
                                       </m:sSubSup>
@@ -17017,19 +17842,7 @@
                                     <a:rPr lang="en-US" b="0" i="1" smtClean="0">
                                       <a:latin typeface="Cambria Math" panose="02040503050406030204" pitchFamily="18" charset="0"/>
                                     </a:rPr>
-                                    <m:t>0</m:t>
-                                  </m:r>
-                                  <m:r>
-                                    <a:rPr lang="en-US" b="0" i="1" smtClean="0">
-                                      <a:latin typeface="Cambria Math" panose="02040503050406030204" pitchFamily="18" charset="0"/>
-                                    </a:rPr>
-                                    <m:t>.</m:t>
-                                  </m:r>
-                                  <m:r>
-                                    <a:rPr lang="en-US" b="0" i="1" smtClean="0">
-                                      <a:latin typeface="Cambria Math" panose="02040503050406030204" pitchFamily="18" charset="0"/>
-                                    </a:rPr>
-                                    <m:t>5</m:t>
+                                    <m:t>0.5</m:t>
                                   </m:r>
                                 </m:sup>
                               </m:sSup>
@@ -18330,13 +19143,7 @@
                       <a:rPr lang="en-US" b="0" i="1" smtClean="0">
                         <a:latin typeface="Cambria Math" panose="02040503050406030204" pitchFamily="18" charset="0"/>
                       </a:rPr>
-                      <m:t>&gt;</m:t>
-                    </m:r>
-                    <m:r>
-                      <a:rPr lang="en-US" b="0" i="1" smtClean="0">
-                        <a:latin typeface="Cambria Math" panose="02040503050406030204" pitchFamily="18" charset="0"/>
-                      </a:rPr>
-                      <m:t>0</m:t>
+                      <m:t>&gt;0</m:t>
                     </m:r>
                   </m:oMath>
                 </a14:m>
@@ -18492,13 +19299,7 @@
                                     <a:rPr lang="en-US" i="1">
                                       <a:latin typeface="Cambria Math" panose="02040503050406030204" pitchFamily="18" charset="0"/>
                                     </a:rPr>
-                                    <m:t>−</m:t>
-                                  </m:r>
-                                  <m:r>
-                                    <a:rPr lang="en-US" i="1">
-                                      <a:latin typeface="Cambria Math" panose="02040503050406030204" pitchFamily="18" charset="0"/>
-                                    </a:rPr>
-                                    <m:t>1</m:t>
+                                    <m:t>−1</m:t>
                                   </m:r>
                                 </m:sup>
                               </m:sSubSup>
@@ -19019,13 +19820,7 @@
                             <a:rPr lang="en-US" i="1">
                               <a:latin typeface="Cambria Math" panose="02040503050406030204" pitchFamily="18" charset="0"/>
                             </a:rPr>
-                            <m:t>−</m:t>
-                          </m:r>
-                          <m:r>
-                            <a:rPr lang="en-US" i="1">
-                              <a:latin typeface="Cambria Math" panose="02040503050406030204" pitchFamily="18" charset="0"/>
-                            </a:rPr>
-                            <m:t>2</m:t>
+                            <m:t>−2</m:t>
                           </m:r>
                           <m:sSup>
                             <m:sSupPr>
@@ -19069,19 +19864,7 @@
                                         <a:rPr lang="en-US" i="1">
                                           <a:latin typeface="Cambria Math" panose="02040503050406030204" pitchFamily="18" charset="0"/>
                                         </a:rPr>
-                                        <m:t>0</m:t>
-                                      </m:r>
-                                      <m:r>
-                                        <a:rPr lang="en-US" i="1">
-                                          <a:latin typeface="Cambria Math" panose="02040503050406030204" pitchFamily="18" charset="0"/>
-                                        </a:rPr>
-                                        <m:t>.</m:t>
-                                      </m:r>
-                                      <m:r>
-                                        <a:rPr lang="en-US" i="1">
-                                          <a:latin typeface="Cambria Math" panose="02040503050406030204" pitchFamily="18" charset="0"/>
-                                        </a:rPr>
-                                        <m:t>5</m:t>
+                                        <m:t>0.5</m:t>
                                       </m:r>
                                     </m:sup>
                                   </m:sSup>
@@ -19115,19 +19898,7 @@
                                         <a:rPr lang="en-US" i="1">
                                           <a:latin typeface="Cambria Math" panose="02040503050406030204" pitchFamily="18" charset="0"/>
                                         </a:rPr>
-                                        <m:t>0</m:t>
-                                      </m:r>
-                                      <m:r>
-                                        <a:rPr lang="en-US" i="1">
-                                          <a:latin typeface="Cambria Math" panose="02040503050406030204" pitchFamily="18" charset="0"/>
-                                        </a:rPr>
-                                        <m:t>.</m:t>
-                                      </m:r>
-                                      <m:r>
-                                        <a:rPr lang="en-US" i="1">
-                                          <a:latin typeface="Cambria Math" panose="02040503050406030204" pitchFamily="18" charset="0"/>
-                                        </a:rPr>
-                                        <m:t>5</m:t>
+                                        <m:t>0.5</m:t>
                                       </m:r>
                                     </m:sup>
                                   </m:sSup>
@@ -19139,19 +19910,7 @@
                                 <a:rPr lang="en-US" i="1">
                                   <a:latin typeface="Cambria Math" panose="02040503050406030204" pitchFamily="18" charset="0"/>
                                 </a:rPr>
-                                <m:t>0</m:t>
-                              </m:r>
-                              <m:r>
-                                <a:rPr lang="en-US" i="1">
-                                  <a:latin typeface="Cambria Math" panose="02040503050406030204" pitchFamily="18" charset="0"/>
-                                </a:rPr>
-                                <m:t>.</m:t>
-                              </m:r>
-                              <m:r>
-                                <a:rPr lang="en-US" i="1">
-                                  <a:latin typeface="Cambria Math" panose="02040503050406030204" pitchFamily="18" charset="0"/>
-                                </a:rPr>
-                                <m:t>5</m:t>
+                                <m:t>0.5</m:t>
                               </m:r>
                             </m:sup>
                           </m:sSup>

--- a/presentation.pptx
+++ b/presentation.pptx
@@ -297,7 +297,7 @@
           <a:p>
             <a:fld id="{0864CE99-312F-448F-A766-287C79E9A4F1}" type="datetimeFigureOut">
               <a:rPr lang="en-IL" smtClean="0"/>
-              <a:t>26/06/2023</a:t>
+              <a:t>09/07/2023</a:t>
             </a:fld>
             <a:endParaRPr lang="en-IL"/>
           </a:p>
@@ -497,7 +497,7 @@
           <a:p>
             <a:fld id="{0864CE99-312F-448F-A766-287C79E9A4F1}" type="datetimeFigureOut">
               <a:rPr lang="en-IL" smtClean="0"/>
-              <a:t>26/06/2023</a:t>
+              <a:t>09/07/2023</a:t>
             </a:fld>
             <a:endParaRPr lang="en-IL"/>
           </a:p>
@@ -707,7 +707,7 @@
           <a:p>
             <a:fld id="{0864CE99-312F-448F-A766-287C79E9A4F1}" type="datetimeFigureOut">
               <a:rPr lang="en-IL" smtClean="0"/>
-              <a:t>26/06/2023</a:t>
+              <a:t>09/07/2023</a:t>
             </a:fld>
             <a:endParaRPr lang="en-IL"/>
           </a:p>
@@ -907,7 +907,7 @@
           <a:p>
             <a:fld id="{0864CE99-312F-448F-A766-287C79E9A4F1}" type="datetimeFigureOut">
               <a:rPr lang="en-IL" smtClean="0"/>
-              <a:t>26/06/2023</a:t>
+              <a:t>09/07/2023</a:t>
             </a:fld>
             <a:endParaRPr lang="en-IL"/>
           </a:p>
@@ -1183,7 +1183,7 @@
           <a:p>
             <a:fld id="{0864CE99-312F-448F-A766-287C79E9A4F1}" type="datetimeFigureOut">
               <a:rPr lang="en-IL" smtClean="0"/>
-              <a:t>26/06/2023</a:t>
+              <a:t>09/07/2023</a:t>
             </a:fld>
             <a:endParaRPr lang="en-IL"/>
           </a:p>
@@ -1451,7 +1451,7 @@
           <a:p>
             <a:fld id="{0864CE99-312F-448F-A766-287C79E9A4F1}" type="datetimeFigureOut">
               <a:rPr lang="en-IL" smtClean="0"/>
-              <a:t>26/06/2023</a:t>
+              <a:t>09/07/2023</a:t>
             </a:fld>
             <a:endParaRPr lang="en-IL"/>
           </a:p>
@@ -1866,7 +1866,7 @@
           <a:p>
             <a:fld id="{0864CE99-312F-448F-A766-287C79E9A4F1}" type="datetimeFigureOut">
               <a:rPr lang="en-IL" smtClean="0"/>
-              <a:t>26/06/2023</a:t>
+              <a:t>09/07/2023</a:t>
             </a:fld>
             <a:endParaRPr lang="en-IL"/>
           </a:p>
@@ -2008,7 +2008,7 @@
           <a:p>
             <a:fld id="{0864CE99-312F-448F-A766-287C79E9A4F1}" type="datetimeFigureOut">
               <a:rPr lang="en-IL" smtClean="0"/>
-              <a:t>26/06/2023</a:t>
+              <a:t>09/07/2023</a:t>
             </a:fld>
             <a:endParaRPr lang="en-IL"/>
           </a:p>
@@ -2121,7 +2121,7 @@
           <a:p>
             <a:fld id="{0864CE99-312F-448F-A766-287C79E9A4F1}" type="datetimeFigureOut">
               <a:rPr lang="en-IL" smtClean="0"/>
-              <a:t>26/06/2023</a:t>
+              <a:t>09/07/2023</a:t>
             </a:fld>
             <a:endParaRPr lang="en-IL"/>
           </a:p>
@@ -2434,7 +2434,7 @@
           <a:p>
             <a:fld id="{0864CE99-312F-448F-A766-287C79E9A4F1}" type="datetimeFigureOut">
               <a:rPr lang="en-IL" smtClean="0"/>
-              <a:t>26/06/2023</a:t>
+              <a:t>09/07/2023</a:t>
             </a:fld>
             <a:endParaRPr lang="en-IL"/>
           </a:p>
@@ -2723,7 +2723,7 @@
           <a:p>
             <a:fld id="{0864CE99-312F-448F-A766-287C79E9A4F1}" type="datetimeFigureOut">
               <a:rPr lang="en-IL" smtClean="0"/>
-              <a:t>26/06/2023</a:t>
+              <a:t>09/07/2023</a:t>
             </a:fld>
             <a:endParaRPr lang="en-IL"/>
           </a:p>
@@ -2966,7 +2966,7 @@
           <a:p>
             <a:fld id="{0864CE99-312F-448F-A766-287C79E9A4F1}" type="datetimeFigureOut">
               <a:rPr lang="en-IL" smtClean="0"/>
-              <a:t>26/06/2023</a:t>
+              <a:t>09/07/2023</a:t>
             </a:fld>
             <a:endParaRPr lang="en-IL"/>
           </a:p>
@@ -10237,7 +10237,13 @@
                               <a:rPr lang="en-US" b="0" i="1" dirty="0" smtClean="0">
                                 <a:latin typeface="Cambria Math" panose="02040503050406030204" pitchFamily="18" charset="0"/>
                               </a:rPr>
-                              <m:t>−1</m:t>
+                              <m:t>−</m:t>
+                            </m:r>
+                            <m:r>
+                              <a:rPr lang="en-US" b="0" i="1" dirty="0" smtClean="0">
+                                <a:latin typeface="Cambria Math" panose="02040503050406030204" pitchFamily="18" charset="0"/>
+                              </a:rPr>
+                              <m:t>1</m:t>
                             </m:r>
                           </m:sub>
                         </m:sSub>
@@ -10274,7 +10280,13 @@
                               <a:rPr lang="en-US" b="0" i="1" dirty="0" smtClean="0">
                                 <a:latin typeface="Cambria Math" panose="02040503050406030204" pitchFamily="18" charset="0"/>
                               </a:rPr>
-                              <m:t>−1</m:t>
+                              <m:t>−</m:t>
+                            </m:r>
+                            <m:r>
+                              <a:rPr lang="en-US" b="0" i="1" dirty="0" smtClean="0">
+                                <a:latin typeface="Cambria Math" panose="02040503050406030204" pitchFamily="18" charset="0"/>
+                              </a:rPr>
+                              <m:t>1</m:t>
                             </m:r>
                           </m:sub>
                         </m:sSub>
@@ -10371,7 +10383,13 @@
                               <a:rPr lang="en-US" b="0" i="1" dirty="0" smtClean="0">
                                 <a:latin typeface="Cambria Math" panose="02040503050406030204" pitchFamily="18" charset="0"/>
                               </a:rPr>
-                              <m:t>−1</m:t>
+                              <m:t>−</m:t>
+                            </m:r>
+                            <m:r>
+                              <a:rPr lang="en-US" b="0" i="1" dirty="0" smtClean="0">
+                                <a:latin typeface="Cambria Math" panose="02040503050406030204" pitchFamily="18" charset="0"/>
+                              </a:rPr>
+                              <m:t>1</m:t>
                             </m:r>
                           </m:sub>
                         </m:sSub>
@@ -10460,7 +10478,13 @@
                               <a:rPr lang="en-US" i="1" dirty="0">
                                 <a:latin typeface="Cambria Math" panose="02040503050406030204" pitchFamily="18" charset="0"/>
                               </a:rPr>
-                              <m:t>−1</m:t>
+                              <m:t>−</m:t>
+                            </m:r>
+                            <m:r>
+                              <a:rPr lang="en-US" i="1" dirty="0">
+                                <a:latin typeface="Cambria Math" panose="02040503050406030204" pitchFamily="18" charset="0"/>
+                              </a:rPr>
+                              <m:t>1</m:t>
                             </m:r>
                           </m:sub>
                         </m:sSub>
@@ -10534,7 +10558,13 @@
                           <a:rPr lang="en-US" i="1" dirty="0" smtClean="0">
                             <a:latin typeface="Cambria Math" panose="02040503050406030204" pitchFamily="18" charset="0"/>
                           </a:rPr>
-                          <m:t>−1</m:t>
+                          <m:t>−</m:t>
+                        </m:r>
+                        <m:r>
+                          <a:rPr lang="en-US" i="1" dirty="0" smtClean="0">
+                            <a:latin typeface="Cambria Math" panose="02040503050406030204" pitchFamily="18" charset="0"/>
+                          </a:rPr>
+                          <m:t>1</m:t>
                         </m:r>
                       </m:sub>
                     </m:sSub>
@@ -10636,7 +10666,13 @@
                                 <a:rPr lang="en-US" b="0" i="1" smtClean="0">
                                   <a:latin typeface="Cambria Math" panose="02040503050406030204" pitchFamily="18" charset="0"/>
                                 </a:rPr>
-                                <m:t>−1</m:t>
+                                <m:t>−</m:t>
+                              </m:r>
+                              <m:r>
+                                <a:rPr lang="en-US" b="0" i="1" smtClean="0">
+                                  <a:latin typeface="Cambria Math" panose="02040503050406030204" pitchFamily="18" charset="0"/>
+                                </a:rPr>
+                                <m:t>1</m:t>
                               </m:r>
                             </m:sub>
                           </m:sSub>
@@ -10690,7 +10726,13 @@
                                 <a:rPr lang="en-US" b="0" i="1" smtClean="0">
                                   <a:latin typeface="Cambria Math" panose="02040503050406030204" pitchFamily="18" charset="0"/>
                                 </a:rPr>
-                                <m:t>−1</m:t>
+                                <m:t>−</m:t>
+                              </m:r>
+                              <m:r>
+                                <a:rPr lang="en-US" b="0" i="1" smtClean="0">
+                                  <a:latin typeface="Cambria Math" panose="02040503050406030204" pitchFamily="18" charset="0"/>
+                                </a:rPr>
+                                <m:t>1</m:t>
                               </m:r>
                             </m:sub>
                           </m:sSub>
@@ -10815,7 +10857,13 @@
                                     <a:rPr lang="en-US" b="0" i="1" smtClean="0">
                                       <a:latin typeface="Cambria Math" panose="02040503050406030204" pitchFamily="18" charset="0"/>
                                     </a:rPr>
-                                    <m:t>−1</m:t>
+                                    <m:t>−</m:t>
+                                  </m:r>
+                                  <m:r>
+                                    <a:rPr lang="en-US" b="0" i="1" smtClean="0">
+                                      <a:latin typeface="Cambria Math" panose="02040503050406030204" pitchFamily="18" charset="0"/>
+                                    </a:rPr>
+                                    <m:t>1</m:t>
                                   </m:r>
                                 </m:sub>
                               </m:sSub>
@@ -10877,7 +10925,13 @@
                                     <a:rPr lang="en-US" b="0" i="1" smtClean="0">
                                       <a:latin typeface="Cambria Math" panose="02040503050406030204" pitchFamily="18" charset="0"/>
                                     </a:rPr>
-                                    <m:t>−1</m:t>
+                                    <m:t>−</m:t>
+                                  </m:r>
+                                  <m:r>
+                                    <a:rPr lang="en-US" b="0" i="1" smtClean="0">
+                                      <a:latin typeface="Cambria Math" panose="02040503050406030204" pitchFamily="18" charset="0"/>
+                                    </a:rPr>
+                                    <m:t>1</m:t>
                                   </m:r>
                                 </m:sub>
                               </m:sSub>
@@ -10927,7 +10981,13 @@
                                     <a:rPr lang="en-US" b="0" i="1" smtClean="0">
                                       <a:latin typeface="Cambria Math" panose="02040503050406030204" pitchFamily="18" charset="0"/>
                                     </a:rPr>
-                                    <m:t>−1</m:t>
+                                    <m:t>−</m:t>
+                                  </m:r>
+                                  <m:r>
+                                    <a:rPr lang="en-US" b="0" i="1" smtClean="0">
+                                      <a:latin typeface="Cambria Math" panose="02040503050406030204" pitchFamily="18" charset="0"/>
+                                    </a:rPr>
+                                    <m:t>1</m:t>
                                   </m:r>
                                 </m:sub>
                               </m:sSub>
@@ -10964,7 +11024,13 @@
                                     <a:rPr lang="en-US" b="0" i="1" smtClean="0">
                                       <a:latin typeface="Cambria Math" panose="02040503050406030204" pitchFamily="18" charset="0"/>
                                     </a:rPr>
-                                    <m:t>−1</m:t>
+                                    <m:t>−</m:t>
+                                  </m:r>
+                                  <m:r>
+                                    <a:rPr lang="en-US" b="0" i="1" smtClean="0">
+                                      <a:latin typeface="Cambria Math" panose="02040503050406030204" pitchFamily="18" charset="0"/>
+                                    </a:rPr>
+                                    <m:t>1</m:t>
                                   </m:r>
                                 </m:sub>
                               </m:sSub>
@@ -11020,7 +11086,13 @@
                                     <a:rPr lang="en-US" b="0" i="1" smtClean="0">
                                       <a:latin typeface="Cambria Math" panose="02040503050406030204" pitchFamily="18" charset="0"/>
                                     </a:rPr>
-                                    <m:t>−1</m:t>
+                                    <m:t>−</m:t>
+                                  </m:r>
+                                  <m:r>
+                                    <a:rPr lang="en-US" b="0" i="1" smtClean="0">
+                                      <a:latin typeface="Cambria Math" panose="02040503050406030204" pitchFamily="18" charset="0"/>
+                                    </a:rPr>
+                                    <m:t>1</m:t>
                                   </m:r>
                                 </m:sub>
                               </m:sSub>
@@ -11057,7 +11129,13 @@
                                     <a:rPr lang="en-US" b="0" i="1" smtClean="0">
                                       <a:latin typeface="Cambria Math" panose="02040503050406030204" pitchFamily="18" charset="0"/>
                                     </a:rPr>
-                                    <m:t>−1</m:t>
+                                    <m:t>−</m:t>
+                                  </m:r>
+                                  <m:r>
+                                    <a:rPr lang="en-US" b="0" i="1" smtClean="0">
+                                      <a:latin typeface="Cambria Math" panose="02040503050406030204" pitchFamily="18" charset="0"/>
+                                    </a:rPr>
+                                    <m:t>1</m:t>
                                   </m:r>
                                 </m:sub>
                               </m:sSub>
@@ -15286,8 +15364,8 @@
           </a:p>
         </p:txBody>
       </p:sp>
-      <mc:AlternateContent xmlns:mc="http://schemas.openxmlformats.org/markup-compatibility/2006">
-        <mc:Choice xmlns:a14="http://schemas.microsoft.com/office/drawing/2010/main" Requires="a14">
+      <mc:AlternateContent xmlns:mc="http://schemas.openxmlformats.org/markup-compatibility/2006" xmlns:a14="http://schemas.microsoft.com/office/drawing/2010/main">
+        <mc:Choice Requires="a14">
           <p:sp>
             <p:nvSpPr>
               <p:cNvPr id="3" name="Content Placeholder 2">
@@ -15402,7 +15480,7 @@
             </p:txBody>
           </p:sp>
         </mc:Choice>
-        <mc:Fallback>
+        <mc:Fallback xmlns="">
           <p:sp>
             <p:nvSpPr>
               <p:cNvPr id="3" name="Content Placeholder 2">
@@ -15958,7 +16036,7 @@
                 </a14:m>
                 <a:r>
                   <a:rPr lang="en-US" dirty="0"/>
-                  <a:t>, we know exactly the worst case distribution.</a:t>
+                  <a:t>, we know exactly the worst-case distribution.</a:t>
                 </a:r>
                 <a:endParaRPr lang="en-IL" dirty="0"/>
               </a:p>
@@ -16091,7 +16169,13 @@
             </a:r>
           </a:p>
           <a:p>
-            <a:endParaRPr lang="en-US"/>
+            <a:r>
+              <a:rPr lang="en-US" dirty="0"/>
+              <a:t>Only considers normal distributions. </a:t>
+            </a:r>
+          </a:p>
+          <a:p>
+            <a:endParaRPr lang="en-US" dirty="0"/>
           </a:p>
           <a:p>
             <a:endParaRPr lang="en-IL" dirty="0"/>
